--- a/Final Presentation.pptx
+++ b/Final Presentation.pptx
@@ -5,15 +5,15 @@
     <p:sldMasterId id="2147483888" r:id="rId1"/>
   </p:sldMasterIdLst>
   <p:notesMasterIdLst>
-    <p:notesMasterId r:id="rId17"/>
+    <p:notesMasterId r:id="rId20"/>
   </p:notesMasterIdLst>
   <p:sldIdLst>
     <p:sldId id="256" r:id="rId2"/>
     <p:sldId id="257" r:id="rId3"/>
     <p:sldId id="258" r:id="rId4"/>
     <p:sldId id="259" r:id="rId5"/>
-    <p:sldId id="261" r:id="rId6"/>
-    <p:sldId id="262" r:id="rId7"/>
+    <p:sldId id="273" r:id="rId6"/>
+    <p:sldId id="275" r:id="rId7"/>
     <p:sldId id="263" r:id="rId8"/>
     <p:sldId id="260" r:id="rId9"/>
     <p:sldId id="264" r:id="rId10"/>
@@ -22,7 +22,10 @@
     <p:sldId id="268" r:id="rId13"/>
     <p:sldId id="269" r:id="rId14"/>
     <p:sldId id="271" r:id="rId15"/>
-    <p:sldId id="270" r:id="rId16"/>
+    <p:sldId id="274" r:id="rId16"/>
+    <p:sldId id="272" r:id="rId17"/>
+    <p:sldId id="270" r:id="rId18"/>
+    <p:sldId id="261" r:id="rId19"/>
   </p:sldIdLst>
   <p:sldSz cx="12192000" cy="6858000"/>
   <p:notesSz cx="6858000" cy="9144000"/>
@@ -872,753 +875,6 @@
 </file>
 
 <file path=ppt/diagrams/colors2.xml><?xml version="1.0" encoding="utf-8"?>
-<dgm:colorsDef xmlns:dgm="http://schemas.openxmlformats.org/drawingml/2006/diagram" xmlns:a="http://schemas.openxmlformats.org/drawingml/2006/main" uniqueId="urn:microsoft.com/office/officeart/2005/8/colors/accent1_2">
-  <dgm:title val=""/>
-  <dgm:desc val=""/>
-  <dgm:catLst>
-    <dgm:cat type="accent1" pri="11200"/>
-  </dgm:catLst>
-  <dgm:styleLbl name="node0">
-    <dgm:fillClrLst meth="repeat">
-      <a:schemeClr val="accent1"/>
-    </dgm:fillClrLst>
-    <dgm:linClrLst meth="repeat">
-      <a:schemeClr val="lt1"/>
-    </dgm:linClrLst>
-    <dgm:effectClrLst/>
-    <dgm:txLinClrLst/>
-    <dgm:txFillClrLst/>
-    <dgm:txEffectClrLst/>
-  </dgm:styleLbl>
-  <dgm:styleLbl name="alignNode1">
-    <dgm:fillClrLst meth="repeat">
-      <a:schemeClr val="accent1"/>
-    </dgm:fillClrLst>
-    <dgm:linClrLst meth="repeat">
-      <a:schemeClr val="accent1"/>
-    </dgm:linClrLst>
-    <dgm:effectClrLst/>
-    <dgm:txLinClrLst/>
-    <dgm:txFillClrLst/>
-    <dgm:txEffectClrLst/>
-  </dgm:styleLbl>
-  <dgm:styleLbl name="node1">
-    <dgm:fillClrLst meth="repeat">
-      <a:schemeClr val="accent1"/>
-    </dgm:fillClrLst>
-    <dgm:linClrLst meth="repeat">
-      <a:schemeClr val="lt1"/>
-    </dgm:linClrLst>
-    <dgm:effectClrLst/>
-    <dgm:txLinClrLst/>
-    <dgm:txFillClrLst/>
-    <dgm:txEffectClrLst/>
-  </dgm:styleLbl>
-  <dgm:styleLbl name="lnNode1">
-    <dgm:fillClrLst meth="repeat">
-      <a:schemeClr val="accent1"/>
-    </dgm:fillClrLst>
-    <dgm:linClrLst meth="repeat">
-      <a:schemeClr val="lt1"/>
-    </dgm:linClrLst>
-    <dgm:effectClrLst/>
-    <dgm:txLinClrLst/>
-    <dgm:txFillClrLst/>
-    <dgm:txEffectClrLst/>
-  </dgm:styleLbl>
-  <dgm:styleLbl name="vennNode1">
-    <dgm:fillClrLst meth="repeat">
-      <a:schemeClr val="accent1">
-        <a:alpha val="50000"/>
-      </a:schemeClr>
-    </dgm:fillClrLst>
-    <dgm:linClrLst meth="repeat">
-      <a:schemeClr val="lt1"/>
-    </dgm:linClrLst>
-    <dgm:effectClrLst/>
-    <dgm:txLinClrLst/>
-    <dgm:txFillClrLst/>
-    <dgm:txEffectClrLst/>
-  </dgm:styleLbl>
-  <dgm:styleLbl name="node2">
-    <dgm:fillClrLst meth="repeat">
-      <a:schemeClr val="accent1"/>
-    </dgm:fillClrLst>
-    <dgm:linClrLst meth="repeat">
-      <a:schemeClr val="lt1"/>
-    </dgm:linClrLst>
-    <dgm:effectClrLst/>
-    <dgm:txLinClrLst/>
-    <dgm:txFillClrLst/>
-    <dgm:txEffectClrLst/>
-  </dgm:styleLbl>
-  <dgm:styleLbl name="node3">
-    <dgm:fillClrLst meth="repeat">
-      <a:schemeClr val="accent1"/>
-    </dgm:fillClrLst>
-    <dgm:linClrLst meth="repeat">
-      <a:schemeClr val="lt1"/>
-    </dgm:linClrLst>
-    <dgm:effectClrLst/>
-    <dgm:txLinClrLst/>
-    <dgm:txFillClrLst/>
-    <dgm:txEffectClrLst/>
-  </dgm:styleLbl>
-  <dgm:styleLbl name="node4">
-    <dgm:fillClrLst meth="repeat">
-      <a:schemeClr val="accent1"/>
-    </dgm:fillClrLst>
-    <dgm:linClrLst meth="repeat">
-      <a:schemeClr val="lt1"/>
-    </dgm:linClrLst>
-    <dgm:effectClrLst/>
-    <dgm:txLinClrLst/>
-    <dgm:txFillClrLst/>
-    <dgm:txEffectClrLst/>
-  </dgm:styleLbl>
-  <dgm:styleLbl name="fgImgPlace1">
-    <dgm:fillClrLst meth="repeat">
-      <a:schemeClr val="accent1">
-        <a:tint val="50000"/>
-      </a:schemeClr>
-    </dgm:fillClrLst>
-    <dgm:linClrLst meth="repeat">
-      <a:schemeClr val="lt1"/>
-    </dgm:linClrLst>
-    <dgm:effectClrLst/>
-    <dgm:txLinClrLst/>
-    <dgm:txFillClrLst meth="repeat">
-      <a:schemeClr val="lt1"/>
-    </dgm:txFillClrLst>
-    <dgm:txEffectClrLst/>
-  </dgm:styleLbl>
-  <dgm:styleLbl name="alignImgPlace1">
-    <dgm:fillClrLst meth="repeat">
-      <a:schemeClr val="accent1">
-        <a:tint val="50000"/>
-      </a:schemeClr>
-    </dgm:fillClrLst>
-    <dgm:linClrLst meth="repeat">
-      <a:schemeClr val="lt1"/>
-    </dgm:linClrLst>
-    <dgm:effectClrLst/>
-    <dgm:txLinClrLst/>
-    <dgm:txFillClrLst meth="repeat">
-      <a:schemeClr val="lt1"/>
-    </dgm:txFillClrLst>
-    <dgm:txEffectClrLst/>
-  </dgm:styleLbl>
-  <dgm:styleLbl name="bgImgPlace1">
-    <dgm:fillClrLst meth="repeat">
-      <a:schemeClr val="accent1">
-        <a:tint val="50000"/>
-      </a:schemeClr>
-    </dgm:fillClrLst>
-    <dgm:linClrLst meth="repeat">
-      <a:schemeClr val="lt1"/>
-    </dgm:linClrLst>
-    <dgm:effectClrLst/>
-    <dgm:txLinClrLst/>
-    <dgm:txFillClrLst meth="repeat">
-      <a:schemeClr val="lt1"/>
-    </dgm:txFillClrLst>
-    <dgm:txEffectClrLst/>
-  </dgm:styleLbl>
-  <dgm:styleLbl name="sibTrans2D1">
-    <dgm:fillClrLst meth="repeat">
-      <a:schemeClr val="accent1">
-        <a:tint val="60000"/>
-      </a:schemeClr>
-    </dgm:fillClrLst>
-    <dgm:linClrLst meth="repeat">
-      <a:schemeClr val="accent1">
-        <a:tint val="60000"/>
-      </a:schemeClr>
-    </dgm:linClrLst>
-    <dgm:effectClrLst/>
-    <dgm:txLinClrLst/>
-    <dgm:txFillClrLst/>
-    <dgm:txEffectClrLst/>
-  </dgm:styleLbl>
-  <dgm:styleLbl name="fgSibTrans2D1">
-    <dgm:fillClrLst meth="repeat">
-      <a:schemeClr val="accent1">
-        <a:tint val="60000"/>
-      </a:schemeClr>
-    </dgm:fillClrLst>
-    <dgm:linClrLst meth="repeat">
-      <a:schemeClr val="accent1">
-        <a:tint val="60000"/>
-      </a:schemeClr>
-    </dgm:linClrLst>
-    <dgm:effectClrLst/>
-    <dgm:txLinClrLst/>
-    <dgm:txFillClrLst/>
-    <dgm:txEffectClrLst/>
-  </dgm:styleLbl>
-  <dgm:styleLbl name="bgSibTrans2D1">
-    <dgm:fillClrLst meth="repeat">
-      <a:schemeClr val="accent1">
-        <a:tint val="60000"/>
-      </a:schemeClr>
-    </dgm:fillClrLst>
-    <dgm:linClrLst meth="repeat">
-      <a:schemeClr val="accent1">
-        <a:tint val="60000"/>
-      </a:schemeClr>
-    </dgm:linClrLst>
-    <dgm:effectClrLst/>
-    <dgm:txLinClrLst/>
-    <dgm:txFillClrLst/>
-    <dgm:txEffectClrLst/>
-  </dgm:styleLbl>
-  <dgm:styleLbl name="sibTrans1D1">
-    <dgm:fillClrLst meth="repeat">
-      <a:schemeClr val="accent1"/>
-    </dgm:fillClrLst>
-    <dgm:linClrLst meth="repeat">
-      <a:schemeClr val="accent1"/>
-    </dgm:linClrLst>
-    <dgm:effectClrLst/>
-    <dgm:txLinClrLst/>
-    <dgm:txFillClrLst meth="repeat">
-      <a:schemeClr val="tx1"/>
-    </dgm:txFillClrLst>
-    <dgm:txEffectClrLst/>
-  </dgm:styleLbl>
-  <dgm:styleLbl name="callout">
-    <dgm:fillClrLst meth="repeat">
-      <a:schemeClr val="accent1"/>
-    </dgm:fillClrLst>
-    <dgm:linClrLst meth="repeat">
-      <a:schemeClr val="accent1">
-        <a:tint val="50000"/>
-      </a:schemeClr>
-    </dgm:linClrLst>
-    <dgm:effectClrLst/>
-    <dgm:txLinClrLst/>
-    <dgm:txFillClrLst meth="repeat">
-      <a:schemeClr val="tx1"/>
-    </dgm:txFillClrLst>
-    <dgm:txEffectClrLst/>
-  </dgm:styleLbl>
-  <dgm:styleLbl name="asst0">
-    <dgm:fillClrLst meth="repeat">
-      <a:schemeClr val="accent1"/>
-    </dgm:fillClrLst>
-    <dgm:linClrLst meth="repeat">
-      <a:schemeClr val="lt1"/>
-    </dgm:linClrLst>
-    <dgm:effectClrLst/>
-    <dgm:txLinClrLst/>
-    <dgm:txFillClrLst/>
-    <dgm:txEffectClrLst/>
-  </dgm:styleLbl>
-  <dgm:styleLbl name="asst1">
-    <dgm:fillClrLst meth="repeat">
-      <a:schemeClr val="accent1"/>
-    </dgm:fillClrLst>
-    <dgm:linClrLst meth="repeat">
-      <a:schemeClr val="lt1"/>
-    </dgm:linClrLst>
-    <dgm:effectClrLst/>
-    <dgm:txLinClrLst/>
-    <dgm:txFillClrLst/>
-    <dgm:txEffectClrLst/>
-  </dgm:styleLbl>
-  <dgm:styleLbl name="asst2">
-    <dgm:fillClrLst meth="repeat">
-      <a:schemeClr val="accent1"/>
-    </dgm:fillClrLst>
-    <dgm:linClrLst meth="repeat">
-      <a:schemeClr val="lt1"/>
-    </dgm:linClrLst>
-    <dgm:effectClrLst/>
-    <dgm:txLinClrLst/>
-    <dgm:txFillClrLst/>
-    <dgm:txEffectClrLst/>
-  </dgm:styleLbl>
-  <dgm:styleLbl name="asst3">
-    <dgm:fillClrLst meth="repeat">
-      <a:schemeClr val="accent1"/>
-    </dgm:fillClrLst>
-    <dgm:linClrLst meth="repeat">
-      <a:schemeClr val="lt1"/>
-    </dgm:linClrLst>
-    <dgm:effectClrLst/>
-    <dgm:txLinClrLst/>
-    <dgm:txFillClrLst/>
-    <dgm:txEffectClrLst/>
-  </dgm:styleLbl>
-  <dgm:styleLbl name="asst4">
-    <dgm:fillClrLst meth="repeat">
-      <a:schemeClr val="accent1"/>
-    </dgm:fillClrLst>
-    <dgm:linClrLst meth="repeat">
-      <a:schemeClr val="lt1"/>
-    </dgm:linClrLst>
-    <dgm:effectClrLst/>
-    <dgm:txLinClrLst/>
-    <dgm:txFillClrLst/>
-    <dgm:txEffectClrLst/>
-  </dgm:styleLbl>
-  <dgm:styleLbl name="parChTrans2D1">
-    <dgm:fillClrLst meth="repeat">
-      <a:schemeClr val="accent1">
-        <a:tint val="60000"/>
-      </a:schemeClr>
-    </dgm:fillClrLst>
-    <dgm:linClrLst meth="repeat">
-      <a:schemeClr val="accent1">
-        <a:tint val="60000"/>
-      </a:schemeClr>
-    </dgm:linClrLst>
-    <dgm:effectClrLst/>
-    <dgm:txLinClrLst/>
-    <dgm:txFillClrLst meth="repeat">
-      <a:schemeClr val="lt1"/>
-    </dgm:txFillClrLst>
-    <dgm:txEffectClrLst/>
-  </dgm:styleLbl>
-  <dgm:styleLbl name="parChTrans2D2">
-    <dgm:fillClrLst meth="repeat">
-      <a:schemeClr val="accent1"/>
-    </dgm:fillClrLst>
-    <dgm:linClrLst meth="repeat">
-      <a:schemeClr val="accent1"/>
-    </dgm:linClrLst>
-    <dgm:effectClrLst/>
-    <dgm:txLinClrLst/>
-    <dgm:txFillClrLst meth="repeat">
-      <a:schemeClr val="lt1"/>
-    </dgm:txFillClrLst>
-    <dgm:txEffectClrLst/>
-  </dgm:styleLbl>
-  <dgm:styleLbl name="parChTrans2D3">
-    <dgm:fillClrLst meth="repeat">
-      <a:schemeClr val="accent1"/>
-    </dgm:fillClrLst>
-    <dgm:linClrLst meth="repeat">
-      <a:schemeClr val="accent1"/>
-    </dgm:linClrLst>
-    <dgm:effectClrLst/>
-    <dgm:txLinClrLst/>
-    <dgm:txFillClrLst meth="repeat">
-      <a:schemeClr val="lt1"/>
-    </dgm:txFillClrLst>
-    <dgm:txEffectClrLst/>
-  </dgm:styleLbl>
-  <dgm:styleLbl name="parChTrans2D4">
-    <dgm:fillClrLst meth="repeat">
-      <a:schemeClr val="accent1"/>
-    </dgm:fillClrLst>
-    <dgm:linClrLst meth="repeat">
-      <a:schemeClr val="accent1"/>
-    </dgm:linClrLst>
-    <dgm:effectClrLst/>
-    <dgm:txLinClrLst/>
-    <dgm:txFillClrLst meth="repeat">
-      <a:schemeClr val="lt1"/>
-    </dgm:txFillClrLst>
-    <dgm:txEffectClrLst/>
-  </dgm:styleLbl>
-  <dgm:styleLbl name="parChTrans1D1">
-    <dgm:fillClrLst meth="repeat">
-      <a:schemeClr val="accent1"/>
-    </dgm:fillClrLst>
-    <dgm:linClrLst meth="repeat">
-      <a:schemeClr val="accent1">
-        <a:shade val="60000"/>
-      </a:schemeClr>
-    </dgm:linClrLst>
-    <dgm:effectClrLst/>
-    <dgm:txLinClrLst/>
-    <dgm:txFillClrLst meth="repeat">
-      <a:schemeClr val="tx1"/>
-    </dgm:txFillClrLst>
-    <dgm:txEffectClrLst/>
-  </dgm:styleLbl>
-  <dgm:styleLbl name="parChTrans1D2">
-    <dgm:fillClrLst meth="repeat">
-      <a:schemeClr val="accent1"/>
-    </dgm:fillClrLst>
-    <dgm:linClrLst meth="repeat">
-      <a:schemeClr val="accent1">
-        <a:shade val="60000"/>
-      </a:schemeClr>
-    </dgm:linClrLst>
-    <dgm:effectClrLst/>
-    <dgm:txLinClrLst/>
-    <dgm:txFillClrLst meth="repeat">
-      <a:schemeClr val="tx1"/>
-    </dgm:txFillClrLst>
-    <dgm:txEffectClrLst/>
-  </dgm:styleLbl>
-  <dgm:styleLbl name="parChTrans1D3">
-    <dgm:fillClrLst meth="repeat">
-      <a:schemeClr val="accent1"/>
-    </dgm:fillClrLst>
-    <dgm:linClrLst meth="repeat">
-      <a:schemeClr val="accent1">
-        <a:shade val="80000"/>
-      </a:schemeClr>
-    </dgm:linClrLst>
-    <dgm:effectClrLst/>
-    <dgm:txLinClrLst/>
-    <dgm:txFillClrLst meth="repeat">
-      <a:schemeClr val="tx1"/>
-    </dgm:txFillClrLst>
-    <dgm:txEffectClrLst/>
-  </dgm:styleLbl>
-  <dgm:styleLbl name="parChTrans1D4">
-    <dgm:fillClrLst meth="repeat">
-      <a:schemeClr val="accent1"/>
-    </dgm:fillClrLst>
-    <dgm:linClrLst meth="repeat">
-      <a:schemeClr val="accent1">
-        <a:shade val="80000"/>
-      </a:schemeClr>
-    </dgm:linClrLst>
-    <dgm:effectClrLst/>
-    <dgm:txLinClrLst/>
-    <dgm:txFillClrLst meth="repeat">
-      <a:schemeClr val="tx1"/>
-    </dgm:txFillClrLst>
-    <dgm:txEffectClrLst/>
-  </dgm:styleLbl>
-  <dgm:styleLbl name="fgAcc1">
-    <dgm:fillClrLst meth="repeat">
-      <a:schemeClr val="lt1">
-        <a:alpha val="90000"/>
-      </a:schemeClr>
-    </dgm:fillClrLst>
-    <dgm:linClrLst meth="repeat">
-      <a:schemeClr val="accent1"/>
-    </dgm:linClrLst>
-    <dgm:effectClrLst/>
-    <dgm:txLinClrLst/>
-    <dgm:txFillClrLst meth="repeat">
-      <a:schemeClr val="dk1"/>
-    </dgm:txFillClrLst>
-    <dgm:txEffectClrLst/>
-  </dgm:styleLbl>
-  <dgm:styleLbl name="conFgAcc1">
-    <dgm:fillClrLst meth="repeat">
-      <a:schemeClr val="lt1">
-        <a:alpha val="90000"/>
-      </a:schemeClr>
-    </dgm:fillClrLst>
-    <dgm:linClrLst meth="repeat">
-      <a:schemeClr val="accent1"/>
-    </dgm:linClrLst>
-    <dgm:effectClrLst/>
-    <dgm:txLinClrLst/>
-    <dgm:txFillClrLst meth="repeat">
-      <a:schemeClr val="dk1"/>
-    </dgm:txFillClrLst>
-    <dgm:txEffectClrLst/>
-  </dgm:styleLbl>
-  <dgm:styleLbl name="alignAcc1">
-    <dgm:fillClrLst meth="repeat">
-      <a:schemeClr val="lt1">
-        <a:alpha val="90000"/>
-      </a:schemeClr>
-    </dgm:fillClrLst>
-    <dgm:linClrLst meth="repeat">
-      <a:schemeClr val="accent1"/>
-    </dgm:linClrLst>
-    <dgm:effectClrLst/>
-    <dgm:txLinClrLst/>
-    <dgm:txFillClrLst meth="repeat">
-      <a:schemeClr val="dk1"/>
-    </dgm:txFillClrLst>
-    <dgm:txEffectClrLst/>
-  </dgm:styleLbl>
-  <dgm:styleLbl name="trAlignAcc1">
-    <dgm:fillClrLst meth="repeat">
-      <a:schemeClr val="lt1">
-        <a:alpha val="40000"/>
-      </a:schemeClr>
-    </dgm:fillClrLst>
-    <dgm:linClrLst meth="repeat">
-      <a:schemeClr val="accent1"/>
-    </dgm:linClrLst>
-    <dgm:effectClrLst/>
-    <dgm:txLinClrLst/>
-    <dgm:txFillClrLst meth="repeat">
-      <a:schemeClr val="dk1"/>
-    </dgm:txFillClrLst>
-    <dgm:txEffectClrLst/>
-  </dgm:styleLbl>
-  <dgm:styleLbl name="bgAcc1">
-    <dgm:fillClrLst meth="repeat">
-      <a:schemeClr val="lt1">
-        <a:alpha val="90000"/>
-      </a:schemeClr>
-    </dgm:fillClrLst>
-    <dgm:linClrLst meth="repeat">
-      <a:schemeClr val="accent1"/>
-    </dgm:linClrLst>
-    <dgm:effectClrLst/>
-    <dgm:txLinClrLst/>
-    <dgm:txFillClrLst meth="repeat">
-      <a:schemeClr val="dk1"/>
-    </dgm:txFillClrLst>
-    <dgm:txEffectClrLst/>
-  </dgm:styleLbl>
-  <dgm:styleLbl name="solidFgAcc1">
-    <dgm:fillClrLst meth="repeat">
-      <a:schemeClr val="lt1"/>
-    </dgm:fillClrLst>
-    <dgm:linClrLst meth="repeat">
-      <a:schemeClr val="accent1"/>
-    </dgm:linClrLst>
-    <dgm:effectClrLst/>
-    <dgm:txLinClrLst/>
-    <dgm:txFillClrLst meth="repeat">
-      <a:schemeClr val="dk1"/>
-    </dgm:txFillClrLst>
-    <dgm:txEffectClrLst/>
-  </dgm:styleLbl>
-  <dgm:styleLbl name="solidAlignAcc1">
-    <dgm:fillClrLst meth="repeat">
-      <a:schemeClr val="lt1"/>
-    </dgm:fillClrLst>
-    <dgm:linClrLst meth="repeat">
-      <a:schemeClr val="accent1"/>
-    </dgm:linClrLst>
-    <dgm:effectClrLst/>
-    <dgm:txLinClrLst/>
-    <dgm:txFillClrLst meth="repeat">
-      <a:schemeClr val="dk1"/>
-    </dgm:txFillClrLst>
-    <dgm:txEffectClrLst/>
-  </dgm:styleLbl>
-  <dgm:styleLbl name="solidBgAcc1">
-    <dgm:fillClrLst meth="repeat">
-      <a:schemeClr val="lt1"/>
-    </dgm:fillClrLst>
-    <dgm:linClrLst meth="repeat">
-      <a:schemeClr val="accent1"/>
-    </dgm:linClrLst>
-    <dgm:effectClrLst/>
-    <dgm:txLinClrLst/>
-    <dgm:txFillClrLst meth="repeat">
-      <a:schemeClr val="dk1"/>
-    </dgm:txFillClrLst>
-    <dgm:txEffectClrLst/>
-  </dgm:styleLbl>
-  <dgm:styleLbl name="fgAccFollowNode1">
-    <dgm:fillClrLst meth="repeat">
-      <a:schemeClr val="accent1">
-        <a:alpha val="90000"/>
-        <a:tint val="40000"/>
-      </a:schemeClr>
-    </dgm:fillClrLst>
-    <dgm:linClrLst meth="repeat">
-      <a:schemeClr val="accent1">
-        <a:alpha val="90000"/>
-        <a:tint val="40000"/>
-      </a:schemeClr>
-    </dgm:linClrLst>
-    <dgm:effectClrLst/>
-    <dgm:txLinClrLst/>
-    <dgm:txFillClrLst meth="repeat">
-      <a:schemeClr val="dk1"/>
-    </dgm:txFillClrLst>
-    <dgm:txEffectClrLst/>
-  </dgm:styleLbl>
-  <dgm:styleLbl name="alignAccFollowNode1">
-    <dgm:fillClrLst meth="repeat">
-      <a:schemeClr val="accent1">
-        <a:alpha val="90000"/>
-        <a:tint val="40000"/>
-      </a:schemeClr>
-    </dgm:fillClrLst>
-    <dgm:linClrLst meth="repeat">
-      <a:schemeClr val="accent1">
-        <a:alpha val="90000"/>
-        <a:tint val="40000"/>
-      </a:schemeClr>
-    </dgm:linClrLst>
-    <dgm:effectClrLst/>
-    <dgm:txLinClrLst/>
-    <dgm:txFillClrLst meth="repeat">
-      <a:schemeClr val="dk1"/>
-    </dgm:txFillClrLst>
-    <dgm:txEffectClrLst/>
-  </dgm:styleLbl>
-  <dgm:styleLbl name="bgAccFollowNode1">
-    <dgm:fillClrLst meth="repeat">
-      <a:schemeClr val="accent1">
-        <a:alpha val="90000"/>
-        <a:tint val="40000"/>
-      </a:schemeClr>
-    </dgm:fillClrLst>
-    <dgm:linClrLst meth="repeat">
-      <a:schemeClr val="accent1">
-        <a:alpha val="90000"/>
-        <a:tint val="40000"/>
-      </a:schemeClr>
-    </dgm:linClrLst>
-    <dgm:effectClrLst/>
-    <dgm:txLinClrLst/>
-    <dgm:txFillClrLst meth="repeat">
-      <a:schemeClr val="dk1"/>
-    </dgm:txFillClrLst>
-    <dgm:txEffectClrLst/>
-  </dgm:styleLbl>
-  <dgm:styleLbl name="fgAcc0">
-    <dgm:fillClrLst meth="repeat">
-      <a:schemeClr val="lt1">
-        <a:alpha val="90000"/>
-      </a:schemeClr>
-    </dgm:fillClrLst>
-    <dgm:linClrLst meth="repeat">
-      <a:schemeClr val="accent1"/>
-    </dgm:linClrLst>
-    <dgm:effectClrLst/>
-    <dgm:txLinClrLst/>
-    <dgm:txFillClrLst meth="repeat">
-      <a:schemeClr val="dk1"/>
-    </dgm:txFillClrLst>
-    <dgm:txEffectClrLst/>
-  </dgm:styleLbl>
-  <dgm:styleLbl name="fgAcc2">
-    <dgm:fillClrLst meth="repeat">
-      <a:schemeClr val="lt1">
-        <a:alpha val="90000"/>
-      </a:schemeClr>
-    </dgm:fillClrLst>
-    <dgm:linClrLst meth="repeat">
-      <a:schemeClr val="accent1"/>
-    </dgm:linClrLst>
-    <dgm:effectClrLst/>
-    <dgm:txLinClrLst/>
-    <dgm:txFillClrLst meth="repeat">
-      <a:schemeClr val="dk1"/>
-    </dgm:txFillClrLst>
-    <dgm:txEffectClrLst/>
-  </dgm:styleLbl>
-  <dgm:styleLbl name="fgAcc3">
-    <dgm:fillClrLst meth="repeat">
-      <a:schemeClr val="lt1">
-        <a:alpha val="90000"/>
-      </a:schemeClr>
-    </dgm:fillClrLst>
-    <dgm:linClrLst meth="repeat">
-      <a:schemeClr val="accent1"/>
-    </dgm:linClrLst>
-    <dgm:effectClrLst/>
-    <dgm:txLinClrLst/>
-    <dgm:txFillClrLst meth="repeat">
-      <a:schemeClr val="dk1"/>
-    </dgm:txFillClrLst>
-    <dgm:txEffectClrLst/>
-  </dgm:styleLbl>
-  <dgm:styleLbl name="fgAcc4">
-    <dgm:fillClrLst meth="repeat">
-      <a:schemeClr val="lt1">
-        <a:alpha val="90000"/>
-      </a:schemeClr>
-    </dgm:fillClrLst>
-    <dgm:linClrLst meth="repeat">
-      <a:schemeClr val="accent1"/>
-    </dgm:linClrLst>
-    <dgm:effectClrLst/>
-    <dgm:txLinClrLst/>
-    <dgm:txFillClrLst meth="repeat">
-      <a:schemeClr val="dk1"/>
-    </dgm:txFillClrLst>
-    <dgm:txEffectClrLst/>
-  </dgm:styleLbl>
-  <dgm:styleLbl name="bgShp">
-    <dgm:fillClrLst meth="repeat">
-      <a:schemeClr val="accent1">
-        <a:tint val="40000"/>
-      </a:schemeClr>
-    </dgm:fillClrLst>
-    <dgm:linClrLst meth="repeat">
-      <a:schemeClr val="accent1"/>
-    </dgm:linClrLst>
-    <dgm:effectClrLst/>
-    <dgm:txLinClrLst/>
-    <dgm:txFillClrLst meth="repeat">
-      <a:schemeClr val="dk1"/>
-    </dgm:txFillClrLst>
-    <dgm:txEffectClrLst/>
-  </dgm:styleLbl>
-  <dgm:styleLbl name="dkBgShp">
-    <dgm:fillClrLst meth="repeat">
-      <a:schemeClr val="accent1">
-        <a:shade val="80000"/>
-      </a:schemeClr>
-    </dgm:fillClrLst>
-    <dgm:linClrLst meth="repeat">
-      <a:schemeClr val="accent1"/>
-    </dgm:linClrLst>
-    <dgm:effectClrLst/>
-    <dgm:txLinClrLst/>
-    <dgm:txFillClrLst meth="repeat">
-      <a:schemeClr val="lt1"/>
-    </dgm:txFillClrLst>
-    <dgm:txEffectClrLst/>
-  </dgm:styleLbl>
-  <dgm:styleLbl name="trBgShp">
-    <dgm:fillClrLst meth="repeat">
-      <a:schemeClr val="accent1">
-        <a:tint val="50000"/>
-        <a:alpha val="40000"/>
-      </a:schemeClr>
-    </dgm:fillClrLst>
-    <dgm:linClrLst meth="repeat">
-      <a:schemeClr val="accent1"/>
-    </dgm:linClrLst>
-    <dgm:effectClrLst/>
-    <dgm:txLinClrLst/>
-    <dgm:txFillClrLst meth="repeat">
-      <a:schemeClr val="lt1"/>
-    </dgm:txFillClrLst>
-    <dgm:txEffectClrLst/>
-  </dgm:styleLbl>
-  <dgm:styleLbl name="fgShp">
-    <dgm:fillClrLst meth="repeat">
-      <a:schemeClr val="accent1">
-        <a:tint val="60000"/>
-      </a:schemeClr>
-    </dgm:fillClrLst>
-    <dgm:linClrLst meth="repeat">
-      <a:schemeClr val="lt1"/>
-    </dgm:linClrLst>
-    <dgm:effectClrLst/>
-    <dgm:txLinClrLst/>
-    <dgm:txFillClrLst meth="repeat">
-      <a:schemeClr val="dk1"/>
-    </dgm:txFillClrLst>
-    <dgm:txEffectClrLst/>
-  </dgm:styleLbl>
-  <dgm:styleLbl name="revTx">
-    <dgm:fillClrLst meth="repeat">
-      <a:schemeClr val="lt1">
-        <a:alpha val="0"/>
-      </a:schemeClr>
-    </dgm:fillClrLst>
-    <dgm:linClrLst meth="repeat">
-      <a:schemeClr val="dk1">
-        <a:alpha val="0"/>
-      </a:schemeClr>
-    </dgm:linClrLst>
-    <dgm:effectClrLst/>
-    <dgm:txLinClrLst/>
-    <dgm:txFillClrLst meth="repeat">
-      <a:schemeClr val="tx1"/>
-    </dgm:txFillClrLst>
-    <dgm:txEffectClrLst/>
-  </dgm:styleLbl>
-</dgm:colorsDef>
-</file>
-
-<file path=ppt/diagrams/colors3.xml><?xml version="1.0" encoding="utf-8"?>
 <dgm:colorsDef xmlns:dgm="http://schemas.openxmlformats.org/drawingml/2006/diagram" xmlns:a="http://schemas.openxmlformats.org/drawingml/2006/main" uniqueId="urn:microsoft.com/office/officeart/2005/8/colors/accent1_2">
   <dgm:title val=""/>
   <dgm:desc val=""/>
@@ -2540,7 +1796,7 @@
       <dgm:spPr/>
     </dgm:pt>
     <dgm:pt modelId="{3F4EE6CD-B512-A648-A4F0-CA2A12F9A38F}" type="pres">
-      <dgm:prSet presAssocID="{B300D9E8-2877-4A41-B5CC-D6735560A220}" presName="singleCenter" presStyleLbl="node1" presStyleIdx="0" presStyleCnt="4" custScaleX="290230" custScaleY="66499" custLinFactNeighborX="-2184" custLinFactNeighborY="-50087">
+      <dgm:prSet presAssocID="{B300D9E8-2877-4A41-B5CC-D6735560A220}" presName="singleCenter" presStyleLbl="node1" presStyleIdx="0" presStyleCnt="4" custScaleX="374585" custScaleY="103276" custLinFactNeighborX="-2184" custLinFactNeighborY="-50087">
         <dgm:presLayoutVars>
           <dgm:chMax val="7"/>
           <dgm:chPref val="7"/>
@@ -2557,7 +1813,7 @@
       <dgm:spPr/>
     </dgm:pt>
     <dgm:pt modelId="{BD47E5AD-9B9F-994B-A283-396DB16C1ADF}" type="pres">
-      <dgm:prSet presAssocID="{3CF46C46-5ACC-FB4F-9D10-D635A855C8CC}" presName="text0" presStyleLbl="node1" presStyleIdx="1" presStyleCnt="4" custRadScaleRad="48280" custRadScaleInc="-291347">
+      <dgm:prSet presAssocID="{3CF46C46-5ACC-FB4F-9D10-D635A855C8CC}" presName="text0" presStyleLbl="node1" presStyleIdx="1" presStyleCnt="4" custScaleX="203579" custScaleY="131160" custRadScaleRad="48280" custRadScaleInc="-291347">
         <dgm:presLayoutVars>
           <dgm:bulletEnabled val="1"/>
         </dgm:presLayoutVars>
@@ -2569,7 +1825,7 @@
       <dgm:spPr/>
     </dgm:pt>
     <dgm:pt modelId="{0700E98B-D968-5D4A-84E8-8E9B9A58B1F4}" type="pres">
-      <dgm:prSet presAssocID="{1D95250A-1DFB-5542-B6AB-DAB3C52D0291}" presName="text0" presStyleLbl="node1" presStyleIdx="2" presStyleCnt="4" custRadScaleRad="112583" custRadScaleInc="-20845">
+      <dgm:prSet presAssocID="{1D95250A-1DFB-5542-B6AB-DAB3C52D0291}" presName="text0" presStyleLbl="node1" presStyleIdx="2" presStyleCnt="4" custScaleX="205673" custScaleY="117336" custRadScaleRad="112583" custRadScaleInc="-20845">
         <dgm:presLayoutVars>
           <dgm:bulletEnabled val="1"/>
         </dgm:presLayoutVars>
@@ -2581,7 +1837,7 @@
       <dgm:spPr/>
     </dgm:pt>
     <dgm:pt modelId="{471B17D5-08DD-F44C-A425-0677AFEB5931}" type="pres">
-      <dgm:prSet presAssocID="{5B605C8F-8BEF-8241-B137-888CC4B2DC15}" presName="text0" presStyleLbl="node1" presStyleIdx="3" presStyleCnt="4" custRadScaleRad="129110" custRadScaleInc="25274">
+      <dgm:prSet presAssocID="{5B605C8F-8BEF-8241-B137-888CC4B2DC15}" presName="text0" presStyleLbl="node1" presStyleIdx="3" presStyleCnt="4" custScaleX="234811" custScaleY="146390" custRadScaleRad="136968" custRadScaleInc="28269">
         <dgm:presLayoutVars>
           <dgm:bulletEnabled val="1"/>
         </dgm:presLayoutVars>
@@ -2615,7 +1871,7 @@
   <dgm:whole/>
   <dgm:extLst>
     <a:ext uri="http://schemas.microsoft.com/office/drawing/2008/diagram">
-      <dsp:dataModelExt xmlns:dsp="http://schemas.microsoft.com/office/drawing/2008/diagram" relId="rId6" minVer="http://schemas.openxmlformats.org/drawingml/2006/diagram"/>
+      <dsp:dataModelExt xmlns:dsp="http://schemas.microsoft.com/office/drawing/2008/diagram" relId="rId7" minVer="http://schemas.openxmlformats.org/drawingml/2006/diagram"/>
     </a:ext>
   </dgm:extLst>
 </dgm:dataModel>
@@ -3154,453 +2410,6 @@
 </dgm:dataModel>
 </file>
 
-<file path=ppt/diagrams/data3.xml><?xml version="1.0" encoding="utf-8"?>
-<dgm:dataModel xmlns:dgm="http://schemas.openxmlformats.org/drawingml/2006/diagram" xmlns:a="http://schemas.openxmlformats.org/drawingml/2006/main">
-  <dgm:ptLst>
-    <dgm:pt modelId="{C77D2B37-9B46-CE45-AA61-1D11C5A80D17}" type="doc">
-      <dgm:prSet loTypeId="urn:microsoft.com/office/officeart/2005/8/layout/orgChart1" loCatId="" qsTypeId="urn:microsoft.com/office/officeart/2005/8/quickstyle/simple4" qsCatId="simple" csTypeId="urn:microsoft.com/office/officeart/2005/8/colors/accent1_2" csCatId="accent1" phldr="1"/>
-      <dgm:spPr/>
-      <dgm:t>
-        <a:bodyPr/>
-        <a:lstStyle/>
-        <a:p>
-          <a:endParaRPr lang="en-US"/>
-        </a:p>
-      </dgm:t>
-    </dgm:pt>
-    <dgm:pt modelId="{B300D9E8-2877-4A41-B5CC-D6735560A220}">
-      <dgm:prSet phldrT="[Text]"/>
-      <dgm:spPr/>
-      <dgm:t>
-        <a:bodyPr/>
-        <a:lstStyle/>
-        <a:p>
-          <a:r>
-            <a:rPr lang="en-US" dirty="0"/>
-            <a:t>Error-free Internet</a:t>
-          </a:r>
-        </a:p>
-      </dgm:t>
-    </dgm:pt>
-    <dgm:pt modelId="{DEF37208-A82D-B24B-ADEB-C8DB34B224A2}" type="parTrans" cxnId="{B497AD7C-B935-F54F-A62C-6A7156D53BF6}">
-      <dgm:prSet/>
-      <dgm:spPr/>
-      <dgm:t>
-        <a:bodyPr/>
-        <a:lstStyle/>
-        <a:p>
-          <a:endParaRPr lang="en-US"/>
-        </a:p>
-      </dgm:t>
-    </dgm:pt>
-    <dgm:pt modelId="{854FFC69-89D7-564B-9FBA-1E1BD70BEA18}" type="sibTrans" cxnId="{B497AD7C-B935-F54F-A62C-6A7156D53BF6}">
-      <dgm:prSet/>
-      <dgm:spPr/>
-      <dgm:t>
-        <a:bodyPr/>
-        <a:lstStyle/>
-        <a:p>
-          <a:endParaRPr lang="en-US"/>
-        </a:p>
-      </dgm:t>
-    </dgm:pt>
-    <dgm:pt modelId="{5B605C8F-8BEF-8241-B137-888CC4B2DC15}">
-      <dgm:prSet phldrT="[Text]"/>
-      <dgm:spPr/>
-      <dgm:t>
-        <a:bodyPr/>
-        <a:lstStyle/>
-        <a:p>
-          <a:r>
-            <a:rPr lang="en-US" dirty="0"/>
-            <a:t>Configuration Synthesis</a:t>
-          </a:r>
-        </a:p>
-      </dgm:t>
-    </dgm:pt>
-    <dgm:pt modelId="{9234D9CA-1CFB-BE4C-B7F2-FCE18D24F801}" type="parTrans" cxnId="{4F6C0179-DAD0-6442-AA88-82E0F7A8E483}">
-      <dgm:prSet/>
-      <dgm:spPr/>
-      <dgm:t>
-        <a:bodyPr/>
-        <a:lstStyle/>
-        <a:p>
-          <a:endParaRPr lang="en-US"/>
-        </a:p>
-      </dgm:t>
-    </dgm:pt>
-    <dgm:pt modelId="{2748A13C-A61D-F542-ABB3-889B4831AD91}" type="sibTrans" cxnId="{4F6C0179-DAD0-6442-AA88-82E0F7A8E483}">
-      <dgm:prSet/>
-      <dgm:spPr/>
-      <dgm:t>
-        <a:bodyPr/>
-        <a:lstStyle/>
-        <a:p>
-          <a:endParaRPr lang="en-US"/>
-        </a:p>
-      </dgm:t>
-    </dgm:pt>
-    <dgm:pt modelId="{3CF46C46-5ACC-FB4F-9D10-D635A855C8CC}">
-      <dgm:prSet phldrT="[Text]"/>
-      <dgm:spPr/>
-      <dgm:t>
-        <a:bodyPr/>
-        <a:lstStyle/>
-        <a:p>
-          <a:r>
-            <a:rPr lang="en-US" dirty="0"/>
-            <a:t>Development Tools</a:t>
-          </a:r>
-        </a:p>
-      </dgm:t>
-    </dgm:pt>
-    <dgm:pt modelId="{F0147850-8D95-134C-BAAD-5B46C6EE16E4}" type="sibTrans" cxnId="{189FC275-D45A-F74A-91C4-4EA3DD9D8459}">
-      <dgm:prSet/>
-      <dgm:spPr/>
-      <dgm:t>
-        <a:bodyPr/>
-        <a:lstStyle/>
-        <a:p>
-          <a:endParaRPr lang="en-US"/>
-        </a:p>
-      </dgm:t>
-    </dgm:pt>
-    <dgm:pt modelId="{DCA29FD5-2E27-0F48-98C0-5089830E1136}" type="parTrans" cxnId="{189FC275-D45A-F74A-91C4-4EA3DD9D8459}">
-      <dgm:prSet/>
-      <dgm:spPr/>
-      <dgm:t>
-        <a:bodyPr/>
-        <a:lstStyle/>
-        <a:p>
-          <a:endParaRPr lang="en-US"/>
-        </a:p>
-      </dgm:t>
-    </dgm:pt>
-    <dgm:pt modelId="{1D95250A-1DFB-5542-B6AB-DAB3C52D0291}">
-      <dgm:prSet phldrT="[Text]"/>
-      <dgm:spPr/>
-      <dgm:t>
-        <a:bodyPr/>
-        <a:lstStyle/>
-        <a:p>
-          <a:r>
-            <a:rPr lang="en-US" dirty="0"/>
-            <a:t>Network Verification</a:t>
-          </a:r>
-        </a:p>
-      </dgm:t>
-    </dgm:pt>
-    <dgm:pt modelId="{00A8462B-708D-AC4C-BA24-D20F59067AA8}" type="parTrans" cxnId="{5E72C3DD-1242-B742-989E-A12571CA5813}">
-      <dgm:prSet/>
-      <dgm:spPr/>
-      <dgm:t>
-        <a:bodyPr/>
-        <a:lstStyle/>
-        <a:p>
-          <a:endParaRPr lang="en-US"/>
-        </a:p>
-      </dgm:t>
-    </dgm:pt>
-    <dgm:pt modelId="{8A1BDAA4-06A6-DF4E-B253-1A0DB5DE83E3}" type="sibTrans" cxnId="{5E72C3DD-1242-B742-989E-A12571CA5813}">
-      <dgm:prSet/>
-      <dgm:spPr/>
-      <dgm:t>
-        <a:bodyPr/>
-        <a:lstStyle/>
-        <a:p>
-          <a:endParaRPr lang="en-US"/>
-        </a:p>
-      </dgm:t>
-    </dgm:pt>
-    <dgm:pt modelId="{D99414FA-D2B4-854D-B725-00ABA089A1C8}">
-      <dgm:prSet/>
-      <dgm:spPr/>
-      <dgm:t>
-        <a:bodyPr/>
-        <a:lstStyle/>
-        <a:p>
-          <a:endParaRPr lang="en-US"/>
-        </a:p>
-      </dgm:t>
-    </dgm:pt>
-    <dgm:pt modelId="{DFA59CFB-941F-F54E-9235-04B9F1FCE411}" type="parTrans" cxnId="{1C5A59FF-8AC6-A646-BFE9-EFBD848690F6}">
-      <dgm:prSet/>
-      <dgm:spPr/>
-      <dgm:t>
-        <a:bodyPr/>
-        <a:lstStyle/>
-        <a:p>
-          <a:endParaRPr lang="en-US"/>
-        </a:p>
-      </dgm:t>
-    </dgm:pt>
-    <dgm:pt modelId="{30D00509-A310-1A48-B3E5-8E8229AF35E4}" type="sibTrans" cxnId="{1C5A59FF-8AC6-A646-BFE9-EFBD848690F6}">
-      <dgm:prSet/>
-      <dgm:spPr/>
-      <dgm:t>
-        <a:bodyPr/>
-        <a:lstStyle/>
-        <a:p>
-          <a:endParaRPr lang="en-US"/>
-        </a:p>
-      </dgm:t>
-    </dgm:pt>
-    <dgm:pt modelId="{311EEBE4-73E0-F245-BFDB-202D4E292E8C}" type="pres">
-      <dgm:prSet presAssocID="{C77D2B37-9B46-CE45-AA61-1D11C5A80D17}" presName="hierChild1" presStyleCnt="0">
-        <dgm:presLayoutVars>
-          <dgm:orgChart val="1"/>
-          <dgm:chPref val="1"/>
-          <dgm:dir/>
-          <dgm:animOne val="branch"/>
-          <dgm:animLvl val="lvl"/>
-          <dgm:resizeHandles/>
-        </dgm:presLayoutVars>
-      </dgm:prSet>
-      <dgm:spPr/>
-    </dgm:pt>
-    <dgm:pt modelId="{1A4F12AB-F60B-F448-A803-0A67C9162D5F}" type="pres">
-      <dgm:prSet presAssocID="{B300D9E8-2877-4A41-B5CC-D6735560A220}" presName="hierRoot1" presStyleCnt="0">
-        <dgm:presLayoutVars>
-          <dgm:hierBranch val="init"/>
-        </dgm:presLayoutVars>
-      </dgm:prSet>
-      <dgm:spPr/>
-    </dgm:pt>
-    <dgm:pt modelId="{A81D315F-8591-694C-86EA-20EC0A67F830}" type="pres">
-      <dgm:prSet presAssocID="{B300D9E8-2877-4A41-B5CC-D6735560A220}" presName="rootComposite1" presStyleCnt="0"/>
-      <dgm:spPr/>
-    </dgm:pt>
-    <dgm:pt modelId="{8634529F-968A-BC4F-8F4B-120E918C253D}" type="pres">
-      <dgm:prSet presAssocID="{B300D9E8-2877-4A41-B5CC-D6735560A220}" presName="rootText1" presStyleLbl="node0" presStyleIdx="0" presStyleCnt="1">
-        <dgm:presLayoutVars>
-          <dgm:chPref val="3"/>
-        </dgm:presLayoutVars>
-      </dgm:prSet>
-      <dgm:spPr/>
-    </dgm:pt>
-    <dgm:pt modelId="{D21A21CA-B610-974B-8F80-DDE9B55865C4}" type="pres">
-      <dgm:prSet presAssocID="{B300D9E8-2877-4A41-B5CC-D6735560A220}" presName="rootConnector1" presStyleLbl="node1" presStyleIdx="0" presStyleCnt="0"/>
-      <dgm:spPr/>
-    </dgm:pt>
-    <dgm:pt modelId="{BF5FF395-5ADC-7A41-A88D-476445FED3B3}" type="pres">
-      <dgm:prSet presAssocID="{B300D9E8-2877-4A41-B5CC-D6735560A220}" presName="hierChild2" presStyleCnt="0"/>
-      <dgm:spPr/>
-    </dgm:pt>
-    <dgm:pt modelId="{281980B3-29FD-8844-8B9A-13AE6DBE42BD}" type="pres">
-      <dgm:prSet presAssocID="{DCA29FD5-2E27-0F48-98C0-5089830E1136}" presName="Name37" presStyleLbl="parChTrans1D2" presStyleIdx="0" presStyleCnt="3"/>
-      <dgm:spPr/>
-    </dgm:pt>
-    <dgm:pt modelId="{50249BCE-A2A9-C446-8CD9-45C72912CAF0}" type="pres">
-      <dgm:prSet presAssocID="{3CF46C46-5ACC-FB4F-9D10-D635A855C8CC}" presName="hierRoot2" presStyleCnt="0">
-        <dgm:presLayoutVars>
-          <dgm:hierBranch val="init"/>
-        </dgm:presLayoutVars>
-      </dgm:prSet>
-      <dgm:spPr/>
-    </dgm:pt>
-    <dgm:pt modelId="{02D18C70-8484-A845-B384-9B9D5A7B5933}" type="pres">
-      <dgm:prSet presAssocID="{3CF46C46-5ACC-FB4F-9D10-D635A855C8CC}" presName="rootComposite" presStyleCnt="0"/>
-      <dgm:spPr/>
-    </dgm:pt>
-    <dgm:pt modelId="{123B8EE8-7D9C-DD44-8429-23FE8831F0E1}" type="pres">
-      <dgm:prSet presAssocID="{3CF46C46-5ACC-FB4F-9D10-D635A855C8CC}" presName="rootText" presStyleLbl="node2" presStyleIdx="0" presStyleCnt="3">
-        <dgm:presLayoutVars>
-          <dgm:chPref val="3"/>
-        </dgm:presLayoutVars>
-      </dgm:prSet>
-      <dgm:spPr/>
-    </dgm:pt>
-    <dgm:pt modelId="{15BC29F5-88EE-C847-9092-8E695D4C8B3B}" type="pres">
-      <dgm:prSet presAssocID="{3CF46C46-5ACC-FB4F-9D10-D635A855C8CC}" presName="rootConnector" presStyleLbl="node2" presStyleIdx="0" presStyleCnt="3"/>
-      <dgm:spPr/>
-    </dgm:pt>
-    <dgm:pt modelId="{F8533503-0179-DD4B-AA81-D62763CA4C18}" type="pres">
-      <dgm:prSet presAssocID="{3CF46C46-5ACC-FB4F-9D10-D635A855C8CC}" presName="hierChild4" presStyleCnt="0"/>
-      <dgm:spPr/>
-    </dgm:pt>
-    <dgm:pt modelId="{59176100-93E3-864B-8910-A875DD998FA1}" type="pres">
-      <dgm:prSet presAssocID="{DFA59CFB-941F-F54E-9235-04B9F1FCE411}" presName="Name37" presStyleLbl="parChTrans1D3" presStyleIdx="0" presStyleCnt="1"/>
-      <dgm:spPr/>
-    </dgm:pt>
-    <dgm:pt modelId="{505853AE-A12C-9F4A-BA71-404D7F9F90E1}" type="pres">
-      <dgm:prSet presAssocID="{D99414FA-D2B4-854D-B725-00ABA089A1C8}" presName="hierRoot2" presStyleCnt="0">
-        <dgm:presLayoutVars>
-          <dgm:hierBranch val="init"/>
-        </dgm:presLayoutVars>
-      </dgm:prSet>
-      <dgm:spPr/>
-    </dgm:pt>
-    <dgm:pt modelId="{8565BB1B-1C53-584D-8540-0B521DD95F57}" type="pres">
-      <dgm:prSet presAssocID="{D99414FA-D2B4-854D-B725-00ABA089A1C8}" presName="rootComposite" presStyleCnt="0"/>
-      <dgm:spPr/>
-    </dgm:pt>
-    <dgm:pt modelId="{AFB1C62B-9CF5-294A-A837-3E2B610C5F44}" type="pres">
-      <dgm:prSet presAssocID="{D99414FA-D2B4-854D-B725-00ABA089A1C8}" presName="rootText" presStyleLbl="node3" presStyleIdx="0" presStyleCnt="1">
-        <dgm:presLayoutVars>
-          <dgm:chPref val="3"/>
-        </dgm:presLayoutVars>
-      </dgm:prSet>
-      <dgm:spPr/>
-    </dgm:pt>
-    <dgm:pt modelId="{85F2B548-6C06-D045-9D00-A584EC1A45AA}" type="pres">
-      <dgm:prSet presAssocID="{D99414FA-D2B4-854D-B725-00ABA089A1C8}" presName="rootConnector" presStyleLbl="node3" presStyleIdx="0" presStyleCnt="1"/>
-      <dgm:spPr/>
-    </dgm:pt>
-    <dgm:pt modelId="{E57581B0-2388-7B49-B382-0DDB49DD76BD}" type="pres">
-      <dgm:prSet presAssocID="{D99414FA-D2B4-854D-B725-00ABA089A1C8}" presName="hierChild4" presStyleCnt="0"/>
-      <dgm:spPr/>
-    </dgm:pt>
-    <dgm:pt modelId="{C916DB46-6C80-E84E-8281-29752D74533C}" type="pres">
-      <dgm:prSet presAssocID="{D99414FA-D2B4-854D-B725-00ABA089A1C8}" presName="hierChild5" presStyleCnt="0"/>
-      <dgm:spPr/>
-    </dgm:pt>
-    <dgm:pt modelId="{A8CBB6A5-E338-B447-A9E1-22F3A9F3A59D}" type="pres">
-      <dgm:prSet presAssocID="{3CF46C46-5ACC-FB4F-9D10-D635A855C8CC}" presName="hierChild5" presStyleCnt="0"/>
-      <dgm:spPr/>
-    </dgm:pt>
-    <dgm:pt modelId="{95A54F02-BDA4-B049-B10C-3D4772E9825C}" type="pres">
-      <dgm:prSet presAssocID="{00A8462B-708D-AC4C-BA24-D20F59067AA8}" presName="Name37" presStyleLbl="parChTrans1D2" presStyleIdx="1" presStyleCnt="3"/>
-      <dgm:spPr/>
-    </dgm:pt>
-    <dgm:pt modelId="{D0348642-F966-2B41-B242-AC46F1346F56}" type="pres">
-      <dgm:prSet presAssocID="{1D95250A-1DFB-5542-B6AB-DAB3C52D0291}" presName="hierRoot2" presStyleCnt="0">
-        <dgm:presLayoutVars>
-          <dgm:hierBranch val="init"/>
-        </dgm:presLayoutVars>
-      </dgm:prSet>
-      <dgm:spPr/>
-    </dgm:pt>
-    <dgm:pt modelId="{B6957DA3-3D13-614F-921F-03F00F35948C}" type="pres">
-      <dgm:prSet presAssocID="{1D95250A-1DFB-5542-B6AB-DAB3C52D0291}" presName="rootComposite" presStyleCnt="0"/>
-      <dgm:spPr/>
-    </dgm:pt>
-    <dgm:pt modelId="{1090074B-385E-0848-9D41-AA21099BA9F9}" type="pres">
-      <dgm:prSet presAssocID="{1D95250A-1DFB-5542-B6AB-DAB3C52D0291}" presName="rootText" presStyleLbl="node2" presStyleIdx="1" presStyleCnt="3">
-        <dgm:presLayoutVars>
-          <dgm:chPref val="3"/>
-        </dgm:presLayoutVars>
-      </dgm:prSet>
-      <dgm:spPr/>
-    </dgm:pt>
-    <dgm:pt modelId="{46D9B197-DDF1-E64B-ACF3-A2449BE890F5}" type="pres">
-      <dgm:prSet presAssocID="{1D95250A-1DFB-5542-B6AB-DAB3C52D0291}" presName="rootConnector" presStyleLbl="node2" presStyleIdx="1" presStyleCnt="3"/>
-      <dgm:spPr/>
-    </dgm:pt>
-    <dgm:pt modelId="{97E8C602-BAE5-1547-935D-CF1319959E1D}" type="pres">
-      <dgm:prSet presAssocID="{1D95250A-1DFB-5542-B6AB-DAB3C52D0291}" presName="hierChild4" presStyleCnt="0"/>
-      <dgm:spPr/>
-    </dgm:pt>
-    <dgm:pt modelId="{4FA42273-8939-6648-9CFD-29873E86F675}" type="pres">
-      <dgm:prSet presAssocID="{1D95250A-1DFB-5542-B6AB-DAB3C52D0291}" presName="hierChild5" presStyleCnt="0"/>
-      <dgm:spPr/>
-    </dgm:pt>
-    <dgm:pt modelId="{2D65B141-8901-0742-A363-EBA72386511A}" type="pres">
-      <dgm:prSet presAssocID="{9234D9CA-1CFB-BE4C-B7F2-FCE18D24F801}" presName="Name37" presStyleLbl="parChTrans1D2" presStyleIdx="2" presStyleCnt="3"/>
-      <dgm:spPr/>
-    </dgm:pt>
-    <dgm:pt modelId="{B224D331-CE80-4744-9660-7A9C4B26E14D}" type="pres">
-      <dgm:prSet presAssocID="{5B605C8F-8BEF-8241-B137-888CC4B2DC15}" presName="hierRoot2" presStyleCnt="0">
-        <dgm:presLayoutVars>
-          <dgm:hierBranch val="init"/>
-        </dgm:presLayoutVars>
-      </dgm:prSet>
-      <dgm:spPr/>
-    </dgm:pt>
-    <dgm:pt modelId="{34FE3111-F9DB-B842-ADB3-60C311930941}" type="pres">
-      <dgm:prSet presAssocID="{5B605C8F-8BEF-8241-B137-888CC4B2DC15}" presName="rootComposite" presStyleCnt="0"/>
-      <dgm:spPr/>
-    </dgm:pt>
-    <dgm:pt modelId="{63668DEA-7A74-8F44-8510-7A91638A7A67}" type="pres">
-      <dgm:prSet presAssocID="{5B605C8F-8BEF-8241-B137-888CC4B2DC15}" presName="rootText" presStyleLbl="node2" presStyleIdx="2" presStyleCnt="3">
-        <dgm:presLayoutVars>
-          <dgm:chPref val="3"/>
-        </dgm:presLayoutVars>
-      </dgm:prSet>
-      <dgm:spPr/>
-    </dgm:pt>
-    <dgm:pt modelId="{40812218-FDF6-0945-934D-8FAA6EDACA8F}" type="pres">
-      <dgm:prSet presAssocID="{5B605C8F-8BEF-8241-B137-888CC4B2DC15}" presName="rootConnector" presStyleLbl="node2" presStyleIdx="2" presStyleCnt="3"/>
-      <dgm:spPr/>
-    </dgm:pt>
-    <dgm:pt modelId="{33591408-02AB-2E4D-86FD-0C727B2F6F58}" type="pres">
-      <dgm:prSet presAssocID="{5B605C8F-8BEF-8241-B137-888CC4B2DC15}" presName="hierChild4" presStyleCnt="0"/>
-      <dgm:spPr/>
-    </dgm:pt>
-    <dgm:pt modelId="{0128A8CA-3ED9-6849-9379-F478F2FFF110}" type="pres">
-      <dgm:prSet presAssocID="{5B605C8F-8BEF-8241-B137-888CC4B2DC15}" presName="hierChild5" presStyleCnt="0"/>
-      <dgm:spPr/>
-    </dgm:pt>
-    <dgm:pt modelId="{EBFF38F1-A1DF-0E4D-8F69-F4BB3212F98B}" type="pres">
-      <dgm:prSet presAssocID="{B300D9E8-2877-4A41-B5CC-D6735560A220}" presName="hierChild3" presStyleCnt="0"/>
-      <dgm:spPr/>
-    </dgm:pt>
-  </dgm:ptLst>
-  <dgm:cxnLst>
-    <dgm:cxn modelId="{CC1B6F16-D3FB-3647-9B7B-9721015D4C98}" type="presOf" srcId="{3CF46C46-5ACC-FB4F-9D10-D635A855C8CC}" destId="{15BC29F5-88EE-C847-9092-8E695D4C8B3B}" srcOrd="1" destOrd="0" presId="urn:microsoft.com/office/officeart/2005/8/layout/orgChart1"/>
-    <dgm:cxn modelId="{82559B21-67B7-3044-81AB-62E37544B853}" type="presOf" srcId="{C77D2B37-9B46-CE45-AA61-1D11C5A80D17}" destId="{311EEBE4-73E0-F245-BFDB-202D4E292E8C}" srcOrd="0" destOrd="0" presId="urn:microsoft.com/office/officeart/2005/8/layout/orgChart1"/>
-    <dgm:cxn modelId="{0FA82C22-2D93-484D-A469-CA8941AC90F3}" type="presOf" srcId="{B300D9E8-2877-4A41-B5CC-D6735560A220}" destId="{D21A21CA-B610-974B-8F80-DDE9B55865C4}" srcOrd="1" destOrd="0" presId="urn:microsoft.com/office/officeart/2005/8/layout/orgChart1"/>
-    <dgm:cxn modelId="{EB241D2D-4B74-2347-B897-D9F52F446673}" type="presOf" srcId="{D99414FA-D2B4-854D-B725-00ABA089A1C8}" destId="{AFB1C62B-9CF5-294A-A837-3E2B610C5F44}" srcOrd="0" destOrd="0" presId="urn:microsoft.com/office/officeart/2005/8/layout/orgChart1"/>
-    <dgm:cxn modelId="{77D5CC2D-3F7E-484E-984F-834564A3C90F}" type="presOf" srcId="{D99414FA-D2B4-854D-B725-00ABA089A1C8}" destId="{85F2B548-6C06-D045-9D00-A584EC1A45AA}" srcOrd="1" destOrd="0" presId="urn:microsoft.com/office/officeart/2005/8/layout/orgChart1"/>
-    <dgm:cxn modelId="{489CA639-1556-854D-8EC1-5DDEA50C6CCA}" type="presOf" srcId="{B300D9E8-2877-4A41-B5CC-D6735560A220}" destId="{8634529F-968A-BC4F-8F4B-120E918C253D}" srcOrd="0" destOrd="0" presId="urn:microsoft.com/office/officeart/2005/8/layout/orgChart1"/>
-    <dgm:cxn modelId="{EBEF9E48-0658-934A-B6A9-892126A9D003}" type="presOf" srcId="{1D95250A-1DFB-5542-B6AB-DAB3C52D0291}" destId="{46D9B197-DDF1-E64B-ACF3-A2449BE890F5}" srcOrd="1" destOrd="0" presId="urn:microsoft.com/office/officeart/2005/8/layout/orgChart1"/>
-    <dgm:cxn modelId="{44D69053-045D-C74D-B810-250018E732D8}" type="presOf" srcId="{DFA59CFB-941F-F54E-9235-04B9F1FCE411}" destId="{59176100-93E3-864B-8910-A875DD998FA1}" srcOrd="0" destOrd="0" presId="urn:microsoft.com/office/officeart/2005/8/layout/orgChart1"/>
-    <dgm:cxn modelId="{189FC275-D45A-F74A-91C4-4EA3DD9D8459}" srcId="{B300D9E8-2877-4A41-B5CC-D6735560A220}" destId="{3CF46C46-5ACC-FB4F-9D10-D635A855C8CC}" srcOrd="0" destOrd="0" parTransId="{DCA29FD5-2E27-0F48-98C0-5089830E1136}" sibTransId="{F0147850-8D95-134C-BAAD-5B46C6EE16E4}"/>
-    <dgm:cxn modelId="{4F6C0179-DAD0-6442-AA88-82E0F7A8E483}" srcId="{B300D9E8-2877-4A41-B5CC-D6735560A220}" destId="{5B605C8F-8BEF-8241-B137-888CC4B2DC15}" srcOrd="2" destOrd="0" parTransId="{9234D9CA-1CFB-BE4C-B7F2-FCE18D24F801}" sibTransId="{2748A13C-A61D-F542-ABB3-889B4831AD91}"/>
-    <dgm:cxn modelId="{B497AD7C-B935-F54F-A62C-6A7156D53BF6}" srcId="{C77D2B37-9B46-CE45-AA61-1D11C5A80D17}" destId="{B300D9E8-2877-4A41-B5CC-D6735560A220}" srcOrd="0" destOrd="0" parTransId="{DEF37208-A82D-B24B-ADEB-C8DB34B224A2}" sibTransId="{854FFC69-89D7-564B-9FBA-1E1BD70BEA18}"/>
-    <dgm:cxn modelId="{288675AC-4162-4749-8784-9AE443776C74}" type="presOf" srcId="{3CF46C46-5ACC-FB4F-9D10-D635A855C8CC}" destId="{123B8EE8-7D9C-DD44-8429-23FE8831F0E1}" srcOrd="0" destOrd="0" presId="urn:microsoft.com/office/officeart/2005/8/layout/orgChart1"/>
-    <dgm:cxn modelId="{1BEC1AC3-F299-DD49-A842-7D0D29774EB5}" type="presOf" srcId="{DCA29FD5-2E27-0F48-98C0-5089830E1136}" destId="{281980B3-29FD-8844-8B9A-13AE6DBE42BD}" srcOrd="0" destOrd="0" presId="urn:microsoft.com/office/officeart/2005/8/layout/orgChart1"/>
-    <dgm:cxn modelId="{D1C804C9-9987-CA4F-B24E-D4C9C6D35E64}" type="presOf" srcId="{9234D9CA-1CFB-BE4C-B7F2-FCE18D24F801}" destId="{2D65B141-8901-0742-A363-EBA72386511A}" srcOrd="0" destOrd="0" presId="urn:microsoft.com/office/officeart/2005/8/layout/orgChart1"/>
-    <dgm:cxn modelId="{A6C8A7CA-2B7C-EB45-8267-33473B5A0354}" type="presOf" srcId="{1D95250A-1DFB-5542-B6AB-DAB3C52D0291}" destId="{1090074B-385E-0848-9D41-AA21099BA9F9}" srcOrd="0" destOrd="0" presId="urn:microsoft.com/office/officeart/2005/8/layout/orgChart1"/>
-    <dgm:cxn modelId="{A1F26FDA-50DA-8B43-BF5E-8AB5B4EBFEA4}" type="presOf" srcId="{5B605C8F-8BEF-8241-B137-888CC4B2DC15}" destId="{63668DEA-7A74-8F44-8510-7A91638A7A67}" srcOrd="0" destOrd="0" presId="urn:microsoft.com/office/officeart/2005/8/layout/orgChart1"/>
-    <dgm:cxn modelId="{5E72C3DD-1242-B742-989E-A12571CA5813}" srcId="{B300D9E8-2877-4A41-B5CC-D6735560A220}" destId="{1D95250A-1DFB-5542-B6AB-DAB3C52D0291}" srcOrd="1" destOrd="0" parTransId="{00A8462B-708D-AC4C-BA24-D20F59067AA8}" sibTransId="{8A1BDAA4-06A6-DF4E-B253-1A0DB5DE83E3}"/>
-    <dgm:cxn modelId="{01B8A7E8-92B9-4F45-8575-C31C787DBB1E}" type="presOf" srcId="{5B605C8F-8BEF-8241-B137-888CC4B2DC15}" destId="{40812218-FDF6-0945-934D-8FAA6EDACA8F}" srcOrd="1" destOrd="0" presId="urn:microsoft.com/office/officeart/2005/8/layout/orgChart1"/>
-    <dgm:cxn modelId="{1DE735F6-0E84-4D45-87B7-6D80DE841F80}" type="presOf" srcId="{00A8462B-708D-AC4C-BA24-D20F59067AA8}" destId="{95A54F02-BDA4-B049-B10C-3D4772E9825C}" srcOrd="0" destOrd="0" presId="urn:microsoft.com/office/officeart/2005/8/layout/orgChart1"/>
-    <dgm:cxn modelId="{1C5A59FF-8AC6-A646-BFE9-EFBD848690F6}" srcId="{3CF46C46-5ACC-FB4F-9D10-D635A855C8CC}" destId="{D99414FA-D2B4-854D-B725-00ABA089A1C8}" srcOrd="0" destOrd="0" parTransId="{DFA59CFB-941F-F54E-9235-04B9F1FCE411}" sibTransId="{30D00509-A310-1A48-B3E5-8E8229AF35E4}"/>
-    <dgm:cxn modelId="{8FA6FD63-5C1D-FA40-A4AF-AAF37F1B836F}" type="presParOf" srcId="{311EEBE4-73E0-F245-BFDB-202D4E292E8C}" destId="{1A4F12AB-F60B-F448-A803-0A67C9162D5F}" srcOrd="0" destOrd="0" presId="urn:microsoft.com/office/officeart/2005/8/layout/orgChart1"/>
-    <dgm:cxn modelId="{9D0625A1-C92B-0541-B8BE-B20998003D17}" type="presParOf" srcId="{1A4F12AB-F60B-F448-A803-0A67C9162D5F}" destId="{A81D315F-8591-694C-86EA-20EC0A67F830}" srcOrd="0" destOrd="0" presId="urn:microsoft.com/office/officeart/2005/8/layout/orgChart1"/>
-    <dgm:cxn modelId="{7796D106-81E5-1445-A8CF-25801FCFBB1D}" type="presParOf" srcId="{A81D315F-8591-694C-86EA-20EC0A67F830}" destId="{8634529F-968A-BC4F-8F4B-120E918C253D}" srcOrd="0" destOrd="0" presId="urn:microsoft.com/office/officeart/2005/8/layout/orgChart1"/>
-    <dgm:cxn modelId="{AE7EE796-E9DD-244C-A88D-5D4B701A493B}" type="presParOf" srcId="{A81D315F-8591-694C-86EA-20EC0A67F830}" destId="{D21A21CA-B610-974B-8F80-DDE9B55865C4}" srcOrd="1" destOrd="0" presId="urn:microsoft.com/office/officeart/2005/8/layout/orgChart1"/>
-    <dgm:cxn modelId="{8E77866A-8CC1-7440-BA84-18F11547D977}" type="presParOf" srcId="{1A4F12AB-F60B-F448-A803-0A67C9162D5F}" destId="{BF5FF395-5ADC-7A41-A88D-476445FED3B3}" srcOrd="1" destOrd="0" presId="urn:microsoft.com/office/officeart/2005/8/layout/orgChart1"/>
-    <dgm:cxn modelId="{49C631E1-ABAF-6348-A027-EF01F86E7768}" type="presParOf" srcId="{BF5FF395-5ADC-7A41-A88D-476445FED3B3}" destId="{281980B3-29FD-8844-8B9A-13AE6DBE42BD}" srcOrd="0" destOrd="0" presId="urn:microsoft.com/office/officeart/2005/8/layout/orgChart1"/>
-    <dgm:cxn modelId="{4E3ED57E-F6AF-E64C-9D94-752301E17128}" type="presParOf" srcId="{BF5FF395-5ADC-7A41-A88D-476445FED3B3}" destId="{50249BCE-A2A9-C446-8CD9-45C72912CAF0}" srcOrd="1" destOrd="0" presId="urn:microsoft.com/office/officeart/2005/8/layout/orgChart1"/>
-    <dgm:cxn modelId="{A6FC42EC-1A0B-0C41-AF0B-35431786429B}" type="presParOf" srcId="{50249BCE-A2A9-C446-8CD9-45C72912CAF0}" destId="{02D18C70-8484-A845-B384-9B9D5A7B5933}" srcOrd="0" destOrd="0" presId="urn:microsoft.com/office/officeart/2005/8/layout/orgChart1"/>
-    <dgm:cxn modelId="{98EEE9B5-D0F5-4A46-97A2-5505E0EC47C7}" type="presParOf" srcId="{02D18C70-8484-A845-B384-9B9D5A7B5933}" destId="{123B8EE8-7D9C-DD44-8429-23FE8831F0E1}" srcOrd="0" destOrd="0" presId="urn:microsoft.com/office/officeart/2005/8/layout/orgChart1"/>
-    <dgm:cxn modelId="{904E2ADE-A9B4-294E-871D-C6DB9B0FA6D6}" type="presParOf" srcId="{02D18C70-8484-A845-B384-9B9D5A7B5933}" destId="{15BC29F5-88EE-C847-9092-8E695D4C8B3B}" srcOrd="1" destOrd="0" presId="urn:microsoft.com/office/officeart/2005/8/layout/orgChart1"/>
-    <dgm:cxn modelId="{5B2A1848-D5DD-234D-B841-C4B04C7B4CD2}" type="presParOf" srcId="{50249BCE-A2A9-C446-8CD9-45C72912CAF0}" destId="{F8533503-0179-DD4B-AA81-D62763CA4C18}" srcOrd="1" destOrd="0" presId="urn:microsoft.com/office/officeart/2005/8/layout/orgChart1"/>
-    <dgm:cxn modelId="{F8AA47A3-A6E7-5746-A146-D557D7211A68}" type="presParOf" srcId="{F8533503-0179-DD4B-AA81-D62763CA4C18}" destId="{59176100-93E3-864B-8910-A875DD998FA1}" srcOrd="0" destOrd="0" presId="urn:microsoft.com/office/officeart/2005/8/layout/orgChart1"/>
-    <dgm:cxn modelId="{55BA03FD-A1F6-484F-9D5D-49EE59E4150A}" type="presParOf" srcId="{F8533503-0179-DD4B-AA81-D62763CA4C18}" destId="{505853AE-A12C-9F4A-BA71-404D7F9F90E1}" srcOrd="1" destOrd="0" presId="urn:microsoft.com/office/officeart/2005/8/layout/orgChart1"/>
-    <dgm:cxn modelId="{915A6F9B-9C49-E242-B604-4D86ED042291}" type="presParOf" srcId="{505853AE-A12C-9F4A-BA71-404D7F9F90E1}" destId="{8565BB1B-1C53-584D-8540-0B521DD95F57}" srcOrd="0" destOrd="0" presId="urn:microsoft.com/office/officeart/2005/8/layout/orgChart1"/>
-    <dgm:cxn modelId="{714633CE-6241-A144-BA05-04CFCBD7882C}" type="presParOf" srcId="{8565BB1B-1C53-584D-8540-0B521DD95F57}" destId="{AFB1C62B-9CF5-294A-A837-3E2B610C5F44}" srcOrd="0" destOrd="0" presId="urn:microsoft.com/office/officeart/2005/8/layout/orgChart1"/>
-    <dgm:cxn modelId="{1212DDF5-5AA8-4F45-B2E9-AE0258FFEB95}" type="presParOf" srcId="{8565BB1B-1C53-584D-8540-0B521DD95F57}" destId="{85F2B548-6C06-D045-9D00-A584EC1A45AA}" srcOrd="1" destOrd="0" presId="urn:microsoft.com/office/officeart/2005/8/layout/orgChart1"/>
-    <dgm:cxn modelId="{507E53A2-1A8E-7247-B8B5-E6018E609748}" type="presParOf" srcId="{505853AE-A12C-9F4A-BA71-404D7F9F90E1}" destId="{E57581B0-2388-7B49-B382-0DDB49DD76BD}" srcOrd="1" destOrd="0" presId="urn:microsoft.com/office/officeart/2005/8/layout/orgChart1"/>
-    <dgm:cxn modelId="{C32C05DC-0CA6-9146-90F3-57F9BD948080}" type="presParOf" srcId="{505853AE-A12C-9F4A-BA71-404D7F9F90E1}" destId="{C916DB46-6C80-E84E-8281-29752D74533C}" srcOrd="2" destOrd="0" presId="urn:microsoft.com/office/officeart/2005/8/layout/orgChart1"/>
-    <dgm:cxn modelId="{B7321927-E54C-184F-B838-7834CEEDEA33}" type="presParOf" srcId="{50249BCE-A2A9-C446-8CD9-45C72912CAF0}" destId="{A8CBB6A5-E338-B447-A9E1-22F3A9F3A59D}" srcOrd="2" destOrd="0" presId="urn:microsoft.com/office/officeart/2005/8/layout/orgChart1"/>
-    <dgm:cxn modelId="{A66BB30C-69BC-6D47-9CBC-6FB4F46ACA49}" type="presParOf" srcId="{BF5FF395-5ADC-7A41-A88D-476445FED3B3}" destId="{95A54F02-BDA4-B049-B10C-3D4772E9825C}" srcOrd="2" destOrd="0" presId="urn:microsoft.com/office/officeart/2005/8/layout/orgChart1"/>
-    <dgm:cxn modelId="{5992151D-7D40-004E-B415-87F343399703}" type="presParOf" srcId="{BF5FF395-5ADC-7A41-A88D-476445FED3B3}" destId="{D0348642-F966-2B41-B242-AC46F1346F56}" srcOrd="3" destOrd="0" presId="urn:microsoft.com/office/officeart/2005/8/layout/orgChart1"/>
-    <dgm:cxn modelId="{6D4F49F9-81AB-2F4F-A46B-A56E7C14687F}" type="presParOf" srcId="{D0348642-F966-2B41-B242-AC46F1346F56}" destId="{B6957DA3-3D13-614F-921F-03F00F35948C}" srcOrd="0" destOrd="0" presId="urn:microsoft.com/office/officeart/2005/8/layout/orgChart1"/>
-    <dgm:cxn modelId="{F7DF80AC-2112-CF4E-B66C-94BF2B8DAF0A}" type="presParOf" srcId="{B6957DA3-3D13-614F-921F-03F00F35948C}" destId="{1090074B-385E-0848-9D41-AA21099BA9F9}" srcOrd="0" destOrd="0" presId="urn:microsoft.com/office/officeart/2005/8/layout/orgChart1"/>
-    <dgm:cxn modelId="{E274428E-A317-1B42-96C7-63D149B79725}" type="presParOf" srcId="{B6957DA3-3D13-614F-921F-03F00F35948C}" destId="{46D9B197-DDF1-E64B-ACF3-A2449BE890F5}" srcOrd="1" destOrd="0" presId="urn:microsoft.com/office/officeart/2005/8/layout/orgChart1"/>
-    <dgm:cxn modelId="{43C73DE9-23E4-B949-90F7-10377BDD4FE1}" type="presParOf" srcId="{D0348642-F966-2B41-B242-AC46F1346F56}" destId="{97E8C602-BAE5-1547-935D-CF1319959E1D}" srcOrd="1" destOrd="0" presId="urn:microsoft.com/office/officeart/2005/8/layout/orgChart1"/>
-    <dgm:cxn modelId="{AC374868-A3C3-B142-879B-277FEAA96CC4}" type="presParOf" srcId="{D0348642-F966-2B41-B242-AC46F1346F56}" destId="{4FA42273-8939-6648-9CFD-29873E86F675}" srcOrd="2" destOrd="0" presId="urn:microsoft.com/office/officeart/2005/8/layout/orgChart1"/>
-    <dgm:cxn modelId="{12F3A458-5358-B14A-B827-B62A3DBF21B5}" type="presParOf" srcId="{BF5FF395-5ADC-7A41-A88D-476445FED3B3}" destId="{2D65B141-8901-0742-A363-EBA72386511A}" srcOrd="4" destOrd="0" presId="urn:microsoft.com/office/officeart/2005/8/layout/orgChart1"/>
-    <dgm:cxn modelId="{6635153F-D0F6-134A-9D06-86BB05609838}" type="presParOf" srcId="{BF5FF395-5ADC-7A41-A88D-476445FED3B3}" destId="{B224D331-CE80-4744-9660-7A9C4B26E14D}" srcOrd="5" destOrd="0" presId="urn:microsoft.com/office/officeart/2005/8/layout/orgChart1"/>
-    <dgm:cxn modelId="{5CFAC271-70BB-F341-A489-D36324093C8B}" type="presParOf" srcId="{B224D331-CE80-4744-9660-7A9C4B26E14D}" destId="{34FE3111-F9DB-B842-ADB3-60C311930941}" srcOrd="0" destOrd="0" presId="urn:microsoft.com/office/officeart/2005/8/layout/orgChart1"/>
-    <dgm:cxn modelId="{3F923FC7-A418-8042-AD41-F49E5334E943}" type="presParOf" srcId="{34FE3111-F9DB-B842-ADB3-60C311930941}" destId="{63668DEA-7A74-8F44-8510-7A91638A7A67}" srcOrd="0" destOrd="0" presId="urn:microsoft.com/office/officeart/2005/8/layout/orgChart1"/>
-    <dgm:cxn modelId="{BF7EE6CC-D9BE-F14D-A95A-129D8909C31E}" type="presParOf" srcId="{34FE3111-F9DB-B842-ADB3-60C311930941}" destId="{40812218-FDF6-0945-934D-8FAA6EDACA8F}" srcOrd="1" destOrd="0" presId="urn:microsoft.com/office/officeart/2005/8/layout/orgChart1"/>
-    <dgm:cxn modelId="{C1C089A1-7B40-654C-B94C-AA2CED076B8A}" type="presParOf" srcId="{B224D331-CE80-4744-9660-7A9C4B26E14D}" destId="{33591408-02AB-2E4D-86FD-0C727B2F6F58}" srcOrd="1" destOrd="0" presId="urn:microsoft.com/office/officeart/2005/8/layout/orgChart1"/>
-    <dgm:cxn modelId="{18CBE217-B969-984E-B78E-0C67F8D8FED1}" type="presParOf" srcId="{B224D331-CE80-4744-9660-7A9C4B26E14D}" destId="{0128A8CA-3ED9-6849-9379-F478F2FFF110}" srcOrd="2" destOrd="0" presId="urn:microsoft.com/office/officeart/2005/8/layout/orgChart1"/>
-    <dgm:cxn modelId="{FCF3426F-2533-4A46-94FD-A113D22F2824}" type="presParOf" srcId="{1A4F12AB-F60B-F448-A803-0A67C9162D5F}" destId="{EBFF38F1-A1DF-0E4D-8F69-F4BB3212F98B}" srcOrd="2" destOrd="0" presId="urn:microsoft.com/office/officeart/2005/8/layout/orgChart1"/>
-  </dgm:cxnLst>
-  <dgm:bg/>
-  <dgm:whole/>
-  <dgm:extLst>
-    <a:ext uri="http://schemas.microsoft.com/office/drawing/2008/diagram">
-      <dsp:dataModelExt xmlns:dsp="http://schemas.microsoft.com/office/drawing/2008/diagram" relId="rId6" minVer="http://schemas.openxmlformats.org/drawingml/2006/diagram"/>
-    </a:ext>
-  </dgm:extLst>
-</dgm:dataModel>
-</file>
-
 <file path=ppt/diagrams/drawing1.xml><?xml version="1.0" encoding="utf-8"?>
 <dsp:drawing xmlns:dgm="http://schemas.openxmlformats.org/drawingml/2006/diagram" xmlns:dsp="http://schemas.microsoft.com/office/drawing/2008/diagram" xmlns:a="http://schemas.openxmlformats.org/drawingml/2006/main">
   <dsp:spTree>
@@ -3616,10 +2425,472 @@
       </dsp:nvSpPr>
       <dsp:spPr>
         <a:xfrm>
-          <a:off x="2077409" y="214841"/>
-          <a:ext cx="3480430" cy="797454"/>
+          <a:off x="1630146" y="0"/>
+          <a:ext cx="4492013" cy="1238483"/>
         </a:xfrm>
         <a:prstGeom prst="cloud">
+          <a:avLst/>
+        </a:prstGeom>
+        <a:gradFill rotWithShape="0">
+          <a:gsLst>
+            <a:gs pos="0">
+              <a:schemeClr val="accent1">
+                <a:hueOff val="0"/>
+                <a:satOff val="0"/>
+                <a:lumOff val="0"/>
+                <a:alphaOff val="0"/>
+                <a:tint val="98000"/>
+                <a:satMod val="110000"/>
+                <a:lumMod val="104000"/>
+              </a:schemeClr>
+            </a:gs>
+            <a:gs pos="69000">
+              <a:schemeClr val="accent1">
+                <a:hueOff val="0"/>
+                <a:satOff val="0"/>
+                <a:lumOff val="0"/>
+                <a:alphaOff val="0"/>
+                <a:shade val="84000"/>
+                <a:satMod val="130000"/>
+                <a:lumMod val="92000"/>
+              </a:schemeClr>
+            </a:gs>
+            <a:gs pos="100000">
+              <a:schemeClr val="accent1">
+                <a:hueOff val="0"/>
+                <a:satOff val="0"/>
+                <a:lumOff val="0"/>
+                <a:alphaOff val="0"/>
+                <a:shade val="76000"/>
+                <a:satMod val="130000"/>
+                <a:lumMod val="88000"/>
+              </a:schemeClr>
+            </a:gs>
+          </a:gsLst>
+          <a:lin ang="5400000" scaled="0"/>
+        </a:gradFill>
+        <a:ln>
+          <a:noFill/>
+        </a:ln>
+        <a:effectLst/>
+      </dsp:spPr>
+      <dsp:style>
+        <a:lnRef idx="0">
+          <a:scrgbClr r="0" g="0" b="0"/>
+        </a:lnRef>
+        <a:fillRef idx="3">
+          <a:scrgbClr r="0" g="0" b="0"/>
+        </a:fillRef>
+        <a:effectRef idx="2">
+          <a:scrgbClr r="0" g="0" b="0"/>
+        </a:effectRef>
+        <a:fontRef idx="minor">
+          <a:schemeClr val="lt1"/>
+        </a:fontRef>
+      </dsp:style>
+      <dsp:txBody>
+        <a:bodyPr spcFirstLastPara="0" vert="horz" wrap="square" lIns="68580" tIns="68580" rIns="68580" bIns="68580" numCol="1" spcCol="1270" anchor="ctr" anchorCtr="0">
+          <a:noAutofit/>
+        </a:bodyPr>
+        <a:lstStyle/>
+        <a:p>
+          <a:pPr marL="0" lvl="0" indent="0" algn="ctr" defTabSz="1200150">
+            <a:lnSpc>
+              <a:spcPct val="90000"/>
+            </a:lnSpc>
+            <a:spcBef>
+              <a:spcPct val="0"/>
+            </a:spcBef>
+            <a:spcAft>
+              <a:spcPct val="35000"/>
+            </a:spcAft>
+            <a:buNone/>
+          </a:pPr>
+          <a:r>
+            <a:rPr lang="en-US" sz="2700" kern="1200" dirty="0"/>
+            <a:t>Error-free Internet</a:t>
+          </a:r>
+        </a:p>
+      </dsp:txBody>
+      <dsp:txXfrm>
+        <a:off x="2249254" y="187034"/>
+        <a:ext cx="2934365" cy="807021"/>
+      </dsp:txXfrm>
+    </dsp:sp>
+    <dsp:sp modelId="{24EF86CB-BB3C-EE4A-8D63-6AA2B9CFE797}">
+      <dsp:nvSpPr>
+        <dsp:cNvPr id="0" name=""/>
+        <dsp:cNvSpPr/>
+      </dsp:nvSpPr>
+      <dsp:spPr>
+        <a:xfrm rot="5400020">
+          <a:off x="3101533" y="2013095"/>
+          <a:ext cx="1549223" cy="0"/>
+        </a:xfrm>
+        <a:custGeom>
+          <a:avLst/>
+          <a:gdLst/>
+          <a:ahLst/>
+          <a:cxnLst/>
+          <a:rect l="0" t="0" r="0" b="0"/>
+          <a:pathLst>
+            <a:path>
+              <a:moveTo>
+                <a:pt x="0" y="0"/>
+              </a:moveTo>
+              <a:lnTo>
+                <a:pt x="1549223" y="0"/>
+              </a:lnTo>
+            </a:path>
+          </a:pathLst>
+        </a:custGeom>
+        <a:noFill/>
+        <a:ln w="9525" cap="flat" cmpd="sng" algn="ctr">
+          <a:solidFill>
+            <a:schemeClr val="accent1">
+              <a:shade val="60000"/>
+              <a:hueOff val="0"/>
+              <a:satOff val="0"/>
+              <a:lumOff val="0"/>
+              <a:alphaOff val="0"/>
+            </a:schemeClr>
+          </a:solidFill>
+          <a:prstDash val="solid"/>
+        </a:ln>
+        <a:effectLst/>
+      </dsp:spPr>
+      <dsp:style>
+        <a:lnRef idx="1">
+          <a:scrgbClr r="0" g="0" b="0"/>
+        </a:lnRef>
+        <a:fillRef idx="0">
+          <a:scrgbClr r="0" g="0" b="0"/>
+        </a:fillRef>
+        <a:effectRef idx="0">
+          <a:scrgbClr r="0" g="0" b="0"/>
+        </a:effectRef>
+        <a:fontRef idx="minor"/>
+      </dsp:style>
+    </dsp:sp>
+    <dsp:sp modelId="{BD47E5AD-9B9F-994B-A283-396DB16C1ADF}">
+      <dsp:nvSpPr>
+        <dsp:cNvPr id="0" name=""/>
+        <dsp:cNvSpPr/>
+      </dsp:nvSpPr>
+      <dsp:spPr>
+        <a:xfrm>
+          <a:off x="3058296" y="2787706"/>
+          <a:ext cx="1635680" cy="1053821"/>
+        </a:xfrm>
+        <a:prstGeom prst="roundRect">
+          <a:avLst/>
+        </a:prstGeom>
+        <a:gradFill rotWithShape="0">
+          <a:gsLst>
+            <a:gs pos="0">
+              <a:schemeClr val="accent1">
+                <a:hueOff val="0"/>
+                <a:satOff val="0"/>
+                <a:lumOff val="0"/>
+                <a:alphaOff val="0"/>
+                <a:tint val="98000"/>
+                <a:satMod val="110000"/>
+                <a:lumMod val="104000"/>
+              </a:schemeClr>
+            </a:gs>
+            <a:gs pos="69000">
+              <a:schemeClr val="accent1">
+                <a:hueOff val="0"/>
+                <a:satOff val="0"/>
+                <a:lumOff val="0"/>
+                <a:alphaOff val="0"/>
+                <a:shade val="84000"/>
+                <a:satMod val="130000"/>
+                <a:lumMod val="92000"/>
+              </a:schemeClr>
+            </a:gs>
+            <a:gs pos="100000">
+              <a:schemeClr val="accent1">
+                <a:hueOff val="0"/>
+                <a:satOff val="0"/>
+                <a:lumOff val="0"/>
+                <a:alphaOff val="0"/>
+                <a:shade val="76000"/>
+                <a:satMod val="130000"/>
+                <a:lumMod val="88000"/>
+              </a:schemeClr>
+            </a:gs>
+          </a:gsLst>
+          <a:lin ang="5400000" scaled="0"/>
+        </a:gradFill>
+        <a:ln>
+          <a:noFill/>
+        </a:ln>
+        <a:effectLst/>
+      </dsp:spPr>
+      <dsp:style>
+        <a:lnRef idx="0">
+          <a:scrgbClr r="0" g="0" b="0"/>
+        </a:lnRef>
+        <a:fillRef idx="3">
+          <a:scrgbClr r="0" g="0" b="0"/>
+        </a:fillRef>
+        <a:effectRef idx="2">
+          <a:scrgbClr r="0" g="0" b="0"/>
+        </a:effectRef>
+        <a:fontRef idx="minor">
+          <a:schemeClr val="lt1"/>
+        </a:fontRef>
+      </dsp:style>
+      <dsp:txBody>
+        <a:bodyPr spcFirstLastPara="0" vert="horz" wrap="square" lIns="48260" tIns="48260" rIns="48260" bIns="48260" numCol="1" spcCol="1270" anchor="ctr" anchorCtr="0">
+          <a:noAutofit/>
+        </a:bodyPr>
+        <a:lstStyle/>
+        <a:p>
+          <a:pPr marL="0" lvl="0" indent="0" algn="ctr" defTabSz="844550">
+            <a:lnSpc>
+              <a:spcPct val="90000"/>
+            </a:lnSpc>
+            <a:spcBef>
+              <a:spcPct val="0"/>
+            </a:spcBef>
+            <a:spcAft>
+              <a:spcPct val="35000"/>
+            </a:spcAft>
+            <a:buNone/>
+          </a:pPr>
+          <a:r>
+            <a:rPr lang="en-US" sz="1900" kern="1200" dirty="0"/>
+            <a:t>Development Tools</a:t>
+          </a:r>
+        </a:p>
+      </dsp:txBody>
+      <dsp:txXfrm>
+        <a:off x="3109739" y="2839149"/>
+        <a:ext cx="1532794" cy="950935"/>
+      </dsp:txXfrm>
+    </dsp:sp>
+    <dsp:sp modelId="{3AB574AE-6C3A-B94C-B0FB-08E8082B94F9}">
+      <dsp:nvSpPr>
+        <dsp:cNvPr id="0" name=""/>
+        <dsp:cNvSpPr/>
+      </dsp:nvSpPr>
+      <dsp:spPr>
+        <a:xfrm rot="2985631">
+          <a:off x="4088911" y="1909669"/>
+          <a:ext cx="1758525" cy="0"/>
+        </a:xfrm>
+        <a:custGeom>
+          <a:avLst/>
+          <a:gdLst/>
+          <a:ahLst/>
+          <a:cxnLst/>
+          <a:rect l="0" t="0" r="0" b="0"/>
+          <a:pathLst>
+            <a:path>
+              <a:moveTo>
+                <a:pt x="0" y="0"/>
+              </a:moveTo>
+              <a:lnTo>
+                <a:pt x="1758525" y="0"/>
+              </a:lnTo>
+            </a:path>
+          </a:pathLst>
+        </a:custGeom>
+        <a:noFill/>
+        <a:ln w="9525" cap="flat" cmpd="sng" algn="ctr">
+          <a:solidFill>
+            <a:schemeClr val="accent1">
+              <a:shade val="60000"/>
+              <a:hueOff val="0"/>
+              <a:satOff val="0"/>
+              <a:lumOff val="0"/>
+              <a:alphaOff val="0"/>
+            </a:schemeClr>
+          </a:solidFill>
+          <a:prstDash val="solid"/>
+        </a:ln>
+        <a:effectLst/>
+      </dsp:spPr>
+      <dsp:style>
+        <a:lnRef idx="1">
+          <a:scrgbClr r="0" g="0" b="0"/>
+        </a:lnRef>
+        <a:fillRef idx="0">
+          <a:scrgbClr r="0" g="0" b="0"/>
+        </a:fillRef>
+        <a:effectRef idx="0">
+          <a:scrgbClr r="0" g="0" b="0"/>
+        </a:effectRef>
+        <a:fontRef idx="minor"/>
+      </dsp:style>
+    </dsp:sp>
+    <dsp:sp modelId="{0700E98B-D968-5D4A-84E8-8E9B9A58B1F4}">
+      <dsp:nvSpPr>
+        <dsp:cNvPr id="0" name=""/>
+        <dsp:cNvSpPr/>
+      </dsp:nvSpPr>
+      <dsp:spPr>
+        <a:xfrm>
+          <a:off x="5108811" y="2580855"/>
+          <a:ext cx="1652505" cy="942750"/>
+        </a:xfrm>
+        <a:prstGeom prst="roundRect">
+          <a:avLst/>
+        </a:prstGeom>
+        <a:gradFill rotWithShape="0">
+          <a:gsLst>
+            <a:gs pos="0">
+              <a:schemeClr val="accent1">
+                <a:hueOff val="0"/>
+                <a:satOff val="0"/>
+                <a:lumOff val="0"/>
+                <a:alphaOff val="0"/>
+                <a:tint val="98000"/>
+                <a:satMod val="110000"/>
+                <a:lumMod val="104000"/>
+              </a:schemeClr>
+            </a:gs>
+            <a:gs pos="69000">
+              <a:schemeClr val="accent1">
+                <a:hueOff val="0"/>
+                <a:satOff val="0"/>
+                <a:lumOff val="0"/>
+                <a:alphaOff val="0"/>
+                <a:shade val="84000"/>
+                <a:satMod val="130000"/>
+                <a:lumMod val="92000"/>
+              </a:schemeClr>
+            </a:gs>
+            <a:gs pos="100000">
+              <a:schemeClr val="accent1">
+                <a:hueOff val="0"/>
+                <a:satOff val="0"/>
+                <a:lumOff val="0"/>
+                <a:alphaOff val="0"/>
+                <a:shade val="76000"/>
+                <a:satMod val="130000"/>
+                <a:lumMod val="88000"/>
+              </a:schemeClr>
+            </a:gs>
+          </a:gsLst>
+          <a:lin ang="5400000" scaled="0"/>
+        </a:gradFill>
+        <a:ln>
+          <a:noFill/>
+        </a:ln>
+        <a:effectLst/>
+      </dsp:spPr>
+      <dsp:style>
+        <a:lnRef idx="0">
+          <a:scrgbClr r="0" g="0" b="0"/>
+        </a:lnRef>
+        <a:fillRef idx="3">
+          <a:scrgbClr r="0" g="0" b="0"/>
+        </a:fillRef>
+        <a:effectRef idx="2">
+          <a:scrgbClr r="0" g="0" b="0"/>
+        </a:effectRef>
+        <a:fontRef idx="minor">
+          <a:schemeClr val="lt1"/>
+        </a:fontRef>
+      </dsp:style>
+      <dsp:txBody>
+        <a:bodyPr spcFirstLastPara="0" vert="horz" wrap="square" lIns="58420" tIns="58420" rIns="58420" bIns="58420" numCol="1" spcCol="1270" anchor="ctr" anchorCtr="0">
+          <a:noAutofit/>
+        </a:bodyPr>
+        <a:lstStyle/>
+        <a:p>
+          <a:pPr marL="0" lvl="0" indent="0" algn="ctr" defTabSz="1022350">
+            <a:lnSpc>
+              <a:spcPct val="90000"/>
+            </a:lnSpc>
+            <a:spcBef>
+              <a:spcPct val="0"/>
+            </a:spcBef>
+            <a:spcAft>
+              <a:spcPct val="35000"/>
+            </a:spcAft>
+            <a:buNone/>
+          </a:pPr>
+          <a:r>
+            <a:rPr lang="en-US" sz="2300" kern="1200" dirty="0"/>
+            <a:t>Network Verification</a:t>
+          </a:r>
+        </a:p>
+      </dsp:txBody>
+      <dsp:txXfrm>
+        <a:off x="5154832" y="2626876"/>
+        <a:ext cx="1560463" cy="850708"/>
+      </dsp:txXfrm>
+    </dsp:sp>
+    <dsp:sp modelId="{DAE87EC9-2948-EE4C-A53E-8BD735D0084C}">
+      <dsp:nvSpPr>
+        <dsp:cNvPr id="0" name=""/>
+        <dsp:cNvSpPr/>
+      </dsp:nvSpPr>
+      <dsp:spPr>
+        <a:xfrm rot="8099493">
+          <a:off x="1843288" y="1824222"/>
+          <a:ext cx="1656476" cy="0"/>
+        </a:xfrm>
+        <a:custGeom>
+          <a:avLst/>
+          <a:gdLst/>
+          <a:ahLst/>
+          <a:cxnLst/>
+          <a:rect l="0" t="0" r="0" b="0"/>
+          <a:pathLst>
+            <a:path>
+              <a:moveTo>
+                <a:pt x="0" y="0"/>
+              </a:moveTo>
+              <a:lnTo>
+                <a:pt x="1656476" y="0"/>
+              </a:lnTo>
+            </a:path>
+          </a:pathLst>
+        </a:custGeom>
+        <a:noFill/>
+        <a:ln w="9525" cap="flat" cmpd="sng" algn="ctr">
+          <a:solidFill>
+            <a:schemeClr val="accent1">
+              <a:shade val="60000"/>
+              <a:hueOff val="0"/>
+              <a:satOff val="0"/>
+              <a:lumOff val="0"/>
+              <a:alphaOff val="0"/>
+            </a:schemeClr>
+          </a:solidFill>
+          <a:prstDash val="solid"/>
+        </a:ln>
+        <a:effectLst/>
+      </dsp:spPr>
+      <dsp:style>
+        <a:lnRef idx="1">
+          <a:scrgbClr r="0" g="0" b="0"/>
+        </a:lnRef>
+        <a:fillRef idx="0">
+          <a:scrgbClr r="0" g="0" b="0"/>
+        </a:fillRef>
+        <a:effectRef idx="0">
+          <a:scrgbClr r="0" g="0" b="0"/>
+        </a:effectRef>
+        <a:fontRef idx="minor"/>
+      </dsp:style>
+    </dsp:sp>
+    <dsp:sp modelId="{471B17D5-08DD-F44C-A425-0677AFEB5931}">
+      <dsp:nvSpPr>
+        <dsp:cNvPr id="0" name=""/>
+        <dsp:cNvSpPr/>
+      </dsp:nvSpPr>
+      <dsp:spPr>
+        <a:xfrm>
+          <a:off x="554730" y="2409961"/>
+          <a:ext cx="1886617" cy="1176188"/>
+        </a:xfrm>
+        <a:prstGeom prst="roundRect">
           <a:avLst/>
         </a:prstGeom>
         <a:gradFill rotWithShape="0">
@@ -3699,475 +2970,13 @@
           </a:pPr>
           <a:r>
             <a:rPr lang="en-US" sz="2100" kern="1200" dirty="0"/>
-            <a:t>Error-free Internet</a:t>
-          </a:r>
-        </a:p>
-      </dsp:txBody>
-      <dsp:txXfrm>
-        <a:off x="2557096" y="335271"/>
-        <a:ext cx="2273559" cy="519638"/>
-      </dsp:txXfrm>
-    </dsp:sp>
-    <dsp:sp modelId="{24EF86CB-BB3C-EE4A-8D63-6AA2B9CFE797}">
-      <dsp:nvSpPr>
-        <dsp:cNvPr id="0" name=""/>
-        <dsp:cNvSpPr/>
-      </dsp:nvSpPr>
-      <dsp:spPr>
-        <a:xfrm rot="5400020">
-          <a:off x="2852025" y="1977887"/>
-          <a:ext cx="1931182" cy="0"/>
-        </a:xfrm>
-        <a:custGeom>
-          <a:avLst/>
-          <a:gdLst/>
-          <a:ahLst/>
-          <a:cxnLst/>
-          <a:rect l="0" t="0" r="0" b="0"/>
-          <a:pathLst>
-            <a:path>
-              <a:moveTo>
-                <a:pt x="0" y="0"/>
-              </a:moveTo>
-              <a:lnTo>
-                <a:pt x="1931182" y="0"/>
-              </a:lnTo>
-            </a:path>
-          </a:pathLst>
-        </a:custGeom>
-        <a:noFill/>
-        <a:ln w="9525" cap="flat" cmpd="sng" algn="ctr">
-          <a:solidFill>
-            <a:schemeClr val="accent1">
-              <a:shade val="60000"/>
-              <a:hueOff val="0"/>
-              <a:satOff val="0"/>
-              <a:lumOff val="0"/>
-              <a:alphaOff val="0"/>
-            </a:schemeClr>
-          </a:solidFill>
-          <a:prstDash val="solid"/>
-        </a:ln>
-        <a:effectLst/>
-      </dsp:spPr>
-      <dsp:style>
-        <a:lnRef idx="1">
-          <a:scrgbClr r="0" g="0" b="0"/>
-        </a:lnRef>
-        <a:fillRef idx="0">
-          <a:scrgbClr r="0" g="0" b="0"/>
-        </a:fillRef>
-        <a:effectRef idx="0">
-          <a:scrgbClr r="0" g="0" b="0"/>
-        </a:effectRef>
-        <a:fontRef idx="minor"/>
-      </dsp:style>
-    </dsp:sp>
-    <dsp:sp modelId="{BD47E5AD-9B9F-994B-A283-396DB16C1ADF}">
-      <dsp:nvSpPr>
-        <dsp:cNvPr id="0" name=""/>
-        <dsp:cNvSpPr/>
-      </dsp:nvSpPr>
-      <dsp:spPr>
-        <a:xfrm>
-          <a:off x="3415877" y="2943478"/>
-          <a:ext cx="803462" cy="803462"/>
-        </a:xfrm>
-        <a:prstGeom prst="roundRect">
-          <a:avLst/>
-        </a:prstGeom>
-        <a:gradFill rotWithShape="0">
-          <a:gsLst>
-            <a:gs pos="0">
-              <a:schemeClr val="accent1">
-                <a:hueOff val="0"/>
-                <a:satOff val="0"/>
-                <a:lumOff val="0"/>
-                <a:alphaOff val="0"/>
-                <a:tint val="98000"/>
-                <a:satMod val="110000"/>
-                <a:lumMod val="104000"/>
-              </a:schemeClr>
-            </a:gs>
-            <a:gs pos="69000">
-              <a:schemeClr val="accent1">
-                <a:hueOff val="0"/>
-                <a:satOff val="0"/>
-                <a:lumOff val="0"/>
-                <a:alphaOff val="0"/>
-                <a:shade val="84000"/>
-                <a:satMod val="130000"/>
-                <a:lumMod val="92000"/>
-              </a:schemeClr>
-            </a:gs>
-            <a:gs pos="100000">
-              <a:schemeClr val="accent1">
-                <a:hueOff val="0"/>
-                <a:satOff val="0"/>
-                <a:lumOff val="0"/>
-                <a:alphaOff val="0"/>
-                <a:shade val="76000"/>
-                <a:satMod val="130000"/>
-                <a:lumMod val="88000"/>
-              </a:schemeClr>
-            </a:gs>
-          </a:gsLst>
-          <a:lin ang="5400000" scaled="0"/>
-        </a:gradFill>
-        <a:ln>
-          <a:noFill/>
-        </a:ln>
-        <a:effectLst/>
-      </dsp:spPr>
-      <dsp:style>
-        <a:lnRef idx="0">
-          <a:scrgbClr r="0" g="0" b="0"/>
-        </a:lnRef>
-        <a:fillRef idx="3">
-          <a:scrgbClr r="0" g="0" b="0"/>
-        </a:fillRef>
-        <a:effectRef idx="2">
-          <a:scrgbClr r="0" g="0" b="0"/>
-        </a:effectRef>
-        <a:fontRef idx="minor">
-          <a:schemeClr val="lt1"/>
-        </a:fontRef>
-      </dsp:style>
-      <dsp:txBody>
-        <a:bodyPr spcFirstLastPara="0" vert="horz" wrap="square" lIns="22860" tIns="22860" rIns="22860" bIns="22860" numCol="1" spcCol="1270" anchor="ctr" anchorCtr="0">
-          <a:noAutofit/>
-        </a:bodyPr>
-        <a:lstStyle/>
-        <a:p>
-          <a:pPr marL="0" lvl="0" indent="0" algn="ctr" defTabSz="400050">
-            <a:lnSpc>
-              <a:spcPct val="90000"/>
-            </a:lnSpc>
-            <a:spcBef>
-              <a:spcPct val="0"/>
-            </a:spcBef>
-            <a:spcAft>
-              <a:spcPct val="35000"/>
-            </a:spcAft>
-            <a:buNone/>
-          </a:pPr>
-          <a:r>
-            <a:rPr lang="en-US" sz="900" kern="1200" dirty="0"/>
-            <a:t>Development Tools</a:t>
-          </a:r>
-        </a:p>
-      </dsp:txBody>
-      <dsp:txXfrm>
-        <a:off x="3455099" y="2982700"/>
-        <a:ext cx="725018" cy="725018"/>
-      </dsp:txXfrm>
-    </dsp:sp>
-    <dsp:sp modelId="{3AB574AE-6C3A-B94C-B0FB-08E8082B94F9}">
-      <dsp:nvSpPr>
-        <dsp:cNvPr id="0" name=""/>
-        <dsp:cNvSpPr/>
-      </dsp:nvSpPr>
-      <dsp:spPr>
-        <a:xfrm rot="3010681">
-          <a:off x="3759425" y="1846693"/>
-          <a:ext cx="2172803" cy="0"/>
-        </a:xfrm>
-        <a:custGeom>
-          <a:avLst/>
-          <a:gdLst/>
-          <a:ahLst/>
-          <a:cxnLst/>
-          <a:rect l="0" t="0" r="0" b="0"/>
-          <a:pathLst>
-            <a:path>
-              <a:moveTo>
-                <a:pt x="0" y="0"/>
-              </a:moveTo>
-              <a:lnTo>
-                <a:pt x="2172803" y="0"/>
-              </a:lnTo>
-            </a:path>
-          </a:pathLst>
-        </a:custGeom>
-        <a:noFill/>
-        <a:ln w="9525" cap="flat" cmpd="sng" algn="ctr">
-          <a:solidFill>
-            <a:schemeClr val="accent1">
-              <a:shade val="60000"/>
-              <a:hueOff val="0"/>
-              <a:satOff val="0"/>
-              <a:lumOff val="0"/>
-              <a:alphaOff val="0"/>
-            </a:schemeClr>
-          </a:solidFill>
-          <a:prstDash val="solid"/>
-        </a:ln>
-        <a:effectLst/>
-      </dsp:spPr>
-      <dsp:style>
-        <a:lnRef idx="1">
-          <a:scrgbClr r="0" g="0" b="0"/>
-        </a:lnRef>
-        <a:fillRef idx="0">
-          <a:scrgbClr r="0" g="0" b="0"/>
-        </a:fillRef>
-        <a:effectRef idx="0">
-          <a:scrgbClr r="0" g="0" b="0"/>
-        </a:effectRef>
-        <a:fontRef idx="minor"/>
-      </dsp:style>
-    </dsp:sp>
-    <dsp:sp modelId="{0700E98B-D968-5D4A-84E8-8E9B9A58B1F4}">
-      <dsp:nvSpPr>
-        <dsp:cNvPr id="0" name=""/>
-        <dsp:cNvSpPr/>
-      </dsp:nvSpPr>
-      <dsp:spPr>
-        <a:xfrm>
-          <a:off x="5474804" y="2681091"/>
-          <a:ext cx="803462" cy="803462"/>
-        </a:xfrm>
-        <a:prstGeom prst="roundRect">
-          <a:avLst/>
-        </a:prstGeom>
-        <a:gradFill rotWithShape="0">
-          <a:gsLst>
-            <a:gs pos="0">
-              <a:schemeClr val="accent1">
-                <a:hueOff val="0"/>
-                <a:satOff val="0"/>
-                <a:lumOff val="0"/>
-                <a:alphaOff val="0"/>
-                <a:tint val="98000"/>
-                <a:satMod val="110000"/>
-                <a:lumMod val="104000"/>
-              </a:schemeClr>
-            </a:gs>
-            <a:gs pos="69000">
-              <a:schemeClr val="accent1">
-                <a:hueOff val="0"/>
-                <a:satOff val="0"/>
-                <a:lumOff val="0"/>
-                <a:alphaOff val="0"/>
-                <a:shade val="84000"/>
-                <a:satMod val="130000"/>
-                <a:lumMod val="92000"/>
-              </a:schemeClr>
-            </a:gs>
-            <a:gs pos="100000">
-              <a:schemeClr val="accent1">
-                <a:hueOff val="0"/>
-                <a:satOff val="0"/>
-                <a:lumOff val="0"/>
-                <a:alphaOff val="0"/>
-                <a:shade val="76000"/>
-                <a:satMod val="130000"/>
-                <a:lumMod val="88000"/>
-              </a:schemeClr>
-            </a:gs>
-          </a:gsLst>
-          <a:lin ang="5400000" scaled="0"/>
-        </a:gradFill>
-        <a:ln>
-          <a:noFill/>
-        </a:ln>
-        <a:effectLst/>
-      </dsp:spPr>
-      <dsp:style>
-        <a:lnRef idx="0">
-          <a:scrgbClr r="0" g="0" b="0"/>
-        </a:lnRef>
-        <a:fillRef idx="3">
-          <a:scrgbClr r="0" g="0" b="0"/>
-        </a:fillRef>
-        <a:effectRef idx="2">
-          <a:scrgbClr r="0" g="0" b="0"/>
-        </a:effectRef>
-        <a:fontRef idx="minor">
-          <a:schemeClr val="lt1"/>
-        </a:fontRef>
-      </dsp:style>
-      <dsp:txBody>
-        <a:bodyPr spcFirstLastPara="0" vert="horz" wrap="square" lIns="25400" tIns="25400" rIns="25400" bIns="25400" numCol="1" spcCol="1270" anchor="ctr" anchorCtr="0">
-          <a:noAutofit/>
-        </a:bodyPr>
-        <a:lstStyle/>
-        <a:p>
-          <a:pPr marL="0" lvl="0" indent="0" algn="ctr" defTabSz="444500">
-            <a:lnSpc>
-              <a:spcPct val="90000"/>
-            </a:lnSpc>
-            <a:spcBef>
-              <a:spcPct val="0"/>
-            </a:spcBef>
-            <a:spcAft>
-              <a:spcPct val="35000"/>
-            </a:spcAft>
-            <a:buNone/>
-          </a:pPr>
-          <a:r>
-            <a:rPr lang="en-US" sz="1000" kern="1200" dirty="0"/>
-            <a:t>Network Verification</a:t>
-          </a:r>
-        </a:p>
-      </dsp:txBody>
-      <dsp:txXfrm>
-        <a:off x="5514026" y="2720313"/>
-        <a:ext cx="725018" cy="725018"/>
-      </dsp:txXfrm>
-    </dsp:sp>
-    <dsp:sp modelId="{DAE87EC9-2948-EE4C-A53E-8BD735D0084C}">
-      <dsp:nvSpPr>
-        <dsp:cNvPr id="0" name=""/>
-        <dsp:cNvSpPr/>
-      </dsp:nvSpPr>
-      <dsp:spPr>
-        <a:xfrm rot="7926761">
-          <a:off x="1594375" y="1839479"/>
-          <a:ext cx="2230123" cy="0"/>
-        </a:xfrm>
-        <a:custGeom>
-          <a:avLst/>
-          <a:gdLst/>
-          <a:ahLst/>
-          <a:cxnLst/>
-          <a:rect l="0" t="0" r="0" b="0"/>
-          <a:pathLst>
-            <a:path>
-              <a:moveTo>
-                <a:pt x="0" y="0"/>
-              </a:moveTo>
-              <a:lnTo>
-                <a:pt x="2230123" y="0"/>
-              </a:lnTo>
-            </a:path>
-          </a:pathLst>
-        </a:custGeom>
-        <a:noFill/>
-        <a:ln w="9525" cap="flat" cmpd="sng" algn="ctr">
-          <a:solidFill>
-            <a:schemeClr val="accent1">
-              <a:shade val="60000"/>
-              <a:hueOff val="0"/>
-              <a:satOff val="0"/>
-              <a:lumOff val="0"/>
-              <a:alphaOff val="0"/>
-            </a:schemeClr>
-          </a:solidFill>
-          <a:prstDash val="solid"/>
-        </a:ln>
-        <a:effectLst/>
-      </dsp:spPr>
-      <dsp:style>
-        <a:lnRef idx="1">
-          <a:scrgbClr r="0" g="0" b="0"/>
-        </a:lnRef>
-        <a:fillRef idx="0">
-          <a:scrgbClr r="0" g="0" b="0"/>
-        </a:fillRef>
-        <a:effectRef idx="0">
-          <a:scrgbClr r="0" g="0" b="0"/>
-        </a:effectRef>
-        <a:fontRef idx="minor"/>
-      </dsp:style>
-    </dsp:sp>
-    <dsp:sp modelId="{471B17D5-08DD-F44C-A425-0677AFEB5931}">
-      <dsp:nvSpPr>
-        <dsp:cNvPr id="0" name=""/>
-        <dsp:cNvSpPr/>
-      </dsp:nvSpPr>
-      <dsp:spPr>
-        <a:xfrm>
-          <a:off x="1196802" y="2666662"/>
-          <a:ext cx="803462" cy="803462"/>
-        </a:xfrm>
-        <a:prstGeom prst="roundRect">
-          <a:avLst/>
-        </a:prstGeom>
-        <a:gradFill rotWithShape="0">
-          <a:gsLst>
-            <a:gs pos="0">
-              <a:schemeClr val="accent1">
-                <a:hueOff val="0"/>
-                <a:satOff val="0"/>
-                <a:lumOff val="0"/>
-                <a:alphaOff val="0"/>
-                <a:tint val="98000"/>
-                <a:satMod val="110000"/>
-                <a:lumMod val="104000"/>
-              </a:schemeClr>
-            </a:gs>
-            <a:gs pos="69000">
-              <a:schemeClr val="accent1">
-                <a:hueOff val="0"/>
-                <a:satOff val="0"/>
-                <a:lumOff val="0"/>
-                <a:alphaOff val="0"/>
-                <a:shade val="84000"/>
-                <a:satMod val="130000"/>
-                <a:lumMod val="92000"/>
-              </a:schemeClr>
-            </a:gs>
-            <a:gs pos="100000">
-              <a:schemeClr val="accent1">
-                <a:hueOff val="0"/>
-                <a:satOff val="0"/>
-                <a:lumOff val="0"/>
-                <a:alphaOff val="0"/>
-                <a:shade val="76000"/>
-                <a:satMod val="130000"/>
-                <a:lumMod val="88000"/>
-              </a:schemeClr>
-            </a:gs>
-          </a:gsLst>
-          <a:lin ang="5400000" scaled="0"/>
-        </a:gradFill>
-        <a:ln>
-          <a:noFill/>
-        </a:ln>
-        <a:effectLst/>
-      </dsp:spPr>
-      <dsp:style>
-        <a:lnRef idx="0">
-          <a:scrgbClr r="0" g="0" b="0"/>
-        </a:lnRef>
-        <a:fillRef idx="3">
-          <a:scrgbClr r="0" g="0" b="0"/>
-        </a:fillRef>
-        <a:effectRef idx="2">
-          <a:scrgbClr r="0" g="0" b="0"/>
-        </a:effectRef>
-        <a:fontRef idx="minor">
-          <a:schemeClr val="lt1"/>
-        </a:fontRef>
-      </dsp:style>
-      <dsp:txBody>
-        <a:bodyPr spcFirstLastPara="0" vert="horz" wrap="square" lIns="20320" tIns="20320" rIns="20320" bIns="20320" numCol="1" spcCol="1270" anchor="ctr" anchorCtr="0">
-          <a:noAutofit/>
-        </a:bodyPr>
-        <a:lstStyle/>
-        <a:p>
-          <a:pPr marL="0" lvl="0" indent="0" algn="ctr" defTabSz="355600">
-            <a:lnSpc>
-              <a:spcPct val="90000"/>
-            </a:lnSpc>
-            <a:spcBef>
-              <a:spcPct val="0"/>
-            </a:spcBef>
-            <a:spcAft>
-              <a:spcPct val="35000"/>
-            </a:spcAft>
-            <a:buNone/>
-          </a:pPr>
-          <a:r>
-            <a:rPr lang="en-US" sz="800" kern="1200" dirty="0"/>
             <a:t>Configuration Synthesis</a:t>
           </a:r>
         </a:p>
       </dsp:txBody>
       <dsp:txXfrm>
-        <a:off x="1236024" y="2705884"/>
-        <a:ext cx="725018" cy="725018"/>
+        <a:off x="612147" y="2467378"/>
+        <a:ext cx="1771783" cy="1061354"/>
       </dsp:txXfrm>
     </dsp:sp>
   </dsp:spTree>
@@ -5073,745 +3882,6 @@
       <dsp:txXfrm>
         <a:off x="7159542" y="1780557"/>
         <a:ext cx="2366574" cy="1183287"/>
-      </dsp:txXfrm>
-    </dsp:sp>
-  </dsp:spTree>
-</dsp:drawing>
-</file>
-
-<file path=ppt/diagrams/drawing3.xml><?xml version="1.0" encoding="utf-8"?>
-<dsp:drawing xmlns:dgm="http://schemas.openxmlformats.org/drawingml/2006/diagram" xmlns:dsp="http://schemas.microsoft.com/office/drawing/2008/diagram" xmlns:a="http://schemas.openxmlformats.org/drawingml/2006/main">
-  <dsp:spTree>
-    <dsp:nvGrpSpPr>
-      <dsp:cNvPr id="0" name=""/>
-      <dsp:cNvGrpSpPr/>
-    </dsp:nvGrpSpPr>
-    <dsp:grpSpPr/>
-    <dsp:sp modelId="{2D65B141-8901-0742-A363-EBA72386511A}">
-      <dsp:nvSpPr>
-        <dsp:cNvPr id="0" name=""/>
-        <dsp:cNvSpPr/>
-      </dsp:nvSpPr>
-      <dsp:spPr>
-        <a:xfrm>
-          <a:off x="3898106" y="1041028"/>
-          <a:ext cx="2518993" cy="437180"/>
-        </a:xfrm>
-        <a:custGeom>
-          <a:avLst/>
-          <a:gdLst/>
-          <a:ahLst/>
-          <a:cxnLst/>
-          <a:rect l="0" t="0" r="0" b="0"/>
-          <a:pathLst>
-            <a:path>
-              <a:moveTo>
-                <a:pt x="0" y="0"/>
-              </a:moveTo>
-              <a:lnTo>
-                <a:pt x="0" y="218590"/>
-              </a:lnTo>
-              <a:lnTo>
-                <a:pt x="2518993" y="218590"/>
-              </a:lnTo>
-              <a:lnTo>
-                <a:pt x="2518993" y="437180"/>
-              </a:lnTo>
-            </a:path>
-          </a:pathLst>
-        </a:custGeom>
-        <a:noFill/>
-        <a:ln w="9525" cap="flat" cmpd="sng" algn="ctr">
-          <a:solidFill>
-            <a:schemeClr val="accent1">
-              <a:shade val="60000"/>
-              <a:hueOff val="0"/>
-              <a:satOff val="0"/>
-              <a:lumOff val="0"/>
-              <a:alphaOff val="0"/>
-            </a:schemeClr>
-          </a:solidFill>
-          <a:prstDash val="solid"/>
-        </a:ln>
-        <a:effectLst/>
-      </dsp:spPr>
-      <dsp:style>
-        <a:lnRef idx="1">
-          <a:scrgbClr r="0" g="0" b="0"/>
-        </a:lnRef>
-        <a:fillRef idx="0">
-          <a:scrgbClr r="0" g="0" b="0"/>
-        </a:fillRef>
-        <a:effectRef idx="0">
-          <a:scrgbClr r="0" g="0" b="0"/>
-        </a:effectRef>
-        <a:fontRef idx="minor"/>
-      </dsp:style>
-    </dsp:sp>
-    <dsp:sp modelId="{95A54F02-BDA4-B049-B10C-3D4772E9825C}">
-      <dsp:nvSpPr>
-        <dsp:cNvPr id="0" name=""/>
-        <dsp:cNvSpPr/>
-      </dsp:nvSpPr>
-      <dsp:spPr>
-        <a:xfrm>
-          <a:off x="3852386" y="1041028"/>
-          <a:ext cx="91440" cy="437180"/>
-        </a:xfrm>
-        <a:custGeom>
-          <a:avLst/>
-          <a:gdLst/>
-          <a:ahLst/>
-          <a:cxnLst/>
-          <a:rect l="0" t="0" r="0" b="0"/>
-          <a:pathLst>
-            <a:path>
-              <a:moveTo>
-                <a:pt x="45720" y="0"/>
-              </a:moveTo>
-              <a:lnTo>
-                <a:pt x="45720" y="437180"/>
-              </a:lnTo>
-            </a:path>
-          </a:pathLst>
-        </a:custGeom>
-        <a:noFill/>
-        <a:ln w="9525" cap="flat" cmpd="sng" algn="ctr">
-          <a:solidFill>
-            <a:schemeClr val="accent1">
-              <a:shade val="60000"/>
-              <a:hueOff val="0"/>
-              <a:satOff val="0"/>
-              <a:lumOff val="0"/>
-              <a:alphaOff val="0"/>
-            </a:schemeClr>
-          </a:solidFill>
-          <a:prstDash val="solid"/>
-        </a:ln>
-        <a:effectLst/>
-      </dsp:spPr>
-      <dsp:style>
-        <a:lnRef idx="1">
-          <a:scrgbClr r="0" g="0" b="0"/>
-        </a:lnRef>
-        <a:fillRef idx="0">
-          <a:scrgbClr r="0" g="0" b="0"/>
-        </a:fillRef>
-        <a:effectRef idx="0">
-          <a:scrgbClr r="0" g="0" b="0"/>
-        </a:effectRef>
-        <a:fontRef idx="minor"/>
-      </dsp:style>
-    </dsp:sp>
-    <dsp:sp modelId="{59176100-93E3-864B-8910-A875DD998FA1}">
-      <dsp:nvSpPr>
-        <dsp:cNvPr id="0" name=""/>
-        <dsp:cNvSpPr/>
-      </dsp:nvSpPr>
-      <dsp:spPr>
-        <a:xfrm>
-          <a:off x="546386" y="2519115"/>
-          <a:ext cx="312271" cy="957634"/>
-        </a:xfrm>
-        <a:custGeom>
-          <a:avLst/>
-          <a:gdLst/>
-          <a:ahLst/>
-          <a:cxnLst/>
-          <a:rect l="0" t="0" r="0" b="0"/>
-          <a:pathLst>
-            <a:path>
-              <a:moveTo>
-                <a:pt x="0" y="0"/>
-              </a:moveTo>
-              <a:lnTo>
-                <a:pt x="0" y="957634"/>
-              </a:lnTo>
-              <a:lnTo>
-                <a:pt x="312271" y="957634"/>
-              </a:lnTo>
-            </a:path>
-          </a:pathLst>
-        </a:custGeom>
-        <a:noFill/>
-        <a:ln w="9525" cap="flat" cmpd="sng" algn="ctr">
-          <a:solidFill>
-            <a:schemeClr val="accent1">
-              <a:shade val="80000"/>
-              <a:hueOff val="0"/>
-              <a:satOff val="0"/>
-              <a:lumOff val="0"/>
-              <a:alphaOff val="0"/>
-            </a:schemeClr>
-          </a:solidFill>
-          <a:prstDash val="solid"/>
-        </a:ln>
-        <a:effectLst/>
-      </dsp:spPr>
-      <dsp:style>
-        <a:lnRef idx="1">
-          <a:scrgbClr r="0" g="0" b="0"/>
-        </a:lnRef>
-        <a:fillRef idx="0">
-          <a:scrgbClr r="0" g="0" b="0"/>
-        </a:fillRef>
-        <a:effectRef idx="0">
-          <a:scrgbClr r="0" g="0" b="0"/>
-        </a:effectRef>
-        <a:fontRef idx="minor"/>
-      </dsp:style>
-    </dsp:sp>
-    <dsp:sp modelId="{281980B3-29FD-8844-8B9A-13AE6DBE42BD}">
-      <dsp:nvSpPr>
-        <dsp:cNvPr id="0" name=""/>
-        <dsp:cNvSpPr/>
-      </dsp:nvSpPr>
-      <dsp:spPr>
-        <a:xfrm>
-          <a:off x="1379112" y="1041028"/>
-          <a:ext cx="2518993" cy="437180"/>
-        </a:xfrm>
-        <a:custGeom>
-          <a:avLst/>
-          <a:gdLst/>
-          <a:ahLst/>
-          <a:cxnLst/>
-          <a:rect l="0" t="0" r="0" b="0"/>
-          <a:pathLst>
-            <a:path>
-              <a:moveTo>
-                <a:pt x="2518993" y="0"/>
-              </a:moveTo>
-              <a:lnTo>
-                <a:pt x="2518993" y="218590"/>
-              </a:lnTo>
-              <a:lnTo>
-                <a:pt x="0" y="218590"/>
-              </a:lnTo>
-              <a:lnTo>
-                <a:pt x="0" y="437180"/>
-              </a:lnTo>
-            </a:path>
-          </a:pathLst>
-        </a:custGeom>
-        <a:noFill/>
-        <a:ln w="9525" cap="flat" cmpd="sng" algn="ctr">
-          <a:solidFill>
-            <a:schemeClr val="accent1">
-              <a:shade val="60000"/>
-              <a:hueOff val="0"/>
-              <a:satOff val="0"/>
-              <a:lumOff val="0"/>
-              <a:alphaOff val="0"/>
-            </a:schemeClr>
-          </a:solidFill>
-          <a:prstDash val="solid"/>
-        </a:ln>
-        <a:effectLst/>
-      </dsp:spPr>
-      <dsp:style>
-        <a:lnRef idx="1">
-          <a:scrgbClr r="0" g="0" b="0"/>
-        </a:lnRef>
-        <a:fillRef idx="0">
-          <a:scrgbClr r="0" g="0" b="0"/>
-        </a:fillRef>
-        <a:effectRef idx="0">
-          <a:scrgbClr r="0" g="0" b="0"/>
-        </a:effectRef>
-        <a:fontRef idx="minor"/>
-      </dsp:style>
-    </dsp:sp>
-    <dsp:sp modelId="{8634529F-968A-BC4F-8F4B-120E918C253D}">
-      <dsp:nvSpPr>
-        <dsp:cNvPr id="0" name=""/>
-        <dsp:cNvSpPr/>
-      </dsp:nvSpPr>
-      <dsp:spPr>
-        <a:xfrm>
-          <a:off x="2857199" y="121"/>
-          <a:ext cx="2081813" cy="1040906"/>
-        </a:xfrm>
-        <a:prstGeom prst="rect">
-          <a:avLst/>
-        </a:prstGeom>
-        <a:gradFill rotWithShape="0">
-          <a:gsLst>
-            <a:gs pos="0">
-              <a:schemeClr val="accent1">
-                <a:hueOff val="0"/>
-                <a:satOff val="0"/>
-                <a:lumOff val="0"/>
-                <a:alphaOff val="0"/>
-                <a:tint val="98000"/>
-                <a:satMod val="110000"/>
-                <a:lumMod val="104000"/>
-              </a:schemeClr>
-            </a:gs>
-            <a:gs pos="69000">
-              <a:schemeClr val="accent1">
-                <a:hueOff val="0"/>
-                <a:satOff val="0"/>
-                <a:lumOff val="0"/>
-                <a:alphaOff val="0"/>
-                <a:shade val="84000"/>
-                <a:satMod val="130000"/>
-                <a:lumMod val="92000"/>
-              </a:schemeClr>
-            </a:gs>
-            <a:gs pos="100000">
-              <a:schemeClr val="accent1">
-                <a:hueOff val="0"/>
-                <a:satOff val="0"/>
-                <a:lumOff val="0"/>
-                <a:alphaOff val="0"/>
-                <a:shade val="76000"/>
-                <a:satMod val="130000"/>
-                <a:lumMod val="88000"/>
-              </a:schemeClr>
-            </a:gs>
-          </a:gsLst>
-          <a:lin ang="5400000" scaled="0"/>
-        </a:gradFill>
-        <a:ln>
-          <a:noFill/>
-        </a:ln>
-        <a:effectLst/>
-      </dsp:spPr>
-      <dsp:style>
-        <a:lnRef idx="0">
-          <a:scrgbClr r="0" g="0" b="0"/>
-        </a:lnRef>
-        <a:fillRef idx="3">
-          <a:scrgbClr r="0" g="0" b="0"/>
-        </a:fillRef>
-        <a:effectRef idx="2">
-          <a:scrgbClr r="0" g="0" b="0"/>
-        </a:effectRef>
-        <a:fontRef idx="minor">
-          <a:schemeClr val="lt1"/>
-        </a:fontRef>
-      </dsp:style>
-      <dsp:txBody>
-        <a:bodyPr spcFirstLastPara="0" vert="horz" wrap="square" lIns="17145" tIns="17145" rIns="17145" bIns="17145" numCol="1" spcCol="1270" anchor="ctr" anchorCtr="0">
-          <a:noAutofit/>
-        </a:bodyPr>
-        <a:lstStyle/>
-        <a:p>
-          <a:pPr marL="0" lvl="0" indent="0" algn="ctr" defTabSz="1200150">
-            <a:lnSpc>
-              <a:spcPct val="90000"/>
-            </a:lnSpc>
-            <a:spcBef>
-              <a:spcPct val="0"/>
-            </a:spcBef>
-            <a:spcAft>
-              <a:spcPct val="35000"/>
-            </a:spcAft>
-            <a:buNone/>
-          </a:pPr>
-          <a:r>
-            <a:rPr lang="en-US" sz="2700" kern="1200" dirty="0"/>
-            <a:t>Error-free Internet</a:t>
-          </a:r>
-        </a:p>
-      </dsp:txBody>
-      <dsp:txXfrm>
-        <a:off x="2857199" y="121"/>
-        <a:ext cx="2081813" cy="1040906"/>
-      </dsp:txXfrm>
-    </dsp:sp>
-    <dsp:sp modelId="{123B8EE8-7D9C-DD44-8429-23FE8831F0E1}">
-      <dsp:nvSpPr>
-        <dsp:cNvPr id="0" name=""/>
-        <dsp:cNvSpPr/>
-      </dsp:nvSpPr>
-      <dsp:spPr>
-        <a:xfrm>
-          <a:off x="338205" y="1478209"/>
-          <a:ext cx="2081813" cy="1040906"/>
-        </a:xfrm>
-        <a:prstGeom prst="rect">
-          <a:avLst/>
-        </a:prstGeom>
-        <a:gradFill rotWithShape="0">
-          <a:gsLst>
-            <a:gs pos="0">
-              <a:schemeClr val="accent1">
-                <a:hueOff val="0"/>
-                <a:satOff val="0"/>
-                <a:lumOff val="0"/>
-                <a:alphaOff val="0"/>
-                <a:tint val="98000"/>
-                <a:satMod val="110000"/>
-                <a:lumMod val="104000"/>
-              </a:schemeClr>
-            </a:gs>
-            <a:gs pos="69000">
-              <a:schemeClr val="accent1">
-                <a:hueOff val="0"/>
-                <a:satOff val="0"/>
-                <a:lumOff val="0"/>
-                <a:alphaOff val="0"/>
-                <a:shade val="84000"/>
-                <a:satMod val="130000"/>
-                <a:lumMod val="92000"/>
-              </a:schemeClr>
-            </a:gs>
-            <a:gs pos="100000">
-              <a:schemeClr val="accent1">
-                <a:hueOff val="0"/>
-                <a:satOff val="0"/>
-                <a:lumOff val="0"/>
-                <a:alphaOff val="0"/>
-                <a:shade val="76000"/>
-                <a:satMod val="130000"/>
-                <a:lumMod val="88000"/>
-              </a:schemeClr>
-            </a:gs>
-          </a:gsLst>
-          <a:lin ang="5400000" scaled="0"/>
-        </a:gradFill>
-        <a:ln>
-          <a:noFill/>
-        </a:ln>
-        <a:effectLst/>
-      </dsp:spPr>
-      <dsp:style>
-        <a:lnRef idx="0">
-          <a:scrgbClr r="0" g="0" b="0"/>
-        </a:lnRef>
-        <a:fillRef idx="3">
-          <a:scrgbClr r="0" g="0" b="0"/>
-        </a:fillRef>
-        <a:effectRef idx="2">
-          <a:scrgbClr r="0" g="0" b="0"/>
-        </a:effectRef>
-        <a:fontRef idx="minor">
-          <a:schemeClr val="lt1"/>
-        </a:fontRef>
-      </dsp:style>
-      <dsp:txBody>
-        <a:bodyPr spcFirstLastPara="0" vert="horz" wrap="square" lIns="17145" tIns="17145" rIns="17145" bIns="17145" numCol="1" spcCol="1270" anchor="ctr" anchorCtr="0">
-          <a:noAutofit/>
-        </a:bodyPr>
-        <a:lstStyle/>
-        <a:p>
-          <a:pPr marL="0" lvl="0" indent="0" algn="ctr" defTabSz="1200150">
-            <a:lnSpc>
-              <a:spcPct val="90000"/>
-            </a:lnSpc>
-            <a:spcBef>
-              <a:spcPct val="0"/>
-            </a:spcBef>
-            <a:spcAft>
-              <a:spcPct val="35000"/>
-            </a:spcAft>
-            <a:buNone/>
-          </a:pPr>
-          <a:r>
-            <a:rPr lang="en-US" sz="2700" kern="1200" dirty="0"/>
-            <a:t>Development Tools</a:t>
-          </a:r>
-        </a:p>
-      </dsp:txBody>
-      <dsp:txXfrm>
-        <a:off x="338205" y="1478209"/>
-        <a:ext cx="2081813" cy="1040906"/>
-      </dsp:txXfrm>
-    </dsp:sp>
-    <dsp:sp modelId="{AFB1C62B-9CF5-294A-A837-3E2B610C5F44}">
-      <dsp:nvSpPr>
-        <dsp:cNvPr id="0" name=""/>
-        <dsp:cNvSpPr/>
-      </dsp:nvSpPr>
-      <dsp:spPr>
-        <a:xfrm>
-          <a:off x="858658" y="2956296"/>
-          <a:ext cx="2081813" cy="1040906"/>
-        </a:xfrm>
-        <a:prstGeom prst="rect">
-          <a:avLst/>
-        </a:prstGeom>
-        <a:gradFill rotWithShape="0">
-          <a:gsLst>
-            <a:gs pos="0">
-              <a:schemeClr val="accent1">
-                <a:hueOff val="0"/>
-                <a:satOff val="0"/>
-                <a:lumOff val="0"/>
-                <a:alphaOff val="0"/>
-                <a:tint val="98000"/>
-                <a:satMod val="110000"/>
-                <a:lumMod val="104000"/>
-              </a:schemeClr>
-            </a:gs>
-            <a:gs pos="69000">
-              <a:schemeClr val="accent1">
-                <a:hueOff val="0"/>
-                <a:satOff val="0"/>
-                <a:lumOff val="0"/>
-                <a:alphaOff val="0"/>
-                <a:shade val="84000"/>
-                <a:satMod val="130000"/>
-                <a:lumMod val="92000"/>
-              </a:schemeClr>
-            </a:gs>
-            <a:gs pos="100000">
-              <a:schemeClr val="accent1">
-                <a:hueOff val="0"/>
-                <a:satOff val="0"/>
-                <a:lumOff val="0"/>
-                <a:alphaOff val="0"/>
-                <a:shade val="76000"/>
-                <a:satMod val="130000"/>
-                <a:lumMod val="88000"/>
-              </a:schemeClr>
-            </a:gs>
-          </a:gsLst>
-          <a:lin ang="5400000" scaled="0"/>
-        </a:gradFill>
-        <a:ln>
-          <a:noFill/>
-        </a:ln>
-        <a:effectLst/>
-      </dsp:spPr>
-      <dsp:style>
-        <a:lnRef idx="0">
-          <a:scrgbClr r="0" g="0" b="0"/>
-        </a:lnRef>
-        <a:fillRef idx="3">
-          <a:scrgbClr r="0" g="0" b="0"/>
-        </a:fillRef>
-        <a:effectRef idx="2">
-          <a:scrgbClr r="0" g="0" b="0"/>
-        </a:effectRef>
-        <a:fontRef idx="minor">
-          <a:schemeClr val="lt1"/>
-        </a:fontRef>
-      </dsp:style>
-      <dsp:txBody>
-        <a:bodyPr spcFirstLastPara="0" vert="horz" wrap="square" lIns="17145" tIns="17145" rIns="17145" bIns="17145" numCol="1" spcCol="1270" anchor="ctr" anchorCtr="0">
-          <a:noAutofit/>
-        </a:bodyPr>
-        <a:lstStyle/>
-        <a:p>
-          <a:pPr marL="0" lvl="0" indent="0" algn="ctr" defTabSz="1200150">
-            <a:lnSpc>
-              <a:spcPct val="90000"/>
-            </a:lnSpc>
-            <a:spcBef>
-              <a:spcPct val="0"/>
-            </a:spcBef>
-            <a:spcAft>
-              <a:spcPct val="35000"/>
-            </a:spcAft>
-            <a:buNone/>
-          </a:pPr>
-          <a:endParaRPr lang="en-US" sz="2700" kern="1200"/>
-        </a:p>
-      </dsp:txBody>
-      <dsp:txXfrm>
-        <a:off x="858658" y="2956296"/>
-        <a:ext cx="2081813" cy="1040906"/>
-      </dsp:txXfrm>
-    </dsp:sp>
-    <dsp:sp modelId="{1090074B-385E-0848-9D41-AA21099BA9F9}">
-      <dsp:nvSpPr>
-        <dsp:cNvPr id="0" name=""/>
-        <dsp:cNvSpPr/>
-      </dsp:nvSpPr>
-      <dsp:spPr>
-        <a:xfrm>
-          <a:off x="2857199" y="1478209"/>
-          <a:ext cx="2081813" cy="1040906"/>
-        </a:xfrm>
-        <a:prstGeom prst="rect">
-          <a:avLst/>
-        </a:prstGeom>
-        <a:gradFill rotWithShape="0">
-          <a:gsLst>
-            <a:gs pos="0">
-              <a:schemeClr val="accent1">
-                <a:hueOff val="0"/>
-                <a:satOff val="0"/>
-                <a:lumOff val="0"/>
-                <a:alphaOff val="0"/>
-                <a:tint val="98000"/>
-                <a:satMod val="110000"/>
-                <a:lumMod val="104000"/>
-              </a:schemeClr>
-            </a:gs>
-            <a:gs pos="69000">
-              <a:schemeClr val="accent1">
-                <a:hueOff val="0"/>
-                <a:satOff val="0"/>
-                <a:lumOff val="0"/>
-                <a:alphaOff val="0"/>
-                <a:shade val="84000"/>
-                <a:satMod val="130000"/>
-                <a:lumMod val="92000"/>
-              </a:schemeClr>
-            </a:gs>
-            <a:gs pos="100000">
-              <a:schemeClr val="accent1">
-                <a:hueOff val="0"/>
-                <a:satOff val="0"/>
-                <a:lumOff val="0"/>
-                <a:alphaOff val="0"/>
-                <a:shade val="76000"/>
-                <a:satMod val="130000"/>
-                <a:lumMod val="88000"/>
-              </a:schemeClr>
-            </a:gs>
-          </a:gsLst>
-          <a:lin ang="5400000" scaled="0"/>
-        </a:gradFill>
-        <a:ln>
-          <a:noFill/>
-        </a:ln>
-        <a:effectLst/>
-      </dsp:spPr>
-      <dsp:style>
-        <a:lnRef idx="0">
-          <a:scrgbClr r="0" g="0" b="0"/>
-        </a:lnRef>
-        <a:fillRef idx="3">
-          <a:scrgbClr r="0" g="0" b="0"/>
-        </a:fillRef>
-        <a:effectRef idx="2">
-          <a:scrgbClr r="0" g="0" b="0"/>
-        </a:effectRef>
-        <a:fontRef idx="minor">
-          <a:schemeClr val="lt1"/>
-        </a:fontRef>
-      </dsp:style>
-      <dsp:txBody>
-        <a:bodyPr spcFirstLastPara="0" vert="horz" wrap="square" lIns="17145" tIns="17145" rIns="17145" bIns="17145" numCol="1" spcCol="1270" anchor="ctr" anchorCtr="0">
-          <a:noAutofit/>
-        </a:bodyPr>
-        <a:lstStyle/>
-        <a:p>
-          <a:pPr marL="0" lvl="0" indent="0" algn="ctr" defTabSz="1200150">
-            <a:lnSpc>
-              <a:spcPct val="90000"/>
-            </a:lnSpc>
-            <a:spcBef>
-              <a:spcPct val="0"/>
-            </a:spcBef>
-            <a:spcAft>
-              <a:spcPct val="35000"/>
-            </a:spcAft>
-            <a:buNone/>
-          </a:pPr>
-          <a:r>
-            <a:rPr lang="en-US" sz="2700" kern="1200" dirty="0"/>
-            <a:t>Network Verification</a:t>
-          </a:r>
-        </a:p>
-      </dsp:txBody>
-      <dsp:txXfrm>
-        <a:off x="2857199" y="1478209"/>
-        <a:ext cx="2081813" cy="1040906"/>
-      </dsp:txXfrm>
-    </dsp:sp>
-    <dsp:sp modelId="{63668DEA-7A74-8F44-8510-7A91638A7A67}">
-      <dsp:nvSpPr>
-        <dsp:cNvPr id="0" name=""/>
-        <dsp:cNvSpPr/>
-      </dsp:nvSpPr>
-      <dsp:spPr>
-        <a:xfrm>
-          <a:off x="5376193" y="1478209"/>
-          <a:ext cx="2081813" cy="1040906"/>
-        </a:xfrm>
-        <a:prstGeom prst="rect">
-          <a:avLst/>
-        </a:prstGeom>
-        <a:gradFill rotWithShape="0">
-          <a:gsLst>
-            <a:gs pos="0">
-              <a:schemeClr val="accent1">
-                <a:hueOff val="0"/>
-                <a:satOff val="0"/>
-                <a:lumOff val="0"/>
-                <a:alphaOff val="0"/>
-                <a:tint val="98000"/>
-                <a:satMod val="110000"/>
-                <a:lumMod val="104000"/>
-              </a:schemeClr>
-            </a:gs>
-            <a:gs pos="69000">
-              <a:schemeClr val="accent1">
-                <a:hueOff val="0"/>
-                <a:satOff val="0"/>
-                <a:lumOff val="0"/>
-                <a:alphaOff val="0"/>
-                <a:shade val="84000"/>
-                <a:satMod val="130000"/>
-                <a:lumMod val="92000"/>
-              </a:schemeClr>
-            </a:gs>
-            <a:gs pos="100000">
-              <a:schemeClr val="accent1">
-                <a:hueOff val="0"/>
-                <a:satOff val="0"/>
-                <a:lumOff val="0"/>
-                <a:alphaOff val="0"/>
-                <a:shade val="76000"/>
-                <a:satMod val="130000"/>
-                <a:lumMod val="88000"/>
-              </a:schemeClr>
-            </a:gs>
-          </a:gsLst>
-          <a:lin ang="5400000" scaled="0"/>
-        </a:gradFill>
-        <a:ln>
-          <a:noFill/>
-        </a:ln>
-        <a:effectLst/>
-      </dsp:spPr>
-      <dsp:style>
-        <a:lnRef idx="0">
-          <a:scrgbClr r="0" g="0" b="0"/>
-        </a:lnRef>
-        <a:fillRef idx="3">
-          <a:scrgbClr r="0" g="0" b="0"/>
-        </a:fillRef>
-        <a:effectRef idx="2">
-          <a:scrgbClr r="0" g="0" b="0"/>
-        </a:effectRef>
-        <a:fontRef idx="minor">
-          <a:schemeClr val="lt1"/>
-        </a:fontRef>
-      </dsp:style>
-      <dsp:txBody>
-        <a:bodyPr spcFirstLastPara="0" vert="horz" wrap="square" lIns="17145" tIns="17145" rIns="17145" bIns="17145" numCol="1" spcCol="1270" anchor="ctr" anchorCtr="0">
-          <a:noAutofit/>
-        </a:bodyPr>
-        <a:lstStyle/>
-        <a:p>
-          <a:pPr marL="0" lvl="0" indent="0" algn="ctr" defTabSz="1200150">
-            <a:lnSpc>
-              <a:spcPct val="90000"/>
-            </a:lnSpc>
-            <a:spcBef>
-              <a:spcPct val="0"/>
-            </a:spcBef>
-            <a:spcAft>
-              <a:spcPct val="35000"/>
-            </a:spcAft>
-            <a:buNone/>
-          </a:pPr>
-          <a:r>
-            <a:rPr lang="en-US" sz="2700" kern="1200" dirty="0"/>
-            <a:t>Configuration Synthesis</a:t>
-          </a:r>
-        </a:p>
-      </dsp:txBody>
-      <dsp:txXfrm>
-        <a:off x="5376193" y="1478209"/>
-        <a:ext cx="2081813" cy="1040906"/>
       </dsp:txXfrm>
     </dsp:sp>
   </dsp:spTree>
@@ -10042,1152 +8112,6 @@
 </dgm:layoutDef>
 </file>
 
-<file path=ppt/diagrams/layout3.xml><?xml version="1.0" encoding="utf-8"?>
-<dgm:layoutDef xmlns:dgm="http://schemas.openxmlformats.org/drawingml/2006/diagram" xmlns:a="http://schemas.openxmlformats.org/drawingml/2006/main" uniqueId="urn:microsoft.com/office/officeart/2005/8/layout/orgChart1">
-  <dgm:title val=""/>
-  <dgm:desc val=""/>
-  <dgm:catLst>
-    <dgm:cat type="hierarchy" pri="1000"/>
-    <dgm:cat type="convert" pri="6000"/>
-  </dgm:catLst>
-  <dgm:sampData>
-    <dgm:dataModel>
-      <dgm:ptLst>
-        <dgm:pt modelId="0" type="doc"/>
-        <dgm:pt modelId="1">
-          <dgm:prSet phldr="1"/>
-        </dgm:pt>
-        <dgm:pt modelId="2" type="asst">
-          <dgm:prSet phldr="1"/>
-        </dgm:pt>
-        <dgm:pt modelId="3">
-          <dgm:prSet phldr="1"/>
-        </dgm:pt>
-        <dgm:pt modelId="4">
-          <dgm:prSet phldr="1"/>
-        </dgm:pt>
-        <dgm:pt modelId="5">
-          <dgm:prSet phldr="1"/>
-        </dgm:pt>
-      </dgm:ptLst>
-      <dgm:cxnLst>
-        <dgm:cxn modelId="5" srcId="0" destId="1" srcOrd="0" destOrd="0"/>
-        <dgm:cxn modelId="6" srcId="1" destId="2" srcOrd="0" destOrd="0"/>
-        <dgm:cxn modelId="7" srcId="1" destId="3" srcOrd="1" destOrd="0"/>
-        <dgm:cxn modelId="8" srcId="1" destId="4" srcOrd="2" destOrd="0"/>
-        <dgm:cxn modelId="9" srcId="1" destId="5" srcOrd="3" destOrd="0"/>
-      </dgm:cxnLst>
-      <dgm:bg/>
-      <dgm:whole/>
-    </dgm:dataModel>
-  </dgm:sampData>
-  <dgm:styleData>
-    <dgm:dataModel>
-      <dgm:ptLst>
-        <dgm:pt modelId="0" type="doc"/>
-        <dgm:pt modelId="1"/>
-        <dgm:pt modelId="12"/>
-        <dgm:pt modelId="13"/>
-      </dgm:ptLst>
-      <dgm:cxnLst>
-        <dgm:cxn modelId="2" srcId="0" destId="1" srcOrd="0" destOrd="0"/>
-        <dgm:cxn modelId="16" srcId="1" destId="12" srcOrd="1" destOrd="0"/>
-        <dgm:cxn modelId="17" srcId="1" destId="13" srcOrd="2" destOrd="0"/>
-      </dgm:cxnLst>
-      <dgm:bg/>
-      <dgm:whole/>
-    </dgm:dataModel>
-  </dgm:styleData>
-  <dgm:clrData>
-    <dgm:dataModel>
-      <dgm:ptLst>
-        <dgm:pt modelId="0" type="doc"/>
-        <dgm:pt modelId="1"/>
-        <dgm:pt modelId="11" type="asst"/>
-        <dgm:pt modelId="12"/>
-        <dgm:pt modelId="13"/>
-        <dgm:pt modelId="14"/>
-      </dgm:ptLst>
-      <dgm:cxnLst>
-        <dgm:cxn modelId="2" srcId="0" destId="1" srcOrd="0" destOrd="0"/>
-        <dgm:cxn modelId="15" srcId="1" destId="11" srcOrd="0" destOrd="0"/>
-        <dgm:cxn modelId="16" srcId="1" destId="12" srcOrd="1" destOrd="0"/>
-        <dgm:cxn modelId="17" srcId="1" destId="13" srcOrd="2" destOrd="0"/>
-        <dgm:cxn modelId="18" srcId="1" destId="14" srcOrd="2" destOrd="0"/>
-      </dgm:cxnLst>
-      <dgm:bg/>
-      <dgm:whole/>
-    </dgm:dataModel>
-  </dgm:clrData>
-  <dgm:layoutNode name="hierChild1">
-    <dgm:varLst>
-      <dgm:orgChart val="1"/>
-      <dgm:chPref val="1"/>
-      <dgm:dir/>
-      <dgm:animOne val="branch"/>
-      <dgm:animLvl val="lvl"/>
-      <dgm:resizeHandles/>
-    </dgm:varLst>
-    <dgm:choose name="Name0">
-      <dgm:if name="Name1" func="var" arg="dir" op="equ" val="norm">
-        <dgm:alg type="hierChild">
-          <dgm:param type="linDir" val="fromL"/>
-        </dgm:alg>
-      </dgm:if>
-      <dgm:else name="Name2">
-        <dgm:alg type="hierChild">
-          <dgm:param type="linDir" val="fromR"/>
-        </dgm:alg>
-      </dgm:else>
-    </dgm:choose>
-    <dgm:shape xmlns:r="http://schemas.openxmlformats.org/officeDocument/2006/relationships" r:blip="">
-      <dgm:adjLst/>
-    </dgm:shape>
-    <dgm:presOf/>
-    <dgm:constrLst>
-      <dgm:constr type="w" for="des" forName="rootComposite1" refType="w" fact="10"/>
-      <dgm:constr type="h" for="des" forName="rootComposite1" refType="w" refFor="des" refForName="rootComposite1" fact="0.5"/>
-      <dgm:constr type="w" for="des" forName="rootComposite" refType="w" fact="10"/>
-      <dgm:constr type="h" for="des" forName="rootComposite" refType="w" refFor="des" refForName="rootComposite1" fact="0.5"/>
-      <dgm:constr type="w" for="des" forName="rootComposite3" refType="w" fact="10"/>
-      <dgm:constr type="h" for="des" forName="rootComposite3" refType="w" refFor="des" refForName="rootComposite1" fact="0.5"/>
-      <dgm:constr type="primFontSz" for="des" ptType="node" op="equ"/>
-      <dgm:constr type="sp" for="des" op="equ"/>
-      <dgm:constr type="sp" for="des" forName="hierRoot1" refType="w" refFor="des" refForName="rootComposite1" fact="0.21"/>
-      <dgm:constr type="sp" for="des" forName="hierRoot2" refType="sp" refFor="des" refForName="hierRoot1"/>
-      <dgm:constr type="sp" for="des" forName="hierRoot3" refType="sp" refFor="des" refForName="hierRoot1"/>
-      <dgm:constr type="sibSp" refType="w" refFor="des" refForName="rootComposite1" fact="0.21"/>
-      <dgm:constr type="sibSp" for="des" forName="hierChild2" refType="sibSp"/>
-      <dgm:constr type="sibSp" for="des" forName="hierChild3" refType="sibSp"/>
-      <dgm:constr type="sibSp" for="des" forName="hierChild4" refType="sibSp"/>
-      <dgm:constr type="sibSp" for="des" forName="hierChild5" refType="sibSp"/>
-      <dgm:constr type="sibSp" for="des" forName="hierChild6" refType="sibSp"/>
-      <dgm:constr type="sibSp" for="des" forName="hierChild7" refType="sibSp"/>
-      <dgm:constr type="secSibSp" refType="w" refFor="des" refForName="rootComposite1" fact="0.21"/>
-      <dgm:constr type="secSibSp" for="des" forName="hierChild2" refType="secSibSp"/>
-      <dgm:constr type="secSibSp" for="des" forName="hierChild3" refType="secSibSp"/>
-      <dgm:constr type="secSibSp" for="des" forName="hierChild4" refType="secSibSp"/>
-      <dgm:constr type="secSibSp" for="des" forName="hierChild5" refType="secSibSp"/>
-      <dgm:constr type="secSibSp" for="des" forName="hierChild6" refType="secSibSp"/>
-      <dgm:constr type="secSibSp" for="des" forName="hierChild7" refType="secSibSp"/>
-    </dgm:constrLst>
-    <dgm:ruleLst/>
-    <dgm:forEach name="Name3" axis="ch">
-      <dgm:forEach name="Name4" axis="self" ptType="node">
-        <dgm:layoutNode name="hierRoot1">
-          <dgm:varLst>
-            <dgm:hierBranch val="init"/>
-          </dgm:varLst>
-          <dgm:choose name="Name5">
-            <dgm:if name="Name6" func="var" arg="hierBranch" op="equ" val="l">
-              <dgm:choose name="Name7">
-                <dgm:if name="Name8" axis="ch" ptType="asst" func="cnt" op="gte" val="1">
-                  <dgm:alg type="hierRoot">
-                    <dgm:param type="hierAlign" val="tR"/>
-                  </dgm:alg>
-                  <dgm:constrLst>
-                    <dgm:constr type="alignOff" val="0.65"/>
-                  </dgm:constrLst>
-                </dgm:if>
-                <dgm:else name="Name9">
-                  <dgm:alg type="hierRoot">
-                    <dgm:param type="hierAlign" val="tR"/>
-                  </dgm:alg>
-                  <dgm:constrLst>
-                    <dgm:constr type="alignOff" val="0.25"/>
-                  </dgm:constrLst>
-                </dgm:else>
-              </dgm:choose>
-            </dgm:if>
-            <dgm:if name="Name10" func="var" arg="hierBranch" op="equ" val="r">
-              <dgm:choose name="Name11">
-                <dgm:if name="Name12" axis="ch" ptType="asst" func="cnt" op="gte" val="1">
-                  <dgm:alg type="hierRoot">
-                    <dgm:param type="hierAlign" val="tL"/>
-                  </dgm:alg>
-                  <dgm:constrLst>
-                    <dgm:constr type="alignOff" val="0.65"/>
-                  </dgm:constrLst>
-                </dgm:if>
-                <dgm:else name="Name13">
-                  <dgm:alg type="hierRoot">
-                    <dgm:param type="hierAlign" val="tL"/>
-                  </dgm:alg>
-                  <dgm:constrLst>
-                    <dgm:constr type="alignOff" val="0.25"/>
-                  </dgm:constrLst>
-                </dgm:else>
-              </dgm:choose>
-            </dgm:if>
-            <dgm:if name="Name14" func="var" arg="hierBranch" op="equ" val="hang">
-              <dgm:alg type="hierRoot"/>
-              <dgm:constrLst>
-                <dgm:constr type="alignOff" val="0.65"/>
-              </dgm:constrLst>
-            </dgm:if>
-            <dgm:else name="Name15">
-              <dgm:alg type="hierRoot"/>
-              <dgm:constrLst>
-                <dgm:constr type="alignOff"/>
-                <dgm:constr type="bendDist" for="des" ptType="parTrans" refType="sp" fact="0.5"/>
-              </dgm:constrLst>
-            </dgm:else>
-          </dgm:choose>
-          <dgm:shape xmlns:r="http://schemas.openxmlformats.org/officeDocument/2006/relationships" r:blip="">
-            <dgm:adjLst/>
-          </dgm:shape>
-          <dgm:presOf/>
-          <dgm:ruleLst/>
-          <dgm:layoutNode name="rootComposite1">
-            <dgm:alg type="composite"/>
-            <dgm:shape xmlns:r="http://schemas.openxmlformats.org/officeDocument/2006/relationships" r:blip="">
-              <dgm:adjLst/>
-            </dgm:shape>
-            <dgm:presOf axis="self" ptType="node" cnt="1"/>
-            <dgm:choose name="Name16">
-              <dgm:if name="Name17" func="var" arg="hierBranch" op="equ" val="init">
-                <dgm:constrLst>
-                  <dgm:constr type="l" for="ch" forName="rootText1"/>
-                  <dgm:constr type="t" for="ch" forName="rootText1"/>
-                  <dgm:constr type="w" for="ch" forName="rootText1" refType="w"/>
-                  <dgm:constr type="h" for="ch" forName="rootText1" refType="h"/>
-                  <dgm:constr type="l" for="ch" forName="rootConnector1"/>
-                  <dgm:constr type="t" for="ch" forName="rootConnector1"/>
-                  <dgm:constr type="w" for="ch" forName="rootConnector1" refType="w" refFor="ch" refForName="rootText1" fact="0.2"/>
-                  <dgm:constr type="h" for="ch" forName="rootConnector1" refType="h" refFor="ch" refForName="rootText1"/>
-                </dgm:constrLst>
-              </dgm:if>
-              <dgm:if name="Name18" func="var" arg="hierBranch" op="equ" val="l">
-                <dgm:constrLst>
-                  <dgm:constr type="l" for="ch" forName="rootText1"/>
-                  <dgm:constr type="t" for="ch" forName="rootText1"/>
-                  <dgm:constr type="w" for="ch" forName="rootText1" refType="w"/>
-                  <dgm:constr type="h" for="ch" forName="rootText1" refType="h"/>
-                  <dgm:constr type="r" for="ch" forName="rootConnector1" refType="w"/>
-                  <dgm:constr type="t" for="ch" forName="rootConnector1"/>
-                  <dgm:constr type="w" for="ch" forName="rootConnector1" refType="w" refFor="ch" refForName="rootText1" fact="0.2"/>
-                  <dgm:constr type="h" for="ch" forName="rootConnector1" refType="h" refFor="ch" refForName="rootText1"/>
-                </dgm:constrLst>
-              </dgm:if>
-              <dgm:if name="Name19" func="var" arg="hierBranch" op="equ" val="r">
-                <dgm:constrLst>
-                  <dgm:constr type="l" for="ch" forName="rootText1"/>
-                  <dgm:constr type="t" for="ch" forName="rootText1"/>
-                  <dgm:constr type="w" for="ch" forName="rootText1" refType="w"/>
-                  <dgm:constr type="h" for="ch" forName="rootText1" refType="h"/>
-                  <dgm:constr type="l" for="ch" forName="rootConnector1"/>
-                  <dgm:constr type="t" for="ch" forName="rootConnector1"/>
-                  <dgm:constr type="w" for="ch" forName="rootConnector1" refType="w" refFor="ch" refForName="rootText1" fact="0.2"/>
-                  <dgm:constr type="h" for="ch" forName="rootConnector1" refType="h" refFor="ch" refForName="rootText1"/>
-                </dgm:constrLst>
-              </dgm:if>
-              <dgm:else name="Name20">
-                <dgm:constrLst>
-                  <dgm:constr type="l" for="ch" forName="rootText1"/>
-                  <dgm:constr type="t" for="ch" forName="rootText1"/>
-                  <dgm:constr type="w" for="ch" forName="rootText1" refType="w"/>
-                  <dgm:constr type="h" for="ch" forName="rootText1" refType="h"/>
-                  <dgm:constr type="r" for="ch" forName="rootConnector1" refType="w"/>
-                  <dgm:constr type="t" for="ch" forName="rootConnector1"/>
-                  <dgm:constr type="w" for="ch" forName="rootConnector1" refType="w" refFor="ch" refForName="rootText1" fact="0.2"/>
-                  <dgm:constr type="h" for="ch" forName="rootConnector1" refType="h" refFor="ch" refForName="rootText1"/>
-                </dgm:constrLst>
-              </dgm:else>
-            </dgm:choose>
-            <dgm:ruleLst/>
-            <dgm:layoutNode name="rootText1" styleLbl="node0">
-              <dgm:varLst>
-                <dgm:chPref val="3"/>
-              </dgm:varLst>
-              <dgm:alg type="tx"/>
-              <dgm:shape xmlns:r="http://schemas.openxmlformats.org/officeDocument/2006/relationships" type="rect" r:blip="">
-                <dgm:adjLst/>
-              </dgm:shape>
-              <dgm:presOf axis="self" ptType="node" cnt="1"/>
-              <dgm:constrLst>
-                <dgm:constr type="primFontSz" val="65"/>
-                <dgm:constr type="lMarg" refType="primFontSz" fact="0.05"/>
-                <dgm:constr type="rMarg" refType="primFontSz" fact="0.05"/>
-                <dgm:constr type="tMarg" refType="primFontSz" fact="0.05"/>
-                <dgm:constr type="bMarg" refType="primFontSz" fact="0.05"/>
-              </dgm:constrLst>
-              <dgm:ruleLst>
-                <dgm:rule type="primFontSz" val="5" fact="NaN" max="NaN"/>
-              </dgm:ruleLst>
-            </dgm:layoutNode>
-            <dgm:layoutNode name="rootConnector1" moveWith="rootText1">
-              <dgm:alg type="sp"/>
-              <dgm:shape xmlns:r="http://schemas.openxmlformats.org/officeDocument/2006/relationships" type="rect" r:blip="" hideGeom="1">
-                <dgm:adjLst/>
-              </dgm:shape>
-              <dgm:presOf axis="self" ptType="node" cnt="1"/>
-              <dgm:constrLst/>
-              <dgm:ruleLst/>
-            </dgm:layoutNode>
-          </dgm:layoutNode>
-          <dgm:layoutNode name="hierChild2">
-            <dgm:choose name="Name21">
-              <dgm:if name="Name22" func="var" arg="hierBranch" op="equ" val="l">
-                <dgm:alg type="hierChild">
-                  <dgm:param type="chAlign" val="r"/>
-                  <dgm:param type="linDir" val="fromT"/>
-                </dgm:alg>
-              </dgm:if>
-              <dgm:if name="Name23" func="var" arg="hierBranch" op="equ" val="r">
-                <dgm:alg type="hierChild">
-                  <dgm:param type="chAlign" val="l"/>
-                  <dgm:param type="linDir" val="fromT"/>
-                </dgm:alg>
-              </dgm:if>
-              <dgm:if name="Name24" func="var" arg="hierBranch" op="equ" val="hang">
-                <dgm:choose name="Name25">
-                  <dgm:if name="Name26" func="var" arg="dir" op="equ" val="norm">
-                    <dgm:alg type="hierChild">
-                      <dgm:param type="chAlign" val="l"/>
-                      <dgm:param type="linDir" val="fromL"/>
-                      <dgm:param type="secChAlign" val="t"/>
-                      <dgm:param type="secLinDir" val="fromT"/>
-                    </dgm:alg>
-                  </dgm:if>
-                  <dgm:else name="Name27">
-                    <dgm:alg type="hierChild">
-                      <dgm:param type="chAlign" val="l"/>
-                      <dgm:param type="linDir" val="fromR"/>
-                      <dgm:param type="secChAlign" val="t"/>
-                      <dgm:param type="secLinDir" val="fromT"/>
-                    </dgm:alg>
-                  </dgm:else>
-                </dgm:choose>
-              </dgm:if>
-              <dgm:else name="Name28">
-                <dgm:choose name="Name29">
-                  <dgm:if name="Name30" func="var" arg="dir" op="equ" val="norm">
-                    <dgm:alg type="hierChild"/>
-                  </dgm:if>
-                  <dgm:else name="Name31">
-                    <dgm:alg type="hierChild">
-                      <dgm:param type="linDir" val="fromR"/>
-                    </dgm:alg>
-                  </dgm:else>
-                </dgm:choose>
-              </dgm:else>
-            </dgm:choose>
-            <dgm:shape xmlns:r="http://schemas.openxmlformats.org/officeDocument/2006/relationships" r:blip="">
-              <dgm:adjLst/>
-            </dgm:shape>
-            <dgm:presOf/>
-            <dgm:constrLst/>
-            <dgm:ruleLst/>
-            <dgm:forEach name="rep2a" axis="ch" ptType="nonAsst">
-              <dgm:forEach name="Name32" axis="precedSib" ptType="parTrans" st="-1" cnt="1">
-                <dgm:choose name="Name33">
-                  <dgm:if name="Name34" func="var" arg="hierBranch" op="equ" val="std">
-                    <dgm:layoutNode name="Name35">
-                      <dgm:alg type="conn">
-                        <dgm:param type="connRout" val="bend"/>
-                        <dgm:param type="dim" val="1D"/>
-                        <dgm:param type="endSty" val="noArr"/>
-                        <dgm:param type="begPts" val="bCtr"/>
-                        <dgm:param type="endPts" val="tCtr"/>
-                        <dgm:param type="bendPt" val="end"/>
-                      </dgm:alg>
-                      <dgm:shape xmlns:r="http://schemas.openxmlformats.org/officeDocument/2006/relationships" type="conn" r:blip="" zOrderOff="-99999">
-                        <dgm:adjLst/>
-                      </dgm:shape>
-                      <dgm:presOf axis="self"/>
-                      <dgm:constrLst>
-                        <dgm:constr type="begPad"/>
-                        <dgm:constr type="endPad"/>
-                      </dgm:constrLst>
-                      <dgm:ruleLst/>
-                    </dgm:layoutNode>
-                  </dgm:if>
-                  <dgm:if name="Name36" func="var" arg="hierBranch" op="equ" val="init">
-                    <dgm:layoutNode name="Name37">
-                      <dgm:choose name="Name38">
-                        <dgm:if name="Name39" axis="self" func="depth" op="lte" val="2">
-                          <dgm:alg type="conn">
-                            <dgm:param type="connRout" val="bend"/>
-                            <dgm:param type="dim" val="1D"/>
-                            <dgm:param type="endSty" val="noArr"/>
-                            <dgm:param type="begPts" val="bCtr"/>
-                            <dgm:param type="endPts" val="tCtr"/>
-                            <dgm:param type="bendPt" val="end"/>
-                          </dgm:alg>
-                        </dgm:if>
-                        <dgm:else name="Name40">
-                          <dgm:choose name="Name41">
-                            <dgm:if name="Name42" axis="par des" func="maxDepth" op="lte" val="1">
-                              <dgm:choose name="Name43">
-                                <dgm:if name="Name44" axis="par ch" ptType="node asst" func="cnt" op="gte" val="1">
-                                  <dgm:alg type="conn">
-                                    <dgm:param type="connRout" val="bend"/>
-                                    <dgm:param type="dim" val="1D"/>
-                                    <dgm:param type="endSty" val="noArr"/>
-                                    <dgm:param type="begPts" val="bCtr"/>
-                                    <dgm:param type="endPts" val="midL midR"/>
-                                  </dgm:alg>
-                                </dgm:if>
-                                <dgm:else name="Name45">
-                                  <dgm:alg type="conn">
-                                    <dgm:param type="connRout" val="bend"/>
-                                    <dgm:param type="dim" val="1D"/>
-                                    <dgm:param type="endSty" val="noArr"/>
-                                    <dgm:param type="begPts" val="bCtr"/>
-                                    <dgm:param type="endPts" val="midL midR"/>
-                                    <dgm:param type="srcNode" val="rootConnector"/>
-                                  </dgm:alg>
-                                </dgm:else>
-                              </dgm:choose>
-                            </dgm:if>
-                            <dgm:else name="Name46">
-                              <dgm:alg type="conn">
-                                <dgm:param type="connRout" val="bend"/>
-                                <dgm:param type="dim" val="1D"/>
-                                <dgm:param type="endSty" val="noArr"/>
-                                <dgm:param type="begPts" val="bCtr"/>
-                                <dgm:param type="endPts" val="tCtr"/>
-                                <dgm:param type="bendPt" val="end"/>
-                              </dgm:alg>
-                            </dgm:else>
-                          </dgm:choose>
-                        </dgm:else>
-                      </dgm:choose>
-                      <dgm:shape xmlns:r="http://schemas.openxmlformats.org/officeDocument/2006/relationships" type="conn" r:blip="" zOrderOff="-99999">
-                        <dgm:adjLst/>
-                      </dgm:shape>
-                      <dgm:presOf axis="self"/>
-                      <dgm:constrLst>
-                        <dgm:constr type="begPad"/>
-                        <dgm:constr type="endPad"/>
-                      </dgm:constrLst>
-                      <dgm:ruleLst/>
-                    </dgm:layoutNode>
-                  </dgm:if>
-                  <dgm:if name="Name47" func="var" arg="hierBranch" op="equ" val="hang">
-                    <dgm:layoutNode name="Name48">
-                      <dgm:alg type="conn">
-                        <dgm:param type="connRout" val="bend"/>
-                        <dgm:param type="dim" val="1D"/>
-                        <dgm:param type="endSty" val="noArr"/>
-                        <dgm:param type="begPts" val="bCtr"/>
-                        <dgm:param type="endPts" val="midL midR"/>
-                      </dgm:alg>
-                      <dgm:shape xmlns:r="http://schemas.openxmlformats.org/officeDocument/2006/relationships" type="conn" r:blip="" zOrderOff="-99999">
-                        <dgm:adjLst/>
-                      </dgm:shape>
-                      <dgm:presOf axis="self"/>
-                      <dgm:constrLst>
-                        <dgm:constr type="begPad"/>
-                        <dgm:constr type="endPad"/>
-                      </dgm:constrLst>
-                      <dgm:ruleLst/>
-                    </dgm:layoutNode>
-                  </dgm:if>
-                  <dgm:else name="Name49">
-                    <dgm:layoutNode name="Name50">
-                      <dgm:choose name="Name51">
-                        <dgm:if name="Name52" axis="self" func="depth" op="lte" val="2">
-                          <dgm:choose name="Name53">
-                            <dgm:if name="Name54" axis="par ch" ptType="node asst" func="cnt" op="gte" val="1">
-                              <dgm:alg type="conn">
-                                <dgm:param type="connRout" val="bend"/>
-                                <dgm:param type="dim" val="1D"/>
-                                <dgm:param type="endSty" val="noArr"/>
-                                <dgm:param type="begPts" val="bCtr"/>
-                                <dgm:param type="endPts" val="midL midR"/>
-                              </dgm:alg>
-                            </dgm:if>
-                            <dgm:else name="Name55">
-                              <dgm:alg type="conn">
-                                <dgm:param type="connRout" val="bend"/>
-                                <dgm:param type="dim" val="1D"/>
-                                <dgm:param type="endSty" val="noArr"/>
-                                <dgm:param type="begPts" val="bCtr"/>
-                                <dgm:param type="endPts" val="midL midR"/>
-                                <dgm:param type="srcNode" val="rootConnector1"/>
-                              </dgm:alg>
-                            </dgm:else>
-                          </dgm:choose>
-                        </dgm:if>
-                        <dgm:else name="Name56">
-                          <dgm:choose name="Name57">
-                            <dgm:if name="Name58" axis="par ch" ptType="node asst" func="cnt" op="gte" val="1">
-                              <dgm:alg type="conn">
-                                <dgm:param type="connRout" val="bend"/>
-                                <dgm:param type="dim" val="1D"/>
-                                <dgm:param type="endSty" val="noArr"/>
-                                <dgm:param type="begPts" val="bCtr"/>
-                                <dgm:param type="endPts" val="midL midR"/>
-                              </dgm:alg>
-                            </dgm:if>
-                            <dgm:else name="Name59">
-                              <dgm:alg type="conn">
-                                <dgm:param type="connRout" val="bend"/>
-                                <dgm:param type="dim" val="1D"/>
-                                <dgm:param type="endSty" val="noArr"/>
-                                <dgm:param type="begPts" val="bCtr"/>
-                                <dgm:param type="endPts" val="midL midR"/>
-                                <dgm:param type="srcNode" val="rootConnector"/>
-                              </dgm:alg>
-                            </dgm:else>
-                          </dgm:choose>
-                        </dgm:else>
-                      </dgm:choose>
-                      <dgm:shape xmlns:r="http://schemas.openxmlformats.org/officeDocument/2006/relationships" type="conn" r:blip="" zOrderOff="-99999">
-                        <dgm:adjLst/>
-                      </dgm:shape>
-                      <dgm:presOf axis="self"/>
-                      <dgm:constrLst>
-                        <dgm:constr type="begPad"/>
-                        <dgm:constr type="endPad"/>
-                      </dgm:constrLst>
-                      <dgm:ruleLst/>
-                    </dgm:layoutNode>
-                  </dgm:else>
-                </dgm:choose>
-              </dgm:forEach>
-              <dgm:layoutNode name="hierRoot2">
-                <dgm:varLst>
-                  <dgm:hierBranch val="init"/>
-                </dgm:varLst>
-                <dgm:choose name="Name60">
-                  <dgm:if name="Name61" func="var" arg="hierBranch" op="equ" val="l">
-                    <dgm:choose name="Name62">
-                      <dgm:if name="Name63" axis="ch" ptType="asst" func="cnt" op="gte" val="1">
-                        <dgm:alg type="hierRoot">
-                          <dgm:param type="hierAlign" val="tR"/>
-                        </dgm:alg>
-                        <dgm:shape xmlns:r="http://schemas.openxmlformats.org/officeDocument/2006/relationships" r:blip="">
-                          <dgm:adjLst/>
-                        </dgm:shape>
-                        <dgm:presOf/>
-                        <dgm:constrLst>
-                          <dgm:constr type="alignOff" val="0.65"/>
-                        </dgm:constrLst>
-                      </dgm:if>
-                      <dgm:else name="Name64">
-                        <dgm:alg type="hierRoot">
-                          <dgm:param type="hierAlign" val="tR"/>
-                        </dgm:alg>
-                        <dgm:shape xmlns:r="http://schemas.openxmlformats.org/officeDocument/2006/relationships" r:blip="">
-                          <dgm:adjLst/>
-                        </dgm:shape>
-                        <dgm:presOf/>
-                        <dgm:constrLst>
-                          <dgm:constr type="alignOff" val="0.25"/>
-                        </dgm:constrLst>
-                      </dgm:else>
-                    </dgm:choose>
-                  </dgm:if>
-                  <dgm:if name="Name65" func="var" arg="hierBranch" op="equ" val="r">
-                    <dgm:choose name="Name66">
-                      <dgm:if name="Name67" axis="ch" ptType="asst" func="cnt" op="gte" val="1">
-                        <dgm:alg type="hierRoot">
-                          <dgm:param type="hierAlign" val="tL"/>
-                        </dgm:alg>
-                        <dgm:shape xmlns:r="http://schemas.openxmlformats.org/officeDocument/2006/relationships" r:blip="">
-                          <dgm:adjLst/>
-                        </dgm:shape>
-                        <dgm:presOf/>
-                        <dgm:constrLst>
-                          <dgm:constr type="alignOff" val="0.65"/>
-                        </dgm:constrLst>
-                      </dgm:if>
-                      <dgm:else name="Name68">
-                        <dgm:alg type="hierRoot">
-                          <dgm:param type="hierAlign" val="tL"/>
-                        </dgm:alg>
-                        <dgm:shape xmlns:r="http://schemas.openxmlformats.org/officeDocument/2006/relationships" r:blip="">
-                          <dgm:adjLst/>
-                        </dgm:shape>
-                        <dgm:presOf/>
-                        <dgm:constrLst>
-                          <dgm:constr type="alignOff" val="0.25"/>
-                        </dgm:constrLst>
-                      </dgm:else>
-                    </dgm:choose>
-                  </dgm:if>
-                  <dgm:if name="Name69" func="var" arg="hierBranch" op="equ" val="std">
-                    <dgm:alg type="hierRoot"/>
-                    <dgm:shape xmlns:r="http://schemas.openxmlformats.org/officeDocument/2006/relationships" r:blip="">
-                      <dgm:adjLst/>
-                    </dgm:shape>
-                    <dgm:presOf/>
-                    <dgm:constrLst>
-                      <dgm:constr type="alignOff"/>
-                      <dgm:constr type="bendDist" for="des" ptType="parTrans" refType="sp" fact="0.5"/>
-                    </dgm:constrLst>
-                  </dgm:if>
-                  <dgm:if name="Name70" func="var" arg="hierBranch" op="equ" val="init">
-                    <dgm:choose name="Name71">
-                      <dgm:if name="Name72" axis="des" func="maxDepth" op="lte" val="1">
-                        <dgm:choose name="Name73">
-                          <dgm:if name="Name74" axis="ch" ptType="asst" func="cnt" op="gte" val="1">
-                            <dgm:alg type="hierRoot">
-                              <dgm:param type="hierAlign" val="tL"/>
-                            </dgm:alg>
-                            <dgm:shape xmlns:r="http://schemas.openxmlformats.org/officeDocument/2006/relationships" r:blip="">
-                              <dgm:adjLst/>
-                            </dgm:shape>
-                            <dgm:presOf/>
-                            <dgm:constrLst>
-                              <dgm:constr type="alignOff" val="0.65"/>
-                            </dgm:constrLst>
-                          </dgm:if>
-                          <dgm:else name="Name75">
-                            <dgm:alg type="hierRoot">
-                              <dgm:param type="hierAlign" val="tL"/>
-                            </dgm:alg>
-                            <dgm:shape xmlns:r="http://schemas.openxmlformats.org/officeDocument/2006/relationships" r:blip="">
-                              <dgm:adjLst/>
-                            </dgm:shape>
-                            <dgm:presOf/>
-                            <dgm:constrLst>
-                              <dgm:constr type="alignOff" val="0.25"/>
-                            </dgm:constrLst>
-                          </dgm:else>
-                        </dgm:choose>
-                      </dgm:if>
-                      <dgm:else name="Name76">
-                        <dgm:alg type="hierRoot"/>
-                        <dgm:shape xmlns:r="http://schemas.openxmlformats.org/officeDocument/2006/relationships" r:blip="">
-                          <dgm:adjLst/>
-                        </dgm:shape>
-                        <dgm:presOf/>
-                        <dgm:constrLst>
-                          <dgm:constr type="alignOff"/>
-                          <dgm:constr type="bendDist" for="des" ptType="parTrans" refType="sp" fact="0.5"/>
-                        </dgm:constrLst>
-                      </dgm:else>
-                    </dgm:choose>
-                  </dgm:if>
-                  <dgm:else name="Name77">
-                    <dgm:alg type="hierRoot"/>
-                    <dgm:shape xmlns:r="http://schemas.openxmlformats.org/officeDocument/2006/relationships" r:blip="">
-                      <dgm:adjLst/>
-                    </dgm:shape>
-                    <dgm:presOf/>
-                    <dgm:constrLst>
-                      <dgm:constr type="alignOff" val="0.65"/>
-                    </dgm:constrLst>
-                  </dgm:else>
-                </dgm:choose>
-                <dgm:ruleLst/>
-                <dgm:layoutNode name="rootComposite">
-                  <dgm:alg type="composite"/>
-                  <dgm:shape xmlns:r="http://schemas.openxmlformats.org/officeDocument/2006/relationships" r:blip="">
-                    <dgm:adjLst/>
-                  </dgm:shape>
-                  <dgm:presOf axis="self" ptType="node" cnt="1"/>
-                  <dgm:choose name="Name78">
-                    <dgm:if name="Name79" func="var" arg="hierBranch" op="equ" val="init">
-                      <dgm:constrLst>
-                        <dgm:constr type="l" for="ch" forName="rootText"/>
-                        <dgm:constr type="t" for="ch" forName="rootText"/>
-                        <dgm:constr type="w" for="ch" forName="rootText" refType="w"/>
-                        <dgm:constr type="h" for="ch" forName="rootText" refType="h"/>
-                        <dgm:constr type="l" for="ch" forName="rootConnector"/>
-                        <dgm:constr type="t" for="ch" forName="rootConnector"/>
-                        <dgm:constr type="w" for="ch" forName="rootConnector" refType="w" refFor="ch" refForName="rootText" fact="0.2"/>
-                        <dgm:constr type="h" for="ch" forName="rootConnector" refType="h" refFor="ch" refForName="rootText"/>
-                      </dgm:constrLst>
-                    </dgm:if>
-                    <dgm:if name="Name80" func="var" arg="hierBranch" op="equ" val="l">
-                      <dgm:constrLst>
-                        <dgm:constr type="l" for="ch" forName="rootText"/>
-                        <dgm:constr type="t" for="ch" forName="rootText"/>
-                        <dgm:constr type="w" for="ch" forName="rootText" refType="w"/>
-                        <dgm:constr type="h" for="ch" forName="rootText" refType="h"/>
-                        <dgm:constr type="r" for="ch" forName="rootConnector" refType="w"/>
-                        <dgm:constr type="t" for="ch" forName="rootConnector"/>
-                        <dgm:constr type="w" for="ch" forName="rootConnector" refType="w" refFor="ch" refForName="rootText" fact="0.2"/>
-                        <dgm:constr type="h" for="ch" forName="rootConnector" refType="h" refFor="ch" refForName="rootText"/>
-                      </dgm:constrLst>
-                    </dgm:if>
-                    <dgm:if name="Name81" func="var" arg="hierBranch" op="equ" val="r">
-                      <dgm:constrLst>
-                        <dgm:constr type="l" for="ch" forName="rootText"/>
-                        <dgm:constr type="t" for="ch" forName="rootText"/>
-                        <dgm:constr type="w" for="ch" forName="rootText" refType="w"/>
-                        <dgm:constr type="h" for="ch" forName="rootText" refType="h"/>
-                        <dgm:constr type="l" for="ch" forName="rootConnector"/>
-                        <dgm:constr type="t" for="ch" forName="rootConnector"/>
-                        <dgm:constr type="w" for="ch" forName="rootConnector" refType="w" refFor="ch" refForName="rootText" fact="0.2"/>
-                        <dgm:constr type="h" for="ch" forName="rootConnector" refType="h" refFor="ch" refForName="rootText"/>
-                      </dgm:constrLst>
-                    </dgm:if>
-                    <dgm:else name="Name82">
-                      <dgm:constrLst>
-                        <dgm:constr type="l" for="ch" forName="rootText"/>
-                        <dgm:constr type="t" for="ch" forName="rootText"/>
-                        <dgm:constr type="w" for="ch" forName="rootText" refType="w"/>
-                        <dgm:constr type="h" for="ch" forName="rootText" refType="h"/>
-                        <dgm:constr type="r" for="ch" forName="rootConnector" refType="w"/>
-                        <dgm:constr type="t" for="ch" forName="rootConnector"/>
-                        <dgm:constr type="w" for="ch" forName="rootConnector" refType="w" refFor="ch" refForName="rootText" fact="0.2"/>
-                        <dgm:constr type="h" for="ch" forName="rootConnector" refType="h" refFor="ch" refForName="rootText"/>
-                      </dgm:constrLst>
-                    </dgm:else>
-                  </dgm:choose>
-                  <dgm:ruleLst/>
-                  <dgm:layoutNode name="rootText">
-                    <dgm:varLst>
-                      <dgm:chPref val="3"/>
-                    </dgm:varLst>
-                    <dgm:alg type="tx"/>
-                    <dgm:shape xmlns:r="http://schemas.openxmlformats.org/officeDocument/2006/relationships" type="rect" r:blip="">
-                      <dgm:adjLst/>
-                    </dgm:shape>
-                    <dgm:presOf axis="self" ptType="node" cnt="1"/>
-                    <dgm:constrLst>
-                      <dgm:constr type="primFontSz" val="65"/>
-                      <dgm:constr type="lMarg" refType="primFontSz" fact="0.05"/>
-                      <dgm:constr type="rMarg" refType="primFontSz" fact="0.05"/>
-                      <dgm:constr type="tMarg" refType="primFontSz" fact="0.05"/>
-                      <dgm:constr type="bMarg" refType="primFontSz" fact="0.05"/>
-                    </dgm:constrLst>
-                    <dgm:ruleLst>
-                      <dgm:rule type="primFontSz" val="5" fact="NaN" max="NaN"/>
-                    </dgm:ruleLst>
-                  </dgm:layoutNode>
-                  <dgm:layoutNode name="rootConnector" moveWith="rootText">
-                    <dgm:alg type="sp"/>
-                    <dgm:shape xmlns:r="http://schemas.openxmlformats.org/officeDocument/2006/relationships" type="rect" r:blip="" hideGeom="1">
-                      <dgm:adjLst/>
-                    </dgm:shape>
-                    <dgm:presOf axis="self" ptType="node" cnt="1"/>
-                    <dgm:constrLst/>
-                    <dgm:ruleLst/>
-                  </dgm:layoutNode>
-                </dgm:layoutNode>
-                <dgm:layoutNode name="hierChild4">
-                  <dgm:choose name="Name83">
-                    <dgm:if name="Name84" func="var" arg="hierBranch" op="equ" val="l">
-                      <dgm:alg type="hierChild">
-                        <dgm:param type="chAlign" val="r"/>
-                        <dgm:param type="linDir" val="fromT"/>
-                      </dgm:alg>
-                    </dgm:if>
-                    <dgm:if name="Name85" func="var" arg="hierBranch" op="equ" val="r">
-                      <dgm:alg type="hierChild">
-                        <dgm:param type="chAlign" val="l"/>
-                        <dgm:param type="linDir" val="fromT"/>
-                      </dgm:alg>
-                    </dgm:if>
-                    <dgm:if name="Name86" func="var" arg="hierBranch" op="equ" val="hang">
-                      <dgm:choose name="Name87">
-                        <dgm:if name="Name88" func="var" arg="dir" op="equ" val="norm">
-                          <dgm:alg type="hierChild">
-                            <dgm:param type="chAlign" val="l"/>
-                            <dgm:param type="linDir" val="fromL"/>
-                            <dgm:param type="secChAlign" val="t"/>
-                            <dgm:param type="secLinDir" val="fromT"/>
-                          </dgm:alg>
-                        </dgm:if>
-                        <dgm:else name="Name89">
-                          <dgm:alg type="hierChild">
-                            <dgm:param type="chAlign" val="l"/>
-                            <dgm:param type="linDir" val="fromR"/>
-                            <dgm:param type="secChAlign" val="t"/>
-                            <dgm:param type="secLinDir" val="fromT"/>
-                          </dgm:alg>
-                        </dgm:else>
-                      </dgm:choose>
-                    </dgm:if>
-                    <dgm:if name="Name90" func="var" arg="hierBranch" op="equ" val="std">
-                      <dgm:choose name="Name91">
-                        <dgm:if name="Name92" func="var" arg="dir" op="equ" val="norm">
-                          <dgm:alg type="hierChild"/>
-                        </dgm:if>
-                        <dgm:else name="Name93">
-                          <dgm:alg type="hierChild">
-                            <dgm:param type="linDir" val="fromR"/>
-                          </dgm:alg>
-                        </dgm:else>
-                      </dgm:choose>
-                    </dgm:if>
-                    <dgm:if name="Name94" func="var" arg="hierBranch" op="equ" val="init">
-                      <dgm:choose name="Name95">
-                        <dgm:if name="Name96" axis="des" func="maxDepth" op="lte" val="1">
-                          <dgm:alg type="hierChild">
-                            <dgm:param type="chAlign" val="l"/>
-                            <dgm:param type="linDir" val="fromT"/>
-                          </dgm:alg>
-                        </dgm:if>
-                        <dgm:else name="Name97">
-                          <dgm:choose name="Name98">
-                            <dgm:if name="Name99" func="var" arg="dir" op="equ" val="norm">
-                              <dgm:alg type="hierChild"/>
-                            </dgm:if>
-                            <dgm:else name="Name100">
-                              <dgm:alg type="hierChild">
-                                <dgm:param type="linDir" val="fromR"/>
-                              </dgm:alg>
-                            </dgm:else>
-                          </dgm:choose>
-                        </dgm:else>
-                      </dgm:choose>
-                    </dgm:if>
-                    <dgm:else name="Name101"/>
-                  </dgm:choose>
-                  <dgm:shape xmlns:r="http://schemas.openxmlformats.org/officeDocument/2006/relationships" r:blip="">
-                    <dgm:adjLst/>
-                  </dgm:shape>
-                  <dgm:presOf/>
-                  <dgm:constrLst/>
-                  <dgm:ruleLst/>
-                  <dgm:forEach name="Name102" ref="rep2a"/>
-                </dgm:layoutNode>
-                <dgm:layoutNode name="hierChild5">
-                  <dgm:choose name="Name103">
-                    <dgm:if name="Name104" func="var" arg="dir" op="equ" val="norm">
-                      <dgm:alg type="hierChild">
-                        <dgm:param type="chAlign" val="l"/>
-                        <dgm:param type="linDir" val="fromL"/>
-                        <dgm:param type="secChAlign" val="t"/>
-                        <dgm:param type="secLinDir" val="fromT"/>
-                      </dgm:alg>
-                    </dgm:if>
-                    <dgm:else name="Name105">
-                      <dgm:alg type="hierChild">
-                        <dgm:param type="chAlign" val="l"/>
-                        <dgm:param type="linDir" val="fromR"/>
-                        <dgm:param type="secChAlign" val="t"/>
-                        <dgm:param type="secLinDir" val="fromT"/>
-                      </dgm:alg>
-                    </dgm:else>
-                  </dgm:choose>
-                  <dgm:shape xmlns:r="http://schemas.openxmlformats.org/officeDocument/2006/relationships" r:blip="">
-                    <dgm:adjLst/>
-                  </dgm:shape>
-                  <dgm:presOf/>
-                  <dgm:constrLst/>
-                  <dgm:ruleLst/>
-                  <dgm:forEach name="Name106" ref="rep2b"/>
-                </dgm:layoutNode>
-              </dgm:layoutNode>
-            </dgm:forEach>
-          </dgm:layoutNode>
-          <dgm:layoutNode name="hierChild3">
-            <dgm:choose name="Name107">
-              <dgm:if name="Name108" func="var" arg="dir" op="equ" val="norm">
-                <dgm:alg type="hierChild">
-                  <dgm:param type="chAlign" val="l"/>
-                  <dgm:param type="linDir" val="fromL"/>
-                  <dgm:param type="secChAlign" val="t"/>
-                  <dgm:param type="secLinDir" val="fromT"/>
-                </dgm:alg>
-              </dgm:if>
-              <dgm:else name="Name109">
-                <dgm:alg type="hierChild">
-                  <dgm:param type="chAlign" val="l"/>
-                  <dgm:param type="linDir" val="fromR"/>
-                  <dgm:param type="secChAlign" val="t"/>
-                  <dgm:param type="secLinDir" val="fromT"/>
-                </dgm:alg>
-              </dgm:else>
-            </dgm:choose>
-            <dgm:shape xmlns:r="http://schemas.openxmlformats.org/officeDocument/2006/relationships" r:blip="">
-              <dgm:adjLst/>
-            </dgm:shape>
-            <dgm:presOf/>
-            <dgm:constrLst/>
-            <dgm:ruleLst/>
-            <dgm:forEach name="rep2b" axis="ch" ptType="asst">
-              <dgm:forEach name="Name110" axis="precedSib" ptType="parTrans" st="-1" cnt="1">
-                <dgm:layoutNode name="Name111">
-                  <dgm:alg type="conn">
-                    <dgm:param type="connRout" val="bend"/>
-                    <dgm:param type="dim" val="1D"/>
-                    <dgm:param type="endSty" val="noArr"/>
-                    <dgm:param type="begPts" val="bCtr"/>
-                    <dgm:param type="endPts" val="midL midR"/>
-                  </dgm:alg>
-                  <dgm:shape xmlns:r="http://schemas.openxmlformats.org/officeDocument/2006/relationships" type="conn" r:blip="" zOrderOff="-99999">
-                    <dgm:adjLst/>
-                  </dgm:shape>
-                  <dgm:presOf axis="self"/>
-                  <dgm:constrLst>
-                    <dgm:constr type="begPad"/>
-                    <dgm:constr type="endPad"/>
-                  </dgm:constrLst>
-                  <dgm:ruleLst/>
-                </dgm:layoutNode>
-              </dgm:forEach>
-              <dgm:layoutNode name="hierRoot3">
-                <dgm:varLst>
-                  <dgm:hierBranch val="init"/>
-                </dgm:varLst>
-                <dgm:choose name="Name112">
-                  <dgm:if name="Name113" func="var" arg="hierBranch" op="equ" val="l">
-                    <dgm:alg type="hierRoot">
-                      <dgm:param type="hierAlign" val="tR"/>
-                    </dgm:alg>
-                    <dgm:shape xmlns:r="http://schemas.openxmlformats.org/officeDocument/2006/relationships" r:blip="">
-                      <dgm:adjLst/>
-                    </dgm:shape>
-                    <dgm:presOf/>
-                    <dgm:constrLst>
-                      <dgm:constr type="alignOff" val="0.65"/>
-                    </dgm:constrLst>
-                  </dgm:if>
-                  <dgm:if name="Name114" func="var" arg="hierBranch" op="equ" val="r">
-                    <dgm:alg type="hierRoot">
-                      <dgm:param type="hierAlign" val="tL"/>
-                    </dgm:alg>
-                    <dgm:shape xmlns:r="http://schemas.openxmlformats.org/officeDocument/2006/relationships" r:blip="">
-                      <dgm:adjLst/>
-                    </dgm:shape>
-                    <dgm:presOf/>
-                    <dgm:constrLst>
-                      <dgm:constr type="alignOff" val="0.65"/>
-                    </dgm:constrLst>
-                  </dgm:if>
-                  <dgm:if name="Name115" func="var" arg="hierBranch" op="equ" val="hang">
-                    <dgm:alg type="hierRoot"/>
-                    <dgm:shape xmlns:r="http://schemas.openxmlformats.org/officeDocument/2006/relationships" r:blip="">
-                      <dgm:adjLst/>
-                    </dgm:shape>
-                    <dgm:presOf/>
-                    <dgm:constrLst>
-                      <dgm:constr type="alignOff" val="0.65"/>
-                    </dgm:constrLst>
-                  </dgm:if>
-                  <dgm:if name="Name116" func="var" arg="hierBranch" op="equ" val="std">
-                    <dgm:alg type="hierRoot"/>
-                    <dgm:shape xmlns:r="http://schemas.openxmlformats.org/officeDocument/2006/relationships" r:blip="">
-                      <dgm:adjLst/>
-                    </dgm:shape>
-                    <dgm:presOf/>
-                    <dgm:constrLst>
-                      <dgm:constr type="alignOff"/>
-                      <dgm:constr type="bendDist" for="des" ptType="parTrans" refType="sp" fact="0.5"/>
-                    </dgm:constrLst>
-                  </dgm:if>
-                  <dgm:if name="Name117" func="var" arg="hierBranch" op="equ" val="init">
-                    <dgm:choose name="Name118">
-                      <dgm:if name="Name119" axis="des" func="maxDepth" op="lte" val="1">
-                        <dgm:alg type="hierRoot">
-                          <dgm:param type="hierAlign" val="tL"/>
-                        </dgm:alg>
-                        <dgm:shape xmlns:r="http://schemas.openxmlformats.org/officeDocument/2006/relationships" r:blip="">
-                          <dgm:adjLst/>
-                        </dgm:shape>
-                        <dgm:presOf/>
-                        <dgm:constrLst>
-                          <dgm:constr type="alignOff" val="0.65"/>
-                        </dgm:constrLst>
-                      </dgm:if>
-                      <dgm:else name="Name120">
-                        <dgm:alg type="hierRoot"/>
-                        <dgm:shape xmlns:r="http://schemas.openxmlformats.org/officeDocument/2006/relationships" r:blip="">
-                          <dgm:adjLst/>
-                        </dgm:shape>
-                        <dgm:presOf/>
-                        <dgm:constrLst>
-                          <dgm:constr type="alignOff"/>
-                          <dgm:constr type="bendDist" for="des" ptType="parTrans" refType="sp" fact="0.5"/>
-                        </dgm:constrLst>
-                      </dgm:else>
-                    </dgm:choose>
-                  </dgm:if>
-                  <dgm:else name="Name121"/>
-                </dgm:choose>
-                <dgm:ruleLst/>
-                <dgm:layoutNode name="rootComposite3">
-                  <dgm:alg type="composite"/>
-                  <dgm:shape xmlns:r="http://schemas.openxmlformats.org/officeDocument/2006/relationships" r:blip="">
-                    <dgm:adjLst/>
-                  </dgm:shape>
-                  <dgm:presOf axis="self" ptType="node" cnt="1"/>
-                  <dgm:choose name="Name122">
-                    <dgm:if name="Name123" func="var" arg="hierBranch" op="equ" val="init">
-                      <dgm:constrLst>
-                        <dgm:constr type="l" for="ch" forName="rootText3"/>
-                        <dgm:constr type="t" for="ch" forName="rootText3"/>
-                        <dgm:constr type="w" for="ch" forName="rootText3" refType="w"/>
-                        <dgm:constr type="h" for="ch" forName="rootText3" refType="h"/>
-                        <dgm:constr type="l" for="ch" forName="rootConnector3"/>
-                        <dgm:constr type="t" for="ch" forName="rootConnector3"/>
-                        <dgm:constr type="w" for="ch" forName="rootConnector3" refType="w" refFor="ch" refForName="rootText3" fact="0.2"/>
-                        <dgm:constr type="h" for="ch" forName="rootConnector3" refType="h" refFor="ch" refForName="rootText3"/>
-                      </dgm:constrLst>
-                    </dgm:if>
-                    <dgm:if name="Name124" func="var" arg="hierBranch" op="equ" val="l">
-                      <dgm:constrLst>
-                        <dgm:constr type="l" for="ch" forName="rootText3"/>
-                        <dgm:constr type="t" for="ch" forName="rootText3"/>
-                        <dgm:constr type="w" for="ch" forName="rootText3" refType="w"/>
-                        <dgm:constr type="h" for="ch" forName="rootText3" refType="h"/>
-                        <dgm:constr type="r" for="ch" forName="rootConnector3" refType="w"/>
-                        <dgm:constr type="t" for="ch" forName="rootConnector3"/>
-                        <dgm:constr type="w" for="ch" forName="rootConnector3" refType="w" refFor="ch" refForName="rootText3" fact="0.2"/>
-                        <dgm:constr type="h" for="ch" forName="rootConnector3" refType="h" refFor="ch" refForName="rootText3"/>
-                      </dgm:constrLst>
-                    </dgm:if>
-                    <dgm:if name="Name125" func="var" arg="hierBranch" op="equ" val="r">
-                      <dgm:constrLst>
-                        <dgm:constr type="l" for="ch" forName="rootText3"/>
-                        <dgm:constr type="t" for="ch" forName="rootText3"/>
-                        <dgm:constr type="w" for="ch" forName="rootText3" refType="w"/>
-                        <dgm:constr type="h" for="ch" forName="rootText3" refType="h"/>
-                        <dgm:constr type="l" for="ch" forName="rootConnector3"/>
-                        <dgm:constr type="t" for="ch" forName="rootConnector3"/>
-                        <dgm:constr type="w" for="ch" forName="rootConnector3" refType="w" refFor="ch" refForName="rootText3" fact="0.2"/>
-                        <dgm:constr type="h" for="ch" forName="rootConnector3" refType="h" refFor="ch" refForName="rootText3"/>
-                      </dgm:constrLst>
-                    </dgm:if>
-                    <dgm:else name="Name126">
-                      <dgm:constrLst>
-                        <dgm:constr type="l" for="ch" forName="rootText3"/>
-                        <dgm:constr type="t" for="ch" forName="rootText3"/>
-                        <dgm:constr type="w" for="ch" forName="rootText3" refType="w"/>
-                        <dgm:constr type="h" for="ch" forName="rootText3" refType="h"/>
-                        <dgm:constr type="r" for="ch" forName="rootConnector3" refType="w"/>
-                        <dgm:constr type="t" for="ch" forName="rootConnector3"/>
-                        <dgm:constr type="w" for="ch" forName="rootConnector3" refType="w" refFor="ch" refForName="rootText3" fact="0.2"/>
-                        <dgm:constr type="h" for="ch" forName="rootConnector3" refType="h" refFor="ch" refForName="rootText3"/>
-                      </dgm:constrLst>
-                    </dgm:else>
-                  </dgm:choose>
-                  <dgm:ruleLst/>
-                  <dgm:layoutNode name="rootText3">
-                    <dgm:varLst>
-                      <dgm:chPref val="3"/>
-                    </dgm:varLst>
-                    <dgm:alg type="tx"/>
-                    <dgm:shape xmlns:r="http://schemas.openxmlformats.org/officeDocument/2006/relationships" type="rect" r:blip="">
-                      <dgm:adjLst/>
-                    </dgm:shape>
-                    <dgm:presOf axis="self" ptType="node" cnt="1"/>
-                    <dgm:constrLst>
-                      <dgm:constr type="primFontSz" val="65"/>
-                      <dgm:constr type="lMarg" refType="primFontSz" fact="0.05"/>
-                      <dgm:constr type="rMarg" refType="primFontSz" fact="0.05"/>
-                      <dgm:constr type="tMarg" refType="primFontSz" fact="0.05"/>
-                      <dgm:constr type="bMarg" refType="primFontSz" fact="0.05"/>
-                    </dgm:constrLst>
-                    <dgm:ruleLst>
-                      <dgm:rule type="primFontSz" val="5" fact="NaN" max="NaN"/>
-                    </dgm:ruleLst>
-                  </dgm:layoutNode>
-                  <dgm:layoutNode name="rootConnector3" moveWith="rootText1">
-                    <dgm:alg type="sp"/>
-                    <dgm:shape xmlns:r="http://schemas.openxmlformats.org/officeDocument/2006/relationships" type="rect" r:blip="" hideGeom="1">
-                      <dgm:adjLst/>
-                    </dgm:shape>
-                    <dgm:presOf axis="self" ptType="node" cnt="1"/>
-                    <dgm:constrLst/>
-                    <dgm:ruleLst/>
-                  </dgm:layoutNode>
-                </dgm:layoutNode>
-                <dgm:layoutNode name="hierChild6">
-                  <dgm:choose name="Name127">
-                    <dgm:if name="Name128" func="var" arg="hierBranch" op="equ" val="l">
-                      <dgm:alg type="hierChild">
-                        <dgm:param type="chAlign" val="r"/>
-                        <dgm:param type="linDir" val="fromT"/>
-                      </dgm:alg>
-                    </dgm:if>
-                    <dgm:if name="Name129" func="var" arg="hierBranch" op="equ" val="r">
-                      <dgm:alg type="hierChild">
-                        <dgm:param type="chAlign" val="l"/>
-                        <dgm:param type="linDir" val="fromT"/>
-                      </dgm:alg>
-                    </dgm:if>
-                    <dgm:if name="Name130" func="var" arg="hierBranch" op="equ" val="hang">
-                      <dgm:choose name="Name131">
-                        <dgm:if name="Name132" func="var" arg="dir" op="equ" val="norm">
-                          <dgm:alg type="hierChild">
-                            <dgm:param type="chAlign" val="l"/>
-                            <dgm:param type="linDir" val="fromL"/>
-                            <dgm:param type="secChAlign" val="t"/>
-                            <dgm:param type="secLinDir" val="fromT"/>
-                          </dgm:alg>
-                        </dgm:if>
-                        <dgm:else name="Name133">
-                          <dgm:alg type="hierChild">
-                            <dgm:param type="chAlign" val="l"/>
-                            <dgm:param type="linDir" val="fromR"/>
-                            <dgm:param type="secChAlign" val="t"/>
-                            <dgm:param type="secLinDir" val="fromT"/>
-                          </dgm:alg>
-                        </dgm:else>
-                      </dgm:choose>
-                    </dgm:if>
-                    <dgm:if name="Name134" func="var" arg="hierBranch" op="equ" val="std">
-                      <dgm:choose name="Name135">
-                        <dgm:if name="Name136" func="var" arg="dir" op="equ" val="norm">
-                          <dgm:alg type="hierChild"/>
-                        </dgm:if>
-                        <dgm:else name="Name137">
-                          <dgm:alg type="hierChild">
-                            <dgm:param type="linDir" val="fromR"/>
-                          </dgm:alg>
-                        </dgm:else>
-                      </dgm:choose>
-                    </dgm:if>
-                    <dgm:if name="Name138" func="var" arg="hierBranch" op="equ" val="init">
-                      <dgm:choose name="Name139">
-                        <dgm:if name="Name140" axis="des" func="maxDepth" op="lte" val="1">
-                          <dgm:alg type="hierChild">
-                            <dgm:param type="chAlign" val="l"/>
-                            <dgm:param type="linDir" val="fromT"/>
-                          </dgm:alg>
-                        </dgm:if>
-                        <dgm:else name="Name141">
-                          <dgm:alg type="hierChild"/>
-                        </dgm:else>
-                      </dgm:choose>
-                    </dgm:if>
-                    <dgm:else name="Name142"/>
-                  </dgm:choose>
-                  <dgm:shape xmlns:r="http://schemas.openxmlformats.org/officeDocument/2006/relationships" r:blip="">
-                    <dgm:adjLst/>
-                  </dgm:shape>
-                  <dgm:presOf/>
-                  <dgm:constrLst/>
-                  <dgm:ruleLst/>
-                  <dgm:forEach name="Name143" ref="rep2a"/>
-                </dgm:layoutNode>
-                <dgm:layoutNode name="hierChild7">
-                  <dgm:choose name="Name144">
-                    <dgm:if name="Name145" func="var" arg="dir" op="equ" val="norm">
-                      <dgm:alg type="hierChild">
-                        <dgm:param type="chAlign" val="l"/>
-                        <dgm:param type="linDir" val="fromL"/>
-                        <dgm:param type="secChAlign" val="t"/>
-                        <dgm:param type="secLinDir" val="fromT"/>
-                      </dgm:alg>
-                    </dgm:if>
-                    <dgm:else name="Name146">
-                      <dgm:alg type="hierChild">
-                        <dgm:param type="chAlign" val="l"/>
-                        <dgm:param type="linDir" val="fromR"/>
-                        <dgm:param type="secChAlign" val="t"/>
-                        <dgm:param type="secLinDir" val="fromT"/>
-                      </dgm:alg>
-                    </dgm:else>
-                  </dgm:choose>
-                  <dgm:shape xmlns:r="http://schemas.openxmlformats.org/officeDocument/2006/relationships" r:blip="">
-                    <dgm:adjLst/>
-                  </dgm:shape>
-                  <dgm:presOf/>
-                  <dgm:constrLst/>
-                  <dgm:ruleLst/>
-                  <dgm:forEach name="Name147" ref="rep2b"/>
-                </dgm:layoutNode>
-              </dgm:layoutNode>
-            </dgm:forEach>
-          </dgm:layoutNode>
-        </dgm:layoutNode>
-      </dgm:forEach>
-    </dgm:forEach>
-  </dgm:layoutNode>
-</dgm:layoutDef>
-</file>
-
 <file path=ppt/diagrams/quickStyle1.xml><?xml version="1.0" encoding="utf-8"?>
 <dgm:styleDef xmlns:dgm="http://schemas.openxmlformats.org/drawingml/2006/diagram" xmlns:a="http://schemas.openxmlformats.org/drawingml/2006/main" uniqueId="urn:microsoft.com/office/officeart/2005/8/quickstyle/simple4">
   <dgm:title val=""/>
@@ -12223,1040 +9147,6 @@
 </file>
 
 <file path=ppt/diagrams/quickStyle2.xml><?xml version="1.0" encoding="utf-8"?>
-<dgm:styleDef xmlns:dgm="http://schemas.openxmlformats.org/drawingml/2006/diagram" xmlns:a="http://schemas.openxmlformats.org/drawingml/2006/main" uniqueId="urn:microsoft.com/office/officeart/2005/8/quickstyle/simple4">
-  <dgm:title val=""/>
-  <dgm:desc val=""/>
-  <dgm:catLst>
-    <dgm:cat type="simple" pri="10400"/>
-  </dgm:catLst>
-  <dgm:scene3d>
-    <a:camera prst="orthographicFront"/>
-    <a:lightRig rig="threePt" dir="t"/>
-  </dgm:scene3d>
-  <dgm:styleLbl name="node0">
-    <dgm:scene3d>
-      <a:camera prst="orthographicFront"/>
-      <a:lightRig rig="threePt" dir="t"/>
-    </dgm:scene3d>
-    <dgm:sp3d/>
-    <dgm:txPr/>
-    <dgm:style>
-      <a:lnRef idx="0">
-        <a:scrgbClr r="0" g="0" b="0"/>
-      </a:lnRef>
-      <a:fillRef idx="3">
-        <a:scrgbClr r="0" g="0" b="0"/>
-      </a:fillRef>
-      <a:effectRef idx="2">
-        <a:scrgbClr r="0" g="0" b="0"/>
-      </a:effectRef>
-      <a:fontRef idx="minor">
-        <a:schemeClr val="lt1"/>
-      </a:fontRef>
-    </dgm:style>
-  </dgm:styleLbl>
-  <dgm:styleLbl name="lnNode1">
-    <dgm:scene3d>
-      <a:camera prst="orthographicFront"/>
-      <a:lightRig rig="threePt" dir="t"/>
-    </dgm:scene3d>
-    <dgm:sp3d/>
-    <dgm:txPr/>
-    <dgm:style>
-      <a:lnRef idx="1">
-        <a:scrgbClr r="0" g="0" b="0"/>
-      </a:lnRef>
-      <a:fillRef idx="3">
-        <a:scrgbClr r="0" g="0" b="0"/>
-      </a:fillRef>
-      <a:effectRef idx="2">
-        <a:scrgbClr r="0" g="0" b="0"/>
-      </a:effectRef>
-      <a:fontRef idx="minor">
-        <a:schemeClr val="lt1"/>
-      </a:fontRef>
-    </dgm:style>
-  </dgm:styleLbl>
-  <dgm:styleLbl name="vennNode1">
-    <dgm:scene3d>
-      <a:camera prst="orthographicFront"/>
-      <a:lightRig rig="threePt" dir="t"/>
-    </dgm:scene3d>
-    <dgm:sp3d/>
-    <dgm:txPr/>
-    <dgm:style>
-      <a:lnRef idx="0">
-        <a:scrgbClr r="0" g="0" b="0"/>
-      </a:lnRef>
-      <a:fillRef idx="3">
-        <a:scrgbClr r="0" g="0" b="0"/>
-      </a:fillRef>
-      <a:effectRef idx="0">
-        <a:scrgbClr r="0" g="0" b="0"/>
-      </a:effectRef>
-      <a:fontRef idx="minor">
-        <a:schemeClr val="tx1"/>
-      </a:fontRef>
-    </dgm:style>
-  </dgm:styleLbl>
-  <dgm:styleLbl name="alignNode1">
-    <dgm:scene3d>
-      <a:camera prst="orthographicFront"/>
-      <a:lightRig rig="threePt" dir="t"/>
-    </dgm:scene3d>
-    <dgm:sp3d/>
-    <dgm:txPr/>
-    <dgm:style>
-      <a:lnRef idx="1">
-        <a:scrgbClr r="0" g="0" b="0"/>
-      </a:lnRef>
-      <a:fillRef idx="3">
-        <a:scrgbClr r="0" g="0" b="0"/>
-      </a:fillRef>
-      <a:effectRef idx="2">
-        <a:scrgbClr r="0" g="0" b="0"/>
-      </a:effectRef>
-      <a:fontRef idx="minor">
-        <a:schemeClr val="lt1"/>
-      </a:fontRef>
-    </dgm:style>
-  </dgm:styleLbl>
-  <dgm:styleLbl name="node1">
-    <dgm:scene3d>
-      <a:camera prst="orthographicFront"/>
-      <a:lightRig rig="threePt" dir="t"/>
-    </dgm:scene3d>
-    <dgm:sp3d/>
-    <dgm:txPr/>
-    <dgm:style>
-      <a:lnRef idx="0">
-        <a:scrgbClr r="0" g="0" b="0"/>
-      </a:lnRef>
-      <a:fillRef idx="3">
-        <a:scrgbClr r="0" g="0" b="0"/>
-      </a:fillRef>
-      <a:effectRef idx="2">
-        <a:scrgbClr r="0" g="0" b="0"/>
-      </a:effectRef>
-      <a:fontRef idx="minor">
-        <a:schemeClr val="lt1"/>
-      </a:fontRef>
-    </dgm:style>
-  </dgm:styleLbl>
-  <dgm:styleLbl name="node2">
-    <dgm:scene3d>
-      <a:camera prst="orthographicFront"/>
-      <a:lightRig rig="threePt" dir="t"/>
-    </dgm:scene3d>
-    <dgm:sp3d/>
-    <dgm:txPr/>
-    <dgm:style>
-      <a:lnRef idx="0">
-        <a:scrgbClr r="0" g="0" b="0"/>
-      </a:lnRef>
-      <a:fillRef idx="3">
-        <a:scrgbClr r="0" g="0" b="0"/>
-      </a:fillRef>
-      <a:effectRef idx="2">
-        <a:scrgbClr r="0" g="0" b="0"/>
-      </a:effectRef>
-      <a:fontRef idx="minor">
-        <a:schemeClr val="lt1"/>
-      </a:fontRef>
-    </dgm:style>
-  </dgm:styleLbl>
-  <dgm:styleLbl name="node3">
-    <dgm:scene3d>
-      <a:camera prst="orthographicFront"/>
-      <a:lightRig rig="threePt" dir="t"/>
-    </dgm:scene3d>
-    <dgm:sp3d/>
-    <dgm:txPr/>
-    <dgm:style>
-      <a:lnRef idx="0">
-        <a:scrgbClr r="0" g="0" b="0"/>
-      </a:lnRef>
-      <a:fillRef idx="3">
-        <a:scrgbClr r="0" g="0" b="0"/>
-      </a:fillRef>
-      <a:effectRef idx="2">
-        <a:scrgbClr r="0" g="0" b="0"/>
-      </a:effectRef>
-      <a:fontRef idx="minor">
-        <a:schemeClr val="lt1"/>
-      </a:fontRef>
-    </dgm:style>
-  </dgm:styleLbl>
-  <dgm:styleLbl name="node4">
-    <dgm:scene3d>
-      <a:camera prst="orthographicFront"/>
-      <a:lightRig rig="threePt" dir="t"/>
-    </dgm:scene3d>
-    <dgm:sp3d/>
-    <dgm:txPr/>
-    <dgm:style>
-      <a:lnRef idx="0">
-        <a:scrgbClr r="0" g="0" b="0"/>
-      </a:lnRef>
-      <a:fillRef idx="3">
-        <a:scrgbClr r="0" g="0" b="0"/>
-      </a:fillRef>
-      <a:effectRef idx="2">
-        <a:scrgbClr r="0" g="0" b="0"/>
-      </a:effectRef>
-      <a:fontRef idx="minor">
-        <a:schemeClr val="lt1"/>
-      </a:fontRef>
-    </dgm:style>
-  </dgm:styleLbl>
-  <dgm:styleLbl name="fgImgPlace1">
-    <dgm:scene3d>
-      <a:camera prst="orthographicFront"/>
-      <a:lightRig rig="threePt" dir="t"/>
-    </dgm:scene3d>
-    <dgm:sp3d/>
-    <dgm:txPr/>
-    <dgm:style>
-      <a:lnRef idx="0">
-        <a:scrgbClr r="0" g="0" b="0"/>
-      </a:lnRef>
-      <a:fillRef idx="1">
-        <a:scrgbClr r="0" g="0" b="0"/>
-      </a:fillRef>
-      <a:effectRef idx="2">
-        <a:scrgbClr r="0" g="0" b="0"/>
-      </a:effectRef>
-      <a:fontRef idx="minor"/>
-    </dgm:style>
-  </dgm:styleLbl>
-  <dgm:styleLbl name="alignImgPlace1">
-    <dgm:scene3d>
-      <a:camera prst="orthographicFront"/>
-      <a:lightRig rig="threePt" dir="t"/>
-    </dgm:scene3d>
-    <dgm:sp3d/>
-    <dgm:txPr/>
-    <dgm:style>
-      <a:lnRef idx="0">
-        <a:scrgbClr r="0" g="0" b="0"/>
-      </a:lnRef>
-      <a:fillRef idx="1">
-        <a:scrgbClr r="0" g="0" b="0"/>
-      </a:fillRef>
-      <a:effectRef idx="2">
-        <a:scrgbClr r="0" g="0" b="0"/>
-      </a:effectRef>
-      <a:fontRef idx="minor"/>
-    </dgm:style>
-  </dgm:styleLbl>
-  <dgm:styleLbl name="bgImgPlace1">
-    <dgm:scene3d>
-      <a:camera prst="orthographicFront"/>
-      <a:lightRig rig="threePt" dir="t"/>
-    </dgm:scene3d>
-    <dgm:sp3d/>
-    <dgm:txPr/>
-    <dgm:style>
-      <a:lnRef idx="0">
-        <a:scrgbClr r="0" g="0" b="0"/>
-      </a:lnRef>
-      <a:fillRef idx="1">
-        <a:scrgbClr r="0" g="0" b="0"/>
-      </a:fillRef>
-      <a:effectRef idx="2">
-        <a:scrgbClr r="0" g="0" b="0"/>
-      </a:effectRef>
-      <a:fontRef idx="minor"/>
-    </dgm:style>
-  </dgm:styleLbl>
-  <dgm:styleLbl name="sibTrans2D1">
-    <dgm:scene3d>
-      <a:camera prst="orthographicFront"/>
-      <a:lightRig rig="threePt" dir="t"/>
-    </dgm:scene3d>
-    <dgm:sp3d/>
-    <dgm:txPr/>
-    <dgm:style>
-      <a:lnRef idx="0">
-        <a:scrgbClr r="0" g="0" b="0"/>
-      </a:lnRef>
-      <a:fillRef idx="3">
-        <a:scrgbClr r="0" g="0" b="0"/>
-      </a:fillRef>
-      <a:effectRef idx="2">
-        <a:scrgbClr r="0" g="0" b="0"/>
-      </a:effectRef>
-      <a:fontRef idx="minor">
-        <a:schemeClr val="lt1"/>
-      </a:fontRef>
-    </dgm:style>
-  </dgm:styleLbl>
-  <dgm:styleLbl name="fgSibTrans2D1">
-    <dgm:scene3d>
-      <a:camera prst="orthographicFront"/>
-      <a:lightRig rig="threePt" dir="t"/>
-    </dgm:scene3d>
-    <dgm:sp3d/>
-    <dgm:txPr/>
-    <dgm:style>
-      <a:lnRef idx="0">
-        <a:scrgbClr r="0" g="0" b="0"/>
-      </a:lnRef>
-      <a:fillRef idx="3">
-        <a:scrgbClr r="0" g="0" b="0"/>
-      </a:fillRef>
-      <a:effectRef idx="2">
-        <a:scrgbClr r="0" g="0" b="0"/>
-      </a:effectRef>
-      <a:fontRef idx="minor">
-        <a:schemeClr val="lt1"/>
-      </a:fontRef>
-    </dgm:style>
-  </dgm:styleLbl>
-  <dgm:styleLbl name="bgSibTrans2D1">
-    <dgm:scene3d>
-      <a:camera prst="orthographicFront"/>
-      <a:lightRig rig="threePt" dir="t"/>
-    </dgm:scene3d>
-    <dgm:sp3d/>
-    <dgm:txPr/>
-    <dgm:style>
-      <a:lnRef idx="0">
-        <a:scrgbClr r="0" g="0" b="0"/>
-      </a:lnRef>
-      <a:fillRef idx="3">
-        <a:scrgbClr r="0" g="0" b="0"/>
-      </a:fillRef>
-      <a:effectRef idx="2">
-        <a:scrgbClr r="0" g="0" b="0"/>
-      </a:effectRef>
-      <a:fontRef idx="minor">
-        <a:schemeClr val="lt1"/>
-      </a:fontRef>
-    </dgm:style>
-  </dgm:styleLbl>
-  <dgm:styleLbl name="sibTrans1D1">
-    <dgm:scene3d>
-      <a:camera prst="orthographicFront"/>
-      <a:lightRig rig="threePt" dir="t"/>
-    </dgm:scene3d>
-    <dgm:sp3d/>
-    <dgm:txPr/>
-    <dgm:style>
-      <a:lnRef idx="1">
-        <a:scrgbClr r="0" g="0" b="0"/>
-      </a:lnRef>
-      <a:fillRef idx="0">
-        <a:scrgbClr r="0" g="0" b="0"/>
-      </a:fillRef>
-      <a:effectRef idx="0">
-        <a:scrgbClr r="0" g="0" b="0"/>
-      </a:effectRef>
-      <a:fontRef idx="minor"/>
-    </dgm:style>
-  </dgm:styleLbl>
-  <dgm:styleLbl name="callout">
-    <dgm:scene3d>
-      <a:camera prst="orthographicFront"/>
-      <a:lightRig rig="threePt" dir="t"/>
-    </dgm:scene3d>
-    <dgm:sp3d/>
-    <dgm:txPr/>
-    <dgm:style>
-      <a:lnRef idx="2">
-        <a:scrgbClr r="0" g="0" b="0"/>
-      </a:lnRef>
-      <a:fillRef idx="1">
-        <a:scrgbClr r="0" g="0" b="0"/>
-      </a:fillRef>
-      <a:effectRef idx="1">
-        <a:scrgbClr r="0" g="0" b="0"/>
-      </a:effectRef>
-      <a:fontRef idx="minor"/>
-    </dgm:style>
-  </dgm:styleLbl>
-  <dgm:styleLbl name="asst0">
-    <dgm:scene3d>
-      <a:camera prst="orthographicFront"/>
-      <a:lightRig rig="threePt" dir="t"/>
-    </dgm:scene3d>
-    <dgm:sp3d/>
-    <dgm:txPr/>
-    <dgm:style>
-      <a:lnRef idx="0">
-        <a:scrgbClr r="0" g="0" b="0"/>
-      </a:lnRef>
-      <a:fillRef idx="3">
-        <a:scrgbClr r="0" g="0" b="0"/>
-      </a:fillRef>
-      <a:effectRef idx="2">
-        <a:scrgbClr r="0" g="0" b="0"/>
-      </a:effectRef>
-      <a:fontRef idx="minor">
-        <a:schemeClr val="lt1"/>
-      </a:fontRef>
-    </dgm:style>
-  </dgm:styleLbl>
-  <dgm:styleLbl name="asst1">
-    <dgm:scene3d>
-      <a:camera prst="orthographicFront"/>
-      <a:lightRig rig="threePt" dir="t"/>
-    </dgm:scene3d>
-    <dgm:sp3d/>
-    <dgm:txPr/>
-    <dgm:style>
-      <a:lnRef idx="0">
-        <a:scrgbClr r="0" g="0" b="0"/>
-      </a:lnRef>
-      <a:fillRef idx="3">
-        <a:scrgbClr r="0" g="0" b="0"/>
-      </a:fillRef>
-      <a:effectRef idx="2">
-        <a:scrgbClr r="0" g="0" b="0"/>
-      </a:effectRef>
-      <a:fontRef idx="minor">
-        <a:schemeClr val="lt1"/>
-      </a:fontRef>
-    </dgm:style>
-  </dgm:styleLbl>
-  <dgm:styleLbl name="asst2">
-    <dgm:scene3d>
-      <a:camera prst="orthographicFront"/>
-      <a:lightRig rig="threePt" dir="t"/>
-    </dgm:scene3d>
-    <dgm:sp3d/>
-    <dgm:txPr/>
-    <dgm:style>
-      <a:lnRef idx="0">
-        <a:scrgbClr r="0" g="0" b="0"/>
-      </a:lnRef>
-      <a:fillRef idx="3">
-        <a:scrgbClr r="0" g="0" b="0"/>
-      </a:fillRef>
-      <a:effectRef idx="2">
-        <a:scrgbClr r="0" g="0" b="0"/>
-      </a:effectRef>
-      <a:fontRef idx="minor">
-        <a:schemeClr val="lt1"/>
-      </a:fontRef>
-    </dgm:style>
-  </dgm:styleLbl>
-  <dgm:styleLbl name="asst3">
-    <dgm:scene3d>
-      <a:camera prst="orthographicFront"/>
-      <a:lightRig rig="threePt" dir="t"/>
-    </dgm:scene3d>
-    <dgm:sp3d/>
-    <dgm:txPr/>
-    <dgm:style>
-      <a:lnRef idx="0">
-        <a:scrgbClr r="0" g="0" b="0"/>
-      </a:lnRef>
-      <a:fillRef idx="3">
-        <a:scrgbClr r="0" g="0" b="0"/>
-      </a:fillRef>
-      <a:effectRef idx="2">
-        <a:scrgbClr r="0" g="0" b="0"/>
-      </a:effectRef>
-      <a:fontRef idx="minor">
-        <a:schemeClr val="lt1"/>
-      </a:fontRef>
-    </dgm:style>
-  </dgm:styleLbl>
-  <dgm:styleLbl name="asst4">
-    <dgm:scene3d>
-      <a:camera prst="orthographicFront"/>
-      <a:lightRig rig="threePt" dir="t"/>
-    </dgm:scene3d>
-    <dgm:sp3d/>
-    <dgm:txPr/>
-    <dgm:style>
-      <a:lnRef idx="0">
-        <a:scrgbClr r="0" g="0" b="0"/>
-      </a:lnRef>
-      <a:fillRef idx="3">
-        <a:scrgbClr r="0" g="0" b="0"/>
-      </a:fillRef>
-      <a:effectRef idx="2">
-        <a:scrgbClr r="0" g="0" b="0"/>
-      </a:effectRef>
-      <a:fontRef idx="minor">
-        <a:schemeClr val="lt1"/>
-      </a:fontRef>
-    </dgm:style>
-  </dgm:styleLbl>
-  <dgm:styleLbl name="parChTrans2D1">
-    <dgm:scene3d>
-      <a:camera prst="orthographicFront"/>
-      <a:lightRig rig="threePt" dir="t"/>
-    </dgm:scene3d>
-    <dgm:sp3d/>
-    <dgm:txPr/>
-    <dgm:style>
-      <a:lnRef idx="0">
-        <a:scrgbClr r="0" g="0" b="0"/>
-      </a:lnRef>
-      <a:fillRef idx="3">
-        <a:scrgbClr r="0" g="0" b="0"/>
-      </a:fillRef>
-      <a:effectRef idx="2">
-        <a:scrgbClr r="0" g="0" b="0"/>
-      </a:effectRef>
-      <a:fontRef idx="minor">
-        <a:schemeClr val="lt1"/>
-      </a:fontRef>
-    </dgm:style>
-  </dgm:styleLbl>
-  <dgm:styleLbl name="parChTrans2D2">
-    <dgm:scene3d>
-      <a:camera prst="orthographicFront"/>
-      <a:lightRig rig="threePt" dir="t"/>
-    </dgm:scene3d>
-    <dgm:sp3d/>
-    <dgm:txPr/>
-    <dgm:style>
-      <a:lnRef idx="0">
-        <a:scrgbClr r="0" g="0" b="0"/>
-      </a:lnRef>
-      <a:fillRef idx="3">
-        <a:scrgbClr r="0" g="0" b="0"/>
-      </a:fillRef>
-      <a:effectRef idx="2">
-        <a:scrgbClr r="0" g="0" b="0"/>
-      </a:effectRef>
-      <a:fontRef idx="minor">
-        <a:schemeClr val="lt1"/>
-      </a:fontRef>
-    </dgm:style>
-  </dgm:styleLbl>
-  <dgm:styleLbl name="parChTrans2D3">
-    <dgm:scene3d>
-      <a:camera prst="orthographicFront"/>
-      <a:lightRig rig="threePt" dir="t"/>
-    </dgm:scene3d>
-    <dgm:sp3d/>
-    <dgm:txPr/>
-    <dgm:style>
-      <a:lnRef idx="1">
-        <a:scrgbClr r="0" g="0" b="0"/>
-      </a:lnRef>
-      <a:fillRef idx="3">
-        <a:scrgbClr r="0" g="0" b="0"/>
-      </a:fillRef>
-      <a:effectRef idx="2">
-        <a:scrgbClr r="0" g="0" b="0"/>
-      </a:effectRef>
-      <a:fontRef idx="minor">
-        <a:schemeClr val="lt1"/>
-      </a:fontRef>
-    </dgm:style>
-  </dgm:styleLbl>
-  <dgm:styleLbl name="parChTrans2D4">
-    <dgm:scene3d>
-      <a:camera prst="orthographicFront"/>
-      <a:lightRig rig="threePt" dir="t"/>
-    </dgm:scene3d>
-    <dgm:sp3d/>
-    <dgm:txPr/>
-    <dgm:style>
-      <a:lnRef idx="1">
-        <a:scrgbClr r="0" g="0" b="0"/>
-      </a:lnRef>
-      <a:fillRef idx="3">
-        <a:scrgbClr r="0" g="0" b="0"/>
-      </a:fillRef>
-      <a:effectRef idx="2">
-        <a:scrgbClr r="0" g="0" b="0"/>
-      </a:effectRef>
-      <a:fontRef idx="minor">
-        <a:schemeClr val="lt1"/>
-      </a:fontRef>
-    </dgm:style>
-  </dgm:styleLbl>
-  <dgm:styleLbl name="parChTrans1D1">
-    <dgm:scene3d>
-      <a:camera prst="orthographicFront"/>
-      <a:lightRig rig="threePt" dir="t"/>
-    </dgm:scene3d>
-    <dgm:sp3d/>
-    <dgm:txPr/>
-    <dgm:style>
-      <a:lnRef idx="1">
-        <a:scrgbClr r="0" g="0" b="0"/>
-      </a:lnRef>
-      <a:fillRef idx="0">
-        <a:scrgbClr r="0" g="0" b="0"/>
-      </a:fillRef>
-      <a:effectRef idx="0">
-        <a:scrgbClr r="0" g="0" b="0"/>
-      </a:effectRef>
-      <a:fontRef idx="minor"/>
-    </dgm:style>
-  </dgm:styleLbl>
-  <dgm:styleLbl name="parChTrans1D2">
-    <dgm:scene3d>
-      <a:camera prst="orthographicFront"/>
-      <a:lightRig rig="threePt" dir="t"/>
-    </dgm:scene3d>
-    <dgm:sp3d/>
-    <dgm:txPr/>
-    <dgm:style>
-      <a:lnRef idx="1">
-        <a:scrgbClr r="0" g="0" b="0"/>
-      </a:lnRef>
-      <a:fillRef idx="0">
-        <a:scrgbClr r="0" g="0" b="0"/>
-      </a:fillRef>
-      <a:effectRef idx="0">
-        <a:scrgbClr r="0" g="0" b="0"/>
-      </a:effectRef>
-      <a:fontRef idx="minor"/>
-    </dgm:style>
-  </dgm:styleLbl>
-  <dgm:styleLbl name="parChTrans1D3">
-    <dgm:scene3d>
-      <a:camera prst="orthographicFront"/>
-      <a:lightRig rig="threePt" dir="t"/>
-    </dgm:scene3d>
-    <dgm:sp3d/>
-    <dgm:txPr/>
-    <dgm:style>
-      <a:lnRef idx="1">
-        <a:scrgbClr r="0" g="0" b="0"/>
-      </a:lnRef>
-      <a:fillRef idx="0">
-        <a:scrgbClr r="0" g="0" b="0"/>
-      </a:fillRef>
-      <a:effectRef idx="0">
-        <a:scrgbClr r="0" g="0" b="0"/>
-      </a:effectRef>
-      <a:fontRef idx="minor"/>
-    </dgm:style>
-  </dgm:styleLbl>
-  <dgm:styleLbl name="parChTrans1D4">
-    <dgm:scene3d>
-      <a:camera prst="orthographicFront"/>
-      <a:lightRig rig="threePt" dir="t"/>
-    </dgm:scene3d>
-    <dgm:sp3d/>
-    <dgm:txPr/>
-    <dgm:style>
-      <a:lnRef idx="1">
-        <a:scrgbClr r="0" g="0" b="0"/>
-      </a:lnRef>
-      <a:fillRef idx="0">
-        <a:scrgbClr r="0" g="0" b="0"/>
-      </a:fillRef>
-      <a:effectRef idx="0">
-        <a:scrgbClr r="0" g="0" b="0"/>
-      </a:effectRef>
-      <a:fontRef idx="minor"/>
-    </dgm:style>
-  </dgm:styleLbl>
-  <dgm:styleLbl name="fgAcc1">
-    <dgm:scene3d>
-      <a:camera prst="orthographicFront"/>
-      <a:lightRig rig="threePt" dir="t"/>
-    </dgm:scene3d>
-    <dgm:sp3d/>
-    <dgm:txPr/>
-    <dgm:style>
-      <a:lnRef idx="1">
-        <a:scrgbClr r="0" g="0" b="0"/>
-      </a:lnRef>
-      <a:fillRef idx="1">
-        <a:scrgbClr r="0" g="0" b="0"/>
-      </a:fillRef>
-      <a:effectRef idx="0">
-        <a:scrgbClr r="0" g="0" b="0"/>
-      </a:effectRef>
-      <a:fontRef idx="minor"/>
-    </dgm:style>
-  </dgm:styleLbl>
-  <dgm:styleLbl name="conFgAcc1">
-    <dgm:scene3d>
-      <a:camera prst="orthographicFront"/>
-      <a:lightRig rig="threePt" dir="t"/>
-    </dgm:scene3d>
-    <dgm:sp3d/>
-    <dgm:txPr/>
-    <dgm:style>
-      <a:lnRef idx="1">
-        <a:scrgbClr r="0" g="0" b="0"/>
-      </a:lnRef>
-      <a:fillRef idx="1">
-        <a:scrgbClr r="0" g="0" b="0"/>
-      </a:fillRef>
-      <a:effectRef idx="0">
-        <a:scrgbClr r="0" g="0" b="0"/>
-      </a:effectRef>
-      <a:fontRef idx="minor"/>
-    </dgm:style>
-  </dgm:styleLbl>
-  <dgm:styleLbl name="alignAcc1">
-    <dgm:scene3d>
-      <a:camera prst="orthographicFront"/>
-      <a:lightRig rig="threePt" dir="t"/>
-    </dgm:scene3d>
-    <dgm:sp3d/>
-    <dgm:txPr/>
-    <dgm:style>
-      <a:lnRef idx="1">
-        <a:scrgbClr r="0" g="0" b="0"/>
-      </a:lnRef>
-      <a:fillRef idx="1">
-        <a:scrgbClr r="0" g="0" b="0"/>
-      </a:fillRef>
-      <a:effectRef idx="0">
-        <a:scrgbClr r="0" g="0" b="0"/>
-      </a:effectRef>
-      <a:fontRef idx="minor"/>
-    </dgm:style>
-  </dgm:styleLbl>
-  <dgm:styleLbl name="trAlignAcc1">
-    <dgm:scene3d>
-      <a:camera prst="orthographicFront"/>
-      <a:lightRig rig="threePt" dir="t"/>
-    </dgm:scene3d>
-    <dgm:sp3d/>
-    <dgm:txPr/>
-    <dgm:style>
-      <a:lnRef idx="1">
-        <a:scrgbClr r="0" g="0" b="0"/>
-      </a:lnRef>
-      <a:fillRef idx="1">
-        <a:scrgbClr r="0" g="0" b="0"/>
-      </a:fillRef>
-      <a:effectRef idx="0">
-        <a:scrgbClr r="0" g="0" b="0"/>
-      </a:effectRef>
-      <a:fontRef idx="minor"/>
-    </dgm:style>
-  </dgm:styleLbl>
-  <dgm:styleLbl name="bgAcc1">
-    <dgm:scene3d>
-      <a:camera prst="orthographicFront"/>
-      <a:lightRig rig="threePt" dir="t"/>
-    </dgm:scene3d>
-    <dgm:sp3d/>
-    <dgm:txPr/>
-    <dgm:style>
-      <a:lnRef idx="1">
-        <a:scrgbClr r="0" g="0" b="0"/>
-      </a:lnRef>
-      <a:fillRef idx="1">
-        <a:scrgbClr r="0" g="0" b="0"/>
-      </a:fillRef>
-      <a:effectRef idx="0">
-        <a:scrgbClr r="0" g="0" b="0"/>
-      </a:effectRef>
-      <a:fontRef idx="minor"/>
-    </dgm:style>
-  </dgm:styleLbl>
-  <dgm:styleLbl name="solidFgAcc1">
-    <dgm:scene3d>
-      <a:camera prst="orthographicFront"/>
-      <a:lightRig rig="threePt" dir="t"/>
-    </dgm:scene3d>
-    <dgm:sp3d/>
-    <dgm:txPr/>
-    <dgm:style>
-      <a:lnRef idx="1">
-        <a:scrgbClr r="0" g="0" b="0"/>
-      </a:lnRef>
-      <a:fillRef idx="1">
-        <a:scrgbClr r="0" g="0" b="0"/>
-      </a:fillRef>
-      <a:effectRef idx="0">
-        <a:scrgbClr r="0" g="0" b="0"/>
-      </a:effectRef>
-      <a:fontRef idx="minor"/>
-    </dgm:style>
-  </dgm:styleLbl>
-  <dgm:styleLbl name="solidAlignAcc1">
-    <dgm:scene3d>
-      <a:camera prst="orthographicFront"/>
-      <a:lightRig rig="threePt" dir="t"/>
-    </dgm:scene3d>
-    <dgm:sp3d/>
-    <dgm:txPr/>
-    <dgm:style>
-      <a:lnRef idx="1">
-        <a:scrgbClr r="0" g="0" b="0"/>
-      </a:lnRef>
-      <a:fillRef idx="1">
-        <a:scrgbClr r="0" g="0" b="0"/>
-      </a:fillRef>
-      <a:effectRef idx="0">
-        <a:scrgbClr r="0" g="0" b="0"/>
-      </a:effectRef>
-      <a:fontRef idx="minor"/>
-    </dgm:style>
-  </dgm:styleLbl>
-  <dgm:styleLbl name="solidBgAcc1">
-    <dgm:scene3d>
-      <a:camera prst="orthographicFront"/>
-      <a:lightRig rig="threePt" dir="t"/>
-    </dgm:scene3d>
-    <dgm:sp3d/>
-    <dgm:txPr/>
-    <dgm:style>
-      <a:lnRef idx="1">
-        <a:scrgbClr r="0" g="0" b="0"/>
-      </a:lnRef>
-      <a:fillRef idx="1">
-        <a:scrgbClr r="0" g="0" b="0"/>
-      </a:fillRef>
-      <a:effectRef idx="0">
-        <a:scrgbClr r="0" g="0" b="0"/>
-      </a:effectRef>
-      <a:fontRef idx="minor"/>
-    </dgm:style>
-  </dgm:styleLbl>
-  <dgm:styleLbl name="fgAccFollowNode1">
-    <dgm:scene3d>
-      <a:camera prst="orthographicFront"/>
-      <a:lightRig rig="threePt" dir="t"/>
-    </dgm:scene3d>
-    <dgm:sp3d/>
-    <dgm:txPr/>
-    <dgm:style>
-      <a:lnRef idx="1">
-        <a:scrgbClr r="0" g="0" b="0"/>
-      </a:lnRef>
-      <a:fillRef idx="1">
-        <a:scrgbClr r="0" g="0" b="0"/>
-      </a:fillRef>
-      <a:effectRef idx="0">
-        <a:scrgbClr r="0" g="0" b="0"/>
-      </a:effectRef>
-      <a:fontRef idx="minor"/>
-    </dgm:style>
-  </dgm:styleLbl>
-  <dgm:styleLbl name="alignAccFollowNode1">
-    <dgm:scene3d>
-      <a:camera prst="orthographicFront"/>
-      <a:lightRig rig="threePt" dir="t"/>
-    </dgm:scene3d>
-    <dgm:sp3d/>
-    <dgm:txPr/>
-    <dgm:style>
-      <a:lnRef idx="1">
-        <a:scrgbClr r="0" g="0" b="0"/>
-      </a:lnRef>
-      <a:fillRef idx="1">
-        <a:scrgbClr r="0" g="0" b="0"/>
-      </a:fillRef>
-      <a:effectRef idx="0">
-        <a:scrgbClr r="0" g="0" b="0"/>
-      </a:effectRef>
-      <a:fontRef idx="minor"/>
-    </dgm:style>
-  </dgm:styleLbl>
-  <dgm:styleLbl name="bgAccFollowNode1">
-    <dgm:scene3d>
-      <a:camera prst="orthographicFront"/>
-      <a:lightRig rig="threePt" dir="t"/>
-    </dgm:scene3d>
-    <dgm:sp3d/>
-    <dgm:txPr/>
-    <dgm:style>
-      <a:lnRef idx="1">
-        <a:scrgbClr r="0" g="0" b="0"/>
-      </a:lnRef>
-      <a:fillRef idx="1">
-        <a:scrgbClr r="0" g="0" b="0"/>
-      </a:fillRef>
-      <a:effectRef idx="0">
-        <a:scrgbClr r="0" g="0" b="0"/>
-      </a:effectRef>
-      <a:fontRef idx="minor"/>
-    </dgm:style>
-  </dgm:styleLbl>
-  <dgm:styleLbl name="fgAcc0">
-    <dgm:scene3d>
-      <a:camera prst="orthographicFront"/>
-      <a:lightRig rig="threePt" dir="t"/>
-    </dgm:scene3d>
-    <dgm:sp3d/>
-    <dgm:txPr/>
-    <dgm:style>
-      <a:lnRef idx="1">
-        <a:scrgbClr r="0" g="0" b="0"/>
-      </a:lnRef>
-      <a:fillRef idx="1">
-        <a:scrgbClr r="0" g="0" b="0"/>
-      </a:fillRef>
-      <a:effectRef idx="0">
-        <a:scrgbClr r="0" g="0" b="0"/>
-      </a:effectRef>
-      <a:fontRef idx="minor"/>
-    </dgm:style>
-  </dgm:styleLbl>
-  <dgm:styleLbl name="fgAcc2">
-    <dgm:scene3d>
-      <a:camera prst="orthographicFront"/>
-      <a:lightRig rig="threePt" dir="t"/>
-    </dgm:scene3d>
-    <dgm:sp3d/>
-    <dgm:txPr/>
-    <dgm:style>
-      <a:lnRef idx="1">
-        <a:scrgbClr r="0" g="0" b="0"/>
-      </a:lnRef>
-      <a:fillRef idx="1">
-        <a:scrgbClr r="0" g="0" b="0"/>
-      </a:fillRef>
-      <a:effectRef idx="0">
-        <a:scrgbClr r="0" g="0" b="0"/>
-      </a:effectRef>
-      <a:fontRef idx="minor"/>
-    </dgm:style>
-  </dgm:styleLbl>
-  <dgm:styleLbl name="fgAcc3">
-    <dgm:scene3d>
-      <a:camera prst="orthographicFront"/>
-      <a:lightRig rig="threePt" dir="t"/>
-    </dgm:scene3d>
-    <dgm:sp3d/>
-    <dgm:txPr/>
-    <dgm:style>
-      <a:lnRef idx="1">
-        <a:scrgbClr r="0" g="0" b="0"/>
-      </a:lnRef>
-      <a:fillRef idx="1">
-        <a:scrgbClr r="0" g="0" b="0"/>
-      </a:fillRef>
-      <a:effectRef idx="0">
-        <a:scrgbClr r="0" g="0" b="0"/>
-      </a:effectRef>
-      <a:fontRef idx="minor"/>
-    </dgm:style>
-  </dgm:styleLbl>
-  <dgm:styleLbl name="fgAcc4">
-    <dgm:scene3d>
-      <a:camera prst="orthographicFront"/>
-      <a:lightRig rig="threePt" dir="t"/>
-    </dgm:scene3d>
-    <dgm:sp3d/>
-    <dgm:txPr/>
-    <dgm:style>
-      <a:lnRef idx="1">
-        <a:scrgbClr r="0" g="0" b="0"/>
-      </a:lnRef>
-      <a:fillRef idx="1">
-        <a:scrgbClr r="0" g="0" b="0"/>
-      </a:fillRef>
-      <a:effectRef idx="0">
-        <a:scrgbClr r="0" g="0" b="0"/>
-      </a:effectRef>
-      <a:fontRef idx="minor"/>
-    </dgm:style>
-  </dgm:styleLbl>
-  <dgm:styleLbl name="bgShp">
-    <dgm:scene3d>
-      <a:camera prst="orthographicFront"/>
-      <a:lightRig rig="threePt" dir="t"/>
-    </dgm:scene3d>
-    <dgm:sp3d/>
-    <dgm:txPr/>
-    <dgm:style>
-      <a:lnRef idx="0">
-        <a:scrgbClr r="0" g="0" b="0"/>
-      </a:lnRef>
-      <a:fillRef idx="1">
-        <a:scrgbClr r="0" g="0" b="0"/>
-      </a:fillRef>
-      <a:effectRef idx="2">
-        <a:scrgbClr r="0" g="0" b="0"/>
-      </a:effectRef>
-      <a:fontRef idx="minor"/>
-    </dgm:style>
-  </dgm:styleLbl>
-  <dgm:styleLbl name="dkBgShp">
-    <dgm:scene3d>
-      <a:camera prst="orthographicFront"/>
-      <a:lightRig rig="threePt" dir="t"/>
-    </dgm:scene3d>
-    <dgm:sp3d/>
-    <dgm:txPr/>
-    <dgm:style>
-      <a:lnRef idx="0">
-        <a:scrgbClr r="0" g="0" b="0"/>
-      </a:lnRef>
-      <a:fillRef idx="1">
-        <a:scrgbClr r="0" g="0" b="0"/>
-      </a:fillRef>
-      <a:effectRef idx="2">
-        <a:scrgbClr r="0" g="0" b="0"/>
-      </a:effectRef>
-      <a:fontRef idx="minor"/>
-    </dgm:style>
-  </dgm:styleLbl>
-  <dgm:styleLbl name="trBgShp">
-    <dgm:scene3d>
-      <a:camera prst="orthographicFront"/>
-      <a:lightRig rig="threePt" dir="t"/>
-    </dgm:scene3d>
-    <dgm:sp3d/>
-    <dgm:txPr/>
-    <dgm:style>
-      <a:lnRef idx="0">
-        <a:scrgbClr r="0" g="0" b="0"/>
-      </a:lnRef>
-      <a:fillRef idx="1">
-        <a:scrgbClr r="0" g="0" b="0"/>
-      </a:fillRef>
-      <a:effectRef idx="0">
-        <a:scrgbClr r="0" g="0" b="0"/>
-      </a:effectRef>
-      <a:fontRef idx="minor"/>
-    </dgm:style>
-  </dgm:styleLbl>
-  <dgm:styleLbl name="fgShp">
-    <dgm:scene3d>
-      <a:camera prst="orthographicFront"/>
-      <a:lightRig rig="threePt" dir="t"/>
-    </dgm:scene3d>
-    <dgm:sp3d/>
-    <dgm:txPr/>
-    <dgm:style>
-      <a:lnRef idx="0">
-        <a:scrgbClr r="0" g="0" b="0"/>
-      </a:lnRef>
-      <a:fillRef idx="3">
-        <a:scrgbClr r="0" g="0" b="0"/>
-      </a:fillRef>
-      <a:effectRef idx="2">
-        <a:scrgbClr r="0" g="0" b="0"/>
-      </a:effectRef>
-      <a:fontRef idx="minor"/>
-    </dgm:style>
-  </dgm:styleLbl>
-  <dgm:styleLbl name="revTx">
-    <dgm:scene3d>
-      <a:camera prst="orthographicFront"/>
-      <a:lightRig rig="threePt" dir="t"/>
-    </dgm:scene3d>
-    <dgm:sp3d/>
-    <dgm:txPr/>
-    <dgm:style>
-      <a:lnRef idx="0">
-        <a:scrgbClr r="0" g="0" b="0"/>
-      </a:lnRef>
-      <a:fillRef idx="0">
-        <a:scrgbClr r="0" g="0" b="0"/>
-      </a:fillRef>
-      <a:effectRef idx="0">
-        <a:scrgbClr r="0" g="0" b="0"/>
-      </a:effectRef>
-      <a:fontRef idx="minor"/>
-    </dgm:style>
-  </dgm:styleLbl>
-</dgm:styleDef>
-</file>
-
-<file path=ppt/diagrams/quickStyle3.xml><?xml version="1.0" encoding="utf-8"?>
 <dgm:styleDef xmlns:dgm="http://schemas.openxmlformats.org/drawingml/2006/diagram" xmlns:a="http://schemas.openxmlformats.org/drawingml/2006/main" uniqueId="urn:microsoft.com/office/officeart/2005/8/quickstyle/simple4">
   <dgm:title val=""/>
   <dgm:desc val=""/>
@@ -14685,7 +10575,15 @@
           <a:p>
             <a:r>
               <a:rPr lang="en-US" dirty="0"/>
-              <a:t>Researchers have discovered that software systems tend to look like our spoken/written languages in that they contain “regularities” – and by that we mean most of our language uses the same combination of phrases, logic etc.</a:t>
+              <a:t>Present our work in context of the larger goal: a step towards </a:t>
+            </a:r>
+            <a:r>
+              <a:rPr lang="en-US" dirty="0" err="1"/>
+              <a:t>clippy</a:t>
+            </a:r>
+            <a:r>
+              <a:rPr lang="en-US" dirty="0"/>
+              <a:t> </a:t>
             </a:r>
           </a:p>
         </p:txBody>
@@ -14707,6 +10605,99 @@
           <a:p>
             <a:fld id="{F49BE409-5689-8842-BA33-FFFC974D2438}" type="slidenum">
               <a:rPr lang="en-US" smtClean="0"/>
+              <a:t>4</a:t>
+            </a:fld>
+            <a:endParaRPr lang="en-US"/>
+          </a:p>
+        </p:txBody>
+      </p:sp>
+    </p:spTree>
+    <p:extLst>
+      <p:ext uri="{BB962C8B-B14F-4D97-AF65-F5344CB8AC3E}">
+        <p14:creationId xmlns:p14="http://schemas.microsoft.com/office/powerpoint/2010/main" val="228861813"/>
+      </p:ext>
+    </p:extLst>
+  </p:cSld>
+  <p:clrMapOvr>
+    <a:masterClrMapping/>
+  </p:clrMapOvr>
+</p:notes>
+</file>
+
+<file path=ppt/notesSlides/notesSlide2.xml><?xml version="1.0" encoding="utf-8"?>
+<p:notes xmlns:a="http://schemas.openxmlformats.org/drawingml/2006/main" xmlns:r="http://schemas.openxmlformats.org/officeDocument/2006/relationships" xmlns:p="http://schemas.openxmlformats.org/presentationml/2006/main">
+  <p:cSld>
+    <p:spTree>
+      <p:nvGrpSpPr>
+        <p:cNvPr id="1" name=""/>
+        <p:cNvGrpSpPr/>
+        <p:nvPr/>
+      </p:nvGrpSpPr>
+      <p:grpSpPr>
+        <a:xfrm>
+          <a:off x="0" y="0"/>
+          <a:ext cx="0" cy="0"/>
+          <a:chOff x="0" y="0"/>
+          <a:chExt cx="0" cy="0"/>
+        </a:xfrm>
+      </p:grpSpPr>
+      <p:sp>
+        <p:nvSpPr>
+          <p:cNvPr id="2" name="Slide Image Placeholder 1"/>
+          <p:cNvSpPr>
+            <a:spLocks noGrp="1" noRot="1" noChangeAspect="1"/>
+          </p:cNvSpPr>
+          <p:nvPr>
+            <p:ph type="sldImg"/>
+          </p:nvPr>
+        </p:nvSpPr>
+        <p:spPr/>
+      </p:sp>
+      <p:sp>
+        <p:nvSpPr>
+          <p:cNvPr id="3" name="Notes Placeholder 2"/>
+          <p:cNvSpPr>
+            <a:spLocks noGrp="1"/>
+          </p:cNvSpPr>
+          <p:nvPr>
+            <p:ph type="body" idx="1"/>
+          </p:nvPr>
+        </p:nvSpPr>
+        <p:spPr/>
+        <p:txBody>
+          <a:bodyPr/>
+          <a:lstStyle/>
+          <a:p>
+            <a:r>
+              <a:rPr lang="en-US" dirty="0"/>
+              <a:t>Researchers have discovered that software systems tend to look like our spoken/written languages in that they contain “regularities” – and by that we mean most of our language uses the same combination of phrases, logic etc.</a:t>
+            </a:r>
+          </a:p>
+          <a:p>
+            <a:endParaRPr lang="en-US" dirty="0"/>
+          </a:p>
+          <a:p>
+            <a:endParaRPr lang="en-US" dirty="0"/>
+          </a:p>
+        </p:txBody>
+      </p:sp>
+      <p:sp>
+        <p:nvSpPr>
+          <p:cNvPr id="4" name="Slide Number Placeholder 3"/>
+          <p:cNvSpPr>
+            <a:spLocks noGrp="1"/>
+          </p:cNvSpPr>
+          <p:nvPr>
+            <p:ph type="sldNum" sz="quarter" idx="10"/>
+          </p:nvPr>
+        </p:nvSpPr>
+        <p:spPr/>
+        <p:txBody>
+          <a:bodyPr/>
+          <a:lstStyle/>
+          <a:p>
+            <a:fld id="{F49BE409-5689-8842-BA33-FFFC974D2438}" type="slidenum">
+              <a:rPr lang="en-US" smtClean="0"/>
               <a:t>7</a:t>
             </a:fld>
             <a:endParaRPr lang="en-US"/>
@@ -14717,6 +10708,90 @@
     <p:extLst>
       <p:ext uri="{BB962C8B-B14F-4D97-AF65-F5344CB8AC3E}">
         <p14:creationId xmlns:p14="http://schemas.microsoft.com/office/powerpoint/2010/main" val="15470329"/>
+      </p:ext>
+    </p:extLst>
+  </p:cSld>
+  <p:clrMapOvr>
+    <a:masterClrMapping/>
+  </p:clrMapOvr>
+</p:notes>
+</file>
+
+<file path=ppt/notesSlides/notesSlide3.xml><?xml version="1.0" encoding="utf-8"?>
+<p:notes xmlns:a="http://schemas.openxmlformats.org/drawingml/2006/main" xmlns:r="http://schemas.openxmlformats.org/officeDocument/2006/relationships" xmlns:p="http://schemas.openxmlformats.org/presentationml/2006/main">
+  <p:cSld>
+    <p:spTree>
+      <p:nvGrpSpPr>
+        <p:cNvPr id="1" name=""/>
+        <p:cNvGrpSpPr/>
+        <p:nvPr/>
+      </p:nvGrpSpPr>
+      <p:grpSpPr>
+        <a:xfrm>
+          <a:off x="0" y="0"/>
+          <a:ext cx="0" cy="0"/>
+          <a:chOff x="0" y="0"/>
+          <a:chExt cx="0" cy="0"/>
+        </a:xfrm>
+      </p:grpSpPr>
+      <p:sp>
+        <p:nvSpPr>
+          <p:cNvPr id="2" name="Slide Image Placeholder 1"/>
+          <p:cNvSpPr>
+            <a:spLocks noGrp="1" noRot="1" noChangeAspect="1"/>
+          </p:cNvSpPr>
+          <p:nvPr>
+            <p:ph type="sldImg"/>
+          </p:nvPr>
+        </p:nvSpPr>
+        <p:spPr/>
+      </p:sp>
+      <p:sp>
+        <p:nvSpPr>
+          <p:cNvPr id="3" name="Notes Placeholder 2"/>
+          <p:cNvSpPr>
+            <a:spLocks noGrp="1"/>
+          </p:cNvSpPr>
+          <p:nvPr>
+            <p:ph type="body" idx="1"/>
+          </p:nvPr>
+        </p:nvSpPr>
+        <p:spPr/>
+        <p:txBody>
+          <a:bodyPr/>
+          <a:lstStyle/>
+          <a:p>
+            <a:endParaRPr lang="en-US" dirty="0"/>
+          </a:p>
+        </p:txBody>
+      </p:sp>
+      <p:sp>
+        <p:nvSpPr>
+          <p:cNvPr id="4" name="Slide Number Placeholder 3"/>
+          <p:cNvSpPr>
+            <a:spLocks noGrp="1"/>
+          </p:cNvSpPr>
+          <p:nvPr>
+            <p:ph type="sldNum" sz="quarter" idx="10"/>
+          </p:nvPr>
+        </p:nvSpPr>
+        <p:spPr/>
+        <p:txBody>
+          <a:bodyPr/>
+          <a:lstStyle/>
+          <a:p>
+            <a:fld id="{F49BE409-5689-8842-BA33-FFFC974D2438}" type="slidenum">
+              <a:rPr lang="en-US" smtClean="0"/>
+              <a:t>8</a:t>
+            </a:fld>
+            <a:endParaRPr lang="en-US"/>
+          </a:p>
+        </p:txBody>
+      </p:sp>
+    </p:spTree>
+    <p:extLst>
+      <p:ext uri="{BB962C8B-B14F-4D97-AF65-F5344CB8AC3E}">
+        <p14:creationId xmlns:p14="http://schemas.microsoft.com/office/powerpoint/2010/main" val="1056491258"/>
       </p:ext>
     </p:extLst>
   </p:cSld>
@@ -14941,10 +11016,9 @@
           <a:bodyPr/>
           <a:lstStyle/>
           <a:p>
-            <a:fld id="{48A87A34-81AB-432B-8DAE-1953F412C126}" type="datetimeFigureOut">
+            <a:fld id="{C9EC861A-1F0C-744A-84D0-7C9AAB3786C9}" type="datetime1">
               <a:rPr lang="en-US" smtClean="0"/>
-              <a:pPr/>
-              <a:t>4/24/18</a:t>
+              <a:t>4/27/18</a:t>
             </a:fld>
             <a:endParaRPr lang="en-US" dirty="0"/>
           </a:p>
@@ -15277,9 +11351,9 @@
           <a:bodyPr/>
           <a:lstStyle/>
           <a:p>
-            <a:fld id="{48A87A34-81AB-432B-8DAE-1953F412C126}" type="datetimeFigureOut">
+            <a:fld id="{085C0705-305D-1947-B375-615969C78305}" type="datetime1">
               <a:rPr lang="en-US" smtClean="0"/>
-              <a:t>4/24/18</a:t>
+              <a:t>4/27/18</a:t>
             </a:fld>
             <a:endParaRPr lang="en-US" dirty="0"/>
           </a:p>
@@ -15580,9 +11654,9 @@
           <a:bodyPr/>
           <a:lstStyle/>
           <a:p>
-            <a:fld id="{48A87A34-81AB-432B-8DAE-1953F412C126}" type="datetimeFigureOut">
+            <a:fld id="{505993C2-3383-3D45-B934-7D563DF0A331}" type="datetime1">
               <a:rPr lang="en-US" smtClean="0"/>
-              <a:t>4/24/18</a:t>
+              <a:t>4/27/18</a:t>
             </a:fld>
             <a:endParaRPr lang="en-US" dirty="0"/>
           </a:p>
@@ -15828,9 +11902,9 @@
           <a:bodyPr/>
           <a:lstStyle/>
           <a:p>
-            <a:fld id="{48A87A34-81AB-432B-8DAE-1953F412C126}" type="datetimeFigureOut">
+            <a:fld id="{51A9D42D-BE17-1048-9024-8A41131D2766}" type="datetime1">
               <a:rPr lang="en-US" smtClean="0"/>
-              <a:t>4/24/18</a:t>
+              <a:t>4/27/18</a:t>
             </a:fld>
             <a:endParaRPr lang="en-US" dirty="0"/>
           </a:p>
@@ -16236,9 +12310,9 @@
           <a:bodyPr/>
           <a:lstStyle/>
           <a:p>
-            <a:fld id="{48A87A34-81AB-432B-8DAE-1953F412C126}" type="datetimeFigureOut">
+            <a:fld id="{677A8BB9-6AE0-0D4A-B263-8BFEFAE12FCF}" type="datetime1">
               <a:rPr lang="en-US" smtClean="0"/>
-              <a:t>4/24/18</a:t>
+              <a:t>4/27/18</a:t>
             </a:fld>
             <a:endParaRPr lang="en-US" dirty="0"/>
           </a:p>
@@ -16551,9 +12625,9 @@
           <a:bodyPr/>
           <a:lstStyle/>
           <a:p>
-            <a:fld id="{48A87A34-81AB-432B-8DAE-1953F412C126}" type="datetimeFigureOut">
+            <a:fld id="{E1B61537-1452-5B48-B068-4BD78A701136}" type="datetime1">
               <a:rPr lang="en-US" smtClean="0"/>
-              <a:t>4/24/18</a:t>
+              <a:t>4/27/18</a:t>
             </a:fld>
             <a:endParaRPr lang="en-US" dirty="0"/>
           </a:p>
@@ -17096,9 +13170,9 @@
           <a:bodyPr/>
           <a:lstStyle/>
           <a:p>
-            <a:fld id="{48A87A34-81AB-432B-8DAE-1953F412C126}" type="datetimeFigureOut">
+            <a:fld id="{DD70666A-7DC2-B94B-9678-99A23E5D620C}" type="datetime1">
               <a:rPr lang="en-US" smtClean="0"/>
-              <a:t>4/24/18</a:t>
+              <a:t>4/27/18</a:t>
             </a:fld>
             <a:endParaRPr lang="en-US" dirty="0"/>
           </a:p>
@@ -17292,9 +13366,9 @@
           <a:bodyPr/>
           <a:lstStyle/>
           <a:p>
-            <a:fld id="{48A87A34-81AB-432B-8DAE-1953F412C126}" type="datetimeFigureOut">
+            <a:fld id="{6A7AEBC1-B868-214C-965D-76A7D2E7B07F}" type="datetime1">
               <a:rPr lang="en-US" smtClean="0"/>
-              <a:t>4/24/18</a:t>
+              <a:t>4/27/18</a:t>
             </a:fld>
             <a:endParaRPr lang="en-US" dirty="0"/>
           </a:p>
@@ -17506,9 +13580,9 @@
           <a:bodyPr/>
           <a:lstStyle/>
           <a:p>
-            <a:fld id="{48A87A34-81AB-432B-8DAE-1953F412C126}" type="datetimeFigureOut">
+            <a:fld id="{C0558313-3C42-2148-A548-6151C82DA30D}" type="datetime1">
               <a:rPr lang="en-US" smtClean="0"/>
-              <a:t>4/24/18</a:t>
+              <a:t>4/27/18</a:t>
             </a:fld>
             <a:endParaRPr lang="en-US" dirty="0"/>
           </a:p>
@@ -17876,9 +13950,9 @@
           <a:bodyPr/>
           <a:lstStyle/>
           <a:p>
-            <a:fld id="{48A87A34-81AB-432B-8DAE-1953F412C126}" type="datetimeFigureOut">
+            <a:fld id="{E6FF4B98-E8AE-7A42-8C0A-BABFD61FC319}" type="datetime1">
               <a:rPr lang="en-US" smtClean="0"/>
-              <a:t>4/24/18</a:t>
+              <a:t>4/27/18</a:t>
             </a:fld>
             <a:endParaRPr lang="en-US" dirty="0"/>
           </a:p>
@@ -18280,9 +14354,9 @@
           <a:bodyPr/>
           <a:lstStyle/>
           <a:p>
-            <a:fld id="{48A87A34-81AB-432B-8DAE-1953F412C126}" type="datetimeFigureOut">
+            <a:fld id="{76C677ED-0C49-2A49-B260-648423C5E062}" type="datetime1">
               <a:rPr lang="en-US" smtClean="0"/>
-              <a:t>4/24/18</a:t>
+              <a:t>4/27/18</a:t>
             </a:fld>
             <a:endParaRPr lang="en-US" dirty="0"/>
           </a:p>
@@ -18619,10 +14693,9 @@
             </a:lvl1pPr>
           </a:lstStyle>
           <a:p>
-            <a:fld id="{48A87A34-81AB-432B-8DAE-1953F412C126}" type="datetimeFigureOut">
+            <a:fld id="{85379E05-B417-D645-B173-FD935FED8562}" type="datetime1">
               <a:rPr lang="en-US" smtClean="0"/>
-              <a:pPr/>
-              <a:t>4/24/18</a:t>
+              <a:t>4/27/18</a:t>
             </a:fld>
             <a:endParaRPr lang="en-US" dirty="0"/>
           </a:p>
@@ -18766,6 +14839,7 @@
     <p:sldLayoutId id="2147483898" r:id="rId10"/>
     <p:sldLayoutId id="2147483899" r:id="rId11"/>
   </p:sldLayoutIdLst>
+  <p:hf hdr="0" ftr="0" dt="0"/>
   <p:txStyles>
     <p:titleStyle>
       <a:lvl1pPr algn="r" defTabSz="914400" rtl="0" eaLnBrk="1" latinLnBrk="0" hangingPunct="1">
@@ -19155,12 +15229,23 @@
             <p:ph type="ctrTitle"/>
           </p:nvPr>
         </p:nvSpPr>
-        <p:spPr/>
+        <p:spPr>
+          <a:xfrm>
+            <a:off x="1033669" y="198783"/>
+            <a:ext cx="7871791" cy="2693504"/>
+          </a:xfrm>
+        </p:spPr>
         <p:txBody>
-          <a:bodyPr/>
+          <a:bodyPr>
+            <a:normAutofit/>
+          </a:bodyPr>
           <a:lstStyle/>
           <a:p>
-            <a:endParaRPr lang="en-US" dirty="0"/>
+            <a:pPr algn="ctr"/>
+            <a:r>
+              <a:rPr lang="en-US" dirty="0"/>
+              <a:t>Auto-completion for Writing Network Configurations </a:t>
+            </a:r>
           </a:p>
         </p:txBody>
       </p:sp>
@@ -19180,12 +15265,49 @@
             <p:ph type="subTitle" idx="1"/>
           </p:nvPr>
         </p:nvSpPr>
+        <p:spPr>
+          <a:xfrm>
+            <a:off x="2722025" y="3421726"/>
+            <a:ext cx="5357600" cy="1160213"/>
+          </a:xfrm>
+        </p:spPr>
+        <p:txBody>
+          <a:bodyPr/>
+          <a:lstStyle/>
+          <a:p>
+            <a:r>
+              <a:rPr lang="en-US" dirty="0"/>
+              <a:t>Ahsan Mahmood</a:t>
+            </a:r>
+          </a:p>
+        </p:txBody>
+      </p:sp>
+      <p:sp>
+        <p:nvSpPr>
+          <p:cNvPr id="4" name="Slide Number Placeholder 3">
+            <a:extLst>
+              <a:ext uri="{FF2B5EF4-FFF2-40B4-BE49-F238E27FC236}">
+                <a16:creationId xmlns:a16="http://schemas.microsoft.com/office/drawing/2014/main" id="{5BACBBB0-D9F5-BF48-A774-1363E57BA4F7}"/>
+              </a:ext>
+            </a:extLst>
+          </p:cNvPr>
+          <p:cNvSpPr>
+            <a:spLocks noGrp="1"/>
+          </p:cNvSpPr>
+          <p:nvPr>
+            <p:ph type="sldNum" sz="quarter" idx="12"/>
+          </p:nvPr>
+        </p:nvSpPr>
         <p:spPr/>
         <p:txBody>
           <a:bodyPr/>
           <a:lstStyle/>
           <a:p>
-            <a:endParaRPr lang="en-US"/>
+            <a:fld id="{6D22F896-40B5-4ADD-8801-0D06FADFA095}" type="slidenum">
+              <a:rPr lang="en-US" smtClean="0"/>
+              <a:t>1</a:t>
+            </a:fld>
+            <a:endParaRPr lang="en-US" dirty="0"/>
           </a:p>
         </p:txBody>
       </p:sp>
@@ -19295,49 +15417,35 @@
           </a:p>
         </p:txBody>
       </p:sp>
-      <p:pic>
-        <p:nvPicPr>
-          <p:cNvPr id="9" name="Picture 8">
+      <p:sp>
+        <p:nvSpPr>
+          <p:cNvPr id="10" name="Slide Number Placeholder 9">
             <a:extLst>
               <a:ext uri="{FF2B5EF4-FFF2-40B4-BE49-F238E27FC236}">
-                <a16:creationId xmlns:a16="http://schemas.microsoft.com/office/drawing/2014/main" id="{D4B73239-41C9-7C41-9573-48A7E8601595}"/>
+                <a16:creationId xmlns:a16="http://schemas.microsoft.com/office/drawing/2014/main" id="{370BBFFB-F8AF-BF42-AB7C-BC6CBE2D9155}"/>
               </a:ext>
             </a:extLst>
           </p:cNvPr>
-          <p:cNvPicPr>
-            <a:picLocks noChangeAspect="1"/>
-          </p:cNvPicPr>
-          <p:nvPr/>
-        </p:nvPicPr>
-        <p:blipFill>
-          <a:blip r:embed="rId2">
-            <a:alphaModFix/>
-            <a:extLst>
-              <a:ext uri="{BEBA8EAE-BF5A-486C-A8C5-ECC9F3942E4B}">
-                <a14:imgProps xmlns:a14="http://schemas.microsoft.com/office/drawing/2010/main">
-                  <a14:imgLayer r:embed="rId3">
-                    <a14:imgEffect>
-                      <a14:saturation sat="400000"/>
-                    </a14:imgEffect>
-                  </a14:imgLayer>
-                </a14:imgProps>
-              </a:ext>
-            </a:extLst>
-          </a:blip>
-          <a:stretch>
-            <a:fillRect/>
-          </a:stretch>
-        </p:blipFill>
-        <p:spPr>
-          <a:xfrm>
-            <a:off x="5892800" y="1198880"/>
-            <a:ext cx="5389961" cy="5319569"/>
-          </a:xfrm>
-          <a:prstGeom prst="rect">
-            <a:avLst/>
-          </a:prstGeom>
-        </p:spPr>
-      </p:pic>
+          <p:cNvSpPr>
+            <a:spLocks noGrp="1"/>
+          </p:cNvSpPr>
+          <p:nvPr>
+            <p:ph type="sldNum" sz="quarter" idx="12"/>
+          </p:nvPr>
+        </p:nvSpPr>
+        <p:spPr/>
+        <p:txBody>
+          <a:bodyPr/>
+          <a:lstStyle/>
+          <a:p>
+            <a:fld id="{6D22F896-40B5-4ADD-8801-0D06FADFA095}" type="slidenum">
+              <a:rPr lang="en-US" smtClean="0"/>
+              <a:t>10</a:t>
+            </a:fld>
+            <a:endParaRPr lang="en-US" dirty="0"/>
+          </a:p>
+        </p:txBody>
+      </p:sp>
     </p:spTree>
     <p:extLst>
       <p:ext uri="{BB962C8B-B14F-4D97-AF65-F5344CB8AC3E}">
@@ -19420,7 +15528,9 @@
           </a:xfrm>
         </p:spPr>
         <p:txBody>
-          <a:bodyPr/>
+          <a:bodyPr>
+            <a:normAutofit/>
+          </a:bodyPr>
           <a:lstStyle/>
           <a:p>
             <a:r>
@@ -19431,22 +15541,48 @@
           <a:p>
             <a:r>
               <a:rPr lang="en-US" dirty="0"/>
+              <a:t> “Rebuild” the test configurations token-by-token invoking the model at each stage</a:t>
+            </a:r>
+          </a:p>
+          <a:p>
+            <a:r>
+              <a:rPr lang="en-US" dirty="0"/>
+              <a:t> A prediction is marked as successful when we suggest the correct token within three results</a:t>
+            </a:r>
+          </a:p>
+          <a:p>
+            <a:r>
+              <a:rPr lang="en-US" dirty="0"/>
               <a:t>Perform leave-one- out cross validation</a:t>
             </a:r>
           </a:p>
-          <a:p>
-            <a:r>
-              <a:rPr lang="en-US" dirty="0"/>
-              <a:t> “Rebuild” the test configurations token-by-token by using our n-gram model to predict the next token based on the prior n-1 tokens; we do not predict across lines</a:t>
-            </a:r>
-          </a:p>
-          <a:p>
-            <a:r>
-              <a:rPr lang="en-US" dirty="0"/>
-              <a:t> A prediction is marked as successful when the actual next token in the configuration is within the top three results generated by the model. </a:t>
-            </a:r>
-          </a:p>
-          <a:p>
+        </p:txBody>
+      </p:sp>
+      <p:sp>
+        <p:nvSpPr>
+          <p:cNvPr id="4" name="Slide Number Placeholder 3">
+            <a:extLst>
+              <a:ext uri="{FF2B5EF4-FFF2-40B4-BE49-F238E27FC236}">
+                <a16:creationId xmlns:a16="http://schemas.microsoft.com/office/drawing/2014/main" id="{7124CDC2-F652-5F42-9813-BC9248D2A5C8}"/>
+              </a:ext>
+            </a:extLst>
+          </p:cNvPr>
+          <p:cNvSpPr>
+            <a:spLocks noGrp="1"/>
+          </p:cNvSpPr>
+          <p:nvPr>
+            <p:ph type="sldNum" sz="quarter" idx="12"/>
+          </p:nvPr>
+        </p:nvSpPr>
+        <p:spPr/>
+        <p:txBody>
+          <a:bodyPr/>
+          <a:lstStyle/>
+          <a:p>
+            <a:fld id="{6D22F896-40B5-4ADD-8801-0D06FADFA095}" type="slidenum">
+              <a:rPr lang="en-US" smtClean="0"/>
+              <a:t>11</a:t>
+            </a:fld>
             <a:endParaRPr lang="en-US" dirty="0"/>
           </a:p>
         </p:txBody>
@@ -19505,7 +15641,7 @@
             <a:pPr algn="l"/>
             <a:r>
               <a:rPr lang="en-US" dirty="0"/>
-              <a:t>Results</a:t>
+              <a:t>Overall Results</a:t>
             </a:r>
           </a:p>
         </p:txBody>
@@ -19575,6 +15711,35 @@
           </a:p>
         </p:txBody>
       </p:sp>
+      <p:sp>
+        <p:nvSpPr>
+          <p:cNvPr id="7" name="Slide Number Placeholder 6">
+            <a:extLst>
+              <a:ext uri="{FF2B5EF4-FFF2-40B4-BE49-F238E27FC236}">
+                <a16:creationId xmlns:a16="http://schemas.microsoft.com/office/drawing/2014/main" id="{6CDFF5F8-5D13-2048-9A1B-F25190AFFA17}"/>
+              </a:ext>
+            </a:extLst>
+          </p:cNvPr>
+          <p:cNvSpPr>
+            <a:spLocks noGrp="1"/>
+          </p:cNvSpPr>
+          <p:nvPr>
+            <p:ph type="sldNum" sz="quarter" idx="12"/>
+          </p:nvPr>
+        </p:nvSpPr>
+        <p:spPr/>
+        <p:txBody>
+          <a:bodyPr/>
+          <a:lstStyle/>
+          <a:p>
+            <a:fld id="{6D22F896-40B5-4ADD-8801-0D06FADFA095}" type="slidenum">
+              <a:rPr lang="en-US" smtClean="0"/>
+              <a:t>12</a:t>
+            </a:fld>
+            <a:endParaRPr lang="en-US" dirty="0"/>
+          </a:p>
+        </p:txBody>
+      </p:sp>
     </p:spTree>
     <p:extLst>
       <p:ext uri="{BB962C8B-B14F-4D97-AF65-F5344CB8AC3E}">
@@ -19634,7 +15799,7 @@
             <a:pPr algn="l"/>
             <a:r>
               <a:rPr lang="en-US" dirty="0"/>
-              <a:t>Results</a:t>
+              <a:t>Effect of Devices</a:t>
             </a:r>
           </a:p>
         </p:txBody>
@@ -19669,6 +15834,35 @@
           </a:prstGeom>
         </p:spPr>
       </p:pic>
+      <p:sp>
+        <p:nvSpPr>
+          <p:cNvPr id="10" name="Slide Number Placeholder 9">
+            <a:extLst>
+              <a:ext uri="{FF2B5EF4-FFF2-40B4-BE49-F238E27FC236}">
+                <a16:creationId xmlns:a16="http://schemas.microsoft.com/office/drawing/2014/main" id="{40B8CE76-D96C-054E-8D10-3D9C657FFB52}"/>
+              </a:ext>
+            </a:extLst>
+          </p:cNvPr>
+          <p:cNvSpPr>
+            <a:spLocks noGrp="1"/>
+          </p:cNvSpPr>
+          <p:nvPr>
+            <p:ph type="sldNum" sz="quarter" idx="12"/>
+          </p:nvPr>
+        </p:nvSpPr>
+        <p:spPr/>
+        <p:txBody>
+          <a:bodyPr/>
+          <a:lstStyle/>
+          <a:p>
+            <a:fld id="{6D22F896-40B5-4ADD-8801-0D06FADFA095}" type="slidenum">
+              <a:rPr lang="en-US" smtClean="0"/>
+              <a:t>13</a:t>
+            </a:fld>
+            <a:endParaRPr lang="en-US" dirty="0"/>
+          </a:p>
+        </p:txBody>
+      </p:sp>
     </p:spTree>
     <p:extLst>
       <p:ext uri="{BB962C8B-B14F-4D97-AF65-F5344CB8AC3E}">
@@ -19728,7 +15922,7 @@
             <a:pPr algn="l"/>
             <a:r>
               <a:rPr lang="en-US" dirty="0"/>
-              <a:t>Results</a:t>
+              <a:t>Effects of Sample Sizes</a:t>
             </a:r>
           </a:p>
         </p:txBody>
@@ -19757,11 +15951,40 @@
         </p:blipFill>
         <p:spPr>
           <a:xfrm>
-            <a:off x="3727289" y="1456003"/>
+            <a:off x="3727289" y="1535515"/>
             <a:ext cx="5939160" cy="5015758"/>
           </a:xfrm>
         </p:spPr>
       </p:pic>
+      <p:sp>
+        <p:nvSpPr>
+          <p:cNvPr id="3" name="Slide Number Placeholder 2">
+            <a:extLst>
+              <a:ext uri="{FF2B5EF4-FFF2-40B4-BE49-F238E27FC236}">
+                <a16:creationId xmlns:a16="http://schemas.microsoft.com/office/drawing/2014/main" id="{9CAEBE01-9E65-8E46-9553-3E8E493A3B4E}"/>
+              </a:ext>
+            </a:extLst>
+          </p:cNvPr>
+          <p:cNvSpPr>
+            <a:spLocks noGrp="1"/>
+          </p:cNvSpPr>
+          <p:nvPr>
+            <p:ph type="sldNum" sz="quarter" idx="12"/>
+          </p:nvPr>
+        </p:nvSpPr>
+        <p:spPr/>
+        <p:txBody>
+          <a:bodyPr/>
+          <a:lstStyle/>
+          <a:p>
+            <a:fld id="{6D22F896-40B5-4ADD-8801-0D06FADFA095}" type="slidenum">
+              <a:rPr lang="en-US" smtClean="0"/>
+              <a:t>14</a:t>
+            </a:fld>
+            <a:endParaRPr lang="en-US" dirty="0"/>
+          </a:p>
+        </p:txBody>
+      </p:sp>
     </p:spTree>
     <p:extLst>
       <p:ext uri="{BB962C8B-B14F-4D97-AF65-F5344CB8AC3E}">
@@ -19776,6 +15999,274 @@
 </file>
 
 <file path=ppt/slides/slide15.xml><?xml version="1.0" encoding="utf-8"?>
+<p:sld xmlns:a="http://schemas.openxmlformats.org/drawingml/2006/main" xmlns:r="http://schemas.openxmlformats.org/officeDocument/2006/relationships" xmlns:p="http://schemas.openxmlformats.org/presentationml/2006/main">
+  <p:cSld>
+    <p:spTree>
+      <p:nvGrpSpPr>
+        <p:cNvPr id="1" name=""/>
+        <p:cNvGrpSpPr/>
+        <p:nvPr/>
+      </p:nvGrpSpPr>
+      <p:grpSpPr>
+        <a:xfrm>
+          <a:off x="0" y="0"/>
+          <a:ext cx="0" cy="0"/>
+          <a:chOff x="0" y="0"/>
+          <a:chExt cx="0" cy="0"/>
+        </a:xfrm>
+      </p:grpSpPr>
+      <p:sp>
+        <p:nvSpPr>
+          <p:cNvPr id="2" name="Title 1">
+            <a:extLst>
+              <a:ext uri="{FF2B5EF4-FFF2-40B4-BE49-F238E27FC236}">
+                <a16:creationId xmlns:a16="http://schemas.microsoft.com/office/drawing/2014/main" id="{C4B6F837-2A22-CD46-8852-7F204CC6A785}"/>
+              </a:ext>
+            </a:extLst>
+          </p:cNvPr>
+          <p:cNvSpPr>
+            <a:spLocks noGrp="1"/>
+          </p:cNvSpPr>
+          <p:nvPr>
+            <p:ph type="title"/>
+          </p:nvPr>
+        </p:nvSpPr>
+        <p:spPr/>
+        <p:txBody>
+          <a:bodyPr/>
+          <a:lstStyle/>
+          <a:p>
+            <a:endParaRPr lang="en-US"/>
+          </a:p>
+        </p:txBody>
+      </p:sp>
+      <p:sp>
+        <p:nvSpPr>
+          <p:cNvPr id="4" name="Slide Number Placeholder 3">
+            <a:extLst>
+              <a:ext uri="{FF2B5EF4-FFF2-40B4-BE49-F238E27FC236}">
+                <a16:creationId xmlns:a16="http://schemas.microsoft.com/office/drawing/2014/main" id="{6397FC56-9B20-C94C-94BE-7B15F36CD02E}"/>
+              </a:ext>
+            </a:extLst>
+          </p:cNvPr>
+          <p:cNvSpPr>
+            <a:spLocks noGrp="1"/>
+          </p:cNvSpPr>
+          <p:nvPr>
+            <p:ph type="sldNum" sz="quarter" idx="12"/>
+          </p:nvPr>
+        </p:nvSpPr>
+        <p:spPr/>
+        <p:txBody>
+          <a:bodyPr/>
+          <a:lstStyle/>
+          <a:p>
+            <a:fld id="{6D22F896-40B5-4ADD-8801-0D06FADFA095}" type="slidenum">
+              <a:rPr lang="en-US" smtClean="0"/>
+              <a:t>15</a:t>
+            </a:fld>
+            <a:endParaRPr lang="en-US" dirty="0"/>
+          </a:p>
+        </p:txBody>
+      </p:sp>
+      <p:pic>
+        <p:nvPicPr>
+          <p:cNvPr id="5" name="Content Placeholder 4">
+            <a:extLst>
+              <a:ext uri="{FF2B5EF4-FFF2-40B4-BE49-F238E27FC236}">
+                <a16:creationId xmlns:a16="http://schemas.microsoft.com/office/drawing/2014/main" id="{ACA7060D-792A-C549-AF44-B810A641DC8A}"/>
+              </a:ext>
+            </a:extLst>
+          </p:cNvPr>
+          <p:cNvPicPr>
+            <a:picLocks noGrp="1" noChangeAspect="1"/>
+          </p:cNvPicPr>
+          <p:nvPr>
+            <p:ph idx="1"/>
+          </p:nvPr>
+        </p:nvPicPr>
+        <p:blipFill>
+          <a:blip r:embed="rId2">
+            <a:alphaModFix/>
+            <a:extLst>
+              <a:ext uri="{BEBA8EAE-BF5A-486C-A8C5-ECC9F3942E4B}">
+                <a14:imgProps xmlns:a14="http://schemas.microsoft.com/office/drawing/2010/main">
+                  <a14:imgLayer r:embed="rId3">
+                    <a14:imgEffect>
+                      <a14:saturation sat="400000"/>
+                    </a14:imgEffect>
+                  </a14:imgLayer>
+                </a14:imgProps>
+              </a:ext>
+            </a:extLst>
+          </a:blip>
+          <a:stretch>
+            <a:fillRect/>
+          </a:stretch>
+        </p:blipFill>
+        <p:spPr>
+          <a:xfrm>
+            <a:off x="4646359" y="2052638"/>
+            <a:ext cx="4050219" cy="3997325"/>
+          </a:xfrm>
+          <a:prstGeom prst="rect">
+            <a:avLst/>
+          </a:prstGeom>
+        </p:spPr>
+      </p:pic>
+    </p:spTree>
+    <p:extLst>
+      <p:ext uri="{BB962C8B-B14F-4D97-AF65-F5344CB8AC3E}">
+        <p14:creationId xmlns:p14="http://schemas.microsoft.com/office/powerpoint/2010/main" val="1369419814"/>
+      </p:ext>
+    </p:extLst>
+  </p:cSld>
+  <p:clrMapOvr>
+    <a:masterClrMapping/>
+  </p:clrMapOvr>
+</p:sld>
+</file>
+
+<file path=ppt/slides/slide16.xml><?xml version="1.0" encoding="utf-8"?>
+<p:sld xmlns:a="http://schemas.openxmlformats.org/drawingml/2006/main" xmlns:r="http://schemas.openxmlformats.org/officeDocument/2006/relationships" xmlns:p="http://schemas.openxmlformats.org/presentationml/2006/main">
+  <p:cSld>
+    <p:spTree>
+      <p:nvGrpSpPr>
+        <p:cNvPr id="1" name=""/>
+        <p:cNvGrpSpPr/>
+        <p:nvPr/>
+      </p:nvGrpSpPr>
+      <p:grpSpPr>
+        <a:xfrm>
+          <a:off x="0" y="0"/>
+          <a:ext cx="0" cy="0"/>
+          <a:chOff x="0" y="0"/>
+          <a:chExt cx="0" cy="0"/>
+        </a:xfrm>
+      </p:grpSpPr>
+      <p:sp>
+        <p:nvSpPr>
+          <p:cNvPr id="2" name="Title 1">
+            <a:extLst>
+              <a:ext uri="{FF2B5EF4-FFF2-40B4-BE49-F238E27FC236}">
+                <a16:creationId xmlns:a16="http://schemas.microsoft.com/office/drawing/2014/main" id="{6BF7367E-C58E-314F-AC38-D59BF03DF787}"/>
+              </a:ext>
+            </a:extLst>
+          </p:cNvPr>
+          <p:cNvSpPr>
+            <a:spLocks noGrp="1"/>
+          </p:cNvSpPr>
+          <p:nvPr>
+            <p:ph type="title"/>
+          </p:nvPr>
+        </p:nvSpPr>
+        <p:spPr/>
+        <p:txBody>
+          <a:bodyPr/>
+          <a:lstStyle/>
+          <a:p>
+            <a:pPr algn="l"/>
+            <a:r>
+              <a:rPr lang="en-US" dirty="0"/>
+              <a:t>Possible Future Work</a:t>
+            </a:r>
+          </a:p>
+        </p:txBody>
+      </p:sp>
+      <p:sp>
+        <p:nvSpPr>
+          <p:cNvPr id="3" name="Content Placeholder 2">
+            <a:extLst>
+              <a:ext uri="{FF2B5EF4-FFF2-40B4-BE49-F238E27FC236}">
+                <a16:creationId xmlns:a16="http://schemas.microsoft.com/office/drawing/2014/main" id="{608F1D16-DCBC-9B4B-AA96-C50EE0FB0113}"/>
+              </a:ext>
+            </a:extLst>
+          </p:cNvPr>
+          <p:cNvSpPr>
+            <a:spLocks noGrp="1"/>
+          </p:cNvSpPr>
+          <p:nvPr>
+            <p:ph idx="1"/>
+          </p:nvPr>
+        </p:nvSpPr>
+        <p:spPr>
+          <a:xfrm>
+            <a:off x="2611808" y="1982542"/>
+            <a:ext cx="7796540" cy="3997828"/>
+          </a:xfrm>
+        </p:spPr>
+        <p:txBody>
+          <a:bodyPr anchor="t"/>
+          <a:lstStyle/>
+          <a:p>
+            <a:r>
+              <a:rPr lang="en-US" dirty="0"/>
+              <a:t>Evaluate our model against the current state of the art: tab-completion in CLIs on modern routers</a:t>
+            </a:r>
+          </a:p>
+          <a:p>
+            <a:r>
+              <a:rPr lang="en-US" dirty="0"/>
+              <a:t>Using larger n-grams to suggest complete statements</a:t>
+            </a:r>
+          </a:p>
+          <a:p>
+            <a:r>
+              <a:rPr lang="en-US" dirty="0"/>
+              <a:t>Completing entire lines or even stanzas</a:t>
+            </a:r>
+          </a:p>
+          <a:p>
+            <a:r>
+              <a:rPr lang="en-US" dirty="0"/>
+              <a:t>Not just based on syntax but also desired goals using input from operators	</a:t>
+            </a:r>
+          </a:p>
+        </p:txBody>
+      </p:sp>
+      <p:sp>
+        <p:nvSpPr>
+          <p:cNvPr id="4" name="Slide Number Placeholder 3">
+            <a:extLst>
+              <a:ext uri="{FF2B5EF4-FFF2-40B4-BE49-F238E27FC236}">
+                <a16:creationId xmlns:a16="http://schemas.microsoft.com/office/drawing/2014/main" id="{05DB40F6-BE7C-1048-A24E-AC9590C5C71A}"/>
+              </a:ext>
+            </a:extLst>
+          </p:cNvPr>
+          <p:cNvSpPr>
+            <a:spLocks noGrp="1"/>
+          </p:cNvSpPr>
+          <p:nvPr>
+            <p:ph type="sldNum" sz="quarter" idx="12"/>
+          </p:nvPr>
+        </p:nvSpPr>
+        <p:spPr/>
+        <p:txBody>
+          <a:bodyPr/>
+          <a:lstStyle/>
+          <a:p>
+            <a:fld id="{6D22F896-40B5-4ADD-8801-0D06FADFA095}" type="slidenum">
+              <a:rPr lang="en-US" smtClean="0"/>
+              <a:t>16</a:t>
+            </a:fld>
+            <a:endParaRPr lang="en-US" dirty="0"/>
+          </a:p>
+        </p:txBody>
+      </p:sp>
+    </p:spTree>
+    <p:extLst>
+      <p:ext uri="{BB962C8B-B14F-4D97-AF65-F5344CB8AC3E}">
+        <p14:creationId xmlns:p14="http://schemas.microsoft.com/office/powerpoint/2010/main" val="915583567"/>
+      </p:ext>
+    </p:extLst>
+  </p:cSld>
+  <p:clrMapOvr>
+    <a:masterClrMapping/>
+  </p:clrMapOvr>
+</p:sld>
+</file>
+
+<file path=ppt/slides/slide17.xml><?xml version="1.0" encoding="utf-8"?>
 <p:sld xmlns:a="http://schemas.openxmlformats.org/drawingml/2006/main" xmlns:r="http://schemas.openxmlformats.org/officeDocument/2006/relationships" xmlns:p="http://schemas.openxmlformats.org/presentationml/2006/main">
   <p:cSld>
     <p:spTree>
@@ -19813,7 +16304,11 @@
           <a:bodyPr/>
           <a:lstStyle/>
           <a:p>
-            <a:endParaRPr lang="en-US"/>
+            <a:pPr algn="l"/>
+            <a:r>
+              <a:rPr lang="en-US" dirty="0"/>
+              <a:t>Thank you?</a:t>
+            </a:r>
           </a:p>
         </p:txBody>
       </p:sp>
@@ -19842,6 +16337,35 @@
           </a:p>
         </p:txBody>
       </p:sp>
+      <p:sp>
+        <p:nvSpPr>
+          <p:cNvPr id="4" name="Slide Number Placeholder 3">
+            <a:extLst>
+              <a:ext uri="{FF2B5EF4-FFF2-40B4-BE49-F238E27FC236}">
+                <a16:creationId xmlns:a16="http://schemas.microsoft.com/office/drawing/2014/main" id="{1DE09DA6-A5E1-C147-9251-896A1DC2886C}"/>
+              </a:ext>
+            </a:extLst>
+          </p:cNvPr>
+          <p:cNvSpPr>
+            <a:spLocks noGrp="1"/>
+          </p:cNvSpPr>
+          <p:nvPr>
+            <p:ph type="sldNum" sz="quarter" idx="12"/>
+          </p:nvPr>
+        </p:nvSpPr>
+        <p:spPr/>
+        <p:txBody>
+          <a:bodyPr/>
+          <a:lstStyle/>
+          <a:p>
+            <a:fld id="{6D22F896-40B5-4ADD-8801-0D06FADFA095}" type="slidenum">
+              <a:rPr lang="en-US" smtClean="0"/>
+              <a:t>17</a:t>
+            </a:fld>
+            <a:endParaRPr lang="en-US" dirty="0"/>
+          </a:p>
+        </p:txBody>
+      </p:sp>
     </p:spTree>
     <p:extLst>
       <p:ext uri="{BB962C8B-B14F-4D97-AF65-F5344CB8AC3E}">
@@ -19855,266 +16379,7 @@
 </p:sld>
 </file>
 
-<file path=ppt/slides/slide2.xml><?xml version="1.0" encoding="utf-8"?>
-<p:sld xmlns:a="http://schemas.openxmlformats.org/drawingml/2006/main" xmlns:r="http://schemas.openxmlformats.org/officeDocument/2006/relationships" xmlns:p="http://schemas.openxmlformats.org/presentationml/2006/main">
-  <p:cSld>
-    <p:spTree>
-      <p:nvGrpSpPr>
-        <p:cNvPr id="1" name=""/>
-        <p:cNvGrpSpPr/>
-        <p:nvPr/>
-      </p:nvGrpSpPr>
-      <p:grpSpPr>
-        <a:xfrm>
-          <a:off x="0" y="0"/>
-          <a:ext cx="0" cy="0"/>
-          <a:chOff x="0" y="0"/>
-          <a:chExt cx="0" cy="0"/>
-        </a:xfrm>
-      </p:grpSpPr>
-      <p:sp>
-        <p:nvSpPr>
-          <p:cNvPr id="2" name="Title 1">
-            <a:extLst>
-              <a:ext uri="{FF2B5EF4-FFF2-40B4-BE49-F238E27FC236}">
-                <a16:creationId xmlns:a16="http://schemas.microsoft.com/office/drawing/2014/main" id="{7B723D73-BC0B-F54B-AF47-73028F5A010E}"/>
-              </a:ext>
-            </a:extLst>
-          </p:cNvPr>
-          <p:cNvSpPr>
-            <a:spLocks noGrp="1"/>
-          </p:cNvSpPr>
-          <p:nvPr>
-            <p:ph type="title"/>
-          </p:nvPr>
-        </p:nvSpPr>
-        <p:spPr/>
-        <p:txBody>
-          <a:bodyPr/>
-          <a:lstStyle/>
-          <a:p>
-            <a:pPr algn="l"/>
-            <a:r>
-              <a:rPr lang="en-US" dirty="0"/>
-              <a:t>Introduction </a:t>
-            </a:r>
-          </a:p>
-        </p:txBody>
-      </p:sp>
-      <p:sp>
-        <p:nvSpPr>
-          <p:cNvPr id="3" name="Content Placeholder 2">
-            <a:extLst>
-              <a:ext uri="{FF2B5EF4-FFF2-40B4-BE49-F238E27FC236}">
-                <a16:creationId xmlns:a16="http://schemas.microsoft.com/office/drawing/2014/main" id="{B8652765-67AB-5746-8D88-1CCDCD112CC2}"/>
-              </a:ext>
-            </a:extLst>
-          </p:cNvPr>
-          <p:cNvSpPr>
-            <a:spLocks noGrp="1"/>
-          </p:cNvSpPr>
-          <p:nvPr>
-            <p:ph idx="1"/>
-          </p:nvPr>
-        </p:nvSpPr>
-        <p:spPr>
-          <a:xfrm>
-            <a:off x="2611808" y="2026716"/>
-            <a:ext cx="7796540" cy="3997828"/>
-          </a:xfrm>
-        </p:spPr>
-        <p:txBody>
-          <a:bodyPr/>
-          <a:lstStyle/>
-          <a:p>
-            <a:r>
-              <a:rPr lang="en-US" dirty="0">
-                <a:latin typeface="Futura Medium" panose="020B0602020204020303" pitchFamily="34" charset="-79"/>
-                <a:ea typeface="Helvetica Neue" panose="02000503000000020004" pitchFamily="2" charset="0"/>
-                <a:cs typeface="Futura Medium" panose="020B0602020204020303" pitchFamily="34" charset="-79"/>
-              </a:rPr>
-              <a:t>A network’s backbone is its routing control plane</a:t>
-            </a:r>
-          </a:p>
-          <a:p>
-            <a:pPr lvl="1"/>
-            <a:r>
-              <a:rPr lang="en-US" dirty="0">
-                <a:latin typeface="Futura Medium" panose="020B0602020204020303" pitchFamily="34" charset="-79"/>
-                <a:ea typeface="Helvetica Neue" panose="02000503000000020004" pitchFamily="2" charset="0"/>
-                <a:cs typeface="Futura Medium" panose="020B0602020204020303" pitchFamily="34" charset="-79"/>
-              </a:rPr>
-              <a:t>Set of rules that dictate how the network should behave</a:t>
-            </a:r>
-          </a:p>
-          <a:p>
-            <a:r>
-              <a:rPr lang="en-US" dirty="0">
-                <a:latin typeface="Futura Medium" panose="020B0602020204020303" pitchFamily="34" charset="-79"/>
-                <a:ea typeface="Helvetica Neue" panose="02000503000000020004" pitchFamily="2" charset="0"/>
-                <a:cs typeface="Futura Medium" panose="020B0602020204020303" pitchFamily="34" charset="-79"/>
-              </a:rPr>
-              <a:t>Control plane logic is distributed across the network</a:t>
-            </a:r>
-          </a:p>
-          <a:p>
-            <a:r>
-              <a:rPr lang="en-US" dirty="0">
-                <a:latin typeface="Futura Medium" panose="020B0602020204020303" pitchFamily="34" charset="-79"/>
-                <a:ea typeface="Helvetica Neue" panose="02000503000000020004" pitchFamily="2" charset="0"/>
-                <a:cs typeface="Futura Medium" panose="020B0602020204020303" pitchFamily="34" charset="-79"/>
-              </a:rPr>
-              <a:t>Each router has its own </a:t>
-            </a:r>
-            <a:r>
-              <a:rPr lang="en-US" u="sng" dirty="0">
-                <a:latin typeface="Futura Medium" panose="020B0602020204020303" pitchFamily="34" charset="-79"/>
-                <a:ea typeface="Helvetica Neue" panose="02000503000000020004" pitchFamily="2" charset="0"/>
-                <a:cs typeface="Futura Medium" panose="020B0602020204020303" pitchFamily="34" charset="-79"/>
-              </a:rPr>
-              <a:t>configuration file</a:t>
-            </a:r>
-            <a:r>
-              <a:rPr lang="en-US" dirty="0">
-                <a:latin typeface="Futura Medium" panose="020B0602020204020303" pitchFamily="34" charset="-79"/>
-                <a:ea typeface="Helvetica Neue" panose="02000503000000020004" pitchFamily="2" charset="0"/>
-                <a:cs typeface="Futura Medium" panose="020B0602020204020303" pitchFamily="34" charset="-79"/>
-              </a:rPr>
-              <a:t> that tells it what to do</a:t>
-            </a:r>
-          </a:p>
-          <a:p>
-            <a:endParaRPr lang="en-US" dirty="0">
-              <a:latin typeface="Futura Medium" panose="020B0602020204020303" pitchFamily="34" charset="-79"/>
-              <a:ea typeface="Helvetica Neue" panose="02000503000000020004" pitchFamily="2" charset="0"/>
-              <a:cs typeface="Futura Medium" panose="020B0602020204020303" pitchFamily="34" charset="-79"/>
-            </a:endParaRPr>
-          </a:p>
-        </p:txBody>
-      </p:sp>
-    </p:spTree>
-    <p:extLst>
-      <p:ext uri="{BB962C8B-B14F-4D97-AF65-F5344CB8AC3E}">
-        <p14:creationId xmlns:p14="http://schemas.microsoft.com/office/powerpoint/2010/main" val="3807295900"/>
-      </p:ext>
-    </p:extLst>
-  </p:cSld>
-  <p:clrMapOvr>
-    <a:masterClrMapping/>
-  </p:clrMapOvr>
-</p:sld>
-</file>
-
-<file path=ppt/slides/slide3.xml><?xml version="1.0" encoding="utf-8"?>
-<p:sld xmlns:a="http://schemas.openxmlformats.org/drawingml/2006/main" xmlns:r="http://schemas.openxmlformats.org/officeDocument/2006/relationships" xmlns:p="http://schemas.openxmlformats.org/presentationml/2006/main">
-  <p:cSld>
-    <p:spTree>
-      <p:nvGrpSpPr>
-        <p:cNvPr id="1" name=""/>
-        <p:cNvGrpSpPr/>
-        <p:nvPr/>
-      </p:nvGrpSpPr>
-      <p:grpSpPr>
-        <a:xfrm>
-          <a:off x="0" y="0"/>
-          <a:ext cx="0" cy="0"/>
-          <a:chOff x="0" y="0"/>
-          <a:chExt cx="0" cy="0"/>
-        </a:xfrm>
-      </p:grpSpPr>
-      <p:sp>
-        <p:nvSpPr>
-          <p:cNvPr id="2" name="Title 1">
-            <a:extLst>
-              <a:ext uri="{FF2B5EF4-FFF2-40B4-BE49-F238E27FC236}">
-                <a16:creationId xmlns:a16="http://schemas.microsoft.com/office/drawing/2014/main" id="{0A5614DE-4963-D448-9FB3-B85AC6B3F0D3}"/>
-              </a:ext>
-            </a:extLst>
-          </p:cNvPr>
-          <p:cNvSpPr>
-            <a:spLocks noGrp="1"/>
-          </p:cNvSpPr>
-          <p:nvPr>
-            <p:ph type="title"/>
-          </p:nvPr>
-        </p:nvSpPr>
-        <p:spPr/>
-        <p:txBody>
-          <a:bodyPr/>
-          <a:lstStyle/>
-          <a:p>
-            <a:pPr algn="l"/>
-            <a:r>
-              <a:rPr lang="en-US" dirty="0"/>
-              <a:t>Problem</a:t>
-            </a:r>
-          </a:p>
-        </p:txBody>
-      </p:sp>
-      <p:sp>
-        <p:nvSpPr>
-          <p:cNvPr id="3" name="Content Placeholder 2">
-            <a:extLst>
-              <a:ext uri="{FF2B5EF4-FFF2-40B4-BE49-F238E27FC236}">
-                <a16:creationId xmlns:a16="http://schemas.microsoft.com/office/drawing/2014/main" id="{3428C3C8-D279-0B41-B1F4-5924868A6DF0}"/>
-              </a:ext>
-            </a:extLst>
-          </p:cNvPr>
-          <p:cNvSpPr>
-            <a:spLocks noGrp="1"/>
-          </p:cNvSpPr>
-          <p:nvPr>
-            <p:ph idx="1"/>
-          </p:nvPr>
-        </p:nvSpPr>
-        <p:spPr>
-          <a:xfrm>
-            <a:off x="2773599" y="2052116"/>
-            <a:ext cx="5134268" cy="3815284"/>
-          </a:xfrm>
-        </p:spPr>
-        <p:txBody>
-          <a:bodyPr/>
-          <a:lstStyle/>
-          <a:p>
-            <a:r>
-              <a:rPr lang="en-US" dirty="0"/>
-              <a:t>Network configurations are prone to errors</a:t>
-            </a:r>
-          </a:p>
-          <a:p>
-            <a:pPr fontAlgn="base"/>
-            <a:r>
-              <a:rPr lang="en-US" dirty="0"/>
-              <a:t>Small mistakes can lead to big problems</a:t>
-            </a:r>
-          </a:p>
-          <a:p>
-            <a:pPr fontAlgn="base"/>
-            <a:r>
-              <a:rPr lang="en-US" dirty="0"/>
-              <a:t>Need for tools that can fix broken network configurations or prevent errors</a:t>
-            </a:r>
-          </a:p>
-          <a:p>
-            <a:endParaRPr lang="en-US" dirty="0"/>
-          </a:p>
-        </p:txBody>
-      </p:sp>
-    </p:spTree>
-    <p:extLst>
-      <p:ext uri="{BB962C8B-B14F-4D97-AF65-F5344CB8AC3E}">
-        <p14:creationId xmlns:p14="http://schemas.microsoft.com/office/powerpoint/2010/main" val="3300389656"/>
-      </p:ext>
-    </p:extLst>
-  </p:cSld>
-  <p:clrMapOvr>
-    <a:masterClrMapping/>
-  </p:clrMapOvr>
-</p:sld>
-</file>
-
-<file path=ppt/slides/slide4.xml><?xml version="1.0" encoding="utf-8"?>
+<file path=ppt/slides/slide18.xml><?xml version="1.0" encoding="utf-8"?>
 <p:sld xmlns:a="http://schemas.openxmlformats.org/drawingml/2006/main" xmlns:r="http://schemas.openxmlformats.org/officeDocument/2006/relationships" xmlns:p="http://schemas.openxmlformats.org/presentationml/2006/main">
   <p:cSld>
     <p:spTree>
@@ -20176,184 +16441,6 @@
             <p:ph idx="1"/>
             <p:extLst>
               <p:ext uri="{D42A27DB-BD31-4B8C-83A1-F6EECF244321}">
-                <p14:modId xmlns:p14="http://schemas.microsoft.com/office/powerpoint/2010/main" val="1931663102"/>
-              </p:ext>
-            </p:extLst>
-          </p:nvPr>
-        </p:nvGraphicFramePr>
-        <p:xfrm>
-          <a:off x="2773363" y="2052638"/>
-          <a:ext cx="7796212" cy="3997325"/>
-        </p:xfrm>
-        <a:graphic>
-          <a:graphicData uri="http://schemas.openxmlformats.org/drawingml/2006/diagram">
-            <dgm:relIds xmlns:dgm="http://schemas.openxmlformats.org/drawingml/2006/diagram" xmlns:r="http://schemas.openxmlformats.org/officeDocument/2006/relationships" r:dm="rId2" r:lo="rId3" r:qs="rId4" r:cs="rId5"/>
-          </a:graphicData>
-        </a:graphic>
-      </p:graphicFrame>
-    </p:spTree>
-    <p:extLst>
-      <p:ext uri="{BB962C8B-B14F-4D97-AF65-F5344CB8AC3E}">
-        <p14:creationId xmlns:p14="http://schemas.microsoft.com/office/powerpoint/2010/main" val="4106469648"/>
-      </p:ext>
-    </p:extLst>
-  </p:cSld>
-  <p:clrMapOvr>
-    <a:masterClrMapping/>
-  </p:clrMapOvr>
-  <p:timing>
-    <p:tnLst>
-      <p:par>
-        <p:cTn id="1" dur="indefinite" restart="never" nodeType="tmRoot">
-          <p:childTnLst>
-            <p:seq concurrent="1" nextAc="seek">
-              <p:cTn id="2" dur="indefinite" nodeType="mainSeq">
-                <p:childTnLst>
-                  <p:par>
-                    <p:cTn id="3" fill="hold">
-                      <p:stCondLst>
-                        <p:cond delay="indefinite"/>
-                      </p:stCondLst>
-                      <p:childTnLst>
-                        <p:par>
-                          <p:cTn id="4" fill="hold">
-                            <p:stCondLst>
-                              <p:cond delay="0"/>
-                            </p:stCondLst>
-                            <p:childTnLst>
-                              <p:par>
-                                <p:cTn id="5" presetID="22" presetClass="entr" presetSubtype="4" fill="hold" grpId="0" nodeType="clickEffect">
-                                  <p:stCondLst>
-                                    <p:cond delay="0"/>
-                                  </p:stCondLst>
-                                  <p:childTnLst>
-                                    <p:set>
-                                      <p:cBhvr>
-                                        <p:cTn id="6" dur="1" fill="hold">
-                                          <p:stCondLst>
-                                            <p:cond delay="0"/>
-                                          </p:stCondLst>
-                                        </p:cTn>
-                                        <p:tgtEl>
-                                          <p:spTgt spid="4"/>
-                                        </p:tgtEl>
-                                        <p:attrNameLst>
-                                          <p:attrName>style.visibility</p:attrName>
-                                        </p:attrNameLst>
-                                      </p:cBhvr>
-                                      <p:to>
-                                        <p:strVal val="visible"/>
-                                      </p:to>
-                                    </p:set>
-                                    <p:animEffect transition="in" filter="wipe(down)">
-                                      <p:cBhvr>
-                                        <p:cTn id="7" dur="1000"/>
-                                        <p:tgtEl>
-                                          <p:spTgt spid="4"/>
-                                        </p:tgtEl>
-                                      </p:cBhvr>
-                                    </p:animEffect>
-                                  </p:childTnLst>
-                                </p:cTn>
-                              </p:par>
-                            </p:childTnLst>
-                          </p:cTn>
-                        </p:par>
-                      </p:childTnLst>
-                    </p:cTn>
-                  </p:par>
-                </p:childTnLst>
-              </p:cTn>
-              <p:prevCondLst>
-                <p:cond evt="onPrev" delay="0">
-                  <p:tgtEl>
-                    <p:sldTgt/>
-                  </p:tgtEl>
-                </p:cond>
-              </p:prevCondLst>
-              <p:nextCondLst>
-                <p:cond evt="onNext" delay="0">
-                  <p:tgtEl>
-                    <p:sldTgt/>
-                  </p:tgtEl>
-                </p:cond>
-              </p:nextCondLst>
-            </p:seq>
-          </p:childTnLst>
-        </p:cTn>
-      </p:par>
-    </p:tnLst>
-    <p:bldLst>
-      <p:bldGraphic spid="4" grpId="0">
-        <p:bldAsOne/>
-      </p:bldGraphic>
-    </p:bldLst>
-  </p:timing>
-</p:sld>
-</file>
-
-<file path=ppt/slides/slide5.xml><?xml version="1.0" encoding="utf-8"?>
-<p:sld xmlns:a="http://schemas.openxmlformats.org/drawingml/2006/main" xmlns:r="http://schemas.openxmlformats.org/officeDocument/2006/relationships" xmlns:p="http://schemas.openxmlformats.org/presentationml/2006/main">
-  <p:cSld>
-    <p:spTree>
-      <p:nvGrpSpPr>
-        <p:cNvPr id="1" name=""/>
-        <p:cNvGrpSpPr/>
-        <p:nvPr/>
-      </p:nvGrpSpPr>
-      <p:grpSpPr>
-        <a:xfrm>
-          <a:off x="0" y="0"/>
-          <a:ext cx="0" cy="0"/>
-          <a:chOff x="0" y="0"/>
-          <a:chExt cx="0" cy="0"/>
-        </a:xfrm>
-      </p:grpSpPr>
-      <p:sp>
-        <p:nvSpPr>
-          <p:cNvPr id="2" name="Title 1">
-            <a:extLst>
-              <a:ext uri="{FF2B5EF4-FFF2-40B4-BE49-F238E27FC236}">
-                <a16:creationId xmlns:a16="http://schemas.microsoft.com/office/drawing/2014/main" id="{B000EF2E-597C-8947-8C3B-5682AC305448}"/>
-              </a:ext>
-            </a:extLst>
-          </p:cNvPr>
-          <p:cNvSpPr>
-            <a:spLocks noGrp="1"/>
-          </p:cNvSpPr>
-          <p:nvPr>
-            <p:ph type="title"/>
-          </p:nvPr>
-        </p:nvSpPr>
-        <p:spPr/>
-        <p:txBody>
-          <a:bodyPr/>
-          <a:lstStyle/>
-          <a:p>
-            <a:pPr algn="l"/>
-            <a:r>
-              <a:rPr lang="en-US" dirty="0"/>
-              <a:t>Possible Solutions</a:t>
-            </a:r>
-          </a:p>
-        </p:txBody>
-      </p:sp>
-      <p:graphicFrame>
-        <p:nvGraphicFramePr>
-          <p:cNvPr id="4" name="Content Placeholder 3">
-            <a:extLst>
-              <a:ext uri="{FF2B5EF4-FFF2-40B4-BE49-F238E27FC236}">
-                <a16:creationId xmlns:a16="http://schemas.microsoft.com/office/drawing/2014/main" id="{7616EAF8-BB78-6B48-8D80-C0E5857972DC}"/>
-              </a:ext>
-            </a:extLst>
-          </p:cNvPr>
-          <p:cNvGraphicFramePr>
-            <a:graphicFrameLocks noGrp="1"/>
-          </p:cNvGraphicFramePr>
-          <p:nvPr>
-            <p:ph idx="1"/>
-            <p:extLst>
-              <p:ext uri="{D42A27DB-BD31-4B8C-83A1-F6EECF244321}">
                 <p14:modId xmlns:p14="http://schemas.microsoft.com/office/powerpoint/2010/main" val="825520969"/>
               </p:ext>
             </p:extLst>
@@ -20369,6 +16456,35 @@
           </a:graphicData>
         </a:graphic>
       </p:graphicFrame>
+      <p:sp>
+        <p:nvSpPr>
+          <p:cNvPr id="15" name="Slide Number Placeholder 14">
+            <a:extLst>
+              <a:ext uri="{FF2B5EF4-FFF2-40B4-BE49-F238E27FC236}">
+                <a16:creationId xmlns:a16="http://schemas.microsoft.com/office/drawing/2014/main" id="{3FA8971A-E605-2A48-8F15-6D2F675ABE65}"/>
+              </a:ext>
+            </a:extLst>
+          </p:cNvPr>
+          <p:cNvSpPr>
+            <a:spLocks noGrp="1"/>
+          </p:cNvSpPr>
+          <p:nvPr>
+            <p:ph type="sldNum" sz="quarter" idx="12"/>
+          </p:nvPr>
+        </p:nvSpPr>
+        <p:spPr/>
+        <p:txBody>
+          <a:bodyPr/>
+          <a:lstStyle/>
+          <a:p>
+            <a:fld id="{6D22F896-40B5-4ADD-8801-0D06FADFA095}" type="slidenum">
+              <a:rPr lang="en-US" smtClean="0"/>
+              <a:t>18</a:t>
+            </a:fld>
+            <a:endParaRPr lang="en-US" dirty="0"/>
+          </a:p>
+        </p:txBody>
+      </p:sp>
     </p:spTree>
     <p:extLst>
       <p:ext uri="{BB962C8B-B14F-4D97-AF65-F5344CB8AC3E}">
@@ -20508,7 +16624,507 @@
 </p:sld>
 </file>
 
-<file path=ppt/slides/slide6.xml><?xml version="1.0" encoding="utf-8"?>
+<file path=ppt/slides/slide2.xml><?xml version="1.0" encoding="utf-8"?>
+<p:sld xmlns:a="http://schemas.openxmlformats.org/drawingml/2006/main" xmlns:r="http://schemas.openxmlformats.org/officeDocument/2006/relationships" xmlns:p="http://schemas.openxmlformats.org/presentationml/2006/main">
+  <p:cSld>
+    <p:spTree>
+      <p:nvGrpSpPr>
+        <p:cNvPr id="1" name=""/>
+        <p:cNvGrpSpPr/>
+        <p:nvPr/>
+      </p:nvGrpSpPr>
+      <p:grpSpPr>
+        <a:xfrm>
+          <a:off x="0" y="0"/>
+          <a:ext cx="0" cy="0"/>
+          <a:chOff x="0" y="0"/>
+          <a:chExt cx="0" cy="0"/>
+        </a:xfrm>
+      </p:grpSpPr>
+      <p:sp>
+        <p:nvSpPr>
+          <p:cNvPr id="2" name="Title 1">
+            <a:extLst>
+              <a:ext uri="{FF2B5EF4-FFF2-40B4-BE49-F238E27FC236}">
+                <a16:creationId xmlns:a16="http://schemas.microsoft.com/office/drawing/2014/main" id="{7B723D73-BC0B-F54B-AF47-73028F5A010E}"/>
+              </a:ext>
+            </a:extLst>
+          </p:cNvPr>
+          <p:cNvSpPr>
+            <a:spLocks noGrp="1"/>
+          </p:cNvSpPr>
+          <p:nvPr>
+            <p:ph type="title"/>
+          </p:nvPr>
+        </p:nvSpPr>
+        <p:spPr/>
+        <p:txBody>
+          <a:bodyPr/>
+          <a:lstStyle/>
+          <a:p>
+            <a:pPr algn="l"/>
+            <a:r>
+              <a:rPr lang="en-US" dirty="0"/>
+              <a:t>Introduction </a:t>
+            </a:r>
+          </a:p>
+        </p:txBody>
+      </p:sp>
+      <p:sp>
+        <p:nvSpPr>
+          <p:cNvPr id="3" name="Content Placeholder 2">
+            <a:extLst>
+              <a:ext uri="{FF2B5EF4-FFF2-40B4-BE49-F238E27FC236}">
+                <a16:creationId xmlns:a16="http://schemas.microsoft.com/office/drawing/2014/main" id="{B8652765-67AB-5746-8D88-1CCDCD112CC2}"/>
+              </a:ext>
+            </a:extLst>
+          </p:cNvPr>
+          <p:cNvSpPr>
+            <a:spLocks noGrp="1"/>
+          </p:cNvSpPr>
+          <p:nvPr>
+            <p:ph idx="1"/>
+          </p:nvPr>
+        </p:nvSpPr>
+        <p:spPr>
+          <a:xfrm>
+            <a:off x="2611808" y="2026716"/>
+            <a:ext cx="7796540" cy="3997828"/>
+          </a:xfrm>
+        </p:spPr>
+        <p:txBody>
+          <a:bodyPr/>
+          <a:lstStyle/>
+          <a:p>
+            <a:r>
+              <a:rPr lang="en-US" dirty="0">
+                <a:latin typeface="Futura Medium" panose="020B0602020204020303" pitchFamily="34" charset="-79"/>
+                <a:ea typeface="Helvetica Neue" panose="02000503000000020004" pitchFamily="2" charset="0"/>
+                <a:cs typeface="Futura Medium" panose="020B0602020204020303" pitchFamily="34" charset="-79"/>
+              </a:rPr>
+              <a:t>A network’s backbone is its routing control plane</a:t>
+            </a:r>
+          </a:p>
+          <a:p>
+            <a:pPr lvl="1"/>
+            <a:r>
+              <a:rPr lang="en-US" dirty="0">
+                <a:latin typeface="Futura Medium" panose="020B0602020204020303" pitchFamily="34" charset="-79"/>
+                <a:ea typeface="Helvetica Neue" panose="02000503000000020004" pitchFamily="2" charset="0"/>
+                <a:cs typeface="Futura Medium" panose="020B0602020204020303" pitchFamily="34" charset="-79"/>
+              </a:rPr>
+              <a:t>Set of rules that dictate how the network should behave</a:t>
+            </a:r>
+          </a:p>
+          <a:p>
+            <a:r>
+              <a:rPr lang="en-US" dirty="0">
+                <a:latin typeface="Futura Medium" panose="020B0602020204020303" pitchFamily="34" charset="-79"/>
+                <a:ea typeface="Helvetica Neue" panose="02000503000000020004" pitchFamily="2" charset="0"/>
+                <a:cs typeface="Futura Medium" panose="020B0602020204020303" pitchFamily="34" charset="-79"/>
+              </a:rPr>
+              <a:t>Control plane logic is distributed across the network</a:t>
+            </a:r>
+          </a:p>
+          <a:p>
+            <a:r>
+              <a:rPr lang="en-US" dirty="0">
+                <a:latin typeface="Futura Medium" panose="020B0602020204020303" pitchFamily="34" charset="-79"/>
+                <a:ea typeface="Helvetica Neue" panose="02000503000000020004" pitchFamily="2" charset="0"/>
+                <a:cs typeface="Futura Medium" panose="020B0602020204020303" pitchFamily="34" charset="-79"/>
+              </a:rPr>
+              <a:t>Each router has its own </a:t>
+            </a:r>
+            <a:r>
+              <a:rPr lang="en-US" u="sng" dirty="0">
+                <a:latin typeface="Futura Medium" panose="020B0602020204020303" pitchFamily="34" charset="-79"/>
+                <a:ea typeface="Helvetica Neue" panose="02000503000000020004" pitchFamily="2" charset="0"/>
+                <a:cs typeface="Futura Medium" panose="020B0602020204020303" pitchFamily="34" charset="-79"/>
+              </a:rPr>
+              <a:t>configuration file</a:t>
+            </a:r>
+            <a:r>
+              <a:rPr lang="en-US" dirty="0">
+                <a:latin typeface="Futura Medium" panose="020B0602020204020303" pitchFamily="34" charset="-79"/>
+                <a:ea typeface="Helvetica Neue" panose="02000503000000020004" pitchFamily="2" charset="0"/>
+                <a:cs typeface="Futura Medium" panose="020B0602020204020303" pitchFamily="34" charset="-79"/>
+              </a:rPr>
+              <a:t> that tells it what to do</a:t>
+            </a:r>
+          </a:p>
+          <a:p>
+            <a:endParaRPr lang="en-US" dirty="0">
+              <a:latin typeface="Futura Medium" panose="020B0602020204020303" pitchFamily="34" charset="-79"/>
+              <a:ea typeface="Helvetica Neue" panose="02000503000000020004" pitchFamily="2" charset="0"/>
+              <a:cs typeface="Futura Medium" panose="020B0602020204020303" pitchFamily="34" charset="-79"/>
+            </a:endParaRPr>
+          </a:p>
+        </p:txBody>
+      </p:sp>
+      <p:sp>
+        <p:nvSpPr>
+          <p:cNvPr id="5" name="Slide Number Placeholder 4">
+            <a:extLst>
+              <a:ext uri="{FF2B5EF4-FFF2-40B4-BE49-F238E27FC236}">
+                <a16:creationId xmlns:a16="http://schemas.microsoft.com/office/drawing/2014/main" id="{6E0235FC-63A7-BD42-B117-9E3A8D22309A}"/>
+              </a:ext>
+            </a:extLst>
+          </p:cNvPr>
+          <p:cNvSpPr>
+            <a:spLocks noGrp="1"/>
+          </p:cNvSpPr>
+          <p:nvPr>
+            <p:ph type="sldNum" sz="quarter" idx="12"/>
+          </p:nvPr>
+        </p:nvSpPr>
+        <p:spPr/>
+        <p:txBody>
+          <a:bodyPr/>
+          <a:lstStyle/>
+          <a:p>
+            <a:fld id="{6D22F896-40B5-4ADD-8801-0D06FADFA095}" type="slidenum">
+              <a:rPr lang="en-US" smtClean="0"/>
+              <a:t>2</a:t>
+            </a:fld>
+            <a:endParaRPr lang="en-US" dirty="0"/>
+          </a:p>
+        </p:txBody>
+      </p:sp>
+    </p:spTree>
+    <p:extLst>
+      <p:ext uri="{BB962C8B-B14F-4D97-AF65-F5344CB8AC3E}">
+        <p14:creationId xmlns:p14="http://schemas.microsoft.com/office/powerpoint/2010/main" val="3807295900"/>
+      </p:ext>
+    </p:extLst>
+  </p:cSld>
+  <p:clrMapOvr>
+    <a:masterClrMapping/>
+  </p:clrMapOvr>
+</p:sld>
+</file>
+
+<file path=ppt/slides/slide3.xml><?xml version="1.0" encoding="utf-8"?>
+<p:sld xmlns:a="http://schemas.openxmlformats.org/drawingml/2006/main" xmlns:r="http://schemas.openxmlformats.org/officeDocument/2006/relationships" xmlns:p="http://schemas.openxmlformats.org/presentationml/2006/main">
+  <p:cSld>
+    <p:spTree>
+      <p:nvGrpSpPr>
+        <p:cNvPr id="1" name=""/>
+        <p:cNvGrpSpPr/>
+        <p:nvPr/>
+      </p:nvGrpSpPr>
+      <p:grpSpPr>
+        <a:xfrm>
+          <a:off x="0" y="0"/>
+          <a:ext cx="0" cy="0"/>
+          <a:chOff x="0" y="0"/>
+          <a:chExt cx="0" cy="0"/>
+        </a:xfrm>
+      </p:grpSpPr>
+      <p:sp>
+        <p:nvSpPr>
+          <p:cNvPr id="2" name="Title 1">
+            <a:extLst>
+              <a:ext uri="{FF2B5EF4-FFF2-40B4-BE49-F238E27FC236}">
+                <a16:creationId xmlns:a16="http://schemas.microsoft.com/office/drawing/2014/main" id="{0A5614DE-4963-D448-9FB3-B85AC6B3F0D3}"/>
+              </a:ext>
+            </a:extLst>
+          </p:cNvPr>
+          <p:cNvSpPr>
+            <a:spLocks noGrp="1"/>
+          </p:cNvSpPr>
+          <p:nvPr>
+            <p:ph type="title"/>
+          </p:nvPr>
+        </p:nvSpPr>
+        <p:spPr>
+          <a:xfrm>
+            <a:off x="2611808" y="808056"/>
+            <a:ext cx="7958331" cy="1077229"/>
+          </a:xfrm>
+        </p:spPr>
+        <p:txBody>
+          <a:bodyPr/>
+          <a:lstStyle/>
+          <a:p>
+            <a:pPr algn="l"/>
+            <a:r>
+              <a:rPr lang="en-US" dirty="0"/>
+              <a:t>Problem Statement</a:t>
+            </a:r>
+          </a:p>
+        </p:txBody>
+      </p:sp>
+      <p:sp>
+        <p:nvSpPr>
+          <p:cNvPr id="3" name="Content Placeholder 2">
+            <a:extLst>
+              <a:ext uri="{FF2B5EF4-FFF2-40B4-BE49-F238E27FC236}">
+                <a16:creationId xmlns:a16="http://schemas.microsoft.com/office/drawing/2014/main" id="{3428C3C8-D279-0B41-B1F4-5924868A6DF0}"/>
+              </a:ext>
+            </a:extLst>
+          </p:cNvPr>
+          <p:cNvSpPr>
+            <a:spLocks noGrp="1"/>
+          </p:cNvSpPr>
+          <p:nvPr>
+            <p:ph idx="1"/>
+          </p:nvPr>
+        </p:nvSpPr>
+        <p:spPr>
+          <a:xfrm>
+            <a:off x="1312547" y="1885285"/>
+            <a:ext cx="3925375" cy="4209536"/>
+          </a:xfrm>
+        </p:spPr>
+        <p:txBody>
+          <a:bodyPr/>
+          <a:lstStyle/>
+          <a:p>
+            <a:r>
+              <a:rPr lang="en-US" dirty="0"/>
+              <a:t>Network configurations are often very complex</a:t>
+            </a:r>
+          </a:p>
+          <a:p>
+            <a:pPr fontAlgn="base"/>
+            <a:r>
+              <a:rPr lang="en-US" dirty="0"/>
+              <a:t>Small mistakes can lead to big problems</a:t>
+            </a:r>
+          </a:p>
+          <a:p>
+            <a:pPr fontAlgn="base"/>
+            <a:r>
+              <a:rPr lang="en-US" dirty="0"/>
+              <a:t>Need for tools that can fix broken network configurations or prevent errors</a:t>
+            </a:r>
+          </a:p>
+          <a:p>
+            <a:endParaRPr lang="en-US" dirty="0"/>
+          </a:p>
+        </p:txBody>
+      </p:sp>
+      <p:pic>
+        <p:nvPicPr>
+          <p:cNvPr id="4" name="Picture 6" descr="https://lh6.googleusercontent.com/U8DiTENPHbhVFyljAq94uRFV2j_REAqu-mIH0c0-MYVDIvBDCEIL8TCDJgtjl8u-SPEsg4R4YjqmELxpy1sqkNuNnOprJt1SvQIrwvLKUaMoHlaPlNuAe7I4Rumgo1CvRQAxWIkQF3g">
+            <a:extLst>
+              <a:ext uri="{FF2B5EF4-FFF2-40B4-BE49-F238E27FC236}">
+                <a16:creationId xmlns:a16="http://schemas.microsoft.com/office/drawing/2014/main" id="{5A0C2289-FB93-6C4F-B9D0-6005A96A41EF}"/>
+              </a:ext>
+            </a:extLst>
+          </p:cNvPr>
+          <p:cNvPicPr>
+            <a:picLocks noChangeAspect="1" noChangeArrowheads="1"/>
+          </p:cNvPicPr>
+          <p:nvPr/>
+        </p:nvPicPr>
+        <p:blipFill>
+          <a:blip r:embed="rId2">
+            <a:extLst>
+              <a:ext uri="{28A0092B-C50C-407E-A947-70E740481C1C}">
+                <a14:useLocalDpi xmlns:a14="http://schemas.microsoft.com/office/drawing/2010/main" val="0"/>
+              </a:ext>
+            </a:extLst>
+          </a:blip>
+          <a:srcRect/>
+          <a:stretch>
+            <a:fillRect/>
+          </a:stretch>
+        </p:blipFill>
+        <p:spPr bwMode="auto">
+          <a:xfrm>
+            <a:off x="7467190" y="7764939"/>
+            <a:ext cx="5522573" cy="3706201"/>
+          </a:xfrm>
+          <a:prstGeom prst="rect">
+            <a:avLst/>
+          </a:prstGeom>
+          <a:noFill/>
+          <a:extLst>
+            <a:ext uri="{909E8E84-426E-40DD-AFC4-6F175D3DCCD1}">
+              <a14:hiddenFill xmlns:a14="http://schemas.microsoft.com/office/drawing/2010/main">
+                <a:solidFill>
+                  <a:srgbClr val="FFFFFF"/>
+                </a:solidFill>
+              </a14:hiddenFill>
+            </a:ext>
+          </a:extLst>
+        </p:spPr>
+      </p:pic>
+      <p:pic>
+        <p:nvPicPr>
+          <p:cNvPr id="5" name="Picture 6" descr="https://lh6.googleusercontent.com/U8DiTENPHbhVFyljAq94uRFV2j_REAqu-mIH0c0-MYVDIvBDCEIL8TCDJgtjl8u-SPEsg4R4YjqmELxpy1sqkNuNnOprJt1SvQIrwvLKUaMoHlaPlNuAe7I4Rumgo1CvRQAxWIkQF3g">
+            <a:extLst>
+              <a:ext uri="{FF2B5EF4-FFF2-40B4-BE49-F238E27FC236}">
+                <a16:creationId xmlns:a16="http://schemas.microsoft.com/office/drawing/2014/main" id="{65C74EE8-C3F2-474F-9CA3-56A04A56F16B}"/>
+              </a:ext>
+            </a:extLst>
+          </p:cNvPr>
+          <p:cNvPicPr>
+            <a:picLocks noChangeAspect="1" noChangeArrowheads="1"/>
+          </p:cNvPicPr>
+          <p:nvPr/>
+        </p:nvPicPr>
+        <p:blipFill>
+          <a:blip r:embed="rId2">
+            <a:extLst>
+              <a:ext uri="{28A0092B-C50C-407E-A947-70E740481C1C}">
+                <a14:useLocalDpi xmlns:a14="http://schemas.microsoft.com/office/drawing/2010/main" val="0"/>
+              </a:ext>
+            </a:extLst>
+          </a:blip>
+          <a:srcRect/>
+          <a:stretch>
+            <a:fillRect/>
+          </a:stretch>
+        </p:blipFill>
+        <p:spPr bwMode="auto">
+          <a:xfrm>
+            <a:off x="7619590" y="7917339"/>
+            <a:ext cx="5522573" cy="3706201"/>
+          </a:xfrm>
+          <a:prstGeom prst="rect">
+            <a:avLst/>
+          </a:prstGeom>
+          <a:noFill/>
+          <a:extLst>
+            <a:ext uri="{909E8E84-426E-40DD-AFC4-6F175D3DCCD1}">
+              <a14:hiddenFill xmlns:a14="http://schemas.microsoft.com/office/drawing/2010/main">
+                <a:solidFill>
+                  <a:srgbClr val="FFFFFF"/>
+                </a:solidFill>
+              </a14:hiddenFill>
+            </a:ext>
+          </a:extLst>
+        </p:spPr>
+      </p:pic>
+      <p:pic>
+        <p:nvPicPr>
+          <p:cNvPr id="20" name="Picture 6" descr="https://lh6.googleusercontent.com/U8DiTENPHbhVFyljAq94uRFV2j_REAqu-mIH0c0-MYVDIvBDCEIL8TCDJgtjl8u-SPEsg4R4YjqmELxpy1sqkNuNnOprJt1SvQIrwvLKUaMoHlaPlNuAe7I4Rumgo1CvRQAxWIkQF3g">
+            <a:extLst>
+              <a:ext uri="{FF2B5EF4-FFF2-40B4-BE49-F238E27FC236}">
+                <a16:creationId xmlns:a16="http://schemas.microsoft.com/office/drawing/2014/main" id="{9DF69E82-4C1A-B444-9178-3741D1CDE578}"/>
+              </a:ext>
+            </a:extLst>
+          </p:cNvPr>
+          <p:cNvPicPr>
+            <a:picLocks noChangeAspect="1" noChangeArrowheads="1"/>
+          </p:cNvPicPr>
+          <p:nvPr/>
+        </p:nvPicPr>
+        <p:blipFill>
+          <a:blip r:embed="rId2">
+            <a:extLst>
+              <a:ext uri="{28A0092B-C50C-407E-A947-70E740481C1C}">
+                <a14:useLocalDpi xmlns:a14="http://schemas.microsoft.com/office/drawing/2010/main" val="0"/>
+              </a:ext>
+            </a:extLst>
+          </a:blip>
+          <a:srcRect/>
+          <a:stretch>
+            <a:fillRect/>
+          </a:stretch>
+        </p:blipFill>
+        <p:spPr bwMode="auto">
+          <a:xfrm>
+            <a:off x="7771990" y="8069739"/>
+            <a:ext cx="5522573" cy="3706201"/>
+          </a:xfrm>
+          <a:prstGeom prst="rect">
+            <a:avLst/>
+          </a:prstGeom>
+          <a:noFill/>
+          <a:extLst>
+            <a:ext uri="{909E8E84-426E-40DD-AFC4-6F175D3DCCD1}">
+              <a14:hiddenFill xmlns:a14="http://schemas.microsoft.com/office/drawing/2010/main">
+                <a:solidFill>
+                  <a:srgbClr val="FFFFFF"/>
+                </a:solidFill>
+              </a14:hiddenFill>
+            </a:ext>
+          </a:extLst>
+        </p:spPr>
+      </p:pic>
+      <p:pic>
+        <p:nvPicPr>
+          <p:cNvPr id="8" name="Picture 7">
+            <a:extLst>
+              <a:ext uri="{FF2B5EF4-FFF2-40B4-BE49-F238E27FC236}">
+                <a16:creationId xmlns:a16="http://schemas.microsoft.com/office/drawing/2014/main" id="{158A6ED9-0ABF-2741-AD50-0F993F758CAC}"/>
+              </a:ext>
+            </a:extLst>
+          </p:cNvPr>
+          <p:cNvPicPr>
+            <a:picLocks noChangeAspect="1"/>
+          </p:cNvPicPr>
+          <p:nvPr/>
+        </p:nvPicPr>
+        <p:blipFill>
+          <a:blip r:embed="rId3">
+            <a:alphaModFix amt="97000"/>
+          </a:blip>
+          <a:stretch>
+            <a:fillRect/>
+          </a:stretch>
+        </p:blipFill>
+        <p:spPr>
+          <a:xfrm>
+            <a:off x="5562875" y="1885285"/>
+            <a:ext cx="5499100" cy="3695700"/>
+          </a:xfrm>
+          <a:prstGeom prst="rect">
+            <a:avLst/>
+          </a:prstGeom>
+          <a:effectLst>
+            <a:innerShdw blurRad="114300">
+              <a:prstClr val="black"/>
+            </a:innerShdw>
+          </a:effectLst>
+        </p:spPr>
+      </p:pic>
+      <p:sp>
+        <p:nvSpPr>
+          <p:cNvPr id="10" name="Slide Number Placeholder 9">
+            <a:extLst>
+              <a:ext uri="{FF2B5EF4-FFF2-40B4-BE49-F238E27FC236}">
+                <a16:creationId xmlns:a16="http://schemas.microsoft.com/office/drawing/2014/main" id="{75B8112A-5954-E840-9161-5C2AF05FD3A5}"/>
+              </a:ext>
+            </a:extLst>
+          </p:cNvPr>
+          <p:cNvSpPr>
+            <a:spLocks noGrp="1"/>
+          </p:cNvSpPr>
+          <p:nvPr>
+            <p:ph type="sldNum" sz="quarter" idx="12"/>
+          </p:nvPr>
+        </p:nvSpPr>
+        <p:spPr/>
+        <p:txBody>
+          <a:bodyPr/>
+          <a:lstStyle/>
+          <a:p>
+            <a:fld id="{6D22F896-40B5-4ADD-8801-0D06FADFA095}" type="slidenum">
+              <a:rPr lang="en-US" smtClean="0"/>
+              <a:t>3</a:t>
+            </a:fld>
+            <a:endParaRPr lang="en-US" dirty="0"/>
+          </a:p>
+        </p:txBody>
+      </p:sp>
+    </p:spTree>
+    <p:extLst>
+      <p:ext uri="{BB962C8B-B14F-4D97-AF65-F5344CB8AC3E}">
+        <p14:creationId xmlns:p14="http://schemas.microsoft.com/office/powerpoint/2010/main" val="3300389656"/>
+      </p:ext>
+    </p:extLst>
+  </p:cSld>
+  <p:clrMapOvr>
+    <a:masterClrMapping/>
+  </p:clrMapOvr>
+</p:sld>
+</file>
+
+<file path=ppt/slides/slide4.xml><?xml version="1.0" encoding="utf-8"?>
 <p:sld xmlns:a="http://schemas.openxmlformats.org/drawingml/2006/main" xmlns:r="http://schemas.openxmlformats.org/officeDocument/2006/relationships" xmlns:p="http://schemas.openxmlformats.org/presentationml/2006/main">
   <p:cSld>
     <p:spTree>
@@ -20568,6 +17184,11 @@
           </p:cNvGraphicFramePr>
           <p:nvPr>
             <p:ph idx="1"/>
+            <p:extLst>
+              <p:ext uri="{D42A27DB-BD31-4B8C-83A1-F6EECF244321}">
+                <p14:modId xmlns:p14="http://schemas.microsoft.com/office/powerpoint/2010/main" val="1064496326"/>
+              </p:ext>
+            </p:extLst>
           </p:nvPr>
         </p:nvGraphicFramePr>
         <p:xfrm>
@@ -20576,14 +17197,43 @@
         </p:xfrm>
         <a:graphic>
           <a:graphicData uri="http://schemas.openxmlformats.org/drawingml/2006/diagram">
-            <dgm:relIds xmlns:dgm="http://schemas.openxmlformats.org/drawingml/2006/diagram" xmlns:r="http://schemas.openxmlformats.org/officeDocument/2006/relationships" r:dm="rId2" r:lo="rId3" r:qs="rId4" r:cs="rId5"/>
+            <dgm:relIds xmlns:dgm="http://schemas.openxmlformats.org/drawingml/2006/diagram" xmlns:r="http://schemas.openxmlformats.org/officeDocument/2006/relationships" r:dm="rId3" r:lo="rId4" r:qs="rId5" r:cs="rId6"/>
           </a:graphicData>
         </a:graphic>
       </p:graphicFrame>
+      <p:sp>
+        <p:nvSpPr>
+          <p:cNvPr id="5" name="Slide Number Placeholder 4">
+            <a:extLst>
+              <a:ext uri="{FF2B5EF4-FFF2-40B4-BE49-F238E27FC236}">
+                <a16:creationId xmlns:a16="http://schemas.microsoft.com/office/drawing/2014/main" id="{19F55871-C3E1-3046-B875-C29FDFAA0F47}"/>
+              </a:ext>
+            </a:extLst>
+          </p:cNvPr>
+          <p:cNvSpPr>
+            <a:spLocks noGrp="1"/>
+          </p:cNvSpPr>
+          <p:nvPr>
+            <p:ph type="sldNum" sz="quarter" idx="12"/>
+          </p:nvPr>
+        </p:nvSpPr>
+        <p:spPr/>
+        <p:txBody>
+          <a:bodyPr/>
+          <a:lstStyle/>
+          <a:p>
+            <a:fld id="{6D22F896-40B5-4ADD-8801-0D06FADFA095}" type="slidenum">
+              <a:rPr lang="en-US" smtClean="0"/>
+              <a:t>4</a:t>
+            </a:fld>
+            <a:endParaRPr lang="en-US" dirty="0"/>
+          </a:p>
+        </p:txBody>
+      </p:sp>
     </p:spTree>
     <p:extLst>
       <p:ext uri="{BB962C8B-B14F-4D97-AF65-F5344CB8AC3E}">
-        <p14:creationId xmlns:p14="http://schemas.microsoft.com/office/powerpoint/2010/main" val="1033248272"/>
+        <p14:creationId xmlns:p14="http://schemas.microsoft.com/office/powerpoint/2010/main" val="4106469648"/>
       </p:ext>
     </p:extLst>
   </p:cSld>
@@ -20611,7 +17261,7 @@
                             </p:stCondLst>
                             <p:childTnLst>
                               <p:par>
-                                <p:cTn id="5" presetID="2" presetClass="entr" presetSubtype="4" fill="hold" grpId="0" nodeType="clickEffect">
+                                <p:cTn id="5" presetID="22" presetClass="entr" presetSubtype="4" fill="hold" grpId="0" nodeType="clickEffect">
                                   <p:stCondLst>
                                     <p:cond delay="0"/>
                                   </p:stCondLst>
@@ -20624,7 +17274,7 @@
                                           </p:stCondLst>
                                         </p:cTn>
                                         <p:tgtEl>
-                                          <p:spTgt spid="2"/>
+                                          <p:spTgt spid="4"/>
                                         </p:tgtEl>
                                         <p:attrNameLst>
                                           <p:attrName>style.visibility</p:attrName>
@@ -20634,52 +17284,14 @@
                                         <p:strVal val="visible"/>
                                       </p:to>
                                     </p:set>
-                                    <p:anim calcmode="lin" valueType="num">
-                                      <p:cBhvr additive="base">
-                                        <p:cTn id="7" dur="500" fill="hold"/>
+                                    <p:animEffect transition="in" filter="wipe(down)">
+                                      <p:cBhvr>
+                                        <p:cTn id="7" dur="1000"/>
                                         <p:tgtEl>
-                                          <p:spTgt spid="2"/>
+                                          <p:spTgt spid="4"/>
                                         </p:tgtEl>
-                                        <p:attrNameLst>
-                                          <p:attrName>ppt_x</p:attrName>
-                                        </p:attrNameLst>
                                       </p:cBhvr>
-                                      <p:tavLst>
-                                        <p:tav tm="0">
-                                          <p:val>
-                                            <p:strVal val="#ppt_x"/>
-                                          </p:val>
-                                        </p:tav>
-                                        <p:tav tm="100000">
-                                          <p:val>
-                                            <p:strVal val="#ppt_x"/>
-                                          </p:val>
-                                        </p:tav>
-                                      </p:tavLst>
-                                    </p:anim>
-                                    <p:anim calcmode="lin" valueType="num">
-                                      <p:cBhvr additive="base">
-                                        <p:cTn id="8" dur="500" fill="hold"/>
-                                        <p:tgtEl>
-                                          <p:spTgt spid="2"/>
-                                        </p:tgtEl>
-                                        <p:attrNameLst>
-                                          <p:attrName>ppt_y</p:attrName>
-                                        </p:attrNameLst>
-                                      </p:cBhvr>
-                                      <p:tavLst>
-                                        <p:tav tm="0">
-                                          <p:val>
-                                            <p:strVal val="1+#ppt_h/2"/>
-                                          </p:val>
-                                        </p:tav>
-                                        <p:tav tm="100000">
-                                          <p:val>
-                                            <p:strVal val="#ppt_y"/>
-                                          </p:val>
-                                        </p:tav>
-                                      </p:tavLst>
-                                    </p:anim>
+                                    </p:animEffect>
                                   </p:childTnLst>
                                 </p:cTn>
                               </p:par>
@@ -20711,9 +17323,251 @@
       </p:par>
     </p:tnLst>
     <p:bldLst>
-      <p:bldP spid="2" grpId="0"/>
+      <p:bldGraphic spid="4" grpId="0">
+        <p:bldAsOne/>
+      </p:bldGraphic>
     </p:bldLst>
   </p:timing>
+</p:sld>
+</file>
+
+<file path=ppt/slides/slide5.xml><?xml version="1.0" encoding="utf-8"?>
+<p:sld xmlns:a="http://schemas.openxmlformats.org/drawingml/2006/main" xmlns:r="http://schemas.openxmlformats.org/officeDocument/2006/relationships" xmlns:p="http://schemas.openxmlformats.org/presentationml/2006/main">
+  <p:cSld>
+    <p:spTree>
+      <p:nvGrpSpPr>
+        <p:cNvPr id="1" name=""/>
+        <p:cNvGrpSpPr/>
+        <p:nvPr/>
+      </p:nvGrpSpPr>
+      <p:grpSpPr>
+        <a:xfrm>
+          <a:off x="0" y="0"/>
+          <a:ext cx="0" cy="0"/>
+          <a:chOff x="0" y="0"/>
+          <a:chExt cx="0" cy="0"/>
+        </a:xfrm>
+      </p:grpSpPr>
+      <p:sp>
+        <p:nvSpPr>
+          <p:cNvPr id="2" name="Title 1">
+            <a:extLst>
+              <a:ext uri="{FF2B5EF4-FFF2-40B4-BE49-F238E27FC236}">
+                <a16:creationId xmlns:a16="http://schemas.microsoft.com/office/drawing/2014/main" id="{2FE2D612-D844-4940-9A66-270E08EB0E50}"/>
+              </a:ext>
+            </a:extLst>
+          </p:cNvPr>
+          <p:cNvSpPr>
+            <a:spLocks noGrp="1"/>
+          </p:cNvSpPr>
+          <p:nvPr>
+            <p:ph type="title"/>
+          </p:nvPr>
+        </p:nvSpPr>
+        <p:spPr/>
+        <p:txBody>
+          <a:bodyPr/>
+          <a:lstStyle/>
+          <a:p>
+            <a:pPr algn="l"/>
+            <a:r>
+              <a:rPr lang="en-US" dirty="0"/>
+              <a:t>Outline</a:t>
+            </a:r>
+          </a:p>
+        </p:txBody>
+      </p:sp>
+      <p:sp>
+        <p:nvSpPr>
+          <p:cNvPr id="3" name="Content Placeholder 2">
+            <a:extLst>
+              <a:ext uri="{FF2B5EF4-FFF2-40B4-BE49-F238E27FC236}">
+                <a16:creationId xmlns:a16="http://schemas.microsoft.com/office/drawing/2014/main" id="{3C955E91-E883-F44D-8B8D-990CBFB9B582}"/>
+              </a:ext>
+            </a:extLst>
+          </p:cNvPr>
+          <p:cNvSpPr>
+            <a:spLocks noGrp="1"/>
+          </p:cNvSpPr>
+          <p:nvPr>
+            <p:ph idx="1"/>
+          </p:nvPr>
+        </p:nvSpPr>
+        <p:spPr/>
+        <p:txBody>
+          <a:bodyPr/>
+          <a:lstStyle/>
+          <a:p>
+            <a:r>
+              <a:rPr lang="en-US" dirty="0"/>
+              <a:t>Background</a:t>
+            </a:r>
+          </a:p>
+          <a:p>
+            <a:r>
+              <a:rPr lang="en-US" dirty="0"/>
+              <a:t>Methodology</a:t>
+            </a:r>
+          </a:p>
+          <a:p>
+            <a:r>
+              <a:rPr lang="en-US" dirty="0"/>
+              <a:t>Results</a:t>
+            </a:r>
+          </a:p>
+        </p:txBody>
+      </p:sp>
+      <p:sp>
+        <p:nvSpPr>
+          <p:cNvPr id="4" name="Slide Number Placeholder 3">
+            <a:extLst>
+              <a:ext uri="{FF2B5EF4-FFF2-40B4-BE49-F238E27FC236}">
+                <a16:creationId xmlns:a16="http://schemas.microsoft.com/office/drawing/2014/main" id="{279ABADC-2C37-494D-959E-0D8232FB5406}"/>
+              </a:ext>
+            </a:extLst>
+          </p:cNvPr>
+          <p:cNvSpPr>
+            <a:spLocks noGrp="1"/>
+          </p:cNvSpPr>
+          <p:nvPr>
+            <p:ph type="sldNum" sz="quarter" idx="12"/>
+          </p:nvPr>
+        </p:nvSpPr>
+        <p:spPr/>
+        <p:txBody>
+          <a:bodyPr/>
+          <a:lstStyle/>
+          <a:p>
+            <a:fld id="{6D22F896-40B5-4ADD-8801-0D06FADFA095}" type="slidenum">
+              <a:rPr lang="en-US" smtClean="0"/>
+              <a:t>5</a:t>
+            </a:fld>
+            <a:endParaRPr lang="en-US" dirty="0"/>
+          </a:p>
+        </p:txBody>
+      </p:sp>
+    </p:spTree>
+    <p:extLst>
+      <p:ext uri="{BB962C8B-B14F-4D97-AF65-F5344CB8AC3E}">
+        <p14:creationId xmlns:p14="http://schemas.microsoft.com/office/powerpoint/2010/main" val="2636793842"/>
+      </p:ext>
+    </p:extLst>
+  </p:cSld>
+  <p:clrMapOvr>
+    <a:masterClrMapping/>
+  </p:clrMapOvr>
+</p:sld>
+</file>
+
+<file path=ppt/slides/slide6.xml><?xml version="1.0" encoding="utf-8"?>
+<p:sld xmlns:a="http://schemas.openxmlformats.org/drawingml/2006/main" xmlns:r="http://schemas.openxmlformats.org/officeDocument/2006/relationships" xmlns:p="http://schemas.openxmlformats.org/presentationml/2006/main">
+  <p:cSld>
+    <p:spTree>
+      <p:nvGrpSpPr>
+        <p:cNvPr id="1" name=""/>
+        <p:cNvGrpSpPr/>
+        <p:nvPr/>
+      </p:nvGrpSpPr>
+      <p:grpSpPr>
+        <a:xfrm>
+          <a:off x="0" y="0"/>
+          <a:ext cx="0" cy="0"/>
+          <a:chOff x="0" y="0"/>
+          <a:chExt cx="0" cy="0"/>
+        </a:xfrm>
+      </p:grpSpPr>
+      <p:sp>
+        <p:nvSpPr>
+          <p:cNvPr id="2" name="Title 1">
+            <a:extLst>
+              <a:ext uri="{FF2B5EF4-FFF2-40B4-BE49-F238E27FC236}">
+                <a16:creationId xmlns:a16="http://schemas.microsoft.com/office/drawing/2014/main" id="{AED04755-226C-C844-9818-5A07E2E46178}"/>
+              </a:ext>
+            </a:extLst>
+          </p:cNvPr>
+          <p:cNvSpPr>
+            <a:spLocks noGrp="1"/>
+          </p:cNvSpPr>
+          <p:nvPr>
+            <p:ph type="title"/>
+          </p:nvPr>
+        </p:nvSpPr>
+        <p:spPr/>
+        <p:txBody>
+          <a:bodyPr/>
+          <a:lstStyle/>
+          <a:p>
+            <a:endParaRPr lang="en-US"/>
+          </a:p>
+        </p:txBody>
+      </p:sp>
+      <p:sp>
+        <p:nvSpPr>
+          <p:cNvPr id="3" name="Content Placeholder 2">
+            <a:extLst>
+              <a:ext uri="{FF2B5EF4-FFF2-40B4-BE49-F238E27FC236}">
+                <a16:creationId xmlns:a16="http://schemas.microsoft.com/office/drawing/2014/main" id="{AE4DD6DE-10B0-F242-AE75-1A22B2969A2C}"/>
+              </a:ext>
+            </a:extLst>
+          </p:cNvPr>
+          <p:cNvSpPr>
+            <a:spLocks noGrp="1"/>
+          </p:cNvSpPr>
+          <p:nvPr>
+            <p:ph idx="1"/>
+          </p:nvPr>
+        </p:nvSpPr>
+        <p:spPr/>
+        <p:txBody>
+          <a:bodyPr/>
+          <a:lstStyle/>
+          <a:p>
+            <a:r>
+              <a:rPr lang="en-US"/>
+              <a:t>First step</a:t>
+            </a:r>
+          </a:p>
+        </p:txBody>
+      </p:sp>
+      <p:sp>
+        <p:nvSpPr>
+          <p:cNvPr id="4" name="Slide Number Placeholder 3">
+            <a:extLst>
+              <a:ext uri="{FF2B5EF4-FFF2-40B4-BE49-F238E27FC236}">
+                <a16:creationId xmlns:a16="http://schemas.microsoft.com/office/drawing/2014/main" id="{DB3D5D18-BA2B-6648-9BBE-46081247FEB6}"/>
+              </a:ext>
+            </a:extLst>
+          </p:cNvPr>
+          <p:cNvSpPr>
+            <a:spLocks noGrp="1"/>
+          </p:cNvSpPr>
+          <p:nvPr>
+            <p:ph type="sldNum" sz="quarter" idx="12"/>
+          </p:nvPr>
+        </p:nvSpPr>
+        <p:spPr/>
+        <p:txBody>
+          <a:bodyPr/>
+          <a:lstStyle/>
+          <a:p>
+            <a:fld id="{6D22F896-40B5-4ADD-8801-0D06FADFA095}" type="slidenum">
+              <a:rPr lang="en-US" smtClean="0"/>
+              <a:t>6</a:t>
+            </a:fld>
+            <a:endParaRPr lang="en-US" dirty="0"/>
+          </a:p>
+        </p:txBody>
+      </p:sp>
+    </p:spTree>
+    <p:extLst>
+      <p:ext uri="{BB962C8B-B14F-4D97-AF65-F5344CB8AC3E}">
+        <p14:creationId xmlns:p14="http://schemas.microsoft.com/office/powerpoint/2010/main" val="1377073651"/>
+      </p:ext>
+    </p:extLst>
+  </p:cSld>
+  <p:clrMapOvr>
+    <a:masterClrMapping/>
+  </p:clrMapOvr>
 </p:sld>
 </file>
 
@@ -20782,7 +17636,7 @@
         <p:spPr>
           <a:xfrm>
             <a:off x="2611808" y="1688700"/>
-            <a:ext cx="8046032" cy="4437780"/>
+            <a:ext cx="8132392" cy="4437780"/>
           </a:xfrm>
         </p:spPr>
         <p:txBody>
@@ -20809,7 +17663,7 @@
           <a:p>
             <a:r>
               <a:rPr lang="en-US" dirty="0"/>
-              <a:t>Allows us to use Natural Language Processing on code</a:t>
+              <a:t>Allows us to use Natural Language Processing for code completion</a:t>
             </a:r>
           </a:p>
           <a:p>
@@ -20835,6 +17689,35 @@
             <a:endParaRPr lang="en-US" dirty="0"/>
           </a:p>
           <a:p>
+            <a:endParaRPr lang="en-US" dirty="0"/>
+          </a:p>
+        </p:txBody>
+      </p:sp>
+      <p:sp>
+        <p:nvSpPr>
+          <p:cNvPr id="4" name="Slide Number Placeholder 3">
+            <a:extLst>
+              <a:ext uri="{FF2B5EF4-FFF2-40B4-BE49-F238E27FC236}">
+                <a16:creationId xmlns:a16="http://schemas.microsoft.com/office/drawing/2014/main" id="{1F563B8F-090B-B44A-9A71-7AAF85EBDA5E}"/>
+              </a:ext>
+            </a:extLst>
+          </p:cNvPr>
+          <p:cNvSpPr>
+            <a:spLocks noGrp="1"/>
+          </p:cNvSpPr>
+          <p:nvPr>
+            <p:ph type="sldNum" sz="quarter" idx="12"/>
+          </p:nvPr>
+        </p:nvSpPr>
+        <p:spPr/>
+        <p:txBody>
+          <a:bodyPr/>
+          <a:lstStyle/>
+          <a:p>
+            <a:fld id="{6D22F896-40B5-4ADD-8801-0D06FADFA095}" type="slidenum">
+              <a:rPr lang="en-US" smtClean="0"/>
+              <a:t>7</a:t>
+            </a:fld>
             <a:endParaRPr lang="en-US" dirty="0"/>
           </a:p>
         </p:txBody>
@@ -21380,7 +18263,7 @@
             <a:pPr lvl="1"/>
             <a:r>
               <a:rPr lang="en-US" dirty="0"/>
-              <a:t>NLP</a:t>
+              <a:t>NLP on configurations</a:t>
             </a:r>
           </a:p>
           <a:p>
@@ -21403,7 +18286,7 @@
           <p:nvPr/>
         </p:nvPicPr>
         <p:blipFill>
-          <a:blip r:embed="rId2"/>
+          <a:blip r:embed="rId3"/>
           <a:stretch>
             <a:fillRect/>
           </a:stretch>
@@ -21418,6 +18301,35 @@
           </a:prstGeom>
         </p:spPr>
       </p:pic>
+      <p:sp>
+        <p:nvSpPr>
+          <p:cNvPr id="8" name="Slide Number Placeholder 7">
+            <a:extLst>
+              <a:ext uri="{FF2B5EF4-FFF2-40B4-BE49-F238E27FC236}">
+                <a16:creationId xmlns:a16="http://schemas.microsoft.com/office/drawing/2014/main" id="{9361AB51-39D1-F34E-B3C3-B292A3911E29}"/>
+              </a:ext>
+            </a:extLst>
+          </p:cNvPr>
+          <p:cNvSpPr>
+            <a:spLocks noGrp="1"/>
+          </p:cNvSpPr>
+          <p:nvPr>
+            <p:ph type="sldNum" sz="quarter" idx="12"/>
+          </p:nvPr>
+        </p:nvSpPr>
+        <p:spPr/>
+        <p:txBody>
+          <a:bodyPr/>
+          <a:lstStyle/>
+          <a:p>
+            <a:fld id="{6D22F896-40B5-4ADD-8801-0D06FADFA095}" type="slidenum">
+              <a:rPr lang="en-US" smtClean="0"/>
+              <a:t>8</a:t>
+            </a:fld>
+            <a:endParaRPr lang="en-US" dirty="0"/>
+          </a:p>
+        </p:txBody>
+      </p:sp>
     </p:spTree>
     <p:extLst>
       <p:ext uri="{BB962C8B-B14F-4D97-AF65-F5344CB8AC3E}">
@@ -21428,6 +18340,85 @@
   <p:clrMapOvr>
     <a:masterClrMapping/>
   </p:clrMapOvr>
+  <p:timing>
+    <p:tnLst>
+      <p:par>
+        <p:cTn id="1" dur="indefinite" restart="never" nodeType="tmRoot">
+          <p:childTnLst>
+            <p:seq concurrent="1" nextAc="seek">
+              <p:cTn id="2" dur="indefinite" nodeType="mainSeq">
+                <p:childTnLst>
+                  <p:par>
+                    <p:cTn id="3" fill="hold">
+                      <p:stCondLst>
+                        <p:cond delay="indefinite"/>
+                      </p:stCondLst>
+                      <p:childTnLst>
+                        <p:par>
+                          <p:cTn id="4" fill="hold">
+                            <p:stCondLst>
+                              <p:cond delay="0"/>
+                            </p:stCondLst>
+                            <p:childTnLst>
+                              <p:par>
+                                <p:cTn id="5" presetID="1" presetClass="entr" presetSubtype="0" fill="hold" nodeType="clickEffect">
+                                  <p:stCondLst>
+                                    <p:cond delay="0"/>
+                                  </p:stCondLst>
+                                  <p:childTnLst>
+                                    <p:set>
+                                      <p:cBhvr>
+                                        <p:cTn id="6" dur="1" fill="hold">
+                                          <p:stCondLst>
+                                            <p:cond delay="0"/>
+                                          </p:stCondLst>
+                                        </p:cTn>
+                                        <p:tgtEl>
+                                          <p:spTgt spid="3">
+                                            <p:txEl>
+                                              <p:pRg st="3" end="3"/>
+                                            </p:txEl>
+                                          </p:spTgt>
+                                        </p:tgtEl>
+                                        <p:attrNameLst>
+                                          <p:attrName>style.visibility</p:attrName>
+                                        </p:attrNameLst>
+                                      </p:cBhvr>
+                                      <p:to>
+                                        <p:strVal val="visible"/>
+                                      </p:to>
+                                    </p:set>
+                                  </p:childTnLst>
+                                </p:cTn>
+                              </p:par>
+                            </p:childTnLst>
+                          </p:cTn>
+                        </p:par>
+                      </p:childTnLst>
+                    </p:cTn>
+                  </p:par>
+                </p:childTnLst>
+              </p:cTn>
+              <p:prevCondLst>
+                <p:cond evt="onPrev" delay="0">
+                  <p:tgtEl>
+                    <p:sldTgt/>
+                  </p:tgtEl>
+                </p:cond>
+              </p:prevCondLst>
+              <p:nextCondLst>
+                <p:cond evt="onNext" delay="0">
+                  <p:tgtEl>
+                    <p:sldTgt/>
+                  </p:tgtEl>
+                </p:cond>
+              </p:nextCondLst>
+            </p:seq>
+          </p:childTnLst>
+        </p:cTn>
+      </p:par>
+    </p:tnLst>
+  </p:timing>
 </p:sld>
 </file>
 
@@ -21945,6 +18936,35 @@
           </p:sp>
         </mc:Fallback>
       </mc:AlternateContent>
+      <p:sp>
+        <p:nvSpPr>
+          <p:cNvPr id="4" name="Slide Number Placeholder 3">
+            <a:extLst>
+              <a:ext uri="{FF2B5EF4-FFF2-40B4-BE49-F238E27FC236}">
+                <a16:creationId xmlns:a16="http://schemas.microsoft.com/office/drawing/2014/main" id="{606E9922-AEC6-8941-90CA-37F8A3E3B164}"/>
+              </a:ext>
+            </a:extLst>
+          </p:cNvPr>
+          <p:cNvSpPr>
+            <a:spLocks noGrp="1"/>
+          </p:cNvSpPr>
+          <p:nvPr>
+            <p:ph type="sldNum" sz="quarter" idx="12"/>
+          </p:nvPr>
+        </p:nvSpPr>
+        <p:spPr/>
+        <p:txBody>
+          <a:bodyPr/>
+          <a:lstStyle/>
+          <a:p>
+            <a:fld id="{6D22F896-40B5-4ADD-8801-0D06FADFA095}" type="slidenum">
+              <a:rPr lang="en-US" smtClean="0"/>
+              <a:t>9</a:t>
+            </a:fld>
+            <a:endParaRPr lang="en-US" dirty="0"/>
+          </a:p>
+        </p:txBody>
+      </p:sp>
     </p:spTree>
     <p:extLst>
       <p:ext uri="{BB962C8B-B14F-4D97-AF65-F5344CB8AC3E}">

--- a/Final Presentation.pptx
+++ b/Final Presentation.pptx
@@ -5,7 +5,7 @@
     <p:sldMasterId id="2147483888" r:id="rId1"/>
   </p:sldMasterIdLst>
   <p:notesMasterIdLst>
-    <p:notesMasterId r:id="rId24"/>
+    <p:notesMasterId r:id="rId25"/>
   </p:notesMasterIdLst>
   <p:sldIdLst>
     <p:sldId id="256" r:id="rId2"/>
@@ -20,16 +20,17 @@
     <p:sldId id="260" r:id="rId11"/>
     <p:sldId id="264" r:id="rId12"/>
     <p:sldId id="266" r:id="rId13"/>
-    <p:sldId id="267" r:id="rId14"/>
-    <p:sldId id="279" r:id="rId15"/>
-    <p:sldId id="278" r:id="rId16"/>
-    <p:sldId id="268" r:id="rId17"/>
-    <p:sldId id="269" r:id="rId18"/>
-    <p:sldId id="271" r:id="rId19"/>
-    <p:sldId id="274" r:id="rId20"/>
-    <p:sldId id="272" r:id="rId21"/>
-    <p:sldId id="270" r:id="rId22"/>
-    <p:sldId id="261" r:id="rId23"/>
+    <p:sldId id="281" r:id="rId14"/>
+    <p:sldId id="280" r:id="rId15"/>
+    <p:sldId id="267" r:id="rId16"/>
+    <p:sldId id="279" r:id="rId17"/>
+    <p:sldId id="268" r:id="rId18"/>
+    <p:sldId id="269" r:id="rId19"/>
+    <p:sldId id="271" r:id="rId20"/>
+    <p:sldId id="274" r:id="rId21"/>
+    <p:sldId id="272" r:id="rId22"/>
+    <p:sldId id="270" r:id="rId23"/>
+    <p:sldId id="261" r:id="rId24"/>
   </p:sldIdLst>
   <p:sldSz cx="12192000" cy="6858000"/>
   <p:notesSz cx="6858000" cy="9144000"/>
@@ -1657,14 +1658,14 @@
       </dgm:t>
     </dgm:pt>
     <dgm:pt modelId="{B300D9E8-2877-4A41-B5CC-D6735560A220}">
-      <dgm:prSet phldrT="[Text]"/>
+      <dgm:prSet phldrT="[Text]" custT="1"/>
       <dgm:spPr/>
       <dgm:t>
         <a:bodyPr/>
         <a:lstStyle/>
         <a:p>
           <a:r>
-            <a:rPr lang="en-US" dirty="0"/>
+            <a:rPr lang="en-US" sz="2800" dirty="0"/>
             <a:t>Error-free Internet</a:t>
           </a:r>
         </a:p>
@@ -1693,14 +1694,14 @@
       </dgm:t>
     </dgm:pt>
     <dgm:pt modelId="{5B605C8F-8BEF-8241-B137-888CC4B2DC15}">
-      <dgm:prSet phldrT="[Text]"/>
+      <dgm:prSet phldrT="[Text]" custT="1"/>
       <dgm:spPr/>
       <dgm:t>
         <a:bodyPr/>
         <a:lstStyle/>
         <a:p>
           <a:r>
-            <a:rPr lang="en-US" dirty="0"/>
+            <a:rPr lang="en-US" sz="2000" dirty="0"/>
             <a:t>Configuration Synthesis</a:t>
           </a:r>
         </a:p>
@@ -1729,14 +1730,14 @@
       </dgm:t>
     </dgm:pt>
     <dgm:pt modelId="{3CF46C46-5ACC-FB4F-9D10-D635A855C8CC}">
-      <dgm:prSet phldrT="[Text]"/>
+      <dgm:prSet phldrT="[Text]" custT="1"/>
       <dgm:spPr/>
       <dgm:t>
         <a:bodyPr/>
         <a:lstStyle/>
         <a:p>
           <a:r>
-            <a:rPr lang="en-US" dirty="0"/>
+            <a:rPr lang="en-US" sz="2000" dirty="0"/>
             <a:t>Development Tools</a:t>
           </a:r>
         </a:p>
@@ -1765,14 +1766,14 @@
       </dgm:t>
     </dgm:pt>
     <dgm:pt modelId="{1D95250A-1DFB-5542-B6AB-DAB3C52D0291}">
-      <dgm:prSet phldrT="[Text]"/>
+      <dgm:prSet phldrT="[Text]" custT="1"/>
       <dgm:spPr/>
       <dgm:t>
         <a:bodyPr/>
         <a:lstStyle/>
         <a:p>
           <a:r>
-            <a:rPr lang="en-US" dirty="0"/>
+            <a:rPr lang="en-US" sz="2000" dirty="0"/>
             <a:t>Network Verification</a:t>
           </a:r>
         </a:p>
@@ -1817,7 +1818,7 @@
       <dgm:spPr/>
     </dgm:pt>
     <dgm:pt modelId="{3F4EE6CD-B512-A648-A4F0-CA2A12F9A38F}" type="pres">
-      <dgm:prSet presAssocID="{B300D9E8-2877-4A41-B5CC-D6735560A220}" presName="singleCenter" presStyleLbl="node1" presStyleIdx="0" presStyleCnt="4" custScaleX="374585" custScaleY="103276" custLinFactNeighborX="-2184" custLinFactNeighborY="-50087">
+      <dgm:prSet presAssocID="{B300D9E8-2877-4A41-B5CC-D6735560A220}" presName="singleCenter" presStyleLbl="node1" presStyleIdx="0" presStyleCnt="4" custScaleX="423175" custScaleY="96618" custLinFactNeighborX="-2184" custLinFactNeighborY="-50087">
         <dgm:presLayoutVars>
           <dgm:chMax val="7"/>
           <dgm:chPref val="7"/>
@@ -1834,7 +1835,7 @@
       <dgm:spPr/>
     </dgm:pt>
     <dgm:pt modelId="{BD47E5AD-9B9F-994B-A283-396DB16C1ADF}" type="pres">
-      <dgm:prSet presAssocID="{3CF46C46-5ACC-FB4F-9D10-D635A855C8CC}" presName="text0" presStyleLbl="node1" presStyleIdx="1" presStyleCnt="4" custScaleX="203579" custScaleY="131160" custRadScaleRad="50803" custRadScaleInc="-285765">
+      <dgm:prSet presAssocID="{3CF46C46-5ACC-FB4F-9D10-D635A855C8CC}" presName="text0" presStyleLbl="node1" presStyleIdx="1" presStyleCnt="4" custScaleX="227615" custScaleY="113807" custRadScaleRad="20525" custRadScaleInc="-276594">
         <dgm:presLayoutVars>
           <dgm:bulletEnabled val="1"/>
         </dgm:presLayoutVars>
@@ -1846,7 +1847,7 @@
       <dgm:spPr/>
     </dgm:pt>
     <dgm:pt modelId="{0700E98B-D968-5D4A-84E8-8E9B9A58B1F4}" type="pres">
-      <dgm:prSet presAssocID="{1D95250A-1DFB-5542-B6AB-DAB3C52D0291}" presName="text0" presStyleLbl="node1" presStyleIdx="2" presStyleCnt="4" custScaleX="205673" custScaleY="117336" custRadScaleRad="142364" custRadScaleInc="-35933">
+      <dgm:prSet presAssocID="{1D95250A-1DFB-5542-B6AB-DAB3C52D0291}" presName="text0" presStyleLbl="node1" presStyleIdx="2" presStyleCnt="4" custScaleX="227904" custScaleY="113807" custRadScaleRad="140349" custRadScaleInc="-26156">
         <dgm:presLayoutVars>
           <dgm:bulletEnabled val="1"/>
         </dgm:presLayoutVars>
@@ -1858,7 +1859,7 @@
       <dgm:spPr/>
     </dgm:pt>
     <dgm:pt modelId="{471B17D5-08DD-F44C-A425-0677AFEB5931}" type="pres">
-      <dgm:prSet presAssocID="{5B605C8F-8BEF-8241-B137-888CC4B2DC15}" presName="text0" presStyleLbl="node1" presStyleIdx="3" presStyleCnt="4" custScaleX="234811" custScaleY="146390" custRadScaleRad="164776" custRadScaleInc="38315">
+      <dgm:prSet presAssocID="{5B605C8F-8BEF-8241-B137-888CC4B2DC15}" presName="text0" presStyleLbl="node1" presStyleIdx="3" presStyleCnt="4" custScaleX="227615" custScaleY="113808" custRadScaleRad="157270" custRadScaleInc="30966">
         <dgm:presLayoutVars>
           <dgm:bulletEnabled val="1"/>
         </dgm:presLayoutVars>
@@ -2245,8 +2246,8 @@
       </dsp:nvSpPr>
       <dsp:spPr>
         <a:xfrm>
-          <a:off x="1630146" y="0"/>
-          <a:ext cx="4492013" cy="1238483"/>
+          <a:off x="1280272" y="34246"/>
+          <a:ext cx="5074704" cy="1158640"/>
         </a:xfrm>
         <a:prstGeom prst="cloud">
           <a:avLst/>
@@ -2309,12 +2310,12 @@
         </a:fontRef>
       </dsp:style>
       <dsp:txBody>
-        <a:bodyPr spcFirstLastPara="0" vert="horz" wrap="square" lIns="68580" tIns="68580" rIns="68580" bIns="68580" numCol="1" spcCol="1270" anchor="ctr" anchorCtr="0">
+        <a:bodyPr spcFirstLastPara="0" vert="horz" wrap="square" lIns="71120" tIns="71120" rIns="71120" bIns="71120" numCol="1" spcCol="1270" anchor="ctr" anchorCtr="0">
           <a:noAutofit/>
         </a:bodyPr>
         <a:lstStyle/>
         <a:p>
-          <a:pPr marL="0" lvl="0" indent="0" algn="ctr" defTabSz="1200150">
+          <a:pPr marL="0" lvl="0" indent="0" algn="ctr" defTabSz="1244600">
             <a:lnSpc>
               <a:spcPct val="90000"/>
             </a:lnSpc>
@@ -2327,14 +2328,14 @@
             <a:buNone/>
           </a:pPr>
           <a:r>
-            <a:rPr lang="en-US" sz="2700" kern="1200" dirty="0"/>
+            <a:rPr lang="en-US" sz="2800" kern="1200" dirty="0"/>
             <a:t>Error-free Internet</a:t>
           </a:r>
         </a:p>
       </dsp:txBody>
       <dsp:txXfrm>
-        <a:off x="2249254" y="187034"/>
-        <a:ext cx="2934365" cy="807021"/>
+        <a:off x="1979688" y="209222"/>
+        <a:ext cx="3315004" cy="754994"/>
       </dsp:txXfrm>
     </dsp:sp>
     <dsp:sp modelId="{24EF86CB-BB3C-EE4A-8D63-6AA2B9CFE797}">
@@ -2343,9 +2344,9 @@
         <dsp:cNvSpPr/>
       </dsp:nvSpPr>
       <dsp:spPr>
-        <a:xfrm rot="5473565">
-          <a:off x="3051224" y="2032972"/>
-          <a:ext cx="1589342" cy="0"/>
+        <a:xfrm rot="5417537">
+          <a:off x="3223623" y="1780926"/>
+          <a:ext cx="1176093" cy="0"/>
         </a:xfrm>
         <a:custGeom>
           <a:avLst/>
@@ -2359,7 +2360,7 @@
                 <a:pt x="0" y="0"/>
               </a:moveTo>
               <a:lnTo>
-                <a:pt x="1589342" y="0"/>
+                <a:pt x="1176093" y="0"/>
               </a:lnTo>
             </a:path>
           </a:pathLst>
@@ -2399,8 +2400,8 @@
       </dsp:nvSpPr>
       <dsp:spPr>
         <a:xfrm>
-          <a:off x="2999773" y="2827462"/>
-          <a:ext cx="1635680" cy="1053821"/>
+          <a:off x="2891937" y="2368964"/>
+          <a:ext cx="1828800" cy="914396"/>
         </a:xfrm>
         <a:prstGeom prst="roundRect">
           <a:avLst/>
@@ -2463,12 +2464,12 @@
         </a:fontRef>
       </dsp:style>
       <dsp:txBody>
-        <a:bodyPr spcFirstLastPara="0" vert="horz" wrap="square" lIns="48260" tIns="48260" rIns="48260" bIns="48260" numCol="1" spcCol="1270" anchor="ctr" anchorCtr="0">
+        <a:bodyPr spcFirstLastPara="0" vert="horz" wrap="square" lIns="50800" tIns="50800" rIns="50800" bIns="50800" numCol="1" spcCol="1270" anchor="ctr" anchorCtr="0">
           <a:noAutofit/>
         </a:bodyPr>
         <a:lstStyle/>
         <a:p>
-          <a:pPr marL="0" lvl="0" indent="0" algn="ctr" defTabSz="844550">
+          <a:pPr marL="0" lvl="0" indent="0" algn="ctr" defTabSz="889000">
             <a:lnSpc>
               <a:spcPct val="90000"/>
             </a:lnSpc>
@@ -2481,14 +2482,14 @@
             <a:buNone/>
           </a:pPr>
           <a:r>
-            <a:rPr lang="en-US" sz="1900" kern="1200" dirty="0"/>
+            <a:rPr lang="en-US" sz="2000" kern="1200" dirty="0"/>
             <a:t>Development Tools</a:t>
           </a:r>
         </a:p>
       </dsp:txBody>
       <dsp:txXfrm>
-        <a:off x="3051216" y="2878905"/>
-        <a:ext cx="1532794" cy="950935"/>
+        <a:off x="2936574" y="2413601"/>
+        <a:ext cx="1739526" cy="825122"/>
       </dsp:txXfrm>
     </dsp:sp>
     <dsp:sp modelId="{3AB574AE-6C3A-B94C-B0FB-08E8082B94F9}">
@@ -2497,9 +2498,9 @@
         <dsp:cNvSpPr/>
       </dsp:nvSpPr>
       <dsp:spPr>
-        <a:xfrm rot="2361751">
-          <a:off x="4433622" y="1790408"/>
-          <a:ext cx="1740470" cy="0"/>
+        <a:xfrm rot="2631193">
+          <a:off x="4129132" y="1916993"/>
+          <a:ext cx="2090335" cy="0"/>
         </a:xfrm>
         <a:custGeom>
           <a:avLst/>
@@ -2513,7 +2514,7 @@
                 <a:pt x="0" y="0"/>
               </a:moveTo>
               <a:lnTo>
-                <a:pt x="1740470" y="0"/>
+                <a:pt x="2090335" y="0"/>
               </a:lnTo>
             </a:path>
           </a:pathLst>
@@ -2553,8 +2554,8 @@
       </dsp:nvSpPr>
       <dsp:spPr>
         <a:xfrm>
-          <a:off x="5725053" y="2342332"/>
-          <a:ext cx="1652505" cy="942750"/>
+          <a:off x="5488303" y="2641099"/>
+          <a:ext cx="1831122" cy="914396"/>
         </a:xfrm>
         <a:prstGeom prst="roundRect">
           <a:avLst/>
@@ -2617,12 +2618,12 @@
         </a:fontRef>
       </dsp:style>
       <dsp:txBody>
-        <a:bodyPr spcFirstLastPara="0" vert="horz" wrap="square" lIns="58420" tIns="58420" rIns="58420" bIns="58420" numCol="1" spcCol="1270" anchor="ctr" anchorCtr="0">
+        <a:bodyPr spcFirstLastPara="0" vert="horz" wrap="square" lIns="50800" tIns="50800" rIns="50800" bIns="50800" numCol="1" spcCol="1270" anchor="ctr" anchorCtr="0">
           <a:noAutofit/>
         </a:bodyPr>
         <a:lstStyle/>
         <a:p>
-          <a:pPr marL="0" lvl="0" indent="0" algn="ctr" defTabSz="1022350">
+          <a:pPr marL="0" lvl="0" indent="0" algn="ctr" defTabSz="889000">
             <a:lnSpc>
               <a:spcPct val="90000"/>
             </a:lnSpc>
@@ -2635,14 +2636,14 @@
             <a:buNone/>
           </a:pPr>
           <a:r>
-            <a:rPr lang="en-US" sz="2300" kern="1200" dirty="0"/>
+            <a:rPr lang="en-US" sz="2000" kern="1200" dirty="0"/>
             <a:t>Network Verification</a:t>
           </a:r>
         </a:p>
       </dsp:txBody>
       <dsp:txXfrm>
-        <a:off x="5771074" y="2388353"/>
-        <a:ext cx="1560463" cy="850708"/>
+        <a:off x="5532940" y="2685736"/>
+        <a:ext cx="1741848" cy="825122"/>
       </dsp:txXfrm>
     </dsp:sp>
     <dsp:sp modelId="{DAE87EC9-2948-EE4C-A53E-8BD735D0084C}">
@@ -2651,9 +2652,9 @@
         <dsp:cNvSpPr/>
       </dsp:nvSpPr>
       <dsp:spPr>
-        <a:xfrm rot="8602555">
-          <a:off x="1573525" y="1724832"/>
-          <a:ext cx="1630507" cy="0"/>
+        <a:xfrm rot="8325600">
+          <a:off x="1319087" y="1884371"/>
+          <a:ext cx="2097903" cy="0"/>
         </a:xfrm>
         <a:custGeom>
           <a:avLst/>
@@ -2667,7 +2668,7 @@
                 <a:pt x="0" y="0"/>
               </a:moveTo>
               <a:lnTo>
-                <a:pt x="1630507" y="0"/>
+                <a:pt x="2097903" y="0"/>
               </a:lnTo>
             </a:path>
           </a:pathLst>
@@ -2707,8 +2708,8 @@
       </dsp:nvSpPr>
       <dsp:spPr>
         <a:xfrm>
-          <a:off x="0" y="2211182"/>
-          <a:ext cx="1886617" cy="1176188"/>
+          <a:off x="143351" y="2575855"/>
+          <a:ext cx="1828800" cy="914404"/>
         </a:xfrm>
         <a:prstGeom prst="roundRect">
           <a:avLst/>
@@ -2771,12 +2772,12 @@
         </a:fontRef>
       </dsp:style>
       <dsp:txBody>
-        <a:bodyPr spcFirstLastPara="0" vert="horz" wrap="square" lIns="53340" tIns="53340" rIns="53340" bIns="53340" numCol="1" spcCol="1270" anchor="ctr" anchorCtr="0">
+        <a:bodyPr spcFirstLastPara="0" vert="horz" wrap="square" lIns="50800" tIns="50800" rIns="50800" bIns="50800" numCol="1" spcCol="1270" anchor="ctr" anchorCtr="0">
           <a:noAutofit/>
         </a:bodyPr>
         <a:lstStyle/>
         <a:p>
-          <a:pPr marL="0" lvl="0" indent="0" algn="ctr" defTabSz="933450">
+          <a:pPr marL="0" lvl="0" indent="0" algn="ctr" defTabSz="889000">
             <a:lnSpc>
               <a:spcPct val="90000"/>
             </a:lnSpc>
@@ -2789,14 +2790,14 @@
             <a:buNone/>
           </a:pPr>
           <a:r>
-            <a:rPr lang="en-US" sz="2100" kern="1200" dirty="0"/>
+            <a:rPr lang="en-US" sz="2000" kern="1200" dirty="0"/>
             <a:t>Configuration Synthesis</a:t>
           </a:r>
         </a:p>
       </dsp:txBody>
       <dsp:txXfrm>
-        <a:off x="57417" y="2268599"/>
-        <a:ext cx="1771783" cy="1061354"/>
+        <a:off x="187989" y="2620493"/>
+        <a:ext cx="1739524" cy="825128"/>
       </dsp:txXfrm>
     </dsp:sp>
   </dsp:spTree>
@@ -10794,6 +10795,12 @@
               <a:t>Roles: core (w/in Colgate) vs edge (for internet)</a:t>
             </a:r>
           </a:p>
+          <a:p>
+            <a:r>
+              <a:rPr lang="en-US" dirty="0"/>
+              <a:t>Parameters: such as device name – go back to explain</a:t>
+            </a:r>
+          </a:p>
         </p:txBody>
       </p:sp>
       <p:sp>
@@ -11023,6 +11030,101 @@
     <p:extLst>
       <p:ext uri="{BB962C8B-B14F-4D97-AF65-F5344CB8AC3E}">
         <p14:creationId xmlns:p14="http://schemas.microsoft.com/office/powerpoint/2010/main" val="1056491258"/>
+      </p:ext>
+    </p:extLst>
+  </p:cSld>
+  <p:clrMapOvr>
+    <a:masterClrMapping/>
+  </p:clrMapOvr>
+</p:notes>
+</file>
+
+<file path=ppt/notesSlides/notesSlide7.xml><?xml version="1.0" encoding="utf-8"?>
+<p:notes xmlns:a="http://schemas.openxmlformats.org/drawingml/2006/main" xmlns:r="http://schemas.openxmlformats.org/officeDocument/2006/relationships" xmlns:p="http://schemas.openxmlformats.org/presentationml/2006/main">
+  <p:cSld>
+    <p:spTree>
+      <p:nvGrpSpPr>
+        <p:cNvPr id="1" name=""/>
+        <p:cNvGrpSpPr/>
+        <p:nvPr/>
+      </p:nvGrpSpPr>
+      <p:grpSpPr>
+        <a:xfrm>
+          <a:off x="0" y="0"/>
+          <a:ext cx="0" cy="0"/>
+          <a:chOff x="0" y="0"/>
+          <a:chExt cx="0" cy="0"/>
+        </a:xfrm>
+      </p:grpSpPr>
+      <p:sp>
+        <p:nvSpPr>
+          <p:cNvPr id="2" name="Slide Image Placeholder 1"/>
+          <p:cNvSpPr>
+            <a:spLocks noGrp="1" noRot="1" noChangeAspect="1"/>
+          </p:cNvSpPr>
+          <p:nvPr>
+            <p:ph type="sldImg"/>
+          </p:nvPr>
+        </p:nvSpPr>
+        <p:spPr/>
+      </p:sp>
+      <p:sp>
+        <p:nvSpPr>
+          <p:cNvPr id="3" name="Notes Placeholder 2"/>
+          <p:cNvSpPr>
+            <a:spLocks noGrp="1"/>
+          </p:cNvSpPr>
+          <p:nvPr>
+            <p:ph type="body" idx="1"/>
+          </p:nvPr>
+        </p:nvSpPr>
+        <p:spPr/>
+        <p:txBody>
+          <a:bodyPr/>
+          <a:lstStyle/>
+          <a:p>
+            <a:r>
+              <a:rPr lang="en-US" dirty="0"/>
+              <a:t>Engine can help you figure out whether you need </a:t>
+            </a:r>
+            <a:r>
+              <a:rPr lang="en-US" dirty="0" err="1"/>
+              <a:t>ipadress</a:t>
+            </a:r>
+            <a:r>
+              <a:rPr lang="en-US" dirty="0"/>
+              <a:t> here or not</a:t>
+            </a:r>
+          </a:p>
+        </p:txBody>
+      </p:sp>
+      <p:sp>
+        <p:nvSpPr>
+          <p:cNvPr id="4" name="Slide Number Placeholder 3"/>
+          <p:cNvSpPr>
+            <a:spLocks noGrp="1"/>
+          </p:cNvSpPr>
+          <p:nvPr>
+            <p:ph type="sldNum" sz="quarter" idx="10"/>
+          </p:nvPr>
+        </p:nvSpPr>
+        <p:spPr/>
+        <p:txBody>
+          <a:bodyPr/>
+          <a:lstStyle/>
+          <a:p>
+            <a:fld id="{F49BE409-5689-8842-BA33-FFFC974D2438}" type="slidenum">
+              <a:rPr lang="en-US" smtClean="0"/>
+              <a:t>12</a:t>
+            </a:fld>
+            <a:endParaRPr lang="en-US"/>
+          </a:p>
+        </p:txBody>
+      </p:sp>
+    </p:spTree>
+    <p:extLst>
+      <p:ext uri="{BB962C8B-B14F-4D97-AF65-F5344CB8AC3E}">
+        <p14:creationId xmlns:p14="http://schemas.microsoft.com/office/powerpoint/2010/main" val="2974768820"/>
       </p:ext>
     </p:extLst>
   </p:cSld>
@@ -15503,12 +15605,23 @@
           </a:xfrm>
         </p:spPr>
         <p:txBody>
-          <a:bodyPr/>
+          <a:bodyPr anchor="t">
+            <a:normAutofit/>
+          </a:bodyPr>
           <a:lstStyle/>
           <a:p>
-            <a:r>
-              <a:rPr lang="en-US" dirty="0"/>
-              <a:t>Ahsan Mahmood</a:t>
+            <a:pPr algn="l"/>
+            <a:r>
+              <a:rPr lang="en-US" sz="2000" dirty="0"/>
+              <a:t>Ahsan Mahmood, Aaron </a:t>
+            </a:r>
+            <a:r>
+              <a:rPr lang="en-US" sz="2000" dirty="0" err="1"/>
+              <a:t>Gember</a:t>
+            </a:r>
+            <a:r>
+              <a:rPr lang="en-US" sz="2000" dirty="0"/>
+              <a:t>-Jacobson</a:t>
             </a:r>
           </a:p>
         </p:txBody>
@@ -16581,7 +16694,7 @@
             </a:r>
             <a:r>
               <a:rPr lang="en-US" sz="1600" dirty="0"/>
-              <a:t> IPADDRESS</a:t>
+              <a:t> SUBNET</a:t>
             </a:r>
           </a:p>
           <a:p>
@@ -16600,6 +16713,14 @@
             <a:r>
               <a:rPr lang="en-US" sz="1600" dirty="0"/>
               <a:t>interface </a:t>
+            </a:r>
+            <a:r>
+              <a:rPr lang="en-US" sz="1600" dirty="0" err="1">
+                <a:solidFill>
+                  <a:schemeClr val="bg1"/>
+                </a:solidFill>
+              </a:rPr>
+              <a:t>GigabitEthernet</a:t>
             </a:r>
             <a:r>
               <a:rPr lang="en-US" sz="1600" u="sng" dirty="0" err="1">
@@ -16607,7 +16728,7 @@
                   <a:srgbClr val="FF0000"/>
                 </a:solidFill>
               </a:rPr>
-              <a:t>GigabitEthernet#ID</a:t>
+              <a:t>#ID</a:t>
             </a:r>
             <a:endParaRPr lang="en-US" sz="1600" u="sng" dirty="0">
               <a:solidFill>
@@ -16632,7 +16753,15 @@
             </a:r>
             <a:r>
               <a:rPr lang="en-US" sz="1600" dirty="0"/>
-              <a:t> address IPADDRESS IPADDRESS</a:t>
+              <a:t> address IPADDRESS </a:t>
+            </a:r>
+            <a:r>
+              <a:rPr lang="en-US" sz="1600" u="sng" dirty="0">
+                <a:solidFill>
+                  <a:srgbClr val="FF0000"/>
+                </a:solidFill>
+              </a:rPr>
+              <a:t>SUBNET</a:t>
             </a:r>
           </a:p>
           <a:p>
@@ -16700,13 +16829,13 @@
           <a:p>
             <a:r>
               <a:rPr lang="en-US" sz="1600" dirty="0"/>
-              <a:t>    network IPADDRESS IPADDRESS area 0</a:t>
+              <a:t>    network IPADDRESS SUBNET area 0</a:t>
             </a:r>
           </a:p>
           <a:p>
             <a:r>
               <a:rPr lang="en-US" sz="1600" dirty="0"/>
-              <a:t>    network IPADDRESS IPADDRESS area 0</a:t>
+              <a:t>    network IPADDRESS SUBNET area 0</a:t>
             </a:r>
           </a:p>
           <a:p>
@@ -16758,7 +16887,7 @@
           <p:cNvPr id="2" name="Title 1">
             <a:extLst>
               <a:ext uri="{FF2B5EF4-FFF2-40B4-BE49-F238E27FC236}">
-                <a16:creationId xmlns:a16="http://schemas.microsoft.com/office/drawing/2014/main" id="{12EDD980-2FF1-6A43-9A90-E021660DC185}"/>
+                <a16:creationId xmlns:a16="http://schemas.microsoft.com/office/drawing/2014/main" id="{B2646332-60AF-FF46-B034-DDCF8609464E}"/>
               </a:ext>
             </a:extLst>
           </p:cNvPr>
@@ -16774,11 +16903,7 @@
           <a:bodyPr/>
           <a:lstStyle/>
           <a:p>
-            <a:pPr algn="l"/>
-            <a:r>
-              <a:rPr lang="en-US" dirty="0"/>
-              <a:t>Testing Methodology</a:t>
-            </a:r>
+            <a:endParaRPr lang="en-US"/>
           </a:p>
         </p:txBody>
       </p:sp>
@@ -16787,7 +16912,7 @@
           <p:cNvPr id="3" name="Content Placeholder 2">
             <a:extLst>
               <a:ext uri="{FF2B5EF4-FFF2-40B4-BE49-F238E27FC236}">
-                <a16:creationId xmlns:a16="http://schemas.microsoft.com/office/drawing/2014/main" id="{52ADF445-4A71-4A47-B495-D5A05EC06DC4}"/>
+                <a16:creationId xmlns:a16="http://schemas.microsoft.com/office/drawing/2014/main" id="{BF23C3C0-25CF-314F-8124-0E6559884FB3}"/>
               </a:ext>
             </a:extLst>
           </p:cNvPr>
@@ -16800,38 +16925,33 @@
         </p:nvSpPr>
         <p:spPr>
           <a:xfrm>
-            <a:off x="2611807" y="2041956"/>
-            <a:ext cx="7958331" cy="3993084"/>
+            <a:off x="2773598" y="2052116"/>
+            <a:ext cx="8478601" cy="3497784"/>
           </a:xfrm>
         </p:spPr>
         <p:txBody>
-          <a:bodyPr>
-            <a:normAutofit/>
-          </a:bodyPr>
+          <a:bodyPr/>
           <a:lstStyle/>
           <a:p>
-            <a:r>
-              <a:rPr lang="en-US" dirty="0"/>
-              <a:t>Test on configurations from three large university networks</a:t>
-            </a:r>
-          </a:p>
-          <a:p>
-            <a:r>
-              <a:rPr lang="en-US" dirty="0"/>
-              <a:t> “Rebuild” the test configurations token-by-token invoking the model at each stage</a:t>
-            </a:r>
-          </a:p>
-          <a:p>
-            <a:r>
-              <a:rPr lang="en-US" dirty="0"/>
-              <a:t> A prediction is marked as successful when we suggest the correct token within three results</a:t>
-            </a:r>
-          </a:p>
-          <a:p>
-            <a:r>
-              <a:rPr lang="en-US" dirty="0"/>
-              <a:t>Perform leave-one- out cross validation</a:t>
-            </a:r>
+            <a:pPr marL="0" indent="0">
+              <a:buNone/>
+            </a:pPr>
+            <a:r>
+              <a:rPr lang="en-US" b="1" dirty="0"/>
+              <a:t>“If Your Data Is Bad, Your Machine Learning Tools Are Useless”</a:t>
+            </a:r>
+          </a:p>
+          <a:p>
+            <a:pPr marL="0" indent="0">
+              <a:buNone/>
+            </a:pPr>
+            <a:r>
+              <a:rPr lang="en-US" b="1" dirty="0"/>
+              <a:t>- Some guy</a:t>
+            </a:r>
+          </a:p>
+          <a:p>
+            <a:endParaRPr lang="en-US" dirty="0"/>
           </a:p>
         </p:txBody>
       </p:sp>
@@ -16840,7 +16960,7 @@
           <p:cNvPr id="4" name="Slide Number Placeholder 3">
             <a:extLst>
               <a:ext uri="{FF2B5EF4-FFF2-40B4-BE49-F238E27FC236}">
-                <a16:creationId xmlns:a16="http://schemas.microsoft.com/office/drawing/2014/main" id="{7124CDC2-F652-5F42-9813-BC9248D2A5C8}"/>
+                <a16:creationId xmlns:a16="http://schemas.microsoft.com/office/drawing/2014/main" id="{3CE5B2BD-93F1-3340-8036-79DF907F9930}"/>
               </a:ext>
             </a:extLst>
           </p:cNvPr>
@@ -16867,7 +16987,7 @@
     </p:spTree>
     <p:extLst>
       <p:ext uri="{BB962C8B-B14F-4D97-AF65-F5344CB8AC3E}">
-        <p14:creationId xmlns:p14="http://schemas.microsoft.com/office/powerpoint/2010/main" val="4180441357"/>
+        <p14:creationId xmlns:p14="http://schemas.microsoft.com/office/powerpoint/2010/main" val="4206590161"/>
       </p:ext>
     </p:extLst>
   </p:cSld>
@@ -16918,8 +17038,49 @@
             <a:pPr algn="l"/>
             <a:r>
               <a:rPr lang="en-US" dirty="0"/>
-              <a:t>Testing Methodology</a:t>
-            </a:r>
+              <a:t>Our cute little dataset</a:t>
+            </a:r>
+          </a:p>
+        </p:txBody>
+      </p:sp>
+      <p:sp>
+        <p:nvSpPr>
+          <p:cNvPr id="3" name="Content Placeholder 2">
+            <a:extLst>
+              <a:ext uri="{FF2B5EF4-FFF2-40B4-BE49-F238E27FC236}">
+                <a16:creationId xmlns:a16="http://schemas.microsoft.com/office/drawing/2014/main" id="{52ADF445-4A71-4A47-B495-D5A05EC06DC4}"/>
+              </a:ext>
+            </a:extLst>
+          </p:cNvPr>
+          <p:cNvSpPr>
+            <a:spLocks noGrp="1"/>
+          </p:cNvSpPr>
+          <p:nvPr>
+            <p:ph idx="1"/>
+          </p:nvPr>
+        </p:nvSpPr>
+        <p:spPr>
+          <a:xfrm>
+            <a:off x="2367145" y="5461001"/>
+            <a:ext cx="8411793" cy="732411"/>
+          </a:xfrm>
+        </p:spPr>
+        <p:txBody>
+          <a:bodyPr anchor="t">
+            <a:normAutofit fontScale="92500"/>
+          </a:bodyPr>
+          <a:lstStyle/>
+          <a:p>
+            <a:pPr marL="0" indent="0" algn="ctr">
+              <a:buNone/>
+            </a:pPr>
+            <a:r>
+              <a:rPr lang="en-US" sz="2200" dirty="0"/>
+              <a:t>Table 1: Acquired configurations from three large university networks</a:t>
+            </a:r>
+          </a:p>
+          <a:p>
+            <a:endParaRPr lang="en-US" sz="2200" dirty="0"/>
           </a:p>
         </p:txBody>
       </p:sp>
@@ -16952,6 +17113,550 @@
           </a:p>
         </p:txBody>
       </p:sp>
+      <p:graphicFrame>
+        <p:nvGraphicFramePr>
+          <p:cNvPr id="5" name="Content Placeholder 24" descr="Sample table with 4 columns, 7 rows." title="Sample table">
+            <a:extLst>
+              <a:ext uri="{FF2B5EF4-FFF2-40B4-BE49-F238E27FC236}">
+                <a16:creationId xmlns:a16="http://schemas.microsoft.com/office/drawing/2014/main" id="{001BA615-67E0-2344-822B-7E836476D291}"/>
+              </a:ext>
+            </a:extLst>
+          </p:cNvPr>
+          <p:cNvGraphicFramePr>
+            <a:graphicFrameLocks/>
+          </p:cNvGraphicFramePr>
+          <p:nvPr>
+            <p:extLst>
+              <p:ext uri="{D42A27DB-BD31-4B8C-83A1-F6EECF244321}">
+                <p14:modId xmlns:p14="http://schemas.microsoft.com/office/powerpoint/2010/main" val="2545559618"/>
+              </p:ext>
+            </p:extLst>
+          </p:nvPr>
+        </p:nvGraphicFramePr>
+        <p:xfrm>
+          <a:off x="2367145" y="1896066"/>
+          <a:ext cx="8447656" cy="3412535"/>
+        </p:xfrm>
+        <a:graphic>
+          <a:graphicData uri="http://schemas.openxmlformats.org/drawingml/2006/table">
+            <a:tbl>
+              <a:tblPr firstRow="1" bandRow="1">
+                <a:tableStyleId>{3B4B98B0-60AC-42C2-AFA5-B58CD77FA1E5}</a:tableStyleId>
+              </a:tblPr>
+              <a:tblGrid>
+                <a:gridCol w="2111914">
+                  <a:extLst>
+                    <a:ext uri="{9D8B030D-6E8A-4147-A177-3AD203B41FA5}">
+                      <a16:colId xmlns:a16="http://schemas.microsoft.com/office/drawing/2014/main" val="20000"/>
+                    </a:ext>
+                  </a:extLst>
+                </a:gridCol>
+                <a:gridCol w="2282286">
+                  <a:extLst>
+                    <a:ext uri="{9D8B030D-6E8A-4147-A177-3AD203B41FA5}">
+                      <a16:colId xmlns:a16="http://schemas.microsoft.com/office/drawing/2014/main" val="20001"/>
+                    </a:ext>
+                  </a:extLst>
+                </a:gridCol>
+                <a:gridCol w="1941542">
+                  <a:extLst>
+                    <a:ext uri="{9D8B030D-6E8A-4147-A177-3AD203B41FA5}">
+                      <a16:colId xmlns:a16="http://schemas.microsoft.com/office/drawing/2014/main" val="20002"/>
+                    </a:ext>
+                  </a:extLst>
+                </a:gridCol>
+                <a:gridCol w="2111914">
+                  <a:extLst>
+                    <a:ext uri="{9D8B030D-6E8A-4147-A177-3AD203B41FA5}">
+                      <a16:colId xmlns:a16="http://schemas.microsoft.com/office/drawing/2014/main" val="20003"/>
+                    </a:ext>
+                  </a:extLst>
+                </a:gridCol>
+              </a:tblGrid>
+              <a:tr h="1156496">
+                <a:tc>
+                  <a:txBody>
+                    <a:bodyPr/>
+                    <a:lstStyle/>
+                    <a:p>
+                      <a:pPr algn="ctr"/>
+                      <a:r>
+                        <a:rPr lang="en-US" sz="2000" dirty="0"/>
+                        <a:t>University</a:t>
+                      </a:r>
+                    </a:p>
+                  </a:txBody>
+                  <a:tcPr marL="83820" marR="83820" marT="41910" marB="41910" anchor="ctr"/>
+                </a:tc>
+                <a:tc>
+                  <a:txBody>
+                    <a:bodyPr/>
+                    <a:lstStyle/>
+                    <a:p>
+                      <a:pPr algn="ctr"/>
+                      <a:r>
+                        <a:rPr lang="en-US" sz="2000" dirty="0"/>
+                        <a:t>Number of Configurations</a:t>
+                      </a:r>
+                    </a:p>
+                  </a:txBody>
+                  <a:tcPr marL="83820" marR="83820" marT="41910" marB="41910" anchor="ctr"/>
+                </a:tc>
+                <a:tc>
+                  <a:txBody>
+                    <a:bodyPr/>
+                    <a:lstStyle/>
+                    <a:p>
+                      <a:pPr algn="ctr"/>
+                      <a:r>
+                        <a:rPr lang="en-US" sz="2000" dirty="0"/>
+                        <a:t>Total Lines</a:t>
+                      </a:r>
+                    </a:p>
+                  </a:txBody>
+                  <a:tcPr marL="83820" marR="83820" marT="41910" marB="41910" anchor="ctr"/>
+                </a:tc>
+                <a:tc>
+                  <a:txBody>
+                    <a:bodyPr/>
+                    <a:lstStyle/>
+                    <a:p>
+                      <a:pPr algn="ctr"/>
+                      <a:r>
+                        <a:rPr lang="en-US" sz="2000" dirty="0"/>
+                        <a:t>Average Lines</a:t>
+                      </a:r>
+                    </a:p>
+                  </a:txBody>
+                  <a:tcPr marL="83820" marR="83820" marT="41910" marB="41910" anchor="ctr"/>
+                </a:tc>
+                <a:extLst>
+                  <a:ext uri="{0D108BD9-81ED-4DB2-BD59-A6C34878D82A}">
+                    <a16:rowId xmlns:a16="http://schemas.microsoft.com/office/drawing/2014/main" val="10000"/>
+                  </a:ext>
+                </a:extLst>
+              </a:tr>
+              <a:tr h="752013">
+                <a:tc>
+                  <a:txBody>
+                    <a:bodyPr/>
+                    <a:lstStyle/>
+                    <a:p>
+                      <a:pPr algn="ctr"/>
+                      <a:r>
+                        <a:rPr lang="en-US" sz="2000" dirty="0"/>
+                        <a:t>A</a:t>
+                      </a:r>
+                    </a:p>
+                  </a:txBody>
+                  <a:tcPr marL="83820" marR="83820" marT="41910" marB="41910" anchor="ctr"/>
+                </a:tc>
+                <a:tc>
+                  <a:txBody>
+                    <a:bodyPr/>
+                    <a:lstStyle/>
+                    <a:p>
+                      <a:pPr algn="ctr"/>
+                      <a:r>
+                        <a:rPr lang="en-US" sz="2000" dirty="0"/>
+                        <a:t>35</a:t>
+                      </a:r>
+                    </a:p>
+                  </a:txBody>
+                  <a:tcPr marL="83820" marR="83820" marT="41910" marB="41910" anchor="ctr"/>
+                </a:tc>
+                <a:tc>
+                  <a:txBody>
+                    <a:bodyPr/>
+                    <a:lstStyle/>
+                    <a:p>
+                      <a:pPr algn="ctr"/>
+                      <a:r>
+                        <a:rPr lang="en-US" sz="2000" dirty="0"/>
+                        <a:t>73K</a:t>
+                      </a:r>
+                    </a:p>
+                  </a:txBody>
+                  <a:tcPr marL="83820" marR="83820" marT="41910" marB="41910" anchor="ctr"/>
+                </a:tc>
+                <a:tc>
+                  <a:txBody>
+                    <a:bodyPr/>
+                    <a:lstStyle/>
+                    <a:p>
+                      <a:pPr algn="ctr"/>
+                      <a:r>
+                        <a:rPr lang="en-US" sz="2000" dirty="0"/>
+                        <a:t>2.1K</a:t>
+                      </a:r>
+                    </a:p>
+                  </a:txBody>
+                  <a:tcPr marL="83820" marR="83820" marT="41910" marB="41910" anchor="ctr"/>
+                </a:tc>
+                <a:extLst>
+                  <a:ext uri="{0D108BD9-81ED-4DB2-BD59-A6C34878D82A}">
+                    <a16:rowId xmlns:a16="http://schemas.microsoft.com/office/drawing/2014/main" val="10001"/>
+                  </a:ext>
+                </a:extLst>
+              </a:tr>
+              <a:tr h="752013">
+                <a:tc>
+                  <a:txBody>
+                    <a:bodyPr/>
+                    <a:lstStyle/>
+                    <a:p>
+                      <a:pPr algn="ctr"/>
+                      <a:r>
+                        <a:rPr lang="en-US" sz="2000" dirty="0"/>
+                        <a:t>B</a:t>
+                      </a:r>
+                    </a:p>
+                  </a:txBody>
+                  <a:tcPr marL="83820" marR="83820" marT="41910" marB="41910" anchor="ctr"/>
+                </a:tc>
+                <a:tc>
+                  <a:txBody>
+                    <a:bodyPr/>
+                    <a:lstStyle/>
+                    <a:p>
+                      <a:pPr algn="ctr"/>
+                      <a:r>
+                        <a:rPr lang="en-US" sz="2000" dirty="0"/>
+                        <a:t>26</a:t>
+                      </a:r>
+                    </a:p>
+                  </a:txBody>
+                  <a:tcPr marL="83820" marR="83820" marT="41910" marB="41910" anchor="ctr"/>
+                </a:tc>
+                <a:tc>
+                  <a:txBody>
+                    <a:bodyPr/>
+                    <a:lstStyle/>
+                    <a:p>
+                      <a:pPr algn="ctr"/>
+                      <a:r>
+                        <a:rPr lang="en-US" sz="2000" dirty="0"/>
+                        <a:t>61K</a:t>
+                      </a:r>
+                    </a:p>
+                  </a:txBody>
+                  <a:tcPr marL="83820" marR="83820" marT="41910" marB="41910" anchor="ctr"/>
+                </a:tc>
+                <a:tc>
+                  <a:txBody>
+                    <a:bodyPr/>
+                    <a:lstStyle/>
+                    <a:p>
+                      <a:pPr algn="ctr"/>
+                      <a:r>
+                        <a:rPr lang="en-US" sz="2000" dirty="0"/>
+                        <a:t>2.3K</a:t>
+                      </a:r>
+                    </a:p>
+                  </a:txBody>
+                  <a:tcPr marL="83820" marR="83820" marT="41910" marB="41910" anchor="ctr"/>
+                </a:tc>
+                <a:extLst>
+                  <a:ext uri="{0D108BD9-81ED-4DB2-BD59-A6C34878D82A}">
+                    <a16:rowId xmlns:a16="http://schemas.microsoft.com/office/drawing/2014/main" val="10002"/>
+                  </a:ext>
+                </a:extLst>
+              </a:tr>
+              <a:tr h="752013">
+                <a:tc>
+                  <a:txBody>
+                    <a:bodyPr/>
+                    <a:lstStyle/>
+                    <a:p>
+                      <a:pPr algn="ctr"/>
+                      <a:r>
+                        <a:rPr lang="en-US" sz="2000" dirty="0"/>
+                        <a:t>C</a:t>
+                      </a:r>
+                    </a:p>
+                  </a:txBody>
+                  <a:tcPr marL="83820" marR="83820" marT="41910" marB="41910" anchor="ctr"/>
+                </a:tc>
+                <a:tc>
+                  <a:txBody>
+                    <a:bodyPr/>
+                    <a:lstStyle/>
+                    <a:p>
+                      <a:pPr algn="ctr"/>
+                      <a:r>
+                        <a:rPr lang="en-US" sz="2000" dirty="0"/>
+                        <a:t>24</a:t>
+                      </a:r>
+                    </a:p>
+                  </a:txBody>
+                  <a:tcPr marL="83820" marR="83820" marT="41910" marB="41910" anchor="ctr"/>
+                </a:tc>
+                <a:tc>
+                  <a:txBody>
+                    <a:bodyPr/>
+                    <a:lstStyle/>
+                    <a:p>
+                      <a:pPr algn="ctr"/>
+                      <a:r>
+                        <a:rPr lang="en-US" sz="2000" dirty="0"/>
+                        <a:t>67K</a:t>
+                      </a:r>
+                    </a:p>
+                  </a:txBody>
+                  <a:tcPr marL="83820" marR="83820" marT="41910" marB="41910" anchor="ctr"/>
+                </a:tc>
+                <a:tc>
+                  <a:txBody>
+                    <a:bodyPr/>
+                    <a:lstStyle/>
+                    <a:p>
+                      <a:pPr algn="ctr"/>
+                      <a:r>
+                        <a:rPr lang="en-US" sz="2000" dirty="0"/>
+                        <a:t>2.8K</a:t>
+                      </a:r>
+                    </a:p>
+                  </a:txBody>
+                  <a:tcPr marL="83820" marR="83820" marT="41910" marB="41910" anchor="ctr"/>
+                </a:tc>
+                <a:extLst>
+                  <a:ext uri="{0D108BD9-81ED-4DB2-BD59-A6C34878D82A}">
+                    <a16:rowId xmlns:a16="http://schemas.microsoft.com/office/drawing/2014/main" val="10003"/>
+                  </a:ext>
+                </a:extLst>
+              </a:tr>
+            </a:tbl>
+          </a:graphicData>
+        </a:graphic>
+      </p:graphicFrame>
+    </p:spTree>
+    <p:extLst>
+      <p:ext uri="{BB962C8B-B14F-4D97-AF65-F5344CB8AC3E}">
+        <p14:creationId xmlns:p14="http://schemas.microsoft.com/office/powerpoint/2010/main" val="2744475804"/>
+      </p:ext>
+    </p:extLst>
+  </p:cSld>
+  <p:clrMapOvr>
+    <a:masterClrMapping/>
+  </p:clrMapOvr>
+</p:sld>
+</file>
+
+<file path=ppt/slides/slide15.xml><?xml version="1.0" encoding="utf-8"?>
+<p:sld xmlns:a="http://schemas.openxmlformats.org/drawingml/2006/main" xmlns:r="http://schemas.openxmlformats.org/officeDocument/2006/relationships" xmlns:p="http://schemas.openxmlformats.org/presentationml/2006/main">
+  <p:cSld>
+    <p:spTree>
+      <p:nvGrpSpPr>
+        <p:cNvPr id="1" name=""/>
+        <p:cNvGrpSpPr/>
+        <p:nvPr/>
+      </p:nvGrpSpPr>
+      <p:grpSpPr>
+        <a:xfrm>
+          <a:off x="0" y="0"/>
+          <a:ext cx="0" cy="0"/>
+          <a:chOff x="0" y="0"/>
+          <a:chExt cx="0" cy="0"/>
+        </a:xfrm>
+      </p:grpSpPr>
+      <p:sp>
+        <p:nvSpPr>
+          <p:cNvPr id="2" name="Title 1">
+            <a:extLst>
+              <a:ext uri="{FF2B5EF4-FFF2-40B4-BE49-F238E27FC236}">
+                <a16:creationId xmlns:a16="http://schemas.microsoft.com/office/drawing/2014/main" id="{12EDD980-2FF1-6A43-9A90-E021660DC185}"/>
+              </a:ext>
+            </a:extLst>
+          </p:cNvPr>
+          <p:cNvSpPr>
+            <a:spLocks noGrp="1"/>
+          </p:cNvSpPr>
+          <p:nvPr>
+            <p:ph type="title"/>
+          </p:nvPr>
+        </p:nvSpPr>
+        <p:spPr/>
+        <p:txBody>
+          <a:bodyPr/>
+          <a:lstStyle/>
+          <a:p>
+            <a:pPr algn="l"/>
+            <a:r>
+              <a:rPr lang="en-US" dirty="0"/>
+              <a:t>Testing Methodology</a:t>
+            </a:r>
+          </a:p>
+        </p:txBody>
+      </p:sp>
+      <p:sp>
+        <p:nvSpPr>
+          <p:cNvPr id="3" name="Content Placeholder 2">
+            <a:extLst>
+              <a:ext uri="{FF2B5EF4-FFF2-40B4-BE49-F238E27FC236}">
+                <a16:creationId xmlns:a16="http://schemas.microsoft.com/office/drawing/2014/main" id="{52ADF445-4A71-4A47-B495-D5A05EC06DC4}"/>
+              </a:ext>
+            </a:extLst>
+          </p:cNvPr>
+          <p:cNvSpPr>
+            <a:spLocks noGrp="1"/>
+          </p:cNvSpPr>
+          <p:nvPr>
+            <p:ph idx="1"/>
+          </p:nvPr>
+        </p:nvSpPr>
+        <p:spPr>
+          <a:xfrm>
+            <a:off x="2243507" y="1936085"/>
+            <a:ext cx="7958331" cy="2750215"/>
+          </a:xfrm>
+        </p:spPr>
+        <p:txBody>
+          <a:bodyPr anchor="t">
+            <a:normAutofit/>
+          </a:bodyPr>
+          <a:lstStyle/>
+          <a:p>
+            <a:r>
+              <a:rPr lang="en-US" sz="2400" dirty="0"/>
+              <a:t> “Rebuild” the test configurations token-by-token </a:t>
+            </a:r>
+          </a:p>
+          <a:p>
+            <a:r>
+              <a:rPr lang="en-US" sz="2400" dirty="0"/>
+              <a:t>A prediction is marked as successful when we suggest the correct token within three results</a:t>
+            </a:r>
+          </a:p>
+          <a:p>
+            <a:r>
+              <a:rPr lang="en-US" sz="2400" dirty="0"/>
+              <a:t>Perform leave-one-out cross validation</a:t>
+            </a:r>
+          </a:p>
+        </p:txBody>
+      </p:sp>
+      <p:sp>
+        <p:nvSpPr>
+          <p:cNvPr id="4" name="Slide Number Placeholder 3">
+            <a:extLst>
+              <a:ext uri="{FF2B5EF4-FFF2-40B4-BE49-F238E27FC236}">
+                <a16:creationId xmlns:a16="http://schemas.microsoft.com/office/drawing/2014/main" id="{7124CDC2-F652-5F42-9813-BC9248D2A5C8}"/>
+              </a:ext>
+            </a:extLst>
+          </p:cNvPr>
+          <p:cNvSpPr>
+            <a:spLocks noGrp="1"/>
+          </p:cNvSpPr>
+          <p:nvPr>
+            <p:ph type="sldNum" sz="quarter" idx="12"/>
+          </p:nvPr>
+        </p:nvSpPr>
+        <p:spPr/>
+        <p:txBody>
+          <a:bodyPr/>
+          <a:lstStyle/>
+          <a:p>
+            <a:fld id="{6D22F896-40B5-4ADD-8801-0D06FADFA095}" type="slidenum">
+              <a:rPr lang="en-US" smtClean="0"/>
+              <a:t>15</a:t>
+            </a:fld>
+            <a:endParaRPr lang="en-US" dirty="0"/>
+          </a:p>
+        </p:txBody>
+      </p:sp>
+    </p:spTree>
+    <p:extLst>
+      <p:ext uri="{BB962C8B-B14F-4D97-AF65-F5344CB8AC3E}">
+        <p14:creationId xmlns:p14="http://schemas.microsoft.com/office/powerpoint/2010/main" val="4180441357"/>
+      </p:ext>
+    </p:extLst>
+  </p:cSld>
+  <p:clrMapOvr>
+    <a:masterClrMapping/>
+  </p:clrMapOvr>
+</p:sld>
+</file>
+
+<file path=ppt/slides/slide16.xml><?xml version="1.0" encoding="utf-8"?>
+<p:sld xmlns:a="http://schemas.openxmlformats.org/drawingml/2006/main" xmlns:r="http://schemas.openxmlformats.org/officeDocument/2006/relationships" xmlns:p="http://schemas.openxmlformats.org/presentationml/2006/main">
+  <p:cSld>
+    <p:spTree>
+      <p:nvGrpSpPr>
+        <p:cNvPr id="1" name=""/>
+        <p:cNvGrpSpPr/>
+        <p:nvPr/>
+      </p:nvGrpSpPr>
+      <p:grpSpPr>
+        <a:xfrm>
+          <a:off x="0" y="0"/>
+          <a:ext cx="0" cy="0"/>
+          <a:chOff x="0" y="0"/>
+          <a:chExt cx="0" cy="0"/>
+        </a:xfrm>
+      </p:grpSpPr>
+      <p:sp>
+        <p:nvSpPr>
+          <p:cNvPr id="2" name="Title 1">
+            <a:extLst>
+              <a:ext uri="{FF2B5EF4-FFF2-40B4-BE49-F238E27FC236}">
+                <a16:creationId xmlns:a16="http://schemas.microsoft.com/office/drawing/2014/main" id="{12EDD980-2FF1-6A43-9A90-E021660DC185}"/>
+              </a:ext>
+            </a:extLst>
+          </p:cNvPr>
+          <p:cNvSpPr>
+            <a:spLocks noGrp="1"/>
+          </p:cNvSpPr>
+          <p:nvPr>
+            <p:ph type="title"/>
+          </p:nvPr>
+        </p:nvSpPr>
+        <p:spPr>
+          <a:xfrm>
+            <a:off x="2611808" y="808056"/>
+            <a:ext cx="7958331" cy="881043"/>
+          </a:xfrm>
+        </p:spPr>
+        <p:txBody>
+          <a:bodyPr/>
+          <a:lstStyle/>
+          <a:p>
+            <a:pPr algn="l"/>
+            <a:r>
+              <a:rPr lang="en-US" dirty="0"/>
+              <a:t>Testing Methodology</a:t>
+            </a:r>
+          </a:p>
+        </p:txBody>
+      </p:sp>
+      <p:sp>
+        <p:nvSpPr>
+          <p:cNvPr id="4" name="Slide Number Placeholder 3">
+            <a:extLst>
+              <a:ext uri="{FF2B5EF4-FFF2-40B4-BE49-F238E27FC236}">
+                <a16:creationId xmlns:a16="http://schemas.microsoft.com/office/drawing/2014/main" id="{7124CDC2-F652-5F42-9813-BC9248D2A5C8}"/>
+              </a:ext>
+            </a:extLst>
+          </p:cNvPr>
+          <p:cNvSpPr>
+            <a:spLocks noGrp="1"/>
+          </p:cNvSpPr>
+          <p:nvPr>
+            <p:ph type="sldNum" sz="quarter" idx="12"/>
+          </p:nvPr>
+        </p:nvSpPr>
+        <p:spPr/>
+        <p:txBody>
+          <a:bodyPr/>
+          <a:lstStyle/>
+          <a:p>
+            <a:fld id="{6D22F896-40B5-4ADD-8801-0D06FADFA095}" type="slidenum">
+              <a:rPr lang="en-US" smtClean="0"/>
+              <a:t>16</a:t>
+            </a:fld>
+            <a:endParaRPr lang="en-US" dirty="0"/>
+          </a:p>
+        </p:txBody>
+      </p:sp>
       <p:sp>
         <p:nvSpPr>
           <p:cNvPr id="8" name="Document 7">
@@ -16966,8 +17671,8 @@
         </p:nvSpPr>
         <p:spPr>
           <a:xfrm>
-            <a:off x="6778487" y="1510748"/>
-            <a:ext cx="4426790" cy="5347253"/>
+            <a:off x="6743700" y="1839061"/>
+            <a:ext cx="4114303" cy="4839251"/>
           </a:xfrm>
           <a:prstGeom prst="flowChartDocument">
             <a:avLst/>
@@ -17191,8 +17896,8 @@
         </p:nvSpPr>
         <p:spPr>
           <a:xfrm>
-            <a:off x="1325217" y="1510748"/>
-            <a:ext cx="4426790" cy="5481349"/>
+            <a:off x="1365250" y="1839061"/>
+            <a:ext cx="4081173" cy="4839251"/>
           </a:xfrm>
           <a:prstGeom prst="flowChartDocument">
             <a:avLst/>
@@ -17319,7 +18024,7 @@
         </p:nvSpPr>
         <p:spPr>
           <a:xfrm>
-            <a:off x="1594388" y="3750687"/>
+            <a:off x="1607088" y="4080887"/>
             <a:ext cx="1232452" cy="867373"/>
           </a:xfrm>
           <a:prstGeom prst="wedgeRectCallout">
@@ -17385,7 +18090,7 @@
         </p:nvSpPr>
         <p:spPr>
           <a:xfrm>
-            <a:off x="1738990" y="4040061"/>
+            <a:off x="1738990" y="4408361"/>
             <a:ext cx="1006601" cy="331582"/>
           </a:xfrm>
           <a:prstGeom prst="ellipse">
@@ -17437,7 +18142,7 @@
         </p:nvSpPr>
         <p:spPr>
           <a:xfrm>
-            <a:off x="1738990" y="3224007"/>
+            <a:off x="1751690" y="3554207"/>
             <a:ext cx="943249" cy="338554"/>
           </a:xfrm>
           <a:prstGeom prst="rect">
@@ -17459,6 +18164,162 @@
               </a:rPr>
               <a:t>address</a:t>
             </a:r>
+          </a:p>
+        </p:txBody>
+      </p:sp>
+      <p:sp>
+        <p:nvSpPr>
+          <p:cNvPr id="13" name="Oval 12">
+            <a:extLst>
+              <a:ext uri="{FF2B5EF4-FFF2-40B4-BE49-F238E27FC236}">
+                <a16:creationId xmlns:a16="http://schemas.microsoft.com/office/drawing/2014/main" id="{48BCE406-3692-7943-8BA6-259D1DDA4F48}"/>
+              </a:ext>
+            </a:extLst>
+          </p:cNvPr>
+          <p:cNvSpPr/>
+          <p:nvPr/>
+        </p:nvSpPr>
+        <p:spPr>
+          <a:xfrm>
+            <a:off x="7250791" y="3561179"/>
+            <a:ext cx="864510" cy="331582"/>
+          </a:xfrm>
+          <a:prstGeom prst="ellipse">
+            <a:avLst/>
+          </a:prstGeom>
+          <a:noFill/>
+          <a:ln w="19050">
+            <a:solidFill>
+              <a:srgbClr val="FF0000"/>
+            </a:solidFill>
+          </a:ln>
+        </p:spPr>
+        <p:style>
+          <a:lnRef idx="2">
+            <a:schemeClr val="accent1">
+              <a:shade val="50000"/>
+            </a:schemeClr>
+          </a:lnRef>
+          <a:fillRef idx="1">
+            <a:schemeClr val="accent1"/>
+          </a:fillRef>
+          <a:effectRef idx="0">
+            <a:schemeClr val="accent1"/>
+          </a:effectRef>
+          <a:fontRef idx="minor">
+            <a:schemeClr val="lt1"/>
+          </a:fontRef>
+        </p:style>
+        <p:txBody>
+          <a:bodyPr rtlCol="0" anchor="ctr"/>
+          <a:lstStyle/>
+          <a:p>
+            <a:pPr algn="ctr"/>
+            <a:endParaRPr lang="en-US"/>
+          </a:p>
+        </p:txBody>
+      </p:sp>
+      <p:sp>
+        <p:nvSpPr>
+          <p:cNvPr id="14" name="Right Arrow 13">
+            <a:extLst>
+              <a:ext uri="{FF2B5EF4-FFF2-40B4-BE49-F238E27FC236}">
+                <a16:creationId xmlns:a16="http://schemas.microsoft.com/office/drawing/2014/main" id="{CE647149-8ACC-004C-8252-A4629F27FC94}"/>
+              </a:ext>
+            </a:extLst>
+          </p:cNvPr>
+          <p:cNvSpPr/>
+          <p:nvPr/>
+        </p:nvSpPr>
+        <p:spPr>
+          <a:xfrm>
+            <a:off x="1219200" y="3632200"/>
+            <a:ext cx="292100" cy="235161"/>
+          </a:xfrm>
+          <a:prstGeom prst="rightArrow">
+            <a:avLst/>
+          </a:prstGeom>
+          <a:solidFill>
+            <a:srgbClr val="FF0000"/>
+          </a:solidFill>
+          <a:ln>
+            <a:noFill/>
+          </a:ln>
+        </p:spPr>
+        <p:style>
+          <a:lnRef idx="2">
+            <a:schemeClr val="accent1">
+              <a:shade val="50000"/>
+            </a:schemeClr>
+          </a:lnRef>
+          <a:fillRef idx="1">
+            <a:schemeClr val="accent1"/>
+          </a:fillRef>
+          <a:effectRef idx="0">
+            <a:schemeClr val="accent1"/>
+          </a:effectRef>
+          <a:fontRef idx="minor">
+            <a:schemeClr val="lt1"/>
+          </a:fontRef>
+        </p:style>
+        <p:txBody>
+          <a:bodyPr rtlCol="0" anchor="ctr"/>
+          <a:lstStyle/>
+          <a:p>
+            <a:pPr algn="ctr"/>
+            <a:endParaRPr lang="en-US"/>
+          </a:p>
+        </p:txBody>
+      </p:sp>
+      <p:sp>
+        <p:nvSpPr>
+          <p:cNvPr id="15" name="Right Arrow 14">
+            <a:extLst>
+              <a:ext uri="{FF2B5EF4-FFF2-40B4-BE49-F238E27FC236}">
+                <a16:creationId xmlns:a16="http://schemas.microsoft.com/office/drawing/2014/main" id="{C0F943D2-FAEB-2045-8D54-5781C9D3841A}"/>
+              </a:ext>
+            </a:extLst>
+          </p:cNvPr>
+          <p:cNvSpPr/>
+          <p:nvPr/>
+        </p:nvSpPr>
+        <p:spPr>
+          <a:xfrm>
+            <a:off x="6743700" y="3632200"/>
+            <a:ext cx="292100" cy="235161"/>
+          </a:xfrm>
+          <a:prstGeom prst="rightArrow">
+            <a:avLst/>
+          </a:prstGeom>
+          <a:solidFill>
+            <a:srgbClr val="FF0000"/>
+          </a:solidFill>
+          <a:ln>
+            <a:noFill/>
+          </a:ln>
+        </p:spPr>
+        <p:style>
+          <a:lnRef idx="2">
+            <a:schemeClr val="accent1">
+              <a:shade val="50000"/>
+            </a:schemeClr>
+          </a:lnRef>
+          <a:fillRef idx="1">
+            <a:schemeClr val="accent1"/>
+          </a:fillRef>
+          <a:effectRef idx="0">
+            <a:schemeClr val="accent1"/>
+          </a:effectRef>
+          <a:fontRef idx="minor">
+            <a:schemeClr val="lt1"/>
+          </a:fontRef>
+        </p:style>
+        <p:txBody>
+          <a:bodyPr rtlCol="0" anchor="ctr"/>
+          <a:lstStyle/>
+          <a:p>
+            <a:pPr algn="ctr"/>
+            <a:endParaRPr lang="en-US"/>
           </a:p>
         </p:txBody>
       </p:sp>
@@ -17629,6 +18490,41 @@
                                   </p:childTnLst>
                                 </p:cTn>
                               </p:par>
+                              <p:par>
+                                <p:cTn id="17" presetID="22" presetClass="entr" presetSubtype="4" fill="hold" grpId="0" nodeType="withEffect">
+                                  <p:stCondLst>
+                                    <p:cond delay="0"/>
+                                  </p:stCondLst>
+                                  <p:childTnLst>
+                                    <p:set>
+                                      <p:cBhvr>
+                                        <p:cTn id="18" dur="1" fill="hold">
+                                          <p:stCondLst>
+                                            <p:cond delay="0"/>
+                                          </p:stCondLst>
+                                        </p:cTn>
+                                        <p:tgtEl>
+                                          <p:spTgt spid="13"/>
+                                        </p:tgtEl>
+                                        <p:attrNameLst>
+                                          <p:attrName>style.visibility</p:attrName>
+                                        </p:attrNameLst>
+                                      </p:cBhvr>
+                                      <p:to>
+                                        <p:strVal val="visible"/>
+                                      </p:to>
+                                    </p:set>
+                                    <p:animEffect transition="in" filter="wipe(down)">
+                                      <p:cBhvr>
+                                        <p:cTn id="19" dur="500"/>
+                                        <p:tgtEl>
+                                          <p:spTgt spid="13"/>
+                                        </p:tgtEl>
+                                      </p:cBhvr>
+                                    </p:animEffect>
+                                  </p:childTnLst>
+                                </p:cTn>
+                              </p:par>
                             </p:childTnLst>
                           </p:cTn>
                         </p:par>
@@ -17636,26 +18532,26 @@
                     </p:cTn>
                   </p:par>
                   <p:par>
-                    <p:cTn id="17" fill="hold">
+                    <p:cTn id="20" fill="hold">
                       <p:stCondLst>
                         <p:cond delay="indefinite"/>
                       </p:stCondLst>
                       <p:childTnLst>
                         <p:par>
-                          <p:cTn id="18" fill="hold">
+                          <p:cTn id="21" fill="hold">
                             <p:stCondLst>
                               <p:cond delay="0"/>
                             </p:stCondLst>
                             <p:childTnLst>
                               <p:par>
-                                <p:cTn id="19" presetID="1" presetClass="entr" presetSubtype="0" fill="hold" grpId="0" nodeType="clickEffect">
+                                <p:cTn id="22" presetID="1" presetClass="entr" presetSubtype="0" fill="hold" grpId="0" nodeType="clickEffect">
                                   <p:stCondLst>
                                     <p:cond delay="0"/>
                                   </p:stCondLst>
                                   <p:childTnLst>
                                     <p:set>
                                       <p:cBhvr>
-                                        <p:cTn id="20" dur="1" fill="hold">
+                                        <p:cTn id="23" dur="1" fill="hold">
                                           <p:stCondLst>
                                             <p:cond delay="0"/>
                                           </p:stCondLst>
@@ -17705,121 +18601,13 @@
       <p:bldP spid="10" grpId="0" animBg="1"/>
       <p:bldP spid="11" grpId="0" animBg="1"/>
       <p:bldP spid="12" grpId="0"/>
+      <p:bldP spid="13" grpId="0" animBg="1"/>
     </p:bldLst>
   </p:timing>
 </p:sld>
 </file>
 
-<file path=ppt/slides/slide15.xml><?xml version="1.0" encoding="utf-8"?>
-<p:sld xmlns:a="http://schemas.openxmlformats.org/drawingml/2006/main" xmlns:r="http://schemas.openxmlformats.org/officeDocument/2006/relationships" xmlns:p="http://schemas.openxmlformats.org/presentationml/2006/main">
-  <p:cSld>
-    <p:spTree>
-      <p:nvGrpSpPr>
-        <p:cNvPr id="1" name=""/>
-        <p:cNvGrpSpPr/>
-        <p:nvPr/>
-      </p:nvGrpSpPr>
-      <p:grpSpPr>
-        <a:xfrm>
-          <a:off x="0" y="0"/>
-          <a:ext cx="0" cy="0"/>
-          <a:chOff x="0" y="0"/>
-          <a:chExt cx="0" cy="0"/>
-        </a:xfrm>
-      </p:grpSpPr>
-      <p:sp>
-        <p:nvSpPr>
-          <p:cNvPr id="2" name="Title 1">
-            <a:extLst>
-              <a:ext uri="{FF2B5EF4-FFF2-40B4-BE49-F238E27FC236}">
-                <a16:creationId xmlns:a16="http://schemas.microsoft.com/office/drawing/2014/main" id="{635983EE-57C4-1644-9895-F7FDF230D424}"/>
-              </a:ext>
-            </a:extLst>
-          </p:cNvPr>
-          <p:cNvSpPr>
-            <a:spLocks noGrp="1"/>
-          </p:cNvSpPr>
-          <p:nvPr>
-            <p:ph type="title"/>
-          </p:nvPr>
-        </p:nvSpPr>
-        <p:spPr/>
-        <p:txBody>
-          <a:bodyPr/>
-          <a:lstStyle/>
-          <a:p>
-            <a:endParaRPr lang="en-US" dirty="0"/>
-          </a:p>
-        </p:txBody>
-      </p:sp>
-      <p:sp>
-        <p:nvSpPr>
-          <p:cNvPr id="3" name="Content Placeholder 2">
-            <a:extLst>
-              <a:ext uri="{FF2B5EF4-FFF2-40B4-BE49-F238E27FC236}">
-                <a16:creationId xmlns:a16="http://schemas.microsoft.com/office/drawing/2014/main" id="{24DB9C6D-8C9B-5946-97F4-E59593FE7769}"/>
-              </a:ext>
-            </a:extLst>
-          </p:cNvPr>
-          <p:cNvSpPr>
-            <a:spLocks noGrp="1"/>
-          </p:cNvSpPr>
-          <p:nvPr>
-            <p:ph idx="1"/>
-          </p:nvPr>
-        </p:nvSpPr>
-        <p:spPr/>
-        <p:txBody>
-          <a:bodyPr/>
-          <a:lstStyle/>
-          <a:p>
-            <a:endParaRPr lang="en-US" dirty="0"/>
-          </a:p>
-        </p:txBody>
-      </p:sp>
-      <p:sp>
-        <p:nvSpPr>
-          <p:cNvPr id="4" name="Slide Number Placeholder 3">
-            <a:extLst>
-              <a:ext uri="{FF2B5EF4-FFF2-40B4-BE49-F238E27FC236}">
-                <a16:creationId xmlns:a16="http://schemas.microsoft.com/office/drawing/2014/main" id="{C223958E-9418-1F4F-9E0F-0AEFB0A73A80}"/>
-              </a:ext>
-            </a:extLst>
-          </p:cNvPr>
-          <p:cNvSpPr>
-            <a:spLocks noGrp="1"/>
-          </p:cNvSpPr>
-          <p:nvPr>
-            <p:ph type="sldNum" sz="quarter" idx="12"/>
-          </p:nvPr>
-        </p:nvSpPr>
-        <p:spPr/>
-        <p:txBody>
-          <a:bodyPr/>
-          <a:lstStyle/>
-          <a:p>
-            <a:fld id="{6D22F896-40B5-4ADD-8801-0D06FADFA095}" type="slidenum">
-              <a:rPr lang="en-US" smtClean="0"/>
-              <a:t>15</a:t>
-            </a:fld>
-            <a:endParaRPr lang="en-US" dirty="0"/>
-          </a:p>
-        </p:txBody>
-      </p:sp>
-    </p:spTree>
-    <p:extLst>
-      <p:ext uri="{BB962C8B-B14F-4D97-AF65-F5344CB8AC3E}">
-        <p14:creationId xmlns:p14="http://schemas.microsoft.com/office/powerpoint/2010/main" val="3985792162"/>
-      </p:ext>
-    </p:extLst>
-  </p:cSld>
-  <p:clrMapOvr>
-    <a:masterClrMapping/>
-  </p:clrMapOvr>
-</p:sld>
-</file>
-
-<file path=ppt/slides/slide16.xml><?xml version="1.0" encoding="utf-8"?>
+<file path=ppt/slides/slide17.xml><?xml version="1.0" encoding="utf-8"?>
 <p:sld xmlns:a="http://schemas.openxmlformats.org/drawingml/2006/main" xmlns:r="http://schemas.openxmlformats.org/officeDocument/2006/relationships" xmlns:p="http://schemas.openxmlformats.org/presentationml/2006/main">
   <p:cSld>
     <p:spTree>
@@ -17852,7 +18640,12 @@
             <p:ph type="title"/>
           </p:nvPr>
         </p:nvSpPr>
-        <p:spPr/>
+        <p:spPr>
+          <a:xfrm>
+            <a:off x="2611808" y="808057"/>
+            <a:ext cx="7958331" cy="655828"/>
+          </a:xfrm>
+        </p:spPr>
         <p:txBody>
           <a:bodyPr/>
           <a:lstStyle/>
@@ -17889,7 +18682,7 @@
         </p:blipFill>
         <p:spPr>
           <a:xfrm>
-            <a:off x="3937779" y="1554798"/>
+            <a:off x="3937777" y="1554798"/>
             <a:ext cx="5306387" cy="4541124"/>
           </a:xfrm>
         </p:spPr>
@@ -17953,7 +18746,7 @@
           <a:p>
             <a:fld id="{6D22F896-40B5-4ADD-8801-0D06FADFA095}" type="slidenum">
               <a:rPr lang="en-US" smtClean="0"/>
-              <a:t>16</a:t>
+              <a:t>17</a:t>
             </a:fld>
             <a:endParaRPr lang="en-US" dirty="0"/>
           </a:p>
@@ -17972,7 +18765,7 @@
 </p:sld>
 </file>
 
-<file path=ppt/slides/slide17.xml><?xml version="1.0" encoding="utf-8"?>
+<file path=ppt/slides/slide18.xml><?xml version="1.0" encoding="utf-8"?>
 <p:sld xmlns:a="http://schemas.openxmlformats.org/drawingml/2006/main" xmlns:r="http://schemas.openxmlformats.org/officeDocument/2006/relationships" xmlns:p="http://schemas.openxmlformats.org/presentationml/2006/main">
   <p:cSld>
     <p:spTree>
@@ -18016,10 +18809,7 @@
           <a:lstStyle/>
           <a:p>
             <a:pPr algn="l"/>
-            <a:r>
-              <a:rPr lang="en-US" dirty="0"/>
-              <a:t>Effect of Devices</a:t>
-            </a:r>
+            <a:endParaRPr lang="en-US" dirty="0"/>
           </a:p>
         </p:txBody>
       </p:sp>
@@ -18076,7 +18866,7 @@
           <a:p>
             <a:fld id="{6D22F896-40B5-4ADD-8801-0D06FADFA095}" type="slidenum">
               <a:rPr lang="en-US" smtClean="0"/>
-              <a:t>17</a:t>
+              <a:t>18</a:t>
             </a:fld>
             <a:endParaRPr lang="en-US" dirty="0"/>
           </a:p>
@@ -18095,7 +18885,7 @@
 </p:sld>
 </file>
 
-<file path=ppt/slides/slide18.xml><?xml version="1.0" encoding="utf-8"?>
+<file path=ppt/slides/slide19.xml><?xml version="1.0" encoding="utf-8"?>
 <p:sld xmlns:a="http://schemas.openxmlformats.org/drawingml/2006/main" xmlns:r="http://schemas.openxmlformats.org/officeDocument/2006/relationships" xmlns:p="http://schemas.openxmlformats.org/presentationml/2006/main">
   <p:cSld>
     <p:spTree>
@@ -18135,13 +18925,15 @@
           </a:xfrm>
         </p:spPr>
         <p:txBody>
-          <a:bodyPr/>
+          <a:bodyPr>
+            <a:normAutofit/>
+          </a:bodyPr>
           <a:lstStyle/>
           <a:p>
             <a:pPr algn="l"/>
             <a:r>
-              <a:rPr lang="en-US" dirty="0"/>
-              <a:t>Effects of Sample Sizes</a:t>
+              <a:rPr lang="en-US" sz="2800" dirty="0"/>
+              <a:t>How does the model perform for small datasets?</a:t>
             </a:r>
           </a:p>
         </p:txBody>
@@ -18198,7 +18990,7 @@
           <a:p>
             <a:fld id="{6D22F896-40B5-4ADD-8801-0D06FADFA095}" type="slidenum">
               <a:rPr lang="en-US" smtClean="0"/>
-              <a:t>18</a:t>
+              <a:t>19</a:t>
             </a:fld>
             <a:endParaRPr lang="en-US" dirty="0"/>
           </a:p>
@@ -18208,135 +19000,6 @@
     <p:extLst>
       <p:ext uri="{BB962C8B-B14F-4D97-AF65-F5344CB8AC3E}">
         <p14:creationId xmlns:p14="http://schemas.microsoft.com/office/powerpoint/2010/main" val="1850435212"/>
-      </p:ext>
-    </p:extLst>
-  </p:cSld>
-  <p:clrMapOvr>
-    <a:masterClrMapping/>
-  </p:clrMapOvr>
-</p:sld>
-</file>
-
-<file path=ppt/slides/slide19.xml><?xml version="1.0" encoding="utf-8"?>
-<p:sld xmlns:a="http://schemas.openxmlformats.org/drawingml/2006/main" xmlns:r="http://schemas.openxmlformats.org/officeDocument/2006/relationships" xmlns:p="http://schemas.openxmlformats.org/presentationml/2006/main">
-  <p:cSld>
-    <p:spTree>
-      <p:nvGrpSpPr>
-        <p:cNvPr id="1" name=""/>
-        <p:cNvGrpSpPr/>
-        <p:nvPr/>
-      </p:nvGrpSpPr>
-      <p:grpSpPr>
-        <a:xfrm>
-          <a:off x="0" y="0"/>
-          <a:ext cx="0" cy="0"/>
-          <a:chOff x="0" y="0"/>
-          <a:chExt cx="0" cy="0"/>
-        </a:xfrm>
-      </p:grpSpPr>
-      <p:sp>
-        <p:nvSpPr>
-          <p:cNvPr id="2" name="Title 1">
-            <a:extLst>
-              <a:ext uri="{FF2B5EF4-FFF2-40B4-BE49-F238E27FC236}">
-                <a16:creationId xmlns:a16="http://schemas.microsoft.com/office/drawing/2014/main" id="{C4B6F837-2A22-CD46-8852-7F204CC6A785}"/>
-              </a:ext>
-            </a:extLst>
-          </p:cNvPr>
-          <p:cNvSpPr>
-            <a:spLocks noGrp="1"/>
-          </p:cNvSpPr>
-          <p:nvPr>
-            <p:ph type="title"/>
-          </p:nvPr>
-        </p:nvSpPr>
-        <p:spPr/>
-        <p:txBody>
-          <a:bodyPr/>
-          <a:lstStyle/>
-          <a:p>
-            <a:endParaRPr lang="en-US"/>
-          </a:p>
-        </p:txBody>
-      </p:sp>
-      <p:sp>
-        <p:nvSpPr>
-          <p:cNvPr id="4" name="Slide Number Placeholder 3">
-            <a:extLst>
-              <a:ext uri="{FF2B5EF4-FFF2-40B4-BE49-F238E27FC236}">
-                <a16:creationId xmlns:a16="http://schemas.microsoft.com/office/drawing/2014/main" id="{6397FC56-9B20-C94C-94BE-7B15F36CD02E}"/>
-              </a:ext>
-            </a:extLst>
-          </p:cNvPr>
-          <p:cNvSpPr>
-            <a:spLocks noGrp="1"/>
-          </p:cNvSpPr>
-          <p:nvPr>
-            <p:ph type="sldNum" sz="quarter" idx="12"/>
-          </p:nvPr>
-        </p:nvSpPr>
-        <p:spPr/>
-        <p:txBody>
-          <a:bodyPr/>
-          <a:lstStyle/>
-          <a:p>
-            <a:fld id="{6D22F896-40B5-4ADD-8801-0D06FADFA095}" type="slidenum">
-              <a:rPr lang="en-US" smtClean="0"/>
-              <a:t>19</a:t>
-            </a:fld>
-            <a:endParaRPr lang="en-US" dirty="0"/>
-          </a:p>
-        </p:txBody>
-      </p:sp>
-      <p:pic>
-        <p:nvPicPr>
-          <p:cNvPr id="5" name="Content Placeholder 4">
-            <a:extLst>
-              <a:ext uri="{FF2B5EF4-FFF2-40B4-BE49-F238E27FC236}">
-                <a16:creationId xmlns:a16="http://schemas.microsoft.com/office/drawing/2014/main" id="{ACA7060D-792A-C549-AF44-B810A641DC8A}"/>
-              </a:ext>
-            </a:extLst>
-          </p:cNvPr>
-          <p:cNvPicPr>
-            <a:picLocks noGrp="1" noChangeAspect="1"/>
-          </p:cNvPicPr>
-          <p:nvPr>
-            <p:ph idx="1"/>
-          </p:nvPr>
-        </p:nvPicPr>
-        <p:blipFill>
-          <a:blip r:embed="rId2">
-            <a:alphaModFix/>
-            <a:extLst>
-              <a:ext uri="{BEBA8EAE-BF5A-486C-A8C5-ECC9F3942E4B}">
-                <a14:imgProps xmlns:a14="http://schemas.microsoft.com/office/drawing/2010/main">
-                  <a14:imgLayer r:embed="rId3">
-                    <a14:imgEffect>
-                      <a14:saturation sat="400000"/>
-                    </a14:imgEffect>
-                  </a14:imgLayer>
-                </a14:imgProps>
-              </a:ext>
-            </a:extLst>
-          </a:blip>
-          <a:stretch>
-            <a:fillRect/>
-          </a:stretch>
-        </p:blipFill>
-        <p:spPr>
-          <a:xfrm>
-            <a:off x="4646359" y="2052638"/>
-            <a:ext cx="4050219" cy="3997325"/>
-          </a:xfrm>
-          <a:prstGeom prst="rect">
-            <a:avLst/>
-          </a:prstGeom>
-        </p:spPr>
-      </p:pic>
-    </p:spTree>
-    <p:extLst>
-      <p:ext uri="{BB962C8B-B14F-4D97-AF65-F5344CB8AC3E}">
-        <p14:creationId xmlns:p14="http://schemas.microsoft.com/office/powerpoint/2010/main" val="1369419814"/>
       </p:ext>
     </p:extLst>
   </p:cSld>
@@ -18547,6 +19210,144 @@
           <p:cNvPr id="2" name="Title 1">
             <a:extLst>
               <a:ext uri="{FF2B5EF4-FFF2-40B4-BE49-F238E27FC236}">
+                <a16:creationId xmlns:a16="http://schemas.microsoft.com/office/drawing/2014/main" id="{C4B6F837-2A22-CD46-8852-7F204CC6A785}"/>
+              </a:ext>
+            </a:extLst>
+          </p:cNvPr>
+          <p:cNvSpPr>
+            <a:spLocks noGrp="1"/>
+          </p:cNvSpPr>
+          <p:nvPr>
+            <p:ph type="title"/>
+          </p:nvPr>
+        </p:nvSpPr>
+        <p:spPr>
+          <a:xfrm>
+            <a:off x="2611808" y="808057"/>
+            <a:ext cx="7958331" cy="665144"/>
+          </a:xfrm>
+        </p:spPr>
+        <p:txBody>
+          <a:bodyPr/>
+          <a:lstStyle/>
+          <a:p>
+            <a:pPr algn="l"/>
+            <a:r>
+              <a:rPr lang="en-US" dirty="0"/>
+              <a:t>How well did our placeholders perform?</a:t>
+            </a:r>
+          </a:p>
+        </p:txBody>
+      </p:sp>
+      <p:sp>
+        <p:nvSpPr>
+          <p:cNvPr id="4" name="Slide Number Placeholder 3">
+            <a:extLst>
+              <a:ext uri="{FF2B5EF4-FFF2-40B4-BE49-F238E27FC236}">
+                <a16:creationId xmlns:a16="http://schemas.microsoft.com/office/drawing/2014/main" id="{6397FC56-9B20-C94C-94BE-7B15F36CD02E}"/>
+              </a:ext>
+            </a:extLst>
+          </p:cNvPr>
+          <p:cNvSpPr>
+            <a:spLocks noGrp="1"/>
+          </p:cNvSpPr>
+          <p:nvPr>
+            <p:ph type="sldNum" sz="quarter" idx="12"/>
+          </p:nvPr>
+        </p:nvSpPr>
+        <p:spPr/>
+        <p:txBody>
+          <a:bodyPr/>
+          <a:lstStyle/>
+          <a:p>
+            <a:fld id="{6D22F896-40B5-4ADD-8801-0D06FADFA095}" type="slidenum">
+              <a:rPr lang="en-US" smtClean="0"/>
+              <a:t>20</a:t>
+            </a:fld>
+            <a:endParaRPr lang="en-US" dirty="0"/>
+          </a:p>
+        </p:txBody>
+      </p:sp>
+      <p:pic>
+        <p:nvPicPr>
+          <p:cNvPr id="5" name="Content Placeholder 4">
+            <a:extLst>
+              <a:ext uri="{FF2B5EF4-FFF2-40B4-BE49-F238E27FC236}">
+                <a16:creationId xmlns:a16="http://schemas.microsoft.com/office/drawing/2014/main" id="{ACA7060D-792A-C549-AF44-B810A641DC8A}"/>
+              </a:ext>
+            </a:extLst>
+          </p:cNvPr>
+          <p:cNvPicPr>
+            <a:picLocks noGrp="1" noChangeAspect="1"/>
+          </p:cNvPicPr>
+          <p:nvPr>
+            <p:ph idx="1"/>
+          </p:nvPr>
+        </p:nvPicPr>
+        <p:blipFill>
+          <a:blip r:embed="rId2">
+            <a:alphaModFix/>
+            <a:extLst>
+              <a:ext uri="{BEBA8EAE-BF5A-486C-A8C5-ECC9F3942E4B}">
+                <a14:imgProps xmlns:a14="http://schemas.microsoft.com/office/drawing/2010/main">
+                  <a14:imgLayer r:embed="rId3">
+                    <a14:imgEffect>
+                      <a14:saturation sat="400000"/>
+                    </a14:imgEffect>
+                  </a14:imgLayer>
+                </a14:imgProps>
+              </a:ext>
+            </a:extLst>
+          </a:blip>
+          <a:stretch>
+            <a:fillRect/>
+          </a:stretch>
+        </p:blipFill>
+        <p:spPr>
+          <a:xfrm>
+            <a:off x="4328859" y="2065338"/>
+            <a:ext cx="4050219" cy="3997325"/>
+          </a:xfrm>
+          <a:prstGeom prst="rect">
+            <a:avLst/>
+          </a:prstGeom>
+        </p:spPr>
+      </p:pic>
+    </p:spTree>
+    <p:extLst>
+      <p:ext uri="{BB962C8B-B14F-4D97-AF65-F5344CB8AC3E}">
+        <p14:creationId xmlns:p14="http://schemas.microsoft.com/office/powerpoint/2010/main" val="1369419814"/>
+      </p:ext>
+    </p:extLst>
+  </p:cSld>
+  <p:clrMapOvr>
+    <a:masterClrMapping/>
+  </p:clrMapOvr>
+</p:sld>
+</file>
+
+<file path=ppt/slides/slide21.xml><?xml version="1.0" encoding="utf-8"?>
+<p:sld xmlns:a="http://schemas.openxmlformats.org/drawingml/2006/main" xmlns:r="http://schemas.openxmlformats.org/officeDocument/2006/relationships" xmlns:p="http://schemas.openxmlformats.org/presentationml/2006/main">
+  <p:cSld>
+    <p:spTree>
+      <p:nvGrpSpPr>
+        <p:cNvPr id="1" name=""/>
+        <p:cNvGrpSpPr/>
+        <p:nvPr/>
+      </p:nvGrpSpPr>
+      <p:grpSpPr>
+        <a:xfrm>
+          <a:off x="0" y="0"/>
+          <a:ext cx="0" cy="0"/>
+          <a:chOff x="0" y="0"/>
+          <a:chExt cx="0" cy="0"/>
+        </a:xfrm>
+      </p:grpSpPr>
+      <p:sp>
+        <p:nvSpPr>
+          <p:cNvPr id="2" name="Title 1">
+            <a:extLst>
+              <a:ext uri="{FF2B5EF4-FFF2-40B4-BE49-F238E27FC236}">
                 <a16:creationId xmlns:a16="http://schemas.microsoft.com/office/drawing/2014/main" id="{6BF7367E-C58E-314F-AC38-D59BF03DF787}"/>
               </a:ext>
             </a:extLst>
@@ -18589,35 +19390,37 @@
         </p:nvSpPr>
         <p:spPr>
           <a:xfrm>
-            <a:off x="2611808" y="1982542"/>
-            <a:ext cx="7796540" cy="3997828"/>
+            <a:off x="2073927" y="1890970"/>
+            <a:ext cx="9034092" cy="3997828"/>
           </a:xfrm>
         </p:spPr>
         <p:txBody>
-          <a:bodyPr anchor="t"/>
+          <a:bodyPr anchor="t">
+            <a:normAutofit/>
+          </a:bodyPr>
           <a:lstStyle/>
           <a:p>
             <a:r>
-              <a:rPr lang="en-US" dirty="0"/>
+              <a:rPr lang="en-US" sz="2400" dirty="0"/>
               <a:t>Evaluate our model against the current state of the art: tab-completion in CLIs on modern routers</a:t>
             </a:r>
           </a:p>
           <a:p>
             <a:r>
-              <a:rPr lang="en-US" dirty="0"/>
+              <a:rPr lang="en-US" sz="2400" dirty="0"/>
               <a:t>Using larger n-grams to suggest complete statements</a:t>
             </a:r>
           </a:p>
           <a:p>
             <a:r>
-              <a:rPr lang="en-US" dirty="0"/>
+              <a:rPr lang="en-US" sz="2400" dirty="0"/>
               <a:t>Completing entire lines or even stanzas</a:t>
             </a:r>
           </a:p>
           <a:p>
             <a:r>
-              <a:rPr lang="en-US" dirty="0"/>
-              <a:t>Not just based on syntax but also desired goals using input from operators	</a:t>
+              <a:rPr lang="en-US" sz="2400" dirty="0"/>
+              <a:t>Not just based on syntax but also desired goals using input from operators</a:t>
             </a:r>
           </a:p>
         </p:txBody>
@@ -18645,7 +19448,7 @@
           <a:p>
             <a:fld id="{6D22F896-40B5-4ADD-8801-0D06FADFA095}" type="slidenum">
               <a:rPr lang="en-US" smtClean="0"/>
-              <a:t>20</a:t>
+              <a:t>21</a:t>
             </a:fld>
             <a:endParaRPr lang="en-US" dirty="0"/>
           </a:p>
@@ -18664,7 +19467,7 @@
 </p:sld>
 </file>
 
-<file path=ppt/slides/slide21.xml><?xml version="1.0" encoding="utf-8"?>
+<file path=ppt/slides/slide22.xml><?xml version="1.0" encoding="utf-8"?>
 <p:sld xmlns:a="http://schemas.openxmlformats.org/drawingml/2006/main" xmlns:r="http://schemas.openxmlformats.org/officeDocument/2006/relationships" xmlns:p="http://schemas.openxmlformats.org/presentationml/2006/main">
   <p:cSld>
     <p:spTree>
@@ -18758,7 +19561,7 @@
           <a:p>
             <a:fld id="{6D22F896-40B5-4ADD-8801-0D06FADFA095}" type="slidenum">
               <a:rPr lang="en-US" smtClean="0"/>
-              <a:t>21</a:t>
+              <a:t>22</a:t>
             </a:fld>
             <a:endParaRPr lang="en-US" dirty="0"/>
           </a:p>
@@ -18777,7 +19580,7 @@
 </p:sld>
 </file>
 
-<file path=ppt/slides/slide22.xml><?xml version="1.0" encoding="utf-8"?>
+<file path=ppt/slides/slide23.xml><?xml version="1.0" encoding="utf-8"?>
 <p:sld xmlns:a="http://schemas.openxmlformats.org/drawingml/2006/main" xmlns:r="http://schemas.openxmlformats.org/officeDocument/2006/relationships" xmlns:p="http://schemas.openxmlformats.org/presentationml/2006/main">
   <p:cSld>
     <p:spTree>
@@ -18877,7 +19680,7 @@
           <a:p>
             <a:fld id="{6D22F896-40B5-4ADD-8801-0D06FADFA095}" type="slidenum">
               <a:rPr lang="en-US" smtClean="0"/>
-              <a:t>22</a:t>
+              <a:t>23</a:t>
             </a:fld>
             <a:endParaRPr lang="en-US" dirty="0"/>
           </a:p>
@@ -19264,13 +20067,13 @@
             <p:ph idx="1"/>
             <p:extLst>
               <p:ext uri="{D42A27DB-BD31-4B8C-83A1-F6EECF244321}">
-                <p14:modId xmlns:p14="http://schemas.microsoft.com/office/powerpoint/2010/main" val="3709288483"/>
+                <p14:modId xmlns:p14="http://schemas.microsoft.com/office/powerpoint/2010/main" val="3701375251"/>
               </p:ext>
             </p:extLst>
           </p:nvPr>
         </p:nvGraphicFramePr>
         <p:xfrm>
-          <a:off x="2773363" y="2052638"/>
+          <a:off x="2611808" y="1671638"/>
           <a:ext cx="7796212" cy="3997325"/>
         </p:xfrm>
         <a:graphic>
@@ -19308,6 +20111,659 @@
           </a:p>
         </p:txBody>
       </p:sp>
+      <p:grpSp>
+        <p:nvGrpSpPr>
+          <p:cNvPr id="7" name="Group 6">
+            <a:extLst>
+              <a:ext uri="{FF2B5EF4-FFF2-40B4-BE49-F238E27FC236}">
+                <a16:creationId xmlns:a16="http://schemas.microsoft.com/office/drawing/2014/main" id="{FF081E54-EB0A-B649-B620-1AA03BF738A5}"/>
+              </a:ext>
+            </a:extLst>
+          </p:cNvPr>
+          <p:cNvGrpSpPr/>
+          <p:nvPr/>
+        </p:nvGrpSpPr>
+        <p:grpSpPr>
+          <a:xfrm>
+            <a:off x="5472454" y="4258731"/>
+            <a:ext cx="2094994" cy="2273814"/>
+            <a:chOff x="5582813" y="4247964"/>
+            <a:chExt cx="2094994" cy="2359215"/>
+          </a:xfrm>
+        </p:grpSpPr>
+        <p:sp>
+          <p:nvSpPr>
+            <p:cNvPr id="8" name="Freeform 7">
+              <a:extLst>
+                <a:ext uri="{FF2B5EF4-FFF2-40B4-BE49-F238E27FC236}">
+                  <a16:creationId xmlns:a16="http://schemas.microsoft.com/office/drawing/2014/main" id="{A5A23F66-6C11-4A41-B25F-935A5A43273E}"/>
+                </a:ext>
+              </a:extLst>
+            </p:cNvPr>
+            <p:cNvSpPr/>
+            <p:nvPr/>
+          </p:nvSpPr>
+          <p:spPr>
+            <a:xfrm>
+              <a:off x="5582813" y="4247964"/>
+              <a:ext cx="1425624" cy="712812"/>
+            </a:xfrm>
+            <a:custGeom>
+              <a:avLst/>
+              <a:gdLst>
+                <a:gd name="connsiteX0" fmla="*/ 0 w 1425624"/>
+                <a:gd name="connsiteY0" fmla="*/ 71281 h 712812"/>
+                <a:gd name="connsiteX1" fmla="*/ 71281 w 1425624"/>
+                <a:gd name="connsiteY1" fmla="*/ 0 h 712812"/>
+                <a:gd name="connsiteX2" fmla="*/ 1354343 w 1425624"/>
+                <a:gd name="connsiteY2" fmla="*/ 0 h 712812"/>
+                <a:gd name="connsiteX3" fmla="*/ 1425624 w 1425624"/>
+                <a:gd name="connsiteY3" fmla="*/ 71281 h 712812"/>
+                <a:gd name="connsiteX4" fmla="*/ 1425624 w 1425624"/>
+                <a:gd name="connsiteY4" fmla="*/ 641531 h 712812"/>
+                <a:gd name="connsiteX5" fmla="*/ 1354343 w 1425624"/>
+                <a:gd name="connsiteY5" fmla="*/ 712812 h 712812"/>
+                <a:gd name="connsiteX6" fmla="*/ 71281 w 1425624"/>
+                <a:gd name="connsiteY6" fmla="*/ 712812 h 712812"/>
+                <a:gd name="connsiteX7" fmla="*/ 0 w 1425624"/>
+                <a:gd name="connsiteY7" fmla="*/ 641531 h 712812"/>
+                <a:gd name="connsiteX8" fmla="*/ 0 w 1425624"/>
+                <a:gd name="connsiteY8" fmla="*/ 71281 h 712812"/>
+              </a:gdLst>
+              <a:ahLst/>
+              <a:cxnLst>
+                <a:cxn ang="0">
+                  <a:pos x="connsiteX0" y="connsiteY0"/>
+                </a:cxn>
+                <a:cxn ang="0">
+                  <a:pos x="connsiteX1" y="connsiteY1"/>
+                </a:cxn>
+                <a:cxn ang="0">
+                  <a:pos x="connsiteX2" y="connsiteY2"/>
+                </a:cxn>
+                <a:cxn ang="0">
+                  <a:pos x="connsiteX3" y="connsiteY3"/>
+                </a:cxn>
+                <a:cxn ang="0">
+                  <a:pos x="connsiteX4" y="connsiteY4"/>
+                </a:cxn>
+                <a:cxn ang="0">
+                  <a:pos x="connsiteX5" y="connsiteY5"/>
+                </a:cxn>
+                <a:cxn ang="0">
+                  <a:pos x="connsiteX6" y="connsiteY6"/>
+                </a:cxn>
+                <a:cxn ang="0">
+                  <a:pos x="connsiteX7" y="connsiteY7"/>
+                </a:cxn>
+                <a:cxn ang="0">
+                  <a:pos x="connsiteX8" y="connsiteY8"/>
+                </a:cxn>
+              </a:cxnLst>
+              <a:rect l="l" t="t" r="r" b="b"/>
+              <a:pathLst>
+                <a:path w="1425624" h="712812">
+                  <a:moveTo>
+                    <a:pt x="0" y="71281"/>
+                  </a:moveTo>
+                  <a:cubicBezTo>
+                    <a:pt x="0" y="31914"/>
+                    <a:pt x="31914" y="0"/>
+                    <a:pt x="71281" y="0"/>
+                  </a:cubicBezTo>
+                  <a:lnTo>
+                    <a:pt x="1354343" y="0"/>
+                  </a:lnTo>
+                  <a:cubicBezTo>
+                    <a:pt x="1393710" y="0"/>
+                    <a:pt x="1425624" y="31914"/>
+                    <a:pt x="1425624" y="71281"/>
+                  </a:cubicBezTo>
+                  <a:lnTo>
+                    <a:pt x="1425624" y="641531"/>
+                  </a:lnTo>
+                  <a:cubicBezTo>
+                    <a:pt x="1425624" y="680898"/>
+                    <a:pt x="1393710" y="712812"/>
+                    <a:pt x="1354343" y="712812"/>
+                  </a:cubicBezTo>
+                  <a:lnTo>
+                    <a:pt x="71281" y="712812"/>
+                  </a:lnTo>
+                  <a:cubicBezTo>
+                    <a:pt x="31914" y="712812"/>
+                    <a:pt x="0" y="680898"/>
+                    <a:pt x="0" y="641531"/>
+                  </a:cubicBezTo>
+                  <a:lnTo>
+                    <a:pt x="0" y="71281"/>
+                  </a:lnTo>
+                  <a:close/>
+                </a:path>
+              </a:pathLst>
+            </a:custGeom>
+            <a:noFill/>
+            <a:ln>
+              <a:noFill/>
+            </a:ln>
+          </p:spPr>
+          <p:style>
+            <a:lnRef idx="2">
+              <a:scrgbClr r="0" g="0" b="0"/>
+            </a:lnRef>
+            <a:fillRef idx="1">
+              <a:scrgbClr r="0" g="0" b="0"/>
+            </a:fillRef>
+            <a:effectRef idx="0">
+              <a:schemeClr val="accent1">
+                <a:hueOff val="0"/>
+                <a:satOff val="0"/>
+                <a:lumOff val="0"/>
+                <a:alphaOff val="0"/>
+              </a:schemeClr>
+            </a:effectRef>
+            <a:fontRef idx="minor">
+              <a:schemeClr val="lt1"/>
+            </a:fontRef>
+          </p:style>
+          <p:txBody>
+            <a:bodyPr spcFirstLastPara="0" vert="horz" wrap="square" lIns="97078" tIns="71678" rIns="97078" bIns="71678" numCol="1" spcCol="1270" anchor="ctr" anchorCtr="0">
+              <a:noAutofit/>
+            </a:bodyPr>
+            <a:lstStyle/>
+            <a:p>
+              <a:pPr marL="0" lvl="0" indent="0" algn="ctr" defTabSz="1778000">
+                <a:lnSpc>
+                  <a:spcPct val="90000"/>
+                </a:lnSpc>
+                <a:spcBef>
+                  <a:spcPct val="0"/>
+                </a:spcBef>
+                <a:spcAft>
+                  <a:spcPct val="35000"/>
+                </a:spcAft>
+                <a:buNone/>
+              </a:pPr>
+              <a:endParaRPr lang="en-US" sz="4000" kern="1200" dirty="0"/>
+            </a:p>
+          </p:txBody>
+        </p:sp>
+        <p:sp>
+          <p:nvSpPr>
+            <p:cNvPr id="9" name="Freeform 8">
+              <a:extLst>
+                <a:ext uri="{FF2B5EF4-FFF2-40B4-BE49-F238E27FC236}">
+                  <a16:creationId xmlns:a16="http://schemas.microsoft.com/office/drawing/2014/main" id="{D030C763-BED6-9C49-9102-F222725B607B}"/>
+                </a:ext>
+              </a:extLst>
+            </p:cNvPr>
+            <p:cNvSpPr/>
+            <p:nvPr/>
+          </p:nvSpPr>
+          <p:spPr>
+            <a:xfrm>
+              <a:off x="5725375" y="4960777"/>
+              <a:ext cx="142562" cy="534609"/>
+            </a:xfrm>
+            <a:custGeom>
+              <a:avLst/>
+              <a:gdLst/>
+              <a:ahLst/>
+              <a:cxnLst/>
+              <a:rect l="0" t="0" r="0" b="0"/>
+              <a:pathLst>
+                <a:path>
+                  <a:moveTo>
+                    <a:pt x="0" y="0"/>
+                  </a:moveTo>
+                  <a:lnTo>
+                    <a:pt x="0" y="534609"/>
+                  </a:lnTo>
+                  <a:lnTo>
+                    <a:pt x="142562" y="534609"/>
+                  </a:lnTo>
+                </a:path>
+              </a:pathLst>
+            </a:custGeom>
+            <a:noFill/>
+          </p:spPr>
+          <p:style>
+            <a:lnRef idx="2">
+              <a:schemeClr val="accent1">
+                <a:shade val="60000"/>
+                <a:hueOff val="0"/>
+                <a:satOff val="0"/>
+                <a:lumOff val="0"/>
+                <a:alphaOff val="0"/>
+              </a:schemeClr>
+            </a:lnRef>
+            <a:fillRef idx="0">
+              <a:scrgbClr r="0" g="0" b="0"/>
+            </a:fillRef>
+            <a:effectRef idx="0">
+              <a:schemeClr val="accent1">
+                <a:hueOff val="0"/>
+                <a:satOff val="0"/>
+                <a:lumOff val="0"/>
+                <a:alphaOff val="0"/>
+              </a:schemeClr>
+            </a:effectRef>
+            <a:fontRef idx="minor">
+              <a:schemeClr val="tx1">
+                <a:hueOff val="0"/>
+                <a:satOff val="0"/>
+                <a:lumOff val="0"/>
+                <a:alphaOff val="0"/>
+              </a:schemeClr>
+            </a:fontRef>
+          </p:style>
+        </p:sp>
+        <p:sp>
+          <p:nvSpPr>
+            <p:cNvPr id="10" name="Freeform 9">
+              <a:extLst>
+                <a:ext uri="{FF2B5EF4-FFF2-40B4-BE49-F238E27FC236}">
+                  <a16:creationId xmlns:a16="http://schemas.microsoft.com/office/drawing/2014/main" id="{5D7A91FC-CCAF-E148-B9A9-8BEE975178AB}"/>
+                </a:ext>
+              </a:extLst>
+            </p:cNvPr>
+            <p:cNvSpPr/>
+            <p:nvPr/>
+          </p:nvSpPr>
+          <p:spPr>
+            <a:xfrm>
+              <a:off x="5867938" y="5214178"/>
+              <a:ext cx="1809869" cy="634715"/>
+            </a:xfrm>
+            <a:custGeom>
+              <a:avLst/>
+              <a:gdLst>
+                <a:gd name="connsiteX0" fmla="*/ 0 w 1140499"/>
+                <a:gd name="connsiteY0" fmla="*/ 71281 h 712812"/>
+                <a:gd name="connsiteX1" fmla="*/ 71281 w 1140499"/>
+                <a:gd name="connsiteY1" fmla="*/ 0 h 712812"/>
+                <a:gd name="connsiteX2" fmla="*/ 1069218 w 1140499"/>
+                <a:gd name="connsiteY2" fmla="*/ 0 h 712812"/>
+                <a:gd name="connsiteX3" fmla="*/ 1140499 w 1140499"/>
+                <a:gd name="connsiteY3" fmla="*/ 71281 h 712812"/>
+                <a:gd name="connsiteX4" fmla="*/ 1140499 w 1140499"/>
+                <a:gd name="connsiteY4" fmla="*/ 641531 h 712812"/>
+                <a:gd name="connsiteX5" fmla="*/ 1069218 w 1140499"/>
+                <a:gd name="connsiteY5" fmla="*/ 712812 h 712812"/>
+                <a:gd name="connsiteX6" fmla="*/ 71281 w 1140499"/>
+                <a:gd name="connsiteY6" fmla="*/ 712812 h 712812"/>
+                <a:gd name="connsiteX7" fmla="*/ 0 w 1140499"/>
+                <a:gd name="connsiteY7" fmla="*/ 641531 h 712812"/>
+                <a:gd name="connsiteX8" fmla="*/ 0 w 1140499"/>
+                <a:gd name="connsiteY8" fmla="*/ 71281 h 712812"/>
+              </a:gdLst>
+              <a:ahLst/>
+              <a:cxnLst>
+                <a:cxn ang="0">
+                  <a:pos x="connsiteX0" y="connsiteY0"/>
+                </a:cxn>
+                <a:cxn ang="0">
+                  <a:pos x="connsiteX1" y="connsiteY1"/>
+                </a:cxn>
+                <a:cxn ang="0">
+                  <a:pos x="connsiteX2" y="connsiteY2"/>
+                </a:cxn>
+                <a:cxn ang="0">
+                  <a:pos x="connsiteX3" y="connsiteY3"/>
+                </a:cxn>
+                <a:cxn ang="0">
+                  <a:pos x="connsiteX4" y="connsiteY4"/>
+                </a:cxn>
+                <a:cxn ang="0">
+                  <a:pos x="connsiteX5" y="connsiteY5"/>
+                </a:cxn>
+                <a:cxn ang="0">
+                  <a:pos x="connsiteX6" y="connsiteY6"/>
+                </a:cxn>
+                <a:cxn ang="0">
+                  <a:pos x="connsiteX7" y="connsiteY7"/>
+                </a:cxn>
+                <a:cxn ang="0">
+                  <a:pos x="connsiteX8" y="connsiteY8"/>
+                </a:cxn>
+              </a:cxnLst>
+              <a:rect l="l" t="t" r="r" b="b"/>
+              <a:pathLst>
+                <a:path w="1140499" h="712812">
+                  <a:moveTo>
+                    <a:pt x="0" y="71281"/>
+                  </a:moveTo>
+                  <a:cubicBezTo>
+                    <a:pt x="0" y="31914"/>
+                    <a:pt x="31914" y="0"/>
+                    <a:pt x="71281" y="0"/>
+                  </a:cubicBezTo>
+                  <a:lnTo>
+                    <a:pt x="1069218" y="0"/>
+                  </a:lnTo>
+                  <a:cubicBezTo>
+                    <a:pt x="1108585" y="0"/>
+                    <a:pt x="1140499" y="31914"/>
+                    <a:pt x="1140499" y="71281"/>
+                  </a:cubicBezTo>
+                  <a:lnTo>
+                    <a:pt x="1140499" y="641531"/>
+                  </a:lnTo>
+                  <a:cubicBezTo>
+                    <a:pt x="1140499" y="680898"/>
+                    <a:pt x="1108585" y="712812"/>
+                    <a:pt x="1069218" y="712812"/>
+                  </a:cubicBezTo>
+                  <a:lnTo>
+                    <a:pt x="71281" y="712812"/>
+                  </a:lnTo>
+                  <a:cubicBezTo>
+                    <a:pt x="31914" y="712812"/>
+                    <a:pt x="0" y="680898"/>
+                    <a:pt x="0" y="641531"/>
+                  </a:cubicBezTo>
+                  <a:lnTo>
+                    <a:pt x="0" y="71281"/>
+                  </a:lnTo>
+                  <a:close/>
+                </a:path>
+              </a:pathLst>
+            </a:custGeom>
+          </p:spPr>
+          <p:style>
+            <a:lnRef idx="1">
+              <a:schemeClr val="accent1"/>
+            </a:lnRef>
+            <a:fillRef idx="3">
+              <a:schemeClr val="accent1"/>
+            </a:fillRef>
+            <a:effectRef idx="2">
+              <a:schemeClr val="accent1"/>
+            </a:effectRef>
+            <a:fontRef idx="minor">
+              <a:schemeClr val="dk1">
+                <a:hueOff val="0"/>
+                <a:satOff val="0"/>
+                <a:lumOff val="0"/>
+                <a:alphaOff val="0"/>
+              </a:schemeClr>
+            </a:fontRef>
+          </p:style>
+          <p:txBody>
+            <a:bodyPr spcFirstLastPara="0" vert="horz" wrap="square" lIns="53263" tIns="42468" rIns="53263" bIns="42468" numCol="1" spcCol="1270" anchor="ctr" anchorCtr="0">
+              <a:noAutofit/>
+            </a:bodyPr>
+            <a:lstStyle/>
+            <a:p>
+              <a:pPr algn="ctr" defTabSz="755650">
+                <a:lnSpc>
+                  <a:spcPct val="90000"/>
+                </a:lnSpc>
+                <a:spcBef>
+                  <a:spcPct val="0"/>
+                </a:spcBef>
+                <a:spcAft>
+                  <a:spcPct val="35000"/>
+                </a:spcAft>
+              </a:pPr>
+              <a:r>
+                <a:rPr lang="en-US" sz="1700" dirty="0">
+                  <a:ln w="0"/>
+                  <a:solidFill>
+                    <a:schemeClr val="tx1"/>
+                  </a:solidFill>
+                  <a:effectLst>
+                    <a:outerShdw blurRad="38100" dist="19050" dir="2700000" algn="tl" rotWithShape="0">
+                      <a:schemeClr val="dk1">
+                        <a:alpha val="40000"/>
+                      </a:schemeClr>
+                    </a:outerShdw>
+                  </a:effectLst>
+                </a:rPr>
+                <a:t>Command Line Interfaces</a:t>
+              </a:r>
+            </a:p>
+          </p:txBody>
+        </p:sp>
+        <p:sp>
+          <p:nvSpPr>
+            <p:cNvPr id="11" name="Freeform 10">
+              <a:extLst>
+                <a:ext uri="{FF2B5EF4-FFF2-40B4-BE49-F238E27FC236}">
+                  <a16:creationId xmlns:a16="http://schemas.microsoft.com/office/drawing/2014/main" id="{92998356-2845-8040-B7CF-9001E9A5B631}"/>
+                </a:ext>
+              </a:extLst>
+            </p:cNvPr>
+            <p:cNvSpPr/>
+            <p:nvPr/>
+          </p:nvSpPr>
+          <p:spPr>
+            <a:xfrm>
+              <a:off x="5725375" y="4960777"/>
+              <a:ext cx="142562" cy="1425624"/>
+            </a:xfrm>
+            <a:custGeom>
+              <a:avLst/>
+              <a:gdLst/>
+              <a:ahLst/>
+              <a:cxnLst/>
+              <a:rect l="0" t="0" r="0" b="0"/>
+              <a:pathLst>
+                <a:path>
+                  <a:moveTo>
+                    <a:pt x="0" y="0"/>
+                  </a:moveTo>
+                  <a:lnTo>
+                    <a:pt x="0" y="1425624"/>
+                  </a:lnTo>
+                  <a:lnTo>
+                    <a:pt x="142562" y="1425624"/>
+                  </a:lnTo>
+                </a:path>
+              </a:pathLst>
+            </a:custGeom>
+            <a:noFill/>
+          </p:spPr>
+          <p:style>
+            <a:lnRef idx="2">
+              <a:schemeClr val="accent1">
+                <a:shade val="60000"/>
+                <a:hueOff val="0"/>
+                <a:satOff val="0"/>
+                <a:lumOff val="0"/>
+                <a:alphaOff val="0"/>
+              </a:schemeClr>
+            </a:lnRef>
+            <a:fillRef idx="0">
+              <a:scrgbClr r="0" g="0" b="0"/>
+            </a:fillRef>
+            <a:effectRef idx="0">
+              <a:schemeClr val="accent1">
+                <a:hueOff val="0"/>
+                <a:satOff val="0"/>
+                <a:lumOff val="0"/>
+                <a:alphaOff val="0"/>
+              </a:schemeClr>
+            </a:effectRef>
+            <a:fontRef idx="minor">
+              <a:schemeClr val="tx1">
+                <a:hueOff val="0"/>
+                <a:satOff val="0"/>
+                <a:lumOff val="0"/>
+                <a:alphaOff val="0"/>
+              </a:schemeClr>
+            </a:fontRef>
+          </p:style>
+        </p:sp>
+        <p:sp>
+          <p:nvSpPr>
+            <p:cNvPr id="12" name="Freeform 11">
+              <a:extLst>
+                <a:ext uri="{FF2B5EF4-FFF2-40B4-BE49-F238E27FC236}">
+                  <a16:creationId xmlns:a16="http://schemas.microsoft.com/office/drawing/2014/main" id="{AB9EB7C0-9CA4-D342-A73C-EC24E59B8EA1}"/>
+                </a:ext>
+              </a:extLst>
+            </p:cNvPr>
+            <p:cNvSpPr/>
+            <p:nvPr/>
+          </p:nvSpPr>
+          <p:spPr>
+            <a:xfrm>
+              <a:off x="5867938" y="6029997"/>
+              <a:ext cx="1809869" cy="577182"/>
+            </a:xfrm>
+            <a:custGeom>
+              <a:avLst/>
+              <a:gdLst>
+                <a:gd name="connsiteX0" fmla="*/ 0 w 1569076"/>
+                <a:gd name="connsiteY0" fmla="*/ 71281 h 712812"/>
+                <a:gd name="connsiteX1" fmla="*/ 71281 w 1569076"/>
+                <a:gd name="connsiteY1" fmla="*/ 0 h 712812"/>
+                <a:gd name="connsiteX2" fmla="*/ 1497795 w 1569076"/>
+                <a:gd name="connsiteY2" fmla="*/ 0 h 712812"/>
+                <a:gd name="connsiteX3" fmla="*/ 1569076 w 1569076"/>
+                <a:gd name="connsiteY3" fmla="*/ 71281 h 712812"/>
+                <a:gd name="connsiteX4" fmla="*/ 1569076 w 1569076"/>
+                <a:gd name="connsiteY4" fmla="*/ 641531 h 712812"/>
+                <a:gd name="connsiteX5" fmla="*/ 1497795 w 1569076"/>
+                <a:gd name="connsiteY5" fmla="*/ 712812 h 712812"/>
+                <a:gd name="connsiteX6" fmla="*/ 71281 w 1569076"/>
+                <a:gd name="connsiteY6" fmla="*/ 712812 h 712812"/>
+                <a:gd name="connsiteX7" fmla="*/ 0 w 1569076"/>
+                <a:gd name="connsiteY7" fmla="*/ 641531 h 712812"/>
+                <a:gd name="connsiteX8" fmla="*/ 0 w 1569076"/>
+                <a:gd name="connsiteY8" fmla="*/ 71281 h 712812"/>
+              </a:gdLst>
+              <a:ahLst/>
+              <a:cxnLst>
+                <a:cxn ang="0">
+                  <a:pos x="connsiteX0" y="connsiteY0"/>
+                </a:cxn>
+                <a:cxn ang="0">
+                  <a:pos x="connsiteX1" y="connsiteY1"/>
+                </a:cxn>
+                <a:cxn ang="0">
+                  <a:pos x="connsiteX2" y="connsiteY2"/>
+                </a:cxn>
+                <a:cxn ang="0">
+                  <a:pos x="connsiteX3" y="connsiteY3"/>
+                </a:cxn>
+                <a:cxn ang="0">
+                  <a:pos x="connsiteX4" y="connsiteY4"/>
+                </a:cxn>
+                <a:cxn ang="0">
+                  <a:pos x="connsiteX5" y="connsiteY5"/>
+                </a:cxn>
+                <a:cxn ang="0">
+                  <a:pos x="connsiteX6" y="connsiteY6"/>
+                </a:cxn>
+                <a:cxn ang="0">
+                  <a:pos x="connsiteX7" y="connsiteY7"/>
+                </a:cxn>
+                <a:cxn ang="0">
+                  <a:pos x="connsiteX8" y="connsiteY8"/>
+                </a:cxn>
+              </a:cxnLst>
+              <a:rect l="l" t="t" r="r" b="b"/>
+              <a:pathLst>
+                <a:path w="1569076" h="712812">
+                  <a:moveTo>
+                    <a:pt x="0" y="71281"/>
+                  </a:moveTo>
+                  <a:cubicBezTo>
+                    <a:pt x="0" y="31914"/>
+                    <a:pt x="31914" y="0"/>
+                    <a:pt x="71281" y="0"/>
+                  </a:cubicBezTo>
+                  <a:lnTo>
+                    <a:pt x="1497795" y="0"/>
+                  </a:lnTo>
+                  <a:cubicBezTo>
+                    <a:pt x="1537162" y="0"/>
+                    <a:pt x="1569076" y="31914"/>
+                    <a:pt x="1569076" y="71281"/>
+                  </a:cubicBezTo>
+                  <a:lnTo>
+                    <a:pt x="1569076" y="641531"/>
+                  </a:lnTo>
+                  <a:cubicBezTo>
+                    <a:pt x="1569076" y="680898"/>
+                    <a:pt x="1537162" y="712812"/>
+                    <a:pt x="1497795" y="712812"/>
+                  </a:cubicBezTo>
+                  <a:lnTo>
+                    <a:pt x="71281" y="712812"/>
+                  </a:lnTo>
+                  <a:cubicBezTo>
+                    <a:pt x="31914" y="712812"/>
+                    <a:pt x="0" y="680898"/>
+                    <a:pt x="0" y="641531"/>
+                  </a:cubicBezTo>
+                  <a:lnTo>
+                    <a:pt x="0" y="71281"/>
+                  </a:lnTo>
+                  <a:close/>
+                </a:path>
+              </a:pathLst>
+            </a:custGeom>
+          </p:spPr>
+          <p:style>
+            <a:lnRef idx="1">
+              <a:schemeClr val="accent1"/>
+            </a:lnRef>
+            <a:fillRef idx="3">
+              <a:schemeClr val="accent1"/>
+            </a:fillRef>
+            <a:effectRef idx="2">
+              <a:schemeClr val="accent1"/>
+            </a:effectRef>
+            <a:fontRef idx="minor">
+              <a:schemeClr val="dk1">
+                <a:hueOff val="0"/>
+                <a:satOff val="0"/>
+                <a:lumOff val="0"/>
+                <a:alphaOff val="0"/>
+              </a:schemeClr>
+            </a:fontRef>
+          </p:style>
+          <p:txBody>
+            <a:bodyPr spcFirstLastPara="0" vert="horz" wrap="square" lIns="53263" tIns="42468" rIns="53263" bIns="42468" numCol="1" spcCol="1270" anchor="ctr" anchorCtr="0">
+              <a:noAutofit/>
+            </a:bodyPr>
+            <a:lstStyle/>
+            <a:p>
+              <a:pPr marL="0" lvl="0" indent="0" algn="ctr" defTabSz="755650">
+                <a:lnSpc>
+                  <a:spcPct val="90000"/>
+                </a:lnSpc>
+                <a:spcBef>
+                  <a:spcPct val="0"/>
+                </a:spcBef>
+                <a:spcAft>
+                  <a:spcPct val="35000"/>
+                </a:spcAft>
+                <a:buNone/>
+              </a:pPr>
+              <a:r>
+                <a:rPr lang="en-US" sz="1700" b="0" kern="1200" cap="none" spc="0" dirty="0">
+                  <a:ln w="0"/>
+                  <a:solidFill>
+                    <a:schemeClr val="tx1"/>
+                  </a:solidFill>
+                  <a:effectLst>
+                    <a:outerShdw blurRad="38100" dist="19050" dir="2700000" algn="tl" rotWithShape="0">
+                      <a:schemeClr val="dk1">
+                        <a:alpha val="40000"/>
+                      </a:schemeClr>
+                    </a:outerShdw>
+                  </a:effectLst>
+                </a:rPr>
+                <a:t>Templates</a:t>
+              </a:r>
+            </a:p>
+          </p:txBody>
+        </p:sp>
+      </p:grpSp>
     </p:spTree>
     <p:extLst>
       <p:ext uri="{BB962C8B-B14F-4D97-AF65-F5344CB8AC3E}">
@@ -19367,6 +20823,59 @@
                                         <p:cTn id="7" dur="1000"/>
                                         <p:tgtEl>
                                           <p:spTgt spid="4"/>
+                                        </p:tgtEl>
+                                      </p:cBhvr>
+                                    </p:animEffect>
+                                  </p:childTnLst>
+                                </p:cTn>
+                              </p:par>
+                            </p:childTnLst>
+                          </p:cTn>
+                        </p:par>
+                      </p:childTnLst>
+                    </p:cTn>
+                  </p:par>
+                  <p:par>
+                    <p:cTn id="8" fill="hold">
+                      <p:stCondLst>
+                        <p:cond delay="indefinite"/>
+                      </p:stCondLst>
+                      <p:childTnLst>
+                        <p:par>
+                          <p:cTn id="9" fill="hold">
+                            <p:stCondLst>
+                              <p:cond delay="0"/>
+                            </p:stCondLst>
+                            <p:childTnLst>
+                              <p:par>
+                                <p:cTn id="10" presetID="10" presetClass="entr" presetSubtype="0" fill="hold" nodeType="clickEffect">
+                                  <p:stCondLst>
+                                    <p:cond delay="0"/>
+                                  </p:stCondLst>
+                                  <p:childTnLst>
+                                    <p:set>
+                                      <p:cBhvr>
+                                        <p:cTn id="11" dur="1" fill="hold">
+                                          <p:stCondLst>
+                                            <p:cond delay="0"/>
+                                          </p:stCondLst>
+                                        </p:cTn>
+                                        <p:tgtEl>
+                                          <p:spTgt spid="7"/>
+                                        </p:tgtEl>
+                                        <p:attrNameLst>
+                                          <p:attrName>style.visibility</p:attrName>
+                                        </p:attrNameLst>
+                                      </p:cBhvr>
+                                      <p:to>
+                                        <p:strVal val="visible"/>
+                                      </p:to>
+                                    </p:set>
+                                    <p:animEffect transition="in" filter="fade">
+                                      <p:cBhvr>
+                                        <p:cTn id="12" dur="500"/>
+                                        <p:tgtEl>
+                                          <p:spTgt spid="7"/>
                                         </p:tgtEl>
                                       </p:cBhvr>
                                     </p:animEffect>
@@ -21623,7 +23132,7 @@
         </p:nvSpPr>
         <p:spPr>
           <a:xfrm>
-            <a:off x="2611808" y="1885285"/>
+            <a:off x="2256208" y="1620856"/>
             <a:ext cx="7796540" cy="3997828"/>
           </a:xfrm>
         </p:spPr>
@@ -21639,13 +23148,19 @@
           <a:p>
             <a:r>
               <a:rPr lang="en-US" sz="2400" dirty="0"/>
+              <a:t>Configurations often have many parameters which add variance</a:t>
+            </a:r>
+          </a:p>
+          <a:p>
+            <a:r>
+              <a:rPr lang="en-US" sz="2400" dirty="0"/>
               <a:t>We may need long histories of snapshots</a:t>
             </a:r>
           </a:p>
           <a:p>
             <a:r>
               <a:rPr lang="en-US" sz="2400" dirty="0"/>
-              <a:t> Some networks may not have any existing configurations to help build a model</a:t>
+              <a:t>Some networks may not have any existing configurations to help build a model</a:t>
             </a:r>
           </a:p>
           <a:p>
@@ -21827,6 +23342,55 @@
                                           <p:spTgt spid="3">
                                             <p:txEl>
                                               <p:pRg st="2" end="2"/>
+                                            </p:txEl>
+                                          </p:spTgt>
+                                        </p:tgtEl>
+                                        <p:attrNameLst>
+                                          <p:attrName>style.visibility</p:attrName>
+                                        </p:attrNameLst>
+                                      </p:cBhvr>
+                                      <p:to>
+                                        <p:strVal val="visible"/>
+                                      </p:to>
+                                    </p:set>
+                                  </p:childTnLst>
+                                </p:cTn>
+                              </p:par>
+                            </p:childTnLst>
+                          </p:cTn>
+                        </p:par>
+                      </p:childTnLst>
+                    </p:cTn>
+                  </p:par>
+                  <p:par>
+                    <p:cTn id="15" fill="hold">
+                      <p:stCondLst>
+                        <p:cond delay="indefinite"/>
+                      </p:stCondLst>
+                      <p:childTnLst>
+                        <p:par>
+                          <p:cTn id="16" fill="hold">
+                            <p:stCondLst>
+                              <p:cond delay="0"/>
+                            </p:stCondLst>
+                            <p:childTnLst>
+                              <p:par>
+                                <p:cTn id="17" presetID="1" presetClass="entr" presetSubtype="0" fill="hold" nodeType="clickEffect">
+                                  <p:stCondLst>
+                                    <p:cond delay="0"/>
+                                  </p:stCondLst>
+                                  <p:childTnLst>
+                                    <p:set>
+                                      <p:cBhvr>
+                                        <p:cTn id="18" dur="1" fill="hold">
+                                          <p:stCondLst>
+                                            <p:cond delay="0"/>
+                                          </p:stCondLst>
+                                        </p:cTn>
+                                        <p:tgtEl>
+                                          <p:spTgt spid="3">
+                                            <p:txEl>
+                                              <p:pRg st="3" end="3"/>
                                             </p:txEl>
                                           </p:spTgt>
                                         </p:tgtEl>

--- a/Final Presentation.pptx
+++ b/Final Presentation.pptx
@@ -5,7 +5,7 @@
     <p:sldMasterId id="2147483888" r:id="rId1"/>
   </p:sldMasterIdLst>
   <p:notesMasterIdLst>
-    <p:notesMasterId r:id="rId25"/>
+    <p:notesMasterId r:id="rId28"/>
   </p:notesMasterIdLst>
   <p:sldIdLst>
     <p:sldId id="256" r:id="rId2"/>
@@ -21,16 +21,19 @@
     <p:sldId id="264" r:id="rId12"/>
     <p:sldId id="266" r:id="rId13"/>
     <p:sldId id="281" r:id="rId14"/>
-    <p:sldId id="280" r:id="rId15"/>
-    <p:sldId id="267" r:id="rId16"/>
-    <p:sldId id="279" r:id="rId17"/>
-    <p:sldId id="268" r:id="rId18"/>
-    <p:sldId id="269" r:id="rId19"/>
-    <p:sldId id="271" r:id="rId20"/>
-    <p:sldId id="274" r:id="rId21"/>
-    <p:sldId id="272" r:id="rId22"/>
-    <p:sldId id="270" r:id="rId23"/>
-    <p:sldId id="261" r:id="rId24"/>
+    <p:sldId id="287" r:id="rId15"/>
+    <p:sldId id="280" r:id="rId16"/>
+    <p:sldId id="267" r:id="rId17"/>
+    <p:sldId id="279" r:id="rId18"/>
+    <p:sldId id="283" r:id="rId19"/>
+    <p:sldId id="268" r:id="rId20"/>
+    <p:sldId id="288" r:id="rId21"/>
+    <p:sldId id="284" r:id="rId22"/>
+    <p:sldId id="271" r:id="rId23"/>
+    <p:sldId id="285" r:id="rId24"/>
+    <p:sldId id="272" r:id="rId25"/>
+    <p:sldId id="270" r:id="rId26"/>
+    <p:sldId id="286" r:id="rId27"/>
   </p:sldIdLst>
   <p:sldSz cx="12192000" cy="6858000"/>
   <p:notesSz cx="6858000" cy="9144000"/>
@@ -150,753 +153,6 @@
 </file>
 
 <file path=ppt/diagrams/colors1.xml><?xml version="1.0" encoding="utf-8"?>
-<dgm:colorsDef xmlns:dgm="http://schemas.openxmlformats.org/drawingml/2006/diagram" xmlns:a="http://schemas.openxmlformats.org/drawingml/2006/main" uniqueId="urn:microsoft.com/office/officeart/2005/8/colors/accent1_2">
-  <dgm:title val=""/>
-  <dgm:desc val=""/>
-  <dgm:catLst>
-    <dgm:cat type="accent1" pri="11200"/>
-  </dgm:catLst>
-  <dgm:styleLbl name="node0">
-    <dgm:fillClrLst meth="repeat">
-      <a:schemeClr val="accent1"/>
-    </dgm:fillClrLst>
-    <dgm:linClrLst meth="repeat">
-      <a:schemeClr val="lt1"/>
-    </dgm:linClrLst>
-    <dgm:effectClrLst/>
-    <dgm:txLinClrLst/>
-    <dgm:txFillClrLst/>
-    <dgm:txEffectClrLst/>
-  </dgm:styleLbl>
-  <dgm:styleLbl name="alignNode1">
-    <dgm:fillClrLst meth="repeat">
-      <a:schemeClr val="accent1"/>
-    </dgm:fillClrLst>
-    <dgm:linClrLst meth="repeat">
-      <a:schemeClr val="accent1"/>
-    </dgm:linClrLst>
-    <dgm:effectClrLst/>
-    <dgm:txLinClrLst/>
-    <dgm:txFillClrLst/>
-    <dgm:txEffectClrLst/>
-  </dgm:styleLbl>
-  <dgm:styleLbl name="node1">
-    <dgm:fillClrLst meth="repeat">
-      <a:schemeClr val="accent1"/>
-    </dgm:fillClrLst>
-    <dgm:linClrLst meth="repeat">
-      <a:schemeClr val="lt1"/>
-    </dgm:linClrLst>
-    <dgm:effectClrLst/>
-    <dgm:txLinClrLst/>
-    <dgm:txFillClrLst/>
-    <dgm:txEffectClrLst/>
-  </dgm:styleLbl>
-  <dgm:styleLbl name="lnNode1">
-    <dgm:fillClrLst meth="repeat">
-      <a:schemeClr val="accent1"/>
-    </dgm:fillClrLst>
-    <dgm:linClrLst meth="repeat">
-      <a:schemeClr val="lt1"/>
-    </dgm:linClrLst>
-    <dgm:effectClrLst/>
-    <dgm:txLinClrLst/>
-    <dgm:txFillClrLst/>
-    <dgm:txEffectClrLst/>
-  </dgm:styleLbl>
-  <dgm:styleLbl name="vennNode1">
-    <dgm:fillClrLst meth="repeat">
-      <a:schemeClr val="accent1">
-        <a:alpha val="50000"/>
-      </a:schemeClr>
-    </dgm:fillClrLst>
-    <dgm:linClrLst meth="repeat">
-      <a:schemeClr val="lt1"/>
-    </dgm:linClrLst>
-    <dgm:effectClrLst/>
-    <dgm:txLinClrLst/>
-    <dgm:txFillClrLst/>
-    <dgm:txEffectClrLst/>
-  </dgm:styleLbl>
-  <dgm:styleLbl name="node2">
-    <dgm:fillClrLst meth="repeat">
-      <a:schemeClr val="accent1"/>
-    </dgm:fillClrLst>
-    <dgm:linClrLst meth="repeat">
-      <a:schemeClr val="lt1"/>
-    </dgm:linClrLst>
-    <dgm:effectClrLst/>
-    <dgm:txLinClrLst/>
-    <dgm:txFillClrLst/>
-    <dgm:txEffectClrLst/>
-  </dgm:styleLbl>
-  <dgm:styleLbl name="node3">
-    <dgm:fillClrLst meth="repeat">
-      <a:schemeClr val="accent1"/>
-    </dgm:fillClrLst>
-    <dgm:linClrLst meth="repeat">
-      <a:schemeClr val="lt1"/>
-    </dgm:linClrLst>
-    <dgm:effectClrLst/>
-    <dgm:txLinClrLst/>
-    <dgm:txFillClrLst/>
-    <dgm:txEffectClrLst/>
-  </dgm:styleLbl>
-  <dgm:styleLbl name="node4">
-    <dgm:fillClrLst meth="repeat">
-      <a:schemeClr val="accent1"/>
-    </dgm:fillClrLst>
-    <dgm:linClrLst meth="repeat">
-      <a:schemeClr val="lt1"/>
-    </dgm:linClrLst>
-    <dgm:effectClrLst/>
-    <dgm:txLinClrLst/>
-    <dgm:txFillClrLst/>
-    <dgm:txEffectClrLst/>
-  </dgm:styleLbl>
-  <dgm:styleLbl name="fgImgPlace1">
-    <dgm:fillClrLst meth="repeat">
-      <a:schemeClr val="accent1">
-        <a:tint val="50000"/>
-      </a:schemeClr>
-    </dgm:fillClrLst>
-    <dgm:linClrLst meth="repeat">
-      <a:schemeClr val="lt1"/>
-    </dgm:linClrLst>
-    <dgm:effectClrLst/>
-    <dgm:txLinClrLst/>
-    <dgm:txFillClrLst meth="repeat">
-      <a:schemeClr val="lt1"/>
-    </dgm:txFillClrLst>
-    <dgm:txEffectClrLst/>
-  </dgm:styleLbl>
-  <dgm:styleLbl name="alignImgPlace1">
-    <dgm:fillClrLst meth="repeat">
-      <a:schemeClr val="accent1">
-        <a:tint val="50000"/>
-      </a:schemeClr>
-    </dgm:fillClrLst>
-    <dgm:linClrLst meth="repeat">
-      <a:schemeClr val="lt1"/>
-    </dgm:linClrLst>
-    <dgm:effectClrLst/>
-    <dgm:txLinClrLst/>
-    <dgm:txFillClrLst meth="repeat">
-      <a:schemeClr val="lt1"/>
-    </dgm:txFillClrLst>
-    <dgm:txEffectClrLst/>
-  </dgm:styleLbl>
-  <dgm:styleLbl name="bgImgPlace1">
-    <dgm:fillClrLst meth="repeat">
-      <a:schemeClr val="accent1">
-        <a:tint val="50000"/>
-      </a:schemeClr>
-    </dgm:fillClrLst>
-    <dgm:linClrLst meth="repeat">
-      <a:schemeClr val="lt1"/>
-    </dgm:linClrLst>
-    <dgm:effectClrLst/>
-    <dgm:txLinClrLst/>
-    <dgm:txFillClrLst meth="repeat">
-      <a:schemeClr val="lt1"/>
-    </dgm:txFillClrLst>
-    <dgm:txEffectClrLst/>
-  </dgm:styleLbl>
-  <dgm:styleLbl name="sibTrans2D1">
-    <dgm:fillClrLst meth="repeat">
-      <a:schemeClr val="accent1">
-        <a:tint val="60000"/>
-      </a:schemeClr>
-    </dgm:fillClrLst>
-    <dgm:linClrLst meth="repeat">
-      <a:schemeClr val="accent1">
-        <a:tint val="60000"/>
-      </a:schemeClr>
-    </dgm:linClrLst>
-    <dgm:effectClrLst/>
-    <dgm:txLinClrLst/>
-    <dgm:txFillClrLst/>
-    <dgm:txEffectClrLst/>
-  </dgm:styleLbl>
-  <dgm:styleLbl name="fgSibTrans2D1">
-    <dgm:fillClrLst meth="repeat">
-      <a:schemeClr val="accent1">
-        <a:tint val="60000"/>
-      </a:schemeClr>
-    </dgm:fillClrLst>
-    <dgm:linClrLst meth="repeat">
-      <a:schemeClr val="accent1">
-        <a:tint val="60000"/>
-      </a:schemeClr>
-    </dgm:linClrLst>
-    <dgm:effectClrLst/>
-    <dgm:txLinClrLst/>
-    <dgm:txFillClrLst/>
-    <dgm:txEffectClrLst/>
-  </dgm:styleLbl>
-  <dgm:styleLbl name="bgSibTrans2D1">
-    <dgm:fillClrLst meth="repeat">
-      <a:schemeClr val="accent1">
-        <a:tint val="60000"/>
-      </a:schemeClr>
-    </dgm:fillClrLst>
-    <dgm:linClrLst meth="repeat">
-      <a:schemeClr val="accent1">
-        <a:tint val="60000"/>
-      </a:schemeClr>
-    </dgm:linClrLst>
-    <dgm:effectClrLst/>
-    <dgm:txLinClrLst/>
-    <dgm:txFillClrLst/>
-    <dgm:txEffectClrLst/>
-  </dgm:styleLbl>
-  <dgm:styleLbl name="sibTrans1D1">
-    <dgm:fillClrLst meth="repeat">
-      <a:schemeClr val="accent1"/>
-    </dgm:fillClrLst>
-    <dgm:linClrLst meth="repeat">
-      <a:schemeClr val="accent1"/>
-    </dgm:linClrLst>
-    <dgm:effectClrLst/>
-    <dgm:txLinClrLst/>
-    <dgm:txFillClrLst meth="repeat">
-      <a:schemeClr val="tx1"/>
-    </dgm:txFillClrLst>
-    <dgm:txEffectClrLst/>
-  </dgm:styleLbl>
-  <dgm:styleLbl name="callout">
-    <dgm:fillClrLst meth="repeat">
-      <a:schemeClr val="accent1"/>
-    </dgm:fillClrLst>
-    <dgm:linClrLst meth="repeat">
-      <a:schemeClr val="accent1">
-        <a:tint val="50000"/>
-      </a:schemeClr>
-    </dgm:linClrLst>
-    <dgm:effectClrLst/>
-    <dgm:txLinClrLst/>
-    <dgm:txFillClrLst meth="repeat">
-      <a:schemeClr val="tx1"/>
-    </dgm:txFillClrLst>
-    <dgm:txEffectClrLst/>
-  </dgm:styleLbl>
-  <dgm:styleLbl name="asst0">
-    <dgm:fillClrLst meth="repeat">
-      <a:schemeClr val="accent1"/>
-    </dgm:fillClrLst>
-    <dgm:linClrLst meth="repeat">
-      <a:schemeClr val="lt1"/>
-    </dgm:linClrLst>
-    <dgm:effectClrLst/>
-    <dgm:txLinClrLst/>
-    <dgm:txFillClrLst/>
-    <dgm:txEffectClrLst/>
-  </dgm:styleLbl>
-  <dgm:styleLbl name="asst1">
-    <dgm:fillClrLst meth="repeat">
-      <a:schemeClr val="accent1"/>
-    </dgm:fillClrLst>
-    <dgm:linClrLst meth="repeat">
-      <a:schemeClr val="lt1"/>
-    </dgm:linClrLst>
-    <dgm:effectClrLst/>
-    <dgm:txLinClrLst/>
-    <dgm:txFillClrLst/>
-    <dgm:txEffectClrLst/>
-  </dgm:styleLbl>
-  <dgm:styleLbl name="asst2">
-    <dgm:fillClrLst meth="repeat">
-      <a:schemeClr val="accent1"/>
-    </dgm:fillClrLst>
-    <dgm:linClrLst meth="repeat">
-      <a:schemeClr val="lt1"/>
-    </dgm:linClrLst>
-    <dgm:effectClrLst/>
-    <dgm:txLinClrLst/>
-    <dgm:txFillClrLst/>
-    <dgm:txEffectClrLst/>
-  </dgm:styleLbl>
-  <dgm:styleLbl name="asst3">
-    <dgm:fillClrLst meth="repeat">
-      <a:schemeClr val="accent1"/>
-    </dgm:fillClrLst>
-    <dgm:linClrLst meth="repeat">
-      <a:schemeClr val="lt1"/>
-    </dgm:linClrLst>
-    <dgm:effectClrLst/>
-    <dgm:txLinClrLst/>
-    <dgm:txFillClrLst/>
-    <dgm:txEffectClrLst/>
-  </dgm:styleLbl>
-  <dgm:styleLbl name="asst4">
-    <dgm:fillClrLst meth="repeat">
-      <a:schemeClr val="accent1"/>
-    </dgm:fillClrLst>
-    <dgm:linClrLst meth="repeat">
-      <a:schemeClr val="lt1"/>
-    </dgm:linClrLst>
-    <dgm:effectClrLst/>
-    <dgm:txLinClrLst/>
-    <dgm:txFillClrLst/>
-    <dgm:txEffectClrLst/>
-  </dgm:styleLbl>
-  <dgm:styleLbl name="parChTrans2D1">
-    <dgm:fillClrLst meth="repeat">
-      <a:schemeClr val="accent1">
-        <a:tint val="60000"/>
-      </a:schemeClr>
-    </dgm:fillClrLst>
-    <dgm:linClrLst meth="repeat">
-      <a:schemeClr val="accent1">
-        <a:tint val="60000"/>
-      </a:schemeClr>
-    </dgm:linClrLst>
-    <dgm:effectClrLst/>
-    <dgm:txLinClrLst/>
-    <dgm:txFillClrLst meth="repeat">
-      <a:schemeClr val="lt1"/>
-    </dgm:txFillClrLst>
-    <dgm:txEffectClrLst/>
-  </dgm:styleLbl>
-  <dgm:styleLbl name="parChTrans2D2">
-    <dgm:fillClrLst meth="repeat">
-      <a:schemeClr val="accent1"/>
-    </dgm:fillClrLst>
-    <dgm:linClrLst meth="repeat">
-      <a:schemeClr val="accent1"/>
-    </dgm:linClrLst>
-    <dgm:effectClrLst/>
-    <dgm:txLinClrLst/>
-    <dgm:txFillClrLst meth="repeat">
-      <a:schemeClr val="lt1"/>
-    </dgm:txFillClrLst>
-    <dgm:txEffectClrLst/>
-  </dgm:styleLbl>
-  <dgm:styleLbl name="parChTrans2D3">
-    <dgm:fillClrLst meth="repeat">
-      <a:schemeClr val="accent1"/>
-    </dgm:fillClrLst>
-    <dgm:linClrLst meth="repeat">
-      <a:schemeClr val="accent1"/>
-    </dgm:linClrLst>
-    <dgm:effectClrLst/>
-    <dgm:txLinClrLst/>
-    <dgm:txFillClrLst meth="repeat">
-      <a:schemeClr val="lt1"/>
-    </dgm:txFillClrLst>
-    <dgm:txEffectClrLst/>
-  </dgm:styleLbl>
-  <dgm:styleLbl name="parChTrans2D4">
-    <dgm:fillClrLst meth="repeat">
-      <a:schemeClr val="accent1"/>
-    </dgm:fillClrLst>
-    <dgm:linClrLst meth="repeat">
-      <a:schemeClr val="accent1"/>
-    </dgm:linClrLst>
-    <dgm:effectClrLst/>
-    <dgm:txLinClrLst/>
-    <dgm:txFillClrLst meth="repeat">
-      <a:schemeClr val="lt1"/>
-    </dgm:txFillClrLst>
-    <dgm:txEffectClrLst/>
-  </dgm:styleLbl>
-  <dgm:styleLbl name="parChTrans1D1">
-    <dgm:fillClrLst meth="repeat">
-      <a:schemeClr val="accent1"/>
-    </dgm:fillClrLst>
-    <dgm:linClrLst meth="repeat">
-      <a:schemeClr val="accent1">
-        <a:shade val="60000"/>
-      </a:schemeClr>
-    </dgm:linClrLst>
-    <dgm:effectClrLst/>
-    <dgm:txLinClrLst/>
-    <dgm:txFillClrLst meth="repeat">
-      <a:schemeClr val="tx1"/>
-    </dgm:txFillClrLst>
-    <dgm:txEffectClrLst/>
-  </dgm:styleLbl>
-  <dgm:styleLbl name="parChTrans1D2">
-    <dgm:fillClrLst meth="repeat">
-      <a:schemeClr val="accent1"/>
-    </dgm:fillClrLst>
-    <dgm:linClrLst meth="repeat">
-      <a:schemeClr val="accent1">
-        <a:shade val="60000"/>
-      </a:schemeClr>
-    </dgm:linClrLst>
-    <dgm:effectClrLst/>
-    <dgm:txLinClrLst/>
-    <dgm:txFillClrLst meth="repeat">
-      <a:schemeClr val="tx1"/>
-    </dgm:txFillClrLst>
-    <dgm:txEffectClrLst/>
-  </dgm:styleLbl>
-  <dgm:styleLbl name="parChTrans1D3">
-    <dgm:fillClrLst meth="repeat">
-      <a:schemeClr val="accent1"/>
-    </dgm:fillClrLst>
-    <dgm:linClrLst meth="repeat">
-      <a:schemeClr val="accent1">
-        <a:shade val="80000"/>
-      </a:schemeClr>
-    </dgm:linClrLst>
-    <dgm:effectClrLst/>
-    <dgm:txLinClrLst/>
-    <dgm:txFillClrLst meth="repeat">
-      <a:schemeClr val="tx1"/>
-    </dgm:txFillClrLst>
-    <dgm:txEffectClrLst/>
-  </dgm:styleLbl>
-  <dgm:styleLbl name="parChTrans1D4">
-    <dgm:fillClrLst meth="repeat">
-      <a:schemeClr val="accent1"/>
-    </dgm:fillClrLst>
-    <dgm:linClrLst meth="repeat">
-      <a:schemeClr val="accent1">
-        <a:shade val="80000"/>
-      </a:schemeClr>
-    </dgm:linClrLst>
-    <dgm:effectClrLst/>
-    <dgm:txLinClrLst/>
-    <dgm:txFillClrLst meth="repeat">
-      <a:schemeClr val="tx1"/>
-    </dgm:txFillClrLst>
-    <dgm:txEffectClrLst/>
-  </dgm:styleLbl>
-  <dgm:styleLbl name="fgAcc1">
-    <dgm:fillClrLst meth="repeat">
-      <a:schemeClr val="lt1">
-        <a:alpha val="90000"/>
-      </a:schemeClr>
-    </dgm:fillClrLst>
-    <dgm:linClrLst meth="repeat">
-      <a:schemeClr val="accent1"/>
-    </dgm:linClrLst>
-    <dgm:effectClrLst/>
-    <dgm:txLinClrLst/>
-    <dgm:txFillClrLst meth="repeat">
-      <a:schemeClr val="dk1"/>
-    </dgm:txFillClrLst>
-    <dgm:txEffectClrLst/>
-  </dgm:styleLbl>
-  <dgm:styleLbl name="conFgAcc1">
-    <dgm:fillClrLst meth="repeat">
-      <a:schemeClr val="lt1">
-        <a:alpha val="90000"/>
-      </a:schemeClr>
-    </dgm:fillClrLst>
-    <dgm:linClrLst meth="repeat">
-      <a:schemeClr val="accent1"/>
-    </dgm:linClrLst>
-    <dgm:effectClrLst/>
-    <dgm:txLinClrLst/>
-    <dgm:txFillClrLst meth="repeat">
-      <a:schemeClr val="dk1"/>
-    </dgm:txFillClrLst>
-    <dgm:txEffectClrLst/>
-  </dgm:styleLbl>
-  <dgm:styleLbl name="alignAcc1">
-    <dgm:fillClrLst meth="repeat">
-      <a:schemeClr val="lt1">
-        <a:alpha val="90000"/>
-      </a:schemeClr>
-    </dgm:fillClrLst>
-    <dgm:linClrLst meth="repeat">
-      <a:schemeClr val="accent1"/>
-    </dgm:linClrLst>
-    <dgm:effectClrLst/>
-    <dgm:txLinClrLst/>
-    <dgm:txFillClrLst meth="repeat">
-      <a:schemeClr val="dk1"/>
-    </dgm:txFillClrLst>
-    <dgm:txEffectClrLst/>
-  </dgm:styleLbl>
-  <dgm:styleLbl name="trAlignAcc1">
-    <dgm:fillClrLst meth="repeat">
-      <a:schemeClr val="lt1">
-        <a:alpha val="40000"/>
-      </a:schemeClr>
-    </dgm:fillClrLst>
-    <dgm:linClrLst meth="repeat">
-      <a:schemeClr val="accent1"/>
-    </dgm:linClrLst>
-    <dgm:effectClrLst/>
-    <dgm:txLinClrLst/>
-    <dgm:txFillClrLst meth="repeat">
-      <a:schemeClr val="dk1"/>
-    </dgm:txFillClrLst>
-    <dgm:txEffectClrLst/>
-  </dgm:styleLbl>
-  <dgm:styleLbl name="bgAcc1">
-    <dgm:fillClrLst meth="repeat">
-      <a:schemeClr val="lt1">
-        <a:alpha val="90000"/>
-      </a:schemeClr>
-    </dgm:fillClrLst>
-    <dgm:linClrLst meth="repeat">
-      <a:schemeClr val="accent1"/>
-    </dgm:linClrLst>
-    <dgm:effectClrLst/>
-    <dgm:txLinClrLst/>
-    <dgm:txFillClrLst meth="repeat">
-      <a:schemeClr val="dk1"/>
-    </dgm:txFillClrLst>
-    <dgm:txEffectClrLst/>
-  </dgm:styleLbl>
-  <dgm:styleLbl name="solidFgAcc1">
-    <dgm:fillClrLst meth="repeat">
-      <a:schemeClr val="lt1"/>
-    </dgm:fillClrLst>
-    <dgm:linClrLst meth="repeat">
-      <a:schemeClr val="accent1"/>
-    </dgm:linClrLst>
-    <dgm:effectClrLst/>
-    <dgm:txLinClrLst/>
-    <dgm:txFillClrLst meth="repeat">
-      <a:schemeClr val="dk1"/>
-    </dgm:txFillClrLst>
-    <dgm:txEffectClrLst/>
-  </dgm:styleLbl>
-  <dgm:styleLbl name="solidAlignAcc1">
-    <dgm:fillClrLst meth="repeat">
-      <a:schemeClr val="lt1"/>
-    </dgm:fillClrLst>
-    <dgm:linClrLst meth="repeat">
-      <a:schemeClr val="accent1"/>
-    </dgm:linClrLst>
-    <dgm:effectClrLst/>
-    <dgm:txLinClrLst/>
-    <dgm:txFillClrLst meth="repeat">
-      <a:schemeClr val="dk1"/>
-    </dgm:txFillClrLst>
-    <dgm:txEffectClrLst/>
-  </dgm:styleLbl>
-  <dgm:styleLbl name="solidBgAcc1">
-    <dgm:fillClrLst meth="repeat">
-      <a:schemeClr val="lt1"/>
-    </dgm:fillClrLst>
-    <dgm:linClrLst meth="repeat">
-      <a:schemeClr val="accent1"/>
-    </dgm:linClrLst>
-    <dgm:effectClrLst/>
-    <dgm:txLinClrLst/>
-    <dgm:txFillClrLst meth="repeat">
-      <a:schemeClr val="dk1"/>
-    </dgm:txFillClrLst>
-    <dgm:txEffectClrLst/>
-  </dgm:styleLbl>
-  <dgm:styleLbl name="fgAccFollowNode1">
-    <dgm:fillClrLst meth="repeat">
-      <a:schemeClr val="accent1">
-        <a:alpha val="90000"/>
-        <a:tint val="40000"/>
-      </a:schemeClr>
-    </dgm:fillClrLst>
-    <dgm:linClrLst meth="repeat">
-      <a:schemeClr val="accent1">
-        <a:alpha val="90000"/>
-        <a:tint val="40000"/>
-      </a:schemeClr>
-    </dgm:linClrLst>
-    <dgm:effectClrLst/>
-    <dgm:txLinClrLst/>
-    <dgm:txFillClrLst meth="repeat">
-      <a:schemeClr val="dk1"/>
-    </dgm:txFillClrLst>
-    <dgm:txEffectClrLst/>
-  </dgm:styleLbl>
-  <dgm:styleLbl name="alignAccFollowNode1">
-    <dgm:fillClrLst meth="repeat">
-      <a:schemeClr val="accent1">
-        <a:alpha val="90000"/>
-        <a:tint val="40000"/>
-      </a:schemeClr>
-    </dgm:fillClrLst>
-    <dgm:linClrLst meth="repeat">
-      <a:schemeClr val="accent1">
-        <a:alpha val="90000"/>
-        <a:tint val="40000"/>
-      </a:schemeClr>
-    </dgm:linClrLst>
-    <dgm:effectClrLst/>
-    <dgm:txLinClrLst/>
-    <dgm:txFillClrLst meth="repeat">
-      <a:schemeClr val="dk1"/>
-    </dgm:txFillClrLst>
-    <dgm:txEffectClrLst/>
-  </dgm:styleLbl>
-  <dgm:styleLbl name="bgAccFollowNode1">
-    <dgm:fillClrLst meth="repeat">
-      <a:schemeClr val="accent1">
-        <a:alpha val="90000"/>
-        <a:tint val="40000"/>
-      </a:schemeClr>
-    </dgm:fillClrLst>
-    <dgm:linClrLst meth="repeat">
-      <a:schemeClr val="accent1">
-        <a:alpha val="90000"/>
-        <a:tint val="40000"/>
-      </a:schemeClr>
-    </dgm:linClrLst>
-    <dgm:effectClrLst/>
-    <dgm:txLinClrLst/>
-    <dgm:txFillClrLst meth="repeat">
-      <a:schemeClr val="dk1"/>
-    </dgm:txFillClrLst>
-    <dgm:txEffectClrLst/>
-  </dgm:styleLbl>
-  <dgm:styleLbl name="fgAcc0">
-    <dgm:fillClrLst meth="repeat">
-      <a:schemeClr val="lt1">
-        <a:alpha val="90000"/>
-      </a:schemeClr>
-    </dgm:fillClrLst>
-    <dgm:linClrLst meth="repeat">
-      <a:schemeClr val="accent1"/>
-    </dgm:linClrLst>
-    <dgm:effectClrLst/>
-    <dgm:txLinClrLst/>
-    <dgm:txFillClrLst meth="repeat">
-      <a:schemeClr val="dk1"/>
-    </dgm:txFillClrLst>
-    <dgm:txEffectClrLst/>
-  </dgm:styleLbl>
-  <dgm:styleLbl name="fgAcc2">
-    <dgm:fillClrLst meth="repeat">
-      <a:schemeClr val="lt1">
-        <a:alpha val="90000"/>
-      </a:schemeClr>
-    </dgm:fillClrLst>
-    <dgm:linClrLst meth="repeat">
-      <a:schemeClr val="accent1"/>
-    </dgm:linClrLst>
-    <dgm:effectClrLst/>
-    <dgm:txLinClrLst/>
-    <dgm:txFillClrLst meth="repeat">
-      <a:schemeClr val="dk1"/>
-    </dgm:txFillClrLst>
-    <dgm:txEffectClrLst/>
-  </dgm:styleLbl>
-  <dgm:styleLbl name="fgAcc3">
-    <dgm:fillClrLst meth="repeat">
-      <a:schemeClr val="lt1">
-        <a:alpha val="90000"/>
-      </a:schemeClr>
-    </dgm:fillClrLst>
-    <dgm:linClrLst meth="repeat">
-      <a:schemeClr val="accent1"/>
-    </dgm:linClrLst>
-    <dgm:effectClrLst/>
-    <dgm:txLinClrLst/>
-    <dgm:txFillClrLst meth="repeat">
-      <a:schemeClr val="dk1"/>
-    </dgm:txFillClrLst>
-    <dgm:txEffectClrLst/>
-  </dgm:styleLbl>
-  <dgm:styleLbl name="fgAcc4">
-    <dgm:fillClrLst meth="repeat">
-      <a:schemeClr val="lt1">
-        <a:alpha val="90000"/>
-      </a:schemeClr>
-    </dgm:fillClrLst>
-    <dgm:linClrLst meth="repeat">
-      <a:schemeClr val="accent1"/>
-    </dgm:linClrLst>
-    <dgm:effectClrLst/>
-    <dgm:txLinClrLst/>
-    <dgm:txFillClrLst meth="repeat">
-      <a:schemeClr val="dk1"/>
-    </dgm:txFillClrLst>
-    <dgm:txEffectClrLst/>
-  </dgm:styleLbl>
-  <dgm:styleLbl name="bgShp">
-    <dgm:fillClrLst meth="repeat">
-      <a:schemeClr val="accent1">
-        <a:tint val="40000"/>
-      </a:schemeClr>
-    </dgm:fillClrLst>
-    <dgm:linClrLst meth="repeat">
-      <a:schemeClr val="accent1"/>
-    </dgm:linClrLst>
-    <dgm:effectClrLst/>
-    <dgm:txLinClrLst/>
-    <dgm:txFillClrLst meth="repeat">
-      <a:schemeClr val="dk1"/>
-    </dgm:txFillClrLst>
-    <dgm:txEffectClrLst/>
-  </dgm:styleLbl>
-  <dgm:styleLbl name="dkBgShp">
-    <dgm:fillClrLst meth="repeat">
-      <a:schemeClr val="accent1">
-        <a:shade val="80000"/>
-      </a:schemeClr>
-    </dgm:fillClrLst>
-    <dgm:linClrLst meth="repeat">
-      <a:schemeClr val="accent1"/>
-    </dgm:linClrLst>
-    <dgm:effectClrLst/>
-    <dgm:txLinClrLst/>
-    <dgm:txFillClrLst meth="repeat">
-      <a:schemeClr val="lt1"/>
-    </dgm:txFillClrLst>
-    <dgm:txEffectClrLst/>
-  </dgm:styleLbl>
-  <dgm:styleLbl name="trBgShp">
-    <dgm:fillClrLst meth="repeat">
-      <a:schemeClr val="accent1">
-        <a:tint val="50000"/>
-        <a:alpha val="40000"/>
-      </a:schemeClr>
-    </dgm:fillClrLst>
-    <dgm:linClrLst meth="repeat">
-      <a:schemeClr val="accent1"/>
-    </dgm:linClrLst>
-    <dgm:effectClrLst/>
-    <dgm:txLinClrLst/>
-    <dgm:txFillClrLst meth="repeat">
-      <a:schemeClr val="lt1"/>
-    </dgm:txFillClrLst>
-    <dgm:txEffectClrLst/>
-  </dgm:styleLbl>
-  <dgm:styleLbl name="fgShp">
-    <dgm:fillClrLst meth="repeat">
-      <a:schemeClr val="accent1">
-        <a:tint val="60000"/>
-      </a:schemeClr>
-    </dgm:fillClrLst>
-    <dgm:linClrLst meth="repeat">
-      <a:schemeClr val="lt1"/>
-    </dgm:linClrLst>
-    <dgm:effectClrLst/>
-    <dgm:txLinClrLst/>
-    <dgm:txFillClrLst meth="repeat">
-      <a:schemeClr val="dk1"/>
-    </dgm:txFillClrLst>
-    <dgm:txEffectClrLst/>
-  </dgm:styleLbl>
-  <dgm:styleLbl name="revTx">
-    <dgm:fillClrLst meth="repeat">
-      <a:schemeClr val="lt1">
-        <a:alpha val="0"/>
-      </a:schemeClr>
-    </dgm:fillClrLst>
-    <dgm:linClrLst meth="repeat">
-      <a:schemeClr val="dk1">
-        <a:alpha val="0"/>
-      </a:schemeClr>
-    </dgm:linClrLst>
-    <dgm:effectClrLst/>
-    <dgm:txLinClrLst/>
-    <dgm:txFillClrLst meth="repeat">
-      <a:schemeClr val="tx1"/>
-    </dgm:txFillClrLst>
-    <dgm:txEffectClrLst/>
-  </dgm:styleLbl>
-</dgm:colorsDef>
-</file>
-
-<file path=ppt/diagrams/colors2.xml><?xml version="1.0" encoding="utf-8"?>
 <dgm:colorsDef xmlns:dgm="http://schemas.openxmlformats.org/drawingml/2006/diagram" xmlns:a="http://schemas.openxmlformats.org/drawingml/2006/main" uniqueId="urn:microsoft.com/office/officeart/2005/8/colors/accent1_2">
   <dgm:title val=""/>
   <dgm:desc val=""/>
@@ -1899,338 +1155,6 @@
 </dgm:dataModel>
 </file>
 
-<file path=ppt/diagrams/data2.xml><?xml version="1.0" encoding="utf-8"?>
-<dgm:dataModel xmlns:dgm="http://schemas.openxmlformats.org/drawingml/2006/diagram" xmlns:a="http://schemas.openxmlformats.org/drawingml/2006/main">
-  <dgm:ptLst>
-    <dgm:pt modelId="{C77D2B37-9B46-CE45-AA61-1D11C5A80D17}" type="doc">
-      <dgm:prSet loTypeId="urn:microsoft.com/office/officeart/2005/8/layout/arrow2" loCatId="list" qsTypeId="urn:microsoft.com/office/officeart/2005/8/quickstyle/simple1" qsCatId="simple" csTypeId="urn:microsoft.com/office/officeart/2005/8/colors/accent1_2" csCatId="accent1" phldr="1"/>
-      <dgm:spPr/>
-      <dgm:t>
-        <a:bodyPr/>
-        <a:lstStyle/>
-        <a:p>
-          <a:endParaRPr lang="en-US"/>
-        </a:p>
-      </dgm:t>
-    </dgm:pt>
-    <dgm:pt modelId="{B300D9E8-2877-4A41-B5CC-D6735560A220}">
-      <dgm:prSet phldrT="[Text]"/>
-      <dgm:spPr/>
-      <dgm:t>
-        <a:bodyPr/>
-        <a:lstStyle/>
-        <a:p>
-          <a:r>
-            <a:rPr lang="en-US" dirty="0"/>
-            <a:t>Error-free Internet</a:t>
-          </a:r>
-        </a:p>
-      </dgm:t>
-    </dgm:pt>
-    <dgm:pt modelId="{DEF37208-A82D-B24B-ADEB-C8DB34B224A2}" type="parTrans" cxnId="{B497AD7C-B935-F54F-A62C-6A7156D53BF6}">
-      <dgm:prSet/>
-      <dgm:spPr/>
-      <dgm:t>
-        <a:bodyPr/>
-        <a:lstStyle/>
-        <a:p>
-          <a:endParaRPr lang="en-US"/>
-        </a:p>
-      </dgm:t>
-    </dgm:pt>
-    <dgm:pt modelId="{854FFC69-89D7-564B-9FBA-1E1BD70BEA18}" type="sibTrans" cxnId="{B497AD7C-B935-F54F-A62C-6A7156D53BF6}">
-      <dgm:prSet/>
-      <dgm:spPr/>
-      <dgm:t>
-        <a:bodyPr/>
-        <a:lstStyle/>
-        <a:p>
-          <a:endParaRPr lang="en-US"/>
-        </a:p>
-      </dgm:t>
-    </dgm:pt>
-    <dgm:pt modelId="{5B605C8F-8BEF-8241-B137-888CC4B2DC15}">
-      <dgm:prSet phldrT="[Text]"/>
-      <dgm:spPr/>
-      <dgm:t>
-        <a:bodyPr/>
-        <a:lstStyle/>
-        <a:p>
-          <a:r>
-            <a:rPr lang="en-US" dirty="0"/>
-            <a:t>Configuration Synthesis</a:t>
-          </a:r>
-        </a:p>
-      </dgm:t>
-    </dgm:pt>
-    <dgm:pt modelId="{9234D9CA-1CFB-BE4C-B7F2-FCE18D24F801}" type="parTrans" cxnId="{4F6C0179-DAD0-6442-AA88-82E0F7A8E483}">
-      <dgm:prSet/>
-      <dgm:spPr/>
-      <dgm:t>
-        <a:bodyPr/>
-        <a:lstStyle/>
-        <a:p>
-          <a:endParaRPr lang="en-US"/>
-        </a:p>
-      </dgm:t>
-    </dgm:pt>
-    <dgm:pt modelId="{2748A13C-A61D-F542-ABB3-889B4831AD91}" type="sibTrans" cxnId="{4F6C0179-DAD0-6442-AA88-82E0F7A8E483}">
-      <dgm:prSet/>
-      <dgm:spPr/>
-      <dgm:t>
-        <a:bodyPr/>
-        <a:lstStyle/>
-        <a:p>
-          <a:endParaRPr lang="en-US"/>
-        </a:p>
-      </dgm:t>
-    </dgm:pt>
-    <dgm:pt modelId="{3CF46C46-5ACC-FB4F-9D10-D635A855C8CC}">
-      <dgm:prSet phldrT="[Text]"/>
-      <dgm:spPr/>
-      <dgm:t>
-        <a:bodyPr/>
-        <a:lstStyle/>
-        <a:p>
-          <a:r>
-            <a:rPr lang="en-US" dirty="0"/>
-            <a:t>Development Tools</a:t>
-          </a:r>
-        </a:p>
-      </dgm:t>
-    </dgm:pt>
-    <dgm:pt modelId="{F0147850-8D95-134C-BAAD-5B46C6EE16E4}" type="sibTrans" cxnId="{189FC275-D45A-F74A-91C4-4EA3DD9D8459}">
-      <dgm:prSet/>
-      <dgm:spPr/>
-      <dgm:t>
-        <a:bodyPr/>
-        <a:lstStyle/>
-        <a:p>
-          <a:endParaRPr lang="en-US"/>
-        </a:p>
-      </dgm:t>
-    </dgm:pt>
-    <dgm:pt modelId="{DCA29FD5-2E27-0F48-98C0-5089830E1136}" type="parTrans" cxnId="{189FC275-D45A-F74A-91C4-4EA3DD9D8459}">
-      <dgm:prSet/>
-      <dgm:spPr/>
-      <dgm:t>
-        <a:bodyPr/>
-        <a:lstStyle/>
-        <a:p>
-          <a:endParaRPr lang="en-US"/>
-        </a:p>
-      </dgm:t>
-    </dgm:pt>
-    <dgm:pt modelId="{1D95250A-1DFB-5542-B6AB-DAB3C52D0291}">
-      <dgm:prSet phldrT="[Text]"/>
-      <dgm:spPr/>
-      <dgm:t>
-        <a:bodyPr/>
-        <a:lstStyle/>
-        <a:p>
-          <a:r>
-            <a:rPr lang="en-US" dirty="0"/>
-            <a:t>Network Verification</a:t>
-          </a:r>
-        </a:p>
-      </dgm:t>
-    </dgm:pt>
-    <dgm:pt modelId="{00A8462B-708D-AC4C-BA24-D20F59067AA8}" type="parTrans" cxnId="{5E72C3DD-1242-B742-989E-A12571CA5813}">
-      <dgm:prSet/>
-      <dgm:spPr/>
-      <dgm:t>
-        <a:bodyPr/>
-        <a:lstStyle/>
-        <a:p>
-          <a:endParaRPr lang="en-US"/>
-        </a:p>
-      </dgm:t>
-    </dgm:pt>
-    <dgm:pt modelId="{8A1BDAA4-06A6-DF4E-B253-1A0DB5DE83E3}" type="sibTrans" cxnId="{5E72C3DD-1242-B742-989E-A12571CA5813}">
-      <dgm:prSet/>
-      <dgm:spPr/>
-      <dgm:t>
-        <a:bodyPr/>
-        <a:lstStyle/>
-        <a:p>
-          <a:endParaRPr lang="en-US"/>
-        </a:p>
-      </dgm:t>
-    </dgm:pt>
-    <dgm:pt modelId="{8E5CF5DC-4627-344E-9C11-C56C500327C4}">
-      <dgm:prSet/>
-      <dgm:spPr/>
-      <dgm:t>
-        <a:bodyPr/>
-        <a:lstStyle/>
-        <a:p>
-          <a:r>
-            <a:rPr lang="en-US" dirty="0"/>
-            <a:t>Templates</a:t>
-          </a:r>
-        </a:p>
-      </dgm:t>
-    </dgm:pt>
-    <dgm:pt modelId="{34F524C3-49D0-2746-99B5-746B700DCD9D}" type="parTrans" cxnId="{33967BEC-7940-8F45-97FD-A66E2D1BB0E4}">
-      <dgm:prSet/>
-      <dgm:spPr/>
-      <dgm:t>
-        <a:bodyPr/>
-        <a:lstStyle/>
-        <a:p>
-          <a:endParaRPr lang="en-US"/>
-        </a:p>
-      </dgm:t>
-    </dgm:pt>
-    <dgm:pt modelId="{AD9614F8-3112-4741-9084-FA25540458EA}" type="sibTrans" cxnId="{33967BEC-7940-8F45-97FD-A66E2D1BB0E4}">
-      <dgm:prSet/>
-      <dgm:spPr/>
-      <dgm:t>
-        <a:bodyPr/>
-        <a:lstStyle/>
-        <a:p>
-          <a:endParaRPr lang="en-US"/>
-        </a:p>
-      </dgm:t>
-    </dgm:pt>
-    <dgm:pt modelId="{AA69B033-D2B2-D547-9D05-BA00FB58175F}">
-      <dgm:prSet/>
-      <dgm:spPr/>
-      <dgm:t>
-        <a:bodyPr/>
-        <a:lstStyle/>
-        <a:p>
-          <a:r>
-            <a:rPr lang="en-US" dirty="0"/>
-            <a:t>Writing Assistant</a:t>
-          </a:r>
-        </a:p>
-      </dgm:t>
-    </dgm:pt>
-    <dgm:pt modelId="{929F5869-B29A-EB46-A1FC-18D5A1EABCA6}" type="parTrans" cxnId="{7BCC6BE4-01E3-9043-97D1-D4473A0FDA00}">
-      <dgm:prSet/>
-      <dgm:spPr/>
-      <dgm:t>
-        <a:bodyPr/>
-        <a:lstStyle/>
-        <a:p>
-          <a:endParaRPr lang="en-US"/>
-        </a:p>
-      </dgm:t>
-    </dgm:pt>
-    <dgm:pt modelId="{8A9F42FA-D505-FD4C-947D-E4DE6A4EDF6E}" type="sibTrans" cxnId="{7BCC6BE4-01E3-9043-97D1-D4473A0FDA00}">
-      <dgm:prSet/>
-      <dgm:spPr/>
-      <dgm:t>
-        <a:bodyPr/>
-        <a:lstStyle/>
-        <a:p>
-          <a:endParaRPr lang="en-US"/>
-        </a:p>
-      </dgm:t>
-    </dgm:pt>
-    <dgm:pt modelId="{84D7ACEE-85B6-344F-A2C1-DFD2F9570E88}" type="pres">
-      <dgm:prSet presAssocID="{C77D2B37-9B46-CE45-AA61-1D11C5A80D17}" presName="arrowDiagram" presStyleCnt="0">
-        <dgm:presLayoutVars>
-          <dgm:chMax val="5"/>
-          <dgm:dir/>
-          <dgm:resizeHandles val="exact"/>
-        </dgm:presLayoutVars>
-      </dgm:prSet>
-      <dgm:spPr/>
-    </dgm:pt>
-    <dgm:pt modelId="{DED6074B-B7D0-3E47-B80E-A51F9B25F2CC}" type="pres">
-      <dgm:prSet presAssocID="{C77D2B37-9B46-CE45-AA61-1D11C5A80D17}" presName="arrow" presStyleLbl="bgShp" presStyleIdx="0" presStyleCnt="1"/>
-      <dgm:spPr/>
-    </dgm:pt>
-    <dgm:pt modelId="{6484F4CD-F72B-2A48-9CF6-0435C031C154}" type="pres">
-      <dgm:prSet presAssocID="{C77D2B37-9B46-CE45-AA61-1D11C5A80D17}" presName="arrowDiagram4" presStyleCnt="0"/>
-      <dgm:spPr/>
-    </dgm:pt>
-    <dgm:pt modelId="{3A788C46-614E-DC47-B4D4-48BA3A71BBFB}" type="pres">
-      <dgm:prSet presAssocID="{B300D9E8-2877-4A41-B5CC-D6735560A220}" presName="bullet4a" presStyleLbl="node1" presStyleIdx="0" presStyleCnt="4"/>
-      <dgm:spPr/>
-    </dgm:pt>
-    <dgm:pt modelId="{6745DA94-A0B3-5743-9082-92B04D5EE3E9}" type="pres">
-      <dgm:prSet presAssocID="{B300D9E8-2877-4A41-B5CC-D6735560A220}" presName="textBox4a" presStyleLbl="revTx" presStyleIdx="0" presStyleCnt="4">
-        <dgm:presLayoutVars>
-          <dgm:bulletEnabled val="1"/>
-        </dgm:presLayoutVars>
-      </dgm:prSet>
-      <dgm:spPr/>
-    </dgm:pt>
-    <dgm:pt modelId="{542A3CFA-1821-5546-A645-2C04BC27440F}" type="pres">
-      <dgm:prSet presAssocID="{3CF46C46-5ACC-FB4F-9D10-D635A855C8CC}" presName="bullet4b" presStyleLbl="node1" presStyleIdx="1" presStyleCnt="4"/>
-      <dgm:spPr/>
-    </dgm:pt>
-    <dgm:pt modelId="{0E675E69-6DC2-0F47-8F75-0CEE8A5AA178}" type="pres">
-      <dgm:prSet presAssocID="{3CF46C46-5ACC-FB4F-9D10-D635A855C8CC}" presName="textBox4b" presStyleLbl="revTx" presStyleIdx="1" presStyleCnt="4">
-        <dgm:presLayoutVars>
-          <dgm:bulletEnabled val="1"/>
-        </dgm:presLayoutVars>
-      </dgm:prSet>
-      <dgm:spPr/>
-    </dgm:pt>
-    <dgm:pt modelId="{D0CDC453-0E25-EE45-9E8E-868DD5EA6F9E}" type="pres">
-      <dgm:prSet presAssocID="{1D95250A-1DFB-5542-B6AB-DAB3C52D0291}" presName="bullet4c" presStyleLbl="node1" presStyleIdx="2" presStyleCnt="4"/>
-      <dgm:spPr/>
-    </dgm:pt>
-    <dgm:pt modelId="{3D0C599B-E097-1149-83C8-C5D1FEED5913}" type="pres">
-      <dgm:prSet presAssocID="{1D95250A-1DFB-5542-B6AB-DAB3C52D0291}" presName="textBox4c" presStyleLbl="revTx" presStyleIdx="2" presStyleCnt="4">
-        <dgm:presLayoutVars>
-          <dgm:bulletEnabled val="1"/>
-        </dgm:presLayoutVars>
-      </dgm:prSet>
-      <dgm:spPr/>
-    </dgm:pt>
-    <dgm:pt modelId="{63FF8F01-33F3-E84B-B123-580D0378B792}" type="pres">
-      <dgm:prSet presAssocID="{5B605C8F-8BEF-8241-B137-888CC4B2DC15}" presName="bullet4d" presStyleLbl="node1" presStyleIdx="3" presStyleCnt="4"/>
-      <dgm:spPr/>
-    </dgm:pt>
-    <dgm:pt modelId="{6B1F453A-EE5C-8943-90A7-EBE6B29B657C}" type="pres">
-      <dgm:prSet presAssocID="{5B605C8F-8BEF-8241-B137-888CC4B2DC15}" presName="textBox4d" presStyleLbl="revTx" presStyleIdx="3" presStyleCnt="4">
-        <dgm:presLayoutVars>
-          <dgm:bulletEnabled val="1"/>
-        </dgm:presLayoutVars>
-      </dgm:prSet>
-      <dgm:spPr/>
-    </dgm:pt>
-  </dgm:ptLst>
-  <dgm:cxnLst>
-    <dgm:cxn modelId="{C9CA0434-AF26-E146-9DF0-CD5782BDFEDD}" type="presOf" srcId="{3CF46C46-5ACC-FB4F-9D10-D635A855C8CC}" destId="{0E675E69-6DC2-0F47-8F75-0CEE8A5AA178}" srcOrd="0" destOrd="0" presId="urn:microsoft.com/office/officeart/2005/8/layout/arrow2"/>
-    <dgm:cxn modelId="{EBF4C857-9943-2449-AE2C-C8AD62397BE2}" type="presOf" srcId="{C77D2B37-9B46-CE45-AA61-1D11C5A80D17}" destId="{84D7ACEE-85B6-344F-A2C1-DFD2F9570E88}" srcOrd="0" destOrd="0" presId="urn:microsoft.com/office/officeart/2005/8/layout/arrow2"/>
-    <dgm:cxn modelId="{189FC275-D45A-F74A-91C4-4EA3DD9D8459}" srcId="{C77D2B37-9B46-CE45-AA61-1D11C5A80D17}" destId="{3CF46C46-5ACC-FB4F-9D10-D635A855C8CC}" srcOrd="1" destOrd="0" parTransId="{DCA29FD5-2E27-0F48-98C0-5089830E1136}" sibTransId="{F0147850-8D95-134C-BAAD-5B46C6EE16E4}"/>
-    <dgm:cxn modelId="{4F6C0179-DAD0-6442-AA88-82E0F7A8E483}" srcId="{C77D2B37-9B46-CE45-AA61-1D11C5A80D17}" destId="{5B605C8F-8BEF-8241-B137-888CC4B2DC15}" srcOrd="3" destOrd="0" parTransId="{9234D9CA-1CFB-BE4C-B7F2-FCE18D24F801}" sibTransId="{2748A13C-A61D-F542-ABB3-889B4831AD91}"/>
-    <dgm:cxn modelId="{B497AD7C-B935-F54F-A62C-6A7156D53BF6}" srcId="{C77D2B37-9B46-CE45-AA61-1D11C5A80D17}" destId="{B300D9E8-2877-4A41-B5CC-D6735560A220}" srcOrd="0" destOrd="0" parTransId="{DEF37208-A82D-B24B-ADEB-C8DB34B224A2}" sibTransId="{854FFC69-89D7-564B-9FBA-1E1BD70BEA18}"/>
-    <dgm:cxn modelId="{0E3B4A8D-B150-B245-855E-6283DE33E771}" type="presOf" srcId="{5B605C8F-8BEF-8241-B137-888CC4B2DC15}" destId="{6B1F453A-EE5C-8943-90A7-EBE6B29B657C}" srcOrd="0" destOrd="0" presId="urn:microsoft.com/office/officeart/2005/8/layout/arrow2"/>
-    <dgm:cxn modelId="{E2A00691-92D3-A24E-8914-B632A3932196}" type="presOf" srcId="{AA69B033-D2B2-D547-9D05-BA00FB58175F}" destId="{0E675E69-6DC2-0F47-8F75-0CEE8A5AA178}" srcOrd="0" destOrd="2" presId="urn:microsoft.com/office/officeart/2005/8/layout/arrow2"/>
-    <dgm:cxn modelId="{4815EEB9-78DA-0A49-BEA1-EF368B42B2D2}" type="presOf" srcId="{1D95250A-1DFB-5542-B6AB-DAB3C52D0291}" destId="{3D0C599B-E097-1149-83C8-C5D1FEED5913}" srcOrd="0" destOrd="0" presId="urn:microsoft.com/office/officeart/2005/8/layout/arrow2"/>
-    <dgm:cxn modelId="{CC5B21CA-DA66-984C-A067-24976C1DDDD0}" type="presOf" srcId="{8E5CF5DC-4627-344E-9C11-C56C500327C4}" destId="{0E675E69-6DC2-0F47-8F75-0CEE8A5AA178}" srcOrd="0" destOrd="1" presId="urn:microsoft.com/office/officeart/2005/8/layout/arrow2"/>
-    <dgm:cxn modelId="{5E72C3DD-1242-B742-989E-A12571CA5813}" srcId="{C77D2B37-9B46-CE45-AA61-1D11C5A80D17}" destId="{1D95250A-1DFB-5542-B6AB-DAB3C52D0291}" srcOrd="2" destOrd="0" parTransId="{00A8462B-708D-AC4C-BA24-D20F59067AA8}" sibTransId="{8A1BDAA4-06A6-DF4E-B253-1A0DB5DE83E3}"/>
-    <dgm:cxn modelId="{7BCC6BE4-01E3-9043-97D1-D4473A0FDA00}" srcId="{3CF46C46-5ACC-FB4F-9D10-D635A855C8CC}" destId="{AA69B033-D2B2-D547-9D05-BA00FB58175F}" srcOrd="1" destOrd="0" parTransId="{929F5869-B29A-EB46-A1FC-18D5A1EABCA6}" sibTransId="{8A9F42FA-D505-FD4C-947D-E4DE6A4EDF6E}"/>
-    <dgm:cxn modelId="{7F71E8E6-755B-9344-A0E1-DB26C45B35FF}" type="presOf" srcId="{B300D9E8-2877-4A41-B5CC-D6735560A220}" destId="{6745DA94-A0B3-5743-9082-92B04D5EE3E9}" srcOrd="0" destOrd="0" presId="urn:microsoft.com/office/officeart/2005/8/layout/arrow2"/>
-    <dgm:cxn modelId="{33967BEC-7940-8F45-97FD-A66E2D1BB0E4}" srcId="{3CF46C46-5ACC-FB4F-9D10-D635A855C8CC}" destId="{8E5CF5DC-4627-344E-9C11-C56C500327C4}" srcOrd="0" destOrd="0" parTransId="{34F524C3-49D0-2746-99B5-746B700DCD9D}" sibTransId="{AD9614F8-3112-4741-9084-FA25540458EA}"/>
-    <dgm:cxn modelId="{2EC5B1FD-5E29-5D4E-8272-515F5E7C4314}" type="presParOf" srcId="{84D7ACEE-85B6-344F-A2C1-DFD2F9570E88}" destId="{DED6074B-B7D0-3E47-B80E-A51F9B25F2CC}" srcOrd="0" destOrd="0" presId="urn:microsoft.com/office/officeart/2005/8/layout/arrow2"/>
-    <dgm:cxn modelId="{3BDFFCC4-F4AA-F449-A681-25FC67C65DDF}" type="presParOf" srcId="{84D7ACEE-85B6-344F-A2C1-DFD2F9570E88}" destId="{6484F4CD-F72B-2A48-9CF6-0435C031C154}" srcOrd="1" destOrd="0" presId="urn:microsoft.com/office/officeart/2005/8/layout/arrow2"/>
-    <dgm:cxn modelId="{5993A5D3-3B30-554B-9D65-7944D0B0842D}" type="presParOf" srcId="{6484F4CD-F72B-2A48-9CF6-0435C031C154}" destId="{3A788C46-614E-DC47-B4D4-48BA3A71BBFB}" srcOrd="0" destOrd="0" presId="urn:microsoft.com/office/officeart/2005/8/layout/arrow2"/>
-    <dgm:cxn modelId="{8F3C3718-8F8D-2449-AFF1-3553CC3CA154}" type="presParOf" srcId="{6484F4CD-F72B-2A48-9CF6-0435C031C154}" destId="{6745DA94-A0B3-5743-9082-92B04D5EE3E9}" srcOrd="1" destOrd="0" presId="urn:microsoft.com/office/officeart/2005/8/layout/arrow2"/>
-    <dgm:cxn modelId="{050E0695-69C4-8641-BD21-CB9BA732C121}" type="presParOf" srcId="{6484F4CD-F72B-2A48-9CF6-0435C031C154}" destId="{542A3CFA-1821-5546-A645-2C04BC27440F}" srcOrd="2" destOrd="0" presId="urn:microsoft.com/office/officeart/2005/8/layout/arrow2"/>
-    <dgm:cxn modelId="{1F313B62-5E60-784D-AABC-3BEE51ABE7F2}" type="presParOf" srcId="{6484F4CD-F72B-2A48-9CF6-0435C031C154}" destId="{0E675E69-6DC2-0F47-8F75-0CEE8A5AA178}" srcOrd="3" destOrd="0" presId="urn:microsoft.com/office/officeart/2005/8/layout/arrow2"/>
-    <dgm:cxn modelId="{BADA7A4D-26C4-6640-BC19-CCE7B6D5F878}" type="presParOf" srcId="{6484F4CD-F72B-2A48-9CF6-0435C031C154}" destId="{D0CDC453-0E25-EE45-9E8E-868DD5EA6F9E}" srcOrd="4" destOrd="0" presId="urn:microsoft.com/office/officeart/2005/8/layout/arrow2"/>
-    <dgm:cxn modelId="{4DBE8AB4-3141-2440-9C33-CCD429FFE7CA}" type="presParOf" srcId="{6484F4CD-F72B-2A48-9CF6-0435C031C154}" destId="{3D0C599B-E097-1149-83C8-C5D1FEED5913}" srcOrd="5" destOrd="0" presId="urn:microsoft.com/office/officeart/2005/8/layout/arrow2"/>
-    <dgm:cxn modelId="{74A452D4-F862-9543-BB7E-202C9C7265F7}" type="presParOf" srcId="{6484F4CD-F72B-2A48-9CF6-0435C031C154}" destId="{63FF8F01-33F3-E84B-B123-580D0378B792}" srcOrd="6" destOrd="0" presId="urn:microsoft.com/office/officeart/2005/8/layout/arrow2"/>
-    <dgm:cxn modelId="{7B40C68A-E7F3-7E41-9258-86C3565FE28E}" type="presParOf" srcId="{6484F4CD-F72B-2A48-9CF6-0435C031C154}" destId="{6B1F453A-EE5C-8943-90A7-EBE6B29B657C}" srcOrd="7" destOrd="0" presId="urn:microsoft.com/office/officeart/2005/8/layout/arrow2"/>
-  </dgm:cxnLst>
-  <dgm:bg/>
-  <dgm:whole/>
-  <dgm:extLst>
-    <a:ext uri="http://schemas.microsoft.com/office/drawing/2008/diagram">
-      <dsp:dataModelExt xmlns:dsp="http://schemas.microsoft.com/office/drawing/2008/diagram" relId="rId6" minVer="http://schemas.openxmlformats.org/drawingml/2006/diagram"/>
-    </a:ext>
-  </dgm:extLst>
-</dgm:dataModel>
-</file>
-
 <file path=ppt/diagrams/drawing1.xml><?xml version="1.0" encoding="utf-8"?>
 <dsp:drawing xmlns:dgm="http://schemas.openxmlformats.org/drawingml/2006/diagram" xmlns:dsp="http://schemas.microsoft.com/office/drawing/2008/diagram" xmlns:a="http://schemas.openxmlformats.org/drawingml/2006/main">
   <dsp:spTree>
@@ -2798,533 +1722,6 @@
       <dsp:txXfrm>
         <a:off x="187989" y="2620493"/>
         <a:ext cx="1739524" cy="825128"/>
-      </dsp:txXfrm>
-    </dsp:sp>
-  </dsp:spTree>
-</dsp:drawing>
-</file>
-
-<file path=ppt/diagrams/drawing2.xml><?xml version="1.0" encoding="utf-8"?>
-<dsp:drawing xmlns:dgm="http://schemas.openxmlformats.org/drawingml/2006/diagram" xmlns:dsp="http://schemas.microsoft.com/office/drawing/2008/diagram" xmlns:a="http://schemas.openxmlformats.org/drawingml/2006/main">
-  <dsp:spTree>
-    <dsp:nvGrpSpPr>
-      <dsp:cNvPr id="0" name=""/>
-      <dsp:cNvGrpSpPr/>
-    </dsp:nvGrpSpPr>
-    <dsp:grpSpPr/>
-    <dsp:sp modelId="{DED6074B-B7D0-3E47-B80E-A51F9B25F2CC}">
-      <dsp:nvSpPr>
-        <dsp:cNvPr id="0" name=""/>
-        <dsp:cNvSpPr/>
-      </dsp:nvSpPr>
-      <dsp:spPr>
-        <a:xfrm>
-          <a:off x="967863" y="0"/>
-          <a:ext cx="7591043" cy="4744402"/>
-        </a:xfrm>
-        <a:prstGeom prst="swooshArrow">
-          <a:avLst>
-            <a:gd name="adj1" fmla="val 25000"/>
-            <a:gd name="adj2" fmla="val 25000"/>
-          </a:avLst>
-        </a:prstGeom>
-        <a:solidFill>
-          <a:schemeClr val="accent1">
-            <a:tint val="40000"/>
-            <a:hueOff val="0"/>
-            <a:satOff val="0"/>
-            <a:lumOff val="0"/>
-            <a:alphaOff val="0"/>
-          </a:schemeClr>
-        </a:solidFill>
-        <a:ln>
-          <a:noFill/>
-        </a:ln>
-        <a:effectLst/>
-      </dsp:spPr>
-      <dsp:style>
-        <a:lnRef idx="0">
-          <a:scrgbClr r="0" g="0" b="0"/>
-        </a:lnRef>
-        <a:fillRef idx="1">
-          <a:scrgbClr r="0" g="0" b="0"/>
-        </a:fillRef>
-        <a:effectRef idx="0">
-          <a:scrgbClr r="0" g="0" b="0"/>
-        </a:effectRef>
-        <a:fontRef idx="minor"/>
-      </dsp:style>
-    </dsp:sp>
-    <dsp:sp modelId="{3A788C46-614E-DC47-B4D4-48BA3A71BBFB}">
-      <dsp:nvSpPr>
-        <dsp:cNvPr id="0" name=""/>
-        <dsp:cNvSpPr/>
-      </dsp:nvSpPr>
-      <dsp:spPr>
-        <a:xfrm>
-          <a:off x="1715581" y="3527937"/>
-          <a:ext cx="174593" cy="174593"/>
-        </a:xfrm>
-        <a:prstGeom prst="ellipse">
-          <a:avLst/>
-        </a:prstGeom>
-        <a:solidFill>
-          <a:schemeClr val="accent1">
-            <a:hueOff val="0"/>
-            <a:satOff val="0"/>
-            <a:lumOff val="0"/>
-            <a:alphaOff val="0"/>
-          </a:schemeClr>
-        </a:solidFill>
-        <a:ln w="15875" cap="flat" cmpd="sng" algn="ctr">
-          <a:solidFill>
-            <a:schemeClr val="lt1">
-              <a:hueOff val="0"/>
-              <a:satOff val="0"/>
-              <a:lumOff val="0"/>
-              <a:alphaOff val="0"/>
-            </a:schemeClr>
-          </a:solidFill>
-          <a:prstDash val="solid"/>
-        </a:ln>
-        <a:effectLst/>
-      </dsp:spPr>
-      <dsp:style>
-        <a:lnRef idx="2">
-          <a:scrgbClr r="0" g="0" b="0"/>
-        </a:lnRef>
-        <a:fillRef idx="1">
-          <a:scrgbClr r="0" g="0" b="0"/>
-        </a:fillRef>
-        <a:effectRef idx="0">
-          <a:scrgbClr r="0" g="0" b="0"/>
-        </a:effectRef>
-        <a:fontRef idx="minor">
-          <a:schemeClr val="lt1"/>
-        </a:fontRef>
-      </dsp:style>
-    </dsp:sp>
-    <dsp:sp modelId="{6745DA94-A0B3-5743-9082-92B04D5EE3E9}">
-      <dsp:nvSpPr>
-        <dsp:cNvPr id="0" name=""/>
-        <dsp:cNvSpPr/>
-      </dsp:nvSpPr>
-      <dsp:spPr>
-        <a:xfrm>
-          <a:off x="1802878" y="3615234"/>
-          <a:ext cx="1298068" cy="1129167"/>
-        </a:xfrm>
-        <a:prstGeom prst="rect">
-          <a:avLst/>
-        </a:prstGeom>
-        <a:noFill/>
-        <a:ln>
-          <a:noFill/>
-        </a:ln>
-        <a:effectLst/>
-      </dsp:spPr>
-      <dsp:style>
-        <a:lnRef idx="0">
-          <a:scrgbClr r="0" g="0" b="0"/>
-        </a:lnRef>
-        <a:fillRef idx="0">
-          <a:scrgbClr r="0" g="0" b="0"/>
-        </a:fillRef>
-        <a:effectRef idx="0">
-          <a:scrgbClr r="0" g="0" b="0"/>
-        </a:effectRef>
-        <a:fontRef idx="minor"/>
-      </dsp:style>
-      <dsp:txBody>
-        <a:bodyPr spcFirstLastPara="0" vert="horz" wrap="square" lIns="92514" tIns="0" rIns="0" bIns="0" numCol="1" spcCol="1270" anchor="t" anchorCtr="0">
-          <a:noAutofit/>
-        </a:bodyPr>
-        <a:lstStyle/>
-        <a:p>
-          <a:pPr marL="0" lvl="0" indent="0" algn="l" defTabSz="755650">
-            <a:lnSpc>
-              <a:spcPct val="90000"/>
-            </a:lnSpc>
-            <a:spcBef>
-              <a:spcPct val="0"/>
-            </a:spcBef>
-            <a:spcAft>
-              <a:spcPct val="35000"/>
-            </a:spcAft>
-            <a:buNone/>
-          </a:pPr>
-          <a:r>
-            <a:rPr lang="en-US" sz="1700" kern="1200" dirty="0"/>
-            <a:t>Error-free Internet</a:t>
-          </a:r>
-        </a:p>
-      </dsp:txBody>
-      <dsp:txXfrm>
-        <a:off x="1802878" y="3615234"/>
-        <a:ext cx="1298068" cy="1129167"/>
-      </dsp:txXfrm>
-    </dsp:sp>
-    <dsp:sp modelId="{542A3CFA-1821-5546-A645-2C04BC27440F}">
-      <dsp:nvSpPr>
-        <dsp:cNvPr id="0" name=""/>
-        <dsp:cNvSpPr/>
-      </dsp:nvSpPr>
-      <dsp:spPr>
-        <a:xfrm>
-          <a:off x="2949126" y="2424389"/>
-          <a:ext cx="303641" cy="303641"/>
-        </a:xfrm>
-        <a:prstGeom prst="ellipse">
-          <a:avLst/>
-        </a:prstGeom>
-        <a:solidFill>
-          <a:schemeClr val="accent1">
-            <a:hueOff val="0"/>
-            <a:satOff val="0"/>
-            <a:lumOff val="0"/>
-            <a:alphaOff val="0"/>
-          </a:schemeClr>
-        </a:solidFill>
-        <a:ln w="15875" cap="flat" cmpd="sng" algn="ctr">
-          <a:solidFill>
-            <a:schemeClr val="lt1">
-              <a:hueOff val="0"/>
-              <a:satOff val="0"/>
-              <a:lumOff val="0"/>
-              <a:alphaOff val="0"/>
-            </a:schemeClr>
-          </a:solidFill>
-          <a:prstDash val="solid"/>
-        </a:ln>
-        <a:effectLst/>
-      </dsp:spPr>
-      <dsp:style>
-        <a:lnRef idx="2">
-          <a:scrgbClr r="0" g="0" b="0"/>
-        </a:lnRef>
-        <a:fillRef idx="1">
-          <a:scrgbClr r="0" g="0" b="0"/>
-        </a:fillRef>
-        <a:effectRef idx="0">
-          <a:scrgbClr r="0" g="0" b="0"/>
-        </a:effectRef>
-        <a:fontRef idx="minor">
-          <a:schemeClr val="lt1"/>
-        </a:fontRef>
-      </dsp:style>
-    </dsp:sp>
-    <dsp:sp modelId="{0E675E69-6DC2-0F47-8F75-0CEE8A5AA178}">
-      <dsp:nvSpPr>
-        <dsp:cNvPr id="0" name=""/>
-        <dsp:cNvSpPr/>
-      </dsp:nvSpPr>
-      <dsp:spPr>
-        <a:xfrm>
-          <a:off x="3100947" y="2576210"/>
-          <a:ext cx="1594119" cy="2168191"/>
-        </a:xfrm>
-        <a:prstGeom prst="rect">
-          <a:avLst/>
-        </a:prstGeom>
-        <a:noFill/>
-        <a:ln>
-          <a:noFill/>
-        </a:ln>
-        <a:effectLst/>
-      </dsp:spPr>
-      <dsp:style>
-        <a:lnRef idx="0">
-          <a:scrgbClr r="0" g="0" b="0"/>
-        </a:lnRef>
-        <a:fillRef idx="0">
-          <a:scrgbClr r="0" g="0" b="0"/>
-        </a:fillRef>
-        <a:effectRef idx="0">
-          <a:scrgbClr r="0" g="0" b="0"/>
-        </a:effectRef>
-        <a:fontRef idx="minor"/>
-      </dsp:style>
-      <dsp:txBody>
-        <a:bodyPr spcFirstLastPara="0" vert="horz" wrap="square" lIns="160893" tIns="0" rIns="0" bIns="0" numCol="1" spcCol="1270" anchor="t" anchorCtr="0">
-          <a:noAutofit/>
-        </a:bodyPr>
-        <a:lstStyle/>
-        <a:p>
-          <a:pPr marL="0" lvl="0" indent="0" algn="l" defTabSz="755650">
-            <a:lnSpc>
-              <a:spcPct val="90000"/>
-            </a:lnSpc>
-            <a:spcBef>
-              <a:spcPct val="0"/>
-            </a:spcBef>
-            <a:spcAft>
-              <a:spcPct val="35000"/>
-            </a:spcAft>
-            <a:buNone/>
-          </a:pPr>
-          <a:r>
-            <a:rPr lang="en-US" sz="1700" kern="1200" dirty="0"/>
-            <a:t>Development Tools</a:t>
-          </a:r>
-        </a:p>
-        <a:p>
-          <a:pPr marL="114300" lvl="1" indent="-114300" algn="l" defTabSz="577850">
-            <a:lnSpc>
-              <a:spcPct val="90000"/>
-            </a:lnSpc>
-            <a:spcBef>
-              <a:spcPct val="0"/>
-            </a:spcBef>
-            <a:spcAft>
-              <a:spcPct val="15000"/>
-            </a:spcAft>
-            <a:buChar char="•"/>
-          </a:pPr>
-          <a:r>
-            <a:rPr lang="en-US" sz="1300" kern="1200" dirty="0"/>
-            <a:t>Templates</a:t>
-          </a:r>
-        </a:p>
-        <a:p>
-          <a:pPr marL="114300" lvl="1" indent="-114300" algn="l" defTabSz="577850">
-            <a:lnSpc>
-              <a:spcPct val="90000"/>
-            </a:lnSpc>
-            <a:spcBef>
-              <a:spcPct val="0"/>
-            </a:spcBef>
-            <a:spcAft>
-              <a:spcPct val="15000"/>
-            </a:spcAft>
-            <a:buChar char="•"/>
-          </a:pPr>
-          <a:r>
-            <a:rPr lang="en-US" sz="1300" kern="1200" dirty="0"/>
-            <a:t>Writing Assistant</a:t>
-          </a:r>
-        </a:p>
-      </dsp:txBody>
-      <dsp:txXfrm>
-        <a:off x="3100947" y="2576210"/>
-        <a:ext cx="1594119" cy="2168191"/>
-      </dsp:txXfrm>
-    </dsp:sp>
-    <dsp:sp modelId="{D0CDC453-0E25-EE45-9E8E-868DD5EA6F9E}">
-      <dsp:nvSpPr>
-        <dsp:cNvPr id="0" name=""/>
-        <dsp:cNvSpPr/>
-      </dsp:nvSpPr>
-      <dsp:spPr>
-        <a:xfrm>
-          <a:off x="4524267" y="1611198"/>
-          <a:ext cx="402325" cy="402325"/>
-        </a:xfrm>
-        <a:prstGeom prst="ellipse">
-          <a:avLst/>
-        </a:prstGeom>
-        <a:solidFill>
-          <a:schemeClr val="accent1">
-            <a:hueOff val="0"/>
-            <a:satOff val="0"/>
-            <a:lumOff val="0"/>
-            <a:alphaOff val="0"/>
-          </a:schemeClr>
-        </a:solidFill>
-        <a:ln w="15875" cap="flat" cmpd="sng" algn="ctr">
-          <a:solidFill>
-            <a:schemeClr val="lt1">
-              <a:hueOff val="0"/>
-              <a:satOff val="0"/>
-              <a:lumOff val="0"/>
-              <a:alphaOff val="0"/>
-            </a:schemeClr>
-          </a:solidFill>
-          <a:prstDash val="solid"/>
-        </a:ln>
-        <a:effectLst/>
-      </dsp:spPr>
-      <dsp:style>
-        <a:lnRef idx="2">
-          <a:scrgbClr r="0" g="0" b="0"/>
-        </a:lnRef>
-        <a:fillRef idx="1">
-          <a:scrgbClr r="0" g="0" b="0"/>
-        </a:fillRef>
-        <a:effectRef idx="0">
-          <a:scrgbClr r="0" g="0" b="0"/>
-        </a:effectRef>
-        <a:fontRef idx="minor">
-          <a:schemeClr val="lt1"/>
-        </a:fontRef>
-      </dsp:style>
-    </dsp:sp>
-    <dsp:sp modelId="{3D0C599B-E097-1149-83C8-C5D1FEED5913}">
-      <dsp:nvSpPr>
-        <dsp:cNvPr id="0" name=""/>
-        <dsp:cNvSpPr/>
-      </dsp:nvSpPr>
-      <dsp:spPr>
-        <a:xfrm>
-          <a:off x="4725430" y="1812361"/>
-          <a:ext cx="1594119" cy="2932040"/>
-        </a:xfrm>
-        <a:prstGeom prst="rect">
-          <a:avLst/>
-        </a:prstGeom>
-        <a:noFill/>
-        <a:ln>
-          <a:noFill/>
-        </a:ln>
-        <a:effectLst/>
-      </dsp:spPr>
-      <dsp:style>
-        <a:lnRef idx="0">
-          <a:scrgbClr r="0" g="0" b="0"/>
-        </a:lnRef>
-        <a:fillRef idx="0">
-          <a:scrgbClr r="0" g="0" b="0"/>
-        </a:fillRef>
-        <a:effectRef idx="0">
-          <a:scrgbClr r="0" g="0" b="0"/>
-        </a:effectRef>
-        <a:fontRef idx="minor"/>
-      </dsp:style>
-      <dsp:txBody>
-        <a:bodyPr spcFirstLastPara="0" vert="horz" wrap="square" lIns="213184" tIns="0" rIns="0" bIns="0" numCol="1" spcCol="1270" anchor="t" anchorCtr="0">
-          <a:noAutofit/>
-        </a:bodyPr>
-        <a:lstStyle/>
-        <a:p>
-          <a:pPr marL="0" lvl="0" indent="0" algn="l" defTabSz="755650">
-            <a:lnSpc>
-              <a:spcPct val="90000"/>
-            </a:lnSpc>
-            <a:spcBef>
-              <a:spcPct val="0"/>
-            </a:spcBef>
-            <a:spcAft>
-              <a:spcPct val="35000"/>
-            </a:spcAft>
-            <a:buNone/>
-          </a:pPr>
-          <a:r>
-            <a:rPr lang="en-US" sz="1700" kern="1200" dirty="0"/>
-            <a:t>Network Verification</a:t>
-          </a:r>
-        </a:p>
-      </dsp:txBody>
-      <dsp:txXfrm>
-        <a:off x="4725430" y="1812361"/>
-        <a:ext cx="1594119" cy="2932040"/>
-      </dsp:txXfrm>
-    </dsp:sp>
-    <dsp:sp modelId="{63FF8F01-33F3-E84B-B123-580D0378B792}">
-      <dsp:nvSpPr>
-        <dsp:cNvPr id="0" name=""/>
-        <dsp:cNvSpPr/>
-      </dsp:nvSpPr>
-      <dsp:spPr>
-        <a:xfrm>
-          <a:off x="6239843" y="1073183"/>
-          <a:ext cx="538964" cy="538964"/>
-        </a:xfrm>
-        <a:prstGeom prst="ellipse">
-          <a:avLst/>
-        </a:prstGeom>
-        <a:solidFill>
-          <a:schemeClr val="accent1">
-            <a:hueOff val="0"/>
-            <a:satOff val="0"/>
-            <a:lumOff val="0"/>
-            <a:alphaOff val="0"/>
-          </a:schemeClr>
-        </a:solidFill>
-        <a:ln w="15875" cap="flat" cmpd="sng" algn="ctr">
-          <a:solidFill>
-            <a:schemeClr val="lt1">
-              <a:hueOff val="0"/>
-              <a:satOff val="0"/>
-              <a:lumOff val="0"/>
-              <a:alphaOff val="0"/>
-            </a:schemeClr>
-          </a:solidFill>
-          <a:prstDash val="solid"/>
-        </a:ln>
-        <a:effectLst/>
-      </dsp:spPr>
-      <dsp:style>
-        <a:lnRef idx="2">
-          <a:scrgbClr r="0" g="0" b="0"/>
-        </a:lnRef>
-        <a:fillRef idx="1">
-          <a:scrgbClr r="0" g="0" b="0"/>
-        </a:fillRef>
-        <a:effectRef idx="0">
-          <a:scrgbClr r="0" g="0" b="0"/>
-        </a:effectRef>
-        <a:fontRef idx="minor">
-          <a:schemeClr val="lt1"/>
-        </a:fontRef>
-      </dsp:style>
-    </dsp:sp>
-    <dsp:sp modelId="{6B1F453A-EE5C-8943-90A7-EBE6B29B657C}">
-      <dsp:nvSpPr>
-        <dsp:cNvPr id="0" name=""/>
-        <dsp:cNvSpPr/>
-      </dsp:nvSpPr>
-      <dsp:spPr>
-        <a:xfrm>
-          <a:off x="6509325" y="1342665"/>
-          <a:ext cx="1594119" cy="3401736"/>
-        </a:xfrm>
-        <a:prstGeom prst="rect">
-          <a:avLst/>
-        </a:prstGeom>
-        <a:noFill/>
-        <a:ln>
-          <a:noFill/>
-        </a:ln>
-        <a:effectLst/>
-      </dsp:spPr>
-      <dsp:style>
-        <a:lnRef idx="0">
-          <a:scrgbClr r="0" g="0" b="0"/>
-        </a:lnRef>
-        <a:fillRef idx="0">
-          <a:scrgbClr r="0" g="0" b="0"/>
-        </a:fillRef>
-        <a:effectRef idx="0">
-          <a:scrgbClr r="0" g="0" b="0"/>
-        </a:effectRef>
-        <a:fontRef idx="minor"/>
-      </dsp:style>
-      <dsp:txBody>
-        <a:bodyPr spcFirstLastPara="0" vert="horz" wrap="square" lIns="285586" tIns="0" rIns="0" bIns="0" numCol="1" spcCol="1270" anchor="t" anchorCtr="0">
-          <a:noAutofit/>
-        </a:bodyPr>
-        <a:lstStyle/>
-        <a:p>
-          <a:pPr marL="0" lvl="0" indent="0" algn="l" defTabSz="755650">
-            <a:lnSpc>
-              <a:spcPct val="90000"/>
-            </a:lnSpc>
-            <a:spcBef>
-              <a:spcPct val="0"/>
-            </a:spcBef>
-            <a:spcAft>
-              <a:spcPct val="35000"/>
-            </a:spcAft>
-            <a:buNone/>
-          </a:pPr>
-          <a:r>
-            <a:rPr lang="en-US" sz="1700" kern="1200" dirty="0"/>
-            <a:t>Configuration Synthesis</a:t>
-          </a:r>
-        </a:p>
-      </dsp:txBody>
-      <dsp:txXfrm>
-        <a:off x="6509325" y="1342665"/>
-        <a:ext cx="1594119" cy="3401736"/>
       </dsp:txXfrm>
     </dsp:sp>
   </dsp:spTree>
@@ -6409,1651 +4806,6 @@
 </dgm:layoutDef>
 </file>
 
-<file path=ppt/diagrams/layout2.xml><?xml version="1.0" encoding="utf-8"?>
-<dgm:layoutDef xmlns:dgm="http://schemas.openxmlformats.org/drawingml/2006/diagram" xmlns:a="http://schemas.openxmlformats.org/drawingml/2006/main" uniqueId="urn:microsoft.com/office/officeart/2005/8/layout/arrow2">
-  <dgm:title val=""/>
-  <dgm:desc val=""/>
-  <dgm:catLst>
-    <dgm:cat type="process" pri="23000"/>
-  </dgm:catLst>
-  <dgm:sampData useDef="1">
-    <dgm:dataModel>
-      <dgm:ptLst/>
-      <dgm:bg/>
-      <dgm:whole/>
-    </dgm:dataModel>
-  </dgm:sampData>
-  <dgm:styleData>
-    <dgm:dataModel>
-      <dgm:ptLst>
-        <dgm:pt modelId="0" type="doc"/>
-        <dgm:pt modelId="1"/>
-        <dgm:pt modelId="2"/>
-      </dgm:ptLst>
-      <dgm:cxnLst>
-        <dgm:cxn modelId="3" srcId="0" destId="1" srcOrd="0" destOrd="0"/>
-        <dgm:cxn modelId="4" srcId="0" destId="2" srcOrd="1" destOrd="0"/>
-      </dgm:cxnLst>
-      <dgm:bg/>
-      <dgm:whole/>
-    </dgm:dataModel>
-  </dgm:styleData>
-  <dgm:clrData>
-    <dgm:dataModel>
-      <dgm:ptLst>
-        <dgm:pt modelId="0" type="doc"/>
-        <dgm:pt modelId="1"/>
-        <dgm:pt modelId="2"/>
-        <dgm:pt modelId="3"/>
-        <dgm:pt modelId="4"/>
-      </dgm:ptLst>
-      <dgm:cxnLst>
-        <dgm:cxn modelId="5" srcId="0" destId="1" srcOrd="0" destOrd="0"/>
-        <dgm:cxn modelId="6" srcId="0" destId="2" srcOrd="1" destOrd="0"/>
-        <dgm:cxn modelId="7" srcId="0" destId="3" srcOrd="2" destOrd="0"/>
-        <dgm:cxn modelId="8" srcId="0" destId="4" srcOrd="3" destOrd="0"/>
-      </dgm:cxnLst>
-      <dgm:bg/>
-      <dgm:whole/>
-    </dgm:dataModel>
-  </dgm:clrData>
-  <dgm:layoutNode name="arrowDiagram">
-    <dgm:varLst>
-      <dgm:chMax val="5"/>
-      <dgm:dir/>
-      <dgm:resizeHandles val="exact"/>
-    </dgm:varLst>
-    <dgm:alg type="composite">
-      <dgm:param type="ar" val="1.6"/>
-    </dgm:alg>
-    <dgm:shape xmlns:r="http://schemas.openxmlformats.org/officeDocument/2006/relationships" r:blip="">
-      <dgm:adjLst/>
-    </dgm:shape>
-    <dgm:presOf/>
-    <dgm:constrLst>
-      <dgm:constr type="l" for="ch" forName="arrow"/>
-      <dgm:constr type="t" for="ch" forName="arrow"/>
-      <dgm:constr type="w" for="ch" forName="arrow" refType="w"/>
-      <dgm:constr type="h" for="ch" forName="arrow" refType="h"/>
-      <dgm:constr type="ctrX" for="ch" forName="arrowDiagram1" refType="w" fact="0.5"/>
-      <dgm:constr type="ctrY" for="ch" forName="arrowDiagram1" refType="h" fact="0.5"/>
-      <dgm:constr type="w" for="ch" forName="arrowDiagram1" refType="w"/>
-      <dgm:constr type="h" for="ch" forName="arrowDiagram1" refType="h"/>
-      <dgm:constr type="ctrX" for="ch" forName="arrowDiagram2" refType="w" fact="0.5"/>
-      <dgm:constr type="ctrY" for="ch" forName="arrowDiagram2" refType="h" fact="0.5"/>
-      <dgm:constr type="w" for="ch" forName="arrowDiagram2" refType="w"/>
-      <dgm:constr type="h" for="ch" forName="arrowDiagram2" refType="h"/>
-      <dgm:constr type="ctrX" for="ch" forName="arrowDiagram3" refType="w" fact="0.5"/>
-      <dgm:constr type="ctrY" for="ch" forName="arrowDiagram3" refType="h" fact="0.5"/>
-      <dgm:constr type="w" for="ch" forName="arrowDiagram3" refType="w"/>
-      <dgm:constr type="h" for="ch" forName="arrowDiagram3" refType="h"/>
-      <dgm:constr type="ctrX" for="ch" forName="arrowDiagram4" refType="w" fact="0.5"/>
-      <dgm:constr type="ctrY" for="ch" forName="arrowDiagram4" refType="h" fact="0.5"/>
-      <dgm:constr type="w" for="ch" forName="arrowDiagram4" refType="w"/>
-      <dgm:constr type="h" for="ch" forName="arrowDiagram4" refType="h"/>
-      <dgm:constr type="ctrX" for="ch" forName="arrowDiagram5" refType="w" fact="0.5"/>
-      <dgm:constr type="ctrY" for="ch" forName="arrowDiagram5" refType="h" fact="0.5"/>
-      <dgm:constr type="w" for="ch" forName="arrowDiagram5" refType="w"/>
-      <dgm:constr type="h" for="ch" forName="arrowDiagram5" refType="h"/>
-    </dgm:constrLst>
-    <dgm:ruleLst/>
-    <dgm:choose name="Name0">
-      <dgm:if name="Name1" axis="ch" ptType="node" func="cnt" op="gte" val="1">
-        <dgm:layoutNode name="arrow" styleLbl="bgShp">
-          <dgm:alg type="sp"/>
-          <dgm:shape xmlns:r="http://schemas.openxmlformats.org/officeDocument/2006/relationships" type="swooshArrow" r:blip="">
-            <dgm:adjLst>
-              <dgm:adj idx="2" val="0.25"/>
-            </dgm:adjLst>
-          </dgm:shape>
-          <dgm:presOf/>
-          <dgm:constrLst/>
-          <dgm:ruleLst/>
-        </dgm:layoutNode>
-        <dgm:choose name="Name2">
-          <dgm:if name="Name3" axis="ch" ptType="node" func="cnt" op="lt" val="1"/>
-          <dgm:if name="Name4" axis="ch" ptType="node" func="cnt" op="equ" val="1">
-            <dgm:layoutNode name="arrowDiagram1">
-              <dgm:varLst>
-                <dgm:bulletEnabled val="1"/>
-              </dgm:varLst>
-              <dgm:alg type="composite">
-                <dgm:param type="vertAlign" val="none"/>
-                <dgm:param type="horzAlign" val="none"/>
-              </dgm:alg>
-              <dgm:shape xmlns:r="http://schemas.openxmlformats.org/officeDocument/2006/relationships" r:blip="">
-                <dgm:adjLst/>
-              </dgm:shape>
-              <dgm:presOf/>
-              <dgm:constrLst>
-                <dgm:constr type="ctrX" for="ch" forName="bullet1" refType="w" fact="0.8"/>
-                <dgm:constr type="ctrY" for="ch" forName="bullet1" refType="h" fact="0.262"/>
-                <dgm:constr type="w" for="ch" forName="bullet1" refType="w" fact="0.074"/>
-                <dgm:constr type="h" for="ch" forName="bullet1" refType="w" refFor="ch" refForName="bullet1"/>
-                <dgm:constr type="r" for="ch" forName="textBox1" refType="ctrX" refFor="ch" refForName="bullet1"/>
-                <dgm:constr type="t" for="ch" forName="textBox1" refType="ctrY" refFor="ch" refForName="bullet1"/>
-                <dgm:constr type="w" for="ch" forName="textBox1" refType="w" fact="0.4"/>
-                <dgm:constr type="h" for="ch" forName="textBox1" refType="h" fact="0.738"/>
-                <dgm:constr type="userA" refType="h" refFor="ch" refForName="bullet1" fact="0.53"/>
-                <dgm:constr type="rMarg" for="ch" forName="textBox1" refType="userA" fact="2.834"/>
-                <dgm:constr type="primFontSz" for="ch" ptType="node" op="equ" val="65"/>
-              </dgm:constrLst>
-              <dgm:ruleLst/>
-              <dgm:forEach name="Name5" axis="ch" ptType="node" cnt="1">
-                <dgm:layoutNode name="bullet1" styleLbl="node1">
-                  <dgm:alg type="sp"/>
-                  <dgm:shape xmlns:r="http://schemas.openxmlformats.org/officeDocument/2006/relationships" type="ellipse" r:blip="">
-                    <dgm:adjLst/>
-                  </dgm:shape>
-                  <dgm:presOf/>
-                  <dgm:constrLst/>
-                  <dgm:ruleLst/>
-                </dgm:layoutNode>
-                <dgm:layoutNode name="textBox1" styleLbl="revTx">
-                  <dgm:varLst>
-                    <dgm:bulletEnabled val="1"/>
-                  </dgm:varLst>
-                  <dgm:alg type="tx">
-                    <dgm:param type="txAnchorVert" val="t"/>
-                    <dgm:param type="parTxLTRAlign" val="r"/>
-                    <dgm:param type="parTxRTLAlign" val="r"/>
-                  </dgm:alg>
-                  <dgm:shape xmlns:r="http://schemas.openxmlformats.org/officeDocument/2006/relationships" type="round2DiagRect" r:blip="">
-                    <dgm:adjLst/>
-                  </dgm:shape>
-                  <dgm:presOf axis="desOrSelf" ptType="node"/>
-                  <dgm:constrLst>
-                    <dgm:constr type="lMarg"/>
-                    <dgm:constr type="tMarg"/>
-                    <dgm:constr type="bMarg"/>
-                  </dgm:constrLst>
-                  <dgm:ruleLst>
-                    <dgm:rule type="primFontSz" val="5" fact="NaN" max="NaN"/>
-                  </dgm:ruleLst>
-                </dgm:layoutNode>
-              </dgm:forEach>
-            </dgm:layoutNode>
-          </dgm:if>
-          <dgm:if name="Name6" axis="ch" ptType="node" func="cnt" op="equ" val="2">
-            <dgm:layoutNode name="arrowDiagram2">
-              <dgm:alg type="composite">
-                <dgm:param type="vertAlign" val="none"/>
-                <dgm:param type="horzAlign" val="none"/>
-              </dgm:alg>
-              <dgm:shape xmlns:r="http://schemas.openxmlformats.org/officeDocument/2006/relationships" r:blip="">
-                <dgm:adjLst/>
-              </dgm:shape>
-              <dgm:presOf/>
-              <dgm:choose name="Name7">
-                <dgm:if name="Name8" func="var" arg="dir" op="equ" val="norm">
-                  <dgm:constrLst>
-                    <dgm:constr type="ctrX" for="ch" forName="bullet2a" refType="w" fact="0.25"/>
-                    <dgm:constr type="ctrY" for="ch" forName="bullet2a" refType="h" fact="0.573"/>
-                    <dgm:constr type="w" for="ch" forName="bullet2a" refType="w" fact="0.035"/>
-                    <dgm:constr type="h" for="ch" forName="bullet2a" refType="w" refFor="ch" refForName="bullet2a"/>
-                    <dgm:constr type="l" for="ch" forName="textBox2a" refType="ctrX" refFor="ch" refForName="bullet2a"/>
-                    <dgm:constr type="t" for="ch" forName="textBox2a" refType="ctrY" refFor="ch" refForName="bullet2a"/>
-                    <dgm:constr type="w" for="ch" forName="textBox2a" refType="w" fact="0.325"/>
-                    <dgm:constr type="h" for="ch" forName="textBox2a" refType="h" fact="0.427"/>
-                    <dgm:constr type="userA" refType="h" refFor="ch" refForName="bullet2a" fact="0.53"/>
-                    <dgm:constr type="lMarg" for="ch" forName="textBox2a" refType="userA" fact="2.834"/>
-                    <dgm:constr type="ctrX" for="ch" forName="bullet2b" refType="w" fact="0.585"/>
-                    <dgm:constr type="ctrY" for="ch" forName="bullet2b" refType="h" fact="0.338"/>
-                    <dgm:constr type="w" for="ch" forName="bullet2b" refType="w" fact="0.06"/>
-                    <dgm:constr type="h" for="ch" forName="bullet2b" refType="w" refFor="ch" refForName="bullet2b"/>
-                    <dgm:constr type="l" for="ch" forName="textBox2b" refType="ctrX" refFor="ch" refForName="bullet2b"/>
-                    <dgm:constr type="t" for="ch" forName="textBox2b" refType="ctrY" refFor="ch" refForName="bullet2b"/>
-                    <dgm:constr type="w" for="ch" forName="textBox2b" refType="w" fact="0.325"/>
-                    <dgm:constr type="h" for="ch" forName="textBox2b" refType="h" fact="0.662"/>
-                    <dgm:constr type="userB" refType="h" refFor="ch" refForName="bullet2b" fact="0.53"/>
-                    <dgm:constr type="lMarg" for="ch" forName="textBox2b" refType="userB" fact="2.834"/>
-                    <dgm:constr type="primFontSz" for="ch" ptType="node" op="equ" val="65"/>
-                  </dgm:constrLst>
-                </dgm:if>
-                <dgm:else name="Name9">
-                  <dgm:constrLst>
-                    <dgm:constr type="ctrX" for="ch" forName="bullet2a" refType="w" fact="0.25"/>
-                    <dgm:constr type="ctrY" for="ch" forName="bullet2a" refType="h" fact="0.573"/>
-                    <dgm:constr type="w" for="ch" forName="bullet2a" refType="w" fact="0.035"/>
-                    <dgm:constr type="h" for="ch" forName="bullet2a" refType="w" refFor="ch" refForName="bullet2a"/>
-                    <dgm:constr type="r" for="ch" forName="textBox2a" refType="ctrX" refFor="ch" refForName="bullet2a"/>
-                    <dgm:constr type="b" for="ch" forName="textBox2a" refType="ctrY" refFor="ch" refForName="bullet2a"/>
-                    <dgm:constr type="w" for="ch" forName="textBox2a" refType="w" fact="0.25"/>
-                    <dgm:constr type="h" for="ch" forName="textBox2a" refType="h" fact="0.573"/>
-                    <dgm:constr type="userA" refType="h" refFor="ch" refForName="bullet2a" fact="0.53"/>
-                    <dgm:constr type="rMarg" for="ch" forName="textBox2a" refType="userA" fact="2.834"/>
-                    <dgm:constr type="ctrX" for="ch" forName="bullet2b" refType="w" fact="0.585"/>
-                    <dgm:constr type="ctrY" for="ch" forName="bullet2b" refType="h" fact="0.338"/>
-                    <dgm:constr type="w" for="ch" forName="bullet2b" refType="w" fact="0.06"/>
-                    <dgm:constr type="h" for="ch" forName="bullet2b" refType="w" refFor="ch" refForName="bullet2b"/>
-                    <dgm:constr type="r" for="ch" forName="textBox2b" refType="ctrX" refFor="ch" refForName="bullet2b"/>
-                    <dgm:constr type="b" for="ch" forName="textBox2b" refType="ctrY" refFor="ch" refForName="bullet2b"/>
-                    <dgm:constr type="w" for="ch" forName="textBox2b" refType="w" fact="0.28"/>
-                    <dgm:constr type="h" for="ch" forName="textBox2b" refType="h" fact="0.338"/>
-                    <dgm:constr type="userB" refType="h" refFor="ch" refForName="bullet2b" fact="0.53"/>
-                    <dgm:constr type="rMarg" for="ch" forName="textBox2b" refType="userB" fact="2.834"/>
-                    <dgm:constr type="primFontSz" for="ch" ptType="node" op="equ" val="65"/>
-                  </dgm:constrLst>
-                </dgm:else>
-              </dgm:choose>
-              <dgm:ruleLst/>
-              <dgm:forEach name="Name10" axis="ch" ptType="node" cnt="1">
-                <dgm:layoutNode name="bullet2a" styleLbl="node1">
-                  <dgm:alg type="sp"/>
-                  <dgm:shape xmlns:r="http://schemas.openxmlformats.org/officeDocument/2006/relationships" type="ellipse" r:blip="">
-                    <dgm:adjLst/>
-                  </dgm:shape>
-                  <dgm:presOf/>
-                  <dgm:constrLst/>
-                  <dgm:ruleLst/>
-                </dgm:layoutNode>
-                <dgm:layoutNode name="textBox2a" styleLbl="revTx">
-                  <dgm:varLst>
-                    <dgm:bulletEnabled val="1"/>
-                  </dgm:varLst>
-                  <dgm:choose name="Name11">
-                    <dgm:if name="Name12" func="var" arg="dir" op="equ" val="norm">
-                      <dgm:choose name="Name13">
-                        <dgm:if name="Name14" axis="root des" ptType="all node" func="maxDepth" op="gt" val="1">
-                          <dgm:alg type="tx">
-                            <dgm:param type="txAnchorVert" val="t"/>
-                            <dgm:param type="parTxLTRAlign" val="l"/>
-                            <dgm:param type="parTxRTLAlign" val="r"/>
-                          </dgm:alg>
-                        </dgm:if>
-                        <dgm:else name="Name15">
-                          <dgm:alg type="tx">
-                            <dgm:param type="txAnchorVert" val="t"/>
-                            <dgm:param type="parTxLTRAlign" val="l"/>
-                            <dgm:param type="parTxRTLAlign" val="l"/>
-                          </dgm:alg>
-                        </dgm:else>
-                      </dgm:choose>
-                    </dgm:if>
-                    <dgm:else name="Name16">
-                      <dgm:choose name="Name17">
-                        <dgm:if name="Name18" axis="root des" ptType="all node" func="maxDepth" op="gt" val="1">
-                          <dgm:alg type="tx">
-                            <dgm:param type="txAnchorVert" val="b"/>
-                            <dgm:param type="txAnchorVertCh" val="b"/>
-                            <dgm:param type="parTxLTRAlign" val="l"/>
-                            <dgm:param type="parTxRTLAlign" val="r"/>
-                          </dgm:alg>
-                        </dgm:if>
-                        <dgm:else name="Name19">
-                          <dgm:alg type="tx">
-                            <dgm:param type="txAnchorVert" val="b"/>
-                            <dgm:param type="parTxLTRAlign" val="r"/>
-                            <dgm:param type="parTxRTLAlign" val="r"/>
-                          </dgm:alg>
-                        </dgm:else>
-                      </dgm:choose>
-                    </dgm:else>
-                  </dgm:choose>
-                  <dgm:shape xmlns:r="http://schemas.openxmlformats.org/officeDocument/2006/relationships" type="rect" r:blip="">
-                    <dgm:adjLst/>
-                  </dgm:shape>
-                  <dgm:presOf axis="desOrSelf" ptType="node"/>
-                  <dgm:choose name="Name20">
-                    <dgm:if name="Name21" func="var" arg="dir" op="equ" val="norm">
-                      <dgm:constrLst>
-                        <dgm:constr type="rMarg"/>
-                        <dgm:constr type="tMarg"/>
-                        <dgm:constr type="bMarg"/>
-                      </dgm:constrLst>
-                    </dgm:if>
-                    <dgm:else name="Name22">
-                      <dgm:constrLst>
-                        <dgm:constr type="lMarg"/>
-                        <dgm:constr type="tMarg"/>
-                        <dgm:constr type="bMarg"/>
-                      </dgm:constrLst>
-                    </dgm:else>
-                  </dgm:choose>
-                  <dgm:ruleLst>
-                    <dgm:rule type="primFontSz" val="5" fact="NaN" max="NaN"/>
-                  </dgm:ruleLst>
-                </dgm:layoutNode>
-              </dgm:forEach>
-              <dgm:forEach name="Name23" axis="ch" ptType="node" st="2" cnt="1">
-                <dgm:layoutNode name="bullet2b" styleLbl="node1">
-                  <dgm:alg type="sp"/>
-                  <dgm:shape xmlns:r="http://schemas.openxmlformats.org/officeDocument/2006/relationships" type="ellipse" r:blip="">
-                    <dgm:adjLst/>
-                  </dgm:shape>
-                  <dgm:presOf/>
-                  <dgm:constrLst/>
-                  <dgm:ruleLst/>
-                </dgm:layoutNode>
-                <dgm:layoutNode name="textBox2b" styleLbl="revTx">
-                  <dgm:varLst>
-                    <dgm:bulletEnabled val="1"/>
-                  </dgm:varLst>
-                  <dgm:choose name="Name24">
-                    <dgm:if name="Name25" func="var" arg="dir" op="equ" val="norm">
-                      <dgm:choose name="Name26">
-                        <dgm:if name="Name27" axis="root des" ptType="all node" func="maxDepth" op="gt" val="1">
-                          <dgm:alg type="tx">
-                            <dgm:param type="txAnchorVert" val="t"/>
-                            <dgm:param type="parTxLTRAlign" val="l"/>
-                            <dgm:param type="parTxRTLAlign" val="r"/>
-                          </dgm:alg>
-                        </dgm:if>
-                        <dgm:else name="Name28">
-                          <dgm:alg type="tx">
-                            <dgm:param type="txAnchorVert" val="t"/>
-                            <dgm:param type="parTxLTRAlign" val="l"/>
-                            <dgm:param type="parTxRTLAlign" val="l"/>
-                          </dgm:alg>
-                        </dgm:else>
-                      </dgm:choose>
-                    </dgm:if>
-                    <dgm:else name="Name29">
-                      <dgm:choose name="Name30">
-                        <dgm:if name="Name31" axis="root des" ptType="all node" func="maxDepth" op="gt" val="1">
-                          <dgm:alg type="tx">
-                            <dgm:param type="txAnchorVert" val="b"/>
-                            <dgm:param type="txAnchorVertCh" val="b"/>
-                            <dgm:param type="parTxLTRAlign" val="l"/>
-                            <dgm:param type="parTxRTLAlign" val="r"/>
-                          </dgm:alg>
-                        </dgm:if>
-                        <dgm:else name="Name32">
-                          <dgm:alg type="tx">
-                            <dgm:param type="txAnchorVert" val="b"/>
-                            <dgm:param type="parTxLTRAlign" val="r"/>
-                            <dgm:param type="parTxRTLAlign" val="r"/>
-                          </dgm:alg>
-                        </dgm:else>
-                      </dgm:choose>
-                    </dgm:else>
-                  </dgm:choose>
-                  <dgm:shape xmlns:r="http://schemas.openxmlformats.org/officeDocument/2006/relationships" type="rect" r:blip="">
-                    <dgm:adjLst/>
-                  </dgm:shape>
-                  <dgm:presOf axis="desOrSelf" ptType="node"/>
-                  <dgm:choose name="Name33">
-                    <dgm:if name="Name34" func="var" arg="dir" op="equ" val="norm">
-                      <dgm:constrLst>
-                        <dgm:constr type="rMarg"/>
-                        <dgm:constr type="tMarg"/>
-                        <dgm:constr type="bMarg"/>
-                      </dgm:constrLst>
-                    </dgm:if>
-                    <dgm:else name="Name35">
-                      <dgm:constrLst>
-                        <dgm:constr type="lMarg"/>
-                        <dgm:constr type="tMarg"/>
-                        <dgm:constr type="bMarg"/>
-                      </dgm:constrLst>
-                    </dgm:else>
-                  </dgm:choose>
-                  <dgm:ruleLst>
-                    <dgm:rule type="primFontSz" val="5" fact="NaN" max="NaN"/>
-                  </dgm:ruleLst>
-                </dgm:layoutNode>
-              </dgm:forEach>
-            </dgm:layoutNode>
-          </dgm:if>
-          <dgm:if name="Name36" axis="ch" ptType="node" func="cnt" op="equ" val="3">
-            <dgm:layoutNode name="arrowDiagram3">
-              <dgm:alg type="composite">
-                <dgm:param type="vertAlign" val="none"/>
-                <dgm:param type="horzAlign" val="none"/>
-              </dgm:alg>
-              <dgm:shape xmlns:r="http://schemas.openxmlformats.org/officeDocument/2006/relationships" r:blip="">
-                <dgm:adjLst/>
-              </dgm:shape>
-              <dgm:presOf/>
-              <dgm:choose name="Name37">
-                <dgm:if name="Name38" func="var" arg="dir" op="equ" val="norm">
-                  <dgm:constrLst>
-                    <dgm:constr type="ctrX" for="ch" forName="bullet3a" refType="w" fact="0.14"/>
-                    <dgm:constr type="ctrY" for="ch" forName="bullet3a" refType="h" fact="0.711"/>
-                    <dgm:constr type="w" for="ch" forName="bullet3a" refType="w" fact="0.026"/>
-                    <dgm:constr type="h" for="ch" forName="bullet3a" refType="w" refFor="ch" refForName="bullet3a"/>
-                    <dgm:constr type="l" for="ch" forName="textBox3a" refType="ctrX" refFor="ch" refForName="bullet3a"/>
-                    <dgm:constr type="t" for="ch" forName="textBox3a" refType="ctrY" refFor="ch" refForName="bullet3a"/>
-                    <dgm:constr type="w" for="ch" forName="textBox3a" refType="w" fact="0.233"/>
-                    <dgm:constr type="h" for="ch" forName="textBox3a" refType="h" fact="0.289"/>
-                    <dgm:constr type="userA" refType="h" refFor="ch" refForName="bullet3a" fact="0.53"/>
-                    <dgm:constr type="lMarg" for="ch" forName="textBox3a" refType="userA" fact="2.834"/>
-                    <dgm:constr type="ctrX" for="ch" forName="bullet3b" refType="w" fact="0.38"/>
-                    <dgm:constr type="ctrY" for="ch" forName="bullet3b" refType="h" fact="0.456"/>
-                    <dgm:constr type="w" for="ch" forName="bullet3b" refType="w" fact="0.047"/>
-                    <dgm:constr type="h" for="ch" forName="bullet3b" refType="w" refFor="ch" refForName="bullet3b"/>
-                    <dgm:constr type="l" for="ch" forName="textBox3b" refType="ctrX" refFor="ch" refForName="bullet3b"/>
-                    <dgm:constr type="t" for="ch" forName="textBox3b" refType="ctrY" refFor="ch" refForName="bullet3b"/>
-                    <dgm:constr type="w" for="ch" forName="textBox3b" refType="w" fact="0.24"/>
-                    <dgm:constr type="h" for="ch" forName="textBox3b" refType="h" fact="0.544"/>
-                    <dgm:constr type="userB" refType="h" refFor="ch" refForName="bullet3b" fact="0.53"/>
-                    <dgm:constr type="lMarg" for="ch" forName="textBox3b" refType="userB" fact="2.834"/>
-                    <dgm:constr type="ctrX" for="ch" forName="bullet3c" refType="w" fact="0.665"/>
-                    <dgm:constr type="ctrY" for="ch" forName="bullet3c" refType="h" fact="0.305"/>
-                    <dgm:constr type="w" for="ch" forName="bullet3c" refType="w" fact="0.065"/>
-                    <dgm:constr type="h" for="ch" forName="bullet3c" refType="w" refFor="ch" refForName="bullet3c"/>
-                    <dgm:constr type="l" for="ch" forName="textBox3c" refType="ctrX" refFor="ch" refForName="bullet3c"/>
-                    <dgm:constr type="t" for="ch" forName="textBox3c" refType="ctrY" refFor="ch" refForName="bullet3c"/>
-                    <dgm:constr type="w" for="ch" forName="textBox3c" refType="w" fact="0.24"/>
-                    <dgm:constr type="h" for="ch" forName="textBox3c" refType="h" fact="0.695"/>
-                    <dgm:constr type="userC" refType="h" refFor="ch" refForName="bullet3c" fact="0.53"/>
-                    <dgm:constr type="lMarg" for="ch" forName="textBox3c" refType="userC" fact="2.834"/>
-                    <dgm:constr type="primFontSz" for="ch" ptType="node" op="equ" val="65"/>
-                  </dgm:constrLst>
-                </dgm:if>
-                <dgm:else name="Name39">
-                  <dgm:constrLst>
-                    <dgm:constr type="ctrX" for="ch" forName="bullet3a" refType="w" fact="0.14"/>
-                    <dgm:constr type="ctrY" for="ch" forName="bullet3a" refType="h" fact="0.711"/>
-                    <dgm:constr type="w" for="ch" forName="bullet3a" refType="w" fact="0.026"/>
-                    <dgm:constr type="h" for="ch" forName="bullet3a" refType="w" refFor="ch" refForName="bullet3a"/>
-                    <dgm:constr type="r" for="ch" forName="textBox3a" refType="ctrX" refFor="ch" refForName="bullet3a"/>
-                    <dgm:constr type="b" for="ch" forName="textBox3a" refType="ctrY" refFor="ch" refForName="bullet3a"/>
-                    <dgm:constr type="w" for="ch" forName="textBox3a" refType="w" fact="0.14"/>
-                    <dgm:constr type="h" for="ch" forName="textBox3a" refType="h" fact="0.711"/>
-                    <dgm:constr type="userA" refType="h" refFor="ch" refForName="bullet3a" fact="0.53"/>
-                    <dgm:constr type="rMarg" for="ch" forName="textBox3a" refType="userA" fact="2.834"/>
-                    <dgm:constr type="ctrX" for="ch" forName="bullet3b" refType="w" fact="0.38"/>
-                    <dgm:constr type="ctrY" for="ch" forName="bullet3b" refType="h" fact="0.456"/>
-                    <dgm:constr type="w" for="ch" forName="bullet3b" refType="w" fact="0.047"/>
-                    <dgm:constr type="h" for="ch" forName="bullet3b" refType="w" refFor="ch" refForName="bullet3b"/>
-                    <dgm:constr type="r" for="ch" forName="textBox3b" refType="ctrX" refFor="ch" refForName="bullet3b"/>
-                    <dgm:constr type="b" for="ch" forName="textBox3b" refType="ctrY" refFor="ch" refForName="bullet3b"/>
-                    <dgm:constr type="w" for="ch" forName="textBox3b" refType="w" fact="0.24"/>
-                    <dgm:constr type="h" for="ch" forName="textBox3b" refType="h" fact="0.456"/>
-                    <dgm:constr type="userB" refType="h" refFor="ch" refForName="bullet3b" fact="0.53"/>
-                    <dgm:constr type="rMarg" for="ch" forName="textBox3b" refType="userB" fact="2.834"/>
-                    <dgm:constr type="ctrX" for="ch" forName="bullet3c" refType="w" fact="0.665"/>
-                    <dgm:constr type="ctrY" for="ch" forName="bullet3c" refType="h" fact="0.305"/>
-                    <dgm:constr type="w" for="ch" forName="bullet3c" refType="w" fact="0.065"/>
-                    <dgm:constr type="h" for="ch" forName="bullet3c" refType="w" refFor="ch" refForName="bullet3c"/>
-                    <dgm:constr type="r" for="ch" forName="textBox3c" refType="ctrX" refFor="ch" refForName="bullet3c"/>
-                    <dgm:constr type="b" for="ch" forName="textBox3c" refType="ctrY" refFor="ch" refForName="bullet3c"/>
-                    <dgm:constr type="w" for="ch" forName="textBox3c" refType="w" fact="0.24"/>
-                    <dgm:constr type="h" for="ch" forName="textBox3c" refType="h" fact="0.305"/>
-                    <dgm:constr type="userC" refType="h" refFor="ch" refForName="bullet3c" fact="0.53"/>
-                    <dgm:constr type="rMarg" for="ch" forName="textBox3c" refType="userC" fact="2.834"/>
-                    <dgm:constr type="primFontSz" for="ch" ptType="node" op="equ" val="65"/>
-                  </dgm:constrLst>
-                </dgm:else>
-              </dgm:choose>
-              <dgm:ruleLst/>
-              <dgm:forEach name="Name40" axis="ch" ptType="node" cnt="1">
-                <dgm:layoutNode name="bullet3a" styleLbl="node1">
-                  <dgm:alg type="sp"/>
-                  <dgm:shape xmlns:r="http://schemas.openxmlformats.org/officeDocument/2006/relationships" type="ellipse" r:blip="">
-                    <dgm:adjLst/>
-                  </dgm:shape>
-                  <dgm:presOf/>
-                  <dgm:constrLst/>
-                  <dgm:ruleLst/>
-                </dgm:layoutNode>
-                <dgm:layoutNode name="textBox3a" styleLbl="revTx">
-                  <dgm:varLst>
-                    <dgm:bulletEnabled val="1"/>
-                  </dgm:varLst>
-                  <dgm:choose name="Name41">
-                    <dgm:if name="Name42" func="var" arg="dir" op="equ" val="norm">
-                      <dgm:choose name="Name43">
-                        <dgm:if name="Name44" axis="root des" ptType="all node" func="maxDepth" op="gt" val="1">
-                          <dgm:alg type="tx">
-                            <dgm:param type="txAnchorVert" val="t"/>
-                            <dgm:param type="parTxLTRAlign" val="l"/>
-                            <dgm:param type="parTxRTLAlign" val="r"/>
-                          </dgm:alg>
-                        </dgm:if>
-                        <dgm:else name="Name45">
-                          <dgm:alg type="tx">
-                            <dgm:param type="txAnchorVert" val="t"/>
-                            <dgm:param type="parTxLTRAlign" val="l"/>
-                            <dgm:param type="parTxRTLAlign" val="l"/>
-                          </dgm:alg>
-                        </dgm:else>
-                      </dgm:choose>
-                    </dgm:if>
-                    <dgm:else name="Name46">
-                      <dgm:choose name="Name47">
-                        <dgm:if name="Name48" axis="root des" ptType="all node" func="maxDepth" op="gt" val="1">
-                          <dgm:alg type="tx">
-                            <dgm:param type="txAnchorVert" val="b"/>
-                            <dgm:param type="txAnchorVertCh" val="b"/>
-                            <dgm:param type="parTxLTRAlign" val="l"/>
-                            <dgm:param type="parTxRTLAlign" val="r"/>
-                          </dgm:alg>
-                        </dgm:if>
-                        <dgm:else name="Name49">
-                          <dgm:alg type="tx">
-                            <dgm:param type="txAnchorVert" val="b"/>
-                            <dgm:param type="parTxLTRAlign" val="r"/>
-                            <dgm:param type="parTxRTLAlign" val="r"/>
-                          </dgm:alg>
-                        </dgm:else>
-                      </dgm:choose>
-                    </dgm:else>
-                  </dgm:choose>
-                  <dgm:shape xmlns:r="http://schemas.openxmlformats.org/officeDocument/2006/relationships" type="rect" r:blip="">
-                    <dgm:adjLst/>
-                  </dgm:shape>
-                  <dgm:presOf axis="desOrSelf" ptType="node"/>
-                  <dgm:choose name="Name50">
-                    <dgm:if name="Name51" func="var" arg="dir" op="equ" val="norm">
-                      <dgm:constrLst>
-                        <dgm:constr type="rMarg"/>
-                        <dgm:constr type="tMarg"/>
-                        <dgm:constr type="bMarg"/>
-                      </dgm:constrLst>
-                    </dgm:if>
-                    <dgm:else name="Name52">
-                      <dgm:constrLst>
-                        <dgm:constr type="lMarg"/>
-                        <dgm:constr type="tMarg"/>
-                        <dgm:constr type="bMarg"/>
-                      </dgm:constrLst>
-                    </dgm:else>
-                  </dgm:choose>
-                  <dgm:ruleLst>
-                    <dgm:rule type="primFontSz" val="5" fact="NaN" max="NaN"/>
-                  </dgm:ruleLst>
-                </dgm:layoutNode>
-              </dgm:forEach>
-              <dgm:forEach name="Name53" axis="ch" ptType="node" st="2" cnt="1">
-                <dgm:layoutNode name="bullet3b" styleLbl="node1">
-                  <dgm:alg type="sp"/>
-                  <dgm:shape xmlns:r="http://schemas.openxmlformats.org/officeDocument/2006/relationships" type="ellipse" r:blip="">
-                    <dgm:adjLst/>
-                  </dgm:shape>
-                  <dgm:presOf/>
-                  <dgm:constrLst/>
-                  <dgm:ruleLst/>
-                </dgm:layoutNode>
-                <dgm:layoutNode name="textBox3b" styleLbl="revTx">
-                  <dgm:varLst>
-                    <dgm:bulletEnabled val="1"/>
-                  </dgm:varLst>
-                  <dgm:choose name="Name54">
-                    <dgm:if name="Name55" func="var" arg="dir" op="equ" val="norm">
-                      <dgm:choose name="Name56">
-                        <dgm:if name="Name57" axis="root des" ptType="all node" func="maxDepth" op="gt" val="1">
-                          <dgm:alg type="tx">
-                            <dgm:param type="txAnchorVert" val="t"/>
-                            <dgm:param type="parTxLTRAlign" val="l"/>
-                            <dgm:param type="parTxRTLAlign" val="r"/>
-                          </dgm:alg>
-                        </dgm:if>
-                        <dgm:else name="Name58">
-                          <dgm:alg type="tx">
-                            <dgm:param type="txAnchorVert" val="t"/>
-                            <dgm:param type="parTxLTRAlign" val="l"/>
-                            <dgm:param type="parTxRTLAlign" val="l"/>
-                          </dgm:alg>
-                        </dgm:else>
-                      </dgm:choose>
-                    </dgm:if>
-                    <dgm:else name="Name59">
-                      <dgm:choose name="Name60">
-                        <dgm:if name="Name61" axis="root des" ptType="all node" func="maxDepth" op="gt" val="1">
-                          <dgm:alg type="tx">
-                            <dgm:param type="txAnchorVert" val="b"/>
-                            <dgm:param type="txAnchorVertCh" val="b"/>
-                            <dgm:param type="parTxLTRAlign" val="l"/>
-                            <dgm:param type="parTxRTLAlign" val="r"/>
-                          </dgm:alg>
-                        </dgm:if>
-                        <dgm:else name="Name62">
-                          <dgm:alg type="tx">
-                            <dgm:param type="txAnchorVert" val="b"/>
-                            <dgm:param type="parTxLTRAlign" val="r"/>
-                            <dgm:param type="parTxRTLAlign" val="r"/>
-                          </dgm:alg>
-                        </dgm:else>
-                      </dgm:choose>
-                    </dgm:else>
-                  </dgm:choose>
-                  <dgm:shape xmlns:r="http://schemas.openxmlformats.org/officeDocument/2006/relationships" type="rect" r:blip="">
-                    <dgm:adjLst/>
-                  </dgm:shape>
-                  <dgm:presOf axis="desOrSelf" ptType="node"/>
-                  <dgm:choose name="Name63">
-                    <dgm:if name="Name64" func="var" arg="dir" op="equ" val="norm">
-                      <dgm:constrLst>
-                        <dgm:constr type="rMarg"/>
-                        <dgm:constr type="tMarg"/>
-                        <dgm:constr type="bMarg"/>
-                      </dgm:constrLst>
-                    </dgm:if>
-                    <dgm:else name="Name65">
-                      <dgm:constrLst>
-                        <dgm:constr type="lMarg"/>
-                        <dgm:constr type="tMarg"/>
-                        <dgm:constr type="bMarg"/>
-                      </dgm:constrLst>
-                    </dgm:else>
-                  </dgm:choose>
-                  <dgm:ruleLst>
-                    <dgm:rule type="primFontSz" val="5" fact="NaN" max="NaN"/>
-                  </dgm:ruleLst>
-                </dgm:layoutNode>
-              </dgm:forEach>
-              <dgm:forEach name="Name66" axis="ch" ptType="node" st="3" cnt="1">
-                <dgm:layoutNode name="bullet3c" styleLbl="node1">
-                  <dgm:alg type="sp"/>
-                  <dgm:shape xmlns:r="http://schemas.openxmlformats.org/officeDocument/2006/relationships" type="ellipse" r:blip="">
-                    <dgm:adjLst/>
-                  </dgm:shape>
-                  <dgm:presOf/>
-                  <dgm:constrLst/>
-                  <dgm:ruleLst/>
-                </dgm:layoutNode>
-                <dgm:layoutNode name="textBox3c" styleLbl="revTx">
-                  <dgm:varLst>
-                    <dgm:bulletEnabled val="1"/>
-                  </dgm:varLst>
-                  <dgm:choose name="Name67">
-                    <dgm:if name="Name68" func="var" arg="dir" op="equ" val="norm">
-                      <dgm:choose name="Name69">
-                        <dgm:if name="Name70" axis="root des" ptType="all node" func="maxDepth" op="gt" val="1">
-                          <dgm:alg type="tx">
-                            <dgm:param type="txAnchorVert" val="t"/>
-                            <dgm:param type="parTxLTRAlign" val="l"/>
-                            <dgm:param type="parTxRTLAlign" val="r"/>
-                          </dgm:alg>
-                        </dgm:if>
-                        <dgm:else name="Name71">
-                          <dgm:alg type="tx">
-                            <dgm:param type="txAnchorVert" val="t"/>
-                            <dgm:param type="parTxLTRAlign" val="l"/>
-                            <dgm:param type="parTxRTLAlign" val="l"/>
-                          </dgm:alg>
-                        </dgm:else>
-                      </dgm:choose>
-                    </dgm:if>
-                    <dgm:else name="Name72">
-                      <dgm:choose name="Name73">
-                        <dgm:if name="Name74" axis="root des" ptType="all node" func="maxDepth" op="gt" val="1">
-                          <dgm:alg type="tx">
-                            <dgm:param type="txAnchorVert" val="b"/>
-                            <dgm:param type="txAnchorVertCh" val="b"/>
-                            <dgm:param type="parTxLTRAlign" val="l"/>
-                            <dgm:param type="parTxRTLAlign" val="r"/>
-                          </dgm:alg>
-                        </dgm:if>
-                        <dgm:else name="Name75">
-                          <dgm:alg type="tx">
-                            <dgm:param type="txAnchorVert" val="b"/>
-                            <dgm:param type="parTxLTRAlign" val="r"/>
-                            <dgm:param type="parTxRTLAlign" val="r"/>
-                          </dgm:alg>
-                        </dgm:else>
-                      </dgm:choose>
-                    </dgm:else>
-                  </dgm:choose>
-                  <dgm:shape xmlns:r="http://schemas.openxmlformats.org/officeDocument/2006/relationships" type="rect" r:blip="">
-                    <dgm:adjLst/>
-                  </dgm:shape>
-                  <dgm:presOf axis="desOrSelf" ptType="node"/>
-                  <dgm:choose name="Name76">
-                    <dgm:if name="Name77" func="var" arg="dir" op="equ" val="norm">
-                      <dgm:constrLst>
-                        <dgm:constr type="rMarg"/>
-                        <dgm:constr type="tMarg"/>
-                        <dgm:constr type="bMarg"/>
-                      </dgm:constrLst>
-                    </dgm:if>
-                    <dgm:else name="Name78">
-                      <dgm:constrLst>
-                        <dgm:constr type="lMarg"/>
-                        <dgm:constr type="tMarg"/>
-                        <dgm:constr type="bMarg"/>
-                      </dgm:constrLst>
-                    </dgm:else>
-                  </dgm:choose>
-                  <dgm:ruleLst>
-                    <dgm:rule type="primFontSz" val="5" fact="NaN" max="NaN"/>
-                  </dgm:ruleLst>
-                </dgm:layoutNode>
-              </dgm:forEach>
-            </dgm:layoutNode>
-          </dgm:if>
-          <dgm:if name="Name79" axis="ch" ptType="node" func="cnt" op="equ" val="4">
-            <dgm:layoutNode name="arrowDiagram4">
-              <dgm:alg type="composite">
-                <dgm:param type="vertAlign" val="none"/>
-                <dgm:param type="horzAlign" val="none"/>
-              </dgm:alg>
-              <dgm:shape xmlns:r="http://schemas.openxmlformats.org/officeDocument/2006/relationships" r:blip="">
-                <dgm:adjLst/>
-              </dgm:shape>
-              <dgm:presOf/>
-              <dgm:choose name="Name80">
-                <dgm:if name="Name81" func="var" arg="dir" op="equ" val="norm">
-                  <dgm:constrLst>
-                    <dgm:constr type="ctrX" for="ch" forName="bullet4a" refType="w" fact="0.11"/>
-                    <dgm:constr type="ctrY" for="ch" forName="bullet4a" refType="h" fact="0.762"/>
-                    <dgm:constr type="w" for="ch" forName="bullet4a" refType="w" fact="0.023"/>
-                    <dgm:constr type="h" for="ch" forName="bullet4a" refType="w" refFor="ch" refForName="bullet4a"/>
-                    <dgm:constr type="l" for="ch" forName="textBox4a" refType="ctrX" refFor="ch" refForName="bullet4a"/>
-                    <dgm:constr type="t" for="ch" forName="textBox4a" refType="ctrY" refFor="ch" refForName="bullet4a"/>
-                    <dgm:constr type="w" for="ch" forName="textBox4a" refType="w" fact="0.171"/>
-                    <dgm:constr type="h" for="ch" forName="textBox4a" refType="h" fact="0.238"/>
-                    <dgm:constr type="userA" refType="h" refFor="ch" refForName="bullet4a" fact="0.53"/>
-                    <dgm:constr type="lMarg" for="ch" forName="textBox4a" refType="userA" fact="2.834"/>
-                    <dgm:constr type="ctrX" for="ch" forName="bullet4b" refType="w" fact="0.281"/>
-                    <dgm:constr type="ctrY" for="ch" forName="bullet4b" refType="h" fact="0.543"/>
-                    <dgm:constr type="w" for="ch" forName="bullet4b" refType="w" fact="0.04"/>
-                    <dgm:constr type="h" for="ch" forName="bullet4b" refType="w" refFor="ch" refForName="bullet4b"/>
-                    <dgm:constr type="l" for="ch" forName="textBox4b" refType="ctrX" refFor="ch" refForName="bullet4b"/>
-                    <dgm:constr type="t" for="ch" forName="textBox4b" refType="ctrY" refFor="ch" refForName="bullet4b"/>
-                    <dgm:constr type="w" for="ch" forName="textBox4b" refType="w" fact="0.21"/>
-                    <dgm:constr type="h" for="ch" forName="textBox4b" refType="h" fact="0.457"/>
-                    <dgm:constr type="userB" refType="h" refFor="ch" refForName="bullet4b" fact="0.53"/>
-                    <dgm:constr type="lMarg" for="ch" forName="textBox4b" refType="userB" fact="2.834"/>
-                    <dgm:constr type="ctrX" for="ch" forName="bullet4c" refType="w" fact="0.495"/>
-                    <dgm:constr type="ctrY" for="ch" forName="bullet4c" refType="h" fact="0.382"/>
-                    <dgm:constr type="w" for="ch" forName="bullet4c" refType="w" fact="0.053"/>
-                    <dgm:constr type="h" for="ch" forName="bullet4c" refType="w" refFor="ch" refForName="bullet4c"/>
-                    <dgm:constr type="l" for="ch" forName="textBox4c" refType="ctrX" refFor="ch" refForName="bullet4c"/>
-                    <dgm:constr type="t" for="ch" forName="textBox4c" refType="ctrY" refFor="ch" refForName="bullet4c"/>
-                    <dgm:constr type="w" for="ch" forName="textBox4c" refType="w" fact="0.21"/>
-                    <dgm:constr type="h" for="ch" forName="textBox4c" refType="h" fact="0.618"/>
-                    <dgm:constr type="userC" refType="h" refFor="ch" refForName="bullet4c" fact="0.53"/>
-                    <dgm:constr type="lMarg" for="ch" forName="textBox4c" refType="userC" fact="2.834"/>
-                    <dgm:constr type="ctrX" for="ch" forName="bullet4d" refType="w" fact="0.73"/>
-                    <dgm:constr type="ctrY" for="ch" forName="bullet4d" refType="h" fact="0.283"/>
-                    <dgm:constr type="w" for="ch" forName="bullet4d" refType="w" fact="0.071"/>
-                    <dgm:constr type="h" for="ch" forName="bullet4d" refType="w" refFor="ch" refForName="bullet4d"/>
-                    <dgm:constr type="l" for="ch" forName="textBox4d" refType="ctrX" refFor="ch" refForName="bullet4d"/>
-                    <dgm:constr type="t" for="ch" forName="textBox4d" refType="ctrY" refFor="ch" refForName="bullet4d"/>
-                    <dgm:constr type="w" for="ch" forName="textBox4d" refType="w" fact="0.21"/>
-                    <dgm:constr type="h" for="ch" forName="textBox4d" refType="h" fact="0.717"/>
-                    <dgm:constr type="userD" refType="h" refFor="ch" refForName="bullet4d" fact="0.53"/>
-                    <dgm:constr type="lMarg" for="ch" forName="textBox4d" refType="userD" fact="2.834"/>
-                    <dgm:constr type="primFontSz" for="ch" ptType="node" op="equ" val="65"/>
-                  </dgm:constrLst>
-                </dgm:if>
-                <dgm:else name="Name82">
-                  <dgm:constrLst>
-                    <dgm:constr type="ctrX" for="ch" forName="bullet4a" refType="w" fact="0.11"/>
-                    <dgm:constr type="ctrY" for="ch" forName="bullet4a" refType="h" fact="0.762"/>
-                    <dgm:constr type="w" for="ch" forName="bullet4a" refType="w" fact="0.023"/>
-                    <dgm:constr type="h" for="ch" forName="bullet4a" refType="w" refFor="ch" refForName="bullet4a"/>
-                    <dgm:constr type="r" for="ch" forName="textBox4a" refType="ctrX" refFor="ch" refForName="bullet4a"/>
-                    <dgm:constr type="b" for="ch" forName="textBox4a" refType="ctrY" refFor="ch" refForName="bullet4a"/>
-                    <dgm:constr type="w" for="ch" forName="textBox4a" refType="w" fact="0.11"/>
-                    <dgm:constr type="h" for="ch" forName="textBox4a" refType="h" fact="0.762"/>
-                    <dgm:constr type="userA" refType="h" refFor="ch" refForName="bullet4a" fact="0.53"/>
-                    <dgm:constr type="rMarg" for="ch" forName="textBox4a" refType="userA" fact="2.834"/>
-                    <dgm:constr type="ctrX" for="ch" forName="bullet4b" refType="w" fact="0.281"/>
-                    <dgm:constr type="ctrY" for="ch" forName="bullet4b" refType="h" fact="0.543"/>
-                    <dgm:constr type="w" for="ch" forName="bullet4b" refType="w" fact="0.04"/>
-                    <dgm:constr type="h" for="ch" forName="bullet4b" refType="w" refFor="ch" refForName="bullet4b"/>
-                    <dgm:constr type="r" for="ch" forName="textBox4b" refType="ctrX" refFor="ch" refForName="bullet4b"/>
-                    <dgm:constr type="b" for="ch" forName="textBox4b" refType="ctrY" refFor="ch" refForName="bullet4b"/>
-                    <dgm:constr type="w" for="ch" forName="textBox4b" refType="w" fact="0.171"/>
-                    <dgm:constr type="h" for="ch" forName="textBox4b" refType="h" fact="0.543"/>
-                    <dgm:constr type="userB" refType="h" refFor="ch" refForName="bullet4b" fact="0.53"/>
-                    <dgm:constr type="rMarg" for="ch" forName="textBox4b" refType="userB" fact="2.834"/>
-                    <dgm:constr type="ctrX" for="ch" forName="bullet4c" refType="w" fact="0.495"/>
-                    <dgm:constr type="ctrY" for="ch" forName="bullet4c" refType="h" fact="0.382"/>
-                    <dgm:constr type="w" for="ch" forName="bullet4c" refType="w" fact="0.053"/>
-                    <dgm:constr type="h" for="ch" forName="bullet4c" refType="w" refFor="ch" refForName="bullet4c"/>
-                    <dgm:constr type="r" for="ch" forName="textBox4c" refType="ctrX" refFor="ch" refForName="bullet4c"/>
-                    <dgm:constr type="b" for="ch" forName="textBox4c" refType="ctrY" refFor="ch" refForName="bullet4c"/>
-                    <dgm:constr type="w" for="ch" forName="textBox4c" refType="w" fact="0.21"/>
-                    <dgm:constr type="h" for="ch" forName="textBox4c" refType="h" fact="0.382"/>
-                    <dgm:constr type="userC" refType="h" refFor="ch" refForName="bullet4c" fact="0.53"/>
-                    <dgm:constr type="rMarg" for="ch" forName="textBox4c" refType="userC" fact="2.834"/>
-                    <dgm:constr type="ctrX" for="ch" forName="bullet4d" refType="w" fact="0.73"/>
-                    <dgm:constr type="ctrY" for="ch" forName="bullet4d" refType="h" fact="0.283"/>
-                    <dgm:constr type="w" for="ch" forName="bullet4d" refType="w" fact="0.071"/>
-                    <dgm:constr type="h" for="ch" forName="bullet4d" refType="w" refFor="ch" refForName="bullet4d"/>
-                    <dgm:constr type="r" for="ch" forName="textBox4d" refType="ctrX" refFor="ch" refForName="bullet4d"/>
-                    <dgm:constr type="b" for="ch" forName="textBox4d" refType="ctrY" refFor="ch" refForName="bullet4d"/>
-                    <dgm:constr type="w" for="ch" forName="textBox4d" refType="w" fact="0.21"/>
-                    <dgm:constr type="h" for="ch" forName="textBox4d" refType="h" fact="0.283"/>
-                    <dgm:constr type="userD" refType="h" refFor="ch" refForName="bullet4d" fact="0.53"/>
-                    <dgm:constr type="rMarg" for="ch" forName="textBox4d" refType="userD" fact="2.834"/>
-                    <dgm:constr type="primFontSz" for="ch" ptType="node" op="equ" val="65"/>
-                  </dgm:constrLst>
-                </dgm:else>
-              </dgm:choose>
-              <dgm:ruleLst/>
-              <dgm:forEach name="Name83" axis="ch" ptType="node" cnt="1">
-                <dgm:layoutNode name="bullet4a" styleLbl="node1">
-                  <dgm:alg type="sp"/>
-                  <dgm:shape xmlns:r="http://schemas.openxmlformats.org/officeDocument/2006/relationships" type="ellipse" r:blip="">
-                    <dgm:adjLst/>
-                  </dgm:shape>
-                  <dgm:presOf/>
-                  <dgm:constrLst/>
-                  <dgm:ruleLst/>
-                </dgm:layoutNode>
-                <dgm:layoutNode name="textBox4a" styleLbl="revTx">
-                  <dgm:varLst>
-                    <dgm:bulletEnabled val="1"/>
-                  </dgm:varLst>
-                  <dgm:choose name="Name84">
-                    <dgm:if name="Name85" func="var" arg="dir" op="equ" val="norm">
-                      <dgm:choose name="Name86">
-                        <dgm:if name="Name87" axis="root des" ptType="all node" func="maxDepth" op="gt" val="1">
-                          <dgm:alg type="tx">
-                            <dgm:param type="txAnchorVert" val="t"/>
-                            <dgm:param type="parTxLTRAlign" val="l"/>
-                            <dgm:param type="parTxRTLAlign" val="r"/>
-                          </dgm:alg>
-                        </dgm:if>
-                        <dgm:else name="Name88">
-                          <dgm:alg type="tx">
-                            <dgm:param type="txAnchorVert" val="t"/>
-                            <dgm:param type="parTxLTRAlign" val="l"/>
-                            <dgm:param type="parTxRTLAlign" val="l"/>
-                          </dgm:alg>
-                        </dgm:else>
-                      </dgm:choose>
-                    </dgm:if>
-                    <dgm:else name="Name89">
-                      <dgm:choose name="Name90">
-                        <dgm:if name="Name91" axis="root des" ptType="all node" func="maxDepth" op="gt" val="1">
-                          <dgm:alg type="tx">
-                            <dgm:param type="txAnchorVert" val="b"/>
-                            <dgm:param type="txAnchorVertCh" val="b"/>
-                            <dgm:param type="parTxLTRAlign" val="l"/>
-                            <dgm:param type="parTxRTLAlign" val="r"/>
-                          </dgm:alg>
-                        </dgm:if>
-                        <dgm:else name="Name92">
-                          <dgm:alg type="tx">
-                            <dgm:param type="txAnchorVert" val="b"/>
-                            <dgm:param type="parTxLTRAlign" val="r"/>
-                            <dgm:param type="parTxRTLAlign" val="r"/>
-                          </dgm:alg>
-                        </dgm:else>
-                      </dgm:choose>
-                    </dgm:else>
-                  </dgm:choose>
-                  <dgm:shape xmlns:r="http://schemas.openxmlformats.org/officeDocument/2006/relationships" type="rect" r:blip="">
-                    <dgm:adjLst/>
-                  </dgm:shape>
-                  <dgm:presOf axis="desOrSelf" ptType="node"/>
-                  <dgm:choose name="Name93">
-                    <dgm:if name="Name94" func="var" arg="dir" op="equ" val="norm">
-                      <dgm:constrLst>
-                        <dgm:constr type="rMarg"/>
-                        <dgm:constr type="tMarg"/>
-                        <dgm:constr type="bMarg"/>
-                      </dgm:constrLst>
-                    </dgm:if>
-                    <dgm:else name="Name95">
-                      <dgm:constrLst>
-                        <dgm:constr type="lMarg"/>
-                        <dgm:constr type="tMarg"/>
-                        <dgm:constr type="bMarg"/>
-                      </dgm:constrLst>
-                    </dgm:else>
-                  </dgm:choose>
-                  <dgm:ruleLst>
-                    <dgm:rule type="primFontSz" val="5" fact="NaN" max="NaN"/>
-                  </dgm:ruleLst>
-                </dgm:layoutNode>
-              </dgm:forEach>
-              <dgm:forEach name="Name96" axis="ch" ptType="node" st="2" cnt="1">
-                <dgm:layoutNode name="bullet4b" styleLbl="node1">
-                  <dgm:alg type="sp"/>
-                  <dgm:shape xmlns:r="http://schemas.openxmlformats.org/officeDocument/2006/relationships" type="ellipse" r:blip="">
-                    <dgm:adjLst/>
-                  </dgm:shape>
-                  <dgm:presOf/>
-                  <dgm:constrLst/>
-                  <dgm:ruleLst/>
-                </dgm:layoutNode>
-                <dgm:layoutNode name="textBox4b" styleLbl="revTx">
-                  <dgm:varLst>
-                    <dgm:bulletEnabled val="1"/>
-                  </dgm:varLst>
-                  <dgm:choose name="Name97">
-                    <dgm:if name="Name98" func="var" arg="dir" op="equ" val="norm">
-                      <dgm:choose name="Name99">
-                        <dgm:if name="Name100" axis="root des" ptType="all node" func="maxDepth" op="gt" val="1">
-                          <dgm:alg type="tx">
-                            <dgm:param type="txAnchorVert" val="t"/>
-                            <dgm:param type="parTxLTRAlign" val="l"/>
-                            <dgm:param type="parTxRTLAlign" val="r"/>
-                          </dgm:alg>
-                        </dgm:if>
-                        <dgm:else name="Name101">
-                          <dgm:alg type="tx">
-                            <dgm:param type="txAnchorVert" val="t"/>
-                            <dgm:param type="parTxLTRAlign" val="l"/>
-                            <dgm:param type="parTxRTLAlign" val="l"/>
-                          </dgm:alg>
-                        </dgm:else>
-                      </dgm:choose>
-                    </dgm:if>
-                    <dgm:else name="Name102">
-                      <dgm:choose name="Name103">
-                        <dgm:if name="Name104" axis="root des" ptType="all node" func="maxDepth" op="gt" val="1">
-                          <dgm:alg type="tx">
-                            <dgm:param type="txAnchorVert" val="b"/>
-                            <dgm:param type="txAnchorVertCh" val="b"/>
-                            <dgm:param type="parTxLTRAlign" val="l"/>
-                            <dgm:param type="parTxRTLAlign" val="r"/>
-                          </dgm:alg>
-                        </dgm:if>
-                        <dgm:else name="Name105">
-                          <dgm:alg type="tx">
-                            <dgm:param type="txAnchorVert" val="b"/>
-                            <dgm:param type="parTxLTRAlign" val="r"/>
-                            <dgm:param type="parTxRTLAlign" val="r"/>
-                          </dgm:alg>
-                        </dgm:else>
-                      </dgm:choose>
-                    </dgm:else>
-                  </dgm:choose>
-                  <dgm:shape xmlns:r="http://schemas.openxmlformats.org/officeDocument/2006/relationships" type="rect" r:blip="">
-                    <dgm:adjLst/>
-                  </dgm:shape>
-                  <dgm:presOf axis="desOrSelf" ptType="node"/>
-                  <dgm:choose name="Name106">
-                    <dgm:if name="Name107" func="var" arg="dir" op="equ" val="norm">
-                      <dgm:constrLst>
-                        <dgm:constr type="rMarg"/>
-                        <dgm:constr type="tMarg"/>
-                        <dgm:constr type="bMarg"/>
-                      </dgm:constrLst>
-                    </dgm:if>
-                    <dgm:else name="Name108">
-                      <dgm:constrLst>
-                        <dgm:constr type="lMarg"/>
-                        <dgm:constr type="tMarg"/>
-                        <dgm:constr type="bMarg"/>
-                      </dgm:constrLst>
-                    </dgm:else>
-                  </dgm:choose>
-                  <dgm:ruleLst>
-                    <dgm:rule type="primFontSz" val="5" fact="NaN" max="NaN"/>
-                  </dgm:ruleLst>
-                </dgm:layoutNode>
-              </dgm:forEach>
-              <dgm:forEach name="Name109" axis="ch" ptType="node" st="3" cnt="1">
-                <dgm:layoutNode name="bullet4c" styleLbl="node1">
-                  <dgm:alg type="sp"/>
-                  <dgm:shape xmlns:r="http://schemas.openxmlformats.org/officeDocument/2006/relationships" type="ellipse" r:blip="">
-                    <dgm:adjLst/>
-                  </dgm:shape>
-                  <dgm:presOf/>
-                  <dgm:constrLst/>
-                  <dgm:ruleLst/>
-                </dgm:layoutNode>
-                <dgm:layoutNode name="textBox4c" styleLbl="revTx">
-                  <dgm:varLst>
-                    <dgm:bulletEnabled val="1"/>
-                  </dgm:varLst>
-                  <dgm:choose name="Name110">
-                    <dgm:if name="Name111" func="var" arg="dir" op="equ" val="norm">
-                      <dgm:choose name="Name112">
-                        <dgm:if name="Name113" axis="root des" ptType="all node" func="maxDepth" op="gt" val="1">
-                          <dgm:alg type="tx">
-                            <dgm:param type="txAnchorVert" val="t"/>
-                            <dgm:param type="parTxLTRAlign" val="l"/>
-                            <dgm:param type="parTxRTLAlign" val="r"/>
-                          </dgm:alg>
-                        </dgm:if>
-                        <dgm:else name="Name114">
-                          <dgm:alg type="tx">
-                            <dgm:param type="txAnchorVert" val="t"/>
-                            <dgm:param type="parTxLTRAlign" val="l"/>
-                            <dgm:param type="parTxRTLAlign" val="l"/>
-                          </dgm:alg>
-                        </dgm:else>
-                      </dgm:choose>
-                    </dgm:if>
-                    <dgm:else name="Name115">
-                      <dgm:choose name="Name116">
-                        <dgm:if name="Name117" axis="root des" ptType="all node" func="maxDepth" op="gt" val="1">
-                          <dgm:alg type="tx">
-                            <dgm:param type="txAnchorVert" val="b"/>
-                            <dgm:param type="txAnchorVertCh" val="b"/>
-                            <dgm:param type="parTxLTRAlign" val="l"/>
-                            <dgm:param type="parTxRTLAlign" val="r"/>
-                          </dgm:alg>
-                        </dgm:if>
-                        <dgm:else name="Name118">
-                          <dgm:alg type="tx">
-                            <dgm:param type="txAnchorVert" val="b"/>
-                            <dgm:param type="parTxLTRAlign" val="r"/>
-                            <dgm:param type="parTxRTLAlign" val="r"/>
-                          </dgm:alg>
-                        </dgm:else>
-                      </dgm:choose>
-                    </dgm:else>
-                  </dgm:choose>
-                  <dgm:shape xmlns:r="http://schemas.openxmlformats.org/officeDocument/2006/relationships" type="rect" r:blip="">
-                    <dgm:adjLst/>
-                  </dgm:shape>
-                  <dgm:presOf axis="desOrSelf" ptType="node"/>
-                  <dgm:choose name="Name119">
-                    <dgm:if name="Name120" func="var" arg="dir" op="equ" val="norm">
-                      <dgm:constrLst>
-                        <dgm:constr type="rMarg"/>
-                        <dgm:constr type="tMarg"/>
-                        <dgm:constr type="bMarg"/>
-                      </dgm:constrLst>
-                    </dgm:if>
-                    <dgm:else name="Name121">
-                      <dgm:constrLst>
-                        <dgm:constr type="lMarg"/>
-                        <dgm:constr type="tMarg"/>
-                        <dgm:constr type="bMarg"/>
-                      </dgm:constrLst>
-                    </dgm:else>
-                  </dgm:choose>
-                  <dgm:ruleLst>
-                    <dgm:rule type="primFontSz" val="5" fact="NaN" max="NaN"/>
-                  </dgm:ruleLst>
-                </dgm:layoutNode>
-              </dgm:forEach>
-              <dgm:forEach name="Name122" axis="ch" ptType="node" st="4" cnt="1">
-                <dgm:layoutNode name="bullet4d" styleLbl="node1">
-                  <dgm:alg type="sp"/>
-                  <dgm:shape xmlns:r="http://schemas.openxmlformats.org/officeDocument/2006/relationships" type="ellipse" r:blip="">
-                    <dgm:adjLst/>
-                  </dgm:shape>
-                  <dgm:presOf/>
-                  <dgm:constrLst/>
-                  <dgm:ruleLst/>
-                </dgm:layoutNode>
-                <dgm:layoutNode name="textBox4d" styleLbl="revTx">
-                  <dgm:varLst>
-                    <dgm:bulletEnabled val="1"/>
-                  </dgm:varLst>
-                  <dgm:choose name="Name123">
-                    <dgm:if name="Name124" func="var" arg="dir" op="equ" val="norm">
-                      <dgm:choose name="Name125">
-                        <dgm:if name="Name126" axis="root des" ptType="all node" func="maxDepth" op="gt" val="1">
-                          <dgm:alg type="tx">
-                            <dgm:param type="txAnchorVert" val="t"/>
-                            <dgm:param type="parTxLTRAlign" val="l"/>
-                            <dgm:param type="parTxRTLAlign" val="r"/>
-                          </dgm:alg>
-                        </dgm:if>
-                        <dgm:else name="Name127">
-                          <dgm:alg type="tx">
-                            <dgm:param type="txAnchorVert" val="t"/>
-                            <dgm:param type="parTxLTRAlign" val="l"/>
-                            <dgm:param type="parTxRTLAlign" val="l"/>
-                          </dgm:alg>
-                        </dgm:else>
-                      </dgm:choose>
-                    </dgm:if>
-                    <dgm:else name="Name128">
-                      <dgm:choose name="Name129">
-                        <dgm:if name="Name130" axis="root des" ptType="all node" func="maxDepth" op="gt" val="1">
-                          <dgm:alg type="tx">
-                            <dgm:param type="txAnchorVert" val="b"/>
-                            <dgm:param type="txAnchorVertCh" val="b"/>
-                            <dgm:param type="parTxLTRAlign" val="l"/>
-                            <dgm:param type="parTxRTLAlign" val="r"/>
-                          </dgm:alg>
-                        </dgm:if>
-                        <dgm:else name="Name131">
-                          <dgm:alg type="tx">
-                            <dgm:param type="txAnchorVert" val="b"/>
-                            <dgm:param type="parTxLTRAlign" val="r"/>
-                            <dgm:param type="parTxRTLAlign" val="r"/>
-                          </dgm:alg>
-                        </dgm:else>
-                      </dgm:choose>
-                    </dgm:else>
-                  </dgm:choose>
-                  <dgm:shape xmlns:r="http://schemas.openxmlformats.org/officeDocument/2006/relationships" type="rect" r:blip="">
-                    <dgm:adjLst/>
-                  </dgm:shape>
-                  <dgm:presOf axis="desOrSelf" ptType="node"/>
-                  <dgm:choose name="Name132">
-                    <dgm:if name="Name133" func="var" arg="dir" op="equ" val="norm">
-                      <dgm:constrLst>
-                        <dgm:constr type="rMarg"/>
-                        <dgm:constr type="tMarg"/>
-                        <dgm:constr type="bMarg"/>
-                      </dgm:constrLst>
-                    </dgm:if>
-                    <dgm:else name="Name134">
-                      <dgm:constrLst>
-                        <dgm:constr type="lMarg"/>
-                        <dgm:constr type="tMarg"/>
-                        <dgm:constr type="bMarg"/>
-                      </dgm:constrLst>
-                    </dgm:else>
-                  </dgm:choose>
-                  <dgm:ruleLst>
-                    <dgm:rule type="primFontSz" val="5" fact="NaN" max="NaN"/>
-                  </dgm:ruleLst>
-                </dgm:layoutNode>
-              </dgm:forEach>
-            </dgm:layoutNode>
-          </dgm:if>
-          <dgm:else name="Name135">
-            <dgm:layoutNode name="arrowDiagram5">
-              <dgm:alg type="composite">
-                <dgm:param type="vertAlign" val="none"/>
-                <dgm:param type="horzAlign" val="none"/>
-              </dgm:alg>
-              <dgm:shape xmlns:r="http://schemas.openxmlformats.org/officeDocument/2006/relationships" r:blip="">
-                <dgm:adjLst/>
-              </dgm:shape>
-              <dgm:presOf/>
-              <dgm:choose name="Name136">
-                <dgm:if name="Name137" func="var" arg="dir" op="equ" val="norm">
-                  <dgm:constrLst>
-                    <dgm:constr type="ctrX" for="ch" forName="bullet5a" refType="w" fact="0.11"/>
-                    <dgm:constr type="ctrY" for="ch" forName="bullet5a" refType="h" fact="0.762"/>
-                    <dgm:constr type="w" for="ch" forName="bullet5a" refType="w" fact="0.023"/>
-                    <dgm:constr type="h" for="ch" forName="bullet5a" refType="w" refFor="ch" refForName="bullet5a"/>
-                    <dgm:constr type="l" for="ch" forName="textBox5a" refType="ctrX" refFor="ch" refForName="bullet5a"/>
-                    <dgm:constr type="t" for="ch" forName="textBox5a" refType="ctrY" refFor="ch" refForName="bullet5a"/>
-                    <dgm:constr type="w" for="ch" forName="textBox5a" refType="w" fact="0.131"/>
-                    <dgm:constr type="h" for="ch" forName="textBox5a" refType="h" fact="0.238"/>
-                    <dgm:constr type="userA" refType="h" refFor="ch" refForName="bullet5a" fact="0.53"/>
-                    <dgm:constr type="lMarg" for="ch" forName="textBox5a" refType="userA" fact="2.834"/>
-                    <dgm:constr type="ctrX" for="ch" forName="bullet5b" refType="w" fact="0.241"/>
-                    <dgm:constr type="ctrY" for="ch" forName="bullet5b" refType="h" fact="0.581"/>
-                    <dgm:constr type="w" for="ch" forName="bullet5b" refType="w" fact="0.036"/>
-                    <dgm:constr type="h" for="ch" forName="bullet5b" refType="w" refFor="ch" refForName="bullet5b"/>
-                    <dgm:constr type="l" for="ch" forName="textBox5b" refType="ctrX" refFor="ch" refForName="bullet5b"/>
-                    <dgm:constr type="t" for="ch" forName="textBox5b" refType="ctrY" refFor="ch" refForName="bullet5b"/>
-                    <dgm:constr type="w" for="ch" forName="textBox5b" refType="w" fact="0.166"/>
-                    <dgm:constr type="h" for="ch" forName="textBox5b" refType="h" fact="0.419"/>
-                    <dgm:constr type="userB" refType="h" refFor="ch" refForName="bullet5b" fact="0.53"/>
-                    <dgm:constr type="lMarg" for="ch" forName="textBox5b" refType="userB" fact="2.834"/>
-                    <dgm:constr type="ctrX" for="ch" forName="bullet5c" refType="w" fact="0.407"/>
-                    <dgm:constr type="ctrY" for="ch" forName="bullet5c" refType="h" fact="0.438"/>
-                    <dgm:constr type="w" for="ch" forName="bullet5c" refType="w" fact="0.048"/>
-                    <dgm:constr type="h" for="ch" forName="bullet5c" refType="w" refFor="ch" refForName="bullet5c"/>
-                    <dgm:constr type="l" for="ch" forName="textBox5c" refType="ctrX" refFor="ch" refForName="bullet5c"/>
-                    <dgm:constr type="t" for="ch" forName="textBox5c" refType="ctrY" refFor="ch" refForName="bullet5c"/>
-                    <dgm:constr type="w" for="ch" forName="textBox5c" refType="w" fact="0.193"/>
-                    <dgm:constr type="h" for="ch" forName="textBox5c" refType="h" fact="0.562"/>
-                    <dgm:constr type="userC" refType="h" refFor="ch" refForName="bullet5c" fact="0.53"/>
-                    <dgm:constr type="lMarg" for="ch" forName="textBox5c" refType="userC" fact="2.834"/>
-                    <dgm:constr type="ctrX" for="ch" forName="bullet5d" refType="w" fact="0.6"/>
-                    <dgm:constr type="ctrY" for="ch" forName="bullet5d" refType="h" fact="0.33"/>
-                    <dgm:constr type="w" for="ch" forName="bullet5d" refType="w" fact="0.062"/>
-                    <dgm:constr type="h" for="ch" forName="bullet5d" refType="w" refFor="ch" refForName="bullet5d"/>
-                    <dgm:constr type="l" for="ch" forName="textBox5d" refType="ctrX" refFor="ch" refForName="bullet5d"/>
-                    <dgm:constr type="t" for="ch" forName="textBox5d" refType="ctrY" refFor="ch" refForName="bullet5d"/>
-                    <dgm:constr type="w" for="ch" forName="textBox5d" refType="w" fact="0.2"/>
-                    <dgm:constr type="h" for="ch" forName="textBox5d" refType="h" fact="0.67"/>
-                    <dgm:constr type="userD" refType="h" refFor="ch" refForName="bullet5d" fact="0.53"/>
-                    <dgm:constr type="lMarg" for="ch" forName="textBox5d" refType="userD" fact="2.834"/>
-                    <dgm:constr type="ctrX" for="ch" forName="bullet5e" refType="w" fact="0.8"/>
-                    <dgm:constr type="ctrY" for="ch" forName="bullet5e" refType="h" fact="0.264"/>
-                    <dgm:constr type="w" for="ch" forName="bullet5e" refType="w" fact="0.079"/>
-                    <dgm:constr type="h" for="ch" forName="bullet5e" refType="w" refFor="ch" refForName="bullet5e"/>
-                    <dgm:constr type="l" for="ch" forName="textBox5e" refType="ctrX" refFor="ch" refForName="bullet5e"/>
-                    <dgm:constr type="t" for="ch" forName="textBox5e" refType="ctrY" refFor="ch" refForName="bullet5e"/>
-                    <dgm:constr type="w" for="ch" forName="textBox5e" refType="w" fact="0.2"/>
-                    <dgm:constr type="h" for="ch" forName="textBox5e" refType="h" fact="0.736"/>
-                    <dgm:constr type="userE" refType="h" refFor="ch" refForName="bullet5e" fact="0.53"/>
-                    <dgm:constr type="lMarg" for="ch" forName="textBox5e" refType="userE" fact="2.834"/>
-                    <dgm:constr type="primFontSz" for="ch" ptType="node" op="equ" val="65"/>
-                  </dgm:constrLst>
-                </dgm:if>
-                <dgm:else name="Name138">
-                  <dgm:constrLst>
-                    <dgm:constr type="ctrX" for="ch" forName="bullet5a" refType="w" fact="0.11"/>
-                    <dgm:constr type="ctrY" for="ch" forName="bullet5a" refType="h" fact="0.762"/>
-                    <dgm:constr type="w" for="ch" forName="bullet5a" refType="w" fact="0.023"/>
-                    <dgm:constr type="h" for="ch" forName="bullet5a" refType="w" refFor="ch" refForName="bullet5a"/>
-                    <dgm:constr type="r" for="ch" forName="textBox5a" refType="ctrX" refFor="ch" refForName="bullet5a"/>
-                    <dgm:constr type="b" for="ch" forName="textBox5a" refType="ctrY" refFor="ch" refForName="bullet5a"/>
-                    <dgm:constr type="w" for="ch" forName="textBox5a" refType="w" fact="0.11"/>
-                    <dgm:constr type="h" for="ch" forName="textBox5a" refType="h" fact="0.762"/>
-                    <dgm:constr type="userA" refType="h" refFor="ch" refForName="bullet5a" fact="0.53"/>
-                    <dgm:constr type="rMarg" for="ch" forName="textBox5a" refType="userA" fact="2.834"/>
-                    <dgm:constr type="ctrX" for="ch" forName="bullet5b" refType="w" fact="0.241"/>
-                    <dgm:constr type="ctrY" for="ch" forName="bullet5b" refType="h" fact="0.581"/>
-                    <dgm:constr type="w" for="ch" forName="bullet5b" refType="w" fact="0.036"/>
-                    <dgm:constr type="h" for="ch" forName="bullet5b" refType="w" refFor="ch" refForName="bullet5b"/>
-                    <dgm:constr type="r" for="ch" forName="textBox5b" refType="ctrX" refFor="ch" refForName="bullet5b"/>
-                    <dgm:constr type="b" for="ch" forName="textBox5b" refType="ctrY" refFor="ch" refForName="bullet5b"/>
-                    <dgm:constr type="w" for="ch" forName="textBox5b" refType="w" fact="0.131"/>
-                    <dgm:constr type="h" for="ch" forName="textBox5b" refType="h" fact="0.581"/>
-                    <dgm:constr type="userB" refType="h" refFor="ch" refForName="bullet5b" fact="0.53"/>
-                    <dgm:constr type="rMarg" for="ch" forName="textBox5b" refType="userB" fact="2.834"/>
-                    <dgm:constr type="ctrX" for="ch" forName="bullet5c" refType="w" fact="0.407"/>
-                    <dgm:constr type="ctrY" for="ch" forName="bullet5c" refType="h" fact="0.438"/>
-                    <dgm:constr type="w" for="ch" forName="bullet5c" refType="w" fact="0.048"/>
-                    <dgm:constr type="h" for="ch" forName="bullet5c" refType="w" refFor="ch" refForName="bullet5c"/>
-                    <dgm:constr type="r" for="ch" forName="textBox5c" refType="ctrX" refFor="ch" refForName="bullet5c"/>
-                    <dgm:constr type="b" for="ch" forName="textBox5c" refType="ctrY" refFor="ch" refForName="bullet5c"/>
-                    <dgm:constr type="w" for="ch" forName="textBox5c" refType="w" fact="0.166"/>
-                    <dgm:constr type="h" for="ch" forName="textBox5c" refType="h" fact="0.438"/>
-                    <dgm:constr type="userC" refType="h" refFor="ch" refForName="bullet5c" fact="0.53"/>
-                    <dgm:constr type="rMarg" for="ch" forName="textBox5c" refType="userC" fact="2.834"/>
-                    <dgm:constr type="ctrX" for="ch" forName="bullet5d" refType="w" fact="0.6"/>
-                    <dgm:constr type="ctrY" for="ch" forName="bullet5d" refType="h" fact="0.33"/>
-                    <dgm:constr type="w" for="ch" forName="bullet5d" refType="w" fact="0.062"/>
-                    <dgm:constr type="h" for="ch" forName="bullet5d" refType="w" refFor="ch" refForName="bullet5d"/>
-                    <dgm:constr type="r" for="ch" forName="textBox5d" refType="ctrX" refFor="ch" refForName="bullet5d"/>
-                    <dgm:constr type="b" for="ch" forName="textBox5d" refType="ctrY" refFor="ch" refForName="bullet5d"/>
-                    <dgm:constr type="w" for="ch" forName="textBox5d" refType="w" fact="0.193"/>
-                    <dgm:constr type="h" for="ch" forName="textBox5d" refType="h" fact="0.33"/>
-                    <dgm:constr type="userD" refType="h" refFor="ch" refForName="bullet5d" fact="0.53"/>
-                    <dgm:constr type="rMarg" for="ch" forName="textBox5d" refType="userD" fact="2.834"/>
-                    <dgm:constr type="ctrX" for="ch" forName="bullet5e" refType="w" fact="0.8"/>
-                    <dgm:constr type="ctrY" for="ch" forName="bullet5e" refType="h" fact="0.264"/>
-                    <dgm:constr type="w" for="ch" forName="bullet5e" refType="w" fact="0.079"/>
-                    <dgm:constr type="h" for="ch" forName="bullet5e" refType="w" refFor="ch" refForName="bullet5e"/>
-                    <dgm:constr type="r" for="ch" forName="textBox5e" refType="ctrX" refFor="ch" refForName="bullet5e"/>
-                    <dgm:constr type="b" for="ch" forName="textBox5e" refType="ctrY" refFor="ch" refForName="bullet5e"/>
-                    <dgm:constr type="w" for="ch" forName="textBox5e" refType="w" fact="0.2"/>
-                    <dgm:constr type="h" for="ch" forName="textBox5e" refType="h" fact="0.264"/>
-                    <dgm:constr type="userE" refType="h" refFor="ch" refForName="bullet5e" fact="0.53"/>
-                    <dgm:constr type="rMarg" for="ch" forName="textBox5e" refType="userE" fact="2.834"/>
-                    <dgm:constr type="primFontSz" for="ch" ptType="node" op="equ" val="65"/>
-                  </dgm:constrLst>
-                </dgm:else>
-              </dgm:choose>
-              <dgm:ruleLst/>
-              <dgm:forEach name="Name139" axis="ch" ptType="node" cnt="1">
-                <dgm:layoutNode name="bullet5a" styleLbl="node1">
-                  <dgm:alg type="sp"/>
-                  <dgm:shape xmlns:r="http://schemas.openxmlformats.org/officeDocument/2006/relationships" type="ellipse" r:blip="">
-                    <dgm:adjLst/>
-                  </dgm:shape>
-                  <dgm:presOf/>
-                  <dgm:constrLst/>
-                  <dgm:ruleLst/>
-                </dgm:layoutNode>
-                <dgm:layoutNode name="textBox5a" styleLbl="revTx">
-                  <dgm:varLst>
-                    <dgm:bulletEnabled val="1"/>
-                  </dgm:varLst>
-                  <dgm:choose name="Name140">
-                    <dgm:if name="Name141" func="var" arg="dir" op="equ" val="norm">
-                      <dgm:choose name="Name142">
-                        <dgm:if name="Name143" axis="root des" ptType="all node" func="maxDepth" op="gt" val="1">
-                          <dgm:alg type="tx">
-                            <dgm:param type="txAnchorVert" val="t"/>
-                            <dgm:param type="parTxLTRAlign" val="l"/>
-                            <dgm:param type="parTxRTLAlign" val="r"/>
-                          </dgm:alg>
-                        </dgm:if>
-                        <dgm:else name="Name144">
-                          <dgm:alg type="tx">
-                            <dgm:param type="txAnchorVert" val="t"/>
-                            <dgm:param type="parTxLTRAlign" val="l"/>
-                            <dgm:param type="parTxRTLAlign" val="l"/>
-                          </dgm:alg>
-                        </dgm:else>
-                      </dgm:choose>
-                    </dgm:if>
-                    <dgm:else name="Name145">
-                      <dgm:choose name="Name146">
-                        <dgm:if name="Name147" axis="root des" ptType="all node" func="maxDepth" op="gt" val="1">
-                          <dgm:alg type="tx">
-                            <dgm:param type="txAnchorVert" val="b"/>
-                            <dgm:param type="txAnchorVertCh" val="b"/>
-                            <dgm:param type="parTxLTRAlign" val="l"/>
-                            <dgm:param type="parTxRTLAlign" val="r"/>
-                          </dgm:alg>
-                        </dgm:if>
-                        <dgm:else name="Name148">
-                          <dgm:alg type="tx">
-                            <dgm:param type="txAnchorVert" val="b"/>
-                            <dgm:param type="parTxLTRAlign" val="r"/>
-                            <dgm:param type="parTxRTLAlign" val="r"/>
-                          </dgm:alg>
-                        </dgm:else>
-                      </dgm:choose>
-                    </dgm:else>
-                  </dgm:choose>
-                  <dgm:shape xmlns:r="http://schemas.openxmlformats.org/officeDocument/2006/relationships" type="rect" r:blip="">
-                    <dgm:adjLst/>
-                  </dgm:shape>
-                  <dgm:presOf axis="desOrSelf" ptType="node"/>
-                  <dgm:choose name="Name149">
-                    <dgm:if name="Name150" func="var" arg="dir" op="equ" val="norm">
-                      <dgm:constrLst>
-                        <dgm:constr type="rMarg"/>
-                        <dgm:constr type="tMarg"/>
-                        <dgm:constr type="bMarg"/>
-                      </dgm:constrLst>
-                    </dgm:if>
-                    <dgm:else name="Name151">
-                      <dgm:constrLst>
-                        <dgm:constr type="lMarg"/>
-                        <dgm:constr type="tMarg"/>
-                        <dgm:constr type="bMarg"/>
-                      </dgm:constrLst>
-                    </dgm:else>
-                  </dgm:choose>
-                  <dgm:ruleLst>
-                    <dgm:rule type="primFontSz" val="5" fact="NaN" max="NaN"/>
-                  </dgm:ruleLst>
-                </dgm:layoutNode>
-              </dgm:forEach>
-              <dgm:forEach name="Name152" axis="ch" ptType="node" st="2" cnt="1">
-                <dgm:layoutNode name="bullet5b" styleLbl="node1">
-                  <dgm:alg type="sp"/>
-                  <dgm:shape xmlns:r="http://schemas.openxmlformats.org/officeDocument/2006/relationships" type="ellipse" r:blip="">
-                    <dgm:adjLst/>
-                  </dgm:shape>
-                  <dgm:presOf/>
-                  <dgm:constrLst/>
-                  <dgm:ruleLst/>
-                </dgm:layoutNode>
-                <dgm:layoutNode name="textBox5b" styleLbl="revTx">
-                  <dgm:varLst>
-                    <dgm:bulletEnabled val="1"/>
-                  </dgm:varLst>
-                  <dgm:choose name="Name153">
-                    <dgm:if name="Name154" func="var" arg="dir" op="equ" val="norm">
-                      <dgm:choose name="Name155">
-                        <dgm:if name="Name156" axis="root des" ptType="all node" func="maxDepth" op="gt" val="1">
-                          <dgm:alg type="tx">
-                            <dgm:param type="txAnchorVert" val="t"/>
-                            <dgm:param type="parTxLTRAlign" val="l"/>
-                            <dgm:param type="parTxRTLAlign" val="r"/>
-                          </dgm:alg>
-                        </dgm:if>
-                        <dgm:else name="Name157">
-                          <dgm:alg type="tx">
-                            <dgm:param type="txAnchorVert" val="t"/>
-                            <dgm:param type="parTxLTRAlign" val="l"/>
-                            <dgm:param type="parTxRTLAlign" val="l"/>
-                          </dgm:alg>
-                        </dgm:else>
-                      </dgm:choose>
-                    </dgm:if>
-                    <dgm:else name="Name158">
-                      <dgm:choose name="Name159">
-                        <dgm:if name="Name160" axis="root des" ptType="all node" func="maxDepth" op="gt" val="1">
-                          <dgm:alg type="tx">
-                            <dgm:param type="txAnchorVert" val="b"/>
-                            <dgm:param type="txAnchorVertCh" val="b"/>
-                            <dgm:param type="parTxLTRAlign" val="l"/>
-                            <dgm:param type="parTxRTLAlign" val="r"/>
-                          </dgm:alg>
-                        </dgm:if>
-                        <dgm:else name="Name161">
-                          <dgm:alg type="tx">
-                            <dgm:param type="txAnchorVert" val="b"/>
-                            <dgm:param type="parTxLTRAlign" val="r"/>
-                            <dgm:param type="parTxRTLAlign" val="r"/>
-                          </dgm:alg>
-                        </dgm:else>
-                      </dgm:choose>
-                    </dgm:else>
-                  </dgm:choose>
-                  <dgm:shape xmlns:r="http://schemas.openxmlformats.org/officeDocument/2006/relationships" type="rect" r:blip="">
-                    <dgm:adjLst/>
-                  </dgm:shape>
-                  <dgm:presOf axis="desOrSelf" ptType="node"/>
-                  <dgm:choose name="Name162">
-                    <dgm:if name="Name163" func="var" arg="dir" op="equ" val="norm">
-                      <dgm:constrLst>
-                        <dgm:constr type="rMarg"/>
-                        <dgm:constr type="tMarg"/>
-                        <dgm:constr type="bMarg"/>
-                      </dgm:constrLst>
-                    </dgm:if>
-                    <dgm:else name="Name164">
-                      <dgm:constrLst>
-                        <dgm:constr type="lMarg"/>
-                        <dgm:constr type="tMarg"/>
-                        <dgm:constr type="bMarg"/>
-                      </dgm:constrLst>
-                    </dgm:else>
-                  </dgm:choose>
-                  <dgm:ruleLst>
-                    <dgm:rule type="primFontSz" val="5" fact="NaN" max="NaN"/>
-                  </dgm:ruleLst>
-                </dgm:layoutNode>
-              </dgm:forEach>
-              <dgm:forEach name="Name165" axis="ch" ptType="node" st="3" cnt="1">
-                <dgm:layoutNode name="bullet5c" styleLbl="node1">
-                  <dgm:alg type="sp"/>
-                  <dgm:shape xmlns:r="http://schemas.openxmlformats.org/officeDocument/2006/relationships" type="ellipse" r:blip="">
-                    <dgm:adjLst/>
-                  </dgm:shape>
-                  <dgm:presOf/>
-                  <dgm:constrLst/>
-                  <dgm:ruleLst/>
-                </dgm:layoutNode>
-                <dgm:layoutNode name="textBox5c" styleLbl="revTx">
-                  <dgm:varLst>
-                    <dgm:bulletEnabled val="1"/>
-                  </dgm:varLst>
-                  <dgm:choose name="Name166">
-                    <dgm:if name="Name167" func="var" arg="dir" op="equ" val="norm">
-                      <dgm:choose name="Name168">
-                        <dgm:if name="Name169" axis="root des" ptType="all node" func="maxDepth" op="gt" val="1">
-                          <dgm:alg type="tx">
-                            <dgm:param type="txAnchorVert" val="t"/>
-                            <dgm:param type="parTxLTRAlign" val="l"/>
-                            <dgm:param type="parTxRTLAlign" val="r"/>
-                          </dgm:alg>
-                        </dgm:if>
-                        <dgm:else name="Name170">
-                          <dgm:alg type="tx">
-                            <dgm:param type="txAnchorVert" val="t"/>
-                            <dgm:param type="parTxLTRAlign" val="l"/>
-                            <dgm:param type="parTxRTLAlign" val="l"/>
-                          </dgm:alg>
-                        </dgm:else>
-                      </dgm:choose>
-                    </dgm:if>
-                    <dgm:else name="Name171">
-                      <dgm:choose name="Name172">
-                        <dgm:if name="Name173" axis="root des" ptType="all node" func="maxDepth" op="gt" val="1">
-                          <dgm:alg type="tx">
-                            <dgm:param type="txAnchorVert" val="b"/>
-                            <dgm:param type="txAnchorVertCh" val="b"/>
-                            <dgm:param type="parTxLTRAlign" val="l"/>
-                            <dgm:param type="parTxRTLAlign" val="r"/>
-                          </dgm:alg>
-                        </dgm:if>
-                        <dgm:else name="Name174">
-                          <dgm:alg type="tx">
-                            <dgm:param type="txAnchorVert" val="b"/>
-                            <dgm:param type="parTxLTRAlign" val="r"/>
-                            <dgm:param type="parTxRTLAlign" val="r"/>
-                          </dgm:alg>
-                        </dgm:else>
-                      </dgm:choose>
-                    </dgm:else>
-                  </dgm:choose>
-                  <dgm:shape xmlns:r="http://schemas.openxmlformats.org/officeDocument/2006/relationships" type="rect" r:blip="">
-                    <dgm:adjLst/>
-                  </dgm:shape>
-                  <dgm:presOf axis="desOrSelf" ptType="node"/>
-                  <dgm:choose name="Name175">
-                    <dgm:if name="Name176" func="var" arg="dir" op="equ" val="norm">
-                      <dgm:constrLst>
-                        <dgm:constr type="rMarg"/>
-                        <dgm:constr type="tMarg"/>
-                        <dgm:constr type="bMarg"/>
-                      </dgm:constrLst>
-                    </dgm:if>
-                    <dgm:else name="Name177">
-                      <dgm:constrLst>
-                        <dgm:constr type="lMarg"/>
-                        <dgm:constr type="tMarg"/>
-                        <dgm:constr type="bMarg"/>
-                      </dgm:constrLst>
-                    </dgm:else>
-                  </dgm:choose>
-                  <dgm:ruleLst>
-                    <dgm:rule type="primFontSz" val="5" fact="NaN" max="NaN"/>
-                  </dgm:ruleLst>
-                </dgm:layoutNode>
-              </dgm:forEach>
-              <dgm:forEach name="Name178" axis="ch" ptType="node" st="4" cnt="1">
-                <dgm:layoutNode name="bullet5d" styleLbl="node1">
-                  <dgm:alg type="sp"/>
-                  <dgm:shape xmlns:r="http://schemas.openxmlformats.org/officeDocument/2006/relationships" type="ellipse" r:blip="">
-                    <dgm:adjLst/>
-                  </dgm:shape>
-                  <dgm:presOf/>
-                  <dgm:constrLst/>
-                  <dgm:ruleLst/>
-                </dgm:layoutNode>
-                <dgm:layoutNode name="textBox5d" styleLbl="revTx">
-                  <dgm:varLst>
-                    <dgm:bulletEnabled val="1"/>
-                  </dgm:varLst>
-                  <dgm:choose name="Name179">
-                    <dgm:if name="Name180" func="var" arg="dir" op="equ" val="norm">
-                      <dgm:choose name="Name181">
-                        <dgm:if name="Name182" axis="root des" ptType="all node" func="maxDepth" op="gt" val="1">
-                          <dgm:alg type="tx">
-                            <dgm:param type="txAnchorVert" val="t"/>
-                            <dgm:param type="parTxLTRAlign" val="l"/>
-                            <dgm:param type="parTxRTLAlign" val="r"/>
-                          </dgm:alg>
-                        </dgm:if>
-                        <dgm:else name="Name183">
-                          <dgm:alg type="tx">
-                            <dgm:param type="txAnchorVert" val="t"/>
-                            <dgm:param type="parTxLTRAlign" val="l"/>
-                            <dgm:param type="parTxRTLAlign" val="l"/>
-                          </dgm:alg>
-                        </dgm:else>
-                      </dgm:choose>
-                    </dgm:if>
-                    <dgm:else name="Name184">
-                      <dgm:choose name="Name185">
-                        <dgm:if name="Name186" axis="root des" ptType="all node" func="maxDepth" op="gt" val="1">
-                          <dgm:alg type="tx">
-                            <dgm:param type="txAnchorVert" val="b"/>
-                            <dgm:param type="txAnchorVertCh" val="b"/>
-                            <dgm:param type="parTxLTRAlign" val="l"/>
-                            <dgm:param type="parTxRTLAlign" val="r"/>
-                          </dgm:alg>
-                        </dgm:if>
-                        <dgm:else name="Name187">
-                          <dgm:alg type="tx">
-                            <dgm:param type="txAnchorVert" val="b"/>
-                            <dgm:param type="parTxLTRAlign" val="r"/>
-                            <dgm:param type="parTxRTLAlign" val="r"/>
-                          </dgm:alg>
-                        </dgm:else>
-                      </dgm:choose>
-                    </dgm:else>
-                  </dgm:choose>
-                  <dgm:shape xmlns:r="http://schemas.openxmlformats.org/officeDocument/2006/relationships" type="rect" r:blip="">
-                    <dgm:adjLst/>
-                  </dgm:shape>
-                  <dgm:presOf axis="desOrSelf" ptType="node"/>
-                  <dgm:choose name="Name188">
-                    <dgm:if name="Name189" func="var" arg="dir" op="equ" val="norm">
-                      <dgm:constrLst>
-                        <dgm:constr type="rMarg"/>
-                        <dgm:constr type="tMarg"/>
-                        <dgm:constr type="bMarg"/>
-                      </dgm:constrLst>
-                    </dgm:if>
-                    <dgm:else name="Name190">
-                      <dgm:constrLst>
-                        <dgm:constr type="lMarg"/>
-                        <dgm:constr type="tMarg"/>
-                        <dgm:constr type="bMarg"/>
-                      </dgm:constrLst>
-                    </dgm:else>
-                  </dgm:choose>
-                  <dgm:ruleLst>
-                    <dgm:rule type="primFontSz" val="5" fact="NaN" max="NaN"/>
-                  </dgm:ruleLst>
-                </dgm:layoutNode>
-              </dgm:forEach>
-              <dgm:forEach name="Name191" axis="ch" ptType="node" st="5" cnt="1">
-                <dgm:layoutNode name="bullet5e" styleLbl="node1">
-                  <dgm:alg type="sp"/>
-                  <dgm:shape xmlns:r="http://schemas.openxmlformats.org/officeDocument/2006/relationships" type="ellipse" r:blip="">
-                    <dgm:adjLst/>
-                  </dgm:shape>
-                  <dgm:presOf/>
-                  <dgm:constrLst/>
-                  <dgm:ruleLst/>
-                </dgm:layoutNode>
-                <dgm:layoutNode name="textBox5e" styleLbl="revTx">
-                  <dgm:varLst>
-                    <dgm:bulletEnabled val="1"/>
-                  </dgm:varLst>
-                  <dgm:choose name="Name192">
-                    <dgm:if name="Name193" func="var" arg="dir" op="equ" val="norm">
-                      <dgm:choose name="Name194">
-                        <dgm:if name="Name195" axis="root des" ptType="all node" func="maxDepth" op="gt" val="1">
-                          <dgm:alg type="tx">
-                            <dgm:param type="txAnchorVert" val="t"/>
-                            <dgm:param type="parTxLTRAlign" val="l"/>
-                            <dgm:param type="parTxRTLAlign" val="r"/>
-                          </dgm:alg>
-                        </dgm:if>
-                        <dgm:else name="Name196">
-                          <dgm:alg type="tx">
-                            <dgm:param type="txAnchorVert" val="t"/>
-                            <dgm:param type="parTxLTRAlign" val="l"/>
-                            <dgm:param type="parTxRTLAlign" val="l"/>
-                          </dgm:alg>
-                        </dgm:else>
-                      </dgm:choose>
-                    </dgm:if>
-                    <dgm:else name="Name197">
-                      <dgm:choose name="Name198">
-                        <dgm:if name="Name199" axis="root des" ptType="all node" func="maxDepth" op="gt" val="1">
-                          <dgm:alg type="tx">
-                            <dgm:param type="txAnchorVert" val="b"/>
-                            <dgm:param type="txAnchorVertCh" val="b"/>
-                            <dgm:param type="parTxLTRAlign" val="l"/>
-                            <dgm:param type="parTxRTLAlign" val="r"/>
-                          </dgm:alg>
-                        </dgm:if>
-                        <dgm:else name="Name200">
-                          <dgm:alg type="tx">
-                            <dgm:param type="txAnchorVert" val="b"/>
-                            <dgm:param type="parTxLTRAlign" val="r"/>
-                            <dgm:param type="parTxRTLAlign" val="r"/>
-                          </dgm:alg>
-                        </dgm:else>
-                      </dgm:choose>
-                    </dgm:else>
-                  </dgm:choose>
-                  <dgm:shape xmlns:r="http://schemas.openxmlformats.org/officeDocument/2006/relationships" type="rect" r:blip="">
-                    <dgm:adjLst/>
-                  </dgm:shape>
-                  <dgm:presOf axis="desOrSelf" ptType="node"/>
-                  <dgm:choose name="Name201">
-                    <dgm:if name="Name202" func="var" arg="dir" op="equ" val="norm">
-                      <dgm:constrLst>
-                        <dgm:constr type="rMarg"/>
-                        <dgm:constr type="tMarg"/>
-                        <dgm:constr type="bMarg"/>
-                      </dgm:constrLst>
-                    </dgm:if>
-                    <dgm:else name="Name203">
-                      <dgm:constrLst>
-                        <dgm:constr type="lMarg"/>
-                        <dgm:constr type="tMarg"/>
-                        <dgm:constr type="bMarg"/>
-                      </dgm:constrLst>
-                    </dgm:else>
-                  </dgm:choose>
-                  <dgm:ruleLst>
-                    <dgm:rule type="primFontSz" val="5" fact="NaN" max="NaN"/>
-                  </dgm:ruleLst>
-                </dgm:layoutNode>
-              </dgm:forEach>
-            </dgm:layoutNode>
-          </dgm:else>
-        </dgm:choose>
-      </dgm:if>
-      <dgm:else name="Name204"/>
-    </dgm:choose>
-  </dgm:layoutNode>
-</dgm:layoutDef>
-</file>
-
 <file path=ppt/diagrams/quickStyle1.xml><?xml version="1.0" encoding="utf-8"?>
 <dgm:styleDef xmlns:dgm="http://schemas.openxmlformats.org/drawingml/2006/diagram" xmlns:a="http://schemas.openxmlformats.org/drawingml/2006/main" uniqueId="urn:microsoft.com/office/officeart/2005/8/quickstyle/simple4">
   <dgm:title val=""/>
@@ -9088,1040 +5840,6 @@
 </dgm:styleDef>
 </file>
 
-<file path=ppt/diagrams/quickStyle2.xml><?xml version="1.0" encoding="utf-8"?>
-<dgm:styleDef xmlns:dgm="http://schemas.openxmlformats.org/drawingml/2006/diagram" xmlns:a="http://schemas.openxmlformats.org/drawingml/2006/main" uniqueId="urn:microsoft.com/office/officeart/2005/8/quickstyle/simple1">
-  <dgm:title val=""/>
-  <dgm:desc val=""/>
-  <dgm:catLst>
-    <dgm:cat type="simple" pri="10100"/>
-  </dgm:catLst>
-  <dgm:scene3d>
-    <a:camera prst="orthographicFront"/>
-    <a:lightRig rig="threePt" dir="t"/>
-  </dgm:scene3d>
-  <dgm:styleLbl name="node0">
-    <dgm:scene3d>
-      <a:camera prst="orthographicFront"/>
-      <a:lightRig rig="threePt" dir="t"/>
-    </dgm:scene3d>
-    <dgm:sp3d/>
-    <dgm:txPr/>
-    <dgm:style>
-      <a:lnRef idx="2">
-        <a:scrgbClr r="0" g="0" b="0"/>
-      </a:lnRef>
-      <a:fillRef idx="1">
-        <a:scrgbClr r="0" g="0" b="0"/>
-      </a:fillRef>
-      <a:effectRef idx="0">
-        <a:scrgbClr r="0" g="0" b="0"/>
-      </a:effectRef>
-      <a:fontRef idx="minor">
-        <a:schemeClr val="lt1"/>
-      </a:fontRef>
-    </dgm:style>
-  </dgm:styleLbl>
-  <dgm:styleLbl name="lnNode1">
-    <dgm:scene3d>
-      <a:camera prst="orthographicFront"/>
-      <a:lightRig rig="threePt" dir="t"/>
-    </dgm:scene3d>
-    <dgm:sp3d/>
-    <dgm:txPr/>
-    <dgm:style>
-      <a:lnRef idx="2">
-        <a:scrgbClr r="0" g="0" b="0"/>
-      </a:lnRef>
-      <a:fillRef idx="1">
-        <a:scrgbClr r="0" g="0" b="0"/>
-      </a:fillRef>
-      <a:effectRef idx="0">
-        <a:scrgbClr r="0" g="0" b="0"/>
-      </a:effectRef>
-      <a:fontRef idx="minor">
-        <a:schemeClr val="lt1"/>
-      </a:fontRef>
-    </dgm:style>
-  </dgm:styleLbl>
-  <dgm:styleLbl name="vennNode1">
-    <dgm:scene3d>
-      <a:camera prst="orthographicFront"/>
-      <a:lightRig rig="threePt" dir="t"/>
-    </dgm:scene3d>
-    <dgm:sp3d/>
-    <dgm:txPr/>
-    <dgm:style>
-      <a:lnRef idx="2">
-        <a:scrgbClr r="0" g="0" b="0"/>
-      </a:lnRef>
-      <a:fillRef idx="1">
-        <a:scrgbClr r="0" g="0" b="0"/>
-      </a:fillRef>
-      <a:effectRef idx="0">
-        <a:scrgbClr r="0" g="0" b="0"/>
-      </a:effectRef>
-      <a:fontRef idx="minor">
-        <a:schemeClr val="tx1"/>
-      </a:fontRef>
-    </dgm:style>
-  </dgm:styleLbl>
-  <dgm:styleLbl name="alignNode1">
-    <dgm:scene3d>
-      <a:camera prst="orthographicFront"/>
-      <a:lightRig rig="threePt" dir="t"/>
-    </dgm:scene3d>
-    <dgm:sp3d/>
-    <dgm:txPr/>
-    <dgm:style>
-      <a:lnRef idx="2">
-        <a:scrgbClr r="0" g="0" b="0"/>
-      </a:lnRef>
-      <a:fillRef idx="1">
-        <a:scrgbClr r="0" g="0" b="0"/>
-      </a:fillRef>
-      <a:effectRef idx="0">
-        <a:scrgbClr r="0" g="0" b="0"/>
-      </a:effectRef>
-      <a:fontRef idx="minor">
-        <a:schemeClr val="lt1"/>
-      </a:fontRef>
-    </dgm:style>
-  </dgm:styleLbl>
-  <dgm:styleLbl name="node1">
-    <dgm:scene3d>
-      <a:camera prst="orthographicFront"/>
-      <a:lightRig rig="threePt" dir="t"/>
-    </dgm:scene3d>
-    <dgm:sp3d/>
-    <dgm:txPr/>
-    <dgm:style>
-      <a:lnRef idx="2">
-        <a:scrgbClr r="0" g="0" b="0"/>
-      </a:lnRef>
-      <a:fillRef idx="1">
-        <a:scrgbClr r="0" g="0" b="0"/>
-      </a:fillRef>
-      <a:effectRef idx="0">
-        <a:scrgbClr r="0" g="0" b="0"/>
-      </a:effectRef>
-      <a:fontRef idx="minor">
-        <a:schemeClr val="lt1"/>
-      </a:fontRef>
-    </dgm:style>
-  </dgm:styleLbl>
-  <dgm:styleLbl name="node2">
-    <dgm:scene3d>
-      <a:camera prst="orthographicFront"/>
-      <a:lightRig rig="threePt" dir="t"/>
-    </dgm:scene3d>
-    <dgm:sp3d/>
-    <dgm:txPr/>
-    <dgm:style>
-      <a:lnRef idx="2">
-        <a:scrgbClr r="0" g="0" b="0"/>
-      </a:lnRef>
-      <a:fillRef idx="1">
-        <a:scrgbClr r="0" g="0" b="0"/>
-      </a:fillRef>
-      <a:effectRef idx="0">
-        <a:scrgbClr r="0" g="0" b="0"/>
-      </a:effectRef>
-      <a:fontRef idx="minor">
-        <a:schemeClr val="lt1"/>
-      </a:fontRef>
-    </dgm:style>
-  </dgm:styleLbl>
-  <dgm:styleLbl name="node3">
-    <dgm:scene3d>
-      <a:camera prst="orthographicFront"/>
-      <a:lightRig rig="threePt" dir="t"/>
-    </dgm:scene3d>
-    <dgm:sp3d/>
-    <dgm:txPr/>
-    <dgm:style>
-      <a:lnRef idx="2">
-        <a:scrgbClr r="0" g="0" b="0"/>
-      </a:lnRef>
-      <a:fillRef idx="1">
-        <a:scrgbClr r="0" g="0" b="0"/>
-      </a:fillRef>
-      <a:effectRef idx="0">
-        <a:scrgbClr r="0" g="0" b="0"/>
-      </a:effectRef>
-      <a:fontRef idx="minor">
-        <a:schemeClr val="lt1"/>
-      </a:fontRef>
-    </dgm:style>
-  </dgm:styleLbl>
-  <dgm:styleLbl name="node4">
-    <dgm:scene3d>
-      <a:camera prst="orthographicFront"/>
-      <a:lightRig rig="threePt" dir="t"/>
-    </dgm:scene3d>
-    <dgm:sp3d/>
-    <dgm:txPr/>
-    <dgm:style>
-      <a:lnRef idx="2">
-        <a:scrgbClr r="0" g="0" b="0"/>
-      </a:lnRef>
-      <a:fillRef idx="1">
-        <a:scrgbClr r="0" g="0" b="0"/>
-      </a:fillRef>
-      <a:effectRef idx="0">
-        <a:scrgbClr r="0" g="0" b="0"/>
-      </a:effectRef>
-      <a:fontRef idx="minor">
-        <a:schemeClr val="lt1"/>
-      </a:fontRef>
-    </dgm:style>
-  </dgm:styleLbl>
-  <dgm:styleLbl name="fgImgPlace1">
-    <dgm:scene3d>
-      <a:camera prst="orthographicFront"/>
-      <a:lightRig rig="threePt" dir="t"/>
-    </dgm:scene3d>
-    <dgm:sp3d/>
-    <dgm:txPr/>
-    <dgm:style>
-      <a:lnRef idx="2">
-        <a:scrgbClr r="0" g="0" b="0"/>
-      </a:lnRef>
-      <a:fillRef idx="1">
-        <a:scrgbClr r="0" g="0" b="0"/>
-      </a:fillRef>
-      <a:effectRef idx="0">
-        <a:scrgbClr r="0" g="0" b="0"/>
-      </a:effectRef>
-      <a:fontRef idx="minor"/>
-    </dgm:style>
-  </dgm:styleLbl>
-  <dgm:styleLbl name="alignImgPlace1">
-    <dgm:scene3d>
-      <a:camera prst="orthographicFront"/>
-      <a:lightRig rig="threePt" dir="t"/>
-    </dgm:scene3d>
-    <dgm:sp3d/>
-    <dgm:txPr/>
-    <dgm:style>
-      <a:lnRef idx="2">
-        <a:scrgbClr r="0" g="0" b="0"/>
-      </a:lnRef>
-      <a:fillRef idx="1">
-        <a:scrgbClr r="0" g="0" b="0"/>
-      </a:fillRef>
-      <a:effectRef idx="0">
-        <a:scrgbClr r="0" g="0" b="0"/>
-      </a:effectRef>
-      <a:fontRef idx="minor"/>
-    </dgm:style>
-  </dgm:styleLbl>
-  <dgm:styleLbl name="bgImgPlace1">
-    <dgm:scene3d>
-      <a:camera prst="orthographicFront"/>
-      <a:lightRig rig="threePt" dir="t"/>
-    </dgm:scene3d>
-    <dgm:sp3d/>
-    <dgm:txPr/>
-    <dgm:style>
-      <a:lnRef idx="2">
-        <a:scrgbClr r="0" g="0" b="0"/>
-      </a:lnRef>
-      <a:fillRef idx="1">
-        <a:scrgbClr r="0" g="0" b="0"/>
-      </a:fillRef>
-      <a:effectRef idx="0">
-        <a:scrgbClr r="0" g="0" b="0"/>
-      </a:effectRef>
-      <a:fontRef idx="minor"/>
-    </dgm:style>
-  </dgm:styleLbl>
-  <dgm:styleLbl name="sibTrans2D1">
-    <dgm:scene3d>
-      <a:camera prst="orthographicFront"/>
-      <a:lightRig rig="threePt" dir="t"/>
-    </dgm:scene3d>
-    <dgm:sp3d/>
-    <dgm:txPr/>
-    <dgm:style>
-      <a:lnRef idx="0">
-        <a:scrgbClr r="0" g="0" b="0"/>
-      </a:lnRef>
-      <a:fillRef idx="1">
-        <a:scrgbClr r="0" g="0" b="0"/>
-      </a:fillRef>
-      <a:effectRef idx="0">
-        <a:scrgbClr r="0" g="0" b="0"/>
-      </a:effectRef>
-      <a:fontRef idx="minor">
-        <a:schemeClr val="lt1"/>
-      </a:fontRef>
-    </dgm:style>
-  </dgm:styleLbl>
-  <dgm:styleLbl name="fgSibTrans2D1">
-    <dgm:scene3d>
-      <a:camera prst="orthographicFront"/>
-      <a:lightRig rig="threePt" dir="t"/>
-    </dgm:scene3d>
-    <dgm:sp3d/>
-    <dgm:txPr/>
-    <dgm:style>
-      <a:lnRef idx="0">
-        <a:scrgbClr r="0" g="0" b="0"/>
-      </a:lnRef>
-      <a:fillRef idx="1">
-        <a:scrgbClr r="0" g="0" b="0"/>
-      </a:fillRef>
-      <a:effectRef idx="0">
-        <a:scrgbClr r="0" g="0" b="0"/>
-      </a:effectRef>
-      <a:fontRef idx="minor">
-        <a:schemeClr val="lt1"/>
-      </a:fontRef>
-    </dgm:style>
-  </dgm:styleLbl>
-  <dgm:styleLbl name="bgSibTrans2D1">
-    <dgm:scene3d>
-      <a:camera prst="orthographicFront"/>
-      <a:lightRig rig="threePt" dir="t"/>
-    </dgm:scene3d>
-    <dgm:sp3d/>
-    <dgm:txPr/>
-    <dgm:style>
-      <a:lnRef idx="0">
-        <a:scrgbClr r="0" g="0" b="0"/>
-      </a:lnRef>
-      <a:fillRef idx="1">
-        <a:scrgbClr r="0" g="0" b="0"/>
-      </a:fillRef>
-      <a:effectRef idx="0">
-        <a:scrgbClr r="0" g="0" b="0"/>
-      </a:effectRef>
-      <a:fontRef idx="minor">
-        <a:schemeClr val="lt1"/>
-      </a:fontRef>
-    </dgm:style>
-  </dgm:styleLbl>
-  <dgm:styleLbl name="sibTrans1D1">
-    <dgm:scene3d>
-      <a:camera prst="orthographicFront"/>
-      <a:lightRig rig="threePt" dir="t"/>
-    </dgm:scene3d>
-    <dgm:sp3d/>
-    <dgm:txPr/>
-    <dgm:style>
-      <a:lnRef idx="1">
-        <a:scrgbClr r="0" g="0" b="0"/>
-      </a:lnRef>
-      <a:fillRef idx="0">
-        <a:scrgbClr r="0" g="0" b="0"/>
-      </a:fillRef>
-      <a:effectRef idx="0">
-        <a:scrgbClr r="0" g="0" b="0"/>
-      </a:effectRef>
-      <a:fontRef idx="minor"/>
-    </dgm:style>
-  </dgm:styleLbl>
-  <dgm:styleLbl name="callout">
-    <dgm:scene3d>
-      <a:camera prst="orthographicFront"/>
-      <a:lightRig rig="threePt" dir="t"/>
-    </dgm:scene3d>
-    <dgm:sp3d/>
-    <dgm:txPr/>
-    <dgm:style>
-      <a:lnRef idx="2">
-        <a:scrgbClr r="0" g="0" b="0"/>
-      </a:lnRef>
-      <a:fillRef idx="1">
-        <a:scrgbClr r="0" g="0" b="0"/>
-      </a:fillRef>
-      <a:effectRef idx="0">
-        <a:scrgbClr r="0" g="0" b="0"/>
-      </a:effectRef>
-      <a:fontRef idx="minor"/>
-    </dgm:style>
-  </dgm:styleLbl>
-  <dgm:styleLbl name="asst0">
-    <dgm:scene3d>
-      <a:camera prst="orthographicFront"/>
-      <a:lightRig rig="threePt" dir="t"/>
-    </dgm:scene3d>
-    <dgm:sp3d/>
-    <dgm:txPr/>
-    <dgm:style>
-      <a:lnRef idx="2">
-        <a:scrgbClr r="0" g="0" b="0"/>
-      </a:lnRef>
-      <a:fillRef idx="1">
-        <a:scrgbClr r="0" g="0" b="0"/>
-      </a:fillRef>
-      <a:effectRef idx="0">
-        <a:scrgbClr r="0" g="0" b="0"/>
-      </a:effectRef>
-      <a:fontRef idx="minor">
-        <a:schemeClr val="lt1"/>
-      </a:fontRef>
-    </dgm:style>
-  </dgm:styleLbl>
-  <dgm:styleLbl name="asst1">
-    <dgm:scene3d>
-      <a:camera prst="orthographicFront"/>
-      <a:lightRig rig="threePt" dir="t"/>
-    </dgm:scene3d>
-    <dgm:sp3d/>
-    <dgm:txPr/>
-    <dgm:style>
-      <a:lnRef idx="2">
-        <a:scrgbClr r="0" g="0" b="0"/>
-      </a:lnRef>
-      <a:fillRef idx="1">
-        <a:scrgbClr r="0" g="0" b="0"/>
-      </a:fillRef>
-      <a:effectRef idx="0">
-        <a:scrgbClr r="0" g="0" b="0"/>
-      </a:effectRef>
-      <a:fontRef idx="minor">
-        <a:schemeClr val="lt1"/>
-      </a:fontRef>
-    </dgm:style>
-  </dgm:styleLbl>
-  <dgm:styleLbl name="asst2">
-    <dgm:scene3d>
-      <a:camera prst="orthographicFront"/>
-      <a:lightRig rig="threePt" dir="t"/>
-    </dgm:scene3d>
-    <dgm:sp3d/>
-    <dgm:txPr/>
-    <dgm:style>
-      <a:lnRef idx="2">
-        <a:scrgbClr r="0" g="0" b="0"/>
-      </a:lnRef>
-      <a:fillRef idx="1">
-        <a:scrgbClr r="0" g="0" b="0"/>
-      </a:fillRef>
-      <a:effectRef idx="0">
-        <a:scrgbClr r="0" g="0" b="0"/>
-      </a:effectRef>
-      <a:fontRef idx="minor">
-        <a:schemeClr val="lt1"/>
-      </a:fontRef>
-    </dgm:style>
-  </dgm:styleLbl>
-  <dgm:styleLbl name="asst3">
-    <dgm:scene3d>
-      <a:camera prst="orthographicFront"/>
-      <a:lightRig rig="threePt" dir="t"/>
-    </dgm:scene3d>
-    <dgm:sp3d/>
-    <dgm:txPr/>
-    <dgm:style>
-      <a:lnRef idx="2">
-        <a:scrgbClr r="0" g="0" b="0"/>
-      </a:lnRef>
-      <a:fillRef idx="1">
-        <a:scrgbClr r="0" g="0" b="0"/>
-      </a:fillRef>
-      <a:effectRef idx="0">
-        <a:scrgbClr r="0" g="0" b="0"/>
-      </a:effectRef>
-      <a:fontRef idx="minor">
-        <a:schemeClr val="lt1"/>
-      </a:fontRef>
-    </dgm:style>
-  </dgm:styleLbl>
-  <dgm:styleLbl name="asst4">
-    <dgm:scene3d>
-      <a:camera prst="orthographicFront"/>
-      <a:lightRig rig="threePt" dir="t"/>
-    </dgm:scene3d>
-    <dgm:sp3d/>
-    <dgm:txPr/>
-    <dgm:style>
-      <a:lnRef idx="2">
-        <a:scrgbClr r="0" g="0" b="0"/>
-      </a:lnRef>
-      <a:fillRef idx="1">
-        <a:scrgbClr r="0" g="0" b="0"/>
-      </a:fillRef>
-      <a:effectRef idx="0">
-        <a:scrgbClr r="0" g="0" b="0"/>
-      </a:effectRef>
-      <a:fontRef idx="minor">
-        <a:schemeClr val="lt1"/>
-      </a:fontRef>
-    </dgm:style>
-  </dgm:styleLbl>
-  <dgm:styleLbl name="parChTrans2D1">
-    <dgm:scene3d>
-      <a:camera prst="orthographicFront"/>
-      <a:lightRig rig="threePt" dir="t"/>
-    </dgm:scene3d>
-    <dgm:sp3d/>
-    <dgm:txPr/>
-    <dgm:style>
-      <a:lnRef idx="2">
-        <a:scrgbClr r="0" g="0" b="0"/>
-      </a:lnRef>
-      <a:fillRef idx="1">
-        <a:scrgbClr r="0" g="0" b="0"/>
-      </a:fillRef>
-      <a:effectRef idx="0">
-        <a:scrgbClr r="0" g="0" b="0"/>
-      </a:effectRef>
-      <a:fontRef idx="minor">
-        <a:schemeClr val="lt1"/>
-      </a:fontRef>
-    </dgm:style>
-  </dgm:styleLbl>
-  <dgm:styleLbl name="parChTrans2D2">
-    <dgm:scene3d>
-      <a:camera prst="orthographicFront"/>
-      <a:lightRig rig="threePt" dir="t"/>
-    </dgm:scene3d>
-    <dgm:sp3d/>
-    <dgm:txPr/>
-    <dgm:style>
-      <a:lnRef idx="2">
-        <a:scrgbClr r="0" g="0" b="0"/>
-      </a:lnRef>
-      <a:fillRef idx="1">
-        <a:scrgbClr r="0" g="0" b="0"/>
-      </a:fillRef>
-      <a:effectRef idx="0">
-        <a:scrgbClr r="0" g="0" b="0"/>
-      </a:effectRef>
-      <a:fontRef idx="minor">
-        <a:schemeClr val="lt1"/>
-      </a:fontRef>
-    </dgm:style>
-  </dgm:styleLbl>
-  <dgm:styleLbl name="parChTrans2D3">
-    <dgm:scene3d>
-      <a:camera prst="orthographicFront"/>
-      <a:lightRig rig="threePt" dir="t"/>
-    </dgm:scene3d>
-    <dgm:sp3d/>
-    <dgm:txPr/>
-    <dgm:style>
-      <a:lnRef idx="2">
-        <a:scrgbClr r="0" g="0" b="0"/>
-      </a:lnRef>
-      <a:fillRef idx="1">
-        <a:scrgbClr r="0" g="0" b="0"/>
-      </a:fillRef>
-      <a:effectRef idx="0">
-        <a:scrgbClr r="0" g="0" b="0"/>
-      </a:effectRef>
-      <a:fontRef idx="minor">
-        <a:schemeClr val="lt1"/>
-      </a:fontRef>
-    </dgm:style>
-  </dgm:styleLbl>
-  <dgm:styleLbl name="parChTrans2D4">
-    <dgm:scene3d>
-      <a:camera prst="orthographicFront"/>
-      <a:lightRig rig="threePt" dir="t"/>
-    </dgm:scene3d>
-    <dgm:sp3d/>
-    <dgm:txPr/>
-    <dgm:style>
-      <a:lnRef idx="2">
-        <a:scrgbClr r="0" g="0" b="0"/>
-      </a:lnRef>
-      <a:fillRef idx="1">
-        <a:scrgbClr r="0" g="0" b="0"/>
-      </a:fillRef>
-      <a:effectRef idx="0">
-        <a:scrgbClr r="0" g="0" b="0"/>
-      </a:effectRef>
-      <a:fontRef idx="minor">
-        <a:schemeClr val="lt1"/>
-      </a:fontRef>
-    </dgm:style>
-  </dgm:styleLbl>
-  <dgm:styleLbl name="parChTrans1D1">
-    <dgm:scene3d>
-      <a:camera prst="orthographicFront"/>
-      <a:lightRig rig="threePt" dir="t"/>
-    </dgm:scene3d>
-    <dgm:sp3d/>
-    <dgm:txPr/>
-    <dgm:style>
-      <a:lnRef idx="2">
-        <a:scrgbClr r="0" g="0" b="0"/>
-      </a:lnRef>
-      <a:fillRef idx="0">
-        <a:scrgbClr r="0" g="0" b="0"/>
-      </a:fillRef>
-      <a:effectRef idx="0">
-        <a:scrgbClr r="0" g="0" b="0"/>
-      </a:effectRef>
-      <a:fontRef idx="minor"/>
-    </dgm:style>
-  </dgm:styleLbl>
-  <dgm:styleLbl name="parChTrans1D2">
-    <dgm:scene3d>
-      <a:camera prst="orthographicFront"/>
-      <a:lightRig rig="threePt" dir="t"/>
-    </dgm:scene3d>
-    <dgm:sp3d/>
-    <dgm:txPr/>
-    <dgm:style>
-      <a:lnRef idx="2">
-        <a:scrgbClr r="0" g="0" b="0"/>
-      </a:lnRef>
-      <a:fillRef idx="0">
-        <a:scrgbClr r="0" g="0" b="0"/>
-      </a:fillRef>
-      <a:effectRef idx="0">
-        <a:scrgbClr r="0" g="0" b="0"/>
-      </a:effectRef>
-      <a:fontRef idx="minor"/>
-    </dgm:style>
-  </dgm:styleLbl>
-  <dgm:styleLbl name="parChTrans1D3">
-    <dgm:scene3d>
-      <a:camera prst="orthographicFront"/>
-      <a:lightRig rig="threePt" dir="t"/>
-    </dgm:scene3d>
-    <dgm:sp3d/>
-    <dgm:txPr/>
-    <dgm:style>
-      <a:lnRef idx="2">
-        <a:scrgbClr r="0" g="0" b="0"/>
-      </a:lnRef>
-      <a:fillRef idx="0">
-        <a:scrgbClr r="0" g="0" b="0"/>
-      </a:fillRef>
-      <a:effectRef idx="0">
-        <a:scrgbClr r="0" g="0" b="0"/>
-      </a:effectRef>
-      <a:fontRef idx="minor"/>
-    </dgm:style>
-  </dgm:styleLbl>
-  <dgm:styleLbl name="parChTrans1D4">
-    <dgm:scene3d>
-      <a:camera prst="orthographicFront"/>
-      <a:lightRig rig="threePt" dir="t"/>
-    </dgm:scene3d>
-    <dgm:sp3d/>
-    <dgm:txPr/>
-    <dgm:style>
-      <a:lnRef idx="2">
-        <a:scrgbClr r="0" g="0" b="0"/>
-      </a:lnRef>
-      <a:fillRef idx="0">
-        <a:scrgbClr r="0" g="0" b="0"/>
-      </a:fillRef>
-      <a:effectRef idx="0">
-        <a:scrgbClr r="0" g="0" b="0"/>
-      </a:effectRef>
-      <a:fontRef idx="minor"/>
-    </dgm:style>
-  </dgm:styleLbl>
-  <dgm:styleLbl name="fgAcc1">
-    <dgm:scene3d>
-      <a:camera prst="orthographicFront"/>
-      <a:lightRig rig="threePt" dir="t"/>
-    </dgm:scene3d>
-    <dgm:sp3d/>
-    <dgm:txPr/>
-    <dgm:style>
-      <a:lnRef idx="2">
-        <a:scrgbClr r="0" g="0" b="0"/>
-      </a:lnRef>
-      <a:fillRef idx="1">
-        <a:scrgbClr r="0" g="0" b="0"/>
-      </a:fillRef>
-      <a:effectRef idx="0">
-        <a:scrgbClr r="0" g="0" b="0"/>
-      </a:effectRef>
-      <a:fontRef idx="minor"/>
-    </dgm:style>
-  </dgm:styleLbl>
-  <dgm:styleLbl name="conFgAcc1">
-    <dgm:scene3d>
-      <a:camera prst="orthographicFront"/>
-      <a:lightRig rig="threePt" dir="t"/>
-    </dgm:scene3d>
-    <dgm:sp3d/>
-    <dgm:txPr/>
-    <dgm:style>
-      <a:lnRef idx="2">
-        <a:scrgbClr r="0" g="0" b="0"/>
-      </a:lnRef>
-      <a:fillRef idx="1">
-        <a:scrgbClr r="0" g="0" b="0"/>
-      </a:fillRef>
-      <a:effectRef idx="0">
-        <a:scrgbClr r="0" g="0" b="0"/>
-      </a:effectRef>
-      <a:fontRef idx="minor"/>
-    </dgm:style>
-  </dgm:styleLbl>
-  <dgm:styleLbl name="alignAcc1">
-    <dgm:scene3d>
-      <a:camera prst="orthographicFront"/>
-      <a:lightRig rig="threePt" dir="t"/>
-    </dgm:scene3d>
-    <dgm:sp3d/>
-    <dgm:txPr/>
-    <dgm:style>
-      <a:lnRef idx="2">
-        <a:scrgbClr r="0" g="0" b="0"/>
-      </a:lnRef>
-      <a:fillRef idx="1">
-        <a:scrgbClr r="0" g="0" b="0"/>
-      </a:fillRef>
-      <a:effectRef idx="0">
-        <a:scrgbClr r="0" g="0" b="0"/>
-      </a:effectRef>
-      <a:fontRef idx="minor"/>
-    </dgm:style>
-  </dgm:styleLbl>
-  <dgm:styleLbl name="trAlignAcc1">
-    <dgm:scene3d>
-      <a:camera prst="orthographicFront"/>
-      <a:lightRig rig="threePt" dir="t"/>
-    </dgm:scene3d>
-    <dgm:sp3d/>
-    <dgm:txPr/>
-    <dgm:style>
-      <a:lnRef idx="1">
-        <a:scrgbClr r="0" g="0" b="0"/>
-      </a:lnRef>
-      <a:fillRef idx="1">
-        <a:scrgbClr r="0" g="0" b="0"/>
-      </a:fillRef>
-      <a:effectRef idx="0">
-        <a:scrgbClr r="0" g="0" b="0"/>
-      </a:effectRef>
-      <a:fontRef idx="minor"/>
-    </dgm:style>
-  </dgm:styleLbl>
-  <dgm:styleLbl name="bgAcc1">
-    <dgm:scene3d>
-      <a:camera prst="orthographicFront"/>
-      <a:lightRig rig="threePt" dir="t"/>
-    </dgm:scene3d>
-    <dgm:sp3d/>
-    <dgm:txPr/>
-    <dgm:style>
-      <a:lnRef idx="2">
-        <a:scrgbClr r="0" g="0" b="0"/>
-      </a:lnRef>
-      <a:fillRef idx="1">
-        <a:scrgbClr r="0" g="0" b="0"/>
-      </a:fillRef>
-      <a:effectRef idx="0">
-        <a:scrgbClr r="0" g="0" b="0"/>
-      </a:effectRef>
-      <a:fontRef idx="minor"/>
-    </dgm:style>
-  </dgm:styleLbl>
-  <dgm:styleLbl name="solidFgAcc1">
-    <dgm:scene3d>
-      <a:camera prst="orthographicFront"/>
-      <a:lightRig rig="threePt" dir="t"/>
-    </dgm:scene3d>
-    <dgm:sp3d/>
-    <dgm:txPr/>
-    <dgm:style>
-      <a:lnRef idx="2">
-        <a:scrgbClr r="0" g="0" b="0"/>
-      </a:lnRef>
-      <a:fillRef idx="1">
-        <a:scrgbClr r="0" g="0" b="0"/>
-      </a:fillRef>
-      <a:effectRef idx="0">
-        <a:scrgbClr r="0" g="0" b="0"/>
-      </a:effectRef>
-      <a:fontRef idx="minor"/>
-    </dgm:style>
-  </dgm:styleLbl>
-  <dgm:styleLbl name="solidAlignAcc1">
-    <dgm:scene3d>
-      <a:camera prst="orthographicFront"/>
-      <a:lightRig rig="threePt" dir="t"/>
-    </dgm:scene3d>
-    <dgm:sp3d/>
-    <dgm:txPr/>
-    <dgm:style>
-      <a:lnRef idx="2">
-        <a:scrgbClr r="0" g="0" b="0"/>
-      </a:lnRef>
-      <a:fillRef idx="1">
-        <a:scrgbClr r="0" g="0" b="0"/>
-      </a:fillRef>
-      <a:effectRef idx="0">
-        <a:scrgbClr r="0" g="0" b="0"/>
-      </a:effectRef>
-      <a:fontRef idx="minor"/>
-    </dgm:style>
-  </dgm:styleLbl>
-  <dgm:styleLbl name="solidBgAcc1">
-    <dgm:scene3d>
-      <a:camera prst="orthographicFront"/>
-      <a:lightRig rig="threePt" dir="t"/>
-    </dgm:scene3d>
-    <dgm:sp3d/>
-    <dgm:txPr/>
-    <dgm:style>
-      <a:lnRef idx="2">
-        <a:scrgbClr r="0" g="0" b="0"/>
-      </a:lnRef>
-      <a:fillRef idx="1">
-        <a:scrgbClr r="0" g="0" b="0"/>
-      </a:fillRef>
-      <a:effectRef idx="0">
-        <a:scrgbClr r="0" g="0" b="0"/>
-      </a:effectRef>
-      <a:fontRef idx="minor"/>
-    </dgm:style>
-  </dgm:styleLbl>
-  <dgm:styleLbl name="fgAccFollowNode1">
-    <dgm:scene3d>
-      <a:camera prst="orthographicFront"/>
-      <a:lightRig rig="threePt" dir="t"/>
-    </dgm:scene3d>
-    <dgm:sp3d/>
-    <dgm:txPr/>
-    <dgm:style>
-      <a:lnRef idx="2">
-        <a:scrgbClr r="0" g="0" b="0"/>
-      </a:lnRef>
-      <a:fillRef idx="1">
-        <a:scrgbClr r="0" g="0" b="0"/>
-      </a:fillRef>
-      <a:effectRef idx="0">
-        <a:scrgbClr r="0" g="0" b="0"/>
-      </a:effectRef>
-      <a:fontRef idx="minor"/>
-    </dgm:style>
-  </dgm:styleLbl>
-  <dgm:styleLbl name="alignAccFollowNode1">
-    <dgm:scene3d>
-      <a:camera prst="orthographicFront"/>
-      <a:lightRig rig="threePt" dir="t"/>
-    </dgm:scene3d>
-    <dgm:sp3d/>
-    <dgm:txPr/>
-    <dgm:style>
-      <a:lnRef idx="2">
-        <a:scrgbClr r="0" g="0" b="0"/>
-      </a:lnRef>
-      <a:fillRef idx="1">
-        <a:scrgbClr r="0" g="0" b="0"/>
-      </a:fillRef>
-      <a:effectRef idx="0">
-        <a:scrgbClr r="0" g="0" b="0"/>
-      </a:effectRef>
-      <a:fontRef idx="minor"/>
-    </dgm:style>
-  </dgm:styleLbl>
-  <dgm:styleLbl name="bgAccFollowNode1">
-    <dgm:scene3d>
-      <a:camera prst="orthographicFront"/>
-      <a:lightRig rig="threePt" dir="t"/>
-    </dgm:scene3d>
-    <dgm:sp3d/>
-    <dgm:txPr/>
-    <dgm:style>
-      <a:lnRef idx="2">
-        <a:scrgbClr r="0" g="0" b="0"/>
-      </a:lnRef>
-      <a:fillRef idx="1">
-        <a:scrgbClr r="0" g="0" b="0"/>
-      </a:fillRef>
-      <a:effectRef idx="0">
-        <a:scrgbClr r="0" g="0" b="0"/>
-      </a:effectRef>
-      <a:fontRef idx="minor"/>
-    </dgm:style>
-  </dgm:styleLbl>
-  <dgm:styleLbl name="fgAcc0">
-    <dgm:scene3d>
-      <a:camera prst="orthographicFront"/>
-      <a:lightRig rig="threePt" dir="t"/>
-    </dgm:scene3d>
-    <dgm:sp3d/>
-    <dgm:txPr/>
-    <dgm:style>
-      <a:lnRef idx="2">
-        <a:scrgbClr r="0" g="0" b="0"/>
-      </a:lnRef>
-      <a:fillRef idx="1">
-        <a:scrgbClr r="0" g="0" b="0"/>
-      </a:fillRef>
-      <a:effectRef idx="0">
-        <a:scrgbClr r="0" g="0" b="0"/>
-      </a:effectRef>
-      <a:fontRef idx="minor"/>
-    </dgm:style>
-  </dgm:styleLbl>
-  <dgm:styleLbl name="fgAcc2">
-    <dgm:scene3d>
-      <a:camera prst="orthographicFront"/>
-      <a:lightRig rig="threePt" dir="t"/>
-    </dgm:scene3d>
-    <dgm:sp3d/>
-    <dgm:txPr/>
-    <dgm:style>
-      <a:lnRef idx="2">
-        <a:scrgbClr r="0" g="0" b="0"/>
-      </a:lnRef>
-      <a:fillRef idx="1">
-        <a:scrgbClr r="0" g="0" b="0"/>
-      </a:fillRef>
-      <a:effectRef idx="0">
-        <a:scrgbClr r="0" g="0" b="0"/>
-      </a:effectRef>
-      <a:fontRef idx="minor"/>
-    </dgm:style>
-  </dgm:styleLbl>
-  <dgm:styleLbl name="fgAcc3">
-    <dgm:scene3d>
-      <a:camera prst="orthographicFront"/>
-      <a:lightRig rig="threePt" dir="t"/>
-    </dgm:scene3d>
-    <dgm:sp3d/>
-    <dgm:txPr/>
-    <dgm:style>
-      <a:lnRef idx="2">
-        <a:scrgbClr r="0" g="0" b="0"/>
-      </a:lnRef>
-      <a:fillRef idx="1">
-        <a:scrgbClr r="0" g="0" b="0"/>
-      </a:fillRef>
-      <a:effectRef idx="0">
-        <a:scrgbClr r="0" g="0" b="0"/>
-      </a:effectRef>
-      <a:fontRef idx="minor"/>
-    </dgm:style>
-  </dgm:styleLbl>
-  <dgm:styleLbl name="fgAcc4">
-    <dgm:scene3d>
-      <a:camera prst="orthographicFront"/>
-      <a:lightRig rig="threePt" dir="t"/>
-    </dgm:scene3d>
-    <dgm:sp3d/>
-    <dgm:txPr/>
-    <dgm:style>
-      <a:lnRef idx="2">
-        <a:scrgbClr r="0" g="0" b="0"/>
-      </a:lnRef>
-      <a:fillRef idx="1">
-        <a:scrgbClr r="0" g="0" b="0"/>
-      </a:fillRef>
-      <a:effectRef idx="0">
-        <a:scrgbClr r="0" g="0" b="0"/>
-      </a:effectRef>
-      <a:fontRef idx="minor"/>
-    </dgm:style>
-  </dgm:styleLbl>
-  <dgm:styleLbl name="bgShp">
-    <dgm:scene3d>
-      <a:camera prst="orthographicFront"/>
-      <a:lightRig rig="threePt" dir="t"/>
-    </dgm:scene3d>
-    <dgm:sp3d/>
-    <dgm:txPr/>
-    <dgm:style>
-      <a:lnRef idx="0">
-        <a:scrgbClr r="0" g="0" b="0"/>
-      </a:lnRef>
-      <a:fillRef idx="1">
-        <a:scrgbClr r="0" g="0" b="0"/>
-      </a:fillRef>
-      <a:effectRef idx="0">
-        <a:scrgbClr r="0" g="0" b="0"/>
-      </a:effectRef>
-      <a:fontRef idx="minor"/>
-    </dgm:style>
-  </dgm:styleLbl>
-  <dgm:styleLbl name="dkBgShp">
-    <dgm:scene3d>
-      <a:camera prst="orthographicFront"/>
-      <a:lightRig rig="threePt" dir="t"/>
-    </dgm:scene3d>
-    <dgm:sp3d/>
-    <dgm:txPr/>
-    <dgm:style>
-      <a:lnRef idx="0">
-        <a:scrgbClr r="0" g="0" b="0"/>
-      </a:lnRef>
-      <a:fillRef idx="1">
-        <a:scrgbClr r="0" g="0" b="0"/>
-      </a:fillRef>
-      <a:effectRef idx="0">
-        <a:scrgbClr r="0" g="0" b="0"/>
-      </a:effectRef>
-      <a:fontRef idx="minor"/>
-    </dgm:style>
-  </dgm:styleLbl>
-  <dgm:styleLbl name="trBgShp">
-    <dgm:scene3d>
-      <a:camera prst="orthographicFront"/>
-      <a:lightRig rig="threePt" dir="t"/>
-    </dgm:scene3d>
-    <dgm:sp3d/>
-    <dgm:txPr/>
-    <dgm:style>
-      <a:lnRef idx="0">
-        <a:scrgbClr r="0" g="0" b="0"/>
-      </a:lnRef>
-      <a:fillRef idx="1">
-        <a:scrgbClr r="0" g="0" b="0"/>
-      </a:fillRef>
-      <a:effectRef idx="0">
-        <a:scrgbClr r="0" g="0" b="0"/>
-      </a:effectRef>
-      <a:fontRef idx="minor"/>
-    </dgm:style>
-  </dgm:styleLbl>
-  <dgm:styleLbl name="fgShp">
-    <dgm:scene3d>
-      <a:camera prst="orthographicFront"/>
-      <a:lightRig rig="threePt" dir="t"/>
-    </dgm:scene3d>
-    <dgm:sp3d/>
-    <dgm:txPr/>
-    <dgm:style>
-      <a:lnRef idx="2">
-        <a:scrgbClr r="0" g="0" b="0"/>
-      </a:lnRef>
-      <a:fillRef idx="1">
-        <a:scrgbClr r="0" g="0" b="0"/>
-      </a:fillRef>
-      <a:effectRef idx="0">
-        <a:scrgbClr r="0" g="0" b="0"/>
-      </a:effectRef>
-      <a:fontRef idx="minor"/>
-    </dgm:style>
-  </dgm:styleLbl>
-  <dgm:styleLbl name="revTx">
-    <dgm:scene3d>
-      <a:camera prst="orthographicFront"/>
-      <a:lightRig rig="threePt" dir="t"/>
-    </dgm:scene3d>
-    <dgm:sp3d/>
-    <dgm:txPr/>
-    <dgm:style>
-      <a:lnRef idx="0">
-        <a:scrgbClr r="0" g="0" b="0"/>
-      </a:lnRef>
-      <a:fillRef idx="0">
-        <a:scrgbClr r="0" g="0" b="0"/>
-      </a:fillRef>
-      <a:effectRef idx="0">
-        <a:scrgbClr r="0" g="0" b="0"/>
-      </a:effectRef>
-      <a:fontRef idx="minor"/>
-    </dgm:style>
-  </dgm:styleLbl>
-</dgm:styleDef>
-</file>
-
 <file path=ppt/notesMasters/notesMaster1.xml><?xml version="1.0" encoding="utf-8"?>
 <p:notesMaster xmlns:a="http://schemas.openxmlformats.org/drawingml/2006/main" xmlns:r="http://schemas.openxmlformats.org/officeDocument/2006/relationships" xmlns:p="http://schemas.openxmlformats.org/presentationml/2006/main">
   <p:cSld>
@@ -11125,6 +6843,186 @@
     <p:extLst>
       <p:ext uri="{BB962C8B-B14F-4D97-AF65-F5344CB8AC3E}">
         <p14:creationId xmlns:p14="http://schemas.microsoft.com/office/powerpoint/2010/main" val="2974768820"/>
+      </p:ext>
+    </p:extLst>
+  </p:cSld>
+  <p:clrMapOvr>
+    <a:masterClrMapping/>
+  </p:clrMapOvr>
+</p:notes>
+</file>
+
+<file path=ppt/notesSlides/notesSlide8.xml><?xml version="1.0" encoding="utf-8"?>
+<p:notes xmlns:a="http://schemas.openxmlformats.org/drawingml/2006/main" xmlns:r="http://schemas.openxmlformats.org/officeDocument/2006/relationships" xmlns:p="http://schemas.openxmlformats.org/presentationml/2006/main">
+  <p:cSld>
+    <p:spTree>
+      <p:nvGrpSpPr>
+        <p:cNvPr id="1" name=""/>
+        <p:cNvGrpSpPr/>
+        <p:nvPr/>
+      </p:nvGrpSpPr>
+      <p:grpSpPr>
+        <a:xfrm>
+          <a:off x="0" y="0"/>
+          <a:ext cx="0" cy="0"/>
+          <a:chOff x="0" y="0"/>
+          <a:chExt cx="0" cy="0"/>
+        </a:xfrm>
+      </p:grpSpPr>
+      <p:sp>
+        <p:nvSpPr>
+          <p:cNvPr id="2" name="Slide Image Placeholder 1"/>
+          <p:cNvSpPr>
+            <a:spLocks noGrp="1" noRot="1" noChangeAspect="1"/>
+          </p:cNvSpPr>
+          <p:nvPr>
+            <p:ph type="sldImg"/>
+          </p:nvPr>
+        </p:nvSpPr>
+        <p:spPr/>
+      </p:sp>
+      <p:sp>
+        <p:nvSpPr>
+          <p:cNvPr id="3" name="Notes Placeholder 2"/>
+          <p:cNvSpPr>
+            <a:spLocks noGrp="1"/>
+          </p:cNvSpPr>
+          <p:nvPr>
+            <p:ph type="body" idx="1"/>
+          </p:nvPr>
+        </p:nvSpPr>
+        <p:spPr/>
+        <p:txBody>
+          <a:bodyPr/>
+          <a:lstStyle/>
+          <a:p>
+            <a:r>
+              <a:rPr lang="en-US" dirty="0"/>
+              <a:t>Roles: core (w/in Colgate) vs edge (for internet)</a:t>
+            </a:r>
+          </a:p>
+          <a:p>
+            <a:r>
+              <a:rPr lang="en-US" dirty="0"/>
+              <a:t>Parameters: such as device name – go back to explain</a:t>
+            </a:r>
+          </a:p>
+        </p:txBody>
+      </p:sp>
+      <p:sp>
+        <p:nvSpPr>
+          <p:cNvPr id="4" name="Slide Number Placeholder 3"/>
+          <p:cNvSpPr>
+            <a:spLocks noGrp="1"/>
+          </p:cNvSpPr>
+          <p:nvPr>
+            <p:ph type="sldNum" sz="quarter" idx="10"/>
+          </p:nvPr>
+        </p:nvSpPr>
+        <p:spPr/>
+        <p:txBody>
+          <a:bodyPr/>
+          <a:lstStyle/>
+          <a:p>
+            <a:fld id="{F49BE409-5689-8842-BA33-FFFC974D2438}" type="slidenum">
+              <a:rPr lang="en-US" smtClean="0"/>
+              <a:t>20</a:t>
+            </a:fld>
+            <a:endParaRPr lang="en-US"/>
+          </a:p>
+        </p:txBody>
+      </p:sp>
+    </p:spTree>
+    <p:extLst>
+      <p:ext uri="{BB962C8B-B14F-4D97-AF65-F5344CB8AC3E}">
+        <p14:creationId xmlns:p14="http://schemas.microsoft.com/office/powerpoint/2010/main" val="3891961374"/>
+      </p:ext>
+    </p:extLst>
+  </p:cSld>
+  <p:clrMapOvr>
+    <a:masterClrMapping/>
+  </p:clrMapOvr>
+</p:notes>
+</file>
+
+<file path=ppt/notesSlides/notesSlide9.xml><?xml version="1.0" encoding="utf-8"?>
+<p:notes xmlns:a="http://schemas.openxmlformats.org/drawingml/2006/main" xmlns:r="http://schemas.openxmlformats.org/officeDocument/2006/relationships" xmlns:p="http://schemas.openxmlformats.org/presentationml/2006/main">
+  <p:cSld>
+    <p:spTree>
+      <p:nvGrpSpPr>
+        <p:cNvPr id="1" name=""/>
+        <p:cNvGrpSpPr/>
+        <p:nvPr/>
+      </p:nvGrpSpPr>
+      <p:grpSpPr>
+        <a:xfrm>
+          <a:off x="0" y="0"/>
+          <a:ext cx="0" cy="0"/>
+          <a:chOff x="0" y="0"/>
+          <a:chExt cx="0" cy="0"/>
+        </a:xfrm>
+      </p:grpSpPr>
+      <p:sp>
+        <p:nvSpPr>
+          <p:cNvPr id="2" name="Slide Image Placeholder 1"/>
+          <p:cNvSpPr>
+            <a:spLocks noGrp="1" noRot="1" noChangeAspect="1"/>
+          </p:cNvSpPr>
+          <p:nvPr>
+            <p:ph type="sldImg"/>
+          </p:nvPr>
+        </p:nvSpPr>
+        <p:spPr/>
+      </p:sp>
+      <p:sp>
+        <p:nvSpPr>
+          <p:cNvPr id="3" name="Notes Placeholder 2"/>
+          <p:cNvSpPr>
+            <a:spLocks noGrp="1"/>
+          </p:cNvSpPr>
+          <p:nvPr>
+            <p:ph type="body" idx="1"/>
+          </p:nvPr>
+        </p:nvSpPr>
+        <p:spPr/>
+        <p:txBody>
+          <a:bodyPr/>
+          <a:lstStyle/>
+          <a:p>
+            <a:r>
+              <a:rPr lang="en-US" dirty="0"/>
+              <a:t>Diminishing returns</a:t>
+            </a:r>
+          </a:p>
+        </p:txBody>
+      </p:sp>
+      <p:sp>
+        <p:nvSpPr>
+          <p:cNvPr id="4" name="Slide Number Placeholder 3"/>
+          <p:cNvSpPr>
+            <a:spLocks noGrp="1"/>
+          </p:cNvSpPr>
+          <p:nvPr>
+            <p:ph type="sldNum" sz="quarter" idx="10"/>
+          </p:nvPr>
+        </p:nvSpPr>
+        <p:spPr/>
+        <p:txBody>
+          <a:bodyPr/>
+          <a:lstStyle/>
+          <a:p>
+            <a:fld id="{F49BE409-5689-8842-BA33-FFFC974D2438}" type="slidenum">
+              <a:rPr lang="en-US" smtClean="0"/>
+              <a:t>21</a:t>
+            </a:fld>
+            <a:endParaRPr lang="en-US"/>
+          </a:p>
+        </p:txBody>
+      </p:sp>
+    </p:spTree>
+    <p:extLst>
+      <p:ext uri="{BB962C8B-B14F-4D97-AF65-F5344CB8AC3E}">
+        <p14:creationId xmlns:p14="http://schemas.microsoft.com/office/powerpoint/2010/main" val="2802535293"/>
       </p:ext>
     </p:extLst>
   </p:cSld>
@@ -15993,7 +11891,7 @@
             </p:nvSpPr>
             <p:spPr>
               <a:xfrm>
-                <a:off x="2021576" y="1885285"/>
+                <a:off x="2194997" y="1885285"/>
                 <a:ext cx="9138793" cy="4231036"/>
               </a:xfrm>
             </p:spPr>
@@ -16412,13 +12310,13 @@
             </p:nvSpPr>
             <p:spPr>
               <a:xfrm>
-                <a:off x="2021576" y="1885285"/>
+                <a:off x="2194997" y="1885285"/>
                 <a:ext cx="9138793" cy="4231036"/>
               </a:xfrm>
               <a:blipFill>
                 <a:blip r:embed="rId2"/>
                 <a:stretch>
-                  <a:fillRect l="-693" t="-2687" r="-139"/>
+                  <a:fillRect l="-833" t="-2687" r="-278"/>
                 </a:stretch>
               </a:blipFill>
             </p:spPr>
@@ -16903,7 +12801,11 @@
           <a:bodyPr/>
           <a:lstStyle/>
           <a:p>
-            <a:endParaRPr lang="en-US"/>
+            <a:pPr algn="l"/>
+            <a:r>
+              <a:rPr lang="en-US" dirty="0"/>
+              <a:t>What about our data?</a:t>
+            </a:r>
           </a:p>
         </p:txBody>
       </p:sp>
@@ -16925,12 +12827,14 @@
         </p:nvSpPr>
         <p:spPr>
           <a:xfrm>
-            <a:off x="2773598" y="2052116"/>
-            <a:ext cx="8478601" cy="3497784"/>
+            <a:off x="2611809" y="2839233"/>
+            <a:ext cx="2874592" cy="2978471"/>
           </a:xfrm>
         </p:spPr>
         <p:txBody>
-          <a:bodyPr/>
+          <a:bodyPr>
+            <a:normAutofit/>
+          </a:bodyPr>
           <a:lstStyle/>
           <a:p>
             <a:pPr marL="0" indent="0">
@@ -16938,20 +12842,20 @@
             </a:pPr>
             <a:r>
               <a:rPr lang="en-US" b="1" dirty="0"/>
-              <a:t>“If Your Data Is Bad, Your Machine Learning Tools Are Useless”</a:t>
+              <a:t>“It’s not my fault. Our data sucks!”</a:t>
             </a:r>
           </a:p>
           <a:p>
             <a:pPr marL="0" indent="0">
+              <a:lnSpc>
+                <a:spcPct val="100000"/>
+              </a:lnSpc>
               <a:buNone/>
             </a:pPr>
             <a:r>
               <a:rPr lang="en-US" b="1" dirty="0"/>
-              <a:t>- Some guy</a:t>
-            </a:r>
-          </a:p>
-          <a:p>
-            <a:endParaRPr lang="en-US" dirty="0"/>
+              <a:t>- Me from the past</a:t>
+            </a:r>
           </a:p>
         </p:txBody>
       </p:sp>
@@ -16984,6 +12888,82 @@
           </a:p>
         </p:txBody>
       </p:sp>
+      <p:sp>
+        <p:nvSpPr>
+          <p:cNvPr id="5" name="TextBox 4">
+            <a:extLst>
+              <a:ext uri="{FF2B5EF4-FFF2-40B4-BE49-F238E27FC236}">
+                <a16:creationId xmlns:a16="http://schemas.microsoft.com/office/drawing/2014/main" id="{C4E40E42-BF35-C84B-A3E2-0C14F9B5CE34}"/>
+              </a:ext>
+            </a:extLst>
+          </p:cNvPr>
+          <p:cNvSpPr txBox="1"/>
+          <p:nvPr/>
+        </p:nvSpPr>
+        <p:spPr>
+          <a:xfrm>
+            <a:off x="2611808" y="1885285"/>
+            <a:ext cx="7958331" cy="707886"/>
+          </a:xfrm>
+          <a:prstGeom prst="rect">
+            <a:avLst/>
+          </a:prstGeom>
+          <a:noFill/>
+        </p:spPr>
+        <p:txBody>
+          <a:bodyPr wrap="square" rtlCol="0">
+            <a:spAutoFit/>
+          </a:bodyPr>
+          <a:lstStyle/>
+          <a:p>
+            <a:r>
+              <a:rPr lang="en-US" sz="2000" b="1" dirty="0"/>
+              <a:t>“We don’t have better algorithms. We just have more data.”</a:t>
+            </a:r>
+          </a:p>
+          <a:p>
+            <a:r>
+              <a:rPr lang="en-US" sz="2000" b="1" dirty="0"/>
+              <a:t>- Peter </a:t>
+            </a:r>
+            <a:r>
+              <a:rPr lang="en-US" sz="2000" b="1" dirty="0" err="1"/>
+              <a:t>Norvig</a:t>
+            </a:r>
+            <a:endParaRPr lang="en-US" sz="2000" b="1" dirty="0"/>
+          </a:p>
+        </p:txBody>
+      </p:sp>
+      <p:pic>
+        <p:nvPicPr>
+          <p:cNvPr id="7" name="Picture 6">
+            <a:extLst>
+              <a:ext uri="{FF2B5EF4-FFF2-40B4-BE49-F238E27FC236}">
+                <a16:creationId xmlns:a16="http://schemas.microsoft.com/office/drawing/2014/main" id="{20D101BD-8997-3942-BB95-F91F689A8516}"/>
+              </a:ext>
+            </a:extLst>
+          </p:cNvPr>
+          <p:cNvPicPr>
+            <a:picLocks noChangeAspect="1"/>
+          </p:cNvPicPr>
+          <p:nvPr/>
+        </p:nvPicPr>
+        <p:blipFill>
+          <a:blip r:embed="rId2"/>
+          <a:stretch>
+            <a:fillRect/>
+          </a:stretch>
+        </p:blipFill>
+        <p:spPr>
+          <a:xfrm>
+            <a:off x="5606446" y="2593171"/>
+            <a:ext cx="5255591" cy="3835161"/>
+          </a:xfrm>
+          <a:prstGeom prst="rect">
+            <a:avLst/>
+          </a:prstGeom>
+        </p:spPr>
+      </p:pic>
     </p:spTree>
     <p:extLst>
       <p:ext uri="{BB962C8B-B14F-4D97-AF65-F5344CB8AC3E}">
@@ -17061,13 +13041,13 @@
         </p:nvSpPr>
         <p:spPr>
           <a:xfrm>
-            <a:off x="2367145" y="5461001"/>
-            <a:ext cx="8411793" cy="732411"/>
+            <a:off x="2385076" y="6286306"/>
+            <a:ext cx="8411793" cy="459051"/>
           </a:xfrm>
         </p:spPr>
         <p:txBody>
           <a:bodyPr anchor="t">
-            <a:normAutofit fontScale="92500"/>
+            <a:normAutofit fontScale="85000" lnSpcReduction="20000"/>
           </a:bodyPr>
           <a:lstStyle/>
           <a:p>
@@ -17076,7 +13056,7 @@
             </a:pPr>
             <a:r>
               <a:rPr lang="en-US" sz="2200" dirty="0"/>
-              <a:t>Table 1: Acquired configurations from three large university networks</a:t>
+              <a:t>Figure 1: Our data contains a myriad of configuration sizes</a:t>
             </a:r>
           </a:p>
           <a:p>
@@ -17108,6 +13088,165 @@
             <a:fld id="{6D22F896-40B5-4ADD-8801-0D06FADFA095}" type="slidenum">
               <a:rPr lang="en-US" smtClean="0"/>
               <a:t>14</a:t>
+            </a:fld>
+            <a:endParaRPr lang="en-US" dirty="0"/>
+          </a:p>
+        </p:txBody>
+      </p:sp>
+      <p:pic>
+        <p:nvPicPr>
+          <p:cNvPr id="7" name="Picture 6">
+            <a:extLst>
+              <a:ext uri="{FF2B5EF4-FFF2-40B4-BE49-F238E27FC236}">
+                <a16:creationId xmlns:a16="http://schemas.microsoft.com/office/drawing/2014/main" id="{8D7C5CBF-F8FC-7040-8EB4-5F6F9E13496C}"/>
+              </a:ext>
+            </a:extLst>
+          </p:cNvPr>
+          <p:cNvPicPr>
+            <a:picLocks noChangeAspect="1"/>
+          </p:cNvPicPr>
+          <p:nvPr/>
+        </p:nvPicPr>
+        <p:blipFill>
+          <a:blip r:embed="rId2"/>
+          <a:stretch>
+            <a:fillRect/>
+          </a:stretch>
+        </p:blipFill>
+        <p:spPr>
+          <a:xfrm>
+            <a:off x="3648990" y="1545754"/>
+            <a:ext cx="5879323" cy="4703459"/>
+          </a:xfrm>
+          <a:prstGeom prst="rect">
+            <a:avLst/>
+          </a:prstGeom>
+        </p:spPr>
+      </p:pic>
+    </p:spTree>
+    <p:extLst>
+      <p:ext uri="{BB962C8B-B14F-4D97-AF65-F5344CB8AC3E}">
+        <p14:creationId xmlns:p14="http://schemas.microsoft.com/office/powerpoint/2010/main" val="676473630"/>
+      </p:ext>
+    </p:extLst>
+  </p:cSld>
+  <p:clrMapOvr>
+    <a:masterClrMapping/>
+  </p:clrMapOvr>
+</p:sld>
+</file>
+
+<file path=ppt/slides/slide15.xml><?xml version="1.0" encoding="utf-8"?>
+<p:sld xmlns:a="http://schemas.openxmlformats.org/drawingml/2006/main" xmlns:r="http://schemas.openxmlformats.org/officeDocument/2006/relationships" xmlns:p="http://schemas.openxmlformats.org/presentationml/2006/main">
+  <p:cSld>
+    <p:spTree>
+      <p:nvGrpSpPr>
+        <p:cNvPr id="1" name=""/>
+        <p:cNvGrpSpPr/>
+        <p:nvPr/>
+      </p:nvGrpSpPr>
+      <p:grpSpPr>
+        <a:xfrm>
+          <a:off x="0" y="0"/>
+          <a:ext cx="0" cy="0"/>
+          <a:chOff x="0" y="0"/>
+          <a:chExt cx="0" cy="0"/>
+        </a:xfrm>
+      </p:grpSpPr>
+      <p:sp>
+        <p:nvSpPr>
+          <p:cNvPr id="2" name="Title 1">
+            <a:extLst>
+              <a:ext uri="{FF2B5EF4-FFF2-40B4-BE49-F238E27FC236}">
+                <a16:creationId xmlns:a16="http://schemas.microsoft.com/office/drawing/2014/main" id="{12EDD980-2FF1-6A43-9A90-E021660DC185}"/>
+              </a:ext>
+            </a:extLst>
+          </p:cNvPr>
+          <p:cNvSpPr>
+            <a:spLocks noGrp="1"/>
+          </p:cNvSpPr>
+          <p:nvPr>
+            <p:ph type="title"/>
+          </p:nvPr>
+        </p:nvSpPr>
+        <p:spPr/>
+        <p:txBody>
+          <a:bodyPr/>
+          <a:lstStyle/>
+          <a:p>
+            <a:pPr algn="l"/>
+            <a:r>
+              <a:rPr lang="en-US" dirty="0"/>
+              <a:t>Our cute little dataset</a:t>
+            </a:r>
+          </a:p>
+        </p:txBody>
+      </p:sp>
+      <p:sp>
+        <p:nvSpPr>
+          <p:cNvPr id="3" name="Content Placeholder 2">
+            <a:extLst>
+              <a:ext uri="{FF2B5EF4-FFF2-40B4-BE49-F238E27FC236}">
+                <a16:creationId xmlns:a16="http://schemas.microsoft.com/office/drawing/2014/main" id="{52ADF445-4A71-4A47-B495-D5A05EC06DC4}"/>
+              </a:ext>
+            </a:extLst>
+          </p:cNvPr>
+          <p:cNvSpPr>
+            <a:spLocks noGrp="1"/>
+          </p:cNvSpPr>
+          <p:nvPr>
+            <p:ph idx="1"/>
+          </p:nvPr>
+        </p:nvSpPr>
+        <p:spPr>
+          <a:xfrm>
+            <a:off x="2367145" y="5461001"/>
+            <a:ext cx="8411793" cy="732411"/>
+          </a:xfrm>
+        </p:spPr>
+        <p:txBody>
+          <a:bodyPr anchor="t">
+            <a:normAutofit fontScale="92500"/>
+          </a:bodyPr>
+          <a:lstStyle/>
+          <a:p>
+            <a:pPr marL="0" indent="0" algn="ctr">
+              <a:buNone/>
+            </a:pPr>
+            <a:r>
+              <a:rPr lang="en-US" sz="2200" dirty="0"/>
+              <a:t>Table 1: Acquired configurations from three large university networks</a:t>
+            </a:r>
+          </a:p>
+          <a:p>
+            <a:endParaRPr lang="en-US" sz="2200" dirty="0"/>
+          </a:p>
+        </p:txBody>
+      </p:sp>
+      <p:sp>
+        <p:nvSpPr>
+          <p:cNvPr id="4" name="Slide Number Placeholder 3">
+            <a:extLst>
+              <a:ext uri="{FF2B5EF4-FFF2-40B4-BE49-F238E27FC236}">
+                <a16:creationId xmlns:a16="http://schemas.microsoft.com/office/drawing/2014/main" id="{7124CDC2-F652-5F42-9813-BC9248D2A5C8}"/>
+              </a:ext>
+            </a:extLst>
+          </p:cNvPr>
+          <p:cNvSpPr>
+            <a:spLocks noGrp="1"/>
+          </p:cNvSpPr>
+          <p:nvPr>
+            <p:ph type="sldNum" sz="quarter" idx="12"/>
+          </p:nvPr>
+        </p:nvSpPr>
+        <p:spPr/>
+        <p:txBody>
+          <a:bodyPr/>
+          <a:lstStyle/>
+          <a:p>
+            <a:fld id="{6D22F896-40B5-4ADD-8801-0D06FADFA095}" type="slidenum">
+              <a:rPr lang="en-US" smtClean="0"/>
+              <a:t>15</a:t>
             </a:fld>
             <a:endParaRPr lang="en-US" dirty="0"/>
           </a:p>
@@ -17128,14 +13267,14 @@
           <p:nvPr>
             <p:extLst>
               <p:ext uri="{D42A27DB-BD31-4B8C-83A1-F6EECF244321}">
-                <p14:modId xmlns:p14="http://schemas.microsoft.com/office/powerpoint/2010/main" val="2545559618"/>
+                <p14:modId xmlns:p14="http://schemas.microsoft.com/office/powerpoint/2010/main" val="3939221194"/>
               </p:ext>
             </p:extLst>
           </p:nvPr>
         </p:nvGraphicFramePr>
         <p:xfrm>
-          <a:off x="2367145" y="1896066"/>
-          <a:ext cx="8447656" cy="3412535"/>
+          <a:off x="2611807" y="1988831"/>
+          <a:ext cx="7844158" cy="3245778"/>
         </p:xfrm>
         <a:graphic>
           <a:graphicData uri="http://schemas.openxmlformats.org/drawingml/2006/table">
@@ -17144,28 +13283,28 @@
                 <a:tableStyleId>{3B4B98B0-60AC-42C2-AFA5-B58CD77FA1E5}</a:tableStyleId>
               </a:tblPr>
               <a:tblGrid>
-                <a:gridCol w="2111914">
+                <a:gridCol w="1961041">
                   <a:extLst>
                     <a:ext uri="{9D8B030D-6E8A-4147-A177-3AD203B41FA5}">
                       <a16:colId xmlns:a16="http://schemas.microsoft.com/office/drawing/2014/main" val="20000"/>
                     </a:ext>
                   </a:extLst>
                 </a:gridCol>
-                <a:gridCol w="2282286">
+                <a:gridCol w="2119241">
                   <a:extLst>
                     <a:ext uri="{9D8B030D-6E8A-4147-A177-3AD203B41FA5}">
                       <a16:colId xmlns:a16="http://schemas.microsoft.com/office/drawing/2014/main" val="20001"/>
                     </a:ext>
                   </a:extLst>
                 </a:gridCol>
-                <a:gridCol w="1941542">
+                <a:gridCol w="1802835">
                   <a:extLst>
                     <a:ext uri="{9D8B030D-6E8A-4147-A177-3AD203B41FA5}">
                       <a16:colId xmlns:a16="http://schemas.microsoft.com/office/drawing/2014/main" val="20002"/>
                     </a:ext>
                   </a:extLst>
                 </a:gridCol>
-                <a:gridCol w="2111914">
+                <a:gridCol w="1961041">
                   <a:extLst>
                     <a:ext uri="{9D8B030D-6E8A-4147-A177-3AD203B41FA5}">
                       <a16:colId xmlns:a16="http://schemas.microsoft.com/office/drawing/2014/main" val="20003"/>
@@ -17173,7 +13312,7 @@
                   </a:extLst>
                 </a:gridCol>
               </a:tblGrid>
-              <a:tr h="1156496">
+              <a:tr h="1525014">
                 <a:tc>
                   <a:txBody>
                     <a:bodyPr/>
@@ -17236,7 +13375,7 @@
                   </a:ext>
                 </a:extLst>
               </a:tr>
-              <a:tr h="752013">
+              <a:tr h="573588">
                 <a:tc>
                   <a:txBody>
                     <a:bodyPr/>
@@ -17299,7 +13438,7 @@
                   </a:ext>
                 </a:extLst>
               </a:tr>
-              <a:tr h="752013">
+              <a:tr h="573588">
                 <a:tc>
                   <a:txBody>
                     <a:bodyPr/>
@@ -17362,7 +13501,7 @@
                   </a:ext>
                 </a:extLst>
               </a:tr>
-              <a:tr h="752013">
+              <a:tr h="573588">
                 <a:tc>
                   <a:txBody>
                     <a:bodyPr/>
@@ -17442,141 +13581,6 @@
 </p:sld>
 </file>
 
-<file path=ppt/slides/slide15.xml><?xml version="1.0" encoding="utf-8"?>
-<p:sld xmlns:a="http://schemas.openxmlformats.org/drawingml/2006/main" xmlns:r="http://schemas.openxmlformats.org/officeDocument/2006/relationships" xmlns:p="http://schemas.openxmlformats.org/presentationml/2006/main">
-  <p:cSld>
-    <p:spTree>
-      <p:nvGrpSpPr>
-        <p:cNvPr id="1" name=""/>
-        <p:cNvGrpSpPr/>
-        <p:nvPr/>
-      </p:nvGrpSpPr>
-      <p:grpSpPr>
-        <a:xfrm>
-          <a:off x="0" y="0"/>
-          <a:ext cx="0" cy="0"/>
-          <a:chOff x="0" y="0"/>
-          <a:chExt cx="0" cy="0"/>
-        </a:xfrm>
-      </p:grpSpPr>
-      <p:sp>
-        <p:nvSpPr>
-          <p:cNvPr id="2" name="Title 1">
-            <a:extLst>
-              <a:ext uri="{FF2B5EF4-FFF2-40B4-BE49-F238E27FC236}">
-                <a16:creationId xmlns:a16="http://schemas.microsoft.com/office/drawing/2014/main" id="{12EDD980-2FF1-6A43-9A90-E021660DC185}"/>
-              </a:ext>
-            </a:extLst>
-          </p:cNvPr>
-          <p:cNvSpPr>
-            <a:spLocks noGrp="1"/>
-          </p:cNvSpPr>
-          <p:nvPr>
-            <p:ph type="title"/>
-          </p:nvPr>
-        </p:nvSpPr>
-        <p:spPr/>
-        <p:txBody>
-          <a:bodyPr/>
-          <a:lstStyle/>
-          <a:p>
-            <a:pPr algn="l"/>
-            <a:r>
-              <a:rPr lang="en-US" dirty="0"/>
-              <a:t>Testing Methodology</a:t>
-            </a:r>
-          </a:p>
-        </p:txBody>
-      </p:sp>
-      <p:sp>
-        <p:nvSpPr>
-          <p:cNvPr id="3" name="Content Placeholder 2">
-            <a:extLst>
-              <a:ext uri="{FF2B5EF4-FFF2-40B4-BE49-F238E27FC236}">
-                <a16:creationId xmlns:a16="http://schemas.microsoft.com/office/drawing/2014/main" id="{52ADF445-4A71-4A47-B495-D5A05EC06DC4}"/>
-              </a:ext>
-            </a:extLst>
-          </p:cNvPr>
-          <p:cNvSpPr>
-            <a:spLocks noGrp="1"/>
-          </p:cNvSpPr>
-          <p:nvPr>
-            <p:ph idx="1"/>
-          </p:nvPr>
-        </p:nvSpPr>
-        <p:spPr>
-          <a:xfrm>
-            <a:off x="2243507" y="1936085"/>
-            <a:ext cx="7958331" cy="2750215"/>
-          </a:xfrm>
-        </p:spPr>
-        <p:txBody>
-          <a:bodyPr anchor="t">
-            <a:normAutofit/>
-          </a:bodyPr>
-          <a:lstStyle/>
-          <a:p>
-            <a:r>
-              <a:rPr lang="en-US" sz="2400" dirty="0"/>
-              <a:t> “Rebuild” the test configurations token-by-token </a:t>
-            </a:r>
-          </a:p>
-          <a:p>
-            <a:r>
-              <a:rPr lang="en-US" sz="2400" dirty="0"/>
-              <a:t>A prediction is marked as successful when we suggest the correct token within three results</a:t>
-            </a:r>
-          </a:p>
-          <a:p>
-            <a:r>
-              <a:rPr lang="en-US" sz="2400" dirty="0"/>
-              <a:t>Perform leave-one-out cross validation</a:t>
-            </a:r>
-          </a:p>
-        </p:txBody>
-      </p:sp>
-      <p:sp>
-        <p:nvSpPr>
-          <p:cNvPr id="4" name="Slide Number Placeholder 3">
-            <a:extLst>
-              <a:ext uri="{FF2B5EF4-FFF2-40B4-BE49-F238E27FC236}">
-                <a16:creationId xmlns:a16="http://schemas.microsoft.com/office/drawing/2014/main" id="{7124CDC2-F652-5F42-9813-BC9248D2A5C8}"/>
-              </a:ext>
-            </a:extLst>
-          </p:cNvPr>
-          <p:cNvSpPr>
-            <a:spLocks noGrp="1"/>
-          </p:cNvSpPr>
-          <p:nvPr>
-            <p:ph type="sldNum" sz="quarter" idx="12"/>
-          </p:nvPr>
-        </p:nvSpPr>
-        <p:spPr/>
-        <p:txBody>
-          <a:bodyPr/>
-          <a:lstStyle/>
-          <a:p>
-            <a:fld id="{6D22F896-40B5-4ADD-8801-0D06FADFA095}" type="slidenum">
-              <a:rPr lang="en-US" smtClean="0"/>
-              <a:t>15</a:t>
-            </a:fld>
-            <a:endParaRPr lang="en-US" dirty="0"/>
-          </a:p>
-        </p:txBody>
-      </p:sp>
-    </p:spTree>
-    <p:extLst>
-      <p:ext uri="{BB962C8B-B14F-4D97-AF65-F5344CB8AC3E}">
-        <p14:creationId xmlns:p14="http://schemas.microsoft.com/office/powerpoint/2010/main" val="4180441357"/>
-      </p:ext>
-    </p:extLst>
-  </p:cSld>
-  <p:clrMapOvr>
-    <a:masterClrMapping/>
-  </p:clrMapOvr>
-</p:sld>
-</file>
-
 <file path=ppt/slides/slide16.xml><?xml version="1.0" encoding="utf-8"?>
 <p:sld xmlns:a="http://schemas.openxmlformats.org/drawingml/2006/main" xmlns:r="http://schemas.openxmlformats.org/officeDocument/2006/relationships" xmlns:p="http://schemas.openxmlformats.org/presentationml/2006/main">
   <p:cSld>
@@ -17610,20 +13614,56 @@
             <p:ph type="title"/>
           </p:nvPr>
         </p:nvSpPr>
+        <p:spPr/>
+        <p:txBody>
+          <a:bodyPr/>
+          <a:lstStyle/>
+          <a:p>
+            <a:pPr algn="l"/>
+            <a:r>
+              <a:rPr lang="en-US" dirty="0"/>
+              <a:t>Testing Methodology</a:t>
+            </a:r>
+          </a:p>
+        </p:txBody>
+      </p:sp>
+      <p:sp>
+        <p:nvSpPr>
+          <p:cNvPr id="3" name="Content Placeholder 2">
+            <a:extLst>
+              <a:ext uri="{FF2B5EF4-FFF2-40B4-BE49-F238E27FC236}">
+                <a16:creationId xmlns:a16="http://schemas.microsoft.com/office/drawing/2014/main" id="{52ADF445-4A71-4A47-B495-D5A05EC06DC4}"/>
+              </a:ext>
+            </a:extLst>
+          </p:cNvPr>
+          <p:cNvSpPr>
+            <a:spLocks noGrp="1"/>
+          </p:cNvSpPr>
+          <p:nvPr>
+            <p:ph idx="1"/>
+          </p:nvPr>
+        </p:nvSpPr>
         <p:spPr>
           <a:xfrm>
-            <a:off x="2611808" y="808056"/>
-            <a:ext cx="7958331" cy="881043"/>
+            <a:off x="2243507" y="1936085"/>
+            <a:ext cx="7958331" cy="2750215"/>
           </a:xfrm>
         </p:spPr>
         <p:txBody>
-          <a:bodyPr/>
+          <a:bodyPr anchor="ctr">
+            <a:normAutofit/>
+          </a:bodyPr>
           <a:lstStyle/>
           <a:p>
-            <a:pPr algn="l"/>
-            <a:r>
-              <a:rPr lang="en-US" dirty="0"/>
-              <a:t>Testing Methodology</a:t>
+            <a:r>
+              <a:rPr lang="en-US" sz="2400" dirty="0"/>
+              <a:t> “Rebuild” the test configurations token-by-token </a:t>
+            </a:r>
+          </a:p>
+          <a:p>
+            <a:r>
+              <a:rPr lang="en-US" sz="2400" dirty="0"/>
+              <a:t>A prediction is marked as successful when we suggest the correct token within three results</a:t>
             </a:r>
           </a:p>
         </p:txBody>
@@ -17652,6 +13692,99 @@
             <a:fld id="{6D22F896-40B5-4ADD-8801-0D06FADFA095}" type="slidenum">
               <a:rPr lang="en-US" smtClean="0"/>
               <a:t>16</a:t>
+            </a:fld>
+            <a:endParaRPr lang="en-US" dirty="0"/>
+          </a:p>
+        </p:txBody>
+      </p:sp>
+    </p:spTree>
+    <p:extLst>
+      <p:ext uri="{BB962C8B-B14F-4D97-AF65-F5344CB8AC3E}">
+        <p14:creationId xmlns:p14="http://schemas.microsoft.com/office/powerpoint/2010/main" val="4180441357"/>
+      </p:ext>
+    </p:extLst>
+  </p:cSld>
+  <p:clrMapOvr>
+    <a:masterClrMapping/>
+  </p:clrMapOvr>
+</p:sld>
+</file>
+
+<file path=ppt/slides/slide17.xml><?xml version="1.0" encoding="utf-8"?>
+<p:sld xmlns:a="http://schemas.openxmlformats.org/drawingml/2006/main" xmlns:r="http://schemas.openxmlformats.org/officeDocument/2006/relationships" xmlns:p="http://schemas.openxmlformats.org/presentationml/2006/main">
+  <p:cSld>
+    <p:spTree>
+      <p:nvGrpSpPr>
+        <p:cNvPr id="1" name=""/>
+        <p:cNvGrpSpPr/>
+        <p:nvPr/>
+      </p:nvGrpSpPr>
+      <p:grpSpPr>
+        <a:xfrm>
+          <a:off x="0" y="0"/>
+          <a:ext cx="0" cy="0"/>
+          <a:chOff x="0" y="0"/>
+          <a:chExt cx="0" cy="0"/>
+        </a:xfrm>
+      </p:grpSpPr>
+      <p:sp>
+        <p:nvSpPr>
+          <p:cNvPr id="2" name="Title 1">
+            <a:extLst>
+              <a:ext uri="{FF2B5EF4-FFF2-40B4-BE49-F238E27FC236}">
+                <a16:creationId xmlns:a16="http://schemas.microsoft.com/office/drawing/2014/main" id="{12EDD980-2FF1-6A43-9A90-E021660DC185}"/>
+              </a:ext>
+            </a:extLst>
+          </p:cNvPr>
+          <p:cNvSpPr>
+            <a:spLocks noGrp="1"/>
+          </p:cNvSpPr>
+          <p:nvPr>
+            <p:ph type="title"/>
+          </p:nvPr>
+        </p:nvSpPr>
+        <p:spPr>
+          <a:xfrm>
+            <a:off x="2611808" y="808056"/>
+            <a:ext cx="7958331" cy="881043"/>
+          </a:xfrm>
+        </p:spPr>
+        <p:txBody>
+          <a:bodyPr/>
+          <a:lstStyle/>
+          <a:p>
+            <a:pPr algn="l"/>
+            <a:r>
+              <a:rPr lang="en-US" dirty="0"/>
+              <a:t>Testing Methodology</a:t>
+            </a:r>
+          </a:p>
+        </p:txBody>
+      </p:sp>
+      <p:sp>
+        <p:nvSpPr>
+          <p:cNvPr id="4" name="Slide Number Placeholder 3">
+            <a:extLst>
+              <a:ext uri="{FF2B5EF4-FFF2-40B4-BE49-F238E27FC236}">
+                <a16:creationId xmlns:a16="http://schemas.microsoft.com/office/drawing/2014/main" id="{7124CDC2-F652-5F42-9813-BC9248D2A5C8}"/>
+              </a:ext>
+            </a:extLst>
+          </p:cNvPr>
+          <p:cNvSpPr>
+            <a:spLocks noGrp="1"/>
+          </p:cNvSpPr>
+          <p:nvPr>
+            <p:ph type="sldNum" sz="quarter" idx="12"/>
+          </p:nvPr>
+        </p:nvSpPr>
+        <p:spPr/>
+        <p:txBody>
+          <a:bodyPr/>
+          <a:lstStyle/>
+          <a:p>
+            <a:fld id="{6D22F896-40B5-4ADD-8801-0D06FADFA095}" type="slidenum">
+              <a:rPr lang="en-US" smtClean="0"/>
+              <a:t>17</a:t>
             </a:fld>
             <a:endParaRPr lang="en-US" dirty="0"/>
           </a:p>
@@ -18607,164 +14740,6 @@
 </p:sld>
 </file>
 
-<file path=ppt/slides/slide17.xml><?xml version="1.0" encoding="utf-8"?>
-<p:sld xmlns:a="http://schemas.openxmlformats.org/drawingml/2006/main" xmlns:r="http://schemas.openxmlformats.org/officeDocument/2006/relationships" xmlns:p="http://schemas.openxmlformats.org/presentationml/2006/main">
-  <p:cSld>
-    <p:spTree>
-      <p:nvGrpSpPr>
-        <p:cNvPr id="1" name=""/>
-        <p:cNvGrpSpPr/>
-        <p:nvPr/>
-      </p:nvGrpSpPr>
-      <p:grpSpPr>
-        <a:xfrm>
-          <a:off x="0" y="0"/>
-          <a:ext cx="0" cy="0"/>
-          <a:chOff x="0" y="0"/>
-          <a:chExt cx="0" cy="0"/>
-        </a:xfrm>
-      </p:grpSpPr>
-      <p:sp>
-        <p:nvSpPr>
-          <p:cNvPr id="2" name="Title 1">
-            <a:extLst>
-              <a:ext uri="{FF2B5EF4-FFF2-40B4-BE49-F238E27FC236}">
-                <a16:creationId xmlns:a16="http://schemas.microsoft.com/office/drawing/2014/main" id="{427336CD-F9C2-C047-ACC7-EB2F21A64B94}"/>
-              </a:ext>
-            </a:extLst>
-          </p:cNvPr>
-          <p:cNvSpPr>
-            <a:spLocks noGrp="1"/>
-          </p:cNvSpPr>
-          <p:nvPr>
-            <p:ph type="title"/>
-          </p:nvPr>
-        </p:nvSpPr>
-        <p:spPr>
-          <a:xfrm>
-            <a:off x="2611808" y="808057"/>
-            <a:ext cx="7958331" cy="655828"/>
-          </a:xfrm>
-        </p:spPr>
-        <p:txBody>
-          <a:bodyPr/>
-          <a:lstStyle/>
-          <a:p>
-            <a:pPr algn="l"/>
-            <a:r>
-              <a:rPr lang="en-US" dirty="0"/>
-              <a:t>Overall Results</a:t>
-            </a:r>
-          </a:p>
-        </p:txBody>
-      </p:sp>
-      <p:pic>
-        <p:nvPicPr>
-          <p:cNvPr id="5" name="Content Placeholder 4">
-            <a:extLst>
-              <a:ext uri="{FF2B5EF4-FFF2-40B4-BE49-F238E27FC236}">
-                <a16:creationId xmlns:a16="http://schemas.microsoft.com/office/drawing/2014/main" id="{AAA98EF9-9005-0147-8897-FFBC03DA11C8}"/>
-              </a:ext>
-            </a:extLst>
-          </p:cNvPr>
-          <p:cNvPicPr>
-            <a:picLocks noGrp="1" noChangeAspect="1"/>
-          </p:cNvPicPr>
-          <p:nvPr>
-            <p:ph idx="1"/>
-          </p:nvPr>
-        </p:nvPicPr>
-        <p:blipFill>
-          <a:blip r:embed="rId2"/>
-          <a:stretch>
-            <a:fillRect/>
-          </a:stretch>
-        </p:blipFill>
-        <p:spPr>
-          <a:xfrm>
-            <a:off x="3937777" y="1554798"/>
-            <a:ext cx="5306387" cy="4541124"/>
-          </a:xfrm>
-        </p:spPr>
-      </p:pic>
-      <p:sp>
-        <p:nvSpPr>
-          <p:cNvPr id="6" name="TextBox 5">
-            <a:extLst>
-              <a:ext uri="{FF2B5EF4-FFF2-40B4-BE49-F238E27FC236}">
-                <a16:creationId xmlns:a16="http://schemas.microsoft.com/office/drawing/2014/main" id="{F284FACB-8A2F-4D4F-ABF5-8C46BEB927C6}"/>
-              </a:ext>
-            </a:extLst>
-          </p:cNvPr>
-          <p:cNvSpPr txBox="1"/>
-          <p:nvPr/>
-        </p:nvSpPr>
-        <p:spPr>
-          <a:xfrm>
-            <a:off x="2992806" y="6186836"/>
-            <a:ext cx="7196331" cy="369332"/>
-          </a:xfrm>
-          <a:prstGeom prst="rect">
-            <a:avLst/>
-          </a:prstGeom>
-          <a:noFill/>
-        </p:spPr>
-        <p:txBody>
-          <a:bodyPr wrap="square" rtlCol="0">
-            <a:spAutoFit/>
-          </a:bodyPr>
-          <a:lstStyle/>
-          <a:p>
-            <a:pPr algn="ctr"/>
-            <a:r>
-              <a:rPr lang="en-US" dirty="0"/>
-              <a:t>High prediction accuracy (&gt;85%) for the majority of routers. </a:t>
-            </a:r>
-          </a:p>
-        </p:txBody>
-      </p:sp>
-      <p:sp>
-        <p:nvSpPr>
-          <p:cNvPr id="7" name="Slide Number Placeholder 6">
-            <a:extLst>
-              <a:ext uri="{FF2B5EF4-FFF2-40B4-BE49-F238E27FC236}">
-                <a16:creationId xmlns:a16="http://schemas.microsoft.com/office/drawing/2014/main" id="{6CDFF5F8-5D13-2048-9A1B-F25190AFFA17}"/>
-              </a:ext>
-            </a:extLst>
-          </p:cNvPr>
-          <p:cNvSpPr>
-            <a:spLocks noGrp="1"/>
-          </p:cNvSpPr>
-          <p:nvPr>
-            <p:ph type="sldNum" sz="quarter" idx="12"/>
-          </p:nvPr>
-        </p:nvSpPr>
-        <p:spPr/>
-        <p:txBody>
-          <a:bodyPr/>
-          <a:lstStyle/>
-          <a:p>
-            <a:fld id="{6D22F896-40B5-4ADD-8801-0D06FADFA095}" type="slidenum">
-              <a:rPr lang="en-US" smtClean="0"/>
-              <a:t>17</a:t>
-            </a:fld>
-            <a:endParaRPr lang="en-US" dirty="0"/>
-          </a:p>
-        </p:txBody>
-      </p:sp>
-    </p:spTree>
-    <p:extLst>
-      <p:ext uri="{BB962C8B-B14F-4D97-AF65-F5344CB8AC3E}">
-        <p14:creationId xmlns:p14="http://schemas.microsoft.com/office/powerpoint/2010/main" val="1083426326"/>
-      </p:ext>
-    </p:extLst>
-  </p:cSld>
-  <p:clrMapOvr>
-    <a:masterClrMapping/>
-  </p:clrMapOvr>
-</p:sld>
-</file>
-
 <file path=ppt/slides/slide18.xml><?xml version="1.0" encoding="utf-8"?>
 <p:sld xmlns:a="http://schemas.openxmlformats.org/drawingml/2006/main" xmlns:r="http://schemas.openxmlformats.org/officeDocument/2006/relationships" xmlns:p="http://schemas.openxmlformats.org/presentationml/2006/main">
   <p:cSld>
@@ -18787,7 +14762,7 @@
           <p:cNvPr id="2" name="Title 1">
             <a:extLst>
               <a:ext uri="{FF2B5EF4-FFF2-40B4-BE49-F238E27FC236}">
-                <a16:creationId xmlns:a16="http://schemas.microsoft.com/office/drawing/2014/main" id="{8E07918A-3A10-FE4A-8916-E5DEC57D5F65}"/>
+                <a16:creationId xmlns:a16="http://schemas.microsoft.com/office/drawing/2014/main" id="{12EDD980-2FF1-6A43-9A90-E021660DC185}"/>
               </a:ext>
             </a:extLst>
           </p:cNvPr>
@@ -18798,57 +14773,72 @@
             <p:ph type="title"/>
           </p:nvPr>
         </p:nvSpPr>
+        <p:spPr/>
+        <p:txBody>
+          <a:bodyPr/>
+          <a:lstStyle/>
+          <a:p>
+            <a:pPr algn="l"/>
+            <a:r>
+              <a:rPr lang="en-US" dirty="0"/>
+              <a:t>Testing Methodology</a:t>
+            </a:r>
+          </a:p>
+        </p:txBody>
+      </p:sp>
+      <p:sp>
+        <p:nvSpPr>
+          <p:cNvPr id="3" name="Content Placeholder 2">
+            <a:extLst>
+              <a:ext uri="{FF2B5EF4-FFF2-40B4-BE49-F238E27FC236}">
+                <a16:creationId xmlns:a16="http://schemas.microsoft.com/office/drawing/2014/main" id="{52ADF445-4A71-4A47-B495-D5A05EC06DC4}"/>
+              </a:ext>
+            </a:extLst>
+          </p:cNvPr>
+          <p:cNvSpPr>
+            <a:spLocks noGrp="1"/>
+          </p:cNvSpPr>
+          <p:nvPr>
+            <p:ph idx="1"/>
+          </p:nvPr>
+        </p:nvSpPr>
         <p:spPr>
           <a:xfrm>
-            <a:off x="2611808" y="808057"/>
-            <a:ext cx="7958331" cy="647946"/>
+            <a:off x="2243507" y="1936085"/>
+            <a:ext cx="7958331" cy="2750215"/>
           </a:xfrm>
         </p:spPr>
         <p:txBody>
-          <a:bodyPr/>
+          <a:bodyPr anchor="t">
+            <a:normAutofit/>
+          </a:bodyPr>
           <a:lstStyle/>
           <a:p>
-            <a:pPr algn="l"/>
-            <a:endParaRPr lang="en-US" dirty="0"/>
+            <a:r>
+              <a:rPr lang="en-US" sz="2400" dirty="0"/>
+              <a:t> “Rebuild” the test configurations token-by-token </a:t>
+            </a:r>
+          </a:p>
+          <a:p>
+            <a:r>
+              <a:rPr lang="en-US" sz="2400" dirty="0"/>
+              <a:t>A prediction is marked as successful when we suggest the correct token within three results</a:t>
+            </a:r>
+          </a:p>
+          <a:p>
+            <a:r>
+              <a:rPr lang="en-US" sz="2400" dirty="0"/>
+              <a:t>Perform leave-one-out cross validation</a:t>
+            </a:r>
           </a:p>
         </p:txBody>
       </p:sp>
-      <p:pic>
-        <p:nvPicPr>
-          <p:cNvPr id="7" name="Picture 6">
+      <p:sp>
+        <p:nvSpPr>
+          <p:cNvPr id="4" name="Slide Number Placeholder 3">
             <a:extLst>
               <a:ext uri="{FF2B5EF4-FFF2-40B4-BE49-F238E27FC236}">
-                <a16:creationId xmlns:a16="http://schemas.microsoft.com/office/drawing/2014/main" id="{10BAA23A-0C36-6A4B-ADCD-A5C0405C2119}"/>
-              </a:ext>
-            </a:extLst>
-          </p:cNvPr>
-          <p:cNvPicPr>
-            <a:picLocks noChangeAspect="1"/>
-          </p:cNvPicPr>
-          <p:nvPr/>
-        </p:nvPicPr>
-        <p:blipFill>
-          <a:blip r:embed="rId2"/>
-          <a:stretch>
-            <a:fillRect/>
-          </a:stretch>
-        </p:blipFill>
-        <p:spPr>
-          <a:xfrm>
-            <a:off x="4399745" y="1456003"/>
-            <a:ext cx="4382455" cy="5015758"/>
-          </a:xfrm>
-          <a:prstGeom prst="rect">
-            <a:avLst/>
-          </a:prstGeom>
-        </p:spPr>
-      </p:pic>
-      <p:sp>
-        <p:nvSpPr>
-          <p:cNvPr id="10" name="Slide Number Placeholder 9">
-            <a:extLst>
-              <a:ext uri="{FF2B5EF4-FFF2-40B4-BE49-F238E27FC236}">
-                <a16:creationId xmlns:a16="http://schemas.microsoft.com/office/drawing/2014/main" id="{40B8CE76-D96C-054E-8D10-3D9C657FFB52}"/>
+                <a16:creationId xmlns:a16="http://schemas.microsoft.com/office/drawing/2014/main" id="{7124CDC2-F652-5F42-9813-BC9248D2A5C8}"/>
               </a:ext>
             </a:extLst>
           </p:cNvPr>
@@ -18875,13 +14865,92 @@
     </p:spTree>
     <p:extLst>
       <p:ext uri="{BB962C8B-B14F-4D97-AF65-F5344CB8AC3E}">
-        <p14:creationId xmlns:p14="http://schemas.microsoft.com/office/powerpoint/2010/main" val="155600568"/>
+        <p14:creationId xmlns:p14="http://schemas.microsoft.com/office/powerpoint/2010/main" val="741787991"/>
       </p:ext>
     </p:extLst>
   </p:cSld>
   <p:clrMapOvr>
     <a:masterClrMapping/>
   </p:clrMapOvr>
+  <p:timing>
+    <p:tnLst>
+      <p:par>
+        <p:cTn id="1" dur="indefinite" restart="never" nodeType="tmRoot">
+          <p:childTnLst>
+            <p:seq concurrent="1" nextAc="seek">
+              <p:cTn id="2" dur="indefinite" nodeType="mainSeq">
+                <p:childTnLst>
+                  <p:par>
+                    <p:cTn id="3" fill="hold">
+                      <p:stCondLst>
+                        <p:cond delay="indefinite"/>
+                      </p:stCondLst>
+                      <p:childTnLst>
+                        <p:par>
+                          <p:cTn id="4" fill="hold">
+                            <p:stCondLst>
+                              <p:cond delay="0"/>
+                            </p:stCondLst>
+                            <p:childTnLst>
+                              <p:par>
+                                <p:cTn id="5" presetID="1" presetClass="entr" presetSubtype="0" fill="hold" nodeType="clickEffect">
+                                  <p:stCondLst>
+                                    <p:cond delay="0"/>
+                                  </p:stCondLst>
+                                  <p:childTnLst>
+                                    <p:set>
+                                      <p:cBhvr>
+                                        <p:cTn id="6" dur="1" fill="hold">
+                                          <p:stCondLst>
+                                            <p:cond delay="0"/>
+                                          </p:stCondLst>
+                                        </p:cTn>
+                                        <p:tgtEl>
+                                          <p:spTgt spid="3">
+                                            <p:txEl>
+                                              <p:pRg st="2" end="2"/>
+                                            </p:txEl>
+                                          </p:spTgt>
+                                        </p:tgtEl>
+                                        <p:attrNameLst>
+                                          <p:attrName>style.visibility</p:attrName>
+                                        </p:attrNameLst>
+                                      </p:cBhvr>
+                                      <p:to>
+                                        <p:strVal val="visible"/>
+                                      </p:to>
+                                    </p:set>
+                                  </p:childTnLst>
+                                </p:cTn>
+                              </p:par>
+                            </p:childTnLst>
+                          </p:cTn>
+                        </p:par>
+                      </p:childTnLst>
+                    </p:cTn>
+                  </p:par>
+                </p:childTnLst>
+              </p:cTn>
+              <p:prevCondLst>
+                <p:cond evt="onPrev" delay="0">
+                  <p:tgtEl>
+                    <p:sldTgt/>
+                  </p:tgtEl>
+                </p:cond>
+              </p:prevCondLst>
+              <p:nextCondLst>
+                <p:cond evt="onNext" delay="0">
+                  <p:tgtEl>
+                    <p:sldTgt/>
+                  </p:tgtEl>
+                </p:cond>
+              </p:nextCondLst>
+            </p:seq>
+          </p:childTnLst>
+        </p:cTn>
+      </p:par>
+    </p:tnLst>
+  </p:timing>
 </p:sld>
 </file>
 
@@ -18907,7 +14976,7 @@
           <p:cNvPr id="2" name="Title 1">
             <a:extLst>
               <a:ext uri="{FF2B5EF4-FFF2-40B4-BE49-F238E27FC236}">
-                <a16:creationId xmlns:a16="http://schemas.microsoft.com/office/drawing/2014/main" id="{8E07918A-3A10-FE4A-8916-E5DEC57D5F65}"/>
+                <a16:creationId xmlns:a16="http://schemas.microsoft.com/office/drawing/2014/main" id="{427336CD-F9C2-C047-ACC7-EB2F21A64B94}"/>
               </a:ext>
             </a:extLst>
           </p:cNvPr>
@@ -18921,38 +14990,99 @@
         <p:spPr>
           <a:xfrm>
             <a:off x="2611808" y="808057"/>
-            <a:ext cx="7958331" cy="647946"/>
+            <a:ext cx="7958331" cy="655828"/>
           </a:xfrm>
         </p:spPr>
         <p:txBody>
-          <a:bodyPr>
-            <a:normAutofit/>
+          <a:bodyPr/>
+          <a:lstStyle/>
+          <a:p>
+            <a:pPr algn="l"/>
+            <a:r>
+              <a:rPr lang="en-US" dirty="0"/>
+              <a:t>Overall Performance</a:t>
+            </a:r>
+          </a:p>
+        </p:txBody>
+      </p:sp>
+      <p:sp>
+        <p:nvSpPr>
+          <p:cNvPr id="6" name="TextBox 5">
+            <a:extLst>
+              <a:ext uri="{FF2B5EF4-FFF2-40B4-BE49-F238E27FC236}">
+                <a16:creationId xmlns:a16="http://schemas.microsoft.com/office/drawing/2014/main" id="{F284FACB-8A2F-4D4F-ABF5-8C46BEB927C6}"/>
+              </a:ext>
+            </a:extLst>
+          </p:cNvPr>
+          <p:cNvSpPr txBox="1"/>
+          <p:nvPr/>
+        </p:nvSpPr>
+        <p:spPr>
+          <a:xfrm>
+            <a:off x="2992806" y="6186836"/>
+            <a:ext cx="7196331" cy="369332"/>
+          </a:xfrm>
+          <a:prstGeom prst="rect">
+            <a:avLst/>
+          </a:prstGeom>
+          <a:noFill/>
+        </p:spPr>
+        <p:txBody>
+          <a:bodyPr wrap="square" rtlCol="0">
+            <a:spAutoFit/>
           </a:bodyPr>
           <a:lstStyle/>
           <a:p>
-            <a:pPr algn="l"/>
-            <a:r>
-              <a:rPr lang="en-US" sz="2800" dirty="0"/>
-              <a:t>How does the model perform for small datasets?</a:t>
-            </a:r>
+            <a:pPr algn="ctr"/>
+            <a:r>
+              <a:rPr lang="en-US" dirty="0"/>
+              <a:t>Figure 1: High prediction accuracy (&gt;85%) for the majority of routers. </a:t>
+            </a:r>
+          </a:p>
+        </p:txBody>
+      </p:sp>
+      <p:sp>
+        <p:nvSpPr>
+          <p:cNvPr id="7" name="Slide Number Placeholder 6">
+            <a:extLst>
+              <a:ext uri="{FF2B5EF4-FFF2-40B4-BE49-F238E27FC236}">
+                <a16:creationId xmlns:a16="http://schemas.microsoft.com/office/drawing/2014/main" id="{6CDFF5F8-5D13-2048-9A1B-F25190AFFA17}"/>
+              </a:ext>
+            </a:extLst>
+          </p:cNvPr>
+          <p:cNvSpPr>
+            <a:spLocks noGrp="1"/>
+          </p:cNvSpPr>
+          <p:nvPr>
+            <p:ph type="sldNum" sz="quarter" idx="12"/>
+          </p:nvPr>
+        </p:nvSpPr>
+        <p:spPr/>
+        <p:txBody>
+          <a:bodyPr/>
+          <a:lstStyle/>
+          <a:p>
+            <a:fld id="{6D22F896-40B5-4ADD-8801-0D06FADFA095}" type="slidenum">
+              <a:rPr lang="en-US" smtClean="0"/>
+              <a:t>19</a:t>
+            </a:fld>
+            <a:endParaRPr lang="en-US" dirty="0"/>
           </a:p>
         </p:txBody>
       </p:sp>
       <p:pic>
         <p:nvPicPr>
-          <p:cNvPr id="4" name="Content Placeholder 4">
+          <p:cNvPr id="9" name="Picture 8">
             <a:extLst>
               <a:ext uri="{FF2B5EF4-FFF2-40B4-BE49-F238E27FC236}">
-                <a16:creationId xmlns:a16="http://schemas.microsoft.com/office/drawing/2014/main" id="{B6B2E6F7-65D8-674E-948A-0F6495632424}"/>
+                <a16:creationId xmlns:a16="http://schemas.microsoft.com/office/drawing/2014/main" id="{1BB64A55-ADA9-9F4B-AA50-BE5A8A26139E}"/>
               </a:ext>
             </a:extLst>
           </p:cNvPr>
           <p:cNvPicPr>
-            <a:picLocks noGrp="1" noChangeAspect="1"/>
+            <a:picLocks noChangeAspect="1"/>
           </p:cNvPicPr>
-          <p:nvPr>
-            <p:ph idx="1"/>
-          </p:nvPr>
+          <p:nvPr/>
         </p:nvPicPr>
         <p:blipFill>
           <a:blip r:embed="rId2"/>
@@ -18962,50 +15092,153 @@
         </p:blipFill>
         <p:spPr>
           <a:xfrm>
-            <a:off x="3727289" y="1535515"/>
-            <a:ext cx="5939160" cy="5015758"/>
+            <a:off x="3390571" y="1539360"/>
+            <a:ext cx="6400800" cy="4572000"/>
           </a:xfrm>
+          <a:prstGeom prst="rect">
+            <a:avLst/>
+          </a:prstGeom>
         </p:spPr>
       </p:pic>
-      <p:sp>
-        <p:nvSpPr>
-          <p:cNvPr id="3" name="Slide Number Placeholder 2">
+      <p:cxnSp>
+        <p:nvCxnSpPr>
+          <p:cNvPr id="17" name="Straight Connector 16">
             <a:extLst>
               <a:ext uri="{FF2B5EF4-FFF2-40B4-BE49-F238E27FC236}">
-                <a16:creationId xmlns:a16="http://schemas.microsoft.com/office/drawing/2014/main" id="{9CAEBE01-9E65-8E46-9553-3E8E493A3B4E}"/>
+                <a16:creationId xmlns:a16="http://schemas.microsoft.com/office/drawing/2014/main" id="{C58EA978-6BBB-7F44-AE95-468CD571C330}"/>
               </a:ext>
             </a:extLst>
           </p:cNvPr>
-          <p:cNvSpPr>
-            <a:spLocks noGrp="1"/>
-          </p:cNvSpPr>
-          <p:nvPr>
-            <p:ph type="sldNum" sz="quarter" idx="12"/>
-          </p:nvPr>
-        </p:nvSpPr>
-        <p:spPr/>
-        <p:txBody>
-          <a:bodyPr/>
-          <a:lstStyle/>
-          <a:p>
-            <a:fld id="{6D22F896-40B5-4ADD-8801-0D06FADFA095}" type="slidenum">
-              <a:rPr lang="en-US" smtClean="0"/>
-              <a:t>19</a:t>
-            </a:fld>
-            <a:endParaRPr lang="en-US" dirty="0"/>
-          </a:p>
-        </p:txBody>
-      </p:sp>
+          <p:cNvCxnSpPr/>
+          <p:nvPr/>
+        </p:nvCxnSpPr>
+        <p:spPr>
+          <a:xfrm>
+            <a:off x="4572000" y="3073942"/>
+            <a:ext cx="4143983" cy="0"/>
+          </a:xfrm>
+          <a:prstGeom prst="line">
+            <a:avLst/>
+          </a:prstGeom>
+          <a:ln>
+            <a:solidFill>
+              <a:srgbClr val="FF0000">
+                <a:alpha val="76000"/>
+              </a:srgbClr>
+            </a:solidFill>
+            <a:prstDash val="solid"/>
+            <a:headEnd type="none" w="med" len="med"/>
+            <a:tailEnd type="none" w="med" len="med"/>
+          </a:ln>
+        </p:spPr>
+        <p:style>
+          <a:lnRef idx="3">
+            <a:schemeClr val="accent1"/>
+          </a:lnRef>
+          <a:fillRef idx="0">
+            <a:schemeClr val="accent1"/>
+          </a:fillRef>
+          <a:effectRef idx="2">
+            <a:schemeClr val="accent1"/>
+          </a:effectRef>
+          <a:fontRef idx="minor">
+            <a:schemeClr val="tx1"/>
+          </a:fontRef>
+        </p:style>
+      </p:cxnSp>
     </p:spTree>
     <p:extLst>
       <p:ext uri="{BB962C8B-B14F-4D97-AF65-F5344CB8AC3E}">
-        <p14:creationId xmlns:p14="http://schemas.microsoft.com/office/powerpoint/2010/main" val="1850435212"/>
+        <p14:creationId xmlns:p14="http://schemas.microsoft.com/office/powerpoint/2010/main" val="1083426326"/>
       </p:ext>
     </p:extLst>
   </p:cSld>
   <p:clrMapOvr>
     <a:masterClrMapping/>
   </p:clrMapOvr>
+  <p:timing>
+    <p:tnLst>
+      <p:par>
+        <p:cTn id="1" dur="indefinite" restart="never" nodeType="tmRoot">
+          <p:childTnLst>
+            <p:seq concurrent="1" nextAc="seek">
+              <p:cTn id="2" dur="indefinite" nodeType="mainSeq">
+                <p:childTnLst>
+                  <p:par>
+                    <p:cTn id="3" fill="hold">
+                      <p:stCondLst>
+                        <p:cond delay="indefinite"/>
+                      </p:stCondLst>
+                      <p:childTnLst>
+                        <p:par>
+                          <p:cTn id="4" fill="hold">
+                            <p:stCondLst>
+                              <p:cond delay="0"/>
+                            </p:stCondLst>
+                            <p:childTnLst>
+                              <p:par>
+                                <p:cTn id="5" presetID="22" presetClass="entr" presetSubtype="8" fill="hold" nodeType="clickEffect">
+                                  <p:stCondLst>
+                                    <p:cond delay="0"/>
+                                  </p:stCondLst>
+                                  <p:childTnLst>
+                                    <p:set>
+                                      <p:cBhvr>
+                                        <p:cTn id="6" dur="1" fill="hold">
+                                          <p:stCondLst>
+                                            <p:cond delay="0"/>
+                                          </p:stCondLst>
+                                        </p:cTn>
+                                        <p:tgtEl>
+                                          <p:spTgt spid="17"/>
+                                        </p:tgtEl>
+                                        <p:attrNameLst>
+                                          <p:attrName>style.visibility</p:attrName>
+                                        </p:attrNameLst>
+                                      </p:cBhvr>
+                                      <p:to>
+                                        <p:strVal val="visible"/>
+                                      </p:to>
+                                    </p:set>
+                                    <p:animEffect transition="in" filter="wipe(left)">
+                                      <p:cBhvr>
+                                        <p:cTn id="7" dur="500"/>
+                                        <p:tgtEl>
+                                          <p:spTgt spid="17"/>
+                                        </p:tgtEl>
+                                      </p:cBhvr>
+                                    </p:animEffect>
+                                  </p:childTnLst>
+                                </p:cTn>
+                              </p:par>
+                            </p:childTnLst>
+                          </p:cTn>
+                        </p:par>
+                      </p:childTnLst>
+                    </p:cTn>
+                  </p:par>
+                </p:childTnLst>
+              </p:cTn>
+              <p:prevCondLst>
+                <p:cond evt="onPrev" delay="0">
+                  <p:tgtEl>
+                    <p:sldTgt/>
+                  </p:tgtEl>
+                </p:cond>
+              </p:prevCondLst>
+              <p:nextCondLst>
+                <p:cond evt="onNext" delay="0">
+                  <p:tgtEl>
+                    <p:sldTgt/>
+                  </p:tgtEl>
+                </p:cond>
+              </p:nextCondLst>
+            </p:seq>
+          </p:childTnLst>
+        </p:cTn>
+      </p:par>
+    </p:tnLst>
+  </p:timing>
 </p:sld>
 </file>
 
@@ -19073,17 +15306,18 @@
         </p:nvSpPr>
         <p:spPr>
           <a:xfrm>
-            <a:off x="2611808" y="2106229"/>
-            <a:ext cx="7796540" cy="3997828"/>
+            <a:off x="2253998" y="2079725"/>
+            <a:ext cx="8599531" cy="3684971"/>
           </a:xfrm>
         </p:spPr>
         <p:txBody>
-          <a:bodyPr/>
+          <a:bodyPr>
+            <a:normAutofit/>
+          </a:bodyPr>
           <a:lstStyle/>
           <a:p>
             <a:r>
-              <a:rPr lang="en-US" dirty="0">
-                <a:latin typeface="Futura Medium" panose="020B0602020204020303" pitchFamily="34" charset="-79"/>
+              <a:rPr lang="en-US" sz="2400" dirty="0">
                 <a:ea typeface="Helvetica Neue" panose="02000503000000020004" pitchFamily="2" charset="0"/>
                 <a:cs typeface="Futura Medium" panose="020B0602020204020303" pitchFamily="34" charset="-79"/>
               </a:rPr>
@@ -19093,8 +15327,7 @@
           <a:p>
             <a:pPr lvl="1"/>
             <a:r>
-              <a:rPr lang="en-US" dirty="0">
-                <a:latin typeface="Futura Medium" panose="020B0602020204020303" pitchFamily="34" charset="-79"/>
+              <a:rPr lang="en-US" sz="2400" dirty="0">
                 <a:ea typeface="Helvetica Neue" panose="02000503000000020004" pitchFamily="2" charset="0"/>
                 <a:cs typeface="Futura Medium" panose="020B0602020204020303" pitchFamily="34" charset="-79"/>
               </a:rPr>
@@ -19103,8 +15336,7 @@
           </a:p>
           <a:p>
             <a:r>
-              <a:rPr lang="en-US" dirty="0">
-                <a:latin typeface="Futura Medium" panose="020B0602020204020303" pitchFamily="34" charset="-79"/>
+              <a:rPr lang="en-US" sz="2400" dirty="0">
                 <a:ea typeface="Helvetica Neue" panose="02000503000000020004" pitchFamily="2" charset="0"/>
                 <a:cs typeface="Futura Medium" panose="020B0602020204020303" pitchFamily="34" charset="-79"/>
               </a:rPr>
@@ -19113,24 +15345,21 @@
           </a:p>
           <a:p>
             <a:r>
-              <a:rPr lang="en-US" dirty="0">
-                <a:latin typeface="Futura Medium" panose="020B0602020204020303" pitchFamily="34" charset="-79"/>
+              <a:rPr lang="en-US" sz="2400" dirty="0">
                 <a:ea typeface="Helvetica Neue" panose="02000503000000020004" pitchFamily="2" charset="0"/>
                 <a:cs typeface="Futura Medium" panose="020B0602020204020303" pitchFamily="34" charset="-79"/>
               </a:rPr>
               <a:t>Each router has its own </a:t>
             </a:r>
             <a:r>
-              <a:rPr lang="en-US" u="sng" dirty="0">
-                <a:latin typeface="Futura Medium" panose="020B0602020204020303" pitchFamily="34" charset="-79"/>
+              <a:rPr lang="en-US" sz="2400" u="sng" dirty="0">
                 <a:ea typeface="Helvetica Neue" panose="02000503000000020004" pitchFamily="2" charset="0"/>
                 <a:cs typeface="Futura Medium" panose="020B0602020204020303" pitchFamily="34" charset="-79"/>
               </a:rPr>
               <a:t>configuration file</a:t>
             </a:r>
             <a:r>
-              <a:rPr lang="en-US" dirty="0">
-                <a:latin typeface="Futura Medium" panose="020B0602020204020303" pitchFamily="34" charset="-79"/>
+              <a:rPr lang="en-US" sz="2400" dirty="0">
                 <a:ea typeface="Helvetica Neue" panose="02000503000000020004" pitchFamily="2" charset="0"/>
                 <a:cs typeface="Futura Medium" panose="020B0602020204020303" pitchFamily="34" charset="-79"/>
               </a:rPr>
@@ -19138,8 +15367,7 @@
             </a:r>
           </a:p>
           <a:p>
-            <a:endParaRPr lang="en-US" dirty="0">
-              <a:latin typeface="Futura Medium" panose="020B0602020204020303" pitchFamily="34" charset="-79"/>
+            <a:endParaRPr lang="en-US" sz="2400" dirty="0">
               <a:ea typeface="Helvetica Neue" panose="02000503000000020004" pitchFamily="2" charset="0"/>
               <a:cs typeface="Futura Medium" panose="020B0602020204020303" pitchFamily="34" charset="-79"/>
             </a:endParaRPr>
@@ -19210,7 +15438,7 @@
           <p:cNvPr id="2" name="Title 1">
             <a:extLst>
               <a:ext uri="{FF2B5EF4-FFF2-40B4-BE49-F238E27FC236}">
-                <a16:creationId xmlns:a16="http://schemas.microsoft.com/office/drawing/2014/main" id="{C4B6F837-2A22-CD46-8852-7F204CC6A785}"/>
+                <a16:creationId xmlns:a16="http://schemas.microsoft.com/office/drawing/2014/main" id="{6649F5D5-50D4-3F4D-85DC-A829071EA330}"/>
               </a:ext>
             </a:extLst>
           </p:cNvPr>
@@ -19221,21 +15449,70 @@
             <p:ph type="title"/>
           </p:nvPr>
         </p:nvSpPr>
+        <p:spPr/>
+        <p:txBody>
+          <a:bodyPr/>
+          <a:lstStyle/>
+          <a:p>
+            <a:pPr algn="l"/>
+            <a:r>
+              <a:rPr lang="en-US" dirty="0"/>
+              <a:t>Challenges</a:t>
+            </a:r>
+          </a:p>
+        </p:txBody>
+      </p:sp>
+      <p:sp>
+        <p:nvSpPr>
+          <p:cNvPr id="3" name="Content Placeholder 2">
+            <a:extLst>
+              <a:ext uri="{FF2B5EF4-FFF2-40B4-BE49-F238E27FC236}">
+                <a16:creationId xmlns:a16="http://schemas.microsoft.com/office/drawing/2014/main" id="{8998A299-F873-FE4C-A1E0-A097FEF6043C}"/>
+              </a:ext>
+            </a:extLst>
+          </p:cNvPr>
+          <p:cNvSpPr>
+            <a:spLocks noGrp="1"/>
+          </p:cNvSpPr>
+          <p:nvPr>
+            <p:ph idx="1"/>
+          </p:nvPr>
+        </p:nvSpPr>
         <p:spPr>
           <a:xfrm>
-            <a:off x="2611808" y="808057"/>
-            <a:ext cx="7958331" cy="665144"/>
+            <a:off x="2240443" y="1683919"/>
+            <a:ext cx="7796540" cy="3997828"/>
           </a:xfrm>
         </p:spPr>
         <p:txBody>
-          <a:bodyPr/>
+          <a:bodyPr anchor="t"/>
           <a:lstStyle/>
           <a:p>
-            <a:pPr algn="l"/>
-            <a:r>
-              <a:rPr lang="en-US" dirty="0"/>
-              <a:t>How well did our placeholders perform?</a:t>
-            </a:r>
+            <a:r>
+              <a:rPr lang="en-US" sz="2400" dirty="0"/>
+              <a:t>Routers have different roles</a:t>
+            </a:r>
+          </a:p>
+          <a:p>
+            <a:r>
+              <a:rPr lang="en-US" sz="2400" dirty="0"/>
+              <a:t>Configurations often have many parameters which add variance</a:t>
+            </a:r>
+          </a:p>
+          <a:p>
+            <a:r>
+              <a:rPr lang="en-US" sz="2400" dirty="0"/>
+              <a:t>We may need long histories of snapshots</a:t>
+            </a:r>
+          </a:p>
+          <a:p>
+            <a:r>
+              <a:rPr lang="en-US" sz="2400" dirty="0"/>
+              <a:t>Some networks may not have any existing configurations to help build a model</a:t>
+            </a:r>
+          </a:p>
+          <a:p>
+            <a:endParaRPr lang="en-US" dirty="0"/>
           </a:p>
         </p:txBody>
       </p:sp>
@@ -19244,7 +15521,7 @@
           <p:cNvPr id="4" name="Slide Number Placeholder 3">
             <a:extLst>
               <a:ext uri="{FF2B5EF4-FFF2-40B4-BE49-F238E27FC236}">
-                <a16:creationId xmlns:a16="http://schemas.microsoft.com/office/drawing/2014/main" id="{6397FC56-9B20-C94C-94BE-7B15F36CD02E}"/>
+                <a16:creationId xmlns:a16="http://schemas.microsoft.com/office/drawing/2014/main" id="{9FF37111-1953-F14E-924C-31635CAE0888}"/>
               </a:ext>
             </a:extLst>
           </p:cNvPr>
@@ -19268,428 +15545,10 @@
           </a:p>
         </p:txBody>
       </p:sp>
-      <p:pic>
-        <p:nvPicPr>
-          <p:cNvPr id="5" name="Content Placeholder 4">
-            <a:extLst>
-              <a:ext uri="{FF2B5EF4-FFF2-40B4-BE49-F238E27FC236}">
-                <a16:creationId xmlns:a16="http://schemas.microsoft.com/office/drawing/2014/main" id="{ACA7060D-792A-C549-AF44-B810A641DC8A}"/>
-              </a:ext>
-            </a:extLst>
-          </p:cNvPr>
-          <p:cNvPicPr>
-            <a:picLocks noGrp="1" noChangeAspect="1"/>
-          </p:cNvPicPr>
-          <p:nvPr>
-            <p:ph idx="1"/>
-          </p:nvPr>
-        </p:nvPicPr>
-        <p:blipFill>
-          <a:blip r:embed="rId2">
-            <a:alphaModFix/>
-            <a:extLst>
-              <a:ext uri="{BEBA8EAE-BF5A-486C-A8C5-ECC9F3942E4B}">
-                <a14:imgProps xmlns:a14="http://schemas.microsoft.com/office/drawing/2010/main">
-                  <a14:imgLayer r:embed="rId3">
-                    <a14:imgEffect>
-                      <a14:saturation sat="400000"/>
-                    </a14:imgEffect>
-                  </a14:imgLayer>
-                </a14:imgProps>
-              </a:ext>
-            </a:extLst>
-          </a:blip>
-          <a:stretch>
-            <a:fillRect/>
-          </a:stretch>
-        </p:blipFill>
-        <p:spPr>
-          <a:xfrm>
-            <a:off x="4328859" y="2065338"/>
-            <a:ext cx="4050219" cy="3997325"/>
-          </a:xfrm>
-          <a:prstGeom prst="rect">
-            <a:avLst/>
-          </a:prstGeom>
-        </p:spPr>
-      </p:pic>
     </p:spTree>
     <p:extLst>
       <p:ext uri="{BB962C8B-B14F-4D97-AF65-F5344CB8AC3E}">
-        <p14:creationId xmlns:p14="http://schemas.microsoft.com/office/powerpoint/2010/main" val="1369419814"/>
-      </p:ext>
-    </p:extLst>
-  </p:cSld>
-  <p:clrMapOvr>
-    <a:masterClrMapping/>
-  </p:clrMapOvr>
-</p:sld>
-</file>
-
-<file path=ppt/slides/slide21.xml><?xml version="1.0" encoding="utf-8"?>
-<p:sld xmlns:a="http://schemas.openxmlformats.org/drawingml/2006/main" xmlns:r="http://schemas.openxmlformats.org/officeDocument/2006/relationships" xmlns:p="http://schemas.openxmlformats.org/presentationml/2006/main">
-  <p:cSld>
-    <p:spTree>
-      <p:nvGrpSpPr>
-        <p:cNvPr id="1" name=""/>
-        <p:cNvGrpSpPr/>
-        <p:nvPr/>
-      </p:nvGrpSpPr>
-      <p:grpSpPr>
-        <a:xfrm>
-          <a:off x="0" y="0"/>
-          <a:ext cx="0" cy="0"/>
-          <a:chOff x="0" y="0"/>
-          <a:chExt cx="0" cy="0"/>
-        </a:xfrm>
-      </p:grpSpPr>
-      <p:sp>
-        <p:nvSpPr>
-          <p:cNvPr id="2" name="Title 1">
-            <a:extLst>
-              <a:ext uri="{FF2B5EF4-FFF2-40B4-BE49-F238E27FC236}">
-                <a16:creationId xmlns:a16="http://schemas.microsoft.com/office/drawing/2014/main" id="{6BF7367E-C58E-314F-AC38-D59BF03DF787}"/>
-              </a:ext>
-            </a:extLst>
-          </p:cNvPr>
-          <p:cNvSpPr>
-            <a:spLocks noGrp="1"/>
-          </p:cNvSpPr>
-          <p:nvPr>
-            <p:ph type="title"/>
-          </p:nvPr>
-        </p:nvSpPr>
-        <p:spPr/>
-        <p:txBody>
-          <a:bodyPr/>
-          <a:lstStyle/>
-          <a:p>
-            <a:pPr algn="l"/>
-            <a:r>
-              <a:rPr lang="en-US" dirty="0"/>
-              <a:t>Possible Future Work</a:t>
-            </a:r>
-          </a:p>
-        </p:txBody>
-      </p:sp>
-      <p:sp>
-        <p:nvSpPr>
-          <p:cNvPr id="3" name="Content Placeholder 2">
-            <a:extLst>
-              <a:ext uri="{FF2B5EF4-FFF2-40B4-BE49-F238E27FC236}">
-                <a16:creationId xmlns:a16="http://schemas.microsoft.com/office/drawing/2014/main" id="{608F1D16-DCBC-9B4B-AA96-C50EE0FB0113}"/>
-              </a:ext>
-            </a:extLst>
-          </p:cNvPr>
-          <p:cNvSpPr>
-            <a:spLocks noGrp="1"/>
-          </p:cNvSpPr>
-          <p:nvPr>
-            <p:ph idx="1"/>
-          </p:nvPr>
-        </p:nvSpPr>
-        <p:spPr>
-          <a:xfrm>
-            <a:off x="2073927" y="1890970"/>
-            <a:ext cx="9034092" cy="3997828"/>
-          </a:xfrm>
-        </p:spPr>
-        <p:txBody>
-          <a:bodyPr anchor="t">
-            <a:normAutofit/>
-          </a:bodyPr>
-          <a:lstStyle/>
-          <a:p>
-            <a:r>
-              <a:rPr lang="en-US" sz="2400" dirty="0"/>
-              <a:t>Evaluate our model against the current state of the art: tab-completion in CLIs on modern routers</a:t>
-            </a:r>
-          </a:p>
-          <a:p>
-            <a:r>
-              <a:rPr lang="en-US" sz="2400" dirty="0"/>
-              <a:t>Using larger n-grams to suggest complete statements</a:t>
-            </a:r>
-          </a:p>
-          <a:p>
-            <a:r>
-              <a:rPr lang="en-US" sz="2400" dirty="0"/>
-              <a:t>Completing entire lines or even stanzas</a:t>
-            </a:r>
-          </a:p>
-          <a:p>
-            <a:r>
-              <a:rPr lang="en-US" sz="2400" dirty="0"/>
-              <a:t>Not just based on syntax but also desired goals using input from operators</a:t>
-            </a:r>
-          </a:p>
-        </p:txBody>
-      </p:sp>
-      <p:sp>
-        <p:nvSpPr>
-          <p:cNvPr id="4" name="Slide Number Placeholder 3">
-            <a:extLst>
-              <a:ext uri="{FF2B5EF4-FFF2-40B4-BE49-F238E27FC236}">
-                <a16:creationId xmlns:a16="http://schemas.microsoft.com/office/drawing/2014/main" id="{05DB40F6-BE7C-1048-A24E-AC9590C5C71A}"/>
-              </a:ext>
-            </a:extLst>
-          </p:cNvPr>
-          <p:cNvSpPr>
-            <a:spLocks noGrp="1"/>
-          </p:cNvSpPr>
-          <p:nvPr>
-            <p:ph type="sldNum" sz="quarter" idx="12"/>
-          </p:nvPr>
-        </p:nvSpPr>
-        <p:spPr/>
-        <p:txBody>
-          <a:bodyPr/>
-          <a:lstStyle/>
-          <a:p>
-            <a:fld id="{6D22F896-40B5-4ADD-8801-0D06FADFA095}" type="slidenum">
-              <a:rPr lang="en-US" smtClean="0"/>
-              <a:t>21</a:t>
-            </a:fld>
-            <a:endParaRPr lang="en-US" dirty="0"/>
-          </a:p>
-        </p:txBody>
-      </p:sp>
-    </p:spTree>
-    <p:extLst>
-      <p:ext uri="{BB962C8B-B14F-4D97-AF65-F5344CB8AC3E}">
-        <p14:creationId xmlns:p14="http://schemas.microsoft.com/office/powerpoint/2010/main" val="915583567"/>
-      </p:ext>
-    </p:extLst>
-  </p:cSld>
-  <p:clrMapOvr>
-    <a:masterClrMapping/>
-  </p:clrMapOvr>
-</p:sld>
-</file>
-
-<file path=ppt/slides/slide22.xml><?xml version="1.0" encoding="utf-8"?>
-<p:sld xmlns:a="http://schemas.openxmlformats.org/drawingml/2006/main" xmlns:r="http://schemas.openxmlformats.org/officeDocument/2006/relationships" xmlns:p="http://schemas.openxmlformats.org/presentationml/2006/main">
-  <p:cSld>
-    <p:spTree>
-      <p:nvGrpSpPr>
-        <p:cNvPr id="1" name=""/>
-        <p:cNvGrpSpPr/>
-        <p:nvPr/>
-      </p:nvGrpSpPr>
-      <p:grpSpPr>
-        <a:xfrm>
-          <a:off x="0" y="0"/>
-          <a:ext cx="0" cy="0"/>
-          <a:chOff x="0" y="0"/>
-          <a:chExt cx="0" cy="0"/>
-        </a:xfrm>
-      </p:grpSpPr>
-      <p:sp>
-        <p:nvSpPr>
-          <p:cNvPr id="2" name="Title 1">
-            <a:extLst>
-              <a:ext uri="{FF2B5EF4-FFF2-40B4-BE49-F238E27FC236}">
-                <a16:creationId xmlns:a16="http://schemas.microsoft.com/office/drawing/2014/main" id="{BEA1C11F-0234-A345-938E-A5C66A7FA8DB}"/>
-              </a:ext>
-            </a:extLst>
-          </p:cNvPr>
-          <p:cNvSpPr>
-            <a:spLocks noGrp="1"/>
-          </p:cNvSpPr>
-          <p:nvPr>
-            <p:ph type="title"/>
-          </p:nvPr>
-        </p:nvSpPr>
-        <p:spPr/>
-        <p:txBody>
-          <a:bodyPr/>
-          <a:lstStyle/>
-          <a:p>
-            <a:pPr algn="l"/>
-            <a:r>
-              <a:rPr lang="en-US" dirty="0"/>
-              <a:t>Thank you?</a:t>
-            </a:r>
-          </a:p>
-        </p:txBody>
-      </p:sp>
-      <p:sp>
-        <p:nvSpPr>
-          <p:cNvPr id="3" name="Content Placeholder 2">
-            <a:extLst>
-              <a:ext uri="{FF2B5EF4-FFF2-40B4-BE49-F238E27FC236}">
-                <a16:creationId xmlns:a16="http://schemas.microsoft.com/office/drawing/2014/main" id="{67455A7B-10AD-A24B-9B21-8CEABACC0950}"/>
-              </a:ext>
-            </a:extLst>
-          </p:cNvPr>
-          <p:cNvSpPr>
-            <a:spLocks noGrp="1"/>
-          </p:cNvSpPr>
-          <p:nvPr>
-            <p:ph idx="1"/>
-          </p:nvPr>
-        </p:nvSpPr>
-        <p:spPr/>
-        <p:txBody>
-          <a:bodyPr/>
-          <a:lstStyle/>
-          <a:p>
-            <a:endParaRPr lang="en-US"/>
-          </a:p>
-        </p:txBody>
-      </p:sp>
-      <p:sp>
-        <p:nvSpPr>
-          <p:cNvPr id="4" name="Slide Number Placeholder 3">
-            <a:extLst>
-              <a:ext uri="{FF2B5EF4-FFF2-40B4-BE49-F238E27FC236}">
-                <a16:creationId xmlns:a16="http://schemas.microsoft.com/office/drawing/2014/main" id="{1DE09DA6-A5E1-C147-9251-896A1DC2886C}"/>
-              </a:ext>
-            </a:extLst>
-          </p:cNvPr>
-          <p:cNvSpPr>
-            <a:spLocks noGrp="1"/>
-          </p:cNvSpPr>
-          <p:nvPr>
-            <p:ph type="sldNum" sz="quarter" idx="12"/>
-          </p:nvPr>
-        </p:nvSpPr>
-        <p:spPr/>
-        <p:txBody>
-          <a:bodyPr/>
-          <a:lstStyle/>
-          <a:p>
-            <a:fld id="{6D22F896-40B5-4ADD-8801-0D06FADFA095}" type="slidenum">
-              <a:rPr lang="en-US" smtClean="0"/>
-              <a:t>22</a:t>
-            </a:fld>
-            <a:endParaRPr lang="en-US" dirty="0"/>
-          </a:p>
-        </p:txBody>
-      </p:sp>
-    </p:spTree>
-    <p:extLst>
-      <p:ext uri="{BB962C8B-B14F-4D97-AF65-F5344CB8AC3E}">
-        <p14:creationId xmlns:p14="http://schemas.microsoft.com/office/powerpoint/2010/main" val="3212250605"/>
-      </p:ext>
-    </p:extLst>
-  </p:cSld>
-  <p:clrMapOvr>
-    <a:masterClrMapping/>
-  </p:clrMapOvr>
-</p:sld>
-</file>
-
-<file path=ppt/slides/slide23.xml><?xml version="1.0" encoding="utf-8"?>
-<p:sld xmlns:a="http://schemas.openxmlformats.org/drawingml/2006/main" xmlns:r="http://schemas.openxmlformats.org/officeDocument/2006/relationships" xmlns:p="http://schemas.openxmlformats.org/presentationml/2006/main">
-  <p:cSld>
-    <p:spTree>
-      <p:nvGrpSpPr>
-        <p:cNvPr id="1" name=""/>
-        <p:cNvGrpSpPr/>
-        <p:nvPr/>
-      </p:nvGrpSpPr>
-      <p:grpSpPr>
-        <a:xfrm>
-          <a:off x="0" y="0"/>
-          <a:ext cx="0" cy="0"/>
-          <a:chOff x="0" y="0"/>
-          <a:chExt cx="0" cy="0"/>
-        </a:xfrm>
-      </p:grpSpPr>
-      <p:sp>
-        <p:nvSpPr>
-          <p:cNvPr id="2" name="Title 1">
-            <a:extLst>
-              <a:ext uri="{FF2B5EF4-FFF2-40B4-BE49-F238E27FC236}">
-                <a16:creationId xmlns:a16="http://schemas.microsoft.com/office/drawing/2014/main" id="{B000EF2E-597C-8947-8C3B-5682AC305448}"/>
-              </a:ext>
-            </a:extLst>
-          </p:cNvPr>
-          <p:cNvSpPr>
-            <a:spLocks noGrp="1"/>
-          </p:cNvSpPr>
-          <p:nvPr>
-            <p:ph type="title"/>
-          </p:nvPr>
-        </p:nvSpPr>
-        <p:spPr/>
-        <p:txBody>
-          <a:bodyPr/>
-          <a:lstStyle/>
-          <a:p>
-            <a:pPr algn="l"/>
-            <a:r>
-              <a:rPr lang="en-US" dirty="0"/>
-              <a:t>Possible Solutions</a:t>
-            </a:r>
-          </a:p>
-        </p:txBody>
-      </p:sp>
-      <p:graphicFrame>
-        <p:nvGraphicFramePr>
-          <p:cNvPr id="4" name="Content Placeholder 3">
-            <a:extLst>
-              <a:ext uri="{FF2B5EF4-FFF2-40B4-BE49-F238E27FC236}">
-                <a16:creationId xmlns:a16="http://schemas.microsoft.com/office/drawing/2014/main" id="{7616EAF8-BB78-6B48-8D80-C0E5857972DC}"/>
-              </a:ext>
-            </a:extLst>
-          </p:cNvPr>
-          <p:cNvGraphicFramePr>
-            <a:graphicFrameLocks noGrp="1"/>
-          </p:cNvGraphicFramePr>
-          <p:nvPr>
-            <p:ph idx="1"/>
-            <p:extLst>
-              <p:ext uri="{D42A27DB-BD31-4B8C-83A1-F6EECF244321}">
-                <p14:modId xmlns:p14="http://schemas.microsoft.com/office/powerpoint/2010/main" val="383690652"/>
-              </p:ext>
-            </p:extLst>
-          </p:nvPr>
-        </p:nvGraphicFramePr>
-        <p:xfrm>
-          <a:off x="795134" y="1885285"/>
-          <a:ext cx="9526771" cy="4744402"/>
-        </p:xfrm>
-        <a:graphic>
-          <a:graphicData uri="http://schemas.openxmlformats.org/drawingml/2006/diagram">
-            <dgm:relIds xmlns:dgm="http://schemas.openxmlformats.org/drawingml/2006/diagram" xmlns:r="http://schemas.openxmlformats.org/officeDocument/2006/relationships" r:dm="rId2" r:lo="rId3" r:qs="rId4" r:cs="rId5"/>
-          </a:graphicData>
-        </a:graphic>
-      </p:graphicFrame>
-      <p:sp>
-        <p:nvSpPr>
-          <p:cNvPr id="15" name="Slide Number Placeholder 14">
-            <a:extLst>
-              <a:ext uri="{FF2B5EF4-FFF2-40B4-BE49-F238E27FC236}">
-                <a16:creationId xmlns:a16="http://schemas.microsoft.com/office/drawing/2014/main" id="{3FA8971A-E605-2A48-8F15-6D2F675ABE65}"/>
-              </a:ext>
-            </a:extLst>
-          </p:cNvPr>
-          <p:cNvSpPr>
-            <a:spLocks noGrp="1"/>
-          </p:cNvSpPr>
-          <p:nvPr>
-            <p:ph type="sldNum" sz="quarter" idx="12"/>
-          </p:nvPr>
-        </p:nvSpPr>
-        <p:spPr/>
-        <p:txBody>
-          <a:bodyPr/>
-          <a:lstStyle/>
-          <a:p>
-            <a:fld id="{6D22F896-40B5-4ADD-8801-0D06FADFA095}" type="slidenum">
-              <a:rPr lang="en-US" smtClean="0"/>
-              <a:t>23</a:t>
-            </a:fld>
-            <a:endParaRPr lang="en-US" dirty="0"/>
-          </a:p>
-        </p:txBody>
-      </p:sp>
-    </p:spTree>
-    <p:extLst>
-      <p:ext uri="{BB962C8B-B14F-4D97-AF65-F5344CB8AC3E}">
-        <p14:creationId xmlns:p14="http://schemas.microsoft.com/office/powerpoint/2010/main" val="37853421"/>
+        <p14:creationId xmlns:p14="http://schemas.microsoft.com/office/powerpoint/2010/main" val="1716857249"/>
       </p:ext>
     </p:extLst>
   </p:cSld>
@@ -19717,7 +15576,7 @@
                             </p:stCondLst>
                             <p:childTnLst>
                               <p:par>
-                                <p:cTn id="5" presetID="2" presetClass="entr" presetSubtype="4" fill="hold" grpId="0" nodeType="clickEffect">
+                                <p:cTn id="5" presetID="1" presetClass="entr" presetSubtype="0" fill="hold" nodeType="clickEffect">
                                   <p:stCondLst>
                                     <p:cond delay="0"/>
                                   </p:stCondLst>
@@ -19730,7 +15589,11 @@
                                           </p:stCondLst>
                                         </p:cTn>
                                         <p:tgtEl>
-                                          <p:spTgt spid="4"/>
+                                          <p:spTgt spid="3">
+                                            <p:txEl>
+                                              <p:pRg st="0" end="0"/>
+                                            </p:txEl>
+                                          </p:spTgt>
                                         </p:tgtEl>
                                         <p:attrNameLst>
                                           <p:attrName>style.visibility</p:attrName>
@@ -19740,52 +15603,153 @@
                                         <p:strVal val="visible"/>
                                       </p:to>
                                     </p:set>
-                                    <p:anim calcmode="lin" valueType="num">
-                                      <p:cBhvr additive="base">
-                                        <p:cTn id="7" dur="500" fill="hold"/>
+                                  </p:childTnLst>
+                                </p:cTn>
+                              </p:par>
+                            </p:childTnLst>
+                          </p:cTn>
+                        </p:par>
+                      </p:childTnLst>
+                    </p:cTn>
+                  </p:par>
+                  <p:par>
+                    <p:cTn id="7" fill="hold">
+                      <p:stCondLst>
+                        <p:cond delay="indefinite"/>
+                      </p:stCondLst>
+                      <p:childTnLst>
+                        <p:par>
+                          <p:cTn id="8" fill="hold">
+                            <p:stCondLst>
+                              <p:cond delay="0"/>
+                            </p:stCondLst>
+                            <p:childTnLst>
+                              <p:par>
+                                <p:cTn id="9" presetID="1" presetClass="entr" presetSubtype="0" fill="hold" nodeType="clickEffect">
+                                  <p:stCondLst>
+                                    <p:cond delay="0"/>
+                                  </p:stCondLst>
+                                  <p:childTnLst>
+                                    <p:set>
+                                      <p:cBhvr>
+                                        <p:cTn id="10" dur="1" fill="hold">
+                                          <p:stCondLst>
+                                            <p:cond delay="0"/>
+                                          </p:stCondLst>
+                                        </p:cTn>
                                         <p:tgtEl>
-                                          <p:spTgt spid="4"/>
+                                          <p:spTgt spid="3">
+                                            <p:txEl>
+                                              <p:pRg st="1" end="1"/>
+                                            </p:txEl>
+                                          </p:spTgt>
                                         </p:tgtEl>
                                         <p:attrNameLst>
-                                          <p:attrName>ppt_x</p:attrName>
+                                          <p:attrName>style.visibility</p:attrName>
                                         </p:attrNameLst>
                                       </p:cBhvr>
-                                      <p:tavLst>
-                                        <p:tav tm="0">
-                                          <p:val>
-                                            <p:strVal val="#ppt_x"/>
-                                          </p:val>
-                                        </p:tav>
-                                        <p:tav tm="100000">
-                                          <p:val>
-                                            <p:strVal val="#ppt_x"/>
-                                          </p:val>
-                                        </p:tav>
-                                      </p:tavLst>
-                                    </p:anim>
-                                    <p:anim calcmode="lin" valueType="num">
-                                      <p:cBhvr additive="base">
-                                        <p:cTn id="8" dur="500" fill="hold"/>
+                                      <p:to>
+                                        <p:strVal val="visible"/>
+                                      </p:to>
+                                    </p:set>
+                                  </p:childTnLst>
+                                </p:cTn>
+                              </p:par>
+                            </p:childTnLst>
+                          </p:cTn>
+                        </p:par>
+                      </p:childTnLst>
+                    </p:cTn>
+                  </p:par>
+                  <p:par>
+                    <p:cTn id="11" fill="hold">
+                      <p:stCondLst>
+                        <p:cond delay="indefinite"/>
+                      </p:stCondLst>
+                      <p:childTnLst>
+                        <p:par>
+                          <p:cTn id="12" fill="hold">
+                            <p:stCondLst>
+                              <p:cond delay="0"/>
+                            </p:stCondLst>
+                            <p:childTnLst>
+                              <p:par>
+                                <p:cTn id="13" presetID="1" presetClass="entr" presetSubtype="0" fill="hold" nodeType="clickEffect">
+                                  <p:stCondLst>
+                                    <p:cond delay="0"/>
+                                  </p:stCondLst>
+                                  <p:childTnLst>
+                                    <p:set>
+                                      <p:cBhvr>
+                                        <p:cTn id="14" dur="1" fill="hold">
+                                          <p:stCondLst>
+                                            <p:cond delay="0"/>
+                                          </p:stCondLst>
+                                        </p:cTn>
                                         <p:tgtEl>
-                                          <p:spTgt spid="4"/>
+                                          <p:spTgt spid="3">
+                                            <p:txEl>
+                                              <p:pRg st="2" end="2"/>
+                                            </p:txEl>
+                                          </p:spTgt>
                                         </p:tgtEl>
                                         <p:attrNameLst>
-                                          <p:attrName>ppt_y</p:attrName>
+                                          <p:attrName>style.visibility</p:attrName>
                                         </p:attrNameLst>
                                       </p:cBhvr>
-                                      <p:tavLst>
-                                        <p:tav tm="0">
-                                          <p:val>
-                                            <p:strVal val="1+#ppt_h/2"/>
-                                          </p:val>
-                                        </p:tav>
-                                        <p:tav tm="100000">
-                                          <p:val>
-                                            <p:strVal val="#ppt_y"/>
-                                          </p:val>
-                                        </p:tav>
-                                      </p:tavLst>
-                                    </p:anim>
+                                      <p:to>
+                                        <p:strVal val="visible"/>
+                                      </p:to>
+                                    </p:set>
+                                  </p:childTnLst>
+                                </p:cTn>
+                              </p:par>
+                            </p:childTnLst>
+                          </p:cTn>
+                        </p:par>
+                      </p:childTnLst>
+                    </p:cTn>
+                  </p:par>
+                  <p:par>
+                    <p:cTn id="15" fill="hold">
+                      <p:stCondLst>
+                        <p:cond delay="indefinite"/>
+                      </p:stCondLst>
+                      <p:childTnLst>
+                        <p:par>
+                          <p:cTn id="16" fill="hold">
+                            <p:stCondLst>
+                              <p:cond delay="0"/>
+                            </p:stCondLst>
+                            <p:childTnLst>
+                              <p:par>
+                                <p:cTn id="17" presetID="1" presetClass="entr" presetSubtype="0" fill="hold" nodeType="clickEffect">
+                                  <p:stCondLst>
+                                    <p:cond delay="0"/>
+                                  </p:stCondLst>
+                                  <p:childTnLst>
+                                    <p:set>
+                                      <p:cBhvr>
+                                        <p:cTn id="18" dur="1" fill="hold">
+                                          <p:stCondLst>
+                                            <p:cond delay="0"/>
+                                          </p:stCondLst>
+                                        </p:cTn>
+                                        <p:tgtEl>
+                                          <p:spTgt spid="3">
+                                            <p:txEl>
+                                              <p:pRg st="3" end="3"/>
+                                            </p:txEl>
+                                          </p:spTgt>
+                                        </p:tgtEl>
+                                        <p:attrNameLst>
+                                          <p:attrName>style.visibility</p:attrName>
+                                        </p:attrNameLst>
+                                      </p:cBhvr>
+                                      <p:to>
+                                        <p:strVal val="visible"/>
+                                      </p:to>
+                                    </p:set>
                                   </p:childTnLst>
                                 </p:cTn>
                               </p:par>
@@ -19816,11 +15780,1295 @@
         </p:cTn>
       </p:par>
     </p:tnLst>
-    <p:bldLst>
-      <p:bldGraphic spid="4" grpId="0">
-        <p:bldAsOne/>
-      </p:bldGraphic>
-    </p:bldLst>
+  </p:timing>
+</p:sld>
+</file>
+
+<file path=ppt/slides/slide21.xml><?xml version="1.0" encoding="utf-8"?>
+<p:sld xmlns:a="http://schemas.openxmlformats.org/drawingml/2006/main" xmlns:r="http://schemas.openxmlformats.org/officeDocument/2006/relationships" xmlns:p="http://schemas.openxmlformats.org/presentationml/2006/main">
+  <p:cSld>
+    <p:spTree>
+      <p:nvGrpSpPr>
+        <p:cNvPr id="1" name=""/>
+        <p:cNvGrpSpPr/>
+        <p:nvPr/>
+      </p:nvGrpSpPr>
+      <p:grpSpPr>
+        <a:xfrm>
+          <a:off x="0" y="0"/>
+          <a:ext cx="0" cy="0"/>
+          <a:chOff x="0" y="0"/>
+          <a:chExt cx="0" cy="0"/>
+        </a:xfrm>
+      </p:grpSpPr>
+      <p:sp>
+        <p:nvSpPr>
+          <p:cNvPr id="2" name="Title 1">
+            <a:extLst>
+              <a:ext uri="{FF2B5EF4-FFF2-40B4-BE49-F238E27FC236}">
+                <a16:creationId xmlns:a16="http://schemas.microsoft.com/office/drawing/2014/main" id="{427336CD-F9C2-C047-ACC7-EB2F21A64B94}"/>
+              </a:ext>
+            </a:extLst>
+          </p:cNvPr>
+          <p:cNvSpPr>
+            <a:spLocks noGrp="1"/>
+          </p:cNvSpPr>
+          <p:nvPr>
+            <p:ph type="title"/>
+          </p:nvPr>
+        </p:nvSpPr>
+        <p:spPr>
+          <a:xfrm>
+            <a:off x="2611808" y="808057"/>
+            <a:ext cx="7958331" cy="655828"/>
+          </a:xfrm>
+        </p:spPr>
+        <p:txBody>
+          <a:bodyPr/>
+          <a:lstStyle/>
+          <a:p>
+            <a:pPr algn="l"/>
+            <a:r>
+              <a:rPr lang="en-US" dirty="0"/>
+              <a:t>How well did our placeholders perform?</a:t>
+            </a:r>
+          </a:p>
+        </p:txBody>
+      </p:sp>
+      <p:sp>
+        <p:nvSpPr>
+          <p:cNvPr id="6" name="TextBox 5">
+            <a:extLst>
+              <a:ext uri="{FF2B5EF4-FFF2-40B4-BE49-F238E27FC236}">
+                <a16:creationId xmlns:a16="http://schemas.microsoft.com/office/drawing/2014/main" id="{F284FACB-8A2F-4D4F-ABF5-8C46BEB927C6}"/>
+              </a:ext>
+            </a:extLst>
+          </p:cNvPr>
+          <p:cNvSpPr txBox="1"/>
+          <p:nvPr/>
+        </p:nvSpPr>
+        <p:spPr>
+          <a:xfrm>
+            <a:off x="2992806" y="6186836"/>
+            <a:ext cx="7196331" cy="369332"/>
+          </a:xfrm>
+          <a:prstGeom prst="rect">
+            <a:avLst/>
+          </a:prstGeom>
+          <a:noFill/>
+        </p:spPr>
+        <p:txBody>
+          <a:bodyPr wrap="square" rtlCol="0">
+            <a:spAutoFit/>
+          </a:bodyPr>
+          <a:lstStyle/>
+          <a:p>
+            <a:pPr algn="ctr"/>
+            <a:r>
+              <a:rPr lang="en-US" dirty="0"/>
+              <a:t>Figure 2: Placeholders improve accuracy by 5% higher. </a:t>
+            </a:r>
+          </a:p>
+        </p:txBody>
+      </p:sp>
+      <p:sp>
+        <p:nvSpPr>
+          <p:cNvPr id="7" name="Slide Number Placeholder 6">
+            <a:extLst>
+              <a:ext uri="{FF2B5EF4-FFF2-40B4-BE49-F238E27FC236}">
+                <a16:creationId xmlns:a16="http://schemas.microsoft.com/office/drawing/2014/main" id="{6CDFF5F8-5D13-2048-9A1B-F25190AFFA17}"/>
+              </a:ext>
+            </a:extLst>
+          </p:cNvPr>
+          <p:cNvSpPr>
+            <a:spLocks noGrp="1"/>
+          </p:cNvSpPr>
+          <p:nvPr>
+            <p:ph type="sldNum" sz="quarter" idx="12"/>
+          </p:nvPr>
+        </p:nvSpPr>
+        <p:spPr/>
+        <p:txBody>
+          <a:bodyPr/>
+          <a:lstStyle/>
+          <a:p>
+            <a:fld id="{6D22F896-40B5-4ADD-8801-0D06FADFA095}" type="slidenum">
+              <a:rPr lang="en-US" smtClean="0"/>
+              <a:t>21</a:t>
+            </a:fld>
+            <a:endParaRPr lang="en-US" dirty="0"/>
+          </a:p>
+        </p:txBody>
+      </p:sp>
+      <p:pic>
+        <p:nvPicPr>
+          <p:cNvPr id="9" name="Picture 8">
+            <a:extLst>
+              <a:ext uri="{FF2B5EF4-FFF2-40B4-BE49-F238E27FC236}">
+                <a16:creationId xmlns:a16="http://schemas.microsoft.com/office/drawing/2014/main" id="{1BB64A55-ADA9-9F4B-AA50-BE5A8A26139E}"/>
+              </a:ext>
+            </a:extLst>
+          </p:cNvPr>
+          <p:cNvPicPr>
+            <a:picLocks noChangeAspect="1"/>
+          </p:cNvPicPr>
+          <p:nvPr/>
+        </p:nvPicPr>
+        <p:blipFill>
+          <a:blip r:embed="rId3"/>
+          <a:stretch>
+            <a:fillRect/>
+          </a:stretch>
+        </p:blipFill>
+        <p:spPr>
+          <a:xfrm>
+            <a:off x="3390571" y="1539360"/>
+            <a:ext cx="6400800" cy="4572000"/>
+          </a:xfrm>
+          <a:prstGeom prst="rect">
+            <a:avLst/>
+          </a:prstGeom>
+        </p:spPr>
+      </p:pic>
+      <p:cxnSp>
+        <p:nvCxnSpPr>
+          <p:cNvPr id="17" name="Straight Connector 16">
+            <a:extLst>
+              <a:ext uri="{FF2B5EF4-FFF2-40B4-BE49-F238E27FC236}">
+                <a16:creationId xmlns:a16="http://schemas.microsoft.com/office/drawing/2014/main" id="{C58EA978-6BBB-7F44-AE95-468CD571C330}"/>
+              </a:ext>
+            </a:extLst>
+          </p:cNvPr>
+          <p:cNvCxnSpPr>
+            <a:cxnSpLocks/>
+          </p:cNvCxnSpPr>
+          <p:nvPr/>
+        </p:nvCxnSpPr>
+        <p:spPr>
+          <a:xfrm flipV="1">
+            <a:off x="4505739" y="2160104"/>
+            <a:ext cx="4545495" cy="3127513"/>
+          </a:xfrm>
+          <a:prstGeom prst="line">
+            <a:avLst/>
+          </a:prstGeom>
+          <a:ln>
+            <a:solidFill>
+              <a:srgbClr val="FF0000">
+                <a:alpha val="76000"/>
+              </a:srgbClr>
+            </a:solidFill>
+            <a:prstDash val="solid"/>
+            <a:headEnd type="none" w="med" len="med"/>
+            <a:tailEnd type="arrow" w="med" len="med"/>
+          </a:ln>
+        </p:spPr>
+        <p:style>
+          <a:lnRef idx="3">
+            <a:schemeClr val="accent1"/>
+          </a:lnRef>
+          <a:fillRef idx="0">
+            <a:schemeClr val="accent1"/>
+          </a:fillRef>
+          <a:effectRef idx="2">
+            <a:schemeClr val="accent1"/>
+          </a:effectRef>
+          <a:fontRef idx="minor">
+            <a:schemeClr val="tx1"/>
+          </a:fontRef>
+        </p:style>
+      </p:cxnSp>
+    </p:spTree>
+    <p:extLst>
+      <p:ext uri="{BB962C8B-B14F-4D97-AF65-F5344CB8AC3E}">
+        <p14:creationId xmlns:p14="http://schemas.microsoft.com/office/powerpoint/2010/main" val="2320305823"/>
+      </p:ext>
+    </p:extLst>
+  </p:cSld>
+  <p:clrMapOvr>
+    <a:masterClrMapping/>
+  </p:clrMapOvr>
+  <p:timing>
+    <p:tnLst>
+      <p:par>
+        <p:cTn id="1" dur="indefinite" restart="never" nodeType="tmRoot">
+          <p:childTnLst>
+            <p:seq concurrent="1" nextAc="seek">
+              <p:cTn id="2" dur="indefinite" nodeType="mainSeq">
+                <p:childTnLst>
+                  <p:par>
+                    <p:cTn id="3" fill="hold">
+                      <p:stCondLst>
+                        <p:cond delay="indefinite"/>
+                      </p:stCondLst>
+                      <p:childTnLst>
+                        <p:par>
+                          <p:cTn id="4" fill="hold">
+                            <p:stCondLst>
+                              <p:cond delay="0"/>
+                            </p:stCondLst>
+                            <p:childTnLst>
+                              <p:par>
+                                <p:cTn id="5" presetID="22" presetClass="entr" presetSubtype="8" fill="hold" nodeType="clickEffect">
+                                  <p:stCondLst>
+                                    <p:cond delay="0"/>
+                                  </p:stCondLst>
+                                  <p:childTnLst>
+                                    <p:set>
+                                      <p:cBhvr>
+                                        <p:cTn id="6" dur="1" fill="hold">
+                                          <p:stCondLst>
+                                            <p:cond delay="0"/>
+                                          </p:stCondLst>
+                                        </p:cTn>
+                                        <p:tgtEl>
+                                          <p:spTgt spid="17"/>
+                                        </p:tgtEl>
+                                        <p:attrNameLst>
+                                          <p:attrName>style.visibility</p:attrName>
+                                        </p:attrNameLst>
+                                      </p:cBhvr>
+                                      <p:to>
+                                        <p:strVal val="visible"/>
+                                      </p:to>
+                                    </p:set>
+                                    <p:animEffect transition="in" filter="wipe(left)">
+                                      <p:cBhvr>
+                                        <p:cTn id="7" dur="500"/>
+                                        <p:tgtEl>
+                                          <p:spTgt spid="17"/>
+                                        </p:tgtEl>
+                                      </p:cBhvr>
+                                    </p:animEffect>
+                                  </p:childTnLst>
+                                </p:cTn>
+                              </p:par>
+                            </p:childTnLst>
+                          </p:cTn>
+                        </p:par>
+                      </p:childTnLst>
+                    </p:cTn>
+                  </p:par>
+                </p:childTnLst>
+              </p:cTn>
+              <p:prevCondLst>
+                <p:cond evt="onPrev" delay="0">
+                  <p:tgtEl>
+                    <p:sldTgt/>
+                  </p:tgtEl>
+                </p:cond>
+              </p:prevCondLst>
+              <p:nextCondLst>
+                <p:cond evt="onNext" delay="0">
+                  <p:tgtEl>
+                    <p:sldTgt/>
+                  </p:tgtEl>
+                </p:cond>
+              </p:nextCondLst>
+            </p:seq>
+          </p:childTnLst>
+        </p:cTn>
+      </p:par>
+    </p:tnLst>
+  </p:timing>
+</p:sld>
+</file>
+
+<file path=ppt/slides/slide22.xml><?xml version="1.0" encoding="utf-8"?>
+<p:sld xmlns:a="http://schemas.openxmlformats.org/drawingml/2006/main" xmlns:r="http://schemas.openxmlformats.org/officeDocument/2006/relationships" xmlns:p="http://schemas.openxmlformats.org/presentationml/2006/main">
+  <p:cSld>
+    <p:spTree>
+      <p:nvGrpSpPr>
+        <p:cNvPr id="1" name=""/>
+        <p:cNvGrpSpPr/>
+        <p:nvPr/>
+      </p:nvGrpSpPr>
+      <p:grpSpPr>
+        <a:xfrm>
+          <a:off x="0" y="0"/>
+          <a:ext cx="0" cy="0"/>
+          <a:chOff x="0" y="0"/>
+          <a:chExt cx="0" cy="0"/>
+        </a:xfrm>
+      </p:grpSpPr>
+      <p:sp>
+        <p:nvSpPr>
+          <p:cNvPr id="2" name="Title 1">
+            <a:extLst>
+              <a:ext uri="{FF2B5EF4-FFF2-40B4-BE49-F238E27FC236}">
+                <a16:creationId xmlns:a16="http://schemas.microsoft.com/office/drawing/2014/main" id="{8E07918A-3A10-FE4A-8916-E5DEC57D5F65}"/>
+              </a:ext>
+            </a:extLst>
+          </p:cNvPr>
+          <p:cNvSpPr>
+            <a:spLocks noGrp="1"/>
+          </p:cNvSpPr>
+          <p:nvPr>
+            <p:ph type="title"/>
+          </p:nvPr>
+        </p:nvSpPr>
+        <p:spPr>
+          <a:xfrm>
+            <a:off x="2611808" y="808057"/>
+            <a:ext cx="7958331" cy="647946"/>
+          </a:xfrm>
+        </p:spPr>
+        <p:txBody>
+          <a:bodyPr>
+            <a:normAutofit/>
+          </a:bodyPr>
+          <a:lstStyle/>
+          <a:p>
+            <a:pPr algn="l"/>
+            <a:r>
+              <a:rPr lang="en-US" sz="2800" dirty="0"/>
+              <a:t>How does the model perform for small datasets?</a:t>
+            </a:r>
+          </a:p>
+        </p:txBody>
+      </p:sp>
+      <p:sp>
+        <p:nvSpPr>
+          <p:cNvPr id="3" name="Slide Number Placeholder 2">
+            <a:extLst>
+              <a:ext uri="{FF2B5EF4-FFF2-40B4-BE49-F238E27FC236}">
+                <a16:creationId xmlns:a16="http://schemas.microsoft.com/office/drawing/2014/main" id="{9CAEBE01-9E65-8E46-9553-3E8E493A3B4E}"/>
+              </a:ext>
+            </a:extLst>
+          </p:cNvPr>
+          <p:cNvSpPr>
+            <a:spLocks noGrp="1"/>
+          </p:cNvSpPr>
+          <p:nvPr>
+            <p:ph type="sldNum" sz="quarter" idx="12"/>
+          </p:nvPr>
+        </p:nvSpPr>
+        <p:spPr/>
+        <p:txBody>
+          <a:bodyPr/>
+          <a:lstStyle/>
+          <a:p>
+            <a:fld id="{6D22F896-40B5-4ADD-8801-0D06FADFA095}" type="slidenum">
+              <a:rPr lang="en-US" smtClean="0"/>
+              <a:t>22</a:t>
+            </a:fld>
+            <a:endParaRPr lang="en-US" dirty="0"/>
+          </a:p>
+        </p:txBody>
+      </p:sp>
+      <p:pic>
+        <p:nvPicPr>
+          <p:cNvPr id="5" name="Picture 4">
+            <a:extLst>
+              <a:ext uri="{FF2B5EF4-FFF2-40B4-BE49-F238E27FC236}">
+                <a16:creationId xmlns:a16="http://schemas.microsoft.com/office/drawing/2014/main" id="{CBB97E1D-2832-E942-B6AB-5499C617611C}"/>
+              </a:ext>
+            </a:extLst>
+          </p:cNvPr>
+          <p:cNvPicPr>
+            <a:picLocks noChangeAspect="1"/>
+          </p:cNvPicPr>
+          <p:nvPr/>
+        </p:nvPicPr>
+        <p:blipFill>
+          <a:blip r:embed="rId2"/>
+          <a:stretch>
+            <a:fillRect/>
+          </a:stretch>
+        </p:blipFill>
+        <p:spPr>
+          <a:xfrm>
+            <a:off x="3390571" y="1539360"/>
+            <a:ext cx="6400800" cy="4572000"/>
+          </a:xfrm>
+          <a:prstGeom prst="rect">
+            <a:avLst/>
+          </a:prstGeom>
+        </p:spPr>
+      </p:pic>
+      <p:cxnSp>
+        <p:nvCxnSpPr>
+          <p:cNvPr id="8" name="Straight Connector 7">
+            <a:extLst>
+              <a:ext uri="{FF2B5EF4-FFF2-40B4-BE49-F238E27FC236}">
+                <a16:creationId xmlns:a16="http://schemas.microsoft.com/office/drawing/2014/main" id="{58D23F72-0AE1-434E-A573-D7E95BA2B427}"/>
+              </a:ext>
+            </a:extLst>
+          </p:cNvPr>
+          <p:cNvCxnSpPr>
+            <a:cxnSpLocks/>
+          </p:cNvCxnSpPr>
+          <p:nvPr/>
+        </p:nvCxnSpPr>
+        <p:spPr>
+          <a:xfrm flipV="1">
+            <a:off x="4399722" y="2743200"/>
+            <a:ext cx="4757531" cy="172281"/>
+          </a:xfrm>
+          <a:prstGeom prst="line">
+            <a:avLst/>
+          </a:prstGeom>
+          <a:ln>
+            <a:solidFill>
+              <a:srgbClr val="FF0000">
+                <a:alpha val="76000"/>
+              </a:srgbClr>
+            </a:solidFill>
+            <a:prstDash val="solid"/>
+            <a:headEnd type="none" w="med" len="med"/>
+            <a:tailEnd type="arrow" w="med" len="med"/>
+          </a:ln>
+        </p:spPr>
+        <p:style>
+          <a:lnRef idx="3">
+            <a:schemeClr val="accent1"/>
+          </a:lnRef>
+          <a:fillRef idx="0">
+            <a:schemeClr val="accent1"/>
+          </a:fillRef>
+          <a:effectRef idx="2">
+            <a:schemeClr val="accent1"/>
+          </a:effectRef>
+          <a:fontRef idx="minor">
+            <a:schemeClr val="tx1"/>
+          </a:fontRef>
+        </p:style>
+      </p:cxnSp>
+      <p:sp>
+        <p:nvSpPr>
+          <p:cNvPr id="13" name="TextBox 12">
+            <a:extLst>
+              <a:ext uri="{FF2B5EF4-FFF2-40B4-BE49-F238E27FC236}">
+                <a16:creationId xmlns:a16="http://schemas.microsoft.com/office/drawing/2014/main" id="{C65918D5-3147-F44C-8549-4C9CA14396BA}"/>
+              </a:ext>
+            </a:extLst>
+          </p:cNvPr>
+          <p:cNvSpPr txBox="1"/>
+          <p:nvPr/>
+        </p:nvSpPr>
+        <p:spPr>
+          <a:xfrm>
+            <a:off x="2992806" y="6186836"/>
+            <a:ext cx="7196331" cy="369332"/>
+          </a:xfrm>
+          <a:prstGeom prst="rect">
+            <a:avLst/>
+          </a:prstGeom>
+          <a:noFill/>
+        </p:spPr>
+        <p:txBody>
+          <a:bodyPr wrap="square" rtlCol="0">
+            <a:spAutoFit/>
+          </a:bodyPr>
+          <a:lstStyle/>
+          <a:p>
+            <a:pPr algn="ctr"/>
+            <a:r>
+              <a:rPr lang="en-US" dirty="0"/>
+              <a:t>Figure 3: Smaller sample sizes give surprisingly high accuracies </a:t>
+            </a:r>
+          </a:p>
+        </p:txBody>
+      </p:sp>
+    </p:spTree>
+    <p:extLst>
+      <p:ext uri="{BB962C8B-B14F-4D97-AF65-F5344CB8AC3E}">
+        <p14:creationId xmlns:p14="http://schemas.microsoft.com/office/powerpoint/2010/main" val="1850435212"/>
+      </p:ext>
+    </p:extLst>
+  </p:cSld>
+  <p:clrMapOvr>
+    <a:masterClrMapping/>
+  </p:clrMapOvr>
+  <p:timing>
+    <p:tnLst>
+      <p:par>
+        <p:cTn id="1" dur="indefinite" restart="never" nodeType="tmRoot">
+          <p:childTnLst>
+            <p:seq concurrent="1" nextAc="seek">
+              <p:cTn id="2" dur="indefinite" nodeType="mainSeq">
+                <p:childTnLst>
+                  <p:par>
+                    <p:cTn id="3" fill="hold">
+                      <p:stCondLst>
+                        <p:cond delay="indefinite"/>
+                      </p:stCondLst>
+                      <p:childTnLst>
+                        <p:par>
+                          <p:cTn id="4" fill="hold">
+                            <p:stCondLst>
+                              <p:cond delay="0"/>
+                            </p:stCondLst>
+                            <p:childTnLst>
+                              <p:par>
+                                <p:cTn id="5" presetID="22" presetClass="entr" presetSubtype="8" fill="hold" nodeType="clickEffect">
+                                  <p:stCondLst>
+                                    <p:cond delay="0"/>
+                                  </p:stCondLst>
+                                  <p:childTnLst>
+                                    <p:set>
+                                      <p:cBhvr>
+                                        <p:cTn id="6" dur="1" fill="hold">
+                                          <p:stCondLst>
+                                            <p:cond delay="0"/>
+                                          </p:stCondLst>
+                                        </p:cTn>
+                                        <p:tgtEl>
+                                          <p:spTgt spid="8"/>
+                                        </p:tgtEl>
+                                        <p:attrNameLst>
+                                          <p:attrName>style.visibility</p:attrName>
+                                        </p:attrNameLst>
+                                      </p:cBhvr>
+                                      <p:to>
+                                        <p:strVal val="visible"/>
+                                      </p:to>
+                                    </p:set>
+                                    <p:animEffect transition="in" filter="wipe(left)">
+                                      <p:cBhvr>
+                                        <p:cTn id="7" dur="500"/>
+                                        <p:tgtEl>
+                                          <p:spTgt spid="8"/>
+                                        </p:tgtEl>
+                                      </p:cBhvr>
+                                    </p:animEffect>
+                                  </p:childTnLst>
+                                </p:cTn>
+                              </p:par>
+                            </p:childTnLst>
+                          </p:cTn>
+                        </p:par>
+                      </p:childTnLst>
+                    </p:cTn>
+                  </p:par>
+                </p:childTnLst>
+              </p:cTn>
+              <p:prevCondLst>
+                <p:cond evt="onPrev" delay="0">
+                  <p:tgtEl>
+                    <p:sldTgt/>
+                  </p:tgtEl>
+                </p:cond>
+              </p:prevCondLst>
+              <p:nextCondLst>
+                <p:cond evt="onNext" delay="0">
+                  <p:tgtEl>
+                    <p:sldTgt/>
+                  </p:tgtEl>
+                </p:cond>
+              </p:nextCondLst>
+            </p:seq>
+          </p:childTnLst>
+        </p:cTn>
+      </p:par>
+    </p:tnLst>
+  </p:timing>
+</p:sld>
+</file>
+
+<file path=ppt/slides/slide23.xml><?xml version="1.0" encoding="utf-8"?>
+<p:sld xmlns:a="http://schemas.openxmlformats.org/drawingml/2006/main" xmlns:r="http://schemas.openxmlformats.org/officeDocument/2006/relationships" xmlns:p="http://schemas.openxmlformats.org/presentationml/2006/main">
+  <p:cSld>
+    <p:spTree>
+      <p:nvGrpSpPr>
+        <p:cNvPr id="1" name=""/>
+        <p:cNvGrpSpPr/>
+        <p:nvPr/>
+      </p:nvGrpSpPr>
+      <p:grpSpPr>
+        <a:xfrm>
+          <a:off x="0" y="0"/>
+          <a:ext cx="0" cy="0"/>
+          <a:chOff x="0" y="0"/>
+          <a:chExt cx="0" cy="0"/>
+        </a:xfrm>
+      </p:grpSpPr>
+      <p:sp>
+        <p:nvSpPr>
+          <p:cNvPr id="2" name="Title 1">
+            <a:extLst>
+              <a:ext uri="{FF2B5EF4-FFF2-40B4-BE49-F238E27FC236}">
+                <a16:creationId xmlns:a16="http://schemas.microsoft.com/office/drawing/2014/main" id="{8E07918A-3A10-FE4A-8916-E5DEC57D5F65}"/>
+              </a:ext>
+            </a:extLst>
+          </p:cNvPr>
+          <p:cNvSpPr>
+            <a:spLocks noGrp="1"/>
+          </p:cNvSpPr>
+          <p:nvPr>
+            <p:ph type="title"/>
+          </p:nvPr>
+        </p:nvSpPr>
+        <p:spPr>
+          <a:xfrm>
+            <a:off x="2611808" y="808057"/>
+            <a:ext cx="7958331" cy="647946"/>
+          </a:xfrm>
+        </p:spPr>
+        <p:txBody>
+          <a:bodyPr>
+            <a:normAutofit/>
+          </a:bodyPr>
+          <a:lstStyle/>
+          <a:p>
+            <a:pPr algn="l"/>
+            <a:r>
+              <a:rPr lang="en-US" sz="2800" dirty="0"/>
+              <a:t>What about different router roles?</a:t>
+            </a:r>
+          </a:p>
+        </p:txBody>
+      </p:sp>
+      <p:sp>
+        <p:nvSpPr>
+          <p:cNvPr id="3" name="Slide Number Placeholder 2">
+            <a:extLst>
+              <a:ext uri="{FF2B5EF4-FFF2-40B4-BE49-F238E27FC236}">
+                <a16:creationId xmlns:a16="http://schemas.microsoft.com/office/drawing/2014/main" id="{9CAEBE01-9E65-8E46-9553-3E8E493A3B4E}"/>
+              </a:ext>
+            </a:extLst>
+          </p:cNvPr>
+          <p:cNvSpPr>
+            <a:spLocks noGrp="1"/>
+          </p:cNvSpPr>
+          <p:nvPr>
+            <p:ph type="sldNum" sz="quarter" idx="12"/>
+          </p:nvPr>
+        </p:nvSpPr>
+        <p:spPr/>
+        <p:txBody>
+          <a:bodyPr/>
+          <a:lstStyle/>
+          <a:p>
+            <a:fld id="{6D22F896-40B5-4ADD-8801-0D06FADFA095}" type="slidenum">
+              <a:rPr lang="en-US" smtClean="0"/>
+              <a:t>23</a:t>
+            </a:fld>
+            <a:endParaRPr lang="en-US" dirty="0"/>
+          </a:p>
+        </p:txBody>
+      </p:sp>
+      <p:pic>
+        <p:nvPicPr>
+          <p:cNvPr id="5" name="Picture 4">
+            <a:extLst>
+              <a:ext uri="{FF2B5EF4-FFF2-40B4-BE49-F238E27FC236}">
+                <a16:creationId xmlns:a16="http://schemas.microsoft.com/office/drawing/2014/main" id="{CBB97E1D-2832-E942-B6AB-5499C617611C}"/>
+              </a:ext>
+            </a:extLst>
+          </p:cNvPr>
+          <p:cNvPicPr>
+            <a:picLocks noChangeAspect="1"/>
+          </p:cNvPicPr>
+          <p:nvPr/>
+        </p:nvPicPr>
+        <p:blipFill>
+          <a:blip r:embed="rId2"/>
+          <a:stretch>
+            <a:fillRect/>
+          </a:stretch>
+        </p:blipFill>
+        <p:spPr>
+          <a:xfrm>
+            <a:off x="3405809" y="1449884"/>
+            <a:ext cx="6250349" cy="4661476"/>
+          </a:xfrm>
+          <a:prstGeom prst="rect">
+            <a:avLst/>
+          </a:prstGeom>
+        </p:spPr>
+      </p:pic>
+      <p:sp>
+        <p:nvSpPr>
+          <p:cNvPr id="13" name="TextBox 12">
+            <a:extLst>
+              <a:ext uri="{FF2B5EF4-FFF2-40B4-BE49-F238E27FC236}">
+                <a16:creationId xmlns:a16="http://schemas.microsoft.com/office/drawing/2014/main" id="{C65918D5-3147-F44C-8549-4C9CA14396BA}"/>
+              </a:ext>
+            </a:extLst>
+          </p:cNvPr>
+          <p:cNvSpPr txBox="1"/>
+          <p:nvPr/>
+        </p:nvSpPr>
+        <p:spPr>
+          <a:xfrm>
+            <a:off x="2992806" y="6186836"/>
+            <a:ext cx="7196331" cy="646331"/>
+          </a:xfrm>
+          <a:prstGeom prst="rect">
+            <a:avLst/>
+          </a:prstGeom>
+          <a:noFill/>
+        </p:spPr>
+        <p:txBody>
+          <a:bodyPr wrap="square" rtlCol="0">
+            <a:spAutoFit/>
+          </a:bodyPr>
+          <a:lstStyle/>
+          <a:p>
+            <a:pPr algn="ctr"/>
+            <a:r>
+              <a:rPr lang="en-US" dirty="0"/>
+              <a:t>Figure 4: Models trained on different roles don’t seem to fare much better than our overall average</a:t>
+            </a:r>
+          </a:p>
+        </p:txBody>
+      </p:sp>
+    </p:spTree>
+    <p:extLst>
+      <p:ext uri="{BB962C8B-B14F-4D97-AF65-F5344CB8AC3E}">
+        <p14:creationId xmlns:p14="http://schemas.microsoft.com/office/powerpoint/2010/main" val="3346947354"/>
+      </p:ext>
+    </p:extLst>
+  </p:cSld>
+  <p:clrMapOvr>
+    <a:masterClrMapping/>
+  </p:clrMapOvr>
+</p:sld>
+</file>
+
+<file path=ppt/slides/slide24.xml><?xml version="1.0" encoding="utf-8"?>
+<p:sld xmlns:a="http://schemas.openxmlformats.org/drawingml/2006/main" xmlns:r="http://schemas.openxmlformats.org/officeDocument/2006/relationships" xmlns:p="http://schemas.openxmlformats.org/presentationml/2006/main">
+  <p:cSld>
+    <p:spTree>
+      <p:nvGrpSpPr>
+        <p:cNvPr id="1" name=""/>
+        <p:cNvGrpSpPr/>
+        <p:nvPr/>
+      </p:nvGrpSpPr>
+      <p:grpSpPr>
+        <a:xfrm>
+          <a:off x="0" y="0"/>
+          <a:ext cx="0" cy="0"/>
+          <a:chOff x="0" y="0"/>
+          <a:chExt cx="0" cy="0"/>
+        </a:xfrm>
+      </p:grpSpPr>
+      <p:sp>
+        <p:nvSpPr>
+          <p:cNvPr id="2" name="Title 1">
+            <a:extLst>
+              <a:ext uri="{FF2B5EF4-FFF2-40B4-BE49-F238E27FC236}">
+                <a16:creationId xmlns:a16="http://schemas.microsoft.com/office/drawing/2014/main" id="{6BF7367E-C58E-314F-AC38-D59BF03DF787}"/>
+              </a:ext>
+            </a:extLst>
+          </p:cNvPr>
+          <p:cNvSpPr>
+            <a:spLocks noGrp="1"/>
+          </p:cNvSpPr>
+          <p:nvPr>
+            <p:ph type="title"/>
+          </p:nvPr>
+        </p:nvSpPr>
+        <p:spPr/>
+        <p:txBody>
+          <a:bodyPr/>
+          <a:lstStyle/>
+          <a:p>
+            <a:pPr algn="l"/>
+            <a:r>
+              <a:rPr lang="en-US" dirty="0"/>
+              <a:t>Possible Future Work</a:t>
+            </a:r>
+          </a:p>
+        </p:txBody>
+      </p:sp>
+      <p:sp>
+        <p:nvSpPr>
+          <p:cNvPr id="3" name="Content Placeholder 2">
+            <a:extLst>
+              <a:ext uri="{FF2B5EF4-FFF2-40B4-BE49-F238E27FC236}">
+                <a16:creationId xmlns:a16="http://schemas.microsoft.com/office/drawing/2014/main" id="{608F1D16-DCBC-9B4B-AA96-C50EE0FB0113}"/>
+              </a:ext>
+            </a:extLst>
+          </p:cNvPr>
+          <p:cNvSpPr>
+            <a:spLocks noGrp="1"/>
+          </p:cNvSpPr>
+          <p:nvPr>
+            <p:ph idx="1"/>
+          </p:nvPr>
+        </p:nvSpPr>
+        <p:spPr>
+          <a:xfrm>
+            <a:off x="2073927" y="1890970"/>
+            <a:ext cx="9034092" cy="3997828"/>
+          </a:xfrm>
+        </p:spPr>
+        <p:txBody>
+          <a:bodyPr anchor="t">
+            <a:normAutofit/>
+          </a:bodyPr>
+          <a:lstStyle/>
+          <a:p>
+            <a:r>
+              <a:rPr lang="en-US" sz="2400" dirty="0"/>
+              <a:t>Evaluate our model against the current state of the art: tab-completion in CLIs on modern routers</a:t>
+            </a:r>
+          </a:p>
+          <a:p>
+            <a:r>
+              <a:rPr lang="en-US" sz="2400" dirty="0"/>
+              <a:t>Using larger n-grams to suggest complete statements</a:t>
+            </a:r>
+          </a:p>
+          <a:p>
+            <a:r>
+              <a:rPr lang="en-US" sz="2400" dirty="0"/>
+              <a:t>Completing entire lines or even stanzas</a:t>
+            </a:r>
+          </a:p>
+          <a:p>
+            <a:r>
+              <a:rPr lang="en-US" sz="2400" dirty="0"/>
+              <a:t>Not just based on syntax but also desired goals using input from operators</a:t>
+            </a:r>
+          </a:p>
+        </p:txBody>
+      </p:sp>
+      <p:sp>
+        <p:nvSpPr>
+          <p:cNvPr id="4" name="Slide Number Placeholder 3">
+            <a:extLst>
+              <a:ext uri="{FF2B5EF4-FFF2-40B4-BE49-F238E27FC236}">
+                <a16:creationId xmlns:a16="http://schemas.microsoft.com/office/drawing/2014/main" id="{05DB40F6-BE7C-1048-A24E-AC9590C5C71A}"/>
+              </a:ext>
+            </a:extLst>
+          </p:cNvPr>
+          <p:cNvSpPr>
+            <a:spLocks noGrp="1"/>
+          </p:cNvSpPr>
+          <p:nvPr>
+            <p:ph type="sldNum" sz="quarter" idx="12"/>
+          </p:nvPr>
+        </p:nvSpPr>
+        <p:spPr/>
+        <p:txBody>
+          <a:bodyPr/>
+          <a:lstStyle/>
+          <a:p>
+            <a:fld id="{6D22F896-40B5-4ADD-8801-0D06FADFA095}" type="slidenum">
+              <a:rPr lang="en-US" smtClean="0"/>
+              <a:t>24</a:t>
+            </a:fld>
+            <a:endParaRPr lang="en-US" dirty="0"/>
+          </a:p>
+        </p:txBody>
+      </p:sp>
+    </p:spTree>
+    <p:extLst>
+      <p:ext uri="{BB962C8B-B14F-4D97-AF65-F5344CB8AC3E}">
+        <p14:creationId xmlns:p14="http://schemas.microsoft.com/office/powerpoint/2010/main" val="915583567"/>
+      </p:ext>
+    </p:extLst>
+  </p:cSld>
+  <p:clrMapOvr>
+    <a:masterClrMapping/>
+  </p:clrMapOvr>
+</p:sld>
+</file>
+
+<file path=ppt/slides/slide25.xml><?xml version="1.0" encoding="utf-8"?>
+<p:sld xmlns:a="http://schemas.openxmlformats.org/drawingml/2006/main" xmlns:r="http://schemas.openxmlformats.org/officeDocument/2006/relationships" xmlns:p="http://schemas.openxmlformats.org/presentationml/2006/main">
+  <p:cSld>
+    <p:spTree>
+      <p:nvGrpSpPr>
+        <p:cNvPr id="1" name=""/>
+        <p:cNvGrpSpPr/>
+        <p:nvPr/>
+      </p:nvGrpSpPr>
+      <p:grpSpPr>
+        <a:xfrm>
+          <a:off x="0" y="0"/>
+          <a:ext cx="0" cy="0"/>
+          <a:chOff x="0" y="0"/>
+          <a:chExt cx="0" cy="0"/>
+        </a:xfrm>
+      </p:grpSpPr>
+      <p:sp>
+        <p:nvSpPr>
+          <p:cNvPr id="2" name="Title 1">
+            <a:extLst>
+              <a:ext uri="{FF2B5EF4-FFF2-40B4-BE49-F238E27FC236}">
+                <a16:creationId xmlns:a16="http://schemas.microsoft.com/office/drawing/2014/main" id="{BEA1C11F-0234-A345-938E-A5C66A7FA8DB}"/>
+              </a:ext>
+            </a:extLst>
+          </p:cNvPr>
+          <p:cNvSpPr>
+            <a:spLocks noGrp="1"/>
+          </p:cNvSpPr>
+          <p:nvPr>
+            <p:ph type="title"/>
+          </p:nvPr>
+        </p:nvSpPr>
+        <p:spPr/>
+        <p:txBody>
+          <a:bodyPr/>
+          <a:lstStyle/>
+          <a:p>
+            <a:pPr algn="l"/>
+            <a:r>
+              <a:rPr lang="en-US" dirty="0"/>
+              <a:t>Thank you!</a:t>
+            </a:r>
+          </a:p>
+        </p:txBody>
+      </p:sp>
+      <p:sp>
+        <p:nvSpPr>
+          <p:cNvPr id="3" name="Content Placeholder 2">
+            <a:extLst>
+              <a:ext uri="{FF2B5EF4-FFF2-40B4-BE49-F238E27FC236}">
+                <a16:creationId xmlns:a16="http://schemas.microsoft.com/office/drawing/2014/main" id="{67455A7B-10AD-A24B-9B21-8CEABACC0950}"/>
+              </a:ext>
+            </a:extLst>
+          </p:cNvPr>
+          <p:cNvSpPr>
+            <a:spLocks noGrp="1"/>
+          </p:cNvSpPr>
+          <p:nvPr>
+            <p:ph idx="1"/>
+          </p:nvPr>
+        </p:nvSpPr>
+        <p:spPr/>
+        <p:txBody>
+          <a:bodyPr/>
+          <a:lstStyle/>
+          <a:p>
+            <a:endParaRPr lang="en-US"/>
+          </a:p>
+        </p:txBody>
+      </p:sp>
+      <p:sp>
+        <p:nvSpPr>
+          <p:cNvPr id="4" name="Slide Number Placeholder 3">
+            <a:extLst>
+              <a:ext uri="{FF2B5EF4-FFF2-40B4-BE49-F238E27FC236}">
+                <a16:creationId xmlns:a16="http://schemas.microsoft.com/office/drawing/2014/main" id="{1DE09DA6-A5E1-C147-9251-896A1DC2886C}"/>
+              </a:ext>
+            </a:extLst>
+          </p:cNvPr>
+          <p:cNvSpPr>
+            <a:spLocks noGrp="1"/>
+          </p:cNvSpPr>
+          <p:nvPr>
+            <p:ph type="sldNum" sz="quarter" idx="12"/>
+          </p:nvPr>
+        </p:nvSpPr>
+        <p:spPr/>
+        <p:txBody>
+          <a:bodyPr/>
+          <a:lstStyle/>
+          <a:p>
+            <a:fld id="{6D22F896-40B5-4ADD-8801-0D06FADFA095}" type="slidenum">
+              <a:rPr lang="en-US" smtClean="0"/>
+              <a:t>25</a:t>
+            </a:fld>
+            <a:endParaRPr lang="en-US" dirty="0"/>
+          </a:p>
+        </p:txBody>
+      </p:sp>
+    </p:spTree>
+    <p:extLst>
+      <p:ext uri="{BB962C8B-B14F-4D97-AF65-F5344CB8AC3E}">
+        <p14:creationId xmlns:p14="http://schemas.microsoft.com/office/powerpoint/2010/main" val="3212250605"/>
+      </p:ext>
+    </p:extLst>
+  </p:cSld>
+  <p:clrMapOvr>
+    <a:masterClrMapping/>
+  </p:clrMapOvr>
+</p:sld>
+</file>
+
+<file path=ppt/slides/slide26.xml><?xml version="1.0" encoding="utf-8"?>
+<p:sld xmlns:a="http://schemas.openxmlformats.org/drawingml/2006/main" xmlns:r="http://schemas.openxmlformats.org/officeDocument/2006/relationships" xmlns:p="http://schemas.openxmlformats.org/presentationml/2006/main">
+  <p:cSld>
+    <p:spTree>
+      <p:nvGrpSpPr>
+        <p:cNvPr id="1" name=""/>
+        <p:cNvGrpSpPr/>
+        <p:nvPr/>
+      </p:nvGrpSpPr>
+      <p:grpSpPr>
+        <a:xfrm>
+          <a:off x="0" y="0"/>
+          <a:ext cx="0" cy="0"/>
+          <a:chOff x="0" y="0"/>
+          <a:chExt cx="0" cy="0"/>
+        </a:xfrm>
+      </p:grpSpPr>
+      <p:sp>
+        <p:nvSpPr>
+          <p:cNvPr id="2" name="Title 1">
+            <a:extLst>
+              <a:ext uri="{FF2B5EF4-FFF2-40B4-BE49-F238E27FC236}">
+                <a16:creationId xmlns:a16="http://schemas.microsoft.com/office/drawing/2014/main" id="{8E07918A-3A10-FE4A-8916-E5DEC57D5F65}"/>
+              </a:ext>
+            </a:extLst>
+          </p:cNvPr>
+          <p:cNvSpPr>
+            <a:spLocks noGrp="1"/>
+          </p:cNvSpPr>
+          <p:nvPr>
+            <p:ph type="title"/>
+          </p:nvPr>
+        </p:nvSpPr>
+        <p:spPr>
+          <a:xfrm>
+            <a:off x="2611808" y="808057"/>
+            <a:ext cx="7958331" cy="647946"/>
+          </a:xfrm>
+        </p:spPr>
+        <p:txBody>
+          <a:bodyPr>
+            <a:normAutofit/>
+          </a:bodyPr>
+          <a:lstStyle/>
+          <a:p>
+            <a:pPr algn="l"/>
+            <a:r>
+              <a:rPr lang="en-US" sz="2800" dirty="0"/>
+              <a:t>How does the model perform for small datasets?</a:t>
+            </a:r>
+          </a:p>
+        </p:txBody>
+      </p:sp>
+      <p:sp>
+        <p:nvSpPr>
+          <p:cNvPr id="3" name="Slide Number Placeholder 2">
+            <a:extLst>
+              <a:ext uri="{FF2B5EF4-FFF2-40B4-BE49-F238E27FC236}">
+                <a16:creationId xmlns:a16="http://schemas.microsoft.com/office/drawing/2014/main" id="{9CAEBE01-9E65-8E46-9553-3E8E493A3B4E}"/>
+              </a:ext>
+            </a:extLst>
+          </p:cNvPr>
+          <p:cNvSpPr>
+            <a:spLocks noGrp="1"/>
+          </p:cNvSpPr>
+          <p:nvPr>
+            <p:ph type="sldNum" sz="quarter" idx="12"/>
+          </p:nvPr>
+        </p:nvSpPr>
+        <p:spPr/>
+        <p:txBody>
+          <a:bodyPr/>
+          <a:lstStyle/>
+          <a:p>
+            <a:fld id="{6D22F896-40B5-4ADD-8801-0D06FADFA095}" type="slidenum">
+              <a:rPr lang="en-US" smtClean="0"/>
+              <a:t>26</a:t>
+            </a:fld>
+            <a:endParaRPr lang="en-US" dirty="0"/>
+          </a:p>
+        </p:txBody>
+      </p:sp>
+      <p:sp>
+        <p:nvSpPr>
+          <p:cNvPr id="13" name="TextBox 12">
+            <a:extLst>
+              <a:ext uri="{FF2B5EF4-FFF2-40B4-BE49-F238E27FC236}">
+                <a16:creationId xmlns:a16="http://schemas.microsoft.com/office/drawing/2014/main" id="{C65918D5-3147-F44C-8549-4C9CA14396BA}"/>
+              </a:ext>
+            </a:extLst>
+          </p:cNvPr>
+          <p:cNvSpPr txBox="1"/>
+          <p:nvPr/>
+        </p:nvSpPr>
+        <p:spPr>
+          <a:xfrm>
+            <a:off x="2264845" y="3048000"/>
+            <a:ext cx="3585368" cy="646331"/>
+          </a:xfrm>
+          <a:prstGeom prst="rect">
+            <a:avLst/>
+          </a:prstGeom>
+          <a:noFill/>
+        </p:spPr>
+        <p:txBody>
+          <a:bodyPr wrap="square" rtlCol="0">
+            <a:spAutoFit/>
+          </a:bodyPr>
+          <a:lstStyle/>
+          <a:p>
+            <a:pPr algn="ctr"/>
+            <a:r>
+              <a:rPr lang="en-US" dirty="0"/>
+              <a:t>Figure: Smaller sample sizes give surprisingly high accuracies </a:t>
+            </a:r>
+          </a:p>
+        </p:txBody>
+      </p:sp>
+      <p:pic>
+        <p:nvPicPr>
+          <p:cNvPr id="7" name="Picture 6">
+            <a:extLst>
+              <a:ext uri="{FF2B5EF4-FFF2-40B4-BE49-F238E27FC236}">
+                <a16:creationId xmlns:a16="http://schemas.microsoft.com/office/drawing/2014/main" id="{DCDEED50-7007-FA47-B676-4721C4CB4C01}"/>
+              </a:ext>
+            </a:extLst>
+          </p:cNvPr>
+          <p:cNvPicPr>
+            <a:picLocks noChangeAspect="1"/>
+          </p:cNvPicPr>
+          <p:nvPr/>
+        </p:nvPicPr>
+        <p:blipFill>
+          <a:blip r:embed="rId2"/>
+          <a:stretch>
+            <a:fillRect/>
+          </a:stretch>
+        </p:blipFill>
+        <p:spPr>
+          <a:xfrm>
+            <a:off x="5850213" y="1456002"/>
+            <a:ext cx="4719926" cy="5401997"/>
+          </a:xfrm>
+          <a:prstGeom prst="rect">
+            <a:avLst/>
+          </a:prstGeom>
+        </p:spPr>
+      </p:pic>
+      <p:cxnSp>
+        <p:nvCxnSpPr>
+          <p:cNvPr id="8" name="Straight Connector 7">
+            <a:extLst>
+              <a:ext uri="{FF2B5EF4-FFF2-40B4-BE49-F238E27FC236}">
+                <a16:creationId xmlns:a16="http://schemas.microsoft.com/office/drawing/2014/main" id="{58D23F72-0AE1-434E-A573-D7E95BA2B427}"/>
+              </a:ext>
+            </a:extLst>
+          </p:cNvPr>
+          <p:cNvCxnSpPr>
+            <a:cxnSpLocks/>
+          </p:cNvCxnSpPr>
+          <p:nvPr/>
+        </p:nvCxnSpPr>
+        <p:spPr>
+          <a:xfrm flipV="1">
+            <a:off x="6414052" y="3048000"/>
+            <a:ext cx="3313044" cy="331304"/>
+          </a:xfrm>
+          <a:prstGeom prst="line">
+            <a:avLst/>
+          </a:prstGeom>
+          <a:ln>
+            <a:solidFill>
+              <a:srgbClr val="FF0000">
+                <a:alpha val="76000"/>
+              </a:srgbClr>
+            </a:solidFill>
+            <a:prstDash val="solid"/>
+            <a:headEnd type="none" w="med" len="med"/>
+            <a:tailEnd type="arrow" w="med" len="med"/>
+          </a:ln>
+        </p:spPr>
+        <p:style>
+          <a:lnRef idx="3">
+            <a:schemeClr val="accent1"/>
+          </a:lnRef>
+          <a:fillRef idx="0">
+            <a:schemeClr val="accent1"/>
+          </a:fillRef>
+          <a:effectRef idx="2">
+            <a:schemeClr val="accent1"/>
+          </a:effectRef>
+          <a:fontRef idx="minor">
+            <a:schemeClr val="tx1"/>
+          </a:fontRef>
+        </p:style>
+      </p:cxnSp>
+    </p:spTree>
+    <p:extLst>
+      <p:ext uri="{BB962C8B-B14F-4D97-AF65-F5344CB8AC3E}">
+        <p14:creationId xmlns:p14="http://schemas.microsoft.com/office/powerpoint/2010/main" val="1829306386"/>
+      </p:ext>
+    </p:extLst>
+  </p:cSld>
+  <p:clrMapOvr>
+    <a:masterClrMapping/>
+  </p:clrMapOvr>
+  <p:timing>
+    <p:tnLst>
+      <p:par>
+        <p:cTn id="1" dur="indefinite" restart="never" nodeType="tmRoot">
+          <p:childTnLst>
+            <p:seq concurrent="1" nextAc="seek">
+              <p:cTn id="2" dur="indefinite" nodeType="mainSeq">
+                <p:childTnLst>
+                  <p:par>
+                    <p:cTn id="3" fill="hold">
+                      <p:stCondLst>
+                        <p:cond delay="indefinite"/>
+                      </p:stCondLst>
+                      <p:childTnLst>
+                        <p:par>
+                          <p:cTn id="4" fill="hold">
+                            <p:stCondLst>
+                              <p:cond delay="0"/>
+                            </p:stCondLst>
+                            <p:childTnLst>
+                              <p:par>
+                                <p:cTn id="5" presetID="22" presetClass="entr" presetSubtype="8" fill="hold" nodeType="clickEffect">
+                                  <p:stCondLst>
+                                    <p:cond delay="0"/>
+                                  </p:stCondLst>
+                                  <p:childTnLst>
+                                    <p:set>
+                                      <p:cBhvr>
+                                        <p:cTn id="6" dur="1" fill="hold">
+                                          <p:stCondLst>
+                                            <p:cond delay="0"/>
+                                          </p:stCondLst>
+                                        </p:cTn>
+                                        <p:tgtEl>
+                                          <p:spTgt spid="8"/>
+                                        </p:tgtEl>
+                                        <p:attrNameLst>
+                                          <p:attrName>style.visibility</p:attrName>
+                                        </p:attrNameLst>
+                                      </p:cBhvr>
+                                      <p:to>
+                                        <p:strVal val="visible"/>
+                                      </p:to>
+                                    </p:set>
+                                    <p:animEffect transition="in" filter="wipe(left)">
+                                      <p:cBhvr>
+                                        <p:cTn id="7" dur="500"/>
+                                        <p:tgtEl>
+                                          <p:spTgt spid="8"/>
+                                        </p:tgtEl>
+                                      </p:cBhvr>
+                                    </p:animEffect>
+                                  </p:childTnLst>
+                                </p:cTn>
+                              </p:par>
+                            </p:childTnLst>
+                          </p:cTn>
+                        </p:par>
+                      </p:childTnLst>
+                    </p:cTn>
+                  </p:par>
+                </p:childTnLst>
+              </p:cTn>
+              <p:prevCondLst>
+                <p:cond evt="onPrev" delay="0">
+                  <p:tgtEl>
+                    <p:sldTgt/>
+                  </p:tgtEl>
+                </p:cond>
+              </p:prevCondLst>
+              <p:nextCondLst>
+                <p:cond evt="onNext" delay="0">
+                  <p:tgtEl>
+                    <p:sldTgt/>
+                  </p:tgtEl>
+                </p:cond>
+              </p:nextCondLst>
+            </p:seq>
+          </p:childTnLst>
+        </p:cTn>
+      </p:par>
+    </p:tnLst>
   </p:timing>
 </p:sld>
 </file>
@@ -23132,7 +20380,7 @@
         </p:nvSpPr>
         <p:spPr>
           <a:xfrm>
-            <a:off x="2256208" y="1620856"/>
+            <a:off x="2240443" y="1683919"/>
             <a:ext cx="7796540" cy="3997828"/>
           </a:xfrm>
         </p:spPr>

--- a/Final Presentation.pptx
+++ b/Final Presentation.pptx
@@ -5,7 +5,7 @@
     <p:sldMasterId id="2147483888" r:id="rId1"/>
   </p:sldMasterIdLst>
   <p:notesMasterIdLst>
-    <p:notesMasterId r:id="rId28"/>
+    <p:notesMasterId r:id="rId29"/>
   </p:notesMasterIdLst>
   <p:sldIdLst>
     <p:sldId id="256" r:id="rId2"/>
@@ -19,21 +19,22 @@
     <p:sldId id="263" r:id="rId10"/>
     <p:sldId id="260" r:id="rId11"/>
     <p:sldId id="264" r:id="rId12"/>
-    <p:sldId id="266" r:id="rId13"/>
-    <p:sldId id="281" r:id="rId14"/>
-    <p:sldId id="287" r:id="rId15"/>
+    <p:sldId id="289" r:id="rId13"/>
+    <p:sldId id="266" r:id="rId14"/>
+    <p:sldId id="281" r:id="rId15"/>
     <p:sldId id="280" r:id="rId16"/>
-    <p:sldId id="267" r:id="rId17"/>
-    <p:sldId id="279" r:id="rId18"/>
-    <p:sldId id="283" r:id="rId19"/>
-    <p:sldId id="268" r:id="rId20"/>
-    <p:sldId id="288" r:id="rId21"/>
-    <p:sldId id="284" r:id="rId22"/>
-    <p:sldId id="271" r:id="rId23"/>
-    <p:sldId id="285" r:id="rId24"/>
-    <p:sldId id="272" r:id="rId25"/>
-    <p:sldId id="270" r:id="rId26"/>
-    <p:sldId id="286" r:id="rId27"/>
+    <p:sldId id="287" r:id="rId17"/>
+    <p:sldId id="267" r:id="rId18"/>
+    <p:sldId id="279" r:id="rId19"/>
+    <p:sldId id="283" r:id="rId20"/>
+    <p:sldId id="268" r:id="rId21"/>
+    <p:sldId id="288" r:id="rId22"/>
+    <p:sldId id="284" r:id="rId23"/>
+    <p:sldId id="271" r:id="rId24"/>
+    <p:sldId id="285" r:id="rId25"/>
+    <p:sldId id="286" r:id="rId26"/>
+    <p:sldId id="272" r:id="rId27"/>
+    <p:sldId id="270" r:id="rId28"/>
   </p:sldIdLst>
   <p:sldSz cx="12192000" cy="6858000"/>
   <p:notesSz cx="6858000" cy="9144000"/>
@@ -5922,7 +5923,7 @@
           <a:p>
             <a:fld id="{E4C4B1B4-8AC2-E045-9F23-0D8D57885CA1}" type="datetimeFigureOut">
               <a:rPr lang="en-US" smtClean="0"/>
-              <a:t>4/30/18</a:t>
+              <a:t>5/1/18</a:t>
             </a:fld>
             <a:endParaRPr lang="en-US"/>
           </a:p>
@@ -6284,6 +6285,360 @@
 </p:notes>
 </file>
 
+<file path=ppt/notesSlides/notesSlide10.xml><?xml version="1.0" encoding="utf-8"?>
+<p:notes xmlns:a="http://schemas.openxmlformats.org/drawingml/2006/main" xmlns:r="http://schemas.openxmlformats.org/officeDocument/2006/relationships" xmlns:p="http://schemas.openxmlformats.org/presentationml/2006/main">
+  <p:cSld>
+    <p:spTree>
+      <p:nvGrpSpPr>
+        <p:cNvPr id="1" name=""/>
+        <p:cNvGrpSpPr/>
+        <p:nvPr/>
+      </p:nvGrpSpPr>
+      <p:grpSpPr>
+        <a:xfrm>
+          <a:off x="0" y="0"/>
+          <a:ext cx="0" cy="0"/>
+          <a:chOff x="0" y="0"/>
+          <a:chExt cx="0" cy="0"/>
+        </a:xfrm>
+      </p:grpSpPr>
+      <p:sp>
+        <p:nvSpPr>
+          <p:cNvPr id="2" name="Slide Image Placeholder 1"/>
+          <p:cNvSpPr>
+            <a:spLocks noGrp="1" noRot="1" noChangeAspect="1"/>
+          </p:cNvSpPr>
+          <p:nvPr>
+            <p:ph type="sldImg"/>
+          </p:nvPr>
+        </p:nvSpPr>
+        <p:spPr/>
+      </p:sp>
+      <p:sp>
+        <p:nvSpPr>
+          <p:cNvPr id="3" name="Notes Placeholder 2"/>
+          <p:cNvSpPr>
+            <a:spLocks noGrp="1"/>
+          </p:cNvSpPr>
+          <p:nvPr>
+            <p:ph type="body" idx="1"/>
+          </p:nvPr>
+        </p:nvSpPr>
+        <p:spPr/>
+        <p:txBody>
+          <a:bodyPr/>
+          <a:lstStyle/>
+          <a:p>
+            <a:r>
+              <a:rPr lang="en-US" dirty="0"/>
+              <a:t>Number of months / length of history x-axis label</a:t>
+            </a:r>
+          </a:p>
+          <a:p>
+            <a:endParaRPr lang="en-US" dirty="0"/>
+          </a:p>
+          <a:p>
+            <a:r>
+              <a:rPr lang="en-US" dirty="0" err="1"/>
+              <a:t>Nw</a:t>
+            </a:r>
+            <a:r>
+              <a:rPr lang="en-US" dirty="0"/>
+              <a:t> configs </a:t>
+            </a:r>
+            <a:r>
+              <a:rPr lang="en-US" dirty="0" err="1"/>
+              <a:t>dnt</a:t>
+            </a:r>
+            <a:r>
+              <a:rPr lang="en-US" dirty="0"/>
+              <a:t> change a lot over time </a:t>
+            </a:r>
+          </a:p>
+          <a:p>
+            <a:r>
+              <a:rPr lang="en-US" dirty="0" err="1"/>
+              <a:t>Suttle</a:t>
+            </a:r>
+            <a:r>
+              <a:rPr lang="en-US" dirty="0"/>
+              <a:t> diffs </a:t>
+            </a:r>
+            <a:r>
+              <a:rPr lang="en-US" dirty="0" err="1"/>
+              <a:t>dnt</a:t>
+            </a:r>
+            <a:r>
+              <a:rPr lang="en-US" dirty="0"/>
+              <a:t> significantly change our model</a:t>
+            </a:r>
+          </a:p>
+          <a:p>
+            <a:r>
+              <a:rPr lang="en-US" dirty="0"/>
+              <a:t>Why does this trend exist? Maybe some measurement study configs </a:t>
+            </a:r>
+            <a:r>
+              <a:rPr lang="en-US" dirty="0" err="1"/>
+              <a:t>dnt</a:t>
+            </a:r>
+            <a:r>
+              <a:rPr lang="en-US" dirty="0"/>
+              <a:t> change over time</a:t>
+            </a:r>
+          </a:p>
+        </p:txBody>
+      </p:sp>
+      <p:sp>
+        <p:nvSpPr>
+          <p:cNvPr id="4" name="Slide Number Placeholder 3"/>
+          <p:cNvSpPr>
+            <a:spLocks noGrp="1"/>
+          </p:cNvSpPr>
+          <p:nvPr>
+            <p:ph type="sldNum" sz="quarter" idx="10"/>
+          </p:nvPr>
+        </p:nvSpPr>
+        <p:spPr/>
+        <p:txBody>
+          <a:bodyPr/>
+          <a:lstStyle/>
+          <a:p>
+            <a:fld id="{F49BE409-5689-8842-BA33-FFFC974D2438}" type="slidenum">
+              <a:rPr lang="en-US" smtClean="0"/>
+              <a:t>23</a:t>
+            </a:fld>
+            <a:endParaRPr lang="en-US"/>
+          </a:p>
+        </p:txBody>
+      </p:sp>
+    </p:spTree>
+    <p:extLst>
+      <p:ext uri="{BB962C8B-B14F-4D97-AF65-F5344CB8AC3E}">
+        <p14:creationId xmlns:p14="http://schemas.microsoft.com/office/powerpoint/2010/main" val="2878983412"/>
+      </p:ext>
+    </p:extLst>
+  </p:cSld>
+  <p:clrMapOvr>
+    <a:masterClrMapping/>
+  </p:clrMapOvr>
+</p:notes>
+</file>
+
+<file path=ppt/notesSlides/notesSlide11.xml><?xml version="1.0" encoding="utf-8"?>
+<p:notes xmlns:a="http://schemas.openxmlformats.org/drawingml/2006/main" xmlns:r="http://schemas.openxmlformats.org/officeDocument/2006/relationships" xmlns:p="http://schemas.openxmlformats.org/presentationml/2006/main">
+  <p:cSld>
+    <p:spTree>
+      <p:nvGrpSpPr>
+        <p:cNvPr id="1" name=""/>
+        <p:cNvGrpSpPr/>
+        <p:nvPr/>
+      </p:nvGrpSpPr>
+      <p:grpSpPr>
+        <a:xfrm>
+          <a:off x="0" y="0"/>
+          <a:ext cx="0" cy="0"/>
+          <a:chOff x="0" y="0"/>
+          <a:chExt cx="0" cy="0"/>
+        </a:xfrm>
+      </p:grpSpPr>
+      <p:sp>
+        <p:nvSpPr>
+          <p:cNvPr id="2" name="Slide Image Placeholder 1"/>
+          <p:cNvSpPr>
+            <a:spLocks noGrp="1" noRot="1" noChangeAspect="1"/>
+          </p:cNvSpPr>
+          <p:nvPr>
+            <p:ph type="sldImg"/>
+          </p:nvPr>
+        </p:nvSpPr>
+        <p:spPr/>
+      </p:sp>
+      <p:sp>
+        <p:nvSpPr>
+          <p:cNvPr id="3" name="Notes Placeholder 2"/>
+          <p:cNvSpPr>
+            <a:spLocks noGrp="1"/>
+          </p:cNvSpPr>
+          <p:nvPr>
+            <p:ph type="body" idx="1"/>
+          </p:nvPr>
+        </p:nvSpPr>
+        <p:spPr/>
+        <p:txBody>
+          <a:bodyPr/>
+          <a:lstStyle/>
+          <a:p>
+            <a:r>
+              <a:rPr lang="en-US" dirty="0"/>
+              <a:t>Explanation</a:t>
+            </a:r>
+          </a:p>
+          <a:p>
+            <a:r>
+              <a:rPr lang="en-US" dirty="0"/>
+              <a:t>Add default</a:t>
+            </a:r>
+          </a:p>
+          <a:p>
+            <a:r>
+              <a:rPr lang="en-US" dirty="0"/>
+              <a:t>Suggest that graph shows that </a:t>
+            </a:r>
+            <a:r>
+              <a:rPr lang="en-US" dirty="0" err="1"/>
+              <a:t>tehre</a:t>
+            </a:r>
+            <a:r>
+              <a:rPr lang="en-US" dirty="0"/>
+              <a:t> may not be too much diff b/w roles</a:t>
+            </a:r>
+          </a:p>
+          <a:p>
+            <a:r>
+              <a:rPr lang="en-US" dirty="0"/>
+              <a:t>Labels /roles may be coarse -  may need to be more fine grained about dividing them </a:t>
+            </a:r>
+          </a:p>
+          <a:p>
+            <a:r>
+              <a:rPr lang="en-US" dirty="0"/>
+              <a:t>Number of devices </a:t>
+            </a:r>
+          </a:p>
+        </p:txBody>
+      </p:sp>
+      <p:sp>
+        <p:nvSpPr>
+          <p:cNvPr id="4" name="Slide Number Placeholder 3"/>
+          <p:cNvSpPr>
+            <a:spLocks noGrp="1"/>
+          </p:cNvSpPr>
+          <p:nvPr>
+            <p:ph type="sldNum" sz="quarter" idx="10"/>
+          </p:nvPr>
+        </p:nvSpPr>
+        <p:spPr/>
+        <p:txBody>
+          <a:bodyPr/>
+          <a:lstStyle/>
+          <a:p>
+            <a:fld id="{F49BE409-5689-8842-BA33-FFFC974D2438}" type="slidenum">
+              <a:rPr lang="en-US" smtClean="0"/>
+              <a:t>24</a:t>
+            </a:fld>
+            <a:endParaRPr lang="en-US"/>
+          </a:p>
+        </p:txBody>
+      </p:sp>
+    </p:spTree>
+    <p:extLst>
+      <p:ext uri="{BB962C8B-B14F-4D97-AF65-F5344CB8AC3E}">
+        <p14:creationId xmlns:p14="http://schemas.microsoft.com/office/powerpoint/2010/main" val="2711653198"/>
+      </p:ext>
+    </p:extLst>
+  </p:cSld>
+  <p:clrMapOvr>
+    <a:masterClrMapping/>
+  </p:clrMapOvr>
+</p:notes>
+</file>
+
+<file path=ppt/notesSlides/notesSlide12.xml><?xml version="1.0" encoding="utf-8"?>
+<p:notes xmlns:a="http://schemas.openxmlformats.org/drawingml/2006/main" xmlns:r="http://schemas.openxmlformats.org/officeDocument/2006/relationships" xmlns:p="http://schemas.openxmlformats.org/presentationml/2006/main">
+  <p:cSld>
+    <p:spTree>
+      <p:nvGrpSpPr>
+        <p:cNvPr id="1" name=""/>
+        <p:cNvGrpSpPr/>
+        <p:nvPr/>
+      </p:nvGrpSpPr>
+      <p:grpSpPr>
+        <a:xfrm>
+          <a:off x="0" y="0"/>
+          <a:ext cx="0" cy="0"/>
+          <a:chOff x="0" y="0"/>
+          <a:chExt cx="0" cy="0"/>
+        </a:xfrm>
+      </p:grpSpPr>
+      <p:sp>
+        <p:nvSpPr>
+          <p:cNvPr id="2" name="Slide Image Placeholder 1"/>
+          <p:cNvSpPr>
+            <a:spLocks noGrp="1" noRot="1" noChangeAspect="1"/>
+          </p:cNvSpPr>
+          <p:nvPr>
+            <p:ph type="sldImg"/>
+          </p:nvPr>
+        </p:nvSpPr>
+        <p:spPr/>
+      </p:sp>
+      <p:sp>
+        <p:nvSpPr>
+          <p:cNvPr id="3" name="Notes Placeholder 2"/>
+          <p:cNvSpPr>
+            <a:spLocks noGrp="1"/>
+          </p:cNvSpPr>
+          <p:nvPr>
+            <p:ph type="body" idx="1"/>
+          </p:nvPr>
+        </p:nvSpPr>
+        <p:spPr/>
+        <p:txBody>
+          <a:bodyPr/>
+          <a:lstStyle/>
+          <a:p>
+            <a:r>
+              <a:rPr lang="en-US" dirty="0" err="1"/>
+              <a:t>Uve</a:t>
+            </a:r>
+            <a:r>
+              <a:rPr lang="en-US" dirty="0"/>
+              <a:t> seen </a:t>
+            </a:r>
+            <a:r>
+              <a:rPr lang="en-US"/>
+              <a:t>most things</a:t>
+            </a:r>
+          </a:p>
+        </p:txBody>
+      </p:sp>
+      <p:sp>
+        <p:nvSpPr>
+          <p:cNvPr id="4" name="Slide Number Placeholder 3"/>
+          <p:cNvSpPr>
+            <a:spLocks noGrp="1"/>
+          </p:cNvSpPr>
+          <p:nvPr>
+            <p:ph type="sldNum" sz="quarter" idx="10"/>
+          </p:nvPr>
+        </p:nvSpPr>
+        <p:spPr/>
+        <p:txBody>
+          <a:bodyPr/>
+          <a:lstStyle/>
+          <a:p>
+            <a:fld id="{F49BE409-5689-8842-BA33-FFFC974D2438}" type="slidenum">
+              <a:rPr lang="en-US" smtClean="0"/>
+              <a:t>25</a:t>
+            </a:fld>
+            <a:endParaRPr lang="en-US"/>
+          </a:p>
+        </p:txBody>
+      </p:sp>
+    </p:spTree>
+    <p:extLst>
+      <p:ext uri="{BB962C8B-B14F-4D97-AF65-F5344CB8AC3E}">
+        <p14:creationId xmlns:p14="http://schemas.microsoft.com/office/powerpoint/2010/main" val="3926913169"/>
+      </p:ext>
+    </p:extLst>
+  </p:cSld>
+  <p:clrMapOvr>
+    <a:masterClrMapping/>
+  </p:clrMapOvr>
+</p:notes>
+</file>
+
 <file path=ppt/notesSlides/notesSlide2.xml><?xml version="1.0" encoding="utf-8"?>
 <p:notes xmlns:a="http://schemas.openxmlformats.org/drawingml/2006/main" xmlns:r="http://schemas.openxmlformats.org/officeDocument/2006/relationships" xmlns:p="http://schemas.openxmlformats.org/presentationml/2006/main">
   <p:cSld>
@@ -6717,7 +7072,18 @@
             </a:r>
           </a:p>
           <a:p>
-            <a:endParaRPr lang="en-US" dirty="0"/>
+            <a:r>
+              <a:rPr lang="en-US" dirty="0"/>
+              <a:t>If </a:t>
+            </a:r>
+            <a:r>
+              <a:rPr lang="en-US" dirty="0" err="1"/>
+              <a:t>theres</a:t>
+            </a:r>
+            <a:r>
+              <a:rPr lang="en-US" dirty="0"/>
+              <a:t> regularity in our configs, we get NLP for free</a:t>
+            </a:r>
           </a:p>
         </p:txBody>
       </p:sp>
@@ -6833,7 +7199,7 @@
           <a:p>
             <a:fld id="{F49BE409-5689-8842-BA33-FFFC974D2438}" type="slidenum">
               <a:rPr lang="en-US" smtClean="0"/>
-              <a:t>12</a:t>
+              <a:t>13</a:t>
             </a:fld>
             <a:endParaRPr lang="en-US"/>
           </a:p>
@@ -6926,7 +7292,7 @@
           <a:p>
             <a:fld id="{F49BE409-5689-8842-BA33-FFFC974D2438}" type="slidenum">
               <a:rPr lang="en-US" smtClean="0"/>
-              <a:t>20</a:t>
+              <a:t>21</a:t>
             </a:fld>
             <a:endParaRPr lang="en-US"/>
           </a:p>
@@ -6994,6 +7360,29 @@
               <a:t>Diminishing returns</a:t>
             </a:r>
           </a:p>
+          <a:p>
+            <a:endParaRPr lang="en-US" dirty="0"/>
+          </a:p>
+          <a:p>
+            <a:r>
+              <a:rPr lang="en-US" dirty="0"/>
+              <a:t>Explain WHY we see these diffs</a:t>
+            </a:r>
+          </a:p>
+          <a:p>
+            <a:r>
+              <a:rPr lang="en-US" dirty="0"/>
+              <a:t>More unique things, harder it is to predict – </a:t>
+            </a:r>
+            <a:r>
+              <a:rPr lang="en-US" dirty="0" err="1"/>
+              <a:t>vlans</a:t>
+            </a:r>
+            <a:r>
+              <a:rPr lang="en-US" dirty="0"/>
+              <a:t> example</a:t>
+            </a:r>
+          </a:p>
         </p:txBody>
       </p:sp>
       <p:sp>
@@ -7013,7 +7402,7 @@
           <a:p>
             <a:fld id="{F49BE409-5689-8842-BA33-FFFC974D2438}" type="slidenum">
               <a:rPr lang="en-US" smtClean="0"/>
-              <a:t>21</a:t>
+              <a:t>22</a:t>
             </a:fld>
             <a:endParaRPr lang="en-US"/>
           </a:p>
@@ -7249,7 +7638,7 @@
           <a:p>
             <a:fld id="{C9EC861A-1F0C-744A-84D0-7C9AAB3786C9}" type="datetime1">
               <a:rPr lang="en-US" smtClean="0"/>
-              <a:t>4/30/18</a:t>
+              <a:t>5/1/18</a:t>
             </a:fld>
             <a:endParaRPr lang="en-US" dirty="0"/>
           </a:p>
@@ -7584,7 +7973,7 @@
           <a:p>
             <a:fld id="{085C0705-305D-1947-B375-615969C78305}" type="datetime1">
               <a:rPr lang="en-US" smtClean="0"/>
-              <a:t>4/30/18</a:t>
+              <a:t>5/1/18</a:t>
             </a:fld>
             <a:endParaRPr lang="en-US" dirty="0"/>
           </a:p>
@@ -7887,7 +8276,7 @@
           <a:p>
             <a:fld id="{505993C2-3383-3D45-B934-7D563DF0A331}" type="datetime1">
               <a:rPr lang="en-US" smtClean="0"/>
-              <a:t>4/30/18</a:t>
+              <a:t>5/1/18</a:t>
             </a:fld>
             <a:endParaRPr lang="en-US" dirty="0"/>
           </a:p>
@@ -8135,7 +8524,7 @@
           <a:p>
             <a:fld id="{51A9D42D-BE17-1048-9024-8A41131D2766}" type="datetime1">
               <a:rPr lang="en-US" smtClean="0"/>
-              <a:t>4/30/18</a:t>
+              <a:t>5/1/18</a:t>
             </a:fld>
             <a:endParaRPr lang="en-US" dirty="0"/>
           </a:p>
@@ -8543,7 +8932,7 @@
           <a:p>
             <a:fld id="{677A8BB9-6AE0-0D4A-B263-8BFEFAE12FCF}" type="datetime1">
               <a:rPr lang="en-US" smtClean="0"/>
-              <a:t>4/30/18</a:t>
+              <a:t>5/1/18</a:t>
             </a:fld>
             <a:endParaRPr lang="en-US" dirty="0"/>
           </a:p>
@@ -8858,7 +9247,7 @@
           <a:p>
             <a:fld id="{E1B61537-1452-5B48-B068-4BD78A701136}" type="datetime1">
               <a:rPr lang="en-US" smtClean="0"/>
-              <a:t>4/30/18</a:t>
+              <a:t>5/1/18</a:t>
             </a:fld>
             <a:endParaRPr lang="en-US" dirty="0"/>
           </a:p>
@@ -9403,7 +9792,7 @@
           <a:p>
             <a:fld id="{DD70666A-7DC2-B94B-9678-99A23E5D620C}" type="datetime1">
               <a:rPr lang="en-US" smtClean="0"/>
-              <a:t>4/30/18</a:t>
+              <a:t>5/1/18</a:t>
             </a:fld>
             <a:endParaRPr lang="en-US" dirty="0"/>
           </a:p>
@@ -9599,7 +9988,7 @@
           <a:p>
             <a:fld id="{6A7AEBC1-B868-214C-965D-76A7D2E7B07F}" type="datetime1">
               <a:rPr lang="en-US" smtClean="0"/>
-              <a:t>4/30/18</a:t>
+              <a:t>5/1/18</a:t>
             </a:fld>
             <a:endParaRPr lang="en-US" dirty="0"/>
           </a:p>
@@ -9813,7 +10202,7 @@
           <a:p>
             <a:fld id="{C0558313-3C42-2148-A548-6151C82DA30D}" type="datetime1">
               <a:rPr lang="en-US" smtClean="0"/>
-              <a:t>4/30/18</a:t>
+              <a:t>5/1/18</a:t>
             </a:fld>
             <a:endParaRPr lang="en-US" dirty="0"/>
           </a:p>
@@ -10183,7 +10572,7 @@
           <a:p>
             <a:fld id="{E6FF4B98-E8AE-7A42-8C0A-BABFD61FC319}" type="datetime1">
               <a:rPr lang="en-US" smtClean="0"/>
-              <a:t>4/30/18</a:t>
+              <a:t>5/1/18</a:t>
             </a:fld>
             <a:endParaRPr lang="en-US" dirty="0"/>
           </a:p>
@@ -10587,7 +10976,7 @@
           <a:p>
             <a:fld id="{76C677ED-0C49-2A49-B260-648423C5E062}" type="datetime1">
               <a:rPr lang="en-US" smtClean="0"/>
-              <a:t>4/30/18</a:t>
+              <a:t>5/1/18</a:t>
             </a:fld>
             <a:endParaRPr lang="en-US" dirty="0"/>
           </a:p>
@@ -10926,7 +11315,7 @@
           <a:p>
             <a:fld id="{85379E05-B417-D645-B173-FD935FED8562}" type="datetime1">
               <a:rPr lang="en-US" smtClean="0"/>
-              <a:t>4/30/18</a:t>
+              <a:t>5/1/18</a:t>
             </a:fld>
             <a:endParaRPr lang="en-US" dirty="0"/>
           </a:p>
@@ -11871,8 +12260,8 @@
           </a:p>
         </p:txBody>
       </p:sp>
-      <mc:AlternateContent xmlns:mc="http://schemas.openxmlformats.org/markup-compatibility/2006">
-        <mc:Choice xmlns:a14="http://schemas.microsoft.com/office/drawing/2010/main" Requires="a14">
+      <mc:AlternateContent xmlns:mc="http://schemas.openxmlformats.org/markup-compatibility/2006" xmlns:a14="http://schemas.microsoft.com/office/drawing/2010/main">
+        <mc:Choice Requires="a14">
           <p:sp>
             <p:nvSpPr>
               <p:cNvPr id="3" name="Content Placeholder 2">
@@ -12291,7 +12680,7 @@
             </p:txBody>
           </p:sp>
         </mc:Choice>
-        <mc:Fallback>
+        <mc:Fallback xmlns="">
           <p:sp>
             <p:nvSpPr>
               <p:cNvPr id="3" name="Content Placeholder 2">
@@ -12396,6 +12785,137 @@
       </p:grpSpPr>
       <p:sp>
         <p:nvSpPr>
+          <p:cNvPr id="2" name="Title 1">
+            <a:extLst>
+              <a:ext uri="{FF2B5EF4-FFF2-40B4-BE49-F238E27FC236}">
+                <a16:creationId xmlns:a16="http://schemas.microsoft.com/office/drawing/2014/main" id="{BABE0E22-0F3E-4F40-8CF1-0E1C8EAF9AAD}"/>
+              </a:ext>
+            </a:extLst>
+          </p:cNvPr>
+          <p:cNvSpPr>
+            <a:spLocks noGrp="1"/>
+          </p:cNvSpPr>
+          <p:nvPr>
+            <p:ph type="title"/>
+          </p:nvPr>
+        </p:nvSpPr>
+        <p:spPr/>
+        <p:txBody>
+          <a:bodyPr/>
+          <a:lstStyle/>
+          <a:p>
+            <a:pPr algn="l"/>
+            <a:r>
+              <a:rPr lang="en-US" dirty="0"/>
+              <a:t>N-gram Example</a:t>
+            </a:r>
+          </a:p>
+        </p:txBody>
+      </p:sp>
+      <p:pic>
+        <p:nvPicPr>
+          <p:cNvPr id="6" name="Content Placeholder 5">
+            <a:extLst>
+              <a:ext uri="{FF2B5EF4-FFF2-40B4-BE49-F238E27FC236}">
+                <a16:creationId xmlns:a16="http://schemas.microsoft.com/office/drawing/2014/main" id="{4AB5C458-AF4C-7041-81BC-E7370A51AEF7}"/>
+              </a:ext>
+            </a:extLst>
+          </p:cNvPr>
+          <p:cNvPicPr>
+            <a:picLocks noGrp="1" noChangeAspect="1"/>
+          </p:cNvPicPr>
+          <p:nvPr>
+            <p:ph idx="1"/>
+          </p:nvPr>
+        </p:nvPicPr>
+        <p:blipFill>
+          <a:blip r:embed="rId2">
+            <a:alphaModFix/>
+            <a:lum bright="70000" contrast="-70000"/>
+            <a:extLst>
+              <a:ext uri="{BEBA8EAE-BF5A-486C-A8C5-ECC9F3942E4B}">
+                <a14:imgProps xmlns:a14="http://schemas.microsoft.com/office/drawing/2010/main">
+                  <a14:imgLayer r:embed="rId3">
+                    <a14:imgEffect>
+                      <a14:colorTemperature colorTemp="4700"/>
+                    </a14:imgEffect>
+                  </a14:imgLayer>
+                </a14:imgProps>
+              </a:ext>
+            </a:extLst>
+          </a:blip>
+          <a:stretch>
+            <a:fillRect/>
+          </a:stretch>
+        </p:blipFill>
+        <p:spPr>
+          <a:xfrm>
+            <a:off x="2478158" y="2357089"/>
+            <a:ext cx="8017580" cy="3287785"/>
+          </a:xfrm>
+        </p:spPr>
+      </p:pic>
+      <p:sp>
+        <p:nvSpPr>
+          <p:cNvPr id="4" name="Slide Number Placeholder 3">
+            <a:extLst>
+              <a:ext uri="{FF2B5EF4-FFF2-40B4-BE49-F238E27FC236}">
+                <a16:creationId xmlns:a16="http://schemas.microsoft.com/office/drawing/2014/main" id="{61279710-0304-AA4B-9196-10731C992D9B}"/>
+              </a:ext>
+            </a:extLst>
+          </p:cNvPr>
+          <p:cNvSpPr>
+            <a:spLocks noGrp="1"/>
+          </p:cNvSpPr>
+          <p:nvPr>
+            <p:ph type="sldNum" sz="quarter" idx="12"/>
+          </p:nvPr>
+        </p:nvSpPr>
+        <p:spPr/>
+        <p:txBody>
+          <a:bodyPr/>
+          <a:lstStyle/>
+          <a:p>
+            <a:fld id="{6D22F896-40B5-4ADD-8801-0D06FADFA095}" type="slidenum">
+              <a:rPr lang="en-US" smtClean="0"/>
+              <a:t>12</a:t>
+            </a:fld>
+            <a:endParaRPr lang="en-US" dirty="0"/>
+          </a:p>
+        </p:txBody>
+      </p:sp>
+    </p:spTree>
+    <p:extLst>
+      <p:ext uri="{BB962C8B-B14F-4D97-AF65-F5344CB8AC3E}">
+        <p14:creationId xmlns:p14="http://schemas.microsoft.com/office/powerpoint/2010/main" val="3697137976"/>
+      </p:ext>
+    </p:extLst>
+  </p:cSld>
+  <p:clrMapOvr>
+    <a:masterClrMapping/>
+  </p:clrMapOvr>
+</p:sld>
+</file>
+
+<file path=ppt/slides/slide13.xml><?xml version="1.0" encoding="utf-8"?>
+<p:sld xmlns:a="http://schemas.openxmlformats.org/drawingml/2006/main" xmlns:r="http://schemas.openxmlformats.org/officeDocument/2006/relationships" xmlns:p="http://schemas.openxmlformats.org/presentationml/2006/main">
+  <p:cSld>
+    <p:spTree>
+      <p:nvGrpSpPr>
+        <p:cNvPr id="1" name=""/>
+        <p:cNvGrpSpPr/>
+        <p:nvPr/>
+      </p:nvGrpSpPr>
+      <p:grpSpPr>
+        <a:xfrm>
+          <a:off x="0" y="0"/>
+          <a:ext cx="0" cy="0"/>
+          <a:chOff x="0" y="0"/>
+          <a:chExt cx="0" cy="0"/>
+        </a:xfrm>
+      </p:grpSpPr>
+      <p:sp>
+        <p:nvSpPr>
           <p:cNvPr id="7" name="Title 1">
             <a:extLst>
               <a:ext uri="{FF2B5EF4-FFF2-40B4-BE49-F238E27FC236}">
@@ -12493,7 +13013,7 @@
           <a:p>
             <a:fld id="{6D22F896-40B5-4ADD-8801-0D06FADFA095}" type="slidenum">
               <a:rPr lang="en-US" smtClean="0"/>
-              <a:t>12</a:t>
+              <a:t>13</a:t>
             </a:fld>
             <a:endParaRPr lang="en-US" dirty="0"/>
           </a:p>
@@ -12763,7 +13283,7 @@
 </p:sld>
 </file>
 
-<file path=ppt/slides/slide13.xml><?xml version="1.0" encoding="utf-8"?>
+<file path=ppt/slides/slide14.xml><?xml version="1.0" encoding="utf-8"?>
 <p:sld xmlns:a="http://schemas.openxmlformats.org/drawingml/2006/main" xmlns:r="http://schemas.openxmlformats.org/officeDocument/2006/relationships" xmlns:p="http://schemas.openxmlformats.org/presentationml/2006/main">
   <p:cSld>
     <p:spTree>
@@ -12882,7 +13402,7 @@
           <a:p>
             <a:fld id="{6D22F896-40B5-4ADD-8801-0D06FADFA095}" type="slidenum">
               <a:rPr lang="en-US" smtClean="0"/>
-              <a:t>13</a:t>
+              <a:t>14</a:t>
             </a:fld>
             <a:endParaRPr lang="en-US" dirty="0"/>
           </a:p>
@@ -12968,165 +13488,6 @@
     <p:extLst>
       <p:ext uri="{BB962C8B-B14F-4D97-AF65-F5344CB8AC3E}">
         <p14:creationId xmlns:p14="http://schemas.microsoft.com/office/powerpoint/2010/main" val="4206590161"/>
-      </p:ext>
-    </p:extLst>
-  </p:cSld>
-  <p:clrMapOvr>
-    <a:masterClrMapping/>
-  </p:clrMapOvr>
-</p:sld>
-</file>
-
-<file path=ppt/slides/slide14.xml><?xml version="1.0" encoding="utf-8"?>
-<p:sld xmlns:a="http://schemas.openxmlformats.org/drawingml/2006/main" xmlns:r="http://schemas.openxmlformats.org/officeDocument/2006/relationships" xmlns:p="http://schemas.openxmlformats.org/presentationml/2006/main">
-  <p:cSld>
-    <p:spTree>
-      <p:nvGrpSpPr>
-        <p:cNvPr id="1" name=""/>
-        <p:cNvGrpSpPr/>
-        <p:nvPr/>
-      </p:nvGrpSpPr>
-      <p:grpSpPr>
-        <a:xfrm>
-          <a:off x="0" y="0"/>
-          <a:ext cx="0" cy="0"/>
-          <a:chOff x="0" y="0"/>
-          <a:chExt cx="0" cy="0"/>
-        </a:xfrm>
-      </p:grpSpPr>
-      <p:sp>
-        <p:nvSpPr>
-          <p:cNvPr id="2" name="Title 1">
-            <a:extLst>
-              <a:ext uri="{FF2B5EF4-FFF2-40B4-BE49-F238E27FC236}">
-                <a16:creationId xmlns:a16="http://schemas.microsoft.com/office/drawing/2014/main" id="{12EDD980-2FF1-6A43-9A90-E021660DC185}"/>
-              </a:ext>
-            </a:extLst>
-          </p:cNvPr>
-          <p:cNvSpPr>
-            <a:spLocks noGrp="1"/>
-          </p:cNvSpPr>
-          <p:nvPr>
-            <p:ph type="title"/>
-          </p:nvPr>
-        </p:nvSpPr>
-        <p:spPr/>
-        <p:txBody>
-          <a:bodyPr/>
-          <a:lstStyle/>
-          <a:p>
-            <a:pPr algn="l"/>
-            <a:r>
-              <a:rPr lang="en-US" dirty="0"/>
-              <a:t>Our cute little dataset</a:t>
-            </a:r>
-          </a:p>
-        </p:txBody>
-      </p:sp>
-      <p:sp>
-        <p:nvSpPr>
-          <p:cNvPr id="3" name="Content Placeholder 2">
-            <a:extLst>
-              <a:ext uri="{FF2B5EF4-FFF2-40B4-BE49-F238E27FC236}">
-                <a16:creationId xmlns:a16="http://schemas.microsoft.com/office/drawing/2014/main" id="{52ADF445-4A71-4A47-B495-D5A05EC06DC4}"/>
-              </a:ext>
-            </a:extLst>
-          </p:cNvPr>
-          <p:cNvSpPr>
-            <a:spLocks noGrp="1"/>
-          </p:cNvSpPr>
-          <p:nvPr>
-            <p:ph idx="1"/>
-          </p:nvPr>
-        </p:nvSpPr>
-        <p:spPr>
-          <a:xfrm>
-            <a:off x="2385076" y="6286306"/>
-            <a:ext cx="8411793" cy="459051"/>
-          </a:xfrm>
-        </p:spPr>
-        <p:txBody>
-          <a:bodyPr anchor="t">
-            <a:normAutofit fontScale="85000" lnSpcReduction="20000"/>
-          </a:bodyPr>
-          <a:lstStyle/>
-          <a:p>
-            <a:pPr marL="0" indent="0" algn="ctr">
-              <a:buNone/>
-            </a:pPr>
-            <a:r>
-              <a:rPr lang="en-US" sz="2200" dirty="0"/>
-              <a:t>Figure 1: Our data contains a myriad of configuration sizes</a:t>
-            </a:r>
-          </a:p>
-          <a:p>
-            <a:endParaRPr lang="en-US" sz="2200" dirty="0"/>
-          </a:p>
-        </p:txBody>
-      </p:sp>
-      <p:sp>
-        <p:nvSpPr>
-          <p:cNvPr id="4" name="Slide Number Placeholder 3">
-            <a:extLst>
-              <a:ext uri="{FF2B5EF4-FFF2-40B4-BE49-F238E27FC236}">
-                <a16:creationId xmlns:a16="http://schemas.microsoft.com/office/drawing/2014/main" id="{7124CDC2-F652-5F42-9813-BC9248D2A5C8}"/>
-              </a:ext>
-            </a:extLst>
-          </p:cNvPr>
-          <p:cNvSpPr>
-            <a:spLocks noGrp="1"/>
-          </p:cNvSpPr>
-          <p:nvPr>
-            <p:ph type="sldNum" sz="quarter" idx="12"/>
-          </p:nvPr>
-        </p:nvSpPr>
-        <p:spPr/>
-        <p:txBody>
-          <a:bodyPr/>
-          <a:lstStyle/>
-          <a:p>
-            <a:fld id="{6D22F896-40B5-4ADD-8801-0D06FADFA095}" type="slidenum">
-              <a:rPr lang="en-US" smtClean="0"/>
-              <a:t>14</a:t>
-            </a:fld>
-            <a:endParaRPr lang="en-US" dirty="0"/>
-          </a:p>
-        </p:txBody>
-      </p:sp>
-      <p:pic>
-        <p:nvPicPr>
-          <p:cNvPr id="7" name="Picture 6">
-            <a:extLst>
-              <a:ext uri="{FF2B5EF4-FFF2-40B4-BE49-F238E27FC236}">
-                <a16:creationId xmlns:a16="http://schemas.microsoft.com/office/drawing/2014/main" id="{8D7C5CBF-F8FC-7040-8EB4-5F6F9E13496C}"/>
-              </a:ext>
-            </a:extLst>
-          </p:cNvPr>
-          <p:cNvPicPr>
-            <a:picLocks noChangeAspect="1"/>
-          </p:cNvPicPr>
-          <p:nvPr/>
-        </p:nvPicPr>
-        <p:blipFill>
-          <a:blip r:embed="rId2"/>
-          <a:stretch>
-            <a:fillRect/>
-          </a:stretch>
-        </p:blipFill>
-        <p:spPr>
-          <a:xfrm>
-            <a:off x="3648990" y="1545754"/>
-            <a:ext cx="5879323" cy="4703459"/>
-          </a:xfrm>
-          <a:prstGeom prst="rect">
-            <a:avLst/>
-          </a:prstGeom>
-        </p:spPr>
-      </p:pic>
-    </p:spTree>
-    <p:extLst>
-      <p:ext uri="{BB962C8B-B14F-4D97-AF65-F5344CB8AC3E}">
-        <p14:creationId xmlns:p14="http://schemas.microsoft.com/office/powerpoint/2010/main" val="676473630"/>
       </p:ext>
     </p:extLst>
   </p:cSld>
@@ -13622,7 +13983,7 @@
             <a:pPr algn="l"/>
             <a:r>
               <a:rPr lang="en-US" dirty="0"/>
-              <a:t>Testing Methodology</a:t>
+              <a:t>Our cute little dataset</a:t>
             </a:r>
           </a:p>
         </p:txBody>
@@ -13645,26 +14006,26 @@
         </p:nvSpPr>
         <p:spPr>
           <a:xfrm>
-            <a:off x="2243507" y="1936085"/>
-            <a:ext cx="7958331" cy="2750215"/>
+            <a:off x="2385076" y="6286306"/>
+            <a:ext cx="8411793" cy="459051"/>
           </a:xfrm>
         </p:spPr>
         <p:txBody>
-          <a:bodyPr anchor="ctr">
-            <a:normAutofit/>
+          <a:bodyPr anchor="t">
+            <a:normAutofit fontScale="85000" lnSpcReduction="20000"/>
           </a:bodyPr>
           <a:lstStyle/>
           <a:p>
-            <a:r>
-              <a:rPr lang="en-US" sz="2400" dirty="0"/>
-              <a:t> “Rebuild” the test configurations token-by-token </a:t>
-            </a:r>
-          </a:p>
-          <a:p>
-            <a:r>
-              <a:rPr lang="en-US" sz="2400" dirty="0"/>
-              <a:t>A prediction is marked as successful when we suggest the correct token within three results</a:t>
-            </a:r>
+            <a:pPr marL="0" indent="0" algn="ctr">
+              <a:buNone/>
+            </a:pPr>
+            <a:r>
+              <a:rPr lang="en-US" sz="2200" dirty="0"/>
+              <a:t>Figure 1: Our data contains a myriad of configuration sizes</a:t>
+            </a:r>
+          </a:p>
+          <a:p>
+            <a:endParaRPr lang="en-US" sz="2200" dirty="0"/>
           </a:p>
         </p:txBody>
       </p:sp>
@@ -13697,10 +14058,40 @@
           </a:p>
         </p:txBody>
       </p:sp>
+      <p:pic>
+        <p:nvPicPr>
+          <p:cNvPr id="7" name="Picture 6">
+            <a:extLst>
+              <a:ext uri="{FF2B5EF4-FFF2-40B4-BE49-F238E27FC236}">
+                <a16:creationId xmlns:a16="http://schemas.microsoft.com/office/drawing/2014/main" id="{8D7C5CBF-F8FC-7040-8EB4-5F6F9E13496C}"/>
+              </a:ext>
+            </a:extLst>
+          </p:cNvPr>
+          <p:cNvPicPr>
+            <a:picLocks noChangeAspect="1"/>
+          </p:cNvPicPr>
+          <p:nvPr/>
+        </p:nvPicPr>
+        <p:blipFill>
+          <a:blip r:embed="rId2"/>
+          <a:stretch>
+            <a:fillRect/>
+          </a:stretch>
+        </p:blipFill>
+        <p:spPr>
+          <a:xfrm>
+            <a:off x="3648990" y="1545754"/>
+            <a:ext cx="5879323" cy="4703459"/>
+          </a:xfrm>
+          <a:prstGeom prst="rect">
+            <a:avLst/>
+          </a:prstGeom>
+        </p:spPr>
+      </p:pic>
     </p:spTree>
     <p:extLst>
       <p:ext uri="{BB962C8B-B14F-4D97-AF65-F5344CB8AC3E}">
-        <p14:creationId xmlns:p14="http://schemas.microsoft.com/office/powerpoint/2010/main" val="4180441357"/>
+        <p14:creationId xmlns:p14="http://schemas.microsoft.com/office/powerpoint/2010/main" val="676473630"/>
       </p:ext>
     </p:extLst>
   </p:cSld>
@@ -13743,20 +14134,56 @@
             <p:ph type="title"/>
           </p:nvPr>
         </p:nvSpPr>
+        <p:spPr/>
+        <p:txBody>
+          <a:bodyPr/>
+          <a:lstStyle/>
+          <a:p>
+            <a:pPr algn="l"/>
+            <a:r>
+              <a:rPr lang="en-US" dirty="0"/>
+              <a:t>Testing Methodology</a:t>
+            </a:r>
+          </a:p>
+        </p:txBody>
+      </p:sp>
+      <p:sp>
+        <p:nvSpPr>
+          <p:cNvPr id="3" name="Content Placeholder 2">
+            <a:extLst>
+              <a:ext uri="{FF2B5EF4-FFF2-40B4-BE49-F238E27FC236}">
+                <a16:creationId xmlns:a16="http://schemas.microsoft.com/office/drawing/2014/main" id="{52ADF445-4A71-4A47-B495-D5A05EC06DC4}"/>
+              </a:ext>
+            </a:extLst>
+          </p:cNvPr>
+          <p:cNvSpPr>
+            <a:spLocks noGrp="1"/>
+          </p:cNvSpPr>
+          <p:nvPr>
+            <p:ph idx="1"/>
+          </p:nvPr>
+        </p:nvSpPr>
         <p:spPr>
           <a:xfrm>
-            <a:off x="2611808" y="808056"/>
-            <a:ext cx="7958331" cy="881043"/>
+            <a:off x="2243507" y="1936085"/>
+            <a:ext cx="7958331" cy="2750215"/>
           </a:xfrm>
         </p:spPr>
         <p:txBody>
-          <a:bodyPr/>
+          <a:bodyPr anchor="ctr">
+            <a:normAutofit/>
+          </a:bodyPr>
           <a:lstStyle/>
           <a:p>
-            <a:pPr algn="l"/>
-            <a:r>
-              <a:rPr lang="en-US" dirty="0"/>
-              <a:t>Testing Methodology</a:t>
+            <a:r>
+              <a:rPr lang="en-US" sz="2400" dirty="0"/>
+              <a:t> “Rebuild” the test configurations token-by-token </a:t>
+            </a:r>
+          </a:p>
+          <a:p>
+            <a:r>
+              <a:rPr lang="en-US" sz="2400" dirty="0"/>
+              <a:t>A prediction is marked as successful when we suggest the correct token within three results</a:t>
             </a:r>
           </a:p>
         </p:txBody>
@@ -13785,6 +14212,99 @@
             <a:fld id="{6D22F896-40B5-4ADD-8801-0D06FADFA095}" type="slidenum">
               <a:rPr lang="en-US" smtClean="0"/>
               <a:t>17</a:t>
+            </a:fld>
+            <a:endParaRPr lang="en-US" dirty="0"/>
+          </a:p>
+        </p:txBody>
+      </p:sp>
+    </p:spTree>
+    <p:extLst>
+      <p:ext uri="{BB962C8B-B14F-4D97-AF65-F5344CB8AC3E}">
+        <p14:creationId xmlns:p14="http://schemas.microsoft.com/office/powerpoint/2010/main" val="4180441357"/>
+      </p:ext>
+    </p:extLst>
+  </p:cSld>
+  <p:clrMapOvr>
+    <a:masterClrMapping/>
+  </p:clrMapOvr>
+</p:sld>
+</file>
+
+<file path=ppt/slides/slide18.xml><?xml version="1.0" encoding="utf-8"?>
+<p:sld xmlns:a="http://schemas.openxmlformats.org/drawingml/2006/main" xmlns:r="http://schemas.openxmlformats.org/officeDocument/2006/relationships" xmlns:p="http://schemas.openxmlformats.org/presentationml/2006/main">
+  <p:cSld>
+    <p:spTree>
+      <p:nvGrpSpPr>
+        <p:cNvPr id="1" name=""/>
+        <p:cNvGrpSpPr/>
+        <p:nvPr/>
+      </p:nvGrpSpPr>
+      <p:grpSpPr>
+        <a:xfrm>
+          <a:off x="0" y="0"/>
+          <a:ext cx="0" cy="0"/>
+          <a:chOff x="0" y="0"/>
+          <a:chExt cx="0" cy="0"/>
+        </a:xfrm>
+      </p:grpSpPr>
+      <p:sp>
+        <p:nvSpPr>
+          <p:cNvPr id="2" name="Title 1">
+            <a:extLst>
+              <a:ext uri="{FF2B5EF4-FFF2-40B4-BE49-F238E27FC236}">
+                <a16:creationId xmlns:a16="http://schemas.microsoft.com/office/drawing/2014/main" id="{12EDD980-2FF1-6A43-9A90-E021660DC185}"/>
+              </a:ext>
+            </a:extLst>
+          </p:cNvPr>
+          <p:cNvSpPr>
+            <a:spLocks noGrp="1"/>
+          </p:cNvSpPr>
+          <p:nvPr>
+            <p:ph type="title"/>
+          </p:nvPr>
+        </p:nvSpPr>
+        <p:spPr>
+          <a:xfrm>
+            <a:off x="2611808" y="808056"/>
+            <a:ext cx="7958331" cy="881043"/>
+          </a:xfrm>
+        </p:spPr>
+        <p:txBody>
+          <a:bodyPr/>
+          <a:lstStyle/>
+          <a:p>
+            <a:pPr algn="l"/>
+            <a:r>
+              <a:rPr lang="en-US" dirty="0"/>
+              <a:t>Testing Methodology</a:t>
+            </a:r>
+          </a:p>
+        </p:txBody>
+      </p:sp>
+      <p:sp>
+        <p:nvSpPr>
+          <p:cNvPr id="4" name="Slide Number Placeholder 3">
+            <a:extLst>
+              <a:ext uri="{FF2B5EF4-FFF2-40B4-BE49-F238E27FC236}">
+                <a16:creationId xmlns:a16="http://schemas.microsoft.com/office/drawing/2014/main" id="{7124CDC2-F652-5F42-9813-BC9248D2A5C8}"/>
+              </a:ext>
+            </a:extLst>
+          </p:cNvPr>
+          <p:cNvSpPr>
+            <a:spLocks noGrp="1"/>
+          </p:cNvSpPr>
+          <p:nvPr>
+            <p:ph type="sldNum" sz="quarter" idx="12"/>
+          </p:nvPr>
+        </p:nvSpPr>
+        <p:spPr/>
+        <p:txBody>
+          <a:bodyPr/>
+          <a:lstStyle/>
+          <a:p>
+            <a:fld id="{6D22F896-40B5-4ADD-8801-0D06FADFA095}" type="slidenum">
+              <a:rPr lang="en-US" smtClean="0"/>
+              <a:t>18</a:t>
             </a:fld>
             <a:endParaRPr lang="en-US" dirty="0"/>
           </a:p>
@@ -14740,7 +15260,7 @@
 </p:sld>
 </file>
 
-<file path=ppt/slides/slide18.xml><?xml version="1.0" encoding="utf-8"?>
+<file path=ppt/slides/slide19.xml><?xml version="1.0" encoding="utf-8"?>
 <p:sld xmlns:a="http://schemas.openxmlformats.org/drawingml/2006/main" xmlns:r="http://schemas.openxmlformats.org/officeDocument/2006/relationships" xmlns:p="http://schemas.openxmlformats.org/presentationml/2006/main">
   <p:cSld>
     <p:spTree>
@@ -14856,7 +15376,7 @@
           <a:p>
             <a:fld id="{6D22F896-40B5-4ADD-8801-0D06FADFA095}" type="slidenum">
               <a:rPr lang="en-US" smtClean="0"/>
-              <a:t>18</a:t>
+              <a:t>19</a:t>
             </a:fld>
             <a:endParaRPr lang="en-US" dirty="0"/>
           </a:p>
@@ -14954,7 +15474,7 @@
 </p:sld>
 </file>
 
-<file path=ppt/slides/slide19.xml><?xml version="1.0" encoding="utf-8"?>
+<file path=ppt/slides/slide2.xml><?xml version="1.0" encoding="utf-8"?>
 <p:sld xmlns:a="http://schemas.openxmlformats.org/drawingml/2006/main" xmlns:r="http://schemas.openxmlformats.org/officeDocument/2006/relationships" xmlns:p="http://schemas.openxmlformats.org/presentationml/2006/main">
   <p:cSld>
     <p:spTree>
@@ -14976,6 +15496,180 @@
           <p:cNvPr id="2" name="Title 1">
             <a:extLst>
               <a:ext uri="{FF2B5EF4-FFF2-40B4-BE49-F238E27FC236}">
+                <a16:creationId xmlns:a16="http://schemas.microsoft.com/office/drawing/2014/main" id="{7B723D73-BC0B-F54B-AF47-73028F5A010E}"/>
+              </a:ext>
+            </a:extLst>
+          </p:cNvPr>
+          <p:cNvSpPr>
+            <a:spLocks noGrp="1"/>
+          </p:cNvSpPr>
+          <p:nvPr>
+            <p:ph type="title"/>
+          </p:nvPr>
+        </p:nvSpPr>
+        <p:spPr/>
+        <p:txBody>
+          <a:bodyPr/>
+          <a:lstStyle/>
+          <a:p>
+            <a:pPr algn="l"/>
+            <a:r>
+              <a:rPr lang="en-US" dirty="0"/>
+              <a:t>Introduction </a:t>
+            </a:r>
+          </a:p>
+        </p:txBody>
+      </p:sp>
+      <p:sp>
+        <p:nvSpPr>
+          <p:cNvPr id="3" name="Content Placeholder 2">
+            <a:extLst>
+              <a:ext uri="{FF2B5EF4-FFF2-40B4-BE49-F238E27FC236}">
+                <a16:creationId xmlns:a16="http://schemas.microsoft.com/office/drawing/2014/main" id="{B8652765-67AB-5746-8D88-1CCDCD112CC2}"/>
+              </a:ext>
+            </a:extLst>
+          </p:cNvPr>
+          <p:cNvSpPr>
+            <a:spLocks noGrp="1"/>
+          </p:cNvSpPr>
+          <p:nvPr>
+            <p:ph idx="1"/>
+          </p:nvPr>
+        </p:nvSpPr>
+        <p:spPr>
+          <a:xfrm>
+            <a:off x="2253998" y="2079725"/>
+            <a:ext cx="8599531" cy="3684971"/>
+          </a:xfrm>
+        </p:spPr>
+        <p:txBody>
+          <a:bodyPr>
+            <a:normAutofit/>
+          </a:bodyPr>
+          <a:lstStyle/>
+          <a:p>
+            <a:r>
+              <a:rPr lang="en-US" sz="2400" dirty="0">
+                <a:ea typeface="Helvetica Neue" panose="02000503000000020004" pitchFamily="2" charset="0"/>
+                <a:cs typeface="Futura Medium" panose="020B0602020204020303" pitchFamily="34" charset="-79"/>
+              </a:rPr>
+              <a:t>A network’s backbone is its routing control plane</a:t>
+            </a:r>
+          </a:p>
+          <a:p>
+            <a:pPr lvl="1"/>
+            <a:r>
+              <a:rPr lang="en-US" sz="2400" dirty="0">
+                <a:ea typeface="Helvetica Neue" panose="02000503000000020004" pitchFamily="2" charset="0"/>
+                <a:cs typeface="Futura Medium" panose="020B0602020204020303" pitchFamily="34" charset="-79"/>
+              </a:rPr>
+              <a:t>Set of rules that dictate how the network should behave</a:t>
+            </a:r>
+          </a:p>
+          <a:p>
+            <a:r>
+              <a:rPr lang="en-US" sz="2400" dirty="0">
+                <a:ea typeface="Helvetica Neue" panose="02000503000000020004" pitchFamily="2" charset="0"/>
+                <a:cs typeface="Futura Medium" panose="020B0602020204020303" pitchFamily="34" charset="-79"/>
+              </a:rPr>
+              <a:t>Control plane logic is distributed across the network</a:t>
+            </a:r>
+          </a:p>
+          <a:p>
+            <a:r>
+              <a:rPr lang="en-US" sz="2400" dirty="0">
+                <a:ea typeface="Helvetica Neue" panose="02000503000000020004" pitchFamily="2" charset="0"/>
+                <a:cs typeface="Futura Medium" panose="020B0602020204020303" pitchFamily="34" charset="-79"/>
+              </a:rPr>
+              <a:t>Each router has its own </a:t>
+            </a:r>
+            <a:r>
+              <a:rPr lang="en-US" sz="2400" u="sng" dirty="0">
+                <a:ea typeface="Helvetica Neue" panose="02000503000000020004" pitchFamily="2" charset="0"/>
+                <a:cs typeface="Futura Medium" panose="020B0602020204020303" pitchFamily="34" charset="-79"/>
+              </a:rPr>
+              <a:t>configuration file</a:t>
+            </a:r>
+            <a:r>
+              <a:rPr lang="en-US" sz="2400" dirty="0">
+                <a:ea typeface="Helvetica Neue" panose="02000503000000020004" pitchFamily="2" charset="0"/>
+                <a:cs typeface="Futura Medium" panose="020B0602020204020303" pitchFamily="34" charset="-79"/>
+              </a:rPr>
+              <a:t> that tells it what to do</a:t>
+            </a:r>
+          </a:p>
+          <a:p>
+            <a:endParaRPr lang="en-US" sz="2400" dirty="0">
+              <a:ea typeface="Helvetica Neue" panose="02000503000000020004" pitchFamily="2" charset="0"/>
+              <a:cs typeface="Futura Medium" panose="020B0602020204020303" pitchFamily="34" charset="-79"/>
+            </a:endParaRPr>
+          </a:p>
+        </p:txBody>
+      </p:sp>
+      <p:sp>
+        <p:nvSpPr>
+          <p:cNvPr id="5" name="Slide Number Placeholder 4">
+            <a:extLst>
+              <a:ext uri="{FF2B5EF4-FFF2-40B4-BE49-F238E27FC236}">
+                <a16:creationId xmlns:a16="http://schemas.microsoft.com/office/drawing/2014/main" id="{6E0235FC-63A7-BD42-B117-9E3A8D22309A}"/>
+              </a:ext>
+            </a:extLst>
+          </p:cNvPr>
+          <p:cNvSpPr>
+            <a:spLocks noGrp="1"/>
+          </p:cNvSpPr>
+          <p:nvPr>
+            <p:ph type="sldNum" sz="quarter" idx="12"/>
+          </p:nvPr>
+        </p:nvSpPr>
+        <p:spPr/>
+        <p:txBody>
+          <a:bodyPr/>
+          <a:lstStyle/>
+          <a:p>
+            <a:fld id="{6D22F896-40B5-4ADD-8801-0D06FADFA095}" type="slidenum">
+              <a:rPr lang="en-US" smtClean="0"/>
+              <a:t>2</a:t>
+            </a:fld>
+            <a:endParaRPr lang="en-US" dirty="0"/>
+          </a:p>
+        </p:txBody>
+      </p:sp>
+    </p:spTree>
+    <p:extLst>
+      <p:ext uri="{BB962C8B-B14F-4D97-AF65-F5344CB8AC3E}">
+        <p14:creationId xmlns:p14="http://schemas.microsoft.com/office/powerpoint/2010/main" val="3807295900"/>
+      </p:ext>
+    </p:extLst>
+  </p:cSld>
+  <p:clrMapOvr>
+    <a:masterClrMapping/>
+  </p:clrMapOvr>
+</p:sld>
+</file>
+
+<file path=ppt/slides/slide20.xml><?xml version="1.0" encoding="utf-8"?>
+<p:sld xmlns:a="http://schemas.openxmlformats.org/drawingml/2006/main" xmlns:r="http://schemas.openxmlformats.org/officeDocument/2006/relationships" xmlns:p="http://schemas.openxmlformats.org/presentationml/2006/main">
+  <p:cSld>
+    <p:spTree>
+      <p:nvGrpSpPr>
+        <p:cNvPr id="1" name=""/>
+        <p:cNvGrpSpPr/>
+        <p:nvPr/>
+      </p:nvGrpSpPr>
+      <p:grpSpPr>
+        <a:xfrm>
+          <a:off x="0" y="0"/>
+          <a:ext cx="0" cy="0"/>
+          <a:chOff x="0" y="0"/>
+          <a:chExt cx="0" cy="0"/>
+        </a:xfrm>
+      </p:grpSpPr>
+      <p:sp>
+        <p:nvSpPr>
+          <p:cNvPr id="2" name="Title 1">
+            <a:extLst>
+              <a:ext uri="{FF2B5EF4-FFF2-40B4-BE49-F238E27FC236}">
                 <a16:creationId xmlns:a16="http://schemas.microsoft.com/office/drawing/2014/main" id="{427336CD-F9C2-C047-ACC7-EB2F21A64B94}"/>
               </a:ext>
             </a:extLst>
@@ -15064,7 +15758,7 @@
           <a:p>
             <a:fld id="{6D22F896-40B5-4ADD-8801-0D06FADFA095}" type="slidenum">
               <a:rPr lang="en-US" smtClean="0"/>
-              <a:t>19</a:t>
+              <a:t>20</a:t>
             </a:fld>
             <a:endParaRPr lang="en-US" dirty="0"/>
           </a:p>
@@ -15242,7 +15936,7 @@
 </p:sld>
 </file>
 
-<file path=ppt/slides/slide2.xml><?xml version="1.0" encoding="utf-8"?>
+<file path=ppt/slides/slide21.xml><?xml version="1.0" encoding="utf-8"?>
 <p:sld xmlns:a="http://schemas.openxmlformats.org/drawingml/2006/main" xmlns:r="http://schemas.openxmlformats.org/officeDocument/2006/relationships" xmlns:p="http://schemas.openxmlformats.org/presentationml/2006/main">
   <p:cSld>
     <p:spTree>
@@ -15264,180 +15958,6 @@
           <p:cNvPr id="2" name="Title 1">
             <a:extLst>
               <a:ext uri="{FF2B5EF4-FFF2-40B4-BE49-F238E27FC236}">
-                <a16:creationId xmlns:a16="http://schemas.microsoft.com/office/drawing/2014/main" id="{7B723D73-BC0B-F54B-AF47-73028F5A010E}"/>
-              </a:ext>
-            </a:extLst>
-          </p:cNvPr>
-          <p:cNvSpPr>
-            <a:spLocks noGrp="1"/>
-          </p:cNvSpPr>
-          <p:nvPr>
-            <p:ph type="title"/>
-          </p:nvPr>
-        </p:nvSpPr>
-        <p:spPr/>
-        <p:txBody>
-          <a:bodyPr/>
-          <a:lstStyle/>
-          <a:p>
-            <a:pPr algn="l"/>
-            <a:r>
-              <a:rPr lang="en-US" dirty="0"/>
-              <a:t>Introduction </a:t>
-            </a:r>
-          </a:p>
-        </p:txBody>
-      </p:sp>
-      <p:sp>
-        <p:nvSpPr>
-          <p:cNvPr id="3" name="Content Placeholder 2">
-            <a:extLst>
-              <a:ext uri="{FF2B5EF4-FFF2-40B4-BE49-F238E27FC236}">
-                <a16:creationId xmlns:a16="http://schemas.microsoft.com/office/drawing/2014/main" id="{B8652765-67AB-5746-8D88-1CCDCD112CC2}"/>
-              </a:ext>
-            </a:extLst>
-          </p:cNvPr>
-          <p:cNvSpPr>
-            <a:spLocks noGrp="1"/>
-          </p:cNvSpPr>
-          <p:nvPr>
-            <p:ph idx="1"/>
-          </p:nvPr>
-        </p:nvSpPr>
-        <p:spPr>
-          <a:xfrm>
-            <a:off x="2253998" y="2079725"/>
-            <a:ext cx="8599531" cy="3684971"/>
-          </a:xfrm>
-        </p:spPr>
-        <p:txBody>
-          <a:bodyPr>
-            <a:normAutofit/>
-          </a:bodyPr>
-          <a:lstStyle/>
-          <a:p>
-            <a:r>
-              <a:rPr lang="en-US" sz="2400" dirty="0">
-                <a:ea typeface="Helvetica Neue" panose="02000503000000020004" pitchFamily="2" charset="0"/>
-                <a:cs typeface="Futura Medium" panose="020B0602020204020303" pitchFamily="34" charset="-79"/>
-              </a:rPr>
-              <a:t>A network’s backbone is its routing control plane</a:t>
-            </a:r>
-          </a:p>
-          <a:p>
-            <a:pPr lvl="1"/>
-            <a:r>
-              <a:rPr lang="en-US" sz="2400" dirty="0">
-                <a:ea typeface="Helvetica Neue" panose="02000503000000020004" pitchFamily="2" charset="0"/>
-                <a:cs typeface="Futura Medium" panose="020B0602020204020303" pitchFamily="34" charset="-79"/>
-              </a:rPr>
-              <a:t>Set of rules that dictate how the network should behave</a:t>
-            </a:r>
-          </a:p>
-          <a:p>
-            <a:r>
-              <a:rPr lang="en-US" sz="2400" dirty="0">
-                <a:ea typeface="Helvetica Neue" panose="02000503000000020004" pitchFamily="2" charset="0"/>
-                <a:cs typeface="Futura Medium" panose="020B0602020204020303" pitchFamily="34" charset="-79"/>
-              </a:rPr>
-              <a:t>Control plane logic is distributed across the network</a:t>
-            </a:r>
-          </a:p>
-          <a:p>
-            <a:r>
-              <a:rPr lang="en-US" sz="2400" dirty="0">
-                <a:ea typeface="Helvetica Neue" panose="02000503000000020004" pitchFamily="2" charset="0"/>
-                <a:cs typeface="Futura Medium" panose="020B0602020204020303" pitchFamily="34" charset="-79"/>
-              </a:rPr>
-              <a:t>Each router has its own </a:t>
-            </a:r>
-            <a:r>
-              <a:rPr lang="en-US" sz="2400" u="sng" dirty="0">
-                <a:ea typeface="Helvetica Neue" panose="02000503000000020004" pitchFamily="2" charset="0"/>
-                <a:cs typeface="Futura Medium" panose="020B0602020204020303" pitchFamily="34" charset="-79"/>
-              </a:rPr>
-              <a:t>configuration file</a:t>
-            </a:r>
-            <a:r>
-              <a:rPr lang="en-US" sz="2400" dirty="0">
-                <a:ea typeface="Helvetica Neue" panose="02000503000000020004" pitchFamily="2" charset="0"/>
-                <a:cs typeface="Futura Medium" panose="020B0602020204020303" pitchFamily="34" charset="-79"/>
-              </a:rPr>
-              <a:t> that tells it what to do</a:t>
-            </a:r>
-          </a:p>
-          <a:p>
-            <a:endParaRPr lang="en-US" sz="2400" dirty="0">
-              <a:ea typeface="Helvetica Neue" panose="02000503000000020004" pitchFamily="2" charset="0"/>
-              <a:cs typeface="Futura Medium" panose="020B0602020204020303" pitchFamily="34" charset="-79"/>
-            </a:endParaRPr>
-          </a:p>
-        </p:txBody>
-      </p:sp>
-      <p:sp>
-        <p:nvSpPr>
-          <p:cNvPr id="5" name="Slide Number Placeholder 4">
-            <a:extLst>
-              <a:ext uri="{FF2B5EF4-FFF2-40B4-BE49-F238E27FC236}">
-                <a16:creationId xmlns:a16="http://schemas.microsoft.com/office/drawing/2014/main" id="{6E0235FC-63A7-BD42-B117-9E3A8D22309A}"/>
-              </a:ext>
-            </a:extLst>
-          </p:cNvPr>
-          <p:cNvSpPr>
-            <a:spLocks noGrp="1"/>
-          </p:cNvSpPr>
-          <p:nvPr>
-            <p:ph type="sldNum" sz="quarter" idx="12"/>
-          </p:nvPr>
-        </p:nvSpPr>
-        <p:spPr/>
-        <p:txBody>
-          <a:bodyPr/>
-          <a:lstStyle/>
-          <a:p>
-            <a:fld id="{6D22F896-40B5-4ADD-8801-0D06FADFA095}" type="slidenum">
-              <a:rPr lang="en-US" smtClean="0"/>
-              <a:t>2</a:t>
-            </a:fld>
-            <a:endParaRPr lang="en-US" dirty="0"/>
-          </a:p>
-        </p:txBody>
-      </p:sp>
-    </p:spTree>
-    <p:extLst>
-      <p:ext uri="{BB962C8B-B14F-4D97-AF65-F5344CB8AC3E}">
-        <p14:creationId xmlns:p14="http://schemas.microsoft.com/office/powerpoint/2010/main" val="3807295900"/>
-      </p:ext>
-    </p:extLst>
-  </p:cSld>
-  <p:clrMapOvr>
-    <a:masterClrMapping/>
-  </p:clrMapOvr>
-</p:sld>
-</file>
-
-<file path=ppt/slides/slide20.xml><?xml version="1.0" encoding="utf-8"?>
-<p:sld xmlns:a="http://schemas.openxmlformats.org/drawingml/2006/main" xmlns:r="http://schemas.openxmlformats.org/officeDocument/2006/relationships" xmlns:p="http://schemas.openxmlformats.org/presentationml/2006/main">
-  <p:cSld>
-    <p:spTree>
-      <p:nvGrpSpPr>
-        <p:cNvPr id="1" name=""/>
-        <p:cNvGrpSpPr/>
-        <p:nvPr/>
-      </p:nvGrpSpPr>
-      <p:grpSpPr>
-        <a:xfrm>
-          <a:off x="0" y="0"/>
-          <a:ext cx="0" cy="0"/>
-          <a:chOff x="0" y="0"/>
-          <a:chExt cx="0" cy="0"/>
-        </a:xfrm>
-      </p:grpSpPr>
-      <p:sp>
-        <p:nvSpPr>
-          <p:cNvPr id="2" name="Title 1">
-            <a:extLst>
-              <a:ext uri="{FF2B5EF4-FFF2-40B4-BE49-F238E27FC236}">
                 <a16:creationId xmlns:a16="http://schemas.microsoft.com/office/drawing/2014/main" id="{6649F5D5-50D4-3F4D-85DC-A829071EA330}"/>
               </a:ext>
             </a:extLst>
@@ -15539,7 +16059,7 @@
           <a:p>
             <a:fld id="{6D22F896-40B5-4ADD-8801-0D06FADFA095}" type="slidenum">
               <a:rPr lang="en-US" smtClean="0"/>
-              <a:t>20</a:t>
+              <a:t>21</a:t>
             </a:fld>
             <a:endParaRPr lang="en-US" dirty="0"/>
           </a:p>
@@ -15784,7 +16304,7 @@
 </p:sld>
 </file>
 
-<file path=ppt/slides/slide21.xml><?xml version="1.0" encoding="utf-8"?>
+<file path=ppt/slides/slide22.xml><?xml version="1.0" encoding="utf-8"?>
 <p:sld xmlns:a="http://schemas.openxmlformats.org/drawingml/2006/main" xmlns:r="http://schemas.openxmlformats.org/officeDocument/2006/relationships" xmlns:p="http://schemas.openxmlformats.org/presentationml/2006/main">
   <p:cSld>
     <p:spTree>
@@ -15894,7 +16414,7 @@
           <a:p>
             <a:fld id="{6D22F896-40B5-4ADD-8801-0D06FADFA095}" type="slidenum">
               <a:rPr lang="en-US" smtClean="0"/>
-              <a:t>21</a:t>
+              <a:t>22</a:t>
             </a:fld>
             <a:endParaRPr lang="en-US" dirty="0"/>
           </a:p>
@@ -16074,7 +16594,7 @@
 </p:sld>
 </file>
 
-<file path=ppt/slides/slide22.xml><?xml version="1.0" encoding="utf-8"?>
+<file path=ppt/slides/slide23.xml><?xml version="1.0" encoding="utf-8"?>
 <p:sld xmlns:a="http://schemas.openxmlformats.org/drawingml/2006/main" xmlns:r="http://schemas.openxmlformats.org/officeDocument/2006/relationships" xmlns:p="http://schemas.openxmlformats.org/presentationml/2006/main">
   <p:cSld>
     <p:spTree>
@@ -16150,7 +16670,7 @@
           <a:p>
             <a:fld id="{6D22F896-40B5-4ADD-8801-0D06FADFA095}" type="slidenum">
               <a:rPr lang="en-US" smtClean="0"/>
-              <a:t>22</a:t>
+              <a:t>23</a:t>
             </a:fld>
             <a:endParaRPr lang="en-US" dirty="0"/>
           </a:p>
@@ -16171,7 +16691,7 @@
           <p:nvPr/>
         </p:nvPicPr>
         <p:blipFill>
-          <a:blip r:embed="rId2"/>
+          <a:blip r:embed="rId3"/>
           <a:stretch>
             <a:fillRect/>
           </a:stretch>
@@ -16366,167 +16886,6 @@
 </p:sld>
 </file>
 
-<file path=ppt/slides/slide23.xml><?xml version="1.0" encoding="utf-8"?>
-<p:sld xmlns:a="http://schemas.openxmlformats.org/drawingml/2006/main" xmlns:r="http://schemas.openxmlformats.org/officeDocument/2006/relationships" xmlns:p="http://schemas.openxmlformats.org/presentationml/2006/main">
-  <p:cSld>
-    <p:spTree>
-      <p:nvGrpSpPr>
-        <p:cNvPr id="1" name=""/>
-        <p:cNvGrpSpPr/>
-        <p:nvPr/>
-      </p:nvGrpSpPr>
-      <p:grpSpPr>
-        <a:xfrm>
-          <a:off x="0" y="0"/>
-          <a:ext cx="0" cy="0"/>
-          <a:chOff x="0" y="0"/>
-          <a:chExt cx="0" cy="0"/>
-        </a:xfrm>
-      </p:grpSpPr>
-      <p:sp>
-        <p:nvSpPr>
-          <p:cNvPr id="2" name="Title 1">
-            <a:extLst>
-              <a:ext uri="{FF2B5EF4-FFF2-40B4-BE49-F238E27FC236}">
-                <a16:creationId xmlns:a16="http://schemas.microsoft.com/office/drawing/2014/main" id="{8E07918A-3A10-FE4A-8916-E5DEC57D5F65}"/>
-              </a:ext>
-            </a:extLst>
-          </p:cNvPr>
-          <p:cNvSpPr>
-            <a:spLocks noGrp="1"/>
-          </p:cNvSpPr>
-          <p:nvPr>
-            <p:ph type="title"/>
-          </p:nvPr>
-        </p:nvSpPr>
-        <p:spPr>
-          <a:xfrm>
-            <a:off x="2611808" y="808057"/>
-            <a:ext cx="7958331" cy="647946"/>
-          </a:xfrm>
-        </p:spPr>
-        <p:txBody>
-          <a:bodyPr>
-            <a:normAutofit/>
-          </a:bodyPr>
-          <a:lstStyle/>
-          <a:p>
-            <a:pPr algn="l"/>
-            <a:r>
-              <a:rPr lang="en-US" sz="2800" dirty="0"/>
-              <a:t>What about different router roles?</a:t>
-            </a:r>
-          </a:p>
-        </p:txBody>
-      </p:sp>
-      <p:sp>
-        <p:nvSpPr>
-          <p:cNvPr id="3" name="Slide Number Placeholder 2">
-            <a:extLst>
-              <a:ext uri="{FF2B5EF4-FFF2-40B4-BE49-F238E27FC236}">
-                <a16:creationId xmlns:a16="http://schemas.microsoft.com/office/drawing/2014/main" id="{9CAEBE01-9E65-8E46-9553-3E8E493A3B4E}"/>
-              </a:ext>
-            </a:extLst>
-          </p:cNvPr>
-          <p:cNvSpPr>
-            <a:spLocks noGrp="1"/>
-          </p:cNvSpPr>
-          <p:nvPr>
-            <p:ph type="sldNum" sz="quarter" idx="12"/>
-          </p:nvPr>
-        </p:nvSpPr>
-        <p:spPr/>
-        <p:txBody>
-          <a:bodyPr/>
-          <a:lstStyle/>
-          <a:p>
-            <a:fld id="{6D22F896-40B5-4ADD-8801-0D06FADFA095}" type="slidenum">
-              <a:rPr lang="en-US" smtClean="0"/>
-              <a:t>23</a:t>
-            </a:fld>
-            <a:endParaRPr lang="en-US" dirty="0"/>
-          </a:p>
-        </p:txBody>
-      </p:sp>
-      <p:pic>
-        <p:nvPicPr>
-          <p:cNvPr id="5" name="Picture 4">
-            <a:extLst>
-              <a:ext uri="{FF2B5EF4-FFF2-40B4-BE49-F238E27FC236}">
-                <a16:creationId xmlns:a16="http://schemas.microsoft.com/office/drawing/2014/main" id="{CBB97E1D-2832-E942-B6AB-5499C617611C}"/>
-              </a:ext>
-            </a:extLst>
-          </p:cNvPr>
-          <p:cNvPicPr>
-            <a:picLocks noChangeAspect="1"/>
-          </p:cNvPicPr>
-          <p:nvPr/>
-        </p:nvPicPr>
-        <p:blipFill>
-          <a:blip r:embed="rId2"/>
-          <a:stretch>
-            <a:fillRect/>
-          </a:stretch>
-        </p:blipFill>
-        <p:spPr>
-          <a:xfrm>
-            <a:off x="3405809" y="1449884"/>
-            <a:ext cx="6250349" cy="4661476"/>
-          </a:xfrm>
-          <a:prstGeom prst="rect">
-            <a:avLst/>
-          </a:prstGeom>
-        </p:spPr>
-      </p:pic>
-      <p:sp>
-        <p:nvSpPr>
-          <p:cNvPr id="13" name="TextBox 12">
-            <a:extLst>
-              <a:ext uri="{FF2B5EF4-FFF2-40B4-BE49-F238E27FC236}">
-                <a16:creationId xmlns:a16="http://schemas.microsoft.com/office/drawing/2014/main" id="{C65918D5-3147-F44C-8549-4C9CA14396BA}"/>
-              </a:ext>
-            </a:extLst>
-          </p:cNvPr>
-          <p:cNvSpPr txBox="1"/>
-          <p:nvPr/>
-        </p:nvSpPr>
-        <p:spPr>
-          <a:xfrm>
-            <a:off x="2992806" y="6186836"/>
-            <a:ext cx="7196331" cy="646331"/>
-          </a:xfrm>
-          <a:prstGeom prst="rect">
-            <a:avLst/>
-          </a:prstGeom>
-          <a:noFill/>
-        </p:spPr>
-        <p:txBody>
-          <a:bodyPr wrap="square" rtlCol="0">
-            <a:spAutoFit/>
-          </a:bodyPr>
-          <a:lstStyle/>
-          <a:p>
-            <a:pPr algn="ctr"/>
-            <a:r>
-              <a:rPr lang="en-US" dirty="0"/>
-              <a:t>Figure 4: Models trained on different roles don’t seem to fare much better than our overall average</a:t>
-            </a:r>
-          </a:p>
-        </p:txBody>
-      </p:sp>
-    </p:spTree>
-    <p:extLst>
-      <p:ext uri="{BB962C8B-B14F-4D97-AF65-F5344CB8AC3E}">
-        <p14:creationId xmlns:p14="http://schemas.microsoft.com/office/powerpoint/2010/main" val="3346947354"/>
-      </p:ext>
-    </p:extLst>
-  </p:cSld>
-  <p:clrMapOvr>
-    <a:masterClrMapping/>
-  </p:clrMapOvr>
-</p:sld>
-</file>
-
 <file path=ppt/slides/slide24.xml><?xml version="1.0" encoding="utf-8"?>
 <p:sld xmlns:a="http://schemas.openxmlformats.org/drawingml/2006/main" xmlns:r="http://schemas.openxmlformats.org/officeDocument/2006/relationships" xmlns:p="http://schemas.openxmlformats.org/presentationml/2006/main">
   <p:cSld>
@@ -16549,7 +16908,7 @@
           <p:cNvPr id="2" name="Title 1">
             <a:extLst>
               <a:ext uri="{FF2B5EF4-FFF2-40B4-BE49-F238E27FC236}">
-                <a16:creationId xmlns:a16="http://schemas.microsoft.com/office/drawing/2014/main" id="{6BF7367E-C58E-314F-AC38-D59BF03DF787}"/>
+                <a16:creationId xmlns:a16="http://schemas.microsoft.com/office/drawing/2014/main" id="{8E07918A-3A10-FE4A-8916-E5DEC57D5F65}"/>
               </a:ext>
             </a:extLst>
           </p:cNvPr>
@@ -16560,78 +16919,32 @@
             <p:ph type="title"/>
           </p:nvPr>
         </p:nvSpPr>
-        <p:spPr/>
-        <p:txBody>
-          <a:bodyPr/>
-          <a:lstStyle/>
-          <a:p>
-            <a:pPr algn="l"/>
-            <a:r>
-              <a:rPr lang="en-US" dirty="0"/>
-              <a:t>Possible Future Work</a:t>
-            </a:r>
-          </a:p>
-        </p:txBody>
-      </p:sp>
-      <p:sp>
-        <p:nvSpPr>
-          <p:cNvPr id="3" name="Content Placeholder 2">
-            <a:extLst>
-              <a:ext uri="{FF2B5EF4-FFF2-40B4-BE49-F238E27FC236}">
-                <a16:creationId xmlns:a16="http://schemas.microsoft.com/office/drawing/2014/main" id="{608F1D16-DCBC-9B4B-AA96-C50EE0FB0113}"/>
-              </a:ext>
-            </a:extLst>
-          </p:cNvPr>
-          <p:cNvSpPr>
-            <a:spLocks noGrp="1"/>
-          </p:cNvSpPr>
-          <p:nvPr>
-            <p:ph idx="1"/>
-          </p:nvPr>
-        </p:nvSpPr>
         <p:spPr>
           <a:xfrm>
-            <a:off x="2073927" y="1890970"/>
-            <a:ext cx="9034092" cy="3997828"/>
+            <a:off x="2611808" y="808057"/>
+            <a:ext cx="7958331" cy="647946"/>
           </a:xfrm>
         </p:spPr>
         <p:txBody>
-          <a:bodyPr anchor="t">
+          <a:bodyPr>
             <a:normAutofit/>
           </a:bodyPr>
           <a:lstStyle/>
           <a:p>
-            <a:r>
-              <a:rPr lang="en-US" sz="2400" dirty="0"/>
-              <a:t>Evaluate our model against the current state of the art: tab-completion in CLIs on modern routers</a:t>
-            </a:r>
-          </a:p>
-          <a:p>
-            <a:r>
-              <a:rPr lang="en-US" sz="2400" dirty="0"/>
-              <a:t>Using larger n-grams to suggest complete statements</a:t>
-            </a:r>
-          </a:p>
-          <a:p>
-            <a:r>
-              <a:rPr lang="en-US" sz="2400" dirty="0"/>
-              <a:t>Completing entire lines or even stanzas</a:t>
-            </a:r>
-          </a:p>
-          <a:p>
-            <a:r>
-              <a:rPr lang="en-US" sz="2400" dirty="0"/>
-              <a:t>Not just based on syntax but also desired goals using input from operators</a:t>
+            <a:pPr algn="l"/>
+            <a:r>
+              <a:rPr lang="en-US" sz="2800" dirty="0"/>
+              <a:t>What about different router roles?</a:t>
             </a:r>
           </a:p>
         </p:txBody>
       </p:sp>
       <p:sp>
         <p:nvSpPr>
-          <p:cNvPr id="4" name="Slide Number Placeholder 3">
+          <p:cNvPr id="3" name="Slide Number Placeholder 2">
             <a:extLst>
               <a:ext uri="{FF2B5EF4-FFF2-40B4-BE49-F238E27FC236}">
-                <a16:creationId xmlns:a16="http://schemas.microsoft.com/office/drawing/2014/main" id="{05DB40F6-BE7C-1048-A24E-AC9590C5C71A}"/>
+                <a16:creationId xmlns:a16="http://schemas.microsoft.com/office/drawing/2014/main" id="{9CAEBE01-9E65-8E46-9553-3E8E493A3B4E}"/>
               </a:ext>
             </a:extLst>
           </p:cNvPr>
@@ -16655,10 +16968,76 @@
           </a:p>
         </p:txBody>
       </p:sp>
+      <p:pic>
+        <p:nvPicPr>
+          <p:cNvPr id="5" name="Picture 4">
+            <a:extLst>
+              <a:ext uri="{FF2B5EF4-FFF2-40B4-BE49-F238E27FC236}">
+                <a16:creationId xmlns:a16="http://schemas.microsoft.com/office/drawing/2014/main" id="{CBB97E1D-2832-E942-B6AB-5499C617611C}"/>
+              </a:ext>
+            </a:extLst>
+          </p:cNvPr>
+          <p:cNvPicPr>
+            <a:picLocks noChangeAspect="1"/>
+          </p:cNvPicPr>
+          <p:nvPr/>
+        </p:nvPicPr>
+        <p:blipFill>
+          <a:blip r:embed="rId3"/>
+          <a:stretch>
+            <a:fillRect/>
+          </a:stretch>
+        </p:blipFill>
+        <p:spPr>
+          <a:xfrm>
+            <a:off x="3405809" y="1449884"/>
+            <a:ext cx="6250349" cy="4661476"/>
+          </a:xfrm>
+          <a:prstGeom prst="rect">
+            <a:avLst/>
+          </a:prstGeom>
+        </p:spPr>
+      </p:pic>
+      <p:sp>
+        <p:nvSpPr>
+          <p:cNvPr id="13" name="TextBox 12">
+            <a:extLst>
+              <a:ext uri="{FF2B5EF4-FFF2-40B4-BE49-F238E27FC236}">
+                <a16:creationId xmlns:a16="http://schemas.microsoft.com/office/drawing/2014/main" id="{C65918D5-3147-F44C-8549-4C9CA14396BA}"/>
+              </a:ext>
+            </a:extLst>
+          </p:cNvPr>
+          <p:cNvSpPr txBox="1"/>
+          <p:nvPr/>
+        </p:nvSpPr>
+        <p:spPr>
+          <a:xfrm>
+            <a:off x="2992806" y="6186836"/>
+            <a:ext cx="7196331" cy="646331"/>
+          </a:xfrm>
+          <a:prstGeom prst="rect">
+            <a:avLst/>
+          </a:prstGeom>
+          <a:noFill/>
+        </p:spPr>
+        <p:txBody>
+          <a:bodyPr wrap="square" rtlCol="0">
+            <a:spAutoFit/>
+          </a:bodyPr>
+          <a:lstStyle/>
+          <a:p>
+            <a:pPr algn="ctr"/>
+            <a:r>
+              <a:rPr lang="en-US" dirty="0"/>
+              <a:t>Figure 4: Models trained on different roles don’t seem to fare much better than our overall average</a:t>
+            </a:r>
+          </a:p>
+        </p:txBody>
+      </p:sp>
     </p:spTree>
     <p:extLst>
       <p:ext uri="{BB962C8B-B14F-4D97-AF65-F5344CB8AC3E}">
-        <p14:creationId xmlns:p14="http://schemas.microsoft.com/office/powerpoint/2010/main" val="915583567"/>
+        <p14:creationId xmlns:p14="http://schemas.microsoft.com/office/powerpoint/2010/main" val="3346947354"/>
       </p:ext>
     </p:extLst>
   </p:cSld>
@@ -16690,119 +17069,6 @@
           <p:cNvPr id="2" name="Title 1">
             <a:extLst>
               <a:ext uri="{FF2B5EF4-FFF2-40B4-BE49-F238E27FC236}">
-                <a16:creationId xmlns:a16="http://schemas.microsoft.com/office/drawing/2014/main" id="{BEA1C11F-0234-A345-938E-A5C66A7FA8DB}"/>
-              </a:ext>
-            </a:extLst>
-          </p:cNvPr>
-          <p:cNvSpPr>
-            <a:spLocks noGrp="1"/>
-          </p:cNvSpPr>
-          <p:nvPr>
-            <p:ph type="title"/>
-          </p:nvPr>
-        </p:nvSpPr>
-        <p:spPr/>
-        <p:txBody>
-          <a:bodyPr/>
-          <a:lstStyle/>
-          <a:p>
-            <a:pPr algn="l"/>
-            <a:r>
-              <a:rPr lang="en-US" dirty="0"/>
-              <a:t>Thank you!</a:t>
-            </a:r>
-          </a:p>
-        </p:txBody>
-      </p:sp>
-      <p:sp>
-        <p:nvSpPr>
-          <p:cNvPr id="3" name="Content Placeholder 2">
-            <a:extLst>
-              <a:ext uri="{FF2B5EF4-FFF2-40B4-BE49-F238E27FC236}">
-                <a16:creationId xmlns:a16="http://schemas.microsoft.com/office/drawing/2014/main" id="{67455A7B-10AD-A24B-9B21-8CEABACC0950}"/>
-              </a:ext>
-            </a:extLst>
-          </p:cNvPr>
-          <p:cNvSpPr>
-            <a:spLocks noGrp="1"/>
-          </p:cNvSpPr>
-          <p:nvPr>
-            <p:ph idx="1"/>
-          </p:nvPr>
-        </p:nvSpPr>
-        <p:spPr/>
-        <p:txBody>
-          <a:bodyPr/>
-          <a:lstStyle/>
-          <a:p>
-            <a:endParaRPr lang="en-US"/>
-          </a:p>
-        </p:txBody>
-      </p:sp>
-      <p:sp>
-        <p:nvSpPr>
-          <p:cNvPr id="4" name="Slide Number Placeholder 3">
-            <a:extLst>
-              <a:ext uri="{FF2B5EF4-FFF2-40B4-BE49-F238E27FC236}">
-                <a16:creationId xmlns:a16="http://schemas.microsoft.com/office/drawing/2014/main" id="{1DE09DA6-A5E1-C147-9251-896A1DC2886C}"/>
-              </a:ext>
-            </a:extLst>
-          </p:cNvPr>
-          <p:cNvSpPr>
-            <a:spLocks noGrp="1"/>
-          </p:cNvSpPr>
-          <p:nvPr>
-            <p:ph type="sldNum" sz="quarter" idx="12"/>
-          </p:nvPr>
-        </p:nvSpPr>
-        <p:spPr/>
-        <p:txBody>
-          <a:bodyPr/>
-          <a:lstStyle/>
-          <a:p>
-            <a:fld id="{6D22F896-40B5-4ADD-8801-0D06FADFA095}" type="slidenum">
-              <a:rPr lang="en-US" smtClean="0"/>
-              <a:t>25</a:t>
-            </a:fld>
-            <a:endParaRPr lang="en-US" dirty="0"/>
-          </a:p>
-        </p:txBody>
-      </p:sp>
-    </p:spTree>
-    <p:extLst>
-      <p:ext uri="{BB962C8B-B14F-4D97-AF65-F5344CB8AC3E}">
-        <p14:creationId xmlns:p14="http://schemas.microsoft.com/office/powerpoint/2010/main" val="3212250605"/>
-      </p:ext>
-    </p:extLst>
-  </p:cSld>
-  <p:clrMapOvr>
-    <a:masterClrMapping/>
-  </p:clrMapOvr>
-</p:sld>
-</file>
-
-<file path=ppt/slides/slide26.xml><?xml version="1.0" encoding="utf-8"?>
-<p:sld xmlns:a="http://schemas.openxmlformats.org/drawingml/2006/main" xmlns:r="http://schemas.openxmlformats.org/officeDocument/2006/relationships" xmlns:p="http://schemas.openxmlformats.org/presentationml/2006/main">
-  <p:cSld>
-    <p:spTree>
-      <p:nvGrpSpPr>
-        <p:cNvPr id="1" name=""/>
-        <p:cNvGrpSpPr/>
-        <p:nvPr/>
-      </p:nvGrpSpPr>
-      <p:grpSpPr>
-        <a:xfrm>
-          <a:off x="0" y="0"/>
-          <a:ext cx="0" cy="0"/>
-          <a:chOff x="0" y="0"/>
-          <a:chExt cx="0" cy="0"/>
-        </a:xfrm>
-      </p:grpSpPr>
-      <p:sp>
-        <p:nvSpPr>
-          <p:cNvPr id="2" name="Title 1">
-            <a:extLst>
-              <a:ext uri="{FF2B5EF4-FFF2-40B4-BE49-F238E27FC236}">
                 <a16:creationId xmlns:a16="http://schemas.microsoft.com/office/drawing/2014/main" id="{8E07918A-3A10-FE4A-8916-E5DEC57D5F65}"/>
               </a:ext>
             </a:extLst>
@@ -16857,7 +17123,7 @@
           <a:p>
             <a:fld id="{6D22F896-40B5-4ADD-8801-0D06FADFA095}" type="slidenum">
               <a:rPr lang="en-US" smtClean="0"/>
-              <a:t>26</a:t>
+              <a:t>25</a:t>
             </a:fld>
             <a:endParaRPr lang="en-US" dirty="0"/>
           </a:p>
@@ -16914,7 +17180,7 @@
           <p:nvPr/>
         </p:nvPicPr>
         <p:blipFill>
-          <a:blip r:embed="rId2"/>
+          <a:blip r:embed="rId3"/>
           <a:stretch>
             <a:fillRect/>
           </a:stretch>
@@ -17070,6 +17336,280 @@
       </p:par>
     </p:tnLst>
   </p:timing>
+</p:sld>
+</file>
+
+<file path=ppt/slides/slide26.xml><?xml version="1.0" encoding="utf-8"?>
+<p:sld xmlns:a="http://schemas.openxmlformats.org/drawingml/2006/main" xmlns:r="http://schemas.openxmlformats.org/officeDocument/2006/relationships" xmlns:p="http://schemas.openxmlformats.org/presentationml/2006/main">
+  <p:cSld>
+    <p:spTree>
+      <p:nvGrpSpPr>
+        <p:cNvPr id="1" name=""/>
+        <p:cNvGrpSpPr/>
+        <p:nvPr/>
+      </p:nvGrpSpPr>
+      <p:grpSpPr>
+        <a:xfrm>
+          <a:off x="0" y="0"/>
+          <a:ext cx="0" cy="0"/>
+          <a:chOff x="0" y="0"/>
+          <a:chExt cx="0" cy="0"/>
+        </a:xfrm>
+      </p:grpSpPr>
+      <p:sp>
+        <p:nvSpPr>
+          <p:cNvPr id="2" name="Title 1">
+            <a:extLst>
+              <a:ext uri="{FF2B5EF4-FFF2-40B4-BE49-F238E27FC236}">
+                <a16:creationId xmlns:a16="http://schemas.microsoft.com/office/drawing/2014/main" id="{6BF7367E-C58E-314F-AC38-D59BF03DF787}"/>
+              </a:ext>
+            </a:extLst>
+          </p:cNvPr>
+          <p:cNvSpPr>
+            <a:spLocks noGrp="1"/>
+          </p:cNvSpPr>
+          <p:nvPr>
+            <p:ph type="title"/>
+          </p:nvPr>
+        </p:nvSpPr>
+        <p:spPr/>
+        <p:txBody>
+          <a:bodyPr/>
+          <a:lstStyle/>
+          <a:p>
+            <a:pPr algn="l"/>
+            <a:r>
+              <a:rPr lang="en-US" dirty="0"/>
+              <a:t>Possible Future Work</a:t>
+            </a:r>
+          </a:p>
+        </p:txBody>
+      </p:sp>
+      <p:sp>
+        <p:nvSpPr>
+          <p:cNvPr id="3" name="Content Placeholder 2">
+            <a:extLst>
+              <a:ext uri="{FF2B5EF4-FFF2-40B4-BE49-F238E27FC236}">
+                <a16:creationId xmlns:a16="http://schemas.microsoft.com/office/drawing/2014/main" id="{608F1D16-DCBC-9B4B-AA96-C50EE0FB0113}"/>
+              </a:ext>
+            </a:extLst>
+          </p:cNvPr>
+          <p:cNvSpPr>
+            <a:spLocks noGrp="1"/>
+          </p:cNvSpPr>
+          <p:nvPr>
+            <p:ph idx="1"/>
+          </p:nvPr>
+        </p:nvSpPr>
+        <p:spPr>
+          <a:xfrm>
+            <a:off x="2073927" y="1890970"/>
+            <a:ext cx="9034092" cy="3997828"/>
+          </a:xfrm>
+        </p:spPr>
+        <p:txBody>
+          <a:bodyPr anchor="t">
+            <a:normAutofit/>
+          </a:bodyPr>
+          <a:lstStyle/>
+          <a:p>
+            <a:r>
+              <a:rPr lang="en-US" sz="2400" dirty="0"/>
+              <a:t>Evaluate our model against the current state of the art: tab-completion in CLIs on modern routers</a:t>
+            </a:r>
+          </a:p>
+          <a:p>
+            <a:r>
+              <a:rPr lang="en-US" sz="2400" dirty="0"/>
+              <a:t>Using larger n-grams to suggest complete statements</a:t>
+            </a:r>
+          </a:p>
+          <a:p>
+            <a:r>
+              <a:rPr lang="en-US" sz="2400" dirty="0"/>
+              <a:t>Completing entire lines or even stanzas</a:t>
+            </a:r>
+          </a:p>
+          <a:p>
+            <a:r>
+              <a:rPr lang="en-US" sz="2400" dirty="0"/>
+              <a:t>Not just based on syntax but also desired goals using input from operators</a:t>
+            </a:r>
+          </a:p>
+        </p:txBody>
+      </p:sp>
+      <p:sp>
+        <p:nvSpPr>
+          <p:cNvPr id="4" name="Slide Number Placeholder 3">
+            <a:extLst>
+              <a:ext uri="{FF2B5EF4-FFF2-40B4-BE49-F238E27FC236}">
+                <a16:creationId xmlns:a16="http://schemas.microsoft.com/office/drawing/2014/main" id="{05DB40F6-BE7C-1048-A24E-AC9590C5C71A}"/>
+              </a:ext>
+            </a:extLst>
+          </p:cNvPr>
+          <p:cNvSpPr>
+            <a:spLocks noGrp="1"/>
+          </p:cNvSpPr>
+          <p:nvPr>
+            <p:ph type="sldNum" sz="quarter" idx="12"/>
+          </p:nvPr>
+        </p:nvSpPr>
+        <p:spPr/>
+        <p:txBody>
+          <a:bodyPr/>
+          <a:lstStyle/>
+          <a:p>
+            <a:fld id="{6D22F896-40B5-4ADD-8801-0D06FADFA095}" type="slidenum">
+              <a:rPr lang="en-US" smtClean="0"/>
+              <a:t>26</a:t>
+            </a:fld>
+            <a:endParaRPr lang="en-US" dirty="0"/>
+          </a:p>
+        </p:txBody>
+      </p:sp>
+    </p:spTree>
+    <p:extLst>
+      <p:ext uri="{BB962C8B-B14F-4D97-AF65-F5344CB8AC3E}">
+        <p14:creationId xmlns:p14="http://schemas.microsoft.com/office/powerpoint/2010/main" val="915583567"/>
+      </p:ext>
+    </p:extLst>
+  </p:cSld>
+  <p:clrMapOvr>
+    <a:masterClrMapping/>
+  </p:clrMapOvr>
+</p:sld>
+</file>
+
+<file path=ppt/slides/slide27.xml><?xml version="1.0" encoding="utf-8"?>
+<p:sld xmlns:a="http://schemas.openxmlformats.org/drawingml/2006/main" xmlns:r="http://schemas.openxmlformats.org/officeDocument/2006/relationships" xmlns:p="http://schemas.openxmlformats.org/presentationml/2006/main">
+  <p:cSld>
+    <p:spTree>
+      <p:nvGrpSpPr>
+        <p:cNvPr id="1" name=""/>
+        <p:cNvGrpSpPr/>
+        <p:nvPr/>
+      </p:nvGrpSpPr>
+      <p:grpSpPr>
+        <a:xfrm>
+          <a:off x="0" y="0"/>
+          <a:ext cx="0" cy="0"/>
+          <a:chOff x="0" y="0"/>
+          <a:chExt cx="0" cy="0"/>
+        </a:xfrm>
+      </p:grpSpPr>
+      <p:sp>
+        <p:nvSpPr>
+          <p:cNvPr id="2" name="Title 1">
+            <a:extLst>
+              <a:ext uri="{FF2B5EF4-FFF2-40B4-BE49-F238E27FC236}">
+                <a16:creationId xmlns:a16="http://schemas.microsoft.com/office/drawing/2014/main" id="{BEA1C11F-0234-A345-938E-A5C66A7FA8DB}"/>
+              </a:ext>
+            </a:extLst>
+          </p:cNvPr>
+          <p:cNvSpPr>
+            <a:spLocks noGrp="1"/>
+          </p:cNvSpPr>
+          <p:nvPr>
+            <p:ph type="title"/>
+          </p:nvPr>
+        </p:nvSpPr>
+        <p:spPr/>
+        <p:txBody>
+          <a:bodyPr/>
+          <a:lstStyle/>
+          <a:p>
+            <a:pPr algn="l"/>
+            <a:r>
+              <a:rPr lang="en-US" dirty="0"/>
+              <a:t>Thank you!</a:t>
+            </a:r>
+          </a:p>
+        </p:txBody>
+      </p:sp>
+      <p:sp>
+        <p:nvSpPr>
+          <p:cNvPr id="4" name="Slide Number Placeholder 3">
+            <a:extLst>
+              <a:ext uri="{FF2B5EF4-FFF2-40B4-BE49-F238E27FC236}">
+                <a16:creationId xmlns:a16="http://schemas.microsoft.com/office/drawing/2014/main" id="{1DE09DA6-A5E1-C147-9251-896A1DC2886C}"/>
+              </a:ext>
+            </a:extLst>
+          </p:cNvPr>
+          <p:cNvSpPr>
+            <a:spLocks noGrp="1"/>
+          </p:cNvSpPr>
+          <p:nvPr>
+            <p:ph type="sldNum" sz="quarter" idx="12"/>
+          </p:nvPr>
+        </p:nvSpPr>
+        <p:spPr/>
+        <p:txBody>
+          <a:bodyPr/>
+          <a:lstStyle/>
+          <a:p>
+            <a:fld id="{6D22F896-40B5-4ADD-8801-0D06FADFA095}" type="slidenum">
+              <a:rPr lang="en-US" smtClean="0"/>
+              <a:t>27</a:t>
+            </a:fld>
+            <a:endParaRPr lang="en-US" dirty="0"/>
+          </a:p>
+        </p:txBody>
+      </p:sp>
+      <p:pic>
+        <p:nvPicPr>
+          <p:cNvPr id="10" name="Picture 9">
+            <a:extLst>
+              <a:ext uri="{FF2B5EF4-FFF2-40B4-BE49-F238E27FC236}">
+                <a16:creationId xmlns:a16="http://schemas.microsoft.com/office/drawing/2014/main" id="{172C312B-D37A-A040-8DA8-A5C32E626813}"/>
+              </a:ext>
+            </a:extLst>
+          </p:cNvPr>
+          <p:cNvPicPr>
+            <a:picLocks noChangeAspect="1"/>
+          </p:cNvPicPr>
+          <p:nvPr/>
+        </p:nvPicPr>
+        <p:blipFill>
+          <a:blip r:embed="rId2"/>
+          <a:stretch>
+            <a:fillRect/>
+          </a:stretch>
+        </p:blipFill>
+        <p:spPr>
+          <a:xfrm>
+            <a:off x="2915480" y="1677303"/>
+            <a:ext cx="6727475" cy="4816261"/>
+          </a:xfrm>
+          <a:prstGeom prst="rect">
+            <a:avLst/>
+          </a:prstGeom>
+          <a:ln w="38100" cap="sq">
+            <a:solidFill>
+              <a:srgbClr val="000000"/>
+            </a:solidFill>
+            <a:prstDash val="solid"/>
+            <a:miter lim="800000"/>
+          </a:ln>
+          <a:effectLst>
+            <a:outerShdw blurRad="50800" dist="38100" dir="2700000" algn="tl" rotWithShape="0">
+              <a:srgbClr val="000000">
+                <a:alpha val="43000"/>
+              </a:srgbClr>
+            </a:outerShdw>
+            <a:softEdge rad="12700"/>
+          </a:effectLst>
+        </p:spPr>
+      </p:pic>
+    </p:spTree>
+    <p:extLst>
+      <p:ext uri="{BB962C8B-B14F-4D97-AF65-F5344CB8AC3E}">
+        <p14:creationId xmlns:p14="http://schemas.microsoft.com/office/powerpoint/2010/main" val="3212250605"/>
+      </p:ext>
+    </p:extLst>
+  </p:cSld>
+  <p:clrMapOvr>
+    <a:masterClrMapping/>
+  </p:clrMapOvr>
 </p:sld>
 </file>
 
@@ -19849,75 +20389,77 @@
             <p:ph idx="1"/>
           </p:nvPr>
         </p:nvSpPr>
-        <p:spPr/>
+        <p:spPr>
+          <a:xfrm>
+            <a:off x="2243511" y="1885285"/>
+            <a:ext cx="7894401" cy="4436002"/>
+          </a:xfrm>
+        </p:spPr>
         <p:txBody>
           <a:bodyPr anchor="t">
-            <a:normAutofit lnSpcReduction="10000"/>
+            <a:noAutofit/>
           </a:bodyPr>
           <a:lstStyle/>
           <a:p>
             <a:r>
-              <a:rPr lang="en-US" dirty="0"/>
+              <a:rPr lang="en-US" sz="2400" dirty="0"/>
               <a:t>Writing assistant for building network configurations</a:t>
             </a:r>
           </a:p>
           <a:p>
             <a:pPr lvl="1"/>
             <a:r>
-              <a:rPr lang="en-US" dirty="0"/>
+              <a:rPr lang="en-US" sz="2200" dirty="0"/>
               <a:t>Think </a:t>
             </a:r>
             <a:r>
-              <a:rPr lang="en-US" dirty="0" err="1"/>
+              <a:rPr lang="en-US" sz="2200" dirty="0" err="1"/>
               <a:t>Clippy</a:t>
             </a:r>
             <a:r>
-              <a:rPr lang="en-US" dirty="0"/>
+              <a:rPr lang="en-US" sz="2200" dirty="0"/>
               <a:t> for networks! (But not as terrible)</a:t>
             </a:r>
           </a:p>
           <a:p>
             <a:r>
-              <a:rPr lang="en-US" dirty="0"/>
+              <a:rPr lang="en-US" sz="2400" dirty="0"/>
               <a:t>Ambitious goals</a:t>
             </a:r>
           </a:p>
           <a:p>
             <a:pPr lvl="1"/>
             <a:r>
-              <a:rPr lang="en-US" dirty="0"/>
+              <a:rPr lang="en-US" sz="2200" dirty="0"/>
               <a:t>Suggests complete stanzas</a:t>
             </a:r>
           </a:p>
           <a:p>
             <a:pPr lvl="1"/>
             <a:r>
-              <a:rPr lang="en-US" dirty="0"/>
+              <a:rPr lang="en-US" sz="2200" dirty="0"/>
               <a:t>Automatically fills in parameters</a:t>
             </a:r>
           </a:p>
           <a:p>
             <a:pPr lvl="1"/>
             <a:r>
-              <a:rPr lang="en-US" dirty="0"/>
+              <a:rPr lang="en-US" sz="2200" dirty="0"/>
               <a:t>Suggests improved syntax</a:t>
             </a:r>
           </a:p>
           <a:p>
             <a:r>
-              <a:rPr lang="en-US" dirty="0"/>
+              <a:rPr lang="en-US" sz="2400" dirty="0"/>
               <a:t>This thesis works towards a concrete first step</a:t>
             </a:r>
           </a:p>
           <a:p>
             <a:pPr lvl="1"/>
             <a:r>
-              <a:rPr lang="en-US" dirty="0"/>
+              <a:rPr lang="en-US" sz="2200" dirty="0"/>
               <a:t>Suggesting tokens!</a:t>
             </a:r>
-          </a:p>
-          <a:p>
-            <a:endParaRPr lang="en-US" dirty="0"/>
           </a:p>
         </p:txBody>
       </p:sp>
@@ -20109,39 +20651,26 @@
                                   </p:childTnLst>
                                 </p:cTn>
                               </p:par>
+                            </p:childTnLst>
+                          </p:cTn>
+                        </p:par>
+                      </p:childTnLst>
+                    </p:cTn>
+                  </p:par>
+                  <p:par>
+                    <p:cTn id="15" fill="hold">
+                      <p:stCondLst>
+                        <p:cond delay="indefinite"/>
+                      </p:stCondLst>
+                      <p:childTnLst>
+                        <p:par>
+                          <p:cTn id="16" fill="hold">
+                            <p:stCondLst>
+                              <p:cond delay="0"/>
+                            </p:stCondLst>
+                            <p:childTnLst>
                               <p:par>
-                                <p:cTn id="15" presetID="1" presetClass="entr" presetSubtype="0" fill="hold" grpId="0" nodeType="withEffect">
-                                  <p:stCondLst>
-                                    <p:cond delay="0"/>
-                                  </p:stCondLst>
-                                  <p:childTnLst>
-                                    <p:set>
-                                      <p:cBhvr>
-                                        <p:cTn id="16" dur="1" fill="hold">
-                                          <p:stCondLst>
-                                            <p:cond delay="0"/>
-                                          </p:stCondLst>
-                                        </p:cTn>
-                                        <p:tgtEl>
-                                          <p:spTgt spid="3">
-                                            <p:txEl>
-                                              <p:pRg st="3" end="3"/>
-                                            </p:txEl>
-                                          </p:spTgt>
-                                        </p:tgtEl>
-                                        <p:attrNameLst>
-                                          <p:attrName>style.visibility</p:attrName>
-                                        </p:attrNameLst>
-                                      </p:cBhvr>
-                                      <p:to>
-                                        <p:strVal val="visible"/>
-                                      </p:to>
-                                    </p:set>
-                                  </p:childTnLst>
-                                </p:cTn>
-                              </p:par>
-                              <p:par>
-                                <p:cTn id="17" presetID="1" presetClass="entr" presetSubtype="0" fill="hold" grpId="0" nodeType="withEffect">
+                                <p:cTn id="17" presetID="1" presetClass="entr" presetSubtype="0" fill="hold" grpId="0" nodeType="clickEffect">
                                   <p:stCondLst>
                                     <p:cond delay="0"/>
                                   </p:stCondLst>
@@ -20156,7 +20685,7 @@
                                         <p:tgtEl>
                                           <p:spTgt spid="3">
                                             <p:txEl>
-                                              <p:pRg st="4" end="4"/>
+                                              <p:pRg st="3" end="3"/>
                                             </p:txEl>
                                           </p:spTgt>
                                         </p:tgtEl>
@@ -20187,6 +20716,37 @@
                                         <p:tgtEl>
                                           <p:spTgt spid="3">
                                             <p:txEl>
+                                              <p:pRg st="4" end="4"/>
+                                            </p:txEl>
+                                          </p:spTgt>
+                                        </p:tgtEl>
+                                        <p:attrNameLst>
+                                          <p:attrName>style.visibility</p:attrName>
+                                        </p:attrNameLst>
+                                      </p:cBhvr>
+                                      <p:to>
+                                        <p:strVal val="visible"/>
+                                      </p:to>
+                                    </p:set>
+                                  </p:childTnLst>
+                                </p:cTn>
+                              </p:par>
+                              <p:par>
+                                <p:cTn id="21" presetID="1" presetClass="entr" presetSubtype="0" fill="hold" grpId="0" nodeType="withEffect">
+                                  <p:stCondLst>
+                                    <p:cond delay="0"/>
+                                  </p:stCondLst>
+                                  <p:childTnLst>
+                                    <p:set>
+                                      <p:cBhvr>
+                                        <p:cTn id="22" dur="1" fill="hold">
+                                          <p:stCondLst>
+                                            <p:cond delay="0"/>
+                                          </p:stCondLst>
+                                        </p:cTn>
+                                        <p:tgtEl>
+                                          <p:spTgt spid="3">
+                                            <p:txEl>
                                               <p:pRg st="5" end="5"/>
                                             </p:txEl>
                                           </p:spTgt>
@@ -20209,26 +20769,26 @@
                     </p:cTn>
                   </p:par>
                   <p:par>
-                    <p:cTn id="21" fill="hold">
+                    <p:cTn id="23" fill="hold">
                       <p:stCondLst>
                         <p:cond delay="indefinite"/>
                       </p:stCondLst>
                       <p:childTnLst>
                         <p:par>
-                          <p:cTn id="22" fill="hold">
+                          <p:cTn id="24" fill="hold">
                             <p:stCondLst>
                               <p:cond delay="0"/>
                             </p:stCondLst>
                             <p:childTnLst>
                               <p:par>
-                                <p:cTn id="23" presetID="1" presetClass="entr" presetSubtype="0" fill="hold" grpId="0" nodeType="clickEffect">
+                                <p:cTn id="25" presetID="1" presetClass="entr" presetSubtype="0" fill="hold" grpId="0" nodeType="clickEffect">
                                   <p:stCondLst>
                                     <p:cond delay="0"/>
                                   </p:stCondLst>
                                   <p:childTnLst>
                                     <p:set>
                                       <p:cBhvr>
-                                        <p:cTn id="24" dur="1" fill="hold">
+                                        <p:cTn id="26" dur="1" fill="hold">
                                           <p:stCondLst>
                                             <p:cond delay="0"/>
                                           </p:stCondLst>
@@ -20251,15 +20811,33 @@
                                   </p:childTnLst>
                                 </p:cTn>
                               </p:par>
+                            </p:childTnLst>
+                          </p:cTn>
+                        </p:par>
+                      </p:childTnLst>
+                    </p:cTn>
+                  </p:par>
+                  <p:par>
+                    <p:cTn id="27" fill="hold">
+                      <p:stCondLst>
+                        <p:cond delay="indefinite"/>
+                      </p:stCondLst>
+                      <p:childTnLst>
+                        <p:par>
+                          <p:cTn id="28" fill="hold">
+                            <p:stCondLst>
+                              <p:cond delay="0"/>
+                            </p:stCondLst>
+                            <p:childTnLst>
                               <p:par>
-                                <p:cTn id="25" presetID="1" presetClass="entr" presetSubtype="0" fill="hold" grpId="0" nodeType="withEffect">
+                                <p:cTn id="29" presetID="1" presetClass="entr" presetSubtype="0" fill="hold" grpId="0" nodeType="clickEffect">
                                   <p:stCondLst>
                                     <p:cond delay="0"/>
                                   </p:stCondLst>
                                   <p:childTnLst>
                                     <p:set>
                                       <p:cBhvr>
-                                        <p:cTn id="26" dur="1" fill="hold">
+                                        <p:cTn id="30" dur="1" fill="hold">
                                           <p:stCondLst>
                                             <p:cond delay="0"/>
                                           </p:stCondLst>
@@ -20380,7 +20958,7 @@
         </p:nvSpPr>
         <p:spPr>
           <a:xfrm>
-            <a:off x="2240443" y="1683919"/>
+            <a:off x="2227191" y="1885285"/>
             <a:ext cx="7796540" cy="3997828"/>
           </a:xfrm>
         </p:spPr>
@@ -20748,8 +21326,8 @@
         </p:nvSpPr>
         <p:spPr>
           <a:xfrm>
-            <a:off x="2211694" y="1701952"/>
-            <a:ext cx="8758557" cy="4354292"/>
+            <a:off x="2211694" y="1701951"/>
+            <a:ext cx="8959889" cy="4738605"/>
           </a:xfrm>
         </p:spPr>
         <p:txBody>
@@ -20759,7 +21337,7 @@
           <a:lstStyle/>
           <a:p>
             <a:r>
-              <a:rPr lang="en-US" sz="2200" dirty="0"/>
+              <a:rPr lang="en-US" sz="2400" dirty="0"/>
               <a:t>Recent research on software systems has shown that codebases tend to contain regularities much like natural languages</a:t>
             </a:r>
           </a:p>
@@ -20772,7 +21350,7 @@
           </a:p>
           <a:p>
             <a:r>
-              <a:rPr lang="en-US" sz="2200" dirty="0"/>
+              <a:rPr lang="en-US" sz="2400" dirty="0"/>
               <a:t>Allows us to use Natural Language Processing for code completion</a:t>
             </a:r>
           </a:p>
@@ -20785,15 +21363,19 @@
           </a:p>
           <a:p>
             <a:r>
-              <a:rPr lang="en-US" sz="2200" dirty="0"/>
-              <a:t>Hypothesis: A similar regularity exists for network configurations</a:t>
-            </a:r>
-          </a:p>
-          <a:p>
-            <a:endParaRPr lang="en-US" sz="2200" dirty="0"/>
-          </a:p>
-          <a:p>
-            <a:endParaRPr lang="en-US" sz="2200" dirty="0"/>
+              <a:rPr lang="en-US" sz="2400" dirty="0"/>
+              <a:t>Hypothesis: </a:t>
+            </a:r>
+            <a:r>
+              <a:rPr lang="en-US" sz="2300" dirty="0"/>
+              <a:t>A similar regularity exists for network configurations</a:t>
+            </a:r>
+          </a:p>
+          <a:p>
+            <a:endParaRPr lang="en-US" sz="2400" dirty="0"/>
+          </a:p>
+          <a:p>
+            <a:endParaRPr lang="en-US" sz="2400" dirty="0"/>
           </a:p>
         </p:txBody>
       </p:sp>
@@ -21102,15 +21684,33 @@
                                   </p:childTnLst>
                                 </p:cTn>
                               </p:par>
+                            </p:childTnLst>
+                          </p:cTn>
+                        </p:par>
+                      </p:childTnLst>
+                    </p:cTn>
+                  </p:par>
+                  <p:par>
+                    <p:cTn id="21" fill="hold">
+                      <p:stCondLst>
+                        <p:cond delay="indefinite"/>
+                      </p:stCondLst>
+                      <p:childTnLst>
+                        <p:par>
+                          <p:cTn id="22" fill="hold">
+                            <p:stCondLst>
+                              <p:cond delay="0"/>
+                            </p:stCondLst>
+                            <p:childTnLst>
                               <p:par>
-                                <p:cTn id="21" presetID="21" presetClass="entr" presetSubtype="1" fill="hold" grpId="0" nodeType="withEffect">
+                                <p:cTn id="23" presetID="21" presetClass="entr" presetSubtype="1" fill="hold" grpId="0" nodeType="clickEffect">
                                   <p:stCondLst>
                                     <p:cond delay="0"/>
                                   </p:stCondLst>
                                   <p:childTnLst>
                                     <p:set>
                                       <p:cBhvr>
-                                        <p:cTn id="22" dur="1" fill="hold">
+                                        <p:cTn id="24" dur="1" fill="hold">
                                           <p:stCondLst>
                                             <p:cond delay="0"/>
                                           </p:stCondLst>
@@ -21132,7 +21732,7 @@
                                     </p:set>
                                     <p:animEffect transition="in" filter="wheel(1)">
                                       <p:cBhvr>
-                                        <p:cTn id="23" dur="2000"/>
+                                        <p:cTn id="25" dur="2000"/>
                                         <p:tgtEl>
                                           <p:spTgt spid="3">
                                             <p:txEl>
@@ -21152,26 +21752,26 @@
                     </p:cTn>
                   </p:par>
                   <p:par>
-                    <p:cTn id="24" fill="hold">
+                    <p:cTn id="26" fill="hold">
                       <p:stCondLst>
                         <p:cond delay="indefinite"/>
                       </p:stCondLst>
                       <p:childTnLst>
                         <p:par>
-                          <p:cTn id="25" fill="hold">
+                          <p:cTn id="27" fill="hold">
                             <p:stCondLst>
                               <p:cond delay="0"/>
                             </p:stCondLst>
                             <p:childTnLst>
                               <p:par>
-                                <p:cTn id="26" presetID="12" presetClass="entr" presetSubtype="4" fill="hold" grpId="0" nodeType="clickEffect">
+                                <p:cTn id="28" presetID="12" presetClass="entr" presetSubtype="4" fill="hold" grpId="0" nodeType="clickEffect">
                                   <p:stCondLst>
                                     <p:cond delay="0"/>
                                   </p:stCondLst>
                                   <p:childTnLst>
                                     <p:set>
                                       <p:cBhvr>
-                                        <p:cTn id="27" dur="1" fill="hold">
+                                        <p:cTn id="29" dur="1" fill="hold">
                                           <p:stCondLst>
                                             <p:cond delay="0"/>
                                           </p:stCondLst>
@@ -21193,7 +21793,7 @@
                                     </p:set>
                                     <p:anim calcmode="lin" valueType="num">
                                       <p:cBhvr additive="base">
-                                        <p:cTn id="28" dur="500"/>
+                                        <p:cTn id="30" dur="500"/>
                                         <p:tgtEl>
                                           <p:spTgt spid="3">
                                             <p:txEl>
@@ -21220,7 +21820,7 @@
                                     </p:anim>
                                     <p:animEffect transition="in" filter="wipe(up)">
                                       <p:cBhvr>
-                                        <p:cTn id="29" dur="500"/>
+                                        <p:cTn id="31" dur="500"/>
                                         <p:tgtEl>
                                           <p:spTgt spid="3">
                                             <p:txEl>

--- a/Final Presentation.pptx
+++ b/Final Presentation.pptx
@@ -5923,7 +5923,7 @@
           <a:p>
             <a:fld id="{E4C4B1B4-8AC2-E045-9F23-0D8D57885CA1}" type="datetimeFigureOut">
               <a:rPr lang="en-US" smtClean="0"/>
-              <a:t>5/1/18</a:t>
+              <a:t>5/8/18</a:t>
             </a:fld>
             <a:endParaRPr lang="en-US"/>
           </a:p>
@@ -6594,11 +6594,7 @@
             </a:r>
             <a:r>
               <a:rPr lang="en-US" dirty="0"/>
-              <a:t> seen </a:t>
-            </a:r>
-            <a:r>
-              <a:rPr lang="en-US"/>
-              <a:t>most things</a:t>
+              <a:t> seen most things</a:t>
             </a:r>
           </a:p>
         </p:txBody>
@@ -7376,7 +7372,7 @@
             </a:r>
             <a:r>
               <a:rPr lang="en-US" dirty="0" err="1"/>
-              <a:t>vlans</a:t>
+              <a:t>vl#ians</a:t>
             </a:r>
             <a:r>
               <a:rPr lang="en-US" dirty="0"/>
@@ -7638,7 +7634,7 @@
           <a:p>
             <a:fld id="{C9EC861A-1F0C-744A-84D0-7C9AAB3786C9}" type="datetime1">
               <a:rPr lang="en-US" smtClean="0"/>
-              <a:t>5/1/18</a:t>
+              <a:t>5/8/18</a:t>
             </a:fld>
             <a:endParaRPr lang="en-US" dirty="0"/>
           </a:p>
@@ -7973,7 +7969,7 @@
           <a:p>
             <a:fld id="{085C0705-305D-1947-B375-615969C78305}" type="datetime1">
               <a:rPr lang="en-US" smtClean="0"/>
-              <a:t>5/1/18</a:t>
+              <a:t>5/8/18</a:t>
             </a:fld>
             <a:endParaRPr lang="en-US" dirty="0"/>
           </a:p>
@@ -8276,7 +8272,7 @@
           <a:p>
             <a:fld id="{505993C2-3383-3D45-B934-7D563DF0A331}" type="datetime1">
               <a:rPr lang="en-US" smtClean="0"/>
-              <a:t>5/1/18</a:t>
+              <a:t>5/8/18</a:t>
             </a:fld>
             <a:endParaRPr lang="en-US" dirty="0"/>
           </a:p>
@@ -8524,7 +8520,7 @@
           <a:p>
             <a:fld id="{51A9D42D-BE17-1048-9024-8A41131D2766}" type="datetime1">
               <a:rPr lang="en-US" smtClean="0"/>
-              <a:t>5/1/18</a:t>
+              <a:t>5/8/18</a:t>
             </a:fld>
             <a:endParaRPr lang="en-US" dirty="0"/>
           </a:p>
@@ -8932,7 +8928,7 @@
           <a:p>
             <a:fld id="{677A8BB9-6AE0-0D4A-B263-8BFEFAE12FCF}" type="datetime1">
               <a:rPr lang="en-US" smtClean="0"/>
-              <a:t>5/1/18</a:t>
+              <a:t>5/8/18</a:t>
             </a:fld>
             <a:endParaRPr lang="en-US" dirty="0"/>
           </a:p>
@@ -9247,7 +9243,7 @@
           <a:p>
             <a:fld id="{E1B61537-1452-5B48-B068-4BD78A701136}" type="datetime1">
               <a:rPr lang="en-US" smtClean="0"/>
-              <a:t>5/1/18</a:t>
+              <a:t>5/8/18</a:t>
             </a:fld>
             <a:endParaRPr lang="en-US" dirty="0"/>
           </a:p>
@@ -9792,7 +9788,7 @@
           <a:p>
             <a:fld id="{DD70666A-7DC2-B94B-9678-99A23E5D620C}" type="datetime1">
               <a:rPr lang="en-US" smtClean="0"/>
-              <a:t>5/1/18</a:t>
+              <a:t>5/8/18</a:t>
             </a:fld>
             <a:endParaRPr lang="en-US" dirty="0"/>
           </a:p>
@@ -9988,7 +9984,7 @@
           <a:p>
             <a:fld id="{6A7AEBC1-B868-214C-965D-76A7D2E7B07F}" type="datetime1">
               <a:rPr lang="en-US" smtClean="0"/>
-              <a:t>5/1/18</a:t>
+              <a:t>5/8/18</a:t>
             </a:fld>
             <a:endParaRPr lang="en-US" dirty="0"/>
           </a:p>
@@ -10202,7 +10198,7 @@
           <a:p>
             <a:fld id="{C0558313-3C42-2148-A548-6151C82DA30D}" type="datetime1">
               <a:rPr lang="en-US" smtClean="0"/>
-              <a:t>5/1/18</a:t>
+              <a:t>5/8/18</a:t>
             </a:fld>
             <a:endParaRPr lang="en-US" dirty="0"/>
           </a:p>
@@ -10572,7 +10568,7 @@
           <a:p>
             <a:fld id="{E6FF4B98-E8AE-7A42-8C0A-BABFD61FC319}" type="datetime1">
               <a:rPr lang="en-US" smtClean="0"/>
-              <a:t>5/1/18</a:t>
+              <a:t>5/8/18</a:t>
             </a:fld>
             <a:endParaRPr lang="en-US" dirty="0"/>
           </a:p>
@@ -10976,7 +10972,7 @@
           <a:p>
             <a:fld id="{76C677ED-0C49-2A49-B260-648423C5E062}" type="datetime1">
               <a:rPr lang="en-US" smtClean="0"/>
-              <a:t>5/1/18</a:t>
+              <a:t>5/8/18</a:t>
             </a:fld>
             <a:endParaRPr lang="en-US" dirty="0"/>
           </a:p>
@@ -11315,7 +11311,7 @@
           <a:p>
             <a:fld id="{85379E05-B417-D645-B173-FD935FED8562}" type="datetime1">
               <a:rPr lang="en-US" smtClean="0"/>
-              <a:t>5/1/18</a:t>
+              <a:t>5/8/18</a:t>
             </a:fld>
             <a:endParaRPr lang="en-US" dirty="0"/>
           </a:p>
@@ -14324,7 +14320,7 @@
         </p:nvSpPr>
         <p:spPr>
           <a:xfrm>
-            <a:off x="6743700" y="1839061"/>
+            <a:off x="6036331" y="2115109"/>
             <a:ext cx="4114303" cy="4839251"/>
           </a:xfrm>
           <a:prstGeom prst="flowChartDocument">
@@ -14549,7 +14545,7 @@
         </p:nvSpPr>
         <p:spPr>
           <a:xfrm>
-            <a:off x="1365250" y="1839061"/>
+            <a:off x="1365250" y="2115109"/>
             <a:ext cx="4081173" cy="4839251"/>
           </a:xfrm>
           <a:prstGeom prst="flowChartDocument">
@@ -14677,7 +14673,7 @@
         </p:nvSpPr>
         <p:spPr>
           <a:xfrm>
-            <a:off x="1607088" y="4080887"/>
+            <a:off x="1607088" y="4356935"/>
             <a:ext cx="1232452" cy="867373"/>
           </a:xfrm>
           <a:prstGeom prst="wedgeRectCallout">
@@ -14743,7 +14739,7 @@
         </p:nvSpPr>
         <p:spPr>
           <a:xfrm>
-            <a:off x="1738990" y="4408361"/>
+            <a:off x="1738990" y="4659695"/>
             <a:ext cx="1006601" cy="331582"/>
           </a:xfrm>
           <a:prstGeom prst="ellipse">
@@ -14795,7 +14791,7 @@
         </p:nvSpPr>
         <p:spPr>
           <a:xfrm>
-            <a:off x="1751690" y="3554207"/>
+            <a:off x="1751690" y="3830255"/>
             <a:ext cx="943249" cy="338554"/>
           </a:xfrm>
           <a:prstGeom prst="rect">
@@ -14834,7 +14830,7 @@
         </p:nvSpPr>
         <p:spPr>
           <a:xfrm>
-            <a:off x="7250791" y="3561179"/>
+            <a:off x="6506351" y="3837227"/>
             <a:ext cx="864510" cy="331582"/>
           </a:xfrm>
           <a:prstGeom prst="ellipse">
@@ -14886,7 +14882,59 @@
         </p:nvSpPr>
         <p:spPr>
           <a:xfrm>
-            <a:off x="1219200" y="3632200"/>
+            <a:off x="1365249" y="3890995"/>
+            <a:ext cx="241839" cy="235161"/>
+          </a:xfrm>
+          <a:prstGeom prst="rightArrow">
+            <a:avLst/>
+          </a:prstGeom>
+          <a:solidFill>
+            <a:srgbClr val="FF0000"/>
+          </a:solidFill>
+          <a:ln>
+            <a:noFill/>
+          </a:ln>
+        </p:spPr>
+        <p:style>
+          <a:lnRef idx="2">
+            <a:schemeClr val="accent1">
+              <a:shade val="50000"/>
+            </a:schemeClr>
+          </a:lnRef>
+          <a:fillRef idx="1">
+            <a:schemeClr val="accent1"/>
+          </a:fillRef>
+          <a:effectRef idx="0">
+            <a:schemeClr val="accent1"/>
+          </a:effectRef>
+          <a:fontRef idx="minor">
+            <a:schemeClr val="lt1"/>
+          </a:fontRef>
+        </p:style>
+        <p:txBody>
+          <a:bodyPr rtlCol="0" anchor="ctr"/>
+          <a:lstStyle/>
+          <a:p>
+            <a:pPr algn="ctr"/>
+            <a:endParaRPr lang="en-US"/>
+          </a:p>
+        </p:txBody>
+      </p:sp>
+      <p:sp>
+        <p:nvSpPr>
+          <p:cNvPr id="15" name="Right Arrow 14">
+            <a:extLst>
+              <a:ext uri="{FF2B5EF4-FFF2-40B4-BE49-F238E27FC236}">
+                <a16:creationId xmlns:a16="http://schemas.microsoft.com/office/drawing/2014/main" id="{C0F943D2-FAEB-2045-8D54-5781C9D3841A}"/>
+              </a:ext>
+            </a:extLst>
+          </p:cNvPr>
+          <p:cNvSpPr/>
+          <p:nvPr/>
+        </p:nvSpPr>
+        <p:spPr>
+          <a:xfrm>
+            <a:off x="6036331" y="3908248"/>
             <a:ext cx="292100" cy="235161"/>
           </a:xfrm>
           <a:prstGeom prst="rightArrow">
@@ -14926,53 +14974,72 @@
       </p:sp>
       <p:sp>
         <p:nvSpPr>
-          <p:cNvPr id="15" name="Right Arrow 14">
+          <p:cNvPr id="3" name="TextBox 2">
             <a:extLst>
               <a:ext uri="{FF2B5EF4-FFF2-40B4-BE49-F238E27FC236}">
-                <a16:creationId xmlns:a16="http://schemas.microsoft.com/office/drawing/2014/main" id="{C0F943D2-FAEB-2045-8D54-5781C9D3841A}"/>
+                <a16:creationId xmlns:a16="http://schemas.microsoft.com/office/drawing/2014/main" id="{A6EDEC0B-36C4-CE43-A305-6D930B972D17}"/>
               </a:ext>
             </a:extLst>
           </p:cNvPr>
-          <p:cNvSpPr/>
+          <p:cNvSpPr txBox="1"/>
           <p:nvPr/>
         </p:nvSpPr>
         <p:spPr>
           <a:xfrm>
-            <a:off x="6743700" y="3632200"/>
-            <a:ext cx="292100" cy="235161"/>
+            <a:off x="1365250" y="1602834"/>
+            <a:ext cx="4081173" cy="369332"/>
           </a:xfrm>
-          <a:prstGeom prst="rightArrow">
+          <a:prstGeom prst="rect">
             <a:avLst/>
           </a:prstGeom>
-          <a:solidFill>
-            <a:srgbClr val="FF0000"/>
-          </a:solidFill>
-          <a:ln>
-            <a:noFill/>
-          </a:ln>
+          <a:noFill/>
         </p:spPr>
-        <p:style>
-          <a:lnRef idx="2">
-            <a:schemeClr val="accent1">
-              <a:shade val="50000"/>
-            </a:schemeClr>
-          </a:lnRef>
-          <a:fillRef idx="1">
-            <a:schemeClr val="accent1"/>
-          </a:fillRef>
-          <a:effectRef idx="0">
-            <a:schemeClr val="accent1"/>
-          </a:effectRef>
-          <a:fontRef idx="minor">
-            <a:schemeClr val="lt1"/>
-          </a:fontRef>
-        </p:style>
         <p:txBody>
-          <a:bodyPr rtlCol="0" anchor="ctr"/>
+          <a:bodyPr wrap="square" rtlCol="0">
+            <a:spAutoFit/>
+          </a:bodyPr>
           <a:lstStyle/>
           <a:p>
+            <a:r>
+              <a:rPr lang="en-US" dirty="0"/>
+              <a:t>Configuration “Rebuilt” Using Model</a:t>
+            </a:r>
+          </a:p>
+        </p:txBody>
+      </p:sp>
+      <p:sp>
+        <p:nvSpPr>
+          <p:cNvPr id="16" name="TextBox 15">
+            <a:extLst>
+              <a:ext uri="{FF2B5EF4-FFF2-40B4-BE49-F238E27FC236}">
+                <a16:creationId xmlns:a16="http://schemas.microsoft.com/office/drawing/2014/main" id="{89D7E371-CE22-9B45-84E0-D311E35CF26A}"/>
+              </a:ext>
+            </a:extLst>
+          </p:cNvPr>
+          <p:cNvSpPr txBox="1"/>
+          <p:nvPr/>
+        </p:nvSpPr>
+        <p:spPr>
+          <a:xfrm>
+            <a:off x="6020118" y="1601156"/>
+            <a:ext cx="4081173" cy="369332"/>
+          </a:xfrm>
+          <a:prstGeom prst="rect">
+            <a:avLst/>
+          </a:prstGeom>
+          <a:noFill/>
+        </p:spPr>
+        <p:txBody>
+          <a:bodyPr wrap="square" rtlCol="0">
+            <a:spAutoFit/>
+          </a:bodyPr>
+          <a:lstStyle/>
+          <a:p>
             <a:pPr algn="ctr"/>
-            <a:endParaRPr lang="en-US"/>
+            <a:r>
+              <a:rPr lang="en-US" dirty="0"/>
+              <a:t>Original Configuration</a:t>
+            </a:r>
           </a:p>
         </p:txBody>
       </p:sp>
